--- a/image_of_paper.pptx
+++ b/image_of_paper.pptx
@@ -6,6 +6,7 @@
   </p:sldMasterIdLst>
   <p:sldIdLst>
     <p:sldId id="256" r:id="rId2"/>
+    <p:sldId id="257" r:id="rId3"/>
   </p:sldIdLst>
   <p:sldSz cx="12192000" cy="6858000"/>
   <p:notesSz cx="6858000" cy="9144000"/>
@@ -2969,25 +2970,2222 @@
           <a:chExt cx="0" cy="0"/>
         </a:xfrm>
       </p:grpSpPr>
-      <p:sp>
-        <p:nvSpPr>
-          <p:cNvPr id="4" name="平行四边形 3"/>
+      <p:grpSp>
+        <p:nvGrpSpPr>
+          <p:cNvPr id="85" name="组合 84"/>
+          <p:cNvGrpSpPr/>
+          <p:nvPr/>
+        </p:nvGrpSpPr>
+        <p:grpSpPr>
+          <a:xfrm>
+            <a:off x="1139165" y="1795603"/>
+            <a:ext cx="3794785" cy="2233473"/>
+            <a:chOff x="2422632" y="2052559"/>
+            <a:chExt cx="3977142" cy="2232105"/>
+          </a:xfrm>
+        </p:grpSpPr>
+        <p:sp>
+          <p:nvSpPr>
+            <p:cNvPr id="4" name="平行四边形 3"/>
+            <p:cNvSpPr/>
+            <p:nvPr/>
+          </p:nvSpPr>
+          <p:spPr>
+            <a:xfrm rot="5400000">
+              <a:off x="2567151" y="2714295"/>
+              <a:ext cx="1366344" cy="1655381"/>
+            </a:xfrm>
+            <a:prstGeom prst="parallelogram">
+              <a:avLst/>
+            </a:prstGeom>
+            <a:noFill/>
+            <a:ln w="19050">
+              <a:solidFill>
+                <a:schemeClr val="tx1"/>
+              </a:solidFill>
+            </a:ln>
+          </p:spPr>
+          <p:style>
+            <a:lnRef idx="2">
+              <a:schemeClr val="accent1">
+                <a:shade val="50000"/>
+              </a:schemeClr>
+            </a:lnRef>
+            <a:fillRef idx="1">
+              <a:schemeClr val="accent1"/>
+            </a:fillRef>
+            <a:effectRef idx="0">
+              <a:schemeClr val="accent1"/>
+            </a:effectRef>
+            <a:fontRef idx="minor">
+              <a:schemeClr val="lt1"/>
+            </a:fontRef>
+          </p:style>
+          <p:txBody>
+            <a:bodyPr rtlCol="0" anchor="ctr"/>
+            <a:lstStyle/>
+            <a:p>
+              <a:pPr algn="ctr"/>
+              <a:endParaRPr lang="zh-CN" altLang="en-US"/>
+            </a:p>
+          </p:txBody>
+        </p:sp>
+        <p:sp>
+          <p:nvSpPr>
+            <p:cNvPr id="7" name="平行四边形 6"/>
+            <p:cNvSpPr/>
+            <p:nvPr/>
+          </p:nvSpPr>
+          <p:spPr>
+            <a:xfrm rot="15927846" flipH="1">
+              <a:off x="4810435" y="2570531"/>
+              <a:ext cx="1469392" cy="1709287"/>
+            </a:xfrm>
+            <a:prstGeom prst="parallelogram">
+              <a:avLst/>
+            </a:prstGeom>
+            <a:noFill/>
+            <a:ln w="19050">
+              <a:solidFill>
+                <a:schemeClr val="tx1"/>
+              </a:solidFill>
+            </a:ln>
+          </p:spPr>
+          <p:style>
+            <a:lnRef idx="2">
+              <a:schemeClr val="accent1">
+                <a:shade val="50000"/>
+              </a:schemeClr>
+            </a:lnRef>
+            <a:fillRef idx="1">
+              <a:schemeClr val="accent1"/>
+            </a:fillRef>
+            <a:effectRef idx="0">
+              <a:schemeClr val="accent1"/>
+            </a:effectRef>
+            <a:fontRef idx="minor">
+              <a:schemeClr val="lt1"/>
+            </a:fontRef>
+          </p:style>
+          <p:txBody>
+            <a:bodyPr rtlCol="0" anchor="ctr"/>
+            <a:lstStyle/>
+            <a:p>
+              <a:pPr algn="ctr"/>
+              <a:endParaRPr lang="zh-CN" altLang="en-US"/>
+            </a:p>
+          </p:txBody>
+        </p:sp>
+        <p:sp>
+          <p:nvSpPr>
+            <p:cNvPr id="9" name="平行四边形 8"/>
+            <p:cNvSpPr/>
+            <p:nvPr/>
+          </p:nvSpPr>
+          <p:spPr>
+            <a:xfrm rot="5400000">
+              <a:off x="3040773" y="3450575"/>
+              <a:ext cx="152400" cy="152400"/>
+            </a:xfrm>
+            <a:prstGeom prst="parallelogram">
+              <a:avLst/>
+            </a:prstGeom>
+            <a:noFill/>
+            <a:ln w="12700">
+              <a:solidFill>
+                <a:schemeClr val="tx1"/>
+              </a:solidFill>
+            </a:ln>
+          </p:spPr>
+          <p:style>
+            <a:lnRef idx="2">
+              <a:schemeClr val="accent1">
+                <a:shade val="50000"/>
+              </a:schemeClr>
+            </a:lnRef>
+            <a:fillRef idx="1">
+              <a:schemeClr val="accent1"/>
+            </a:fillRef>
+            <a:effectRef idx="0">
+              <a:schemeClr val="accent1"/>
+            </a:effectRef>
+            <a:fontRef idx="minor">
+              <a:schemeClr val="lt1"/>
+            </a:fontRef>
+          </p:style>
+          <p:txBody>
+            <a:bodyPr rtlCol="0" anchor="ctr"/>
+            <a:lstStyle/>
+            <a:p>
+              <a:pPr algn="ctr"/>
+              <a:endParaRPr lang="zh-CN" altLang="en-US"/>
+            </a:p>
+          </p:txBody>
+        </p:sp>
+        <p:sp>
+          <p:nvSpPr>
+            <p:cNvPr id="11" name="椭圆 10"/>
+            <p:cNvSpPr/>
+            <p:nvPr/>
+          </p:nvSpPr>
+          <p:spPr>
+            <a:xfrm>
+              <a:off x="3816350" y="2556714"/>
+              <a:ext cx="45830" cy="48887"/>
+            </a:xfrm>
+            <a:prstGeom prst="ellipse">
+              <a:avLst/>
+            </a:prstGeom>
+            <a:noFill/>
+            <a:ln>
+              <a:solidFill>
+                <a:schemeClr val="tx1"/>
+              </a:solidFill>
+            </a:ln>
+          </p:spPr>
+          <p:style>
+            <a:lnRef idx="2">
+              <a:schemeClr val="accent1">
+                <a:shade val="50000"/>
+              </a:schemeClr>
+            </a:lnRef>
+            <a:fillRef idx="1">
+              <a:schemeClr val="accent1"/>
+            </a:fillRef>
+            <a:effectRef idx="0">
+              <a:schemeClr val="accent1"/>
+            </a:effectRef>
+            <a:fontRef idx="minor">
+              <a:schemeClr val="lt1"/>
+            </a:fontRef>
+          </p:style>
+          <p:txBody>
+            <a:bodyPr rtlCol="0" anchor="ctr"/>
+            <a:lstStyle/>
+            <a:p>
+              <a:pPr algn="ctr"/>
+              <a:endParaRPr lang="zh-CN" altLang="en-US"/>
+            </a:p>
+          </p:txBody>
+        </p:sp>
+        <p:cxnSp>
+          <p:nvCxnSpPr>
+            <p:cNvPr id="13" name="直接连接符 12"/>
+            <p:cNvCxnSpPr>
+              <a:stCxn id="11" idx="3"/>
+            </p:cNvCxnSpPr>
+            <p:nvPr/>
+          </p:nvCxnSpPr>
+          <p:spPr>
+            <a:xfrm flipH="1">
+              <a:off x="3111021" y="2598442"/>
+              <a:ext cx="712041" cy="929922"/>
+            </a:xfrm>
+            <a:prstGeom prst="line">
+              <a:avLst/>
+            </a:prstGeom>
+          </p:spPr>
+          <p:style>
+            <a:lnRef idx="1">
+              <a:schemeClr val="dk1"/>
+            </a:lnRef>
+            <a:fillRef idx="0">
+              <a:schemeClr val="dk1"/>
+            </a:fillRef>
+            <a:effectRef idx="0">
+              <a:schemeClr val="dk1"/>
+            </a:effectRef>
+            <a:fontRef idx="minor">
+              <a:schemeClr val="tx1"/>
+            </a:fontRef>
+          </p:style>
+        </p:cxnSp>
+        <p:sp>
+          <p:nvSpPr>
+            <p:cNvPr id="22" name="文本框 21"/>
+            <p:cNvSpPr txBox="1"/>
+            <p:nvPr/>
+          </p:nvSpPr>
+          <p:spPr>
+            <a:xfrm>
+              <a:off x="2507907" y="2654481"/>
+              <a:ext cx="504856" cy="158375"/>
+            </a:xfrm>
+            <a:prstGeom prst="rect">
+              <a:avLst/>
+            </a:prstGeom>
+            <a:noFill/>
+          </p:spPr>
+          <p:txBody>
+            <a:bodyPr wrap="none" rtlCol="0">
+              <a:spAutoFit/>
+            </a:bodyPr>
+            <a:lstStyle/>
+            <a:p>
+              <a:r>
+                <a:rPr lang="en-US" altLang="zh-CN" sz="1200" dirty="0" smtClean="0">
+                  <a:latin typeface="Times New Roman" panose="02020603050405020304" pitchFamily="18" charset="0"/>
+                  <a:cs typeface="Times New Roman" panose="02020603050405020304" pitchFamily="18" charset="0"/>
+                </a:rPr>
+                <a:t>last frame</a:t>
+              </a:r>
+              <a:endParaRPr lang="zh-CN" altLang="en-US" sz="1200" dirty="0">
+                <a:latin typeface="Times New Roman" panose="02020603050405020304" pitchFamily="18" charset="0"/>
+                <a:cs typeface="Times New Roman" panose="02020603050405020304" pitchFamily="18" charset="0"/>
+              </a:endParaRPr>
+            </a:p>
+          </p:txBody>
+        </p:sp>
+        <p:sp>
+          <p:nvSpPr>
+            <p:cNvPr id="23" name="文本框 22"/>
+            <p:cNvSpPr txBox="1"/>
+            <p:nvPr/>
+          </p:nvSpPr>
+          <p:spPr>
+            <a:xfrm>
+              <a:off x="5271738" y="2469985"/>
+              <a:ext cx="1063797" cy="276829"/>
+            </a:xfrm>
+            <a:prstGeom prst="rect">
+              <a:avLst/>
+            </a:prstGeom>
+            <a:noFill/>
+          </p:spPr>
+          <p:txBody>
+            <a:bodyPr wrap="none" rtlCol="0">
+              <a:spAutoFit/>
+            </a:bodyPr>
+            <a:lstStyle/>
+            <a:p>
+              <a:r>
+                <a:rPr lang="en-US" altLang="zh-CN" sz="1200" dirty="0" smtClean="0">
+                  <a:latin typeface="Times New Roman" panose="02020603050405020304" pitchFamily="18" charset="0"/>
+                  <a:cs typeface="Times New Roman" panose="02020603050405020304" pitchFamily="18" charset="0"/>
+                </a:rPr>
+                <a:t>current</a:t>
+              </a:r>
+              <a:r>
+                <a:rPr lang="en-US" altLang="zh-CN" sz="1000" dirty="0" smtClean="0">
+                  <a:latin typeface="Times New Roman" panose="02020603050405020304" pitchFamily="18" charset="0"/>
+                  <a:cs typeface="Times New Roman" panose="02020603050405020304" pitchFamily="18" charset="0"/>
+                </a:rPr>
+                <a:t> </a:t>
+              </a:r>
+              <a:r>
+                <a:rPr lang="en-US" altLang="zh-CN" sz="1200" dirty="0" smtClean="0">
+                  <a:latin typeface="Times New Roman" panose="02020603050405020304" pitchFamily="18" charset="0"/>
+                  <a:cs typeface="Times New Roman" panose="02020603050405020304" pitchFamily="18" charset="0"/>
+                </a:rPr>
+                <a:t>frame</a:t>
+              </a:r>
+              <a:endParaRPr lang="zh-CN" altLang="en-US" sz="1000" dirty="0">
+                <a:latin typeface="Times New Roman" panose="02020603050405020304" pitchFamily="18" charset="0"/>
+                <a:cs typeface="Times New Roman" panose="02020603050405020304" pitchFamily="18" charset="0"/>
+              </a:endParaRPr>
+            </a:p>
+          </p:txBody>
+        </p:sp>
+        <mc:AlternateContent xmlns:mc="http://schemas.openxmlformats.org/markup-compatibility/2006">
+          <mc:Choice xmlns:a14="http://schemas.microsoft.com/office/drawing/2010/main" Requires="a14">
+            <p:sp>
+              <p:nvSpPr>
+                <p:cNvPr id="2" name="矩形 1"/>
+                <p:cNvSpPr/>
+                <p:nvPr/>
+              </p:nvSpPr>
+              <p:spPr>
+                <a:xfrm>
+                  <a:off x="2445402" y="2929417"/>
+                  <a:ext cx="462898" cy="276829"/>
+                </a:xfrm>
+                <a:prstGeom prst="rect">
+                  <a:avLst/>
+                </a:prstGeom>
+              </p:spPr>
+              <p:txBody>
+                <a:bodyPr wrap="square">
+                  <a:spAutoFit/>
+                </a:bodyPr>
+                <a:lstStyle/>
+                <a:p>
+                  <a:pPr/>
+                  <a14:m>
+                    <m:oMathPara xmlns:m="http://schemas.openxmlformats.org/officeDocument/2006/math">
+                      <m:oMathParaPr>
+                        <m:jc m:val="centerGroup"/>
+                      </m:oMathParaPr>
+                      <m:oMath xmlns:m="http://schemas.openxmlformats.org/officeDocument/2006/math">
+                        <m:sSub>
+                          <m:sSubPr>
+                            <m:ctrlPr>
+                              <a:rPr lang="zh-CN" altLang="en-US" sz="1200" i="1">
+                                <a:latin typeface="Cambria Math" panose="02040503050406030204" pitchFamily="18" charset="0"/>
+                              </a:rPr>
+                            </m:ctrlPr>
+                          </m:sSubPr>
+                          <m:e>
+                            <m:r>
+                              <a:rPr lang="zh-CN" altLang="en-US" sz="1200" i="1">
+                                <a:latin typeface="Cambria Math" panose="02040503050406030204" pitchFamily="18" charset="0"/>
+                              </a:rPr>
+                              <m:t>𝐼</m:t>
+                            </m:r>
+                          </m:e>
+                          <m:sub>
+                            <m:r>
+                              <a:rPr lang="zh-CN" altLang="en-US" sz="1200" i="1">
+                                <a:latin typeface="Cambria Math" panose="02040503050406030204" pitchFamily="18" charset="0"/>
+                              </a:rPr>
+                              <m:t>𝑘</m:t>
+                            </m:r>
+                            <m:r>
+                              <a:rPr lang="zh-CN" altLang="en-US" sz="1200" i="0">
+                                <a:latin typeface="Cambria Math" panose="02040503050406030204" pitchFamily="18" charset="0"/>
+                              </a:rPr>
+                              <m:t>−1</m:t>
+                            </m:r>
+                          </m:sub>
+                        </m:sSub>
+                      </m:oMath>
+                    </m:oMathPara>
+                  </a14:m>
+                  <a:endParaRPr lang="zh-CN" altLang="en-US" sz="1000" dirty="0"/>
+                </a:p>
+              </p:txBody>
+            </p:sp>
+          </mc:Choice>
+          <mc:Fallback>
+            <p:sp>
+              <p:nvSpPr>
+                <p:cNvPr id="2" name="矩形 1"/>
+                <p:cNvSpPr>
+                  <a:spLocks noRot="1" noChangeAspect="1" noMove="1" noResize="1" noEditPoints="1" noAdjustHandles="1" noChangeArrowheads="1" noChangeShapeType="1" noTextEdit="1"/>
+                </p:cNvSpPr>
+                <p:nvPr/>
+              </p:nvSpPr>
+              <p:spPr>
+                <a:xfrm>
+                  <a:off x="2445402" y="2929417"/>
+                  <a:ext cx="462898" cy="276829"/>
+                </a:xfrm>
+                <a:prstGeom prst="rect">
+                  <a:avLst/>
+                </a:prstGeom>
+                <a:blipFill>
+                  <a:blip r:embed="rId3"/>
+                  <a:stretch>
+                    <a:fillRect/>
+                  </a:stretch>
+                </a:blipFill>
+              </p:spPr>
+              <p:txBody>
+                <a:bodyPr/>
+                <a:lstStyle/>
+                <a:p>
+                  <a:r>
+                    <a:rPr lang="zh-CN" altLang="en-US">
+                      <a:noFill/>
+                    </a:rPr>
+                    <a:t> </a:t>
+                  </a:r>
+                </a:p>
+              </p:txBody>
+            </p:sp>
+          </mc:Fallback>
+        </mc:AlternateContent>
+        <mc:AlternateContent xmlns:mc="http://schemas.openxmlformats.org/markup-compatibility/2006">
+          <mc:Choice xmlns:a14="http://schemas.microsoft.com/office/drawing/2010/main" Requires="a14">
+            <p:sp>
+              <p:nvSpPr>
+                <p:cNvPr id="3" name="矩形 2"/>
+                <p:cNvSpPr/>
+                <p:nvPr/>
+              </p:nvSpPr>
+              <p:spPr>
+                <a:xfrm>
+                  <a:off x="4729611" y="3126750"/>
+                  <a:ext cx="368935" cy="276829"/>
+                </a:xfrm>
+                <a:prstGeom prst="rect">
+                  <a:avLst/>
+                </a:prstGeom>
+              </p:spPr>
+              <p:txBody>
+                <a:bodyPr wrap="none">
+                  <a:spAutoFit/>
+                </a:bodyPr>
+                <a:lstStyle/>
+                <a:p>
+                  <a:pPr/>
+                  <a14:m>
+                    <m:oMathPara xmlns:m="http://schemas.openxmlformats.org/officeDocument/2006/math">
+                      <m:oMathParaPr>
+                        <m:jc m:val="centerGroup"/>
+                      </m:oMathParaPr>
+                      <m:oMath xmlns:m="http://schemas.openxmlformats.org/officeDocument/2006/math">
+                        <m:sSub>
+                          <m:sSubPr>
+                            <m:ctrlPr>
+                              <a:rPr lang="zh-CN" altLang="en-US" sz="1200" i="1">
+                                <a:latin typeface="Cambria Math" panose="02040503050406030204" pitchFamily="18" charset="0"/>
+                              </a:rPr>
+                            </m:ctrlPr>
+                          </m:sSubPr>
+                          <m:e>
+                            <m:r>
+                              <a:rPr lang="zh-CN" altLang="en-US" sz="1200" i="1">
+                                <a:latin typeface="Cambria Math" panose="02040503050406030204" pitchFamily="18" charset="0"/>
+                              </a:rPr>
+                              <m:t>𝐼</m:t>
+                            </m:r>
+                          </m:e>
+                          <m:sub>
+                            <m:r>
+                              <a:rPr lang="zh-CN" altLang="en-US" sz="1200" i="1">
+                                <a:latin typeface="Cambria Math" panose="02040503050406030204" pitchFamily="18" charset="0"/>
+                              </a:rPr>
+                              <m:t>𝑘</m:t>
+                            </m:r>
+                          </m:sub>
+                        </m:sSub>
+                      </m:oMath>
+                    </m:oMathPara>
+                  </a14:m>
+                  <a:endParaRPr lang="zh-CN" altLang="en-US" sz="1000" dirty="0"/>
+                </a:p>
+              </p:txBody>
+            </p:sp>
+          </mc:Choice>
+          <mc:Fallback>
+            <p:sp>
+              <p:nvSpPr>
+                <p:cNvPr id="3" name="矩形 2"/>
+                <p:cNvSpPr>
+                  <a:spLocks noRot="1" noChangeAspect="1" noMove="1" noResize="1" noEditPoints="1" noAdjustHandles="1" noChangeArrowheads="1" noChangeShapeType="1" noTextEdit="1"/>
+                </p:cNvSpPr>
+                <p:nvPr/>
+              </p:nvSpPr>
+              <p:spPr>
+                <a:xfrm>
+                  <a:off x="4729611" y="3126750"/>
+                  <a:ext cx="368935" cy="276829"/>
+                </a:xfrm>
+                <a:prstGeom prst="rect">
+                  <a:avLst/>
+                </a:prstGeom>
+                <a:blipFill>
+                  <a:blip r:embed="rId4"/>
+                  <a:stretch>
+                    <a:fillRect/>
+                  </a:stretch>
+                </a:blipFill>
+              </p:spPr>
+              <p:txBody>
+                <a:bodyPr/>
+                <a:lstStyle/>
+                <a:p>
+                  <a:r>
+                    <a:rPr lang="zh-CN" altLang="en-US">
+                      <a:noFill/>
+                    </a:rPr>
+                    <a:t> </a:t>
+                  </a:r>
+                </a:p>
+              </p:txBody>
+            </p:sp>
+          </mc:Fallback>
+        </mc:AlternateContent>
+        <p:sp>
+          <p:nvSpPr>
+            <p:cNvPr id="10" name="平行四边形 9"/>
+            <p:cNvSpPr/>
+            <p:nvPr/>
+          </p:nvSpPr>
+          <p:spPr>
+            <a:xfrm rot="15927846" flipH="1">
+              <a:off x="5415743" y="3302263"/>
+              <a:ext cx="144473" cy="141417"/>
+            </a:xfrm>
+            <a:prstGeom prst="parallelogram">
+              <a:avLst/>
+            </a:prstGeom>
+            <a:noFill/>
+            <a:ln w="12700">
+              <a:solidFill>
+                <a:srgbClr val="0070C0"/>
+              </a:solidFill>
+            </a:ln>
+          </p:spPr>
+          <p:style>
+            <a:lnRef idx="2">
+              <a:schemeClr val="accent1">
+                <a:shade val="50000"/>
+              </a:schemeClr>
+            </a:lnRef>
+            <a:fillRef idx="1">
+              <a:schemeClr val="accent1"/>
+            </a:fillRef>
+            <a:effectRef idx="0">
+              <a:schemeClr val="accent1"/>
+            </a:effectRef>
+            <a:fontRef idx="minor">
+              <a:schemeClr val="lt1"/>
+            </a:fontRef>
+          </p:style>
+          <p:txBody>
+            <a:bodyPr rtlCol="0" anchor="ctr"/>
+            <a:lstStyle/>
+            <a:p>
+              <a:pPr algn="ctr"/>
+              <a:endParaRPr lang="zh-CN" altLang="en-US"/>
+            </a:p>
+          </p:txBody>
+        </p:sp>
+        <p:sp>
+          <p:nvSpPr>
+            <p:cNvPr id="17" name="下弧形箭头 16"/>
+            <p:cNvSpPr/>
+            <p:nvPr/>
+          </p:nvSpPr>
+          <p:spPr>
+            <a:xfrm>
+              <a:off x="3605537" y="3811649"/>
+              <a:ext cx="1551417" cy="266700"/>
+            </a:xfrm>
+            <a:prstGeom prst="curvedUpArrow">
+              <a:avLst/>
+            </a:prstGeom>
+            <a:noFill/>
+            <a:ln>
+              <a:solidFill>
+                <a:schemeClr val="tx1"/>
+              </a:solidFill>
+            </a:ln>
+          </p:spPr>
+          <p:style>
+            <a:lnRef idx="2">
+              <a:schemeClr val="accent1">
+                <a:shade val="50000"/>
+              </a:schemeClr>
+            </a:lnRef>
+            <a:fillRef idx="1">
+              <a:schemeClr val="accent1"/>
+            </a:fillRef>
+            <a:effectRef idx="0">
+              <a:schemeClr val="accent1"/>
+            </a:effectRef>
+            <a:fontRef idx="minor">
+              <a:schemeClr val="lt1"/>
+            </a:fontRef>
+          </p:style>
+          <p:txBody>
+            <a:bodyPr rtlCol="0" anchor="ctr"/>
+            <a:lstStyle/>
+            <a:p>
+              <a:pPr algn="ctr"/>
+              <a:endParaRPr lang="zh-CN" altLang="en-US">
+                <a:solidFill>
+                  <a:schemeClr val="tx1"/>
+                </a:solidFill>
+              </a:endParaRPr>
+            </a:p>
+          </p:txBody>
+        </p:sp>
+        <mc:AlternateContent xmlns:mc="http://schemas.openxmlformats.org/markup-compatibility/2006">
+          <mc:Choice xmlns:a14="http://schemas.microsoft.com/office/drawing/2010/main" Requires="a14">
+            <p:graphicFrame>
+              <p:nvGraphicFramePr>
+                <p:cNvPr id="35" name="对象 34"/>
+                <p:cNvGraphicFramePr>
+                  <a:graphicFrameLocks noChangeAspect="1"/>
+                </p:cNvGraphicFramePr>
+                <p:nvPr>
+                  <p:extLst>
+                    <p:ext uri="{D42A27DB-BD31-4B8C-83A1-F6EECF244321}">
+                      <p14:modId xmlns:p14="http://schemas.microsoft.com/office/powerpoint/2010/main" val="2639161570"/>
+                    </p:ext>
+                  </p:extLst>
+                </p:nvPr>
+              </p:nvGraphicFramePr>
+              <p:xfrm>
+                <a:off x="4244174" y="3810312"/>
+                <a:ext cx="283375" cy="226700"/>
+              </p:xfrm>
+              <a:graphic>
+                <a:graphicData uri="http://schemas.openxmlformats.org/presentationml/2006/ole">
+                  <mc:AlternateContent>
+                    <mc:Choice xmlns:v="urn:schemas-microsoft-com:vml" Requires="v">
+                      <p:oleObj spid="_x0000_s1054" name="Equation" r:id="rId5" imgW="253800" imgH="203040" progId="Equation.DSMT4">
+                        <p:embed/>
+                      </p:oleObj>
+                    </mc:Choice>
+                    <mc:Fallback>
+                      <p:oleObj name="Equation" r:id="rId5" imgW="253800" imgH="203040" progId="Equation.DSMT4">
+                        <p:embed/>
+                        <p:pic>
+                          <p:nvPicPr>
+                            <p:cNvPr id="0" name=""/>
+                            <p:cNvPicPr/>
+                            <p:nvPr/>
+                          </p:nvPicPr>
+                          <p:blipFill>
+                            <a:blip r:embed="rId6"/>
+                            <a:stretch>
+                              <a:fillRect/>
+                            </a:stretch>
+                          </p:blipFill>
+                          <p:spPr>
+                            <a:xfrm>
+                              <a:off x="4244174" y="3810312"/>
+                              <a:ext cx="283375" cy="226700"/>
+                            </a:xfrm>
+                            <a:prstGeom prst="rect">
+                              <a:avLst/>
+                            </a:prstGeom>
+                          </p:spPr>
+                        </p:pic>
+                      </p:oleObj>
+                    </mc:Fallback>
+                  </mc:AlternateContent>
+                </a:graphicData>
+              </a:graphic>
+            </p:graphicFrame>
+          </mc:Choice>
+          <mc:Fallback>
+            <p:graphicFrame>
+              <p:nvGraphicFramePr>
+                <p:cNvPr id="35" name="对象 34"/>
+                <p:cNvGraphicFramePr>
+                  <a:graphicFrameLocks noChangeAspect="1"/>
+                </p:cNvGraphicFramePr>
+                <p:nvPr>
+                  <p:extLst>
+                    <p:ext uri="{D42A27DB-BD31-4B8C-83A1-F6EECF244321}">
+                      <p14:modId xmlns:p14="http://schemas.microsoft.com/office/powerpoint/2010/main" val="2639161570"/>
+                    </p:ext>
+                  </p:extLst>
+                </p:nvPr>
+              </p:nvGraphicFramePr>
+              <p:xfrm>
+                <a:off x="4244174" y="3810312"/>
+                <a:ext cx="283375" cy="226700"/>
+              </p:xfrm>
+              <a:graphic>
+                <a:graphicData uri="http://schemas.openxmlformats.org/presentationml/2006/ole">
+                  <mc:AlternateContent>
+                    <mc:Choice xmlns:v="urn:schemas-microsoft-com:vml" Requires="v">
+                      <p:oleObj spid="_x0000_s1054" name="Equation" r:id="rId5" imgW="253800" imgH="203040" progId="Equation.DSMT4">
+                        <p:embed/>
+                      </p:oleObj>
+                    </mc:Choice>
+                    <mc:Fallback>
+                      <p:oleObj name="Equation" r:id="rId5" imgW="253800" imgH="203040" progId="Equation.DSMT4">
+                        <p:embed/>
+                        <p:pic>
+                          <p:nvPicPr>
+                            <p:cNvPr id="0" name=""/>
+                            <p:cNvPicPr/>
+                            <p:nvPr/>
+                          </p:nvPicPr>
+                          <p:blipFill>
+                            <a:blip r:embed="rId6"/>
+                            <a:stretch>
+                              <a:fillRect/>
+                            </a:stretch>
+                          </p:blipFill>
+                          <p:spPr>
+                            <a:xfrm>
+                              <a:off x="4244174" y="3810312"/>
+                              <a:ext cx="283375" cy="226700"/>
+                            </a:xfrm>
+                            <a:prstGeom prst="rect">
+                              <a:avLst/>
+                            </a:prstGeom>
+                          </p:spPr>
+                        </p:pic>
+                      </p:oleObj>
+                    </mc:Fallback>
+                  </mc:AlternateContent>
+                </a:graphicData>
+              </a:graphic>
+            </p:graphicFrame>
+          </mc:Fallback>
+        </mc:AlternateContent>
+        <mc:AlternateContent xmlns:mc="http://schemas.openxmlformats.org/markup-compatibility/2006">
+          <mc:Choice xmlns:a14="http://schemas.microsoft.com/office/drawing/2010/main" Requires="a14">
+            <p:graphicFrame>
+              <p:nvGraphicFramePr>
+                <p:cNvPr id="37" name="对象 36"/>
+                <p:cNvGraphicFramePr>
+                  <a:graphicFrameLocks noChangeAspect="1"/>
+                </p:cNvGraphicFramePr>
+                <p:nvPr>
+                  <p:extLst>
+                    <p:ext uri="{D42A27DB-BD31-4B8C-83A1-F6EECF244321}">
+                      <p14:modId xmlns:p14="http://schemas.microsoft.com/office/powerpoint/2010/main" val="4240027195"/>
+                    </p:ext>
+                  </p:extLst>
+                </p:nvPr>
+              </p:nvGraphicFramePr>
+              <p:xfrm>
+                <a:off x="4148956" y="4062696"/>
+                <a:ext cx="505594" cy="221968"/>
+              </p:xfrm>
+              <a:graphic>
+                <a:graphicData uri="http://schemas.openxmlformats.org/presentationml/2006/ole">
+                  <mc:AlternateContent>
+                    <mc:Choice xmlns:v="urn:schemas-microsoft-com:vml" Requires="v">
+                      <p:oleObj spid="_x0000_s1055" name="Equation" r:id="rId7" imgW="520560" imgH="228600" progId="Equation.DSMT4">
+                        <p:embed/>
+                      </p:oleObj>
+                    </mc:Choice>
+                    <mc:Fallback>
+                      <p:oleObj name="Equation" r:id="rId7" imgW="520560" imgH="228600" progId="Equation.DSMT4">
+                        <p:embed/>
+                        <p:pic>
+                          <p:nvPicPr>
+                            <p:cNvPr id="0" name=""/>
+                            <p:cNvPicPr/>
+                            <p:nvPr/>
+                          </p:nvPicPr>
+                          <p:blipFill>
+                            <a:blip r:embed="rId8"/>
+                            <a:stretch>
+                              <a:fillRect/>
+                            </a:stretch>
+                          </p:blipFill>
+                          <p:spPr>
+                            <a:xfrm>
+                              <a:off x="4148956" y="4062696"/>
+                              <a:ext cx="505594" cy="221968"/>
+                            </a:xfrm>
+                            <a:prstGeom prst="rect">
+                              <a:avLst/>
+                            </a:prstGeom>
+                          </p:spPr>
+                        </p:pic>
+                      </p:oleObj>
+                    </mc:Fallback>
+                  </mc:AlternateContent>
+                </a:graphicData>
+              </a:graphic>
+            </p:graphicFrame>
+          </mc:Choice>
+          <mc:Fallback>
+            <p:graphicFrame>
+              <p:nvGraphicFramePr>
+                <p:cNvPr id="37" name="对象 36"/>
+                <p:cNvGraphicFramePr>
+                  <a:graphicFrameLocks noChangeAspect="1"/>
+                </p:cNvGraphicFramePr>
+                <p:nvPr>
+                  <p:extLst>
+                    <p:ext uri="{D42A27DB-BD31-4B8C-83A1-F6EECF244321}">
+                      <p14:modId xmlns:p14="http://schemas.microsoft.com/office/powerpoint/2010/main" val="4240027195"/>
+                    </p:ext>
+                  </p:extLst>
+                </p:nvPr>
+              </p:nvGraphicFramePr>
+              <p:xfrm>
+                <a:off x="4148956" y="4062696"/>
+                <a:ext cx="505594" cy="221968"/>
+              </p:xfrm>
+              <a:graphic>
+                <a:graphicData uri="http://schemas.openxmlformats.org/presentationml/2006/ole">
+                  <mc:AlternateContent>
+                    <mc:Choice xmlns:v="urn:schemas-microsoft-com:vml" Requires="v">
+                      <p:oleObj spid="_x0000_s1055" name="Equation" r:id="rId7" imgW="520560" imgH="228600" progId="Equation.DSMT4">
+                        <p:embed/>
+                      </p:oleObj>
+                    </mc:Choice>
+                    <mc:Fallback>
+                      <p:oleObj name="Equation" r:id="rId7" imgW="520560" imgH="228600" progId="Equation.DSMT4">
+                        <p:embed/>
+                        <p:pic>
+                          <p:nvPicPr>
+                            <p:cNvPr id="0" name=""/>
+                            <p:cNvPicPr/>
+                            <p:nvPr/>
+                          </p:nvPicPr>
+                          <p:blipFill>
+                            <a:blip r:embed="rId8"/>
+                            <a:stretch>
+                              <a:fillRect/>
+                            </a:stretch>
+                          </p:blipFill>
+                          <p:spPr>
+                            <a:xfrm>
+                              <a:off x="4148956" y="4062696"/>
+                              <a:ext cx="505594" cy="221968"/>
+                            </a:xfrm>
+                            <a:prstGeom prst="rect">
+                              <a:avLst/>
+                            </a:prstGeom>
+                          </p:spPr>
+                        </p:pic>
+                      </p:oleObj>
+                    </mc:Fallback>
+                  </mc:AlternateContent>
+                </a:graphicData>
+              </a:graphic>
+            </p:graphicFrame>
+          </mc:Fallback>
+        </mc:AlternateContent>
+        <p:grpSp>
+          <p:nvGrpSpPr>
+            <p:cNvPr id="14" name="组合 13"/>
+            <p:cNvGrpSpPr/>
+            <p:nvPr/>
+          </p:nvGrpSpPr>
+          <p:grpSpPr>
+            <a:xfrm>
+              <a:off x="2959022" y="2052559"/>
+              <a:ext cx="711573" cy="572632"/>
+              <a:chOff x="3140408" y="1817141"/>
+              <a:chExt cx="711573" cy="572632"/>
+            </a:xfrm>
+          </p:grpSpPr>
+          <p:grpSp>
+            <p:nvGrpSpPr>
+              <p:cNvPr id="33" name="组合 32"/>
+              <p:cNvGrpSpPr/>
+              <p:nvPr/>
+            </p:nvGrpSpPr>
+            <p:grpSpPr>
+              <a:xfrm>
+                <a:off x="3451930" y="1817141"/>
+                <a:ext cx="400051" cy="412750"/>
+                <a:chOff x="8191499" y="4165600"/>
+                <a:chExt cx="400051" cy="412750"/>
+              </a:xfrm>
+            </p:grpSpPr>
+            <p:cxnSp>
+              <p:nvCxnSpPr>
+                <p:cNvPr id="24" name="直接箭头连接符 23"/>
+                <p:cNvCxnSpPr/>
+                <p:nvPr/>
+              </p:nvCxnSpPr>
+              <p:spPr>
+                <a:xfrm flipV="1">
+                  <a:off x="8191500" y="4165600"/>
+                  <a:ext cx="0" cy="368300"/>
+                </a:xfrm>
+                <a:prstGeom prst="straightConnector1">
+                  <a:avLst/>
+                </a:prstGeom>
+                <a:ln>
+                  <a:tailEnd type="triangle"/>
+                </a:ln>
+              </p:spPr>
+              <p:style>
+                <a:lnRef idx="1">
+                  <a:schemeClr val="dk1"/>
+                </a:lnRef>
+                <a:fillRef idx="0">
+                  <a:schemeClr val="dk1"/>
+                </a:fillRef>
+                <a:effectRef idx="0">
+                  <a:schemeClr val="dk1"/>
+                </a:effectRef>
+                <a:fontRef idx="minor">
+                  <a:schemeClr val="tx1"/>
+                </a:fontRef>
+              </p:style>
+            </p:cxnSp>
+            <p:cxnSp>
+              <p:nvCxnSpPr>
+                <p:cNvPr id="25" name="直接箭头连接符 24"/>
+                <p:cNvCxnSpPr/>
+                <p:nvPr/>
+              </p:nvCxnSpPr>
+              <p:spPr>
+                <a:xfrm flipV="1">
+                  <a:off x="8191500" y="4286250"/>
+                  <a:ext cx="269876" cy="247650"/>
+                </a:xfrm>
+                <a:prstGeom prst="straightConnector1">
+                  <a:avLst/>
+                </a:prstGeom>
+                <a:ln>
+                  <a:tailEnd type="triangle"/>
+                </a:ln>
+              </p:spPr>
+              <p:style>
+                <a:lnRef idx="1">
+                  <a:schemeClr val="dk1"/>
+                </a:lnRef>
+                <a:fillRef idx="0">
+                  <a:schemeClr val="dk1"/>
+                </a:fillRef>
+                <a:effectRef idx="0">
+                  <a:schemeClr val="dk1"/>
+                </a:effectRef>
+                <a:fontRef idx="minor">
+                  <a:schemeClr val="tx1"/>
+                </a:fontRef>
+              </p:style>
+            </p:cxnSp>
+            <p:cxnSp>
+              <p:nvCxnSpPr>
+                <p:cNvPr id="29" name="直接箭头连接符 28"/>
+                <p:cNvCxnSpPr/>
+                <p:nvPr/>
+              </p:nvCxnSpPr>
+              <p:spPr>
+                <a:xfrm>
+                  <a:off x="8191499" y="4533900"/>
+                  <a:ext cx="400051" cy="44450"/>
+                </a:xfrm>
+                <a:prstGeom prst="straightConnector1">
+                  <a:avLst/>
+                </a:prstGeom>
+                <a:ln>
+                  <a:tailEnd type="triangle"/>
+                </a:ln>
+              </p:spPr>
+              <p:style>
+                <a:lnRef idx="1">
+                  <a:schemeClr val="dk1"/>
+                </a:lnRef>
+                <a:fillRef idx="0">
+                  <a:schemeClr val="dk1"/>
+                </a:fillRef>
+                <a:effectRef idx="0">
+                  <a:schemeClr val="dk1"/>
+                </a:effectRef>
+                <a:fontRef idx="minor">
+                  <a:schemeClr val="tx1"/>
+                </a:fontRef>
+              </p:style>
+            </p:cxnSp>
+          </p:grpSp>
+          <mc:AlternateContent xmlns:mc="http://schemas.openxmlformats.org/markup-compatibility/2006">
+            <mc:Choice xmlns:a14="http://schemas.microsoft.com/office/drawing/2010/main" Requires="a14">
+              <p:sp>
+                <p:nvSpPr>
+                  <p:cNvPr id="5" name="矩形 4"/>
+                  <p:cNvSpPr/>
+                  <p:nvPr/>
+                </p:nvSpPr>
+                <p:spPr>
+                  <a:xfrm>
+                    <a:off x="3140408" y="2081996"/>
+                    <a:ext cx="411266" cy="307777"/>
+                  </a:xfrm>
+                  <a:prstGeom prst="rect">
+                    <a:avLst/>
+                  </a:prstGeom>
+                </p:spPr>
+                <p:txBody>
+                  <a:bodyPr wrap="none">
+                    <a:spAutoFit/>
+                  </a:bodyPr>
+                  <a:lstStyle/>
+                  <a:p>
+                    <a14:m>
+                      <m:oMathPara xmlns:m="http://schemas.openxmlformats.org/officeDocument/2006/math">
+                        <m:oMathParaPr>
+                          <m:jc m:val="centerGroup"/>
+                        </m:oMathParaPr>
+                        <m:oMath xmlns:m="http://schemas.openxmlformats.org/officeDocument/2006/math">
+                          <m:r>
+                            <a:rPr lang="zh-CN" altLang="en-US" sz="1400" i="1">
+                              <a:latin typeface="Cambria Math" panose="02040503050406030204" pitchFamily="18" charset="0"/>
+                            </a:rPr>
+                            <m:t>𝑊</m:t>
+                          </m:r>
+                        </m:oMath>
+                      </m:oMathPara>
+                    </a14:m>
+                    <a:endParaRPr lang="zh-CN" altLang="en-US" sz="1400" dirty="0"/>
+                  </a:p>
+                </p:txBody>
+              </p:sp>
+            </mc:Choice>
+            <mc:Fallback>
+              <p:sp>
+                <p:nvSpPr>
+                  <p:cNvPr id="5" name="矩形 4"/>
+                  <p:cNvSpPr>
+                    <a:spLocks noRot="1" noChangeAspect="1" noMove="1" noResize="1" noEditPoints="1" noAdjustHandles="1" noChangeArrowheads="1" noChangeShapeType="1" noTextEdit="1"/>
+                  </p:cNvSpPr>
+                  <p:nvPr/>
+                </p:nvSpPr>
+                <p:spPr>
+                  <a:xfrm>
+                    <a:off x="3140408" y="2081996"/>
+                    <a:ext cx="411266" cy="307777"/>
+                  </a:xfrm>
+                  <a:prstGeom prst="rect">
+                    <a:avLst/>
+                  </a:prstGeom>
+                  <a:blipFill>
+                    <a:blip r:embed="rId9"/>
+                    <a:stretch>
+                      <a:fillRect/>
+                    </a:stretch>
+                  </a:blipFill>
+                </p:spPr>
+                <p:txBody>
+                  <a:bodyPr/>
+                  <a:lstStyle/>
+                  <a:p>
+                    <a:r>
+                      <a:rPr lang="zh-CN" altLang="en-US">
+                        <a:noFill/>
+                      </a:rPr>
+                      <a:t> </a:t>
+                    </a:r>
+                  </a:p>
+                </p:txBody>
+              </p:sp>
+            </mc:Fallback>
+          </mc:AlternateContent>
+        </p:grpSp>
+        <mc:AlternateContent xmlns:mc="http://schemas.openxmlformats.org/markup-compatibility/2006">
+          <mc:Choice xmlns:a14="http://schemas.microsoft.com/office/drawing/2010/main" Requires="a14">
+            <p:sp>
+              <p:nvSpPr>
+                <p:cNvPr id="6" name="矩形 5"/>
+                <p:cNvSpPr/>
+                <p:nvPr/>
+              </p:nvSpPr>
+              <p:spPr>
+                <a:xfrm>
+                  <a:off x="5188575" y="3383799"/>
+                  <a:ext cx="373372" cy="276999"/>
+                </a:xfrm>
+                <a:prstGeom prst="rect">
+                  <a:avLst/>
+                </a:prstGeom>
+              </p:spPr>
+              <p:txBody>
+                <a:bodyPr wrap="none">
+                  <a:spAutoFit/>
+                </a:bodyPr>
+                <a:lstStyle/>
+                <a:p>
+                  <a14:m>
+                    <m:oMathPara xmlns:m="http://schemas.openxmlformats.org/officeDocument/2006/math">
+                      <m:oMathParaPr>
+                        <m:jc m:val="centerGroup"/>
+                      </m:oMathParaPr>
+                      <m:oMath xmlns:m="http://schemas.openxmlformats.org/officeDocument/2006/math">
+                        <m:sSubSup>
+                          <m:sSubSupPr>
+                            <m:ctrlPr>
+                              <a:rPr lang="zh-CN" altLang="en-US" sz="1200">
+                                <a:latin typeface="Cambria Math" panose="02040503050406030204" pitchFamily="18" charset="0"/>
+                              </a:rPr>
+                            </m:ctrlPr>
+                          </m:sSubSupPr>
+                          <m:e>
+                            <m:r>
+                              <a:rPr lang="zh-CN" altLang="en-US" sz="1200" i="1">
+                                <a:latin typeface="Cambria Math" panose="02040503050406030204" pitchFamily="18" charset="0"/>
+                              </a:rPr>
+                              <m:t>𝑝</m:t>
+                            </m:r>
+                          </m:e>
+                          <m:sub>
+                            <m:r>
+                              <a:rPr lang="zh-CN" altLang="en-US" sz="1200" i="0">
+                                <a:latin typeface="Cambria Math" panose="02040503050406030204" pitchFamily="18" charset="0"/>
+                              </a:rPr>
+                              <m:t>1</m:t>
+                            </m:r>
+                          </m:sub>
+                          <m:sup>
+                            <m:r>
+                              <a:rPr lang="zh-CN" altLang="en-US" sz="1200" i="0">
+                                <a:latin typeface="Cambria Math" panose="02040503050406030204" pitchFamily="18" charset="0"/>
+                              </a:rPr>
+                              <m:t>′</m:t>
+                            </m:r>
+                          </m:sup>
+                        </m:sSubSup>
+                      </m:oMath>
+                    </m:oMathPara>
+                  </a14:m>
+                  <a:endParaRPr lang="zh-CN" altLang="en-US" sz="1200" dirty="0">
+                    <a:latin typeface="Times New Roman" panose="02020603050405020304" pitchFamily="18" charset="0"/>
+                    <a:cs typeface="Times New Roman" panose="02020603050405020304" pitchFamily="18" charset="0"/>
+                  </a:endParaRPr>
+                </a:p>
+              </p:txBody>
+            </p:sp>
+          </mc:Choice>
+          <mc:Fallback>
+            <p:sp>
+              <p:nvSpPr>
+                <p:cNvPr id="6" name="矩形 5"/>
+                <p:cNvSpPr>
+                  <a:spLocks noRot="1" noChangeAspect="1" noMove="1" noResize="1" noEditPoints="1" noAdjustHandles="1" noChangeArrowheads="1" noChangeShapeType="1" noTextEdit="1"/>
+                </p:cNvSpPr>
+                <p:nvPr/>
+              </p:nvSpPr>
+              <p:spPr>
+                <a:xfrm>
+                  <a:off x="5188575" y="3383799"/>
+                  <a:ext cx="373372" cy="276999"/>
+                </a:xfrm>
+                <a:prstGeom prst="rect">
+                  <a:avLst/>
+                </a:prstGeom>
+                <a:blipFill>
+                  <a:blip r:embed="rId10"/>
+                  <a:stretch>
+                    <a:fillRect/>
+                  </a:stretch>
+                </a:blipFill>
+              </p:spPr>
+              <p:txBody>
+                <a:bodyPr/>
+                <a:lstStyle/>
+                <a:p>
+                  <a:r>
+                    <a:rPr lang="zh-CN" altLang="en-US">
+                      <a:noFill/>
+                    </a:rPr>
+                    <a:t> </a:t>
+                  </a:r>
+                </a:p>
+              </p:txBody>
+            </p:sp>
+          </mc:Fallback>
+        </mc:AlternateContent>
+        <mc:AlternateContent xmlns:mc="http://schemas.openxmlformats.org/markup-compatibility/2006">
+          <mc:Choice xmlns:a14="http://schemas.microsoft.com/office/drawing/2010/main" Requires="a14">
+            <p:sp>
+              <p:nvSpPr>
+                <p:cNvPr id="8" name="矩形 7"/>
+                <p:cNvSpPr/>
+                <p:nvPr/>
+              </p:nvSpPr>
+              <p:spPr>
+                <a:xfrm>
+                  <a:off x="2770733" y="3424988"/>
+                  <a:ext cx="376578" cy="276999"/>
+                </a:xfrm>
+                <a:prstGeom prst="rect">
+                  <a:avLst/>
+                </a:prstGeom>
+              </p:spPr>
+              <p:txBody>
+                <a:bodyPr wrap="none">
+                  <a:spAutoFit/>
+                </a:bodyPr>
+                <a:lstStyle/>
+                <a:p>
+                  <a14:m>
+                    <m:oMathPara xmlns:m="http://schemas.openxmlformats.org/officeDocument/2006/math">
+                      <m:oMathParaPr>
+                        <m:jc m:val="centerGroup"/>
+                      </m:oMathParaPr>
+                      <m:oMath xmlns:m="http://schemas.openxmlformats.org/officeDocument/2006/math">
+                        <m:sSub>
+                          <m:sSubPr>
+                            <m:ctrlPr>
+                              <a:rPr lang="zh-CN" altLang="en-US" sz="1200">
+                                <a:latin typeface="Cambria Math" panose="02040503050406030204" pitchFamily="18" charset="0"/>
+                              </a:rPr>
+                            </m:ctrlPr>
+                          </m:sSubPr>
+                          <m:e>
+                            <m:r>
+                              <a:rPr lang="zh-CN" altLang="en-US" sz="1200" i="1">
+                                <a:latin typeface="Cambria Math" panose="02040503050406030204" pitchFamily="18" charset="0"/>
+                              </a:rPr>
+                              <m:t>𝑝</m:t>
+                            </m:r>
+                          </m:e>
+                          <m:sub>
+                            <m:r>
+                              <a:rPr lang="zh-CN" altLang="en-US" sz="1200" i="0">
+                                <a:latin typeface="Cambria Math" panose="02040503050406030204" pitchFamily="18" charset="0"/>
+                              </a:rPr>
+                              <m:t>1</m:t>
+                            </m:r>
+                          </m:sub>
+                        </m:sSub>
+                      </m:oMath>
+                    </m:oMathPara>
+                  </a14:m>
+                  <a:endParaRPr lang="zh-CN" altLang="en-US" sz="1200" dirty="0"/>
+                </a:p>
+              </p:txBody>
+            </p:sp>
+          </mc:Choice>
+          <mc:Fallback>
+            <p:sp>
+              <p:nvSpPr>
+                <p:cNvPr id="8" name="矩形 7"/>
+                <p:cNvSpPr>
+                  <a:spLocks noRot="1" noChangeAspect="1" noMove="1" noResize="1" noEditPoints="1" noAdjustHandles="1" noChangeArrowheads="1" noChangeShapeType="1" noTextEdit="1"/>
+                </p:cNvSpPr>
+                <p:nvPr/>
+              </p:nvSpPr>
+              <p:spPr>
+                <a:xfrm>
+                  <a:off x="2770733" y="3424988"/>
+                  <a:ext cx="376578" cy="276999"/>
+                </a:xfrm>
+                <a:prstGeom prst="rect">
+                  <a:avLst/>
+                </a:prstGeom>
+                <a:blipFill>
+                  <a:blip r:embed="rId11"/>
+                  <a:stretch>
+                    <a:fillRect/>
+                  </a:stretch>
+                </a:blipFill>
+              </p:spPr>
+              <p:txBody>
+                <a:bodyPr/>
+                <a:lstStyle/>
+                <a:p>
+                  <a:r>
+                    <a:rPr lang="zh-CN" altLang="en-US">
+                      <a:noFill/>
+                    </a:rPr>
+                    <a:t> </a:t>
+                  </a:r>
+                </a:p>
+              </p:txBody>
+            </p:sp>
+          </mc:Fallback>
+        </mc:AlternateContent>
+        <p:sp>
+          <p:nvSpPr>
+            <p:cNvPr id="26" name="平行四边形 25"/>
+            <p:cNvSpPr/>
+            <p:nvPr/>
+          </p:nvSpPr>
+          <p:spPr>
+            <a:xfrm rot="15927846" flipH="1">
+              <a:off x="5641287" y="3059421"/>
+              <a:ext cx="144473" cy="141417"/>
+            </a:xfrm>
+            <a:prstGeom prst="parallelogram">
+              <a:avLst/>
+            </a:prstGeom>
+            <a:noFill/>
+            <a:ln w="12700">
+              <a:solidFill>
+                <a:srgbClr val="0070C0"/>
+              </a:solidFill>
+            </a:ln>
+          </p:spPr>
+          <p:style>
+            <a:lnRef idx="2">
+              <a:schemeClr val="accent1">
+                <a:shade val="50000"/>
+              </a:schemeClr>
+            </a:lnRef>
+            <a:fillRef idx="1">
+              <a:schemeClr val="accent1"/>
+            </a:fillRef>
+            <a:effectRef idx="0">
+              <a:schemeClr val="accent1"/>
+            </a:effectRef>
+            <a:fontRef idx="minor">
+              <a:schemeClr val="lt1"/>
+            </a:fontRef>
+          </p:style>
+          <p:txBody>
+            <a:bodyPr rtlCol="0" anchor="ctr"/>
+            <a:lstStyle/>
+            <a:p>
+              <a:pPr algn="ctr"/>
+              <a:endParaRPr lang="zh-CN" altLang="en-US"/>
+            </a:p>
+          </p:txBody>
+        </p:sp>
+        <p:sp>
+          <p:nvSpPr>
+            <p:cNvPr id="27" name="平行四边形 26"/>
+            <p:cNvSpPr/>
+            <p:nvPr/>
+          </p:nvSpPr>
+          <p:spPr>
+            <a:xfrm rot="15927846" flipH="1">
+              <a:off x="5844871" y="3350875"/>
+              <a:ext cx="144473" cy="141417"/>
+            </a:xfrm>
+            <a:prstGeom prst="parallelogram">
+              <a:avLst/>
+            </a:prstGeom>
+            <a:noFill/>
+            <a:ln w="12700">
+              <a:solidFill>
+                <a:srgbClr val="0070C0"/>
+              </a:solidFill>
+            </a:ln>
+          </p:spPr>
+          <p:style>
+            <a:lnRef idx="2">
+              <a:schemeClr val="accent1">
+                <a:shade val="50000"/>
+              </a:schemeClr>
+            </a:lnRef>
+            <a:fillRef idx="1">
+              <a:schemeClr val="accent1"/>
+            </a:fillRef>
+            <a:effectRef idx="0">
+              <a:schemeClr val="accent1"/>
+            </a:effectRef>
+            <a:fontRef idx="minor">
+              <a:schemeClr val="lt1"/>
+            </a:fontRef>
+          </p:style>
+          <p:txBody>
+            <a:bodyPr rtlCol="0" anchor="ctr"/>
+            <a:lstStyle/>
+            <a:p>
+              <a:pPr algn="ctr"/>
+              <a:endParaRPr lang="zh-CN" altLang="en-US"/>
+            </a:p>
+          </p:txBody>
+        </p:sp>
+        <p:sp>
+          <p:nvSpPr>
+            <p:cNvPr id="28" name="平行四边形 27"/>
+            <p:cNvSpPr/>
+            <p:nvPr/>
+          </p:nvSpPr>
+          <p:spPr>
+            <a:xfrm rot="5400000">
+              <a:off x="3325350" y="3310303"/>
+              <a:ext cx="152400" cy="152400"/>
+            </a:xfrm>
+            <a:prstGeom prst="parallelogram">
+              <a:avLst/>
+            </a:prstGeom>
+            <a:noFill/>
+            <a:ln w="12700">
+              <a:solidFill>
+                <a:schemeClr val="tx1"/>
+              </a:solidFill>
+            </a:ln>
+          </p:spPr>
+          <p:style>
+            <a:lnRef idx="2">
+              <a:schemeClr val="accent1">
+                <a:shade val="50000"/>
+              </a:schemeClr>
+            </a:lnRef>
+            <a:fillRef idx="1">
+              <a:schemeClr val="accent1"/>
+            </a:fillRef>
+            <a:effectRef idx="0">
+              <a:schemeClr val="accent1"/>
+            </a:effectRef>
+            <a:fontRef idx="minor">
+              <a:schemeClr val="lt1"/>
+            </a:fontRef>
+          </p:style>
+          <p:txBody>
+            <a:bodyPr rtlCol="0" anchor="ctr"/>
+            <a:lstStyle/>
+            <a:p>
+              <a:pPr algn="ctr"/>
+              <a:endParaRPr lang="zh-CN" altLang="en-US"/>
+            </a:p>
+          </p:txBody>
+        </p:sp>
+        <p:sp>
+          <p:nvSpPr>
+            <p:cNvPr id="30" name="平行四边形 29"/>
+            <p:cNvSpPr/>
+            <p:nvPr/>
+          </p:nvSpPr>
+          <p:spPr>
+            <a:xfrm rot="5400000">
+              <a:off x="3491086" y="3607958"/>
+              <a:ext cx="152400" cy="152400"/>
+            </a:xfrm>
+            <a:prstGeom prst="parallelogram">
+              <a:avLst/>
+            </a:prstGeom>
+            <a:noFill/>
+            <a:ln w="12700">
+              <a:solidFill>
+                <a:schemeClr val="tx1"/>
+              </a:solidFill>
+            </a:ln>
+          </p:spPr>
+          <p:style>
+            <a:lnRef idx="2">
+              <a:schemeClr val="accent1">
+                <a:shade val="50000"/>
+              </a:schemeClr>
+            </a:lnRef>
+            <a:fillRef idx="1">
+              <a:schemeClr val="accent1"/>
+            </a:fillRef>
+            <a:effectRef idx="0">
+              <a:schemeClr val="accent1"/>
+            </a:effectRef>
+            <a:fontRef idx="minor">
+              <a:schemeClr val="lt1"/>
+            </a:fontRef>
+          </p:style>
+          <p:txBody>
+            <a:bodyPr rtlCol="0" anchor="ctr"/>
+            <a:lstStyle/>
+            <a:p>
+              <a:pPr algn="ctr"/>
+              <a:endParaRPr lang="zh-CN" altLang="en-US"/>
+            </a:p>
+          </p:txBody>
+        </p:sp>
+        <p:cxnSp>
+          <p:nvCxnSpPr>
+            <p:cNvPr id="36" name="直接连接符 35"/>
+            <p:cNvCxnSpPr>
+              <a:stCxn id="43" idx="3"/>
+            </p:cNvCxnSpPr>
+            <p:nvPr/>
+          </p:nvCxnSpPr>
+          <p:spPr>
+            <a:xfrm flipH="1">
+              <a:off x="3400929" y="2290339"/>
+              <a:ext cx="755014" cy="1093460"/>
+            </a:xfrm>
+            <a:prstGeom prst="line">
+              <a:avLst/>
+            </a:prstGeom>
+          </p:spPr>
+          <p:style>
+            <a:lnRef idx="1">
+              <a:schemeClr val="dk1"/>
+            </a:lnRef>
+            <a:fillRef idx="0">
+              <a:schemeClr val="dk1"/>
+            </a:fillRef>
+            <a:effectRef idx="0">
+              <a:schemeClr val="dk1"/>
+            </a:effectRef>
+            <a:fontRef idx="minor">
+              <a:schemeClr val="tx1"/>
+            </a:fontRef>
+          </p:style>
+        </p:cxnSp>
+        <p:sp>
+          <p:nvSpPr>
+            <p:cNvPr id="43" name="椭圆 42"/>
+            <p:cNvSpPr/>
+            <p:nvPr/>
+          </p:nvSpPr>
+          <p:spPr>
+            <a:xfrm>
+              <a:off x="4148956" y="2251315"/>
+              <a:ext cx="47707" cy="45719"/>
+            </a:xfrm>
+            <a:prstGeom prst="ellipse">
+              <a:avLst/>
+            </a:prstGeom>
+            <a:noFill/>
+            <a:ln>
+              <a:solidFill>
+                <a:schemeClr val="tx1"/>
+              </a:solidFill>
+            </a:ln>
+          </p:spPr>
+          <p:style>
+            <a:lnRef idx="2">
+              <a:schemeClr val="accent1">
+                <a:shade val="50000"/>
+              </a:schemeClr>
+            </a:lnRef>
+            <a:fillRef idx="1">
+              <a:schemeClr val="accent1"/>
+            </a:fillRef>
+            <a:effectRef idx="0">
+              <a:schemeClr val="accent1"/>
+            </a:effectRef>
+            <a:fontRef idx="minor">
+              <a:schemeClr val="lt1"/>
+            </a:fontRef>
+          </p:style>
+          <p:txBody>
+            <a:bodyPr rtlCol="0" anchor="ctr"/>
+            <a:lstStyle/>
+            <a:p>
+              <a:pPr algn="ctr"/>
+              <a:endParaRPr lang="zh-CN" altLang="en-US"/>
+            </a:p>
+          </p:txBody>
+        </p:sp>
+        <p:cxnSp>
+          <p:nvCxnSpPr>
+            <p:cNvPr id="45" name="直接箭头连接符 44"/>
+            <p:cNvCxnSpPr>
+              <a:stCxn id="43" idx="5"/>
+            </p:cNvCxnSpPr>
+            <p:nvPr/>
+          </p:nvCxnSpPr>
+          <p:spPr>
+            <a:xfrm>
+              <a:off x="4189676" y="2290339"/>
+              <a:ext cx="1522985" cy="857650"/>
+            </a:xfrm>
+            <a:prstGeom prst="straightConnector1">
+              <a:avLst/>
+            </a:prstGeom>
+            <a:ln>
+              <a:prstDash val="dash"/>
+              <a:tailEnd type="triangle"/>
+            </a:ln>
+          </p:spPr>
+          <p:style>
+            <a:lnRef idx="1">
+              <a:schemeClr val="dk1"/>
+            </a:lnRef>
+            <a:fillRef idx="0">
+              <a:schemeClr val="dk1"/>
+            </a:fillRef>
+            <a:effectRef idx="0">
+              <a:schemeClr val="dk1"/>
+            </a:effectRef>
+            <a:fontRef idx="minor">
+              <a:schemeClr val="tx1"/>
+            </a:fontRef>
+          </p:style>
+        </p:cxnSp>
+        <p:cxnSp>
+          <p:nvCxnSpPr>
+            <p:cNvPr id="56" name="直接连接符 55"/>
+            <p:cNvCxnSpPr>
+              <a:stCxn id="63" idx="3"/>
+            </p:cNvCxnSpPr>
+            <p:nvPr/>
+          </p:nvCxnSpPr>
+          <p:spPr>
+            <a:xfrm flipH="1">
+              <a:off x="3572300" y="2550020"/>
+              <a:ext cx="860040" cy="1151967"/>
+            </a:xfrm>
+            <a:prstGeom prst="line">
+              <a:avLst/>
+            </a:prstGeom>
+          </p:spPr>
+          <p:style>
+            <a:lnRef idx="1">
+              <a:schemeClr val="dk1"/>
+            </a:lnRef>
+            <a:fillRef idx="0">
+              <a:schemeClr val="dk1"/>
+            </a:fillRef>
+            <a:effectRef idx="0">
+              <a:schemeClr val="dk1"/>
+            </a:effectRef>
+            <a:fontRef idx="minor">
+              <a:schemeClr val="tx1"/>
+            </a:fontRef>
+          </p:style>
+        </p:cxnSp>
+        <p:sp>
+          <p:nvSpPr>
+            <p:cNvPr id="63" name="椭圆 62"/>
+            <p:cNvSpPr/>
+            <p:nvPr/>
+          </p:nvSpPr>
+          <p:spPr>
+            <a:xfrm>
+              <a:off x="4425353" y="2510996"/>
+              <a:ext cx="47707" cy="45719"/>
+            </a:xfrm>
+            <a:prstGeom prst="ellipse">
+              <a:avLst/>
+            </a:prstGeom>
+            <a:noFill/>
+            <a:ln>
+              <a:solidFill>
+                <a:schemeClr val="tx1"/>
+              </a:solidFill>
+            </a:ln>
+          </p:spPr>
+          <p:style>
+            <a:lnRef idx="2">
+              <a:schemeClr val="accent1">
+                <a:shade val="50000"/>
+              </a:schemeClr>
+            </a:lnRef>
+            <a:fillRef idx="1">
+              <a:schemeClr val="accent1"/>
+            </a:fillRef>
+            <a:effectRef idx="0">
+              <a:schemeClr val="accent1"/>
+            </a:effectRef>
+            <a:fontRef idx="minor">
+              <a:schemeClr val="lt1"/>
+            </a:fontRef>
+          </p:style>
+          <p:txBody>
+            <a:bodyPr rtlCol="0" anchor="ctr"/>
+            <a:lstStyle/>
+            <a:p>
+              <a:pPr algn="ctr"/>
+              <a:endParaRPr lang="zh-CN" altLang="en-US"/>
+            </a:p>
+          </p:txBody>
+        </p:sp>
+        <p:cxnSp>
+          <p:nvCxnSpPr>
+            <p:cNvPr id="65" name="直接箭头连接符 64"/>
+            <p:cNvCxnSpPr>
+              <a:stCxn id="63" idx="5"/>
+            </p:cNvCxnSpPr>
+            <p:nvPr/>
+          </p:nvCxnSpPr>
+          <p:spPr>
+            <a:xfrm>
+              <a:off x="4466073" y="2550020"/>
+              <a:ext cx="1454487" cy="874968"/>
+            </a:xfrm>
+            <a:prstGeom prst="straightConnector1">
+              <a:avLst/>
+            </a:prstGeom>
+            <a:ln>
+              <a:prstDash val="dash"/>
+              <a:tailEnd type="triangle"/>
+            </a:ln>
+          </p:spPr>
+          <p:style>
+            <a:lnRef idx="1">
+              <a:schemeClr val="dk1"/>
+            </a:lnRef>
+            <a:fillRef idx="0">
+              <a:schemeClr val="dk1"/>
+            </a:fillRef>
+            <a:effectRef idx="0">
+              <a:schemeClr val="dk1"/>
+            </a:effectRef>
+            <a:fontRef idx="minor">
+              <a:schemeClr val="tx1"/>
+            </a:fontRef>
+          </p:style>
+        </p:cxnSp>
+        <p:cxnSp>
+          <p:nvCxnSpPr>
+            <p:cNvPr id="21" name="直接箭头连接符 20"/>
+            <p:cNvCxnSpPr>
+              <a:stCxn id="11" idx="5"/>
+            </p:cNvCxnSpPr>
+            <p:nvPr/>
+          </p:nvCxnSpPr>
+          <p:spPr>
+            <a:xfrm>
+              <a:off x="3855468" y="2598442"/>
+              <a:ext cx="1654472" cy="792051"/>
+            </a:xfrm>
+            <a:prstGeom prst="straightConnector1">
+              <a:avLst/>
+            </a:prstGeom>
+            <a:ln>
+              <a:prstDash val="dash"/>
+              <a:tailEnd type="triangle"/>
+            </a:ln>
+          </p:spPr>
+          <p:style>
+            <a:lnRef idx="1">
+              <a:schemeClr val="dk1"/>
+            </a:lnRef>
+            <a:fillRef idx="0">
+              <a:schemeClr val="dk1"/>
+            </a:fillRef>
+            <a:effectRef idx="0">
+              <a:schemeClr val="dk1"/>
+            </a:effectRef>
+            <a:fontRef idx="minor">
+              <a:schemeClr val="tx1"/>
+            </a:fontRef>
+          </p:style>
+        </p:cxnSp>
+        <mc:AlternateContent xmlns:mc="http://schemas.openxmlformats.org/markup-compatibility/2006">
+          <mc:Choice xmlns:a14="http://schemas.microsoft.com/office/drawing/2010/main" Requires="a14">
+            <p:sp>
+              <p:nvSpPr>
+                <p:cNvPr id="80" name="矩形 79"/>
+                <p:cNvSpPr/>
+                <p:nvPr/>
+              </p:nvSpPr>
+              <p:spPr>
+                <a:xfrm>
+                  <a:off x="3394062" y="3166814"/>
+                  <a:ext cx="376963" cy="276999"/>
+                </a:xfrm>
+                <a:prstGeom prst="rect">
+                  <a:avLst/>
+                </a:prstGeom>
+              </p:spPr>
+              <p:txBody>
+                <a:bodyPr wrap="none">
+                  <a:spAutoFit/>
+                </a:bodyPr>
+                <a:lstStyle/>
+                <a:p>
+                  <a14:m>
+                    <m:oMathPara xmlns:m="http://schemas.openxmlformats.org/officeDocument/2006/math">
+                      <m:oMathParaPr>
+                        <m:jc m:val="centerGroup"/>
+                      </m:oMathParaPr>
+                      <m:oMath xmlns:m="http://schemas.openxmlformats.org/officeDocument/2006/math">
+                        <m:sSub>
+                          <m:sSubPr>
+                            <m:ctrlPr>
+                              <a:rPr lang="zh-CN" altLang="en-US" sz="1200">
+                                <a:latin typeface="Cambria Math" panose="02040503050406030204" pitchFamily="18" charset="0"/>
+                              </a:rPr>
+                            </m:ctrlPr>
+                          </m:sSubPr>
+                          <m:e>
+                            <m:r>
+                              <a:rPr lang="zh-CN" altLang="en-US" sz="1200" i="1">
+                                <a:latin typeface="Cambria Math" panose="02040503050406030204" pitchFamily="18" charset="0"/>
+                              </a:rPr>
+                              <m:t>𝑝</m:t>
+                            </m:r>
+                          </m:e>
+                          <m:sub>
+                            <m:r>
+                              <a:rPr lang="zh-CN" altLang="en-US" sz="1200" i="0">
+                                <a:latin typeface="Cambria Math" panose="02040503050406030204" pitchFamily="18" charset="0"/>
+                              </a:rPr>
+                              <m:t>2</m:t>
+                            </m:r>
+                          </m:sub>
+                        </m:sSub>
+                      </m:oMath>
+                    </m:oMathPara>
+                  </a14:m>
+                  <a:endParaRPr lang="zh-CN" altLang="en-US" sz="1200" dirty="0">
+                    <a:latin typeface="Times New Roman" panose="02020603050405020304" pitchFamily="18" charset="0"/>
+                    <a:cs typeface="Times New Roman" panose="02020603050405020304" pitchFamily="18" charset="0"/>
+                  </a:endParaRPr>
+                </a:p>
+              </p:txBody>
+            </p:sp>
+          </mc:Choice>
+          <mc:Fallback>
+            <p:sp>
+              <p:nvSpPr>
+                <p:cNvPr id="80" name="矩形 79"/>
+                <p:cNvSpPr>
+                  <a:spLocks noRot="1" noChangeAspect="1" noMove="1" noResize="1" noEditPoints="1" noAdjustHandles="1" noChangeArrowheads="1" noChangeShapeType="1" noTextEdit="1"/>
+                </p:cNvSpPr>
+                <p:nvPr/>
+              </p:nvSpPr>
+              <p:spPr>
+                <a:xfrm>
+                  <a:off x="3394062" y="3166814"/>
+                  <a:ext cx="376963" cy="276999"/>
+                </a:xfrm>
+                <a:prstGeom prst="rect">
+                  <a:avLst/>
+                </a:prstGeom>
+                <a:blipFill>
+                  <a:blip r:embed="rId12"/>
+                  <a:stretch>
+                    <a:fillRect/>
+                  </a:stretch>
+                </a:blipFill>
+              </p:spPr>
+              <p:txBody>
+                <a:bodyPr/>
+                <a:lstStyle/>
+                <a:p>
+                  <a:r>
+                    <a:rPr lang="zh-CN" altLang="en-US">
+                      <a:noFill/>
+                    </a:rPr>
+                    <a:t> </a:t>
+                  </a:r>
+                </a:p>
+              </p:txBody>
+            </p:sp>
+          </mc:Fallback>
+        </mc:AlternateContent>
+        <mc:AlternateContent xmlns:mc="http://schemas.openxmlformats.org/markup-compatibility/2006">
+          <mc:Choice xmlns:a14="http://schemas.microsoft.com/office/drawing/2010/main" Requires="a14">
+            <p:sp>
+              <p:nvSpPr>
+                <p:cNvPr id="81" name="矩形 80"/>
+                <p:cNvSpPr/>
+                <p:nvPr/>
+              </p:nvSpPr>
+              <p:spPr>
+                <a:xfrm>
+                  <a:off x="5712576" y="2882350"/>
+                  <a:ext cx="376963" cy="276999"/>
+                </a:xfrm>
+                <a:prstGeom prst="rect">
+                  <a:avLst/>
+                </a:prstGeom>
+              </p:spPr>
+              <p:txBody>
+                <a:bodyPr wrap="none">
+                  <a:spAutoFit/>
+                </a:bodyPr>
+                <a:lstStyle/>
+                <a:p>
+                  <a14:m>
+                    <m:oMathPara xmlns:m="http://schemas.openxmlformats.org/officeDocument/2006/math">
+                      <m:oMathParaPr>
+                        <m:jc m:val="centerGroup"/>
+                      </m:oMathParaPr>
+                      <m:oMath xmlns:m="http://schemas.openxmlformats.org/officeDocument/2006/math">
+                        <m:sSubSup>
+                          <m:sSubSupPr>
+                            <m:ctrlPr>
+                              <a:rPr lang="zh-CN" altLang="en-US" sz="1200">
+                                <a:latin typeface="Cambria Math" panose="02040503050406030204" pitchFamily="18" charset="0"/>
+                              </a:rPr>
+                            </m:ctrlPr>
+                          </m:sSubSupPr>
+                          <m:e>
+                            <m:r>
+                              <a:rPr lang="zh-CN" altLang="en-US" sz="1200" i="1">
+                                <a:latin typeface="Cambria Math" panose="02040503050406030204" pitchFamily="18" charset="0"/>
+                              </a:rPr>
+                              <m:t>𝑝</m:t>
+                            </m:r>
+                          </m:e>
+                          <m:sub>
+                            <m:r>
+                              <a:rPr lang="zh-CN" altLang="en-US" sz="1200" i="0">
+                                <a:latin typeface="Cambria Math" panose="02040503050406030204" pitchFamily="18" charset="0"/>
+                              </a:rPr>
+                              <m:t>2</m:t>
+                            </m:r>
+                          </m:sub>
+                          <m:sup>
+                            <m:r>
+                              <a:rPr lang="zh-CN" altLang="en-US" sz="1200" i="0">
+                                <a:latin typeface="Cambria Math" panose="02040503050406030204" pitchFamily="18" charset="0"/>
+                              </a:rPr>
+                              <m:t>′</m:t>
+                            </m:r>
+                          </m:sup>
+                        </m:sSubSup>
+                      </m:oMath>
+                    </m:oMathPara>
+                  </a14:m>
+                  <a:endParaRPr lang="zh-CN" altLang="en-US" sz="1200" dirty="0">
+                    <a:latin typeface="Times New Roman" panose="02020603050405020304" pitchFamily="18" charset="0"/>
+                    <a:cs typeface="Times New Roman" panose="02020603050405020304" pitchFamily="18" charset="0"/>
+                  </a:endParaRPr>
+                </a:p>
+              </p:txBody>
+            </p:sp>
+          </mc:Choice>
+          <mc:Fallback>
+            <p:sp>
+              <p:nvSpPr>
+                <p:cNvPr id="81" name="矩形 80"/>
+                <p:cNvSpPr>
+                  <a:spLocks noRot="1" noChangeAspect="1" noMove="1" noResize="1" noEditPoints="1" noAdjustHandles="1" noChangeArrowheads="1" noChangeShapeType="1" noTextEdit="1"/>
+                </p:cNvSpPr>
+                <p:nvPr/>
+              </p:nvSpPr>
+              <p:spPr>
+                <a:xfrm>
+                  <a:off x="5712576" y="2882350"/>
+                  <a:ext cx="376963" cy="276999"/>
+                </a:xfrm>
+                <a:prstGeom prst="rect">
+                  <a:avLst/>
+                </a:prstGeom>
+                <a:blipFill>
+                  <a:blip r:embed="rId13"/>
+                  <a:stretch>
+                    <a:fillRect/>
+                  </a:stretch>
+                </a:blipFill>
+              </p:spPr>
+              <p:txBody>
+                <a:bodyPr/>
+                <a:lstStyle/>
+                <a:p>
+                  <a:r>
+                    <a:rPr lang="zh-CN" altLang="en-US">
+                      <a:noFill/>
+                    </a:rPr>
+                    <a:t> </a:t>
+                  </a:r>
+                </a:p>
+              </p:txBody>
+            </p:sp>
+          </mc:Fallback>
+        </mc:AlternateContent>
+        <mc:AlternateContent xmlns:mc="http://schemas.openxmlformats.org/markup-compatibility/2006">
+          <mc:Choice xmlns:a14="http://schemas.microsoft.com/office/drawing/2010/main" Requires="a14">
+            <p:sp>
+              <p:nvSpPr>
+                <p:cNvPr id="82" name="矩形 81"/>
+                <p:cNvSpPr/>
+                <p:nvPr/>
+              </p:nvSpPr>
+              <p:spPr>
+                <a:xfrm>
+                  <a:off x="3597281" y="3514319"/>
+                  <a:ext cx="376963" cy="276999"/>
+                </a:xfrm>
+                <a:prstGeom prst="rect">
+                  <a:avLst/>
+                </a:prstGeom>
+              </p:spPr>
+              <p:txBody>
+                <a:bodyPr wrap="none">
+                  <a:spAutoFit/>
+                </a:bodyPr>
+                <a:lstStyle/>
+                <a:p>
+                  <a14:m>
+                    <m:oMathPara xmlns:m="http://schemas.openxmlformats.org/officeDocument/2006/math">
+                      <m:oMathParaPr>
+                        <m:jc m:val="centerGroup"/>
+                      </m:oMathParaPr>
+                      <m:oMath xmlns:m="http://schemas.openxmlformats.org/officeDocument/2006/math">
+                        <m:sSub>
+                          <m:sSubPr>
+                            <m:ctrlPr>
+                              <a:rPr lang="zh-CN" altLang="en-US" sz="1200">
+                                <a:latin typeface="Cambria Math" panose="02040503050406030204" pitchFamily="18" charset="0"/>
+                              </a:rPr>
+                            </m:ctrlPr>
+                          </m:sSubPr>
+                          <m:e>
+                            <m:r>
+                              <a:rPr lang="zh-CN" altLang="en-US" sz="1200" i="1">
+                                <a:latin typeface="Cambria Math" panose="02040503050406030204" pitchFamily="18" charset="0"/>
+                              </a:rPr>
+                              <m:t>𝑝</m:t>
+                            </m:r>
+                          </m:e>
+                          <m:sub>
+                            <m:r>
+                              <a:rPr lang="zh-CN" altLang="en-US" sz="1200" i="0">
+                                <a:latin typeface="Cambria Math" panose="02040503050406030204" pitchFamily="18" charset="0"/>
+                              </a:rPr>
+                              <m:t>3</m:t>
+                            </m:r>
+                          </m:sub>
+                        </m:sSub>
+                      </m:oMath>
+                    </m:oMathPara>
+                  </a14:m>
+                  <a:endParaRPr lang="zh-CN" altLang="en-US" sz="1200" dirty="0">
+                    <a:latin typeface="Times New Roman" panose="02020603050405020304" pitchFamily="18" charset="0"/>
+                    <a:cs typeface="Times New Roman" panose="02020603050405020304" pitchFamily="18" charset="0"/>
+                  </a:endParaRPr>
+                </a:p>
+              </p:txBody>
+            </p:sp>
+          </mc:Choice>
+          <mc:Fallback>
+            <p:sp>
+              <p:nvSpPr>
+                <p:cNvPr id="82" name="矩形 81"/>
+                <p:cNvSpPr>
+                  <a:spLocks noRot="1" noChangeAspect="1" noMove="1" noResize="1" noEditPoints="1" noAdjustHandles="1" noChangeArrowheads="1" noChangeShapeType="1" noTextEdit="1"/>
+                </p:cNvSpPr>
+                <p:nvPr/>
+              </p:nvSpPr>
+              <p:spPr>
+                <a:xfrm>
+                  <a:off x="3597281" y="3514319"/>
+                  <a:ext cx="376963" cy="276999"/>
+                </a:xfrm>
+                <a:prstGeom prst="rect">
+                  <a:avLst/>
+                </a:prstGeom>
+                <a:blipFill>
+                  <a:blip r:embed="rId14"/>
+                  <a:stretch>
+                    <a:fillRect/>
+                  </a:stretch>
+                </a:blipFill>
+              </p:spPr>
+              <p:txBody>
+                <a:bodyPr/>
+                <a:lstStyle/>
+                <a:p>
+                  <a:r>
+                    <a:rPr lang="zh-CN" altLang="en-US">
+                      <a:noFill/>
+                    </a:rPr>
+                    <a:t> </a:t>
+                  </a:r>
+                </a:p>
+              </p:txBody>
+            </p:sp>
+          </mc:Fallback>
+        </mc:AlternateContent>
+        <mc:AlternateContent xmlns:mc="http://schemas.openxmlformats.org/markup-compatibility/2006">
+          <mc:Choice xmlns:a14="http://schemas.microsoft.com/office/drawing/2010/main" Requires="a14">
+            <p:sp>
+              <p:nvSpPr>
+                <p:cNvPr id="84" name="矩形 83"/>
+                <p:cNvSpPr/>
+                <p:nvPr/>
+              </p:nvSpPr>
+              <p:spPr>
+                <a:xfrm>
+                  <a:off x="5934799" y="3276755"/>
+                  <a:ext cx="376963" cy="276999"/>
+                </a:xfrm>
+                <a:prstGeom prst="rect">
+                  <a:avLst/>
+                </a:prstGeom>
+              </p:spPr>
+              <p:txBody>
+                <a:bodyPr wrap="none">
+                  <a:spAutoFit/>
+                </a:bodyPr>
+                <a:lstStyle/>
+                <a:p>
+                  <a14:m>
+                    <m:oMathPara xmlns:m="http://schemas.openxmlformats.org/officeDocument/2006/math">
+                      <m:oMathParaPr>
+                        <m:jc m:val="centerGroup"/>
+                      </m:oMathParaPr>
+                      <m:oMath xmlns:m="http://schemas.openxmlformats.org/officeDocument/2006/math">
+                        <m:sSubSup>
+                          <m:sSubSupPr>
+                            <m:ctrlPr>
+                              <a:rPr lang="zh-CN" altLang="en-US" sz="1200">
+                                <a:latin typeface="Cambria Math" panose="02040503050406030204" pitchFamily="18" charset="0"/>
+                              </a:rPr>
+                            </m:ctrlPr>
+                          </m:sSubSupPr>
+                          <m:e>
+                            <m:r>
+                              <a:rPr lang="zh-CN" altLang="en-US" sz="1200" i="1">
+                                <a:latin typeface="Cambria Math" panose="02040503050406030204" pitchFamily="18" charset="0"/>
+                              </a:rPr>
+                              <m:t>𝑝</m:t>
+                            </m:r>
+                          </m:e>
+                          <m:sub>
+                            <m:r>
+                              <a:rPr lang="zh-CN" altLang="en-US" sz="1200" i="0">
+                                <a:latin typeface="Cambria Math" panose="02040503050406030204" pitchFamily="18" charset="0"/>
+                              </a:rPr>
+                              <m:t>3</m:t>
+                            </m:r>
+                          </m:sub>
+                          <m:sup>
+                            <m:r>
+                              <a:rPr lang="zh-CN" altLang="en-US" sz="1200" i="0">
+                                <a:latin typeface="Cambria Math" panose="02040503050406030204" pitchFamily="18" charset="0"/>
+                              </a:rPr>
+                              <m:t>′</m:t>
+                            </m:r>
+                          </m:sup>
+                        </m:sSubSup>
+                      </m:oMath>
+                    </m:oMathPara>
+                  </a14:m>
+                  <a:endParaRPr lang="zh-CN" altLang="en-US" sz="1200" dirty="0">
+                    <a:latin typeface="Times New Roman" panose="02020603050405020304" pitchFamily="18" charset="0"/>
+                    <a:cs typeface="Times New Roman" panose="02020603050405020304" pitchFamily="18" charset="0"/>
+                  </a:endParaRPr>
+                </a:p>
+              </p:txBody>
+            </p:sp>
+          </mc:Choice>
+          <mc:Fallback>
+            <p:sp>
+              <p:nvSpPr>
+                <p:cNvPr id="84" name="矩形 83"/>
+                <p:cNvSpPr>
+                  <a:spLocks noRot="1" noChangeAspect="1" noMove="1" noResize="1" noEditPoints="1" noAdjustHandles="1" noChangeArrowheads="1" noChangeShapeType="1" noTextEdit="1"/>
+                </p:cNvSpPr>
+                <p:nvPr/>
+              </p:nvSpPr>
+              <p:spPr>
+                <a:xfrm>
+                  <a:off x="5934799" y="3276755"/>
+                  <a:ext cx="376963" cy="276999"/>
+                </a:xfrm>
+                <a:prstGeom prst="rect">
+                  <a:avLst/>
+                </a:prstGeom>
+                <a:blipFill>
+                  <a:blip r:embed="rId15"/>
+                  <a:stretch>
+                    <a:fillRect/>
+                  </a:stretch>
+                </a:blipFill>
+              </p:spPr>
+              <p:txBody>
+                <a:bodyPr/>
+                <a:lstStyle/>
+                <a:p>
+                  <a:r>
+                    <a:rPr lang="zh-CN" altLang="en-US">
+                      <a:noFill/>
+                    </a:rPr>
+                    <a:t> </a:t>
+                  </a:r>
+                </a:p>
+              </p:txBody>
+            </p:sp>
+          </mc:Fallback>
+        </mc:AlternateContent>
+      </p:grpSp>
+    </p:spTree>
+    <p:extLst>
+      <p:ext uri="{BB962C8B-B14F-4D97-AF65-F5344CB8AC3E}">
+        <p14:creationId xmlns:p14="http://schemas.microsoft.com/office/powerpoint/2010/main" val="3273888632"/>
+      </p:ext>
+    </p:extLst>
+  </p:cSld>
+  <p:clrMapOvr>
+    <a:masterClrMapping/>
+  </p:clrMapOvr>
+</p:sld>
+</file>
+
+<file path=ppt/slides/slide2.xml><?xml version="1.0" encoding="utf-8"?>
+<p:sld xmlns:a="http://schemas.openxmlformats.org/drawingml/2006/main" xmlns:r="http://schemas.openxmlformats.org/officeDocument/2006/relationships" xmlns:p="http://schemas.openxmlformats.org/presentationml/2006/main">
+  <p:cSld>
+    <p:spTree>
+      <p:nvGrpSpPr>
+        <p:cNvPr id="1" name=""/>
+        <p:cNvGrpSpPr/>
+        <p:nvPr/>
+      </p:nvGrpSpPr>
+      <p:grpSpPr>
+        <a:xfrm>
+          <a:off x="0" y="0"/>
+          <a:ext cx="0" cy="0"/>
+          <a:chOff x="0" y="0"/>
+          <a:chExt cx="0" cy="0"/>
+        </a:xfrm>
+      </p:grpSpPr>
+      <p:sp>
+        <p:nvSpPr>
+          <p:cNvPr id="4" name="椭圆 3"/>
           <p:cNvSpPr/>
           <p:nvPr/>
         </p:nvSpPr>
         <p:spPr>
-          <a:xfrm rot="5400000">
-            <a:off x="2567151" y="2714295"/>
-            <a:ext cx="1366344" cy="1655381"/>
+          <a:xfrm>
+            <a:off x="2397124" y="4562475"/>
+            <a:ext cx="107951" cy="108585"/>
           </a:xfrm>
-          <a:prstGeom prst="parallelogram">
+          <a:prstGeom prst="ellipse">
             <a:avLst/>
           </a:prstGeom>
-          <a:noFill/>
-          <a:ln w="19050">
-            <a:solidFill>
-              <a:schemeClr val="tx1"/>
-            </a:solidFill>
+          <a:solidFill>
+            <a:schemeClr val="tx1"/>
+          </a:solidFill>
+          <a:ln>
+            <a:noFill/>
           </a:ln>
         </p:spPr>
         <p:style>
@@ -3017,23 +5215,23 @@
       </p:sp>
       <p:sp>
         <p:nvSpPr>
-          <p:cNvPr id="7" name="平行四边形 6"/>
+          <p:cNvPr id="5" name="椭圆 4"/>
           <p:cNvSpPr/>
           <p:nvPr/>
         </p:nvSpPr>
         <p:spPr>
-          <a:xfrm rot="15927846" flipH="1">
-            <a:off x="4810435" y="2570531"/>
-            <a:ext cx="1469392" cy="1709287"/>
+          <a:xfrm>
+            <a:off x="4492624" y="4559617"/>
+            <a:ext cx="107951" cy="108585"/>
           </a:xfrm>
-          <a:prstGeom prst="parallelogram">
+          <a:prstGeom prst="ellipse">
             <a:avLst/>
           </a:prstGeom>
-          <a:noFill/>
-          <a:ln w="19050">
-            <a:solidFill>
-              <a:schemeClr val="tx1"/>
-            </a:solidFill>
+          <a:solidFill>
+            <a:schemeClr val="tx1"/>
+          </a:solidFill>
+          <a:ln>
+            <a:noFill/>
           </a:ln>
         </p:spPr>
         <p:style>
@@ -3061,25 +5259,61 @@
           </a:p>
         </p:txBody>
       </p:sp>
-      <p:sp>
-        <p:nvSpPr>
-          <p:cNvPr id="9" name="平行四边形 8"/>
+      <p:cxnSp>
+        <p:nvCxnSpPr>
+          <p:cNvPr id="7" name="直接连接符 6"/>
+          <p:cNvCxnSpPr/>
+          <p:nvPr/>
+        </p:nvCxnSpPr>
+        <p:spPr>
+          <a:xfrm>
+            <a:off x="1935480" y="4267386"/>
+            <a:ext cx="2996565" cy="7434"/>
+          </a:xfrm>
+          <a:prstGeom prst="line">
+            <a:avLst/>
+          </a:prstGeom>
+          <a:ln w="19050">
+            <a:solidFill>
+              <a:srgbClr val="0070C0"/>
+            </a:solidFill>
+            <a:prstDash val="dash"/>
+          </a:ln>
+        </p:spPr>
+        <p:style>
+          <a:lnRef idx="1">
+            <a:schemeClr val="dk1"/>
+          </a:lnRef>
+          <a:fillRef idx="0">
+            <a:schemeClr val="dk1"/>
+          </a:fillRef>
+          <a:effectRef idx="0">
+            <a:schemeClr val="dk1"/>
+          </a:effectRef>
+          <a:fontRef idx="minor">
+            <a:schemeClr val="tx1"/>
+          </a:fontRef>
+        </p:style>
+      </p:cxnSp>
+      <p:sp>
+        <p:nvSpPr>
+          <p:cNvPr id="9" name="椭圆 8"/>
           <p:cNvSpPr/>
           <p:nvPr/>
         </p:nvSpPr>
         <p:spPr>
-          <a:xfrm rot="5400000">
-            <a:off x="3040773" y="3450575"/>
-            <a:ext cx="152400" cy="152400"/>
+          <a:xfrm>
+            <a:off x="2397124" y="1857375"/>
+            <a:ext cx="107951" cy="108585"/>
           </a:xfrm>
-          <a:prstGeom prst="parallelogram">
+          <a:prstGeom prst="ellipse">
             <a:avLst/>
           </a:prstGeom>
-          <a:noFill/>
-          <a:ln w="12700">
-            <a:solidFill>
-              <a:schemeClr val="tx1"/>
-            </a:solidFill>
+          <a:solidFill>
+            <a:schemeClr val="tx1"/>
+          </a:solidFill>
+          <a:ln>
+            <a:noFill/>
           </a:ln>
         </p:spPr>
         <p:style>
@@ -3107,25 +5341,127 @@
           </a:p>
         </p:txBody>
       </p:sp>
-      <p:sp>
-        <p:nvSpPr>
-          <p:cNvPr id="11" name="椭圆 10"/>
+      <p:cxnSp>
+        <p:nvCxnSpPr>
+          <p:cNvPr id="12" name="直接连接符 11"/>
+          <p:cNvCxnSpPr>
+            <a:stCxn id="9" idx="4"/>
+            <a:endCxn id="4" idx="0"/>
+          </p:cNvCxnSpPr>
+          <p:nvPr/>
+        </p:nvCxnSpPr>
+        <p:spPr>
+          <a:xfrm>
+            <a:off x="2451100" y="1965960"/>
+            <a:ext cx="0" cy="2596515"/>
+          </a:xfrm>
+          <a:prstGeom prst="line">
+            <a:avLst/>
+          </a:prstGeom>
+          <a:ln w="12700"/>
+        </p:spPr>
+        <p:style>
+          <a:lnRef idx="1">
+            <a:schemeClr val="dk1"/>
+          </a:lnRef>
+          <a:fillRef idx="0">
+            <a:schemeClr val="dk1"/>
+          </a:fillRef>
+          <a:effectRef idx="0">
+            <a:schemeClr val="dk1"/>
+          </a:effectRef>
+          <a:fontRef idx="minor">
+            <a:schemeClr val="tx1"/>
+          </a:fontRef>
+        </p:style>
+      </p:cxnSp>
+      <p:cxnSp>
+        <p:nvCxnSpPr>
+          <p:cNvPr id="13" name="直接连接符 12"/>
+          <p:cNvCxnSpPr>
+            <a:stCxn id="9" idx="5"/>
+            <a:endCxn id="5" idx="1"/>
+          </p:cNvCxnSpPr>
+          <p:nvPr/>
+        </p:nvCxnSpPr>
+        <p:spPr>
+          <a:xfrm>
+            <a:off x="2489266" y="1950058"/>
+            <a:ext cx="2019167" cy="2625461"/>
+          </a:xfrm>
+          <a:prstGeom prst="line">
+            <a:avLst/>
+          </a:prstGeom>
+          <a:ln w="12700"/>
+        </p:spPr>
+        <p:style>
+          <a:lnRef idx="1">
+            <a:schemeClr val="dk1"/>
+          </a:lnRef>
+          <a:fillRef idx="0">
+            <a:schemeClr val="dk1"/>
+          </a:fillRef>
+          <a:effectRef idx="0">
+            <a:schemeClr val="dk1"/>
+          </a:effectRef>
+          <a:fontRef idx="minor">
+            <a:schemeClr val="tx1"/>
+          </a:fontRef>
+        </p:style>
+      </p:cxnSp>
+      <p:cxnSp>
+        <p:nvCxnSpPr>
+          <p:cNvPr id="17" name="直接连接符 16"/>
+          <p:cNvCxnSpPr>
+            <a:stCxn id="19" idx="5"/>
+            <a:endCxn id="5" idx="1"/>
+          </p:cNvCxnSpPr>
+          <p:nvPr/>
+        </p:nvCxnSpPr>
+        <p:spPr>
+          <a:xfrm>
+            <a:off x="2489266" y="2790834"/>
+            <a:ext cx="2019167" cy="1784685"/>
+          </a:xfrm>
+          <a:prstGeom prst="line">
+            <a:avLst/>
+          </a:prstGeom>
+          <a:ln w="12700"/>
+        </p:spPr>
+        <p:style>
+          <a:lnRef idx="1">
+            <a:schemeClr val="dk1"/>
+          </a:lnRef>
+          <a:fillRef idx="0">
+            <a:schemeClr val="dk1"/>
+          </a:fillRef>
+          <a:effectRef idx="0">
+            <a:schemeClr val="dk1"/>
+          </a:effectRef>
+          <a:fontRef idx="minor">
+            <a:schemeClr val="tx1"/>
+          </a:fontRef>
+        </p:style>
+      </p:cxnSp>
+      <p:sp>
+        <p:nvSpPr>
+          <p:cNvPr id="19" name="椭圆 18"/>
           <p:cNvSpPr/>
           <p:nvPr/>
         </p:nvSpPr>
         <p:spPr>
           <a:xfrm>
-            <a:off x="4028747" y="1812159"/>
-            <a:ext cx="115613" cy="126124"/>
+            <a:off x="2397124" y="2698151"/>
+            <a:ext cx="107951" cy="108585"/>
           </a:xfrm>
           <a:prstGeom prst="ellipse">
             <a:avLst/>
           </a:prstGeom>
-          <a:noFill/>
+          <a:solidFill>
+            <a:schemeClr val="tx1"/>
+          </a:solidFill>
           <a:ln>
-            <a:solidFill>
-              <a:schemeClr val="tx1"/>
-            </a:solidFill>
+            <a:noFill/>
           </a:ln>
         </p:spPr>
         <p:style>
@@ -3155,16 +5491,143 @@
       </p:sp>
       <p:cxnSp>
         <p:nvCxnSpPr>
-          <p:cNvPr id="13" name="直接连接符 12"/>
+          <p:cNvPr id="29" name="直接连接符 28"/>
+          <p:cNvCxnSpPr/>
+          <p:nvPr/>
+        </p:nvCxnSpPr>
+        <p:spPr>
+          <a:xfrm>
+            <a:off x="4164806" y="4274344"/>
+            <a:ext cx="116681" cy="476"/>
+          </a:xfrm>
+          <a:prstGeom prst="line">
+            <a:avLst/>
+          </a:prstGeom>
+          <a:ln w="28575">
+            <a:solidFill>
+              <a:srgbClr val="FF0000"/>
+            </a:solidFill>
+          </a:ln>
+        </p:spPr>
+        <p:style>
+          <a:lnRef idx="1">
+            <a:schemeClr val="accent1"/>
+          </a:lnRef>
+          <a:fillRef idx="0">
+            <a:schemeClr val="accent1"/>
+          </a:fillRef>
+          <a:effectRef idx="0">
+            <a:schemeClr val="accent1"/>
+          </a:effectRef>
+          <a:fontRef idx="minor">
+            <a:schemeClr val="tx1"/>
+          </a:fontRef>
+        </p:style>
+      </p:cxnSp>
+      <p:sp>
+        <p:nvSpPr>
+          <p:cNvPr id="33" name="椭圆 32"/>
+          <p:cNvSpPr/>
+          <p:nvPr/>
+        </p:nvSpPr>
+        <p:spPr>
+          <a:xfrm>
+            <a:off x="4152172" y="4254659"/>
+            <a:ext cx="45719" cy="45719"/>
+          </a:xfrm>
+          <a:prstGeom prst="ellipse">
+            <a:avLst/>
+          </a:prstGeom>
+          <a:solidFill>
+            <a:schemeClr val="tx1"/>
+          </a:solidFill>
+          <a:ln>
+            <a:noFill/>
+          </a:ln>
+        </p:spPr>
+        <p:style>
+          <a:lnRef idx="2">
+            <a:schemeClr val="accent1">
+              <a:shade val="50000"/>
+            </a:schemeClr>
+          </a:lnRef>
+          <a:fillRef idx="1">
+            <a:schemeClr val="accent1"/>
+          </a:fillRef>
+          <a:effectRef idx="0">
+            <a:schemeClr val="accent1"/>
+          </a:effectRef>
+          <a:fontRef idx="minor">
+            <a:schemeClr val="lt1"/>
+          </a:fontRef>
+        </p:style>
+        <p:txBody>
+          <a:bodyPr rtlCol="0" anchor="ctr"/>
+          <a:lstStyle/>
+          <a:p>
+            <a:pPr algn="ctr"/>
+            <a:endParaRPr lang="zh-CN" altLang="en-US"/>
+          </a:p>
+        </p:txBody>
+      </p:sp>
+      <p:sp>
+        <p:nvSpPr>
+          <p:cNvPr id="35" name="椭圆 34"/>
+          <p:cNvSpPr/>
+          <p:nvPr/>
+        </p:nvSpPr>
+        <p:spPr>
+          <a:xfrm>
+            <a:off x="4258979" y="4251484"/>
+            <a:ext cx="45719" cy="45719"/>
+          </a:xfrm>
+          <a:prstGeom prst="ellipse">
+            <a:avLst/>
+          </a:prstGeom>
+          <a:solidFill>
+            <a:schemeClr val="tx1"/>
+          </a:solidFill>
+          <a:ln>
+            <a:noFill/>
+          </a:ln>
+        </p:spPr>
+        <p:style>
+          <a:lnRef idx="2">
+            <a:schemeClr val="accent1">
+              <a:shade val="50000"/>
+            </a:schemeClr>
+          </a:lnRef>
+          <a:fillRef idx="1">
+            <a:schemeClr val="accent1"/>
+          </a:fillRef>
+          <a:effectRef idx="0">
+            <a:schemeClr val="accent1"/>
+          </a:effectRef>
+          <a:fontRef idx="minor">
+            <a:schemeClr val="lt1"/>
+          </a:fontRef>
+        </p:style>
+        <p:txBody>
+          <a:bodyPr rtlCol="0" anchor="ctr"/>
+          <a:lstStyle/>
+          <a:p>
+            <a:pPr algn="ctr"/>
+            <a:endParaRPr lang="zh-CN" altLang="en-US"/>
+          </a:p>
+        </p:txBody>
+      </p:sp>
+      <p:cxnSp>
+        <p:nvCxnSpPr>
+          <p:cNvPr id="44" name="直接连接符 43"/>
           <p:cNvCxnSpPr>
-            <a:stCxn id="11" idx="3"/>
+            <a:stCxn id="19" idx="2"/>
           </p:cNvCxnSpPr>
           <p:nvPr/>
         </p:nvCxnSpPr>
         <p:spPr>
-          <a:xfrm flipH="1">
-            <a:off x="3100388" y="1919813"/>
-            <a:ext cx="945290" cy="1606025"/>
+          <a:xfrm flipH="1" flipV="1">
+            <a:off x="2288222" y="2752443"/>
+            <a:ext cx="108902" cy="1"/>
           </a:xfrm>
           <a:prstGeom prst="line">
             <a:avLst/>
@@ -3187,22 +5650,87 @@
       </p:cxnSp>
       <p:cxnSp>
         <p:nvCxnSpPr>
-          <p:cNvPr id="21" name="直接箭头连接符 20"/>
+          <p:cNvPr id="45" name="直接连接符 44"/>
           <p:cNvCxnSpPr>
-            <a:stCxn id="11" idx="5"/>
+            <a:stCxn id="9" idx="2"/>
           </p:cNvCxnSpPr>
           <p:nvPr/>
         </p:nvCxnSpPr>
         <p:spPr>
-          <a:xfrm>
-            <a:off x="4127429" y="1919813"/>
-            <a:ext cx="1358971" cy="1453625"/>
+          <a:xfrm flipH="1" flipV="1">
+            <a:off x="2021525" y="1908808"/>
+            <a:ext cx="375599" cy="2860"/>
+          </a:xfrm>
+          <a:prstGeom prst="line">
+            <a:avLst/>
+          </a:prstGeom>
+        </p:spPr>
+        <p:style>
+          <a:lnRef idx="1">
+            <a:schemeClr val="dk1"/>
+          </a:lnRef>
+          <a:fillRef idx="0">
+            <a:schemeClr val="dk1"/>
+          </a:fillRef>
+          <a:effectRef idx="0">
+            <a:schemeClr val="dk1"/>
+          </a:effectRef>
+          <a:fontRef idx="minor">
+            <a:schemeClr val="tx1"/>
+          </a:fontRef>
+        </p:style>
+      </p:cxnSp>
+      <p:cxnSp>
+        <p:nvCxnSpPr>
+          <p:cNvPr id="48" name="直接连接符 47"/>
+          <p:cNvCxnSpPr>
+            <a:stCxn id="4" idx="2"/>
+          </p:cNvCxnSpPr>
+          <p:nvPr/>
+        </p:nvCxnSpPr>
+        <p:spPr>
+          <a:xfrm flipH="1" flipV="1">
+            <a:off x="2021525" y="4612480"/>
+            <a:ext cx="375599" cy="4288"/>
+          </a:xfrm>
+          <a:prstGeom prst="line">
+            <a:avLst/>
+          </a:prstGeom>
+        </p:spPr>
+        <p:style>
+          <a:lnRef idx="1">
+            <a:schemeClr val="dk1"/>
+          </a:lnRef>
+          <a:fillRef idx="0">
+            <a:schemeClr val="dk1"/>
+          </a:fillRef>
+          <a:effectRef idx="0">
+            <a:schemeClr val="dk1"/>
+          </a:effectRef>
+          <a:fontRef idx="minor">
+            <a:schemeClr val="tx1"/>
+          </a:fontRef>
+        </p:style>
+      </p:cxnSp>
+      <p:cxnSp>
+        <p:nvCxnSpPr>
+          <p:cNvPr id="53" name="直接箭头连接符 52"/>
+          <p:cNvCxnSpPr>
+            <a:stCxn id="4" idx="6"/>
+            <a:endCxn id="5" idx="2"/>
+          </p:cNvCxnSpPr>
+          <p:nvPr/>
+        </p:nvCxnSpPr>
+        <p:spPr>
+          <a:xfrm flipV="1">
+            <a:off x="2505075" y="4613910"/>
+            <a:ext cx="1987549" cy="2858"/>
           </a:xfrm>
           <a:prstGeom prst="straightConnector1">
             <a:avLst/>
           </a:prstGeom>
-          <a:ln>
-            <a:prstDash val="dash"/>
+          <a:ln w="12700">
+            <a:headEnd type="triangle"/>
             <a:tailEnd type="triangle"/>
           </a:ln>
         </p:spPr>
@@ -3221,468 +5749,177 @@
           </a:fontRef>
         </p:style>
       </p:cxnSp>
-      <p:sp>
-        <p:nvSpPr>
-          <p:cNvPr id="22" name="文本框 21"/>
-          <p:cNvSpPr txBox="1"/>
+      <p:cxnSp>
+        <p:nvCxnSpPr>
+          <p:cNvPr id="55" name="直接箭头连接符 54"/>
+          <p:cNvCxnSpPr/>
           <p:nvPr/>
-        </p:nvSpPr>
+        </p:nvCxnSpPr>
         <p:spPr>
           <a:xfrm>
-            <a:off x="2507907" y="2654481"/>
-            <a:ext cx="696024" cy="246221"/>
+            <a:off x="2288222" y="2752443"/>
+            <a:ext cx="0" cy="1874510"/>
           </a:xfrm>
-          <a:prstGeom prst="rect">
+          <a:prstGeom prst="straightConnector1">
             <a:avLst/>
           </a:prstGeom>
-          <a:noFill/>
-        </p:spPr>
-        <p:txBody>
-          <a:bodyPr wrap="none" rtlCol="0">
-            <a:spAutoFit/>
-          </a:bodyPr>
-          <a:lstStyle/>
-          <a:p>
-            <a:r>
-              <a:rPr lang="en-US" altLang="zh-CN" sz="1000" dirty="0" smtClean="0">
-                <a:latin typeface="Times New Roman" panose="02020603050405020304" pitchFamily="18" charset="0"/>
-                <a:cs typeface="Times New Roman" panose="02020603050405020304" pitchFamily="18" charset="0"/>
-              </a:rPr>
-              <a:t>last frame</a:t>
-            </a:r>
-            <a:endParaRPr lang="zh-CN" altLang="en-US" sz="1000" dirty="0">
-              <a:latin typeface="Times New Roman" panose="02020603050405020304" pitchFamily="18" charset="0"/>
-              <a:cs typeface="Times New Roman" panose="02020603050405020304" pitchFamily="18" charset="0"/>
-            </a:endParaRPr>
-          </a:p>
-        </p:txBody>
-      </p:sp>
-      <p:sp>
-        <p:nvSpPr>
-          <p:cNvPr id="23" name="文本框 22"/>
-          <p:cNvSpPr txBox="1"/>
-          <p:nvPr/>
-        </p:nvSpPr>
-        <p:spPr>
-          <a:xfrm>
-            <a:off x="5271738" y="2469985"/>
-            <a:ext cx="883575" cy="246221"/>
-          </a:xfrm>
-          <a:prstGeom prst="rect">
-            <a:avLst/>
-          </a:prstGeom>
-          <a:noFill/>
-        </p:spPr>
-        <p:txBody>
-          <a:bodyPr wrap="none" rtlCol="0">
-            <a:spAutoFit/>
-          </a:bodyPr>
-          <a:lstStyle/>
-          <a:p>
-            <a:r>
-              <a:rPr lang="en-US" altLang="zh-CN" sz="1000" dirty="0" smtClean="0">
-                <a:latin typeface="Times New Roman" panose="02020603050405020304" pitchFamily="18" charset="0"/>
-                <a:cs typeface="Times New Roman" panose="02020603050405020304" pitchFamily="18" charset="0"/>
-              </a:rPr>
-              <a:t>current frame</a:t>
-            </a:r>
-            <a:endParaRPr lang="zh-CN" altLang="en-US" sz="1000" dirty="0">
-              <a:latin typeface="Times New Roman" panose="02020603050405020304" pitchFamily="18" charset="0"/>
-              <a:cs typeface="Times New Roman" panose="02020603050405020304" pitchFamily="18" charset="0"/>
-            </a:endParaRPr>
-          </a:p>
-        </p:txBody>
-      </p:sp>
-      <mc:AlternateContent xmlns:mc="http://schemas.openxmlformats.org/markup-compatibility/2006">
-        <mc:Choice xmlns:a14="http://schemas.microsoft.com/office/drawing/2010/main" Requires="a14">
-          <p:sp>
-            <p:nvSpPr>
-              <p:cNvPr id="2" name="矩形 1"/>
-              <p:cNvSpPr/>
-              <p:nvPr/>
-            </p:nvSpPr>
-            <p:spPr>
-              <a:xfrm>
-                <a:off x="2445402" y="2929417"/>
-                <a:ext cx="462898" cy="246221"/>
-              </a:xfrm>
-              <a:prstGeom prst="rect">
-                <a:avLst/>
-              </a:prstGeom>
-            </p:spPr>
-            <p:txBody>
-              <a:bodyPr wrap="square">
-                <a:spAutoFit/>
-              </a:bodyPr>
-              <a:lstStyle/>
-              <a:p>
-                <a14:m>
-                  <m:oMathPara xmlns:m="http://schemas.openxmlformats.org/officeDocument/2006/math">
-                    <m:oMathParaPr>
-                      <m:jc m:val="centerGroup"/>
-                    </m:oMathParaPr>
-                    <m:oMath xmlns:m="http://schemas.openxmlformats.org/officeDocument/2006/math">
-                      <m:sSub>
-                        <m:sSubPr>
-                          <m:ctrlPr>
-                            <a:rPr lang="zh-CN" altLang="en-US" sz="1000">
-                              <a:latin typeface="Cambria Math" panose="02040503050406030204" pitchFamily="18" charset="0"/>
-                            </a:rPr>
-                          </m:ctrlPr>
-                        </m:sSubPr>
-                        <m:e>
-                          <m:r>
-                            <a:rPr lang="zh-CN" altLang="en-US" sz="1000" i="1">
-                              <a:latin typeface="Cambria Math" panose="02040503050406030204" pitchFamily="18" charset="0"/>
-                            </a:rPr>
-                            <m:t>𝐼</m:t>
-                          </m:r>
-                        </m:e>
-                        <m:sub>
-                          <m:r>
-                            <a:rPr lang="zh-CN" altLang="en-US" sz="1000" i="1">
-                              <a:latin typeface="Cambria Math" panose="02040503050406030204" pitchFamily="18" charset="0"/>
-                            </a:rPr>
-                            <m:t>𝑘</m:t>
-                          </m:r>
-                          <m:r>
-                            <a:rPr lang="zh-CN" altLang="en-US" sz="1000" i="0">
-                              <a:latin typeface="Cambria Math" panose="02040503050406030204" pitchFamily="18" charset="0"/>
-                            </a:rPr>
-                            <m:t>−1</m:t>
-                          </m:r>
-                        </m:sub>
-                      </m:sSub>
-                    </m:oMath>
-                  </m:oMathPara>
-                </a14:m>
-                <a:endParaRPr lang="zh-CN" altLang="en-US" sz="1000" dirty="0"/>
-              </a:p>
-            </p:txBody>
-          </p:sp>
-        </mc:Choice>
-        <mc:Fallback>
-          <p:sp>
-            <p:nvSpPr>
-              <p:cNvPr id="2" name="矩形 1"/>
-              <p:cNvSpPr>
-                <a:spLocks noRot="1" noChangeAspect="1" noMove="1" noResize="1" noEditPoints="1" noAdjustHandles="1" noChangeArrowheads="1" noChangeShapeType="1" noTextEdit="1"/>
-              </p:cNvSpPr>
-              <p:nvPr/>
-            </p:nvSpPr>
-            <p:spPr>
-              <a:xfrm>
-                <a:off x="2445402" y="2929417"/>
-                <a:ext cx="462898" cy="246221"/>
-              </a:xfrm>
-              <a:prstGeom prst="rect">
-                <a:avLst/>
-              </a:prstGeom>
-              <a:blipFill>
-                <a:blip r:embed="rId2"/>
-                <a:stretch>
-                  <a:fillRect/>
-                </a:stretch>
-              </a:blipFill>
-            </p:spPr>
-            <p:txBody>
-              <a:bodyPr/>
-              <a:lstStyle/>
-              <a:p>
-                <a:r>
-                  <a:rPr lang="zh-CN" altLang="en-US">
-                    <a:noFill/>
-                  </a:rPr>
-                  <a:t> </a:t>
-                </a:r>
-              </a:p>
-            </p:txBody>
-          </p:sp>
-        </mc:Fallback>
-      </mc:AlternateContent>
-      <mc:AlternateContent xmlns:mc="http://schemas.openxmlformats.org/markup-compatibility/2006">
-        <mc:Choice xmlns:a14="http://schemas.microsoft.com/office/drawing/2010/main" Requires="a14">
-          <p:sp>
-            <p:nvSpPr>
-              <p:cNvPr id="3" name="矩形 2"/>
-              <p:cNvSpPr/>
-              <p:nvPr/>
-            </p:nvSpPr>
-            <p:spPr>
-              <a:xfrm>
-                <a:off x="4729611" y="3126750"/>
-                <a:ext cx="324704" cy="246221"/>
-              </a:xfrm>
-              <a:prstGeom prst="rect">
-                <a:avLst/>
-              </a:prstGeom>
-            </p:spPr>
-            <p:txBody>
-              <a:bodyPr wrap="none">
-                <a:spAutoFit/>
-              </a:bodyPr>
-              <a:lstStyle/>
-              <a:p>
-                <a14:m>
-                  <m:oMathPara xmlns:m="http://schemas.openxmlformats.org/officeDocument/2006/math">
-                    <m:oMathParaPr>
-                      <m:jc m:val="centerGroup"/>
-                    </m:oMathParaPr>
-                    <m:oMath xmlns:m="http://schemas.openxmlformats.org/officeDocument/2006/math">
-                      <m:sSub>
-                        <m:sSubPr>
-                          <m:ctrlPr>
-                            <a:rPr lang="zh-CN" altLang="en-US" sz="1000">
-                              <a:latin typeface="Cambria Math" panose="02040503050406030204" pitchFamily="18" charset="0"/>
-                            </a:rPr>
-                          </m:ctrlPr>
-                        </m:sSubPr>
-                        <m:e>
-                          <m:r>
-                            <a:rPr lang="zh-CN" altLang="en-US" sz="1000" i="1">
-                              <a:latin typeface="Cambria Math" panose="02040503050406030204" pitchFamily="18" charset="0"/>
-                            </a:rPr>
-                            <m:t>𝐼</m:t>
-                          </m:r>
-                        </m:e>
-                        <m:sub>
-                          <m:r>
-                            <a:rPr lang="zh-CN" altLang="en-US" sz="1000" i="1">
-                              <a:latin typeface="Cambria Math" panose="02040503050406030204" pitchFamily="18" charset="0"/>
-                            </a:rPr>
-                            <m:t>𝑘</m:t>
-                          </m:r>
-                        </m:sub>
-                      </m:sSub>
-                    </m:oMath>
-                  </m:oMathPara>
-                </a14:m>
-                <a:endParaRPr lang="zh-CN" altLang="en-US" sz="1000" dirty="0"/>
-              </a:p>
-            </p:txBody>
-          </p:sp>
-        </mc:Choice>
-        <mc:Fallback>
-          <p:sp>
-            <p:nvSpPr>
-              <p:cNvPr id="3" name="矩形 2"/>
-              <p:cNvSpPr>
-                <a:spLocks noRot="1" noChangeAspect="1" noMove="1" noResize="1" noEditPoints="1" noAdjustHandles="1" noChangeArrowheads="1" noChangeShapeType="1" noTextEdit="1"/>
-              </p:cNvSpPr>
-              <p:nvPr/>
-            </p:nvSpPr>
-            <p:spPr>
-              <a:xfrm>
-                <a:off x="4729611" y="3126750"/>
-                <a:ext cx="324704" cy="246221"/>
-              </a:xfrm>
-              <a:prstGeom prst="rect">
-                <a:avLst/>
-              </a:prstGeom>
-              <a:blipFill>
-                <a:blip r:embed="rId3"/>
-                <a:stretch>
-                  <a:fillRect/>
-                </a:stretch>
-              </a:blipFill>
-            </p:spPr>
-            <p:txBody>
-              <a:bodyPr/>
-              <a:lstStyle/>
-              <a:p>
-                <a:r>
-                  <a:rPr lang="zh-CN" altLang="en-US">
-                    <a:noFill/>
-                  </a:rPr>
-                  <a:t> </a:t>
-                </a:r>
-              </a:p>
-            </p:txBody>
-          </p:sp>
-        </mc:Fallback>
-      </mc:AlternateContent>
-      <p:sp>
-        <p:nvSpPr>
-          <p:cNvPr id="10" name="平行四边形 9"/>
-          <p:cNvSpPr/>
-          <p:nvPr/>
-        </p:nvSpPr>
-        <p:spPr>
-          <a:xfrm rot="15927846" flipH="1">
-            <a:off x="5415743" y="3302263"/>
-            <a:ext cx="144473" cy="141417"/>
-          </a:xfrm>
-          <a:prstGeom prst="parallelogram">
-            <a:avLst/>
-          </a:prstGeom>
-          <a:noFill/>
           <a:ln w="12700">
-            <a:solidFill>
-              <a:srgbClr val="0070C0"/>
-            </a:solidFill>
+            <a:headEnd type="triangle"/>
+            <a:tailEnd type="triangle"/>
           </a:ln>
         </p:spPr>
         <p:style>
-          <a:lnRef idx="2">
-            <a:schemeClr val="accent1">
-              <a:shade val="50000"/>
-            </a:schemeClr>
+          <a:lnRef idx="1">
+            <a:schemeClr val="dk1"/>
           </a:lnRef>
-          <a:fillRef idx="1">
-            <a:schemeClr val="accent1"/>
+          <a:fillRef idx="0">
+            <a:schemeClr val="dk1"/>
           </a:fillRef>
           <a:effectRef idx="0">
-            <a:schemeClr val="accent1"/>
+            <a:schemeClr val="dk1"/>
           </a:effectRef>
           <a:fontRef idx="minor">
-            <a:schemeClr val="lt1"/>
+            <a:schemeClr val="tx1"/>
           </a:fontRef>
         </p:style>
-        <p:txBody>
-          <a:bodyPr rtlCol="0" anchor="ctr"/>
-          <a:lstStyle/>
-          <a:p>
-            <a:pPr algn="ctr"/>
-            <a:endParaRPr lang="zh-CN" altLang="en-US"/>
-          </a:p>
-        </p:txBody>
-      </p:sp>
-      <p:sp>
-        <p:nvSpPr>
-          <p:cNvPr id="17" name="下弧形箭头 16"/>
-          <p:cNvSpPr/>
+      </p:cxnSp>
+      <p:cxnSp>
+        <p:nvCxnSpPr>
+          <p:cNvPr id="61" name="直接箭头连接符 60"/>
+          <p:cNvCxnSpPr/>
           <p:nvPr/>
-        </p:nvSpPr>
+        </p:nvCxnSpPr>
         <p:spPr>
           <a:xfrm>
-            <a:off x="3605537" y="3811649"/>
-            <a:ext cx="1551417" cy="266700"/>
+            <a:off x="2110740" y="1911667"/>
+            <a:ext cx="0" cy="2702242"/>
           </a:xfrm>
-          <a:prstGeom prst="curvedUpArrow">
+          <a:prstGeom prst="straightConnector1">
             <a:avLst/>
           </a:prstGeom>
-          <a:noFill/>
-          <a:ln>
-            <a:solidFill>
-              <a:schemeClr val="tx1"/>
-            </a:solidFill>
+          <a:ln w="12700">
+            <a:headEnd type="triangle"/>
+            <a:tailEnd type="triangle"/>
           </a:ln>
         </p:spPr>
         <p:style>
-          <a:lnRef idx="2">
-            <a:schemeClr val="accent1">
-              <a:shade val="50000"/>
-            </a:schemeClr>
+          <a:lnRef idx="1">
+            <a:schemeClr val="dk1"/>
           </a:lnRef>
-          <a:fillRef idx="1">
-            <a:schemeClr val="accent1"/>
+          <a:fillRef idx="0">
+            <a:schemeClr val="dk1"/>
           </a:fillRef>
           <a:effectRef idx="0">
-            <a:schemeClr val="accent1"/>
+            <a:schemeClr val="dk1"/>
           </a:effectRef>
           <a:fontRef idx="minor">
-            <a:schemeClr val="lt1"/>
+            <a:schemeClr val="tx1"/>
           </a:fontRef>
         </p:style>
-        <p:txBody>
-          <a:bodyPr rtlCol="0" anchor="ctr"/>
-          <a:lstStyle/>
-          <a:p>
-            <a:pPr algn="ctr"/>
-            <a:endParaRPr lang="zh-CN" altLang="en-US">
-              <a:solidFill>
-                <a:schemeClr val="tx1"/>
-              </a:solidFill>
-            </a:endParaRPr>
-          </a:p>
-        </p:txBody>
-      </p:sp>
-      <mc:AlternateContent xmlns:mc="http://schemas.openxmlformats.org/markup-compatibility/2006">
-        <mc:Choice xmlns:a14="http://schemas.microsoft.com/office/drawing/2010/main" Requires="a14">
-          <p:sp>
-            <p:nvSpPr>
-              <p:cNvPr id="18" name="矩形 17"/>
-              <p:cNvSpPr/>
-              <p:nvPr/>
-            </p:nvSpPr>
-            <p:spPr>
-              <a:xfrm>
-                <a:off x="3716377" y="1736721"/>
-                <a:ext cx="299714" cy="276999"/>
-              </a:xfrm>
-              <a:prstGeom prst="rect">
-                <a:avLst/>
-              </a:prstGeom>
-            </p:spPr>
-            <p:txBody>
-              <a:bodyPr wrap="square">
-                <a:spAutoFit/>
-              </a:bodyPr>
-              <a:lstStyle/>
-              <a:p>
-                <a14:m>
-                  <m:oMathPara xmlns:m="http://schemas.openxmlformats.org/officeDocument/2006/math">
-                    <m:oMathParaPr>
-                      <m:jc m:val="centerGroup"/>
-                    </m:oMathParaPr>
-                    <m:oMath xmlns:m="http://schemas.openxmlformats.org/officeDocument/2006/math">
-                      <m:r>
-                        <a:rPr lang="zh-CN" altLang="en-US" sz="1200" i="1">
-                          <a:latin typeface="Cambria Math" panose="02040503050406030204" pitchFamily="18" charset="0"/>
-                        </a:rPr>
-                        <m:t>𝑃</m:t>
-                      </m:r>
-                    </m:oMath>
-                  </m:oMathPara>
-                </a14:m>
-                <a:endParaRPr lang="zh-CN" altLang="en-US" sz="1200" dirty="0"/>
-              </a:p>
-            </p:txBody>
-          </p:sp>
-        </mc:Choice>
-        <mc:Fallback>
-          <p:sp>
-            <p:nvSpPr>
-              <p:cNvPr id="18" name="矩形 17"/>
-              <p:cNvSpPr>
-                <a:spLocks noRot="1" noChangeAspect="1" noMove="1" noResize="1" noEditPoints="1" noAdjustHandles="1" noChangeArrowheads="1" noChangeShapeType="1" noTextEdit="1"/>
-              </p:cNvSpPr>
-              <p:nvPr/>
-            </p:nvSpPr>
-            <p:spPr>
-              <a:xfrm>
-                <a:off x="3716377" y="1736721"/>
-                <a:ext cx="299714" cy="276999"/>
-              </a:xfrm>
-              <a:prstGeom prst="rect">
-                <a:avLst/>
-              </a:prstGeom>
-              <a:blipFill>
-                <a:blip r:embed="rId4"/>
-                <a:stretch>
-                  <a:fillRect/>
-                </a:stretch>
-              </a:blipFill>
-            </p:spPr>
-            <p:txBody>
-              <a:bodyPr/>
-              <a:lstStyle/>
-              <a:p>
-                <a:r>
-                  <a:rPr lang="zh-CN" altLang="en-US">
-                    <a:noFill/>
-                  </a:rPr>
-                  <a:t> </a:t>
-                </a:r>
-              </a:p>
-            </p:txBody>
-          </p:sp>
-        </mc:Fallback>
-      </mc:AlternateContent>
+      </p:cxnSp>
+      <p:cxnSp>
+        <p:nvCxnSpPr>
+          <p:cNvPr id="66" name="直接连接符 65"/>
+          <p:cNvCxnSpPr>
+            <a:stCxn id="19" idx="6"/>
+          </p:cNvCxnSpPr>
+          <p:nvPr/>
+        </p:nvCxnSpPr>
+        <p:spPr>
+          <a:xfrm flipV="1">
+            <a:off x="2505075" y="2752443"/>
+            <a:ext cx="602264" cy="1"/>
+          </a:xfrm>
+          <a:prstGeom prst="line">
+            <a:avLst/>
+          </a:prstGeom>
+          <a:ln w="12700">
+            <a:prstDash val="dash"/>
+          </a:ln>
+        </p:spPr>
+        <p:style>
+          <a:lnRef idx="1">
+            <a:schemeClr val="dk1"/>
+          </a:lnRef>
+          <a:fillRef idx="0">
+            <a:schemeClr val="dk1"/>
+          </a:fillRef>
+          <a:effectRef idx="0">
+            <a:schemeClr val="dk1"/>
+          </a:effectRef>
+          <a:fontRef idx="minor">
+            <a:schemeClr val="tx1"/>
+          </a:fontRef>
+        </p:style>
+      </p:cxnSp>
+      <p:cxnSp>
+        <p:nvCxnSpPr>
+          <p:cNvPr id="73" name="直接箭头连接符 72"/>
+          <p:cNvCxnSpPr/>
+          <p:nvPr/>
+        </p:nvCxnSpPr>
+        <p:spPr>
+          <a:xfrm>
+            <a:off x="4766310" y="4277518"/>
+            <a:ext cx="10478" cy="343350"/>
+          </a:xfrm>
+          <a:prstGeom prst="straightConnector1">
+            <a:avLst/>
+          </a:prstGeom>
+          <a:ln w="12700">
+            <a:headEnd type="triangle"/>
+            <a:tailEnd type="triangle"/>
+          </a:ln>
+        </p:spPr>
+        <p:style>
+          <a:lnRef idx="1">
+            <a:schemeClr val="dk1"/>
+          </a:lnRef>
+          <a:fillRef idx="0">
+            <a:schemeClr val="dk1"/>
+          </a:fillRef>
+          <a:effectRef idx="0">
+            <a:schemeClr val="dk1"/>
+          </a:effectRef>
+          <a:fontRef idx="minor">
+            <a:schemeClr val="tx1"/>
+          </a:fontRef>
+        </p:style>
+      </p:cxnSp>
+      <p:cxnSp>
+        <p:nvCxnSpPr>
+          <p:cNvPr id="76" name="直接连接符 75"/>
+          <p:cNvCxnSpPr/>
+          <p:nvPr/>
+        </p:nvCxnSpPr>
+        <p:spPr>
+          <a:xfrm flipH="1">
+            <a:off x="4600576" y="4620868"/>
+            <a:ext cx="331469" cy="1373"/>
+          </a:xfrm>
+          <a:prstGeom prst="line">
+            <a:avLst/>
+          </a:prstGeom>
+        </p:spPr>
+        <p:style>
+          <a:lnRef idx="1">
+            <a:schemeClr val="dk1"/>
+          </a:lnRef>
+          <a:fillRef idx="0">
+            <a:schemeClr val="dk1"/>
+          </a:fillRef>
+          <a:effectRef idx="0">
+            <a:schemeClr val="dk1"/>
+          </a:effectRef>
+          <a:fontRef idx="minor">
+            <a:schemeClr val="tx1"/>
+          </a:fontRef>
+        </p:style>
+      </p:cxnSp>
     </p:spTree>
     <p:extLst>
       <p:ext uri="{BB962C8B-B14F-4D97-AF65-F5344CB8AC3E}">
-        <p14:creationId xmlns:p14="http://schemas.microsoft.com/office/powerpoint/2010/main" val="3273888632"/>
+        <p14:creationId xmlns:p14="http://schemas.microsoft.com/office/powerpoint/2010/main" val="2896826929"/>
       </p:ext>
     </p:extLst>
   </p:cSld>

--- a/image_of_paper.pptx
+++ b/image_of_paper.pptx
@@ -1,12 +1,16 @@
 
 <file path=ppt/presentation.xml><?xml version="1.0" encoding="utf-8"?>
-<p:presentation xmlns:a="http://schemas.openxmlformats.org/drawingml/2006/main" xmlns:r="http://schemas.openxmlformats.org/officeDocument/2006/relationships" xmlns:p="http://schemas.openxmlformats.org/presentationml/2006/main" saveSubsetFonts="1">
+<p:presentation xmlns:a="http://schemas.openxmlformats.org/drawingml/2006/main" xmlns:r="http://schemas.openxmlformats.org/officeDocument/2006/relationships" xmlns:p="http://schemas.openxmlformats.org/presentationml/2006/main" saveSubsetFonts="1" autoCompressPictures="0">
   <p:sldMasterIdLst>
     <p:sldMasterId id="2147483648" r:id="rId1"/>
   </p:sldMasterIdLst>
+  <p:notesMasterIdLst>
+    <p:notesMasterId r:id="rId5"/>
+  </p:notesMasterIdLst>
   <p:sldIdLst>
     <p:sldId id="256" r:id="rId2"/>
     <p:sldId id="257" r:id="rId3"/>
+    <p:sldId id="258" r:id="rId4"/>
   </p:sldIdLst>
   <p:sldSz cx="12192000" cy="6858000"/>
   <p:notesSz cx="6858000" cy="9144000"/>
@@ -111,6 +115,356 @@
     </p:ext>
   </p:extLst>
 </p:presentation>
+</file>
+
+<file path=ppt/notesMasters/notesMaster1.xml><?xml version="1.0" encoding="utf-8"?>
+<p:notesMaster xmlns:a="http://schemas.openxmlformats.org/drawingml/2006/main" xmlns:r="http://schemas.openxmlformats.org/officeDocument/2006/relationships" xmlns:p="http://schemas.openxmlformats.org/presentationml/2006/main">
+  <p:cSld>
+    <p:bg>
+      <p:bgRef idx="1001">
+        <a:schemeClr val="bg1"/>
+      </p:bgRef>
+    </p:bg>
+    <p:spTree>
+      <p:nvGrpSpPr>
+        <p:cNvPr id="1" name=""/>
+        <p:cNvGrpSpPr/>
+        <p:nvPr/>
+      </p:nvGrpSpPr>
+      <p:grpSpPr>
+        <a:xfrm>
+          <a:off x="0" y="0"/>
+          <a:ext cx="0" cy="0"/>
+          <a:chOff x="0" y="0"/>
+          <a:chExt cx="0" cy="0"/>
+        </a:xfrm>
+      </p:grpSpPr>
+      <p:sp>
+        <p:nvSpPr>
+          <p:cNvPr id="2" name="页眉占位符 1"/>
+          <p:cNvSpPr>
+            <a:spLocks noGrp="1"/>
+          </p:cNvSpPr>
+          <p:nvPr>
+            <p:ph type="hdr" sz="quarter"/>
+          </p:nvPr>
+        </p:nvSpPr>
+        <p:spPr>
+          <a:xfrm>
+            <a:off x="0" y="0"/>
+            <a:ext cx="2971800" cy="458788"/>
+          </a:xfrm>
+          <a:prstGeom prst="rect">
+            <a:avLst/>
+          </a:prstGeom>
+        </p:spPr>
+        <p:txBody>
+          <a:bodyPr vert="horz" lIns="91440" tIns="45720" rIns="91440" bIns="45720" rtlCol="0"/>
+          <a:lstStyle>
+            <a:lvl1pPr algn="l">
+              <a:defRPr sz="1200"/>
+            </a:lvl1pPr>
+          </a:lstStyle>
+          <a:p>
+            <a:endParaRPr lang="zh-CN" altLang="en-US"/>
+          </a:p>
+        </p:txBody>
+      </p:sp>
+      <p:sp>
+        <p:nvSpPr>
+          <p:cNvPr id="3" name="日期占位符 2"/>
+          <p:cNvSpPr>
+            <a:spLocks noGrp="1"/>
+          </p:cNvSpPr>
+          <p:nvPr>
+            <p:ph type="dt" idx="1"/>
+          </p:nvPr>
+        </p:nvSpPr>
+        <p:spPr>
+          <a:xfrm>
+            <a:off x="3884613" y="0"/>
+            <a:ext cx="2971800" cy="458788"/>
+          </a:xfrm>
+          <a:prstGeom prst="rect">
+            <a:avLst/>
+          </a:prstGeom>
+        </p:spPr>
+        <p:txBody>
+          <a:bodyPr vert="horz" lIns="91440" tIns="45720" rIns="91440" bIns="45720" rtlCol="0"/>
+          <a:lstStyle>
+            <a:lvl1pPr algn="r">
+              <a:defRPr sz="1200"/>
+            </a:lvl1pPr>
+          </a:lstStyle>
+          <a:p>
+            <a:fld id="{FE6C41BB-DDFC-4602-87C4-9D8FCF8D71DE}" type="datetimeFigureOut">
+              <a:rPr lang="zh-CN" altLang="en-US" smtClean="0"/>
+              <a:t>2017/4/17</a:t>
+            </a:fld>
+            <a:endParaRPr lang="zh-CN" altLang="en-US"/>
+          </a:p>
+        </p:txBody>
+      </p:sp>
+      <p:sp>
+        <p:nvSpPr>
+          <p:cNvPr id="4" name="幻灯片图像占位符 3"/>
+          <p:cNvSpPr>
+            <a:spLocks noGrp="1" noRot="1" noChangeAspect="1"/>
+          </p:cNvSpPr>
+          <p:nvPr>
+            <p:ph type="sldImg" idx="2"/>
+          </p:nvPr>
+        </p:nvSpPr>
+        <p:spPr>
+          <a:xfrm>
+            <a:off x="685800" y="1143000"/>
+            <a:ext cx="5486400" cy="3086100"/>
+          </a:xfrm>
+          <a:prstGeom prst="rect">
+            <a:avLst/>
+          </a:prstGeom>
+          <a:noFill/>
+          <a:ln w="12700">
+            <a:solidFill>
+              <a:prstClr val="black"/>
+            </a:solidFill>
+          </a:ln>
+        </p:spPr>
+        <p:txBody>
+          <a:bodyPr vert="horz" lIns="91440" tIns="45720" rIns="91440" bIns="45720" rtlCol="0" anchor="ctr"/>
+          <a:lstStyle/>
+          <a:p>
+            <a:endParaRPr lang="zh-CN" altLang="en-US"/>
+          </a:p>
+        </p:txBody>
+      </p:sp>
+      <p:sp>
+        <p:nvSpPr>
+          <p:cNvPr id="5" name="备注占位符 4"/>
+          <p:cNvSpPr>
+            <a:spLocks noGrp="1"/>
+          </p:cNvSpPr>
+          <p:nvPr>
+            <p:ph type="body" sz="quarter" idx="3"/>
+          </p:nvPr>
+        </p:nvSpPr>
+        <p:spPr>
+          <a:xfrm>
+            <a:off x="685800" y="4400550"/>
+            <a:ext cx="5486400" cy="3600450"/>
+          </a:xfrm>
+          <a:prstGeom prst="rect">
+            <a:avLst/>
+          </a:prstGeom>
+        </p:spPr>
+        <p:txBody>
+          <a:bodyPr vert="horz" lIns="91440" tIns="45720" rIns="91440" bIns="45720" rtlCol="0"/>
+          <a:lstStyle/>
+          <a:p>
+            <a:pPr lvl="0"/>
+            <a:r>
+              <a:rPr lang="zh-CN" altLang="en-US" smtClean="0"/>
+              <a:t>编辑母版文本样式</a:t>
+            </a:r>
+          </a:p>
+          <a:p>
+            <a:pPr lvl="1"/>
+            <a:r>
+              <a:rPr lang="zh-CN" altLang="en-US" smtClean="0"/>
+              <a:t>第二级</a:t>
+            </a:r>
+          </a:p>
+          <a:p>
+            <a:pPr lvl="2"/>
+            <a:r>
+              <a:rPr lang="zh-CN" altLang="en-US" smtClean="0"/>
+              <a:t>第三级</a:t>
+            </a:r>
+          </a:p>
+          <a:p>
+            <a:pPr lvl="3"/>
+            <a:r>
+              <a:rPr lang="zh-CN" altLang="en-US" smtClean="0"/>
+              <a:t>第四级</a:t>
+            </a:r>
+          </a:p>
+          <a:p>
+            <a:pPr lvl="4"/>
+            <a:r>
+              <a:rPr lang="zh-CN" altLang="en-US" smtClean="0"/>
+              <a:t>第五级</a:t>
+            </a:r>
+            <a:endParaRPr lang="zh-CN" altLang="en-US"/>
+          </a:p>
+        </p:txBody>
+      </p:sp>
+      <p:sp>
+        <p:nvSpPr>
+          <p:cNvPr id="6" name="页脚占位符 5"/>
+          <p:cNvSpPr>
+            <a:spLocks noGrp="1"/>
+          </p:cNvSpPr>
+          <p:nvPr>
+            <p:ph type="ftr" sz="quarter" idx="4"/>
+          </p:nvPr>
+        </p:nvSpPr>
+        <p:spPr>
+          <a:xfrm>
+            <a:off x="0" y="8685213"/>
+            <a:ext cx="2971800" cy="458787"/>
+          </a:xfrm>
+          <a:prstGeom prst="rect">
+            <a:avLst/>
+          </a:prstGeom>
+        </p:spPr>
+        <p:txBody>
+          <a:bodyPr vert="horz" lIns="91440" tIns="45720" rIns="91440" bIns="45720" rtlCol="0" anchor="b"/>
+          <a:lstStyle>
+            <a:lvl1pPr algn="l">
+              <a:defRPr sz="1200"/>
+            </a:lvl1pPr>
+          </a:lstStyle>
+          <a:p>
+            <a:endParaRPr lang="zh-CN" altLang="en-US"/>
+          </a:p>
+        </p:txBody>
+      </p:sp>
+      <p:sp>
+        <p:nvSpPr>
+          <p:cNvPr id="7" name="灯片编号占位符 6"/>
+          <p:cNvSpPr>
+            <a:spLocks noGrp="1"/>
+          </p:cNvSpPr>
+          <p:nvPr>
+            <p:ph type="sldNum" sz="quarter" idx="5"/>
+          </p:nvPr>
+        </p:nvSpPr>
+        <p:spPr>
+          <a:xfrm>
+            <a:off x="3884613" y="8685213"/>
+            <a:ext cx="2971800" cy="458787"/>
+          </a:xfrm>
+          <a:prstGeom prst="rect">
+            <a:avLst/>
+          </a:prstGeom>
+        </p:spPr>
+        <p:txBody>
+          <a:bodyPr vert="horz" lIns="91440" tIns="45720" rIns="91440" bIns="45720" rtlCol="0" anchor="b"/>
+          <a:lstStyle>
+            <a:lvl1pPr algn="r">
+              <a:defRPr sz="1200"/>
+            </a:lvl1pPr>
+          </a:lstStyle>
+          <a:p>
+            <a:fld id="{71A55449-8AFB-4BA6-9932-D698338C2E0C}" type="slidenum">
+              <a:rPr lang="zh-CN" altLang="en-US" smtClean="0"/>
+              <a:t>‹#›</a:t>
+            </a:fld>
+            <a:endParaRPr lang="zh-CN" altLang="en-US"/>
+          </a:p>
+        </p:txBody>
+      </p:sp>
+    </p:spTree>
+    <p:extLst>
+      <p:ext uri="{BB962C8B-B14F-4D97-AF65-F5344CB8AC3E}">
+        <p14:creationId xmlns:p14="http://schemas.microsoft.com/office/powerpoint/2010/main" val="2380931589"/>
+      </p:ext>
+    </p:extLst>
+  </p:cSld>
+  <p:clrMap bg1="lt1" tx1="dk1" bg2="lt2" tx2="dk2" accent1="accent1" accent2="accent2" accent3="accent3" accent4="accent4" accent5="accent5" accent6="accent6" hlink="hlink" folHlink="folHlink"/>
+  <p:notesStyle>
+    <a:lvl1pPr marL="0" algn="l" defTabSz="914400" rtl="0" eaLnBrk="1" latinLnBrk="0" hangingPunct="1">
+      <a:defRPr sz="1200" kern="1200">
+        <a:solidFill>
+          <a:schemeClr val="tx1"/>
+        </a:solidFill>
+        <a:latin typeface="+mn-lt"/>
+        <a:ea typeface="+mn-ea"/>
+        <a:cs typeface="+mn-cs"/>
+      </a:defRPr>
+    </a:lvl1pPr>
+    <a:lvl2pPr marL="457200" algn="l" defTabSz="914400" rtl="0" eaLnBrk="1" latinLnBrk="0" hangingPunct="1">
+      <a:defRPr sz="1200" kern="1200">
+        <a:solidFill>
+          <a:schemeClr val="tx1"/>
+        </a:solidFill>
+        <a:latin typeface="+mn-lt"/>
+        <a:ea typeface="+mn-ea"/>
+        <a:cs typeface="+mn-cs"/>
+      </a:defRPr>
+    </a:lvl2pPr>
+    <a:lvl3pPr marL="914400" algn="l" defTabSz="914400" rtl="0" eaLnBrk="1" latinLnBrk="0" hangingPunct="1">
+      <a:defRPr sz="1200" kern="1200">
+        <a:solidFill>
+          <a:schemeClr val="tx1"/>
+        </a:solidFill>
+        <a:latin typeface="+mn-lt"/>
+        <a:ea typeface="+mn-ea"/>
+        <a:cs typeface="+mn-cs"/>
+      </a:defRPr>
+    </a:lvl3pPr>
+    <a:lvl4pPr marL="1371600" algn="l" defTabSz="914400" rtl="0" eaLnBrk="1" latinLnBrk="0" hangingPunct="1">
+      <a:defRPr sz="1200" kern="1200">
+        <a:solidFill>
+          <a:schemeClr val="tx1"/>
+        </a:solidFill>
+        <a:latin typeface="+mn-lt"/>
+        <a:ea typeface="+mn-ea"/>
+        <a:cs typeface="+mn-cs"/>
+      </a:defRPr>
+    </a:lvl4pPr>
+    <a:lvl5pPr marL="1828800" algn="l" defTabSz="914400" rtl="0" eaLnBrk="1" latinLnBrk="0" hangingPunct="1">
+      <a:defRPr sz="1200" kern="1200">
+        <a:solidFill>
+          <a:schemeClr val="tx1"/>
+        </a:solidFill>
+        <a:latin typeface="+mn-lt"/>
+        <a:ea typeface="+mn-ea"/>
+        <a:cs typeface="+mn-cs"/>
+      </a:defRPr>
+    </a:lvl5pPr>
+    <a:lvl6pPr marL="2286000" algn="l" defTabSz="914400" rtl="0" eaLnBrk="1" latinLnBrk="0" hangingPunct="1">
+      <a:defRPr sz="1200" kern="1200">
+        <a:solidFill>
+          <a:schemeClr val="tx1"/>
+        </a:solidFill>
+        <a:latin typeface="+mn-lt"/>
+        <a:ea typeface="+mn-ea"/>
+        <a:cs typeface="+mn-cs"/>
+      </a:defRPr>
+    </a:lvl6pPr>
+    <a:lvl7pPr marL="2743200" algn="l" defTabSz="914400" rtl="0" eaLnBrk="1" latinLnBrk="0" hangingPunct="1">
+      <a:defRPr sz="1200" kern="1200">
+        <a:solidFill>
+          <a:schemeClr val="tx1"/>
+        </a:solidFill>
+        <a:latin typeface="+mn-lt"/>
+        <a:ea typeface="+mn-ea"/>
+        <a:cs typeface="+mn-cs"/>
+      </a:defRPr>
+    </a:lvl7pPr>
+    <a:lvl8pPr marL="3200400" algn="l" defTabSz="914400" rtl="0" eaLnBrk="1" latinLnBrk="0" hangingPunct="1">
+      <a:defRPr sz="1200" kern="1200">
+        <a:solidFill>
+          <a:schemeClr val="tx1"/>
+        </a:solidFill>
+        <a:latin typeface="+mn-lt"/>
+        <a:ea typeface="+mn-ea"/>
+        <a:cs typeface="+mn-cs"/>
+      </a:defRPr>
+    </a:lvl8pPr>
+    <a:lvl9pPr marL="3657600" algn="l" defTabSz="914400" rtl="0" eaLnBrk="1" latinLnBrk="0" hangingPunct="1">
+      <a:defRPr sz="1200" kern="1200">
+        <a:solidFill>
+          <a:schemeClr val="tx1"/>
+        </a:solidFill>
+        <a:latin typeface="+mn-lt"/>
+        <a:ea typeface="+mn-ea"/>
+        <a:cs typeface="+mn-cs"/>
+      </a:defRPr>
+    </a:lvl9pPr>
+  </p:notesStyle>
+</p:notesMaster>
 </file>
 
 <file path=ppt/slideLayouts/slideLayout1.xml><?xml version="1.0" encoding="utf-8"?>
@@ -2978,7 +3332,7 @@
         </p:nvGrpSpPr>
         <p:grpSpPr>
           <a:xfrm>
-            <a:off x="1139165" y="1795603"/>
+            <a:off x="3585185" y="2420443"/>
             <a:ext cx="3794785" cy="2233473"/>
             <a:chOff x="2422632" y="2052559"/>
             <a:chExt cx="3977142" cy="2232105"/>
@@ -3616,7 +3970,7 @@
                 <a:graphicData uri="http://schemas.openxmlformats.org/presentationml/2006/ole">
                   <mc:AlternateContent>
                     <mc:Choice xmlns:v="urn:schemas-microsoft-com:vml" Requires="v">
-                      <p:oleObj spid="_x0000_s1054" name="Equation" r:id="rId5" imgW="253800" imgH="203040" progId="Equation.DSMT4">
+                      <p:oleObj spid="_x0000_s1058" name="Equation" r:id="rId5" imgW="253800" imgH="203040" progId="Equation.DSMT4">
                         <p:embed/>
                       </p:oleObj>
                     </mc:Choice>
@@ -3675,7 +4029,7 @@
                 <a:graphicData uri="http://schemas.openxmlformats.org/presentationml/2006/ole">
                   <mc:AlternateContent>
                     <mc:Choice xmlns:v="urn:schemas-microsoft-com:vml" Requires="v">
-                      <p:oleObj spid="_x0000_s1054" name="Equation" r:id="rId5" imgW="253800" imgH="203040" progId="Equation.DSMT4">
+                      <p:oleObj spid="_x0000_s1058" name="Equation" r:id="rId5" imgW="253800" imgH="203040" progId="Equation.DSMT4">
                         <p:embed/>
                       </p:oleObj>
                     </mc:Choice>
@@ -3736,7 +4090,7 @@
                 <a:graphicData uri="http://schemas.openxmlformats.org/presentationml/2006/ole">
                   <mc:AlternateContent>
                     <mc:Choice xmlns:v="urn:schemas-microsoft-com:vml" Requires="v">
-                      <p:oleObj spid="_x0000_s1055" name="Equation" r:id="rId7" imgW="520560" imgH="228600" progId="Equation.DSMT4">
+                      <p:oleObj spid="_x0000_s1059" name="Equation" r:id="rId7" imgW="520560" imgH="228600" progId="Equation.DSMT4">
                         <p:embed/>
                       </p:oleObj>
                     </mc:Choice>
@@ -3795,7 +4149,7 @@
                 <a:graphicData uri="http://schemas.openxmlformats.org/presentationml/2006/ole">
                   <mc:AlternateContent>
                     <mc:Choice xmlns:v="urn:schemas-microsoft-com:vml" Requires="v">
-                      <p:oleObj spid="_x0000_s1055" name="Equation" r:id="rId7" imgW="520560" imgH="228600" progId="Equation.DSMT4">
+                      <p:oleObj spid="_x0000_s1059" name="Equation" r:id="rId7" imgW="520560" imgH="228600" progId="Equation.DSMT4">
                         <p:embed/>
                       </p:oleObj>
                     </mc:Choice>
@@ -5137,6 +5491,214 @@
           </mc:Fallback>
         </mc:AlternateContent>
       </p:grpSp>
+      <mc:AlternateContent xmlns:mc="http://schemas.openxmlformats.org/markup-compatibility/2006">
+        <mc:Choice xmlns:a14="http://schemas.microsoft.com/office/drawing/2010/main" Requires="a14">
+          <p:sp>
+            <p:nvSpPr>
+              <p:cNvPr id="86" name="矩形 85"/>
+              <p:cNvSpPr/>
+              <p:nvPr/>
+            </p:nvSpPr>
+            <p:spPr>
+              <a:xfrm>
+                <a:off x="4780456" y="2687691"/>
+                <a:ext cx="371320" cy="276999"/>
+              </a:xfrm>
+              <a:prstGeom prst="rect">
+                <a:avLst/>
+              </a:prstGeom>
+            </p:spPr>
+            <p:txBody>
+              <a:bodyPr wrap="none">
+                <a:spAutoFit/>
+              </a:bodyPr>
+              <a:lstStyle/>
+              <a:p>
+                <a14:m>
+                  <m:oMathPara xmlns:m="http://schemas.openxmlformats.org/officeDocument/2006/math">
+                    <m:oMathParaPr>
+                      <m:jc m:val="centerGroup"/>
+                    </m:oMathParaPr>
+                    <m:oMath xmlns:m="http://schemas.openxmlformats.org/officeDocument/2006/math">
+                      <m:sSub>
+                        <m:sSubPr>
+                          <m:ctrlPr>
+                            <a:rPr lang="zh-CN" altLang="en-US" sz="1200">
+                              <a:latin typeface="Cambria Math" panose="02040503050406030204" pitchFamily="18" charset="0"/>
+                            </a:rPr>
+                          </m:ctrlPr>
+                        </m:sSubPr>
+                        <m:e>
+                          <m:r>
+                            <a:rPr lang="zh-CN" altLang="en-US" sz="1200" i="1">
+                              <a:latin typeface="Cambria Math" panose="02040503050406030204" pitchFamily="18" charset="0"/>
+                            </a:rPr>
+                            <m:t>𝑃</m:t>
+                          </m:r>
+                        </m:e>
+                        <m:sub>
+                          <m:r>
+                            <a:rPr lang="zh-CN" altLang="en-US" sz="1200" i="0">
+                              <a:latin typeface="Cambria Math" panose="02040503050406030204" pitchFamily="18" charset="0"/>
+                            </a:rPr>
+                            <m:t>1</m:t>
+                          </m:r>
+                        </m:sub>
+                      </m:sSub>
+                    </m:oMath>
+                  </m:oMathPara>
+                </a14:m>
+                <a:endParaRPr lang="zh-CN" altLang="en-US" dirty="0">
+                  <a:latin typeface="Times New Roman" panose="02020603050405020304" pitchFamily="18" charset="0"/>
+                  <a:cs typeface="Times New Roman" panose="02020603050405020304" pitchFamily="18" charset="0"/>
+                </a:endParaRPr>
+              </a:p>
+            </p:txBody>
+          </p:sp>
+        </mc:Choice>
+        <mc:Fallback>
+          <p:sp>
+            <p:nvSpPr>
+              <p:cNvPr id="86" name="矩形 85"/>
+              <p:cNvSpPr>
+                <a:spLocks noRot="1" noChangeAspect="1" noMove="1" noResize="1" noEditPoints="1" noAdjustHandles="1" noChangeArrowheads="1" noChangeShapeType="1" noTextEdit="1"/>
+              </p:cNvSpPr>
+              <p:nvPr/>
+            </p:nvSpPr>
+            <p:spPr>
+              <a:xfrm>
+                <a:off x="4780456" y="2687691"/>
+                <a:ext cx="371320" cy="276999"/>
+              </a:xfrm>
+              <a:prstGeom prst="rect">
+                <a:avLst/>
+              </a:prstGeom>
+              <a:blipFill>
+                <a:blip r:embed="rId16"/>
+                <a:stretch>
+                  <a:fillRect/>
+                </a:stretch>
+              </a:blipFill>
+            </p:spPr>
+            <p:txBody>
+              <a:bodyPr/>
+              <a:lstStyle/>
+              <a:p>
+                <a:r>
+                  <a:rPr lang="zh-CN" altLang="en-US">
+                    <a:noFill/>
+                  </a:rPr>
+                  <a:t> </a:t>
+                </a:r>
+              </a:p>
+            </p:txBody>
+          </p:sp>
+        </mc:Fallback>
+      </mc:AlternateContent>
+      <mc:AlternateContent xmlns:mc="http://schemas.openxmlformats.org/markup-compatibility/2006">
+        <mc:Choice xmlns:a14="http://schemas.microsoft.com/office/drawing/2010/main" Requires="a14">
+          <p:sp>
+            <p:nvSpPr>
+              <p:cNvPr id="87" name="矩形 86"/>
+              <p:cNvSpPr/>
+              <p:nvPr/>
+            </p:nvSpPr>
+            <p:spPr>
+              <a:xfrm>
+                <a:off x="4952324" y="2407343"/>
+                <a:ext cx="378116" cy="276999"/>
+              </a:xfrm>
+              <a:prstGeom prst="rect">
+                <a:avLst/>
+              </a:prstGeom>
+            </p:spPr>
+            <p:txBody>
+              <a:bodyPr wrap="none">
+                <a:spAutoFit/>
+              </a:bodyPr>
+              <a:lstStyle/>
+              <a:p>
+                <a14:m>
+                  <m:oMathPara xmlns:m="http://schemas.openxmlformats.org/officeDocument/2006/math">
+                    <m:oMathParaPr>
+                      <m:jc m:val="centerGroup"/>
+                    </m:oMathParaPr>
+                    <m:oMath xmlns:m="http://schemas.openxmlformats.org/officeDocument/2006/math">
+                      <m:sSub>
+                        <m:sSubPr>
+                          <m:ctrlPr>
+                            <a:rPr lang="zh-CN" altLang="en-US" sz="1200">
+                              <a:latin typeface="Cambria Math" panose="02040503050406030204" pitchFamily="18" charset="0"/>
+                            </a:rPr>
+                          </m:ctrlPr>
+                        </m:sSubPr>
+                        <m:e>
+                          <m:r>
+                            <a:rPr lang="zh-CN" altLang="en-US" sz="1200" i="1">
+                              <a:latin typeface="Cambria Math" panose="02040503050406030204" pitchFamily="18" charset="0"/>
+                            </a:rPr>
+                            <m:t>𝑃</m:t>
+                          </m:r>
+                        </m:e>
+                        <m:sub>
+                          <m:r>
+                            <a:rPr lang="zh-CN" altLang="en-US" sz="1200" i="0">
+                              <a:latin typeface="Cambria Math" panose="02040503050406030204" pitchFamily="18" charset="0"/>
+                            </a:rPr>
+                            <m:t>2</m:t>
+                          </m:r>
+                        </m:sub>
+                      </m:sSub>
+                    </m:oMath>
+                  </m:oMathPara>
+                </a14:m>
+                <a:endParaRPr lang="zh-CN" altLang="en-US" dirty="0">
+                  <a:latin typeface="Times New Roman" panose="02020603050405020304" pitchFamily="18" charset="0"/>
+                  <a:cs typeface="Times New Roman" panose="02020603050405020304" pitchFamily="18" charset="0"/>
+                </a:endParaRPr>
+              </a:p>
+            </p:txBody>
+          </p:sp>
+        </mc:Choice>
+        <mc:Fallback>
+          <p:sp>
+            <p:nvSpPr>
+              <p:cNvPr id="87" name="矩形 86"/>
+              <p:cNvSpPr>
+                <a:spLocks noRot="1" noChangeAspect="1" noMove="1" noResize="1" noEditPoints="1" noAdjustHandles="1" noChangeArrowheads="1" noChangeShapeType="1" noTextEdit="1"/>
+              </p:cNvSpPr>
+              <p:nvPr/>
+            </p:nvSpPr>
+            <p:spPr>
+              <a:xfrm>
+                <a:off x="4952324" y="2407343"/>
+                <a:ext cx="378116" cy="276999"/>
+              </a:xfrm>
+              <a:prstGeom prst="rect">
+                <a:avLst/>
+              </a:prstGeom>
+              <a:blipFill>
+                <a:blip r:embed="rId17"/>
+                <a:stretch>
+                  <a:fillRect/>
+                </a:stretch>
+              </a:blipFill>
+            </p:spPr>
+            <p:txBody>
+              <a:bodyPr/>
+              <a:lstStyle/>
+              <a:p>
+                <a:r>
+                  <a:rPr lang="zh-CN" altLang="en-US">
+                    <a:noFill/>
+                  </a:rPr>
+                  <a:t> </a:t>
+                </a:r>
+              </a:p>
+            </p:txBody>
+          </p:sp>
+        </mc:Fallback>
+      </mc:AlternateContent>
     </p:spTree>
     <p:extLst>
       <p:ext uri="{BB962C8B-B14F-4D97-AF65-F5344CB8AC3E}">
@@ -5167,759 +5729,1894 @@
           <a:chExt cx="0" cy="0"/>
         </a:xfrm>
       </p:grpSpPr>
-      <p:sp>
-        <p:nvSpPr>
-          <p:cNvPr id="4" name="椭圆 3"/>
-          <p:cNvSpPr/>
+      <p:grpSp>
+        <p:nvGrpSpPr>
+          <p:cNvPr id="106" name="组合 105"/>
+          <p:cNvGrpSpPr/>
           <p:nvPr/>
-        </p:nvSpPr>
-        <p:spPr>
+        </p:nvGrpSpPr>
+        <p:grpSpPr>
           <a:xfrm>
-            <a:off x="2397124" y="4562475"/>
-            <a:ext cx="107951" cy="108585"/>
+            <a:off x="1789808" y="1597210"/>
+            <a:ext cx="3330163" cy="3359256"/>
+            <a:chOff x="1789808" y="1597210"/>
+            <a:chExt cx="3330163" cy="3359256"/>
           </a:xfrm>
-          <a:prstGeom prst="ellipse">
-            <a:avLst/>
-          </a:prstGeom>
-          <a:solidFill>
-            <a:schemeClr val="tx1"/>
-          </a:solidFill>
-          <a:ln>
-            <a:noFill/>
-          </a:ln>
-        </p:spPr>
-        <p:style>
-          <a:lnRef idx="2">
-            <a:schemeClr val="accent1">
-              <a:shade val="50000"/>
-            </a:schemeClr>
-          </a:lnRef>
-          <a:fillRef idx="1">
-            <a:schemeClr val="accent1"/>
-          </a:fillRef>
-          <a:effectRef idx="0">
-            <a:schemeClr val="accent1"/>
-          </a:effectRef>
-          <a:fontRef idx="minor">
-            <a:schemeClr val="lt1"/>
-          </a:fontRef>
-        </p:style>
-        <p:txBody>
-          <a:bodyPr rtlCol="0" anchor="ctr"/>
-          <a:lstStyle/>
-          <a:p>
-            <a:pPr algn="ctr"/>
-            <a:endParaRPr lang="zh-CN" altLang="en-US"/>
-          </a:p>
-        </p:txBody>
-      </p:sp>
-      <p:sp>
-        <p:nvSpPr>
-          <p:cNvPr id="5" name="椭圆 4"/>
-          <p:cNvSpPr/>
-          <p:nvPr/>
-        </p:nvSpPr>
-        <p:spPr>
-          <a:xfrm>
-            <a:off x="4492624" y="4559617"/>
-            <a:ext cx="107951" cy="108585"/>
-          </a:xfrm>
-          <a:prstGeom prst="ellipse">
-            <a:avLst/>
-          </a:prstGeom>
-          <a:solidFill>
-            <a:schemeClr val="tx1"/>
-          </a:solidFill>
-          <a:ln>
-            <a:noFill/>
-          </a:ln>
-        </p:spPr>
-        <p:style>
-          <a:lnRef idx="2">
-            <a:schemeClr val="accent1">
-              <a:shade val="50000"/>
-            </a:schemeClr>
-          </a:lnRef>
-          <a:fillRef idx="1">
-            <a:schemeClr val="accent1"/>
-          </a:fillRef>
-          <a:effectRef idx="0">
-            <a:schemeClr val="accent1"/>
-          </a:effectRef>
-          <a:fontRef idx="minor">
-            <a:schemeClr val="lt1"/>
-          </a:fontRef>
-        </p:style>
-        <p:txBody>
-          <a:bodyPr rtlCol="0" anchor="ctr"/>
-          <a:lstStyle/>
-          <a:p>
-            <a:pPr algn="ctr"/>
-            <a:endParaRPr lang="zh-CN" altLang="en-US"/>
-          </a:p>
-        </p:txBody>
-      </p:sp>
-      <p:cxnSp>
-        <p:nvCxnSpPr>
-          <p:cNvPr id="7" name="直接连接符 6"/>
-          <p:cNvCxnSpPr/>
-          <p:nvPr/>
-        </p:nvCxnSpPr>
-        <p:spPr>
-          <a:xfrm>
-            <a:off x="1935480" y="4267386"/>
-            <a:ext cx="2996565" cy="7434"/>
-          </a:xfrm>
-          <a:prstGeom prst="line">
-            <a:avLst/>
-          </a:prstGeom>
-          <a:ln w="19050">
+        </p:grpSpPr>
+        <p:sp>
+          <p:nvSpPr>
+            <p:cNvPr id="4" name="椭圆 3"/>
+            <p:cNvSpPr/>
+            <p:nvPr/>
+          </p:nvSpPr>
+          <p:spPr>
+            <a:xfrm>
+              <a:off x="2397124" y="4562475"/>
+              <a:ext cx="107951" cy="108585"/>
+            </a:xfrm>
+            <a:prstGeom prst="ellipse">
+              <a:avLst/>
+            </a:prstGeom>
             <a:solidFill>
-              <a:srgbClr val="0070C0"/>
+              <a:schemeClr val="tx1"/>
             </a:solidFill>
-            <a:prstDash val="dash"/>
-          </a:ln>
-        </p:spPr>
-        <p:style>
-          <a:lnRef idx="1">
-            <a:schemeClr val="dk1"/>
-          </a:lnRef>
-          <a:fillRef idx="0">
-            <a:schemeClr val="dk1"/>
-          </a:fillRef>
-          <a:effectRef idx="0">
-            <a:schemeClr val="dk1"/>
-          </a:effectRef>
-          <a:fontRef idx="minor">
-            <a:schemeClr val="tx1"/>
-          </a:fontRef>
-        </p:style>
-      </p:cxnSp>
-      <p:sp>
-        <p:nvSpPr>
-          <p:cNvPr id="9" name="椭圆 8"/>
-          <p:cNvSpPr/>
-          <p:nvPr/>
-        </p:nvSpPr>
-        <p:spPr>
-          <a:xfrm>
-            <a:off x="2397124" y="1857375"/>
-            <a:ext cx="107951" cy="108585"/>
-          </a:xfrm>
-          <a:prstGeom prst="ellipse">
-            <a:avLst/>
-          </a:prstGeom>
-          <a:solidFill>
-            <a:schemeClr val="tx1"/>
-          </a:solidFill>
-          <a:ln>
-            <a:noFill/>
-          </a:ln>
-        </p:spPr>
-        <p:style>
-          <a:lnRef idx="2">
-            <a:schemeClr val="accent1">
-              <a:shade val="50000"/>
-            </a:schemeClr>
-          </a:lnRef>
-          <a:fillRef idx="1">
-            <a:schemeClr val="accent1"/>
-          </a:fillRef>
-          <a:effectRef idx="0">
-            <a:schemeClr val="accent1"/>
-          </a:effectRef>
-          <a:fontRef idx="minor">
-            <a:schemeClr val="lt1"/>
-          </a:fontRef>
-        </p:style>
-        <p:txBody>
-          <a:bodyPr rtlCol="0" anchor="ctr"/>
-          <a:lstStyle/>
-          <a:p>
-            <a:pPr algn="ctr"/>
-            <a:endParaRPr lang="zh-CN" altLang="en-US"/>
-          </a:p>
-        </p:txBody>
-      </p:sp>
-      <p:cxnSp>
-        <p:nvCxnSpPr>
-          <p:cNvPr id="12" name="直接连接符 11"/>
-          <p:cNvCxnSpPr>
-            <a:stCxn id="9" idx="4"/>
-            <a:endCxn id="4" idx="0"/>
-          </p:cNvCxnSpPr>
-          <p:nvPr/>
-        </p:nvCxnSpPr>
-        <p:spPr>
-          <a:xfrm>
-            <a:off x="2451100" y="1965960"/>
-            <a:ext cx="0" cy="2596515"/>
-          </a:xfrm>
-          <a:prstGeom prst="line">
-            <a:avLst/>
-          </a:prstGeom>
-          <a:ln w="12700"/>
-        </p:spPr>
-        <p:style>
-          <a:lnRef idx="1">
-            <a:schemeClr val="dk1"/>
-          </a:lnRef>
-          <a:fillRef idx="0">
-            <a:schemeClr val="dk1"/>
-          </a:fillRef>
-          <a:effectRef idx="0">
-            <a:schemeClr val="dk1"/>
-          </a:effectRef>
-          <a:fontRef idx="minor">
-            <a:schemeClr val="tx1"/>
-          </a:fontRef>
-        </p:style>
-      </p:cxnSp>
-      <p:cxnSp>
-        <p:nvCxnSpPr>
-          <p:cNvPr id="13" name="直接连接符 12"/>
-          <p:cNvCxnSpPr>
-            <a:stCxn id="9" idx="5"/>
-            <a:endCxn id="5" idx="1"/>
-          </p:cNvCxnSpPr>
-          <p:nvPr/>
-        </p:nvCxnSpPr>
-        <p:spPr>
-          <a:xfrm>
-            <a:off x="2489266" y="1950058"/>
-            <a:ext cx="2019167" cy="2625461"/>
-          </a:xfrm>
-          <a:prstGeom prst="line">
-            <a:avLst/>
-          </a:prstGeom>
-          <a:ln w="12700"/>
-        </p:spPr>
-        <p:style>
-          <a:lnRef idx="1">
-            <a:schemeClr val="dk1"/>
-          </a:lnRef>
-          <a:fillRef idx="0">
-            <a:schemeClr val="dk1"/>
-          </a:fillRef>
-          <a:effectRef idx="0">
-            <a:schemeClr val="dk1"/>
-          </a:effectRef>
-          <a:fontRef idx="minor">
-            <a:schemeClr val="tx1"/>
-          </a:fontRef>
-        </p:style>
-      </p:cxnSp>
-      <p:cxnSp>
-        <p:nvCxnSpPr>
-          <p:cNvPr id="17" name="直接连接符 16"/>
-          <p:cNvCxnSpPr>
-            <a:stCxn id="19" idx="5"/>
-            <a:endCxn id="5" idx="1"/>
-          </p:cNvCxnSpPr>
-          <p:nvPr/>
-        </p:nvCxnSpPr>
-        <p:spPr>
-          <a:xfrm>
-            <a:off x="2489266" y="2790834"/>
-            <a:ext cx="2019167" cy="1784685"/>
-          </a:xfrm>
-          <a:prstGeom prst="line">
-            <a:avLst/>
-          </a:prstGeom>
-          <a:ln w="12700"/>
-        </p:spPr>
-        <p:style>
-          <a:lnRef idx="1">
-            <a:schemeClr val="dk1"/>
-          </a:lnRef>
-          <a:fillRef idx="0">
-            <a:schemeClr val="dk1"/>
-          </a:fillRef>
-          <a:effectRef idx="0">
-            <a:schemeClr val="dk1"/>
-          </a:effectRef>
-          <a:fontRef idx="minor">
-            <a:schemeClr val="tx1"/>
-          </a:fontRef>
-        </p:style>
-      </p:cxnSp>
-      <p:sp>
-        <p:nvSpPr>
-          <p:cNvPr id="19" name="椭圆 18"/>
-          <p:cNvSpPr/>
-          <p:nvPr/>
-        </p:nvSpPr>
-        <p:spPr>
-          <a:xfrm>
-            <a:off x="2397124" y="2698151"/>
-            <a:ext cx="107951" cy="108585"/>
-          </a:xfrm>
-          <a:prstGeom prst="ellipse">
-            <a:avLst/>
-          </a:prstGeom>
-          <a:solidFill>
-            <a:schemeClr val="tx1"/>
-          </a:solidFill>
-          <a:ln>
-            <a:noFill/>
-          </a:ln>
-        </p:spPr>
-        <p:style>
-          <a:lnRef idx="2">
-            <a:schemeClr val="accent1">
-              <a:shade val="50000"/>
-            </a:schemeClr>
-          </a:lnRef>
-          <a:fillRef idx="1">
-            <a:schemeClr val="accent1"/>
-          </a:fillRef>
-          <a:effectRef idx="0">
-            <a:schemeClr val="accent1"/>
-          </a:effectRef>
-          <a:fontRef idx="minor">
-            <a:schemeClr val="lt1"/>
-          </a:fontRef>
-        </p:style>
-        <p:txBody>
-          <a:bodyPr rtlCol="0" anchor="ctr"/>
-          <a:lstStyle/>
-          <a:p>
-            <a:pPr algn="ctr"/>
-            <a:endParaRPr lang="zh-CN" altLang="en-US"/>
-          </a:p>
-        </p:txBody>
-      </p:sp>
-      <p:cxnSp>
-        <p:nvCxnSpPr>
-          <p:cNvPr id="29" name="直接连接符 28"/>
-          <p:cNvCxnSpPr/>
-          <p:nvPr/>
-        </p:nvCxnSpPr>
-        <p:spPr>
-          <a:xfrm>
-            <a:off x="4164806" y="4274344"/>
-            <a:ext cx="116681" cy="476"/>
-          </a:xfrm>
-          <a:prstGeom prst="line">
-            <a:avLst/>
-          </a:prstGeom>
-          <a:ln w="28575">
+            <a:ln>
+              <a:noFill/>
+            </a:ln>
+          </p:spPr>
+          <p:style>
+            <a:lnRef idx="2">
+              <a:schemeClr val="accent1">
+                <a:shade val="50000"/>
+              </a:schemeClr>
+            </a:lnRef>
+            <a:fillRef idx="1">
+              <a:schemeClr val="accent1"/>
+            </a:fillRef>
+            <a:effectRef idx="0">
+              <a:schemeClr val="accent1"/>
+            </a:effectRef>
+            <a:fontRef idx="minor">
+              <a:schemeClr val="lt1"/>
+            </a:fontRef>
+          </p:style>
+          <p:txBody>
+            <a:bodyPr rtlCol="0" anchor="ctr"/>
+            <a:lstStyle/>
+            <a:p>
+              <a:pPr algn="ctr"/>
+              <a:endParaRPr lang="zh-CN" altLang="en-US"/>
+            </a:p>
+          </p:txBody>
+        </p:sp>
+        <p:sp>
+          <p:nvSpPr>
+            <p:cNvPr id="5" name="椭圆 4"/>
+            <p:cNvSpPr/>
+            <p:nvPr/>
+          </p:nvSpPr>
+          <p:spPr>
+            <a:xfrm>
+              <a:off x="4492624" y="4559617"/>
+              <a:ext cx="107951" cy="108585"/>
+            </a:xfrm>
+            <a:prstGeom prst="ellipse">
+              <a:avLst/>
+            </a:prstGeom>
             <a:solidFill>
-              <a:srgbClr val="FF0000"/>
+              <a:schemeClr val="tx1"/>
             </a:solidFill>
-          </a:ln>
-        </p:spPr>
-        <p:style>
-          <a:lnRef idx="1">
-            <a:schemeClr val="accent1"/>
-          </a:lnRef>
-          <a:fillRef idx="0">
-            <a:schemeClr val="accent1"/>
-          </a:fillRef>
-          <a:effectRef idx="0">
-            <a:schemeClr val="accent1"/>
-          </a:effectRef>
-          <a:fontRef idx="minor">
-            <a:schemeClr val="tx1"/>
-          </a:fontRef>
-        </p:style>
-      </p:cxnSp>
-      <p:sp>
-        <p:nvSpPr>
-          <p:cNvPr id="33" name="椭圆 32"/>
-          <p:cNvSpPr/>
-          <p:nvPr/>
-        </p:nvSpPr>
-        <p:spPr>
-          <a:xfrm>
-            <a:off x="4152172" y="4254659"/>
-            <a:ext cx="45719" cy="45719"/>
-          </a:xfrm>
-          <a:prstGeom prst="ellipse">
-            <a:avLst/>
-          </a:prstGeom>
-          <a:solidFill>
-            <a:schemeClr val="tx1"/>
-          </a:solidFill>
-          <a:ln>
-            <a:noFill/>
-          </a:ln>
-        </p:spPr>
-        <p:style>
-          <a:lnRef idx="2">
-            <a:schemeClr val="accent1">
-              <a:shade val="50000"/>
-            </a:schemeClr>
-          </a:lnRef>
-          <a:fillRef idx="1">
-            <a:schemeClr val="accent1"/>
-          </a:fillRef>
-          <a:effectRef idx="0">
-            <a:schemeClr val="accent1"/>
-          </a:effectRef>
-          <a:fontRef idx="minor">
-            <a:schemeClr val="lt1"/>
-          </a:fontRef>
-        </p:style>
-        <p:txBody>
-          <a:bodyPr rtlCol="0" anchor="ctr"/>
-          <a:lstStyle/>
-          <a:p>
-            <a:pPr algn="ctr"/>
-            <a:endParaRPr lang="zh-CN" altLang="en-US"/>
-          </a:p>
-        </p:txBody>
-      </p:sp>
-      <p:sp>
-        <p:nvSpPr>
-          <p:cNvPr id="35" name="椭圆 34"/>
-          <p:cNvSpPr/>
-          <p:nvPr/>
-        </p:nvSpPr>
-        <p:spPr>
-          <a:xfrm>
-            <a:off x="4258979" y="4251484"/>
-            <a:ext cx="45719" cy="45719"/>
-          </a:xfrm>
-          <a:prstGeom prst="ellipse">
-            <a:avLst/>
-          </a:prstGeom>
-          <a:solidFill>
-            <a:schemeClr val="tx1"/>
-          </a:solidFill>
-          <a:ln>
-            <a:noFill/>
-          </a:ln>
-        </p:spPr>
-        <p:style>
-          <a:lnRef idx="2">
-            <a:schemeClr val="accent1">
-              <a:shade val="50000"/>
-            </a:schemeClr>
-          </a:lnRef>
-          <a:fillRef idx="1">
-            <a:schemeClr val="accent1"/>
-          </a:fillRef>
-          <a:effectRef idx="0">
-            <a:schemeClr val="accent1"/>
-          </a:effectRef>
-          <a:fontRef idx="minor">
-            <a:schemeClr val="lt1"/>
-          </a:fontRef>
-        </p:style>
-        <p:txBody>
-          <a:bodyPr rtlCol="0" anchor="ctr"/>
-          <a:lstStyle/>
-          <a:p>
-            <a:pPr algn="ctr"/>
-            <a:endParaRPr lang="zh-CN" altLang="en-US"/>
-          </a:p>
-        </p:txBody>
-      </p:sp>
-      <p:cxnSp>
-        <p:nvCxnSpPr>
-          <p:cNvPr id="44" name="直接连接符 43"/>
-          <p:cNvCxnSpPr>
-            <a:stCxn id="19" idx="2"/>
-          </p:cNvCxnSpPr>
-          <p:nvPr/>
-        </p:nvCxnSpPr>
-        <p:spPr>
-          <a:xfrm flipH="1" flipV="1">
-            <a:off x="2288222" y="2752443"/>
-            <a:ext cx="108902" cy="1"/>
-          </a:xfrm>
-          <a:prstGeom prst="line">
-            <a:avLst/>
-          </a:prstGeom>
-        </p:spPr>
-        <p:style>
-          <a:lnRef idx="1">
-            <a:schemeClr val="dk1"/>
-          </a:lnRef>
-          <a:fillRef idx="0">
-            <a:schemeClr val="dk1"/>
-          </a:fillRef>
-          <a:effectRef idx="0">
-            <a:schemeClr val="dk1"/>
-          </a:effectRef>
-          <a:fontRef idx="minor">
-            <a:schemeClr val="tx1"/>
-          </a:fontRef>
-        </p:style>
-      </p:cxnSp>
-      <p:cxnSp>
-        <p:nvCxnSpPr>
-          <p:cNvPr id="45" name="直接连接符 44"/>
-          <p:cNvCxnSpPr>
-            <a:stCxn id="9" idx="2"/>
-          </p:cNvCxnSpPr>
-          <p:nvPr/>
-        </p:nvCxnSpPr>
-        <p:spPr>
-          <a:xfrm flipH="1" flipV="1">
-            <a:off x="2021525" y="1908808"/>
-            <a:ext cx="375599" cy="2860"/>
-          </a:xfrm>
-          <a:prstGeom prst="line">
-            <a:avLst/>
-          </a:prstGeom>
-        </p:spPr>
-        <p:style>
-          <a:lnRef idx="1">
-            <a:schemeClr val="dk1"/>
-          </a:lnRef>
-          <a:fillRef idx="0">
-            <a:schemeClr val="dk1"/>
-          </a:fillRef>
-          <a:effectRef idx="0">
-            <a:schemeClr val="dk1"/>
-          </a:effectRef>
-          <a:fontRef idx="minor">
-            <a:schemeClr val="tx1"/>
-          </a:fontRef>
-        </p:style>
-      </p:cxnSp>
-      <p:cxnSp>
-        <p:nvCxnSpPr>
-          <p:cNvPr id="48" name="直接连接符 47"/>
-          <p:cNvCxnSpPr>
-            <a:stCxn id="4" idx="2"/>
-          </p:cNvCxnSpPr>
-          <p:nvPr/>
-        </p:nvCxnSpPr>
-        <p:spPr>
-          <a:xfrm flipH="1" flipV="1">
-            <a:off x="2021525" y="4612480"/>
-            <a:ext cx="375599" cy="4288"/>
-          </a:xfrm>
-          <a:prstGeom prst="line">
-            <a:avLst/>
-          </a:prstGeom>
-        </p:spPr>
-        <p:style>
-          <a:lnRef idx="1">
-            <a:schemeClr val="dk1"/>
-          </a:lnRef>
-          <a:fillRef idx="0">
-            <a:schemeClr val="dk1"/>
-          </a:fillRef>
-          <a:effectRef idx="0">
-            <a:schemeClr val="dk1"/>
-          </a:effectRef>
-          <a:fontRef idx="minor">
-            <a:schemeClr val="tx1"/>
-          </a:fontRef>
-        </p:style>
-      </p:cxnSp>
-      <p:cxnSp>
-        <p:nvCxnSpPr>
-          <p:cNvPr id="53" name="直接箭头连接符 52"/>
-          <p:cNvCxnSpPr>
-            <a:stCxn id="4" idx="6"/>
-            <a:endCxn id="5" idx="2"/>
-          </p:cNvCxnSpPr>
-          <p:nvPr/>
-        </p:nvCxnSpPr>
-        <p:spPr>
-          <a:xfrm flipV="1">
-            <a:off x="2505075" y="4613910"/>
-            <a:ext cx="1987549" cy="2858"/>
-          </a:xfrm>
-          <a:prstGeom prst="straightConnector1">
-            <a:avLst/>
-          </a:prstGeom>
-          <a:ln w="12700">
-            <a:headEnd type="triangle"/>
-            <a:tailEnd type="triangle"/>
-          </a:ln>
-        </p:spPr>
-        <p:style>
-          <a:lnRef idx="1">
-            <a:schemeClr val="dk1"/>
-          </a:lnRef>
-          <a:fillRef idx="0">
-            <a:schemeClr val="dk1"/>
-          </a:fillRef>
-          <a:effectRef idx="0">
-            <a:schemeClr val="dk1"/>
-          </a:effectRef>
-          <a:fontRef idx="minor">
-            <a:schemeClr val="tx1"/>
-          </a:fontRef>
-        </p:style>
-      </p:cxnSp>
-      <p:cxnSp>
-        <p:nvCxnSpPr>
-          <p:cNvPr id="55" name="直接箭头连接符 54"/>
-          <p:cNvCxnSpPr/>
-          <p:nvPr/>
-        </p:nvCxnSpPr>
-        <p:spPr>
-          <a:xfrm>
-            <a:off x="2288222" y="2752443"/>
-            <a:ext cx="0" cy="1874510"/>
-          </a:xfrm>
-          <a:prstGeom prst="straightConnector1">
-            <a:avLst/>
-          </a:prstGeom>
-          <a:ln w="12700">
-            <a:headEnd type="triangle"/>
-            <a:tailEnd type="triangle"/>
-          </a:ln>
-        </p:spPr>
-        <p:style>
-          <a:lnRef idx="1">
-            <a:schemeClr val="dk1"/>
-          </a:lnRef>
-          <a:fillRef idx="0">
-            <a:schemeClr val="dk1"/>
-          </a:fillRef>
-          <a:effectRef idx="0">
-            <a:schemeClr val="dk1"/>
-          </a:effectRef>
-          <a:fontRef idx="minor">
-            <a:schemeClr val="tx1"/>
-          </a:fontRef>
-        </p:style>
-      </p:cxnSp>
-      <p:cxnSp>
-        <p:nvCxnSpPr>
-          <p:cNvPr id="61" name="直接箭头连接符 60"/>
-          <p:cNvCxnSpPr/>
-          <p:nvPr/>
-        </p:nvCxnSpPr>
-        <p:spPr>
-          <a:xfrm>
-            <a:off x="2110740" y="1911667"/>
-            <a:ext cx="0" cy="2702242"/>
-          </a:xfrm>
-          <a:prstGeom prst="straightConnector1">
-            <a:avLst/>
-          </a:prstGeom>
-          <a:ln w="12700">
-            <a:headEnd type="triangle"/>
-            <a:tailEnd type="triangle"/>
-          </a:ln>
-        </p:spPr>
-        <p:style>
-          <a:lnRef idx="1">
-            <a:schemeClr val="dk1"/>
-          </a:lnRef>
-          <a:fillRef idx="0">
-            <a:schemeClr val="dk1"/>
-          </a:fillRef>
-          <a:effectRef idx="0">
-            <a:schemeClr val="dk1"/>
-          </a:effectRef>
-          <a:fontRef idx="minor">
-            <a:schemeClr val="tx1"/>
-          </a:fontRef>
-        </p:style>
-      </p:cxnSp>
-      <p:cxnSp>
-        <p:nvCxnSpPr>
-          <p:cNvPr id="66" name="直接连接符 65"/>
-          <p:cNvCxnSpPr>
-            <a:stCxn id="19" idx="6"/>
-          </p:cNvCxnSpPr>
-          <p:nvPr/>
-        </p:nvCxnSpPr>
-        <p:spPr>
-          <a:xfrm flipV="1">
-            <a:off x="2505075" y="2752443"/>
-            <a:ext cx="602264" cy="1"/>
-          </a:xfrm>
-          <a:prstGeom prst="line">
-            <a:avLst/>
-          </a:prstGeom>
-          <a:ln w="12700">
-            <a:prstDash val="dash"/>
-          </a:ln>
-        </p:spPr>
-        <p:style>
-          <a:lnRef idx="1">
-            <a:schemeClr val="dk1"/>
-          </a:lnRef>
-          <a:fillRef idx="0">
-            <a:schemeClr val="dk1"/>
-          </a:fillRef>
-          <a:effectRef idx="0">
-            <a:schemeClr val="dk1"/>
-          </a:effectRef>
-          <a:fontRef idx="minor">
-            <a:schemeClr val="tx1"/>
-          </a:fontRef>
-        </p:style>
-      </p:cxnSp>
-      <p:cxnSp>
-        <p:nvCxnSpPr>
-          <p:cNvPr id="73" name="直接箭头连接符 72"/>
-          <p:cNvCxnSpPr/>
-          <p:nvPr/>
-        </p:nvCxnSpPr>
-        <p:spPr>
-          <a:xfrm>
-            <a:off x="4766310" y="4277518"/>
-            <a:ext cx="10478" cy="343350"/>
-          </a:xfrm>
-          <a:prstGeom prst="straightConnector1">
-            <a:avLst/>
-          </a:prstGeom>
-          <a:ln w="12700">
-            <a:headEnd type="triangle"/>
-            <a:tailEnd type="triangle"/>
-          </a:ln>
-        </p:spPr>
-        <p:style>
-          <a:lnRef idx="1">
-            <a:schemeClr val="dk1"/>
-          </a:lnRef>
-          <a:fillRef idx="0">
-            <a:schemeClr val="dk1"/>
-          </a:fillRef>
-          <a:effectRef idx="0">
-            <a:schemeClr val="dk1"/>
-          </a:effectRef>
-          <a:fontRef idx="minor">
-            <a:schemeClr val="tx1"/>
-          </a:fontRef>
-        </p:style>
-      </p:cxnSp>
-      <p:cxnSp>
-        <p:nvCxnSpPr>
-          <p:cNvPr id="76" name="直接连接符 75"/>
-          <p:cNvCxnSpPr/>
-          <p:nvPr/>
-        </p:nvCxnSpPr>
-        <p:spPr>
-          <a:xfrm flipH="1">
-            <a:off x="4600576" y="4620868"/>
-            <a:ext cx="331469" cy="1373"/>
-          </a:xfrm>
-          <a:prstGeom prst="line">
-            <a:avLst/>
-          </a:prstGeom>
-        </p:spPr>
-        <p:style>
-          <a:lnRef idx="1">
-            <a:schemeClr val="dk1"/>
-          </a:lnRef>
-          <a:fillRef idx="0">
-            <a:schemeClr val="dk1"/>
-          </a:fillRef>
-          <a:effectRef idx="0">
-            <a:schemeClr val="dk1"/>
-          </a:effectRef>
-          <a:fontRef idx="minor">
-            <a:schemeClr val="tx1"/>
-          </a:fontRef>
-        </p:style>
-      </p:cxnSp>
+            <a:ln>
+              <a:noFill/>
+            </a:ln>
+          </p:spPr>
+          <p:style>
+            <a:lnRef idx="2">
+              <a:schemeClr val="accent1">
+                <a:shade val="50000"/>
+              </a:schemeClr>
+            </a:lnRef>
+            <a:fillRef idx="1">
+              <a:schemeClr val="accent1"/>
+            </a:fillRef>
+            <a:effectRef idx="0">
+              <a:schemeClr val="accent1"/>
+            </a:effectRef>
+            <a:fontRef idx="minor">
+              <a:schemeClr val="lt1"/>
+            </a:fontRef>
+          </p:style>
+          <p:txBody>
+            <a:bodyPr rtlCol="0" anchor="ctr"/>
+            <a:lstStyle/>
+            <a:p>
+              <a:pPr algn="ctr"/>
+              <a:endParaRPr lang="zh-CN" altLang="en-US"/>
+            </a:p>
+          </p:txBody>
+        </p:sp>
+        <p:cxnSp>
+          <p:nvCxnSpPr>
+            <p:cNvPr id="7" name="直接连接符 6"/>
+            <p:cNvCxnSpPr/>
+            <p:nvPr/>
+          </p:nvCxnSpPr>
+          <p:spPr>
+            <a:xfrm>
+              <a:off x="1935480" y="4267386"/>
+              <a:ext cx="2996565" cy="7434"/>
+            </a:xfrm>
+            <a:prstGeom prst="line">
+              <a:avLst/>
+            </a:prstGeom>
+            <a:ln w="19050">
+              <a:solidFill>
+                <a:srgbClr val="0070C0"/>
+              </a:solidFill>
+              <a:prstDash val="dash"/>
+            </a:ln>
+          </p:spPr>
+          <p:style>
+            <a:lnRef idx="1">
+              <a:schemeClr val="dk1"/>
+            </a:lnRef>
+            <a:fillRef idx="0">
+              <a:schemeClr val="dk1"/>
+            </a:fillRef>
+            <a:effectRef idx="0">
+              <a:schemeClr val="dk1"/>
+            </a:effectRef>
+            <a:fontRef idx="minor">
+              <a:schemeClr val="tx1"/>
+            </a:fontRef>
+          </p:style>
+        </p:cxnSp>
+        <p:sp>
+          <p:nvSpPr>
+            <p:cNvPr id="9" name="椭圆 8"/>
+            <p:cNvSpPr/>
+            <p:nvPr/>
+          </p:nvSpPr>
+          <p:spPr>
+            <a:xfrm>
+              <a:off x="2397124" y="1857375"/>
+              <a:ext cx="107951" cy="108585"/>
+            </a:xfrm>
+            <a:prstGeom prst="ellipse">
+              <a:avLst/>
+            </a:prstGeom>
+            <a:solidFill>
+              <a:schemeClr val="tx1"/>
+            </a:solidFill>
+            <a:ln>
+              <a:noFill/>
+            </a:ln>
+          </p:spPr>
+          <p:style>
+            <a:lnRef idx="2">
+              <a:schemeClr val="accent1">
+                <a:shade val="50000"/>
+              </a:schemeClr>
+            </a:lnRef>
+            <a:fillRef idx="1">
+              <a:schemeClr val="accent1"/>
+            </a:fillRef>
+            <a:effectRef idx="0">
+              <a:schemeClr val="accent1"/>
+            </a:effectRef>
+            <a:fontRef idx="minor">
+              <a:schemeClr val="lt1"/>
+            </a:fontRef>
+          </p:style>
+          <p:txBody>
+            <a:bodyPr rtlCol="0" anchor="ctr"/>
+            <a:lstStyle/>
+            <a:p>
+              <a:pPr algn="ctr"/>
+              <a:endParaRPr lang="zh-CN" altLang="en-US"/>
+            </a:p>
+          </p:txBody>
+        </p:sp>
+        <p:cxnSp>
+          <p:nvCxnSpPr>
+            <p:cNvPr id="12" name="直接连接符 11"/>
+            <p:cNvCxnSpPr>
+              <a:stCxn id="9" idx="4"/>
+              <a:endCxn id="4" idx="0"/>
+            </p:cNvCxnSpPr>
+            <p:nvPr/>
+          </p:nvCxnSpPr>
+          <p:spPr>
+            <a:xfrm>
+              <a:off x="2451100" y="1965960"/>
+              <a:ext cx="0" cy="2596515"/>
+            </a:xfrm>
+            <a:prstGeom prst="line">
+              <a:avLst/>
+            </a:prstGeom>
+            <a:ln w="12700"/>
+          </p:spPr>
+          <p:style>
+            <a:lnRef idx="1">
+              <a:schemeClr val="dk1"/>
+            </a:lnRef>
+            <a:fillRef idx="0">
+              <a:schemeClr val="dk1"/>
+            </a:fillRef>
+            <a:effectRef idx="0">
+              <a:schemeClr val="dk1"/>
+            </a:effectRef>
+            <a:fontRef idx="minor">
+              <a:schemeClr val="tx1"/>
+            </a:fontRef>
+          </p:style>
+        </p:cxnSp>
+        <p:cxnSp>
+          <p:nvCxnSpPr>
+            <p:cNvPr id="13" name="直接连接符 12"/>
+            <p:cNvCxnSpPr>
+              <a:stCxn id="9" idx="5"/>
+              <a:endCxn id="5" idx="1"/>
+            </p:cNvCxnSpPr>
+            <p:nvPr/>
+          </p:nvCxnSpPr>
+          <p:spPr>
+            <a:xfrm>
+              <a:off x="2489266" y="1950058"/>
+              <a:ext cx="2019167" cy="2625461"/>
+            </a:xfrm>
+            <a:prstGeom prst="line">
+              <a:avLst/>
+            </a:prstGeom>
+            <a:ln w="12700"/>
+          </p:spPr>
+          <p:style>
+            <a:lnRef idx="1">
+              <a:schemeClr val="dk1"/>
+            </a:lnRef>
+            <a:fillRef idx="0">
+              <a:schemeClr val="dk1"/>
+            </a:fillRef>
+            <a:effectRef idx="0">
+              <a:schemeClr val="dk1"/>
+            </a:effectRef>
+            <a:fontRef idx="minor">
+              <a:schemeClr val="tx1"/>
+            </a:fontRef>
+          </p:style>
+        </p:cxnSp>
+        <p:cxnSp>
+          <p:nvCxnSpPr>
+            <p:cNvPr id="17" name="直接连接符 16"/>
+            <p:cNvCxnSpPr>
+              <a:stCxn id="19" idx="5"/>
+              <a:endCxn id="5" idx="1"/>
+            </p:cNvCxnSpPr>
+            <p:nvPr/>
+          </p:nvCxnSpPr>
+          <p:spPr>
+            <a:xfrm>
+              <a:off x="2489266" y="2790834"/>
+              <a:ext cx="2019167" cy="1784685"/>
+            </a:xfrm>
+            <a:prstGeom prst="line">
+              <a:avLst/>
+            </a:prstGeom>
+            <a:ln w="12700"/>
+          </p:spPr>
+          <p:style>
+            <a:lnRef idx="1">
+              <a:schemeClr val="dk1"/>
+            </a:lnRef>
+            <a:fillRef idx="0">
+              <a:schemeClr val="dk1"/>
+            </a:fillRef>
+            <a:effectRef idx="0">
+              <a:schemeClr val="dk1"/>
+            </a:effectRef>
+            <a:fontRef idx="minor">
+              <a:schemeClr val="tx1"/>
+            </a:fontRef>
+          </p:style>
+        </p:cxnSp>
+        <p:sp>
+          <p:nvSpPr>
+            <p:cNvPr id="19" name="椭圆 18"/>
+            <p:cNvSpPr/>
+            <p:nvPr/>
+          </p:nvSpPr>
+          <p:spPr>
+            <a:xfrm>
+              <a:off x="2397124" y="2698151"/>
+              <a:ext cx="107951" cy="108585"/>
+            </a:xfrm>
+            <a:prstGeom prst="ellipse">
+              <a:avLst/>
+            </a:prstGeom>
+            <a:solidFill>
+              <a:schemeClr val="tx1"/>
+            </a:solidFill>
+            <a:ln>
+              <a:noFill/>
+            </a:ln>
+          </p:spPr>
+          <p:style>
+            <a:lnRef idx="2">
+              <a:schemeClr val="accent1">
+                <a:shade val="50000"/>
+              </a:schemeClr>
+            </a:lnRef>
+            <a:fillRef idx="1">
+              <a:schemeClr val="accent1"/>
+            </a:fillRef>
+            <a:effectRef idx="0">
+              <a:schemeClr val="accent1"/>
+            </a:effectRef>
+            <a:fontRef idx="minor">
+              <a:schemeClr val="lt1"/>
+            </a:fontRef>
+          </p:style>
+          <p:txBody>
+            <a:bodyPr rtlCol="0" anchor="ctr"/>
+            <a:lstStyle/>
+            <a:p>
+              <a:pPr algn="ctr"/>
+              <a:endParaRPr lang="zh-CN" altLang="en-US"/>
+            </a:p>
+          </p:txBody>
+        </p:sp>
+        <p:cxnSp>
+          <p:nvCxnSpPr>
+            <p:cNvPr id="29" name="直接连接符 28"/>
+            <p:cNvCxnSpPr/>
+            <p:nvPr/>
+          </p:nvCxnSpPr>
+          <p:spPr>
+            <a:xfrm>
+              <a:off x="4164806" y="4274344"/>
+              <a:ext cx="116681" cy="476"/>
+            </a:xfrm>
+            <a:prstGeom prst="line">
+              <a:avLst/>
+            </a:prstGeom>
+            <a:ln w="28575">
+              <a:solidFill>
+                <a:srgbClr val="FF0000"/>
+              </a:solidFill>
+            </a:ln>
+          </p:spPr>
+          <p:style>
+            <a:lnRef idx="1">
+              <a:schemeClr val="accent1"/>
+            </a:lnRef>
+            <a:fillRef idx="0">
+              <a:schemeClr val="accent1"/>
+            </a:fillRef>
+            <a:effectRef idx="0">
+              <a:schemeClr val="accent1"/>
+            </a:effectRef>
+            <a:fontRef idx="minor">
+              <a:schemeClr val="tx1"/>
+            </a:fontRef>
+          </p:style>
+        </p:cxnSp>
+        <p:sp>
+          <p:nvSpPr>
+            <p:cNvPr id="33" name="椭圆 32"/>
+            <p:cNvSpPr/>
+            <p:nvPr/>
+          </p:nvSpPr>
+          <p:spPr>
+            <a:xfrm>
+              <a:off x="4152172" y="4254659"/>
+              <a:ext cx="45719" cy="45719"/>
+            </a:xfrm>
+            <a:prstGeom prst="ellipse">
+              <a:avLst/>
+            </a:prstGeom>
+            <a:solidFill>
+              <a:schemeClr val="tx1"/>
+            </a:solidFill>
+            <a:ln>
+              <a:noFill/>
+            </a:ln>
+          </p:spPr>
+          <p:style>
+            <a:lnRef idx="2">
+              <a:schemeClr val="accent1">
+                <a:shade val="50000"/>
+              </a:schemeClr>
+            </a:lnRef>
+            <a:fillRef idx="1">
+              <a:schemeClr val="accent1"/>
+            </a:fillRef>
+            <a:effectRef idx="0">
+              <a:schemeClr val="accent1"/>
+            </a:effectRef>
+            <a:fontRef idx="minor">
+              <a:schemeClr val="lt1"/>
+            </a:fontRef>
+          </p:style>
+          <p:txBody>
+            <a:bodyPr rtlCol="0" anchor="ctr"/>
+            <a:lstStyle/>
+            <a:p>
+              <a:pPr algn="ctr"/>
+              <a:endParaRPr lang="zh-CN" altLang="en-US"/>
+            </a:p>
+          </p:txBody>
+        </p:sp>
+        <p:sp>
+          <p:nvSpPr>
+            <p:cNvPr id="35" name="椭圆 34"/>
+            <p:cNvSpPr/>
+            <p:nvPr/>
+          </p:nvSpPr>
+          <p:spPr>
+            <a:xfrm>
+              <a:off x="4258979" y="4251484"/>
+              <a:ext cx="45719" cy="45719"/>
+            </a:xfrm>
+            <a:prstGeom prst="ellipse">
+              <a:avLst/>
+            </a:prstGeom>
+            <a:solidFill>
+              <a:schemeClr val="tx1"/>
+            </a:solidFill>
+            <a:ln>
+              <a:noFill/>
+            </a:ln>
+          </p:spPr>
+          <p:style>
+            <a:lnRef idx="2">
+              <a:schemeClr val="accent1">
+                <a:shade val="50000"/>
+              </a:schemeClr>
+            </a:lnRef>
+            <a:fillRef idx="1">
+              <a:schemeClr val="accent1"/>
+            </a:fillRef>
+            <a:effectRef idx="0">
+              <a:schemeClr val="accent1"/>
+            </a:effectRef>
+            <a:fontRef idx="minor">
+              <a:schemeClr val="lt1"/>
+            </a:fontRef>
+          </p:style>
+          <p:txBody>
+            <a:bodyPr rtlCol="0" anchor="ctr"/>
+            <a:lstStyle/>
+            <a:p>
+              <a:pPr algn="ctr"/>
+              <a:endParaRPr lang="zh-CN" altLang="en-US"/>
+            </a:p>
+          </p:txBody>
+        </p:sp>
+        <p:cxnSp>
+          <p:nvCxnSpPr>
+            <p:cNvPr id="44" name="直接连接符 43"/>
+            <p:cNvCxnSpPr>
+              <a:stCxn id="19" idx="2"/>
+            </p:cNvCxnSpPr>
+            <p:nvPr/>
+          </p:nvCxnSpPr>
+          <p:spPr>
+            <a:xfrm flipH="1" flipV="1">
+              <a:off x="2288222" y="2752443"/>
+              <a:ext cx="108902" cy="1"/>
+            </a:xfrm>
+            <a:prstGeom prst="line">
+              <a:avLst/>
+            </a:prstGeom>
+          </p:spPr>
+          <p:style>
+            <a:lnRef idx="1">
+              <a:schemeClr val="dk1"/>
+            </a:lnRef>
+            <a:fillRef idx="0">
+              <a:schemeClr val="dk1"/>
+            </a:fillRef>
+            <a:effectRef idx="0">
+              <a:schemeClr val="dk1"/>
+            </a:effectRef>
+            <a:fontRef idx="minor">
+              <a:schemeClr val="tx1"/>
+            </a:fontRef>
+          </p:style>
+        </p:cxnSp>
+        <p:cxnSp>
+          <p:nvCxnSpPr>
+            <p:cNvPr id="45" name="直接连接符 44"/>
+            <p:cNvCxnSpPr>
+              <a:stCxn id="9" idx="2"/>
+            </p:cNvCxnSpPr>
+            <p:nvPr/>
+          </p:nvCxnSpPr>
+          <p:spPr>
+            <a:xfrm flipH="1" flipV="1">
+              <a:off x="2021525" y="1908808"/>
+              <a:ext cx="375599" cy="2860"/>
+            </a:xfrm>
+            <a:prstGeom prst="line">
+              <a:avLst/>
+            </a:prstGeom>
+          </p:spPr>
+          <p:style>
+            <a:lnRef idx="1">
+              <a:schemeClr val="dk1"/>
+            </a:lnRef>
+            <a:fillRef idx="0">
+              <a:schemeClr val="dk1"/>
+            </a:fillRef>
+            <a:effectRef idx="0">
+              <a:schemeClr val="dk1"/>
+            </a:effectRef>
+            <a:fontRef idx="minor">
+              <a:schemeClr val="tx1"/>
+            </a:fontRef>
+          </p:style>
+        </p:cxnSp>
+        <p:cxnSp>
+          <p:nvCxnSpPr>
+            <p:cNvPr id="48" name="直接连接符 47"/>
+            <p:cNvCxnSpPr>
+              <a:stCxn id="4" idx="2"/>
+            </p:cNvCxnSpPr>
+            <p:nvPr/>
+          </p:nvCxnSpPr>
+          <p:spPr>
+            <a:xfrm flipH="1" flipV="1">
+              <a:off x="2021525" y="4612480"/>
+              <a:ext cx="375599" cy="4288"/>
+            </a:xfrm>
+            <a:prstGeom prst="line">
+              <a:avLst/>
+            </a:prstGeom>
+          </p:spPr>
+          <p:style>
+            <a:lnRef idx="1">
+              <a:schemeClr val="dk1"/>
+            </a:lnRef>
+            <a:fillRef idx="0">
+              <a:schemeClr val="dk1"/>
+            </a:fillRef>
+            <a:effectRef idx="0">
+              <a:schemeClr val="dk1"/>
+            </a:effectRef>
+            <a:fontRef idx="minor">
+              <a:schemeClr val="tx1"/>
+            </a:fontRef>
+          </p:style>
+        </p:cxnSp>
+        <p:cxnSp>
+          <p:nvCxnSpPr>
+            <p:cNvPr id="53" name="直接箭头连接符 52"/>
+            <p:cNvCxnSpPr>
+              <a:stCxn id="4" idx="6"/>
+              <a:endCxn id="5" idx="2"/>
+            </p:cNvCxnSpPr>
+            <p:nvPr/>
+          </p:nvCxnSpPr>
+          <p:spPr>
+            <a:xfrm flipV="1">
+              <a:off x="2505075" y="4613910"/>
+              <a:ext cx="1987549" cy="2858"/>
+            </a:xfrm>
+            <a:prstGeom prst="straightConnector1">
+              <a:avLst/>
+            </a:prstGeom>
+            <a:ln w="12700">
+              <a:headEnd type="triangle"/>
+              <a:tailEnd type="triangle"/>
+            </a:ln>
+          </p:spPr>
+          <p:style>
+            <a:lnRef idx="1">
+              <a:schemeClr val="dk1"/>
+            </a:lnRef>
+            <a:fillRef idx="0">
+              <a:schemeClr val="dk1"/>
+            </a:fillRef>
+            <a:effectRef idx="0">
+              <a:schemeClr val="dk1"/>
+            </a:effectRef>
+            <a:fontRef idx="minor">
+              <a:schemeClr val="tx1"/>
+            </a:fontRef>
+          </p:style>
+        </p:cxnSp>
+        <p:cxnSp>
+          <p:nvCxnSpPr>
+            <p:cNvPr id="55" name="直接箭头连接符 54"/>
+            <p:cNvCxnSpPr/>
+            <p:nvPr/>
+          </p:nvCxnSpPr>
+          <p:spPr>
+            <a:xfrm>
+              <a:off x="2288222" y="2752443"/>
+              <a:ext cx="0" cy="1874510"/>
+            </a:xfrm>
+            <a:prstGeom prst="straightConnector1">
+              <a:avLst/>
+            </a:prstGeom>
+            <a:ln w="12700">
+              <a:headEnd type="triangle"/>
+              <a:tailEnd type="triangle"/>
+            </a:ln>
+          </p:spPr>
+          <p:style>
+            <a:lnRef idx="1">
+              <a:schemeClr val="dk1"/>
+            </a:lnRef>
+            <a:fillRef idx="0">
+              <a:schemeClr val="dk1"/>
+            </a:fillRef>
+            <a:effectRef idx="0">
+              <a:schemeClr val="dk1"/>
+            </a:effectRef>
+            <a:fontRef idx="minor">
+              <a:schemeClr val="tx1"/>
+            </a:fontRef>
+          </p:style>
+        </p:cxnSp>
+        <p:cxnSp>
+          <p:nvCxnSpPr>
+            <p:cNvPr id="61" name="直接箭头连接符 60"/>
+            <p:cNvCxnSpPr/>
+            <p:nvPr/>
+          </p:nvCxnSpPr>
+          <p:spPr>
+            <a:xfrm>
+              <a:off x="2110740" y="1911667"/>
+              <a:ext cx="0" cy="2702242"/>
+            </a:xfrm>
+            <a:prstGeom prst="straightConnector1">
+              <a:avLst/>
+            </a:prstGeom>
+            <a:ln w="12700">
+              <a:headEnd type="triangle"/>
+              <a:tailEnd type="triangle"/>
+            </a:ln>
+          </p:spPr>
+          <p:style>
+            <a:lnRef idx="1">
+              <a:schemeClr val="dk1"/>
+            </a:lnRef>
+            <a:fillRef idx="0">
+              <a:schemeClr val="dk1"/>
+            </a:fillRef>
+            <a:effectRef idx="0">
+              <a:schemeClr val="dk1"/>
+            </a:effectRef>
+            <a:fontRef idx="minor">
+              <a:schemeClr val="tx1"/>
+            </a:fontRef>
+          </p:style>
+        </p:cxnSp>
+        <p:cxnSp>
+          <p:nvCxnSpPr>
+            <p:cNvPr id="66" name="直接连接符 65"/>
+            <p:cNvCxnSpPr>
+              <a:stCxn id="19" idx="6"/>
+            </p:cNvCxnSpPr>
+            <p:nvPr/>
+          </p:nvCxnSpPr>
+          <p:spPr>
+            <a:xfrm flipV="1">
+              <a:off x="2505075" y="2752443"/>
+              <a:ext cx="602264" cy="1"/>
+            </a:xfrm>
+            <a:prstGeom prst="line">
+              <a:avLst/>
+            </a:prstGeom>
+            <a:ln w="12700">
+              <a:prstDash val="dash"/>
+            </a:ln>
+          </p:spPr>
+          <p:style>
+            <a:lnRef idx="1">
+              <a:schemeClr val="dk1"/>
+            </a:lnRef>
+            <a:fillRef idx="0">
+              <a:schemeClr val="dk1"/>
+            </a:fillRef>
+            <a:effectRef idx="0">
+              <a:schemeClr val="dk1"/>
+            </a:effectRef>
+            <a:fontRef idx="minor">
+              <a:schemeClr val="tx1"/>
+            </a:fontRef>
+          </p:style>
+        </p:cxnSp>
+        <p:cxnSp>
+          <p:nvCxnSpPr>
+            <p:cNvPr id="73" name="直接箭头连接符 72"/>
+            <p:cNvCxnSpPr/>
+            <p:nvPr/>
+          </p:nvCxnSpPr>
+          <p:spPr>
+            <a:xfrm>
+              <a:off x="4766310" y="4277518"/>
+              <a:ext cx="10478" cy="343350"/>
+            </a:xfrm>
+            <a:prstGeom prst="straightConnector1">
+              <a:avLst/>
+            </a:prstGeom>
+            <a:ln w="12700">
+              <a:headEnd type="triangle"/>
+              <a:tailEnd type="triangle"/>
+            </a:ln>
+          </p:spPr>
+          <p:style>
+            <a:lnRef idx="1">
+              <a:schemeClr val="dk1"/>
+            </a:lnRef>
+            <a:fillRef idx="0">
+              <a:schemeClr val="dk1"/>
+            </a:fillRef>
+            <a:effectRef idx="0">
+              <a:schemeClr val="dk1"/>
+            </a:effectRef>
+            <a:fontRef idx="minor">
+              <a:schemeClr val="tx1"/>
+            </a:fontRef>
+          </p:style>
+        </p:cxnSp>
+        <p:cxnSp>
+          <p:nvCxnSpPr>
+            <p:cNvPr id="76" name="直接连接符 75"/>
+            <p:cNvCxnSpPr/>
+            <p:nvPr/>
+          </p:nvCxnSpPr>
+          <p:spPr>
+            <a:xfrm flipH="1">
+              <a:off x="4600576" y="4620868"/>
+              <a:ext cx="331469" cy="1373"/>
+            </a:xfrm>
+            <a:prstGeom prst="line">
+              <a:avLst/>
+            </a:prstGeom>
+          </p:spPr>
+          <p:style>
+            <a:lnRef idx="1">
+              <a:schemeClr val="dk1"/>
+            </a:lnRef>
+            <a:fillRef idx="0">
+              <a:schemeClr val="dk1"/>
+            </a:fillRef>
+            <a:effectRef idx="0">
+              <a:schemeClr val="dk1"/>
+            </a:effectRef>
+            <a:fontRef idx="minor">
+              <a:schemeClr val="tx1"/>
+            </a:fontRef>
+          </p:style>
+        </p:cxnSp>
+        <mc:AlternateContent xmlns:mc="http://schemas.openxmlformats.org/markup-compatibility/2006">
+          <mc:Choice xmlns:a14="http://schemas.microsoft.com/office/drawing/2010/main" Requires="a14">
+            <p:sp>
+              <p:nvSpPr>
+                <p:cNvPr id="82" name="矩形 81"/>
+                <p:cNvSpPr/>
+                <p:nvPr/>
+              </p:nvSpPr>
+              <p:spPr>
+                <a:xfrm>
+                  <a:off x="2190549" y="4587134"/>
+                  <a:ext cx="381835" cy="369332"/>
+                </a:xfrm>
+                <a:prstGeom prst="rect">
+                  <a:avLst/>
+                </a:prstGeom>
+              </p:spPr>
+              <p:txBody>
+                <a:bodyPr wrap="none">
+                  <a:spAutoFit/>
+                </a:bodyPr>
+                <a:lstStyle/>
+                <a:p>
+                  <a14:m>
+                    <m:oMathPara xmlns:m="http://schemas.openxmlformats.org/officeDocument/2006/math">
+                      <m:oMathParaPr>
+                        <m:jc m:val="centerGroup"/>
+                      </m:oMathParaPr>
+                      <m:oMath xmlns:m="http://schemas.openxmlformats.org/officeDocument/2006/math">
+                        <m:r>
+                          <a:rPr lang="zh-CN" altLang="en-US" b="1" i="1">
+                            <a:latin typeface="Cambria Math" panose="02040503050406030204" pitchFamily="18" charset="0"/>
+                          </a:rPr>
+                          <m:t>𝒐</m:t>
+                        </m:r>
+                      </m:oMath>
+                    </m:oMathPara>
+                  </a14:m>
+                  <a:endParaRPr lang="zh-CN" altLang="en-US" dirty="0"/>
+                </a:p>
+              </p:txBody>
+            </p:sp>
+          </mc:Choice>
+          <mc:Fallback>
+            <p:sp>
+              <p:nvSpPr>
+                <p:cNvPr id="82" name="矩形 81"/>
+                <p:cNvSpPr>
+                  <a:spLocks noRot="1" noChangeAspect="1" noMove="1" noResize="1" noEditPoints="1" noAdjustHandles="1" noChangeArrowheads="1" noChangeShapeType="1" noTextEdit="1"/>
+                </p:cNvSpPr>
+                <p:nvPr/>
+              </p:nvSpPr>
+              <p:spPr>
+                <a:xfrm>
+                  <a:off x="2190549" y="4587134"/>
+                  <a:ext cx="381835" cy="369332"/>
+                </a:xfrm>
+                <a:prstGeom prst="rect">
+                  <a:avLst/>
+                </a:prstGeom>
+                <a:blipFill>
+                  <a:blip r:embed="rId3"/>
+                  <a:stretch>
+                    <a:fillRect/>
+                  </a:stretch>
+                </a:blipFill>
+              </p:spPr>
+              <p:txBody>
+                <a:bodyPr/>
+                <a:lstStyle/>
+                <a:p>
+                  <a:r>
+                    <a:rPr lang="zh-CN" altLang="en-US">
+                      <a:noFill/>
+                    </a:rPr>
+                    <a:t> </a:t>
+                  </a:r>
+                </a:p>
+              </p:txBody>
+            </p:sp>
+          </mc:Fallback>
+        </mc:AlternateContent>
+        <mc:AlternateContent xmlns:mc="http://schemas.openxmlformats.org/markup-compatibility/2006">
+          <mc:Choice xmlns:a14="http://schemas.microsoft.com/office/drawing/2010/main" Requires="a14">
+            <p:sp>
+              <p:nvSpPr>
+                <p:cNvPr id="84" name="矩形 83"/>
+                <p:cNvSpPr/>
+                <p:nvPr/>
+              </p:nvSpPr>
+              <p:spPr>
+                <a:xfrm>
+                  <a:off x="4304698" y="4575519"/>
+                  <a:ext cx="446789" cy="369332"/>
+                </a:xfrm>
+                <a:prstGeom prst="rect">
+                  <a:avLst/>
+                </a:prstGeom>
+              </p:spPr>
+              <p:txBody>
+                <a:bodyPr wrap="none">
+                  <a:spAutoFit/>
+                </a:bodyPr>
+                <a:lstStyle/>
+                <a:p>
+                  <a14:m>
+                    <m:oMathPara xmlns:m="http://schemas.openxmlformats.org/officeDocument/2006/math">
+                      <m:oMathParaPr>
+                        <m:jc m:val="centerGroup"/>
+                      </m:oMathParaPr>
+                      <m:oMath xmlns:m="http://schemas.openxmlformats.org/officeDocument/2006/math">
+                        <m:sSup>
+                          <m:sSupPr>
+                            <m:ctrlPr>
+                              <a:rPr lang="zh-CN" altLang="en-US" b="1">
+                                <a:latin typeface="Cambria Math" panose="02040503050406030204" pitchFamily="18" charset="0"/>
+                              </a:rPr>
+                            </m:ctrlPr>
+                          </m:sSupPr>
+                          <m:e>
+                            <m:r>
+                              <a:rPr lang="zh-CN" altLang="en-US" b="1" i="1">
+                                <a:latin typeface="Cambria Math" panose="02040503050406030204" pitchFamily="18" charset="0"/>
+                              </a:rPr>
+                              <m:t>𝒐</m:t>
+                            </m:r>
+                          </m:e>
+                          <m:sup>
+                            <m:r>
+                              <a:rPr lang="zh-CN" altLang="en-US" b="1">
+                                <a:latin typeface="Cambria Math" panose="02040503050406030204" pitchFamily="18" charset="0"/>
+                              </a:rPr>
+                              <m:t>′</m:t>
+                            </m:r>
+                          </m:sup>
+                        </m:sSup>
+                      </m:oMath>
+                    </m:oMathPara>
+                  </a14:m>
+                  <a:endParaRPr lang="zh-CN" altLang="en-US" dirty="0"/>
+                </a:p>
+              </p:txBody>
+            </p:sp>
+          </mc:Choice>
+          <mc:Fallback>
+            <p:sp>
+              <p:nvSpPr>
+                <p:cNvPr id="84" name="矩形 83"/>
+                <p:cNvSpPr>
+                  <a:spLocks noRot="1" noChangeAspect="1" noMove="1" noResize="1" noEditPoints="1" noAdjustHandles="1" noChangeArrowheads="1" noChangeShapeType="1" noTextEdit="1"/>
+                </p:cNvSpPr>
+                <p:nvPr/>
+              </p:nvSpPr>
+              <p:spPr>
+                <a:xfrm>
+                  <a:off x="4304698" y="4575519"/>
+                  <a:ext cx="446789" cy="369332"/>
+                </a:xfrm>
+                <a:prstGeom prst="rect">
+                  <a:avLst/>
+                </a:prstGeom>
+                <a:blipFill>
+                  <a:blip r:embed="rId4"/>
+                  <a:stretch>
+                    <a:fillRect/>
+                  </a:stretch>
+                </a:blipFill>
+              </p:spPr>
+              <p:txBody>
+                <a:bodyPr/>
+                <a:lstStyle/>
+                <a:p>
+                  <a:r>
+                    <a:rPr lang="zh-CN" altLang="en-US">
+                      <a:noFill/>
+                    </a:rPr>
+                    <a:t> </a:t>
+                  </a:r>
+                </a:p>
+              </p:txBody>
+            </p:sp>
+          </mc:Fallback>
+        </mc:AlternateContent>
+        <mc:AlternateContent xmlns:mc="http://schemas.openxmlformats.org/markup-compatibility/2006">
+          <mc:Choice xmlns:a14="http://schemas.microsoft.com/office/drawing/2010/main" Requires="a14">
+            <p:sp>
+              <p:nvSpPr>
+                <p:cNvPr id="85" name="矩形 84"/>
+                <p:cNvSpPr/>
+                <p:nvPr/>
+              </p:nvSpPr>
+              <p:spPr>
+                <a:xfrm>
+                  <a:off x="2151219" y="1597210"/>
+                  <a:ext cx="405880" cy="369332"/>
+                </a:xfrm>
+                <a:prstGeom prst="rect">
+                  <a:avLst/>
+                </a:prstGeom>
+              </p:spPr>
+              <p:txBody>
+                <a:bodyPr wrap="none">
+                  <a:spAutoFit/>
+                </a:bodyPr>
+                <a:lstStyle/>
+                <a:p>
+                  <a14:m>
+                    <m:oMathPara xmlns:m="http://schemas.openxmlformats.org/officeDocument/2006/math">
+                      <m:oMathParaPr>
+                        <m:jc m:val="centerGroup"/>
+                      </m:oMathParaPr>
+                      <m:oMath xmlns:m="http://schemas.openxmlformats.org/officeDocument/2006/math">
+                        <m:r>
+                          <a:rPr lang="zh-CN" altLang="en-US" b="1" i="1">
+                            <a:latin typeface="Cambria Math" panose="02040503050406030204" pitchFamily="18" charset="0"/>
+                          </a:rPr>
+                          <m:t>𝑷</m:t>
+                        </m:r>
+                      </m:oMath>
+                    </m:oMathPara>
+                  </a14:m>
+                  <a:endParaRPr lang="zh-CN" altLang="en-US" dirty="0"/>
+                </a:p>
+              </p:txBody>
+            </p:sp>
+          </mc:Choice>
+          <mc:Fallback>
+            <p:sp>
+              <p:nvSpPr>
+                <p:cNvPr id="85" name="矩形 84"/>
+                <p:cNvSpPr>
+                  <a:spLocks noRot="1" noChangeAspect="1" noMove="1" noResize="1" noEditPoints="1" noAdjustHandles="1" noChangeArrowheads="1" noChangeShapeType="1" noTextEdit="1"/>
+                </p:cNvSpPr>
+                <p:nvPr/>
+              </p:nvSpPr>
+              <p:spPr>
+                <a:xfrm>
+                  <a:off x="2151219" y="1597210"/>
+                  <a:ext cx="405880" cy="369332"/>
+                </a:xfrm>
+                <a:prstGeom prst="rect">
+                  <a:avLst/>
+                </a:prstGeom>
+                <a:blipFill>
+                  <a:blip r:embed="rId5"/>
+                  <a:stretch>
+                    <a:fillRect/>
+                  </a:stretch>
+                </a:blipFill>
+              </p:spPr>
+              <p:txBody>
+                <a:bodyPr/>
+                <a:lstStyle/>
+                <a:p>
+                  <a:r>
+                    <a:rPr lang="zh-CN" altLang="en-US">
+                      <a:noFill/>
+                    </a:rPr>
+                    <a:t> </a:t>
+                  </a:r>
+                </a:p>
+              </p:txBody>
+            </p:sp>
+          </mc:Fallback>
+        </mc:AlternateContent>
+        <mc:AlternateContent xmlns:mc="http://schemas.openxmlformats.org/markup-compatibility/2006">
+          <mc:Choice xmlns:a14="http://schemas.microsoft.com/office/drawing/2010/main" Requires="a14">
+            <p:sp>
+              <p:nvSpPr>
+                <p:cNvPr id="87" name="矩形 86"/>
+                <p:cNvSpPr/>
+                <p:nvPr/>
+              </p:nvSpPr>
+              <p:spPr>
+                <a:xfrm>
+                  <a:off x="2111920" y="2418288"/>
+                  <a:ext cx="476349" cy="369332"/>
+                </a:xfrm>
+                <a:prstGeom prst="rect">
+                  <a:avLst/>
+                </a:prstGeom>
+              </p:spPr>
+              <p:txBody>
+                <a:bodyPr wrap="none">
+                  <a:spAutoFit/>
+                </a:bodyPr>
+                <a:lstStyle/>
+                <a:p>
+                  <a14:m>
+                    <m:oMathPara xmlns:m="http://schemas.openxmlformats.org/officeDocument/2006/math">
+                      <m:oMathParaPr>
+                        <m:jc m:val="centerGroup"/>
+                      </m:oMathParaPr>
+                      <m:oMath xmlns:m="http://schemas.openxmlformats.org/officeDocument/2006/math">
+                        <m:sSup>
+                          <m:sSupPr>
+                            <m:ctrlPr>
+                              <a:rPr lang="zh-CN" altLang="en-US" b="1">
+                                <a:latin typeface="Cambria Math" panose="02040503050406030204" pitchFamily="18" charset="0"/>
+                              </a:rPr>
+                            </m:ctrlPr>
+                          </m:sSupPr>
+                          <m:e>
+                            <m:r>
+                              <a:rPr lang="zh-CN" altLang="en-US" b="1" i="1">
+                                <a:latin typeface="Cambria Math" panose="02040503050406030204" pitchFamily="18" charset="0"/>
+                              </a:rPr>
+                              <m:t>𝑷</m:t>
+                            </m:r>
+                          </m:e>
+                          <m:sup>
+                            <m:r>
+                              <a:rPr lang="zh-CN" altLang="en-US" b="1">
+                                <a:latin typeface="Cambria Math" panose="02040503050406030204" pitchFamily="18" charset="0"/>
+                              </a:rPr>
+                              <m:t>′</m:t>
+                            </m:r>
+                          </m:sup>
+                        </m:sSup>
+                      </m:oMath>
+                    </m:oMathPara>
+                  </a14:m>
+                  <a:endParaRPr lang="zh-CN" altLang="en-US" dirty="0"/>
+                </a:p>
+              </p:txBody>
+            </p:sp>
+          </mc:Choice>
+          <mc:Fallback>
+            <p:sp>
+              <p:nvSpPr>
+                <p:cNvPr id="87" name="矩形 86"/>
+                <p:cNvSpPr>
+                  <a:spLocks noRot="1" noChangeAspect="1" noMove="1" noResize="1" noEditPoints="1" noAdjustHandles="1" noChangeArrowheads="1" noChangeShapeType="1" noTextEdit="1"/>
+                </p:cNvSpPr>
+                <p:nvPr/>
+              </p:nvSpPr>
+              <p:spPr>
+                <a:xfrm>
+                  <a:off x="2111920" y="2418288"/>
+                  <a:ext cx="476349" cy="369332"/>
+                </a:xfrm>
+                <a:prstGeom prst="rect">
+                  <a:avLst/>
+                </a:prstGeom>
+                <a:blipFill>
+                  <a:blip r:embed="rId6"/>
+                  <a:stretch>
+                    <a:fillRect/>
+                  </a:stretch>
+                </a:blipFill>
+              </p:spPr>
+              <p:txBody>
+                <a:bodyPr/>
+                <a:lstStyle/>
+                <a:p>
+                  <a:r>
+                    <a:rPr lang="zh-CN" altLang="en-US">
+                      <a:noFill/>
+                    </a:rPr>
+                    <a:t> </a:t>
+                  </a:r>
+                </a:p>
+              </p:txBody>
+            </p:sp>
+          </mc:Fallback>
+        </mc:AlternateContent>
+        <mc:AlternateContent xmlns:mc="http://schemas.openxmlformats.org/markup-compatibility/2006">
+          <mc:Choice xmlns:a14="http://schemas.microsoft.com/office/drawing/2010/main" Requires="a14">
+            <p:sp>
+              <p:nvSpPr>
+                <p:cNvPr id="88" name="矩形 87"/>
+                <p:cNvSpPr/>
+                <p:nvPr/>
+              </p:nvSpPr>
+              <p:spPr>
+                <a:xfrm>
+                  <a:off x="1789808" y="2806670"/>
+                  <a:ext cx="367408" cy="369332"/>
+                </a:xfrm>
+                <a:prstGeom prst="rect">
+                  <a:avLst/>
+                </a:prstGeom>
+              </p:spPr>
+              <p:txBody>
+                <a:bodyPr wrap="none">
+                  <a:spAutoFit/>
+                </a:bodyPr>
+                <a:lstStyle/>
+                <a:p>
+                  <a14:m>
+                    <m:oMathPara xmlns:m="http://schemas.openxmlformats.org/officeDocument/2006/math">
+                      <m:oMathParaPr>
+                        <m:jc m:val="centerGroup"/>
+                      </m:oMathParaPr>
+                      <m:oMath xmlns:m="http://schemas.openxmlformats.org/officeDocument/2006/math">
+                        <m:r>
+                          <a:rPr lang="zh-CN" altLang="en-US" i="1">
+                            <a:latin typeface="Cambria Math" panose="02040503050406030204" pitchFamily="18" charset="0"/>
+                          </a:rPr>
+                          <m:t>𝑧</m:t>
+                        </m:r>
+                      </m:oMath>
+                    </m:oMathPara>
+                  </a14:m>
+                  <a:endParaRPr lang="zh-CN" altLang="en-US" dirty="0"/>
+                </a:p>
+              </p:txBody>
+            </p:sp>
+          </mc:Choice>
+          <mc:Fallback>
+            <p:sp>
+              <p:nvSpPr>
+                <p:cNvPr id="88" name="矩形 87"/>
+                <p:cNvSpPr>
+                  <a:spLocks noRot="1" noChangeAspect="1" noMove="1" noResize="1" noEditPoints="1" noAdjustHandles="1" noChangeArrowheads="1" noChangeShapeType="1" noTextEdit="1"/>
+                </p:cNvSpPr>
+                <p:nvPr/>
+              </p:nvSpPr>
+              <p:spPr>
+                <a:xfrm>
+                  <a:off x="1789808" y="2806670"/>
+                  <a:ext cx="367408" cy="369332"/>
+                </a:xfrm>
+                <a:prstGeom prst="rect">
+                  <a:avLst/>
+                </a:prstGeom>
+                <a:blipFill>
+                  <a:blip r:embed="rId7"/>
+                  <a:stretch>
+                    <a:fillRect/>
+                  </a:stretch>
+                </a:blipFill>
+              </p:spPr>
+              <p:txBody>
+                <a:bodyPr/>
+                <a:lstStyle/>
+                <a:p>
+                  <a:r>
+                    <a:rPr lang="zh-CN" altLang="en-US">
+                      <a:noFill/>
+                    </a:rPr>
+                    <a:t> </a:t>
+                  </a:r>
+                </a:p>
+              </p:txBody>
+            </p:sp>
+          </mc:Fallback>
+        </mc:AlternateContent>
+        <mc:AlternateContent xmlns:mc="http://schemas.openxmlformats.org/markup-compatibility/2006">
+          <mc:Choice xmlns:a14="http://schemas.microsoft.com/office/drawing/2010/main" Requires="a14">
+            <p:sp>
+              <p:nvSpPr>
+                <p:cNvPr id="89" name="矩形 88"/>
+                <p:cNvSpPr/>
+                <p:nvPr/>
+              </p:nvSpPr>
+              <p:spPr>
+                <a:xfrm>
+                  <a:off x="2049722" y="3388220"/>
+                  <a:ext cx="439544" cy="369332"/>
+                </a:xfrm>
+                <a:prstGeom prst="rect">
+                  <a:avLst/>
+                </a:prstGeom>
+              </p:spPr>
+              <p:txBody>
+                <a:bodyPr wrap="none">
+                  <a:spAutoFit/>
+                </a:bodyPr>
+                <a:lstStyle/>
+                <a:p>
+                  <a14:m>
+                    <m:oMathPara xmlns:m="http://schemas.openxmlformats.org/officeDocument/2006/math">
+                      <m:oMathParaPr>
+                        <m:jc m:val="centerGroup"/>
+                      </m:oMathParaPr>
+                      <m:oMath xmlns:m="http://schemas.openxmlformats.org/officeDocument/2006/math">
+                        <m:sSup>
+                          <m:sSupPr>
+                            <m:ctrlPr>
+                              <a:rPr lang="zh-CN" altLang="en-US">
+                                <a:latin typeface="Cambria Math" panose="02040503050406030204" pitchFamily="18" charset="0"/>
+                              </a:rPr>
+                            </m:ctrlPr>
+                          </m:sSupPr>
+                          <m:e>
+                            <m:r>
+                              <a:rPr lang="zh-CN" altLang="en-US" i="1">
+                                <a:latin typeface="Cambria Math" panose="02040503050406030204" pitchFamily="18" charset="0"/>
+                              </a:rPr>
+                              <m:t>𝑧</m:t>
+                            </m:r>
+                          </m:e>
+                          <m:sup>
+                            <m:r>
+                              <a:rPr lang="zh-CN" altLang="en-US">
+                                <a:latin typeface="Cambria Math" panose="02040503050406030204" pitchFamily="18" charset="0"/>
+                              </a:rPr>
+                              <m:t>′</m:t>
+                            </m:r>
+                          </m:sup>
+                        </m:sSup>
+                      </m:oMath>
+                    </m:oMathPara>
+                  </a14:m>
+                  <a:endParaRPr lang="zh-CN" altLang="en-US" dirty="0"/>
+                </a:p>
+              </p:txBody>
+            </p:sp>
+          </mc:Choice>
+          <mc:Fallback>
+            <p:sp>
+              <p:nvSpPr>
+                <p:cNvPr id="89" name="矩形 88"/>
+                <p:cNvSpPr>
+                  <a:spLocks noRot="1" noChangeAspect="1" noMove="1" noResize="1" noEditPoints="1" noAdjustHandles="1" noChangeArrowheads="1" noChangeShapeType="1" noTextEdit="1"/>
+                </p:cNvSpPr>
+                <p:nvPr/>
+              </p:nvSpPr>
+              <p:spPr>
+                <a:xfrm>
+                  <a:off x="2049722" y="3388220"/>
+                  <a:ext cx="439544" cy="369332"/>
+                </a:xfrm>
+                <a:prstGeom prst="rect">
+                  <a:avLst/>
+                </a:prstGeom>
+                <a:blipFill>
+                  <a:blip r:embed="rId8"/>
+                  <a:stretch>
+                    <a:fillRect/>
+                  </a:stretch>
+                </a:blipFill>
+              </p:spPr>
+              <p:txBody>
+                <a:bodyPr/>
+                <a:lstStyle/>
+                <a:p>
+                  <a:r>
+                    <a:rPr lang="zh-CN" altLang="en-US">
+                      <a:noFill/>
+                    </a:rPr>
+                    <a:t> </a:t>
+                  </a:r>
+                </a:p>
+              </p:txBody>
+            </p:sp>
+          </mc:Fallback>
+        </mc:AlternateContent>
+        <p:sp>
+          <p:nvSpPr>
+            <p:cNvPr id="90" name="椭圆 89"/>
+            <p:cNvSpPr/>
+            <p:nvPr/>
+          </p:nvSpPr>
+          <p:spPr>
+            <a:xfrm>
+              <a:off x="3065742" y="2698151"/>
+              <a:ext cx="107951" cy="108585"/>
+            </a:xfrm>
+            <a:prstGeom prst="ellipse">
+              <a:avLst/>
+            </a:prstGeom>
+            <a:solidFill>
+              <a:schemeClr val="tx1"/>
+            </a:solidFill>
+            <a:ln>
+              <a:noFill/>
+            </a:ln>
+          </p:spPr>
+          <p:style>
+            <a:lnRef idx="2">
+              <a:schemeClr val="accent1">
+                <a:shade val="50000"/>
+              </a:schemeClr>
+            </a:lnRef>
+            <a:fillRef idx="1">
+              <a:schemeClr val="accent1"/>
+            </a:fillRef>
+            <a:effectRef idx="0">
+              <a:schemeClr val="accent1"/>
+            </a:effectRef>
+            <a:fontRef idx="minor">
+              <a:schemeClr val="lt1"/>
+            </a:fontRef>
+          </p:style>
+          <p:txBody>
+            <a:bodyPr rtlCol="0" anchor="ctr"/>
+            <a:lstStyle/>
+            <a:p>
+              <a:pPr algn="ctr"/>
+              <a:endParaRPr lang="zh-CN" altLang="en-US"/>
+            </a:p>
+          </p:txBody>
+        </p:sp>
+        <p:grpSp>
+          <p:nvGrpSpPr>
+            <p:cNvPr id="97" name="组合 96"/>
+            <p:cNvGrpSpPr/>
+            <p:nvPr/>
+          </p:nvGrpSpPr>
+          <p:grpSpPr>
+            <a:xfrm>
+              <a:off x="4057384" y="3341451"/>
+              <a:ext cx="694103" cy="707363"/>
+              <a:chOff x="5044709" y="3147182"/>
+              <a:chExt cx="694103" cy="707363"/>
+            </a:xfrm>
+          </p:grpSpPr>
+          <p:pic>
+            <p:nvPicPr>
+              <p:cNvPr id="92" name="图片 91"/>
+              <p:cNvPicPr>
+                <a:picLocks noChangeAspect="1"/>
+              </p:cNvPicPr>
+              <p:nvPr/>
+            </p:nvPicPr>
+            <p:blipFill rotWithShape="1">
+              <a:blip r:embed="rId9">
+                <a:extLst>
+                  <a:ext uri="{28A0092B-C50C-407E-A947-70E740481C1C}">
+                    <a14:useLocalDpi xmlns:a14="http://schemas.microsoft.com/office/drawing/2010/main" val="0"/>
+                  </a:ext>
+                </a:extLst>
+              </a:blip>
+              <a:srcRect l="6522" r="6522"/>
+              <a:stretch/>
+            </p:blipFill>
+            <p:spPr>
+              <a:xfrm>
+                <a:off x="5044709" y="3160442"/>
+                <a:ext cx="694103" cy="694103"/>
+              </a:xfrm>
+              <a:prstGeom prst="ellipse">
+                <a:avLst/>
+              </a:prstGeom>
+            </p:spPr>
+          </p:pic>
+          <mc:AlternateContent xmlns:mc="http://schemas.openxmlformats.org/markup-compatibility/2006">
+            <mc:Choice xmlns:a14="http://schemas.microsoft.com/office/drawing/2010/main" Requires="a14">
+              <p:sp>
+                <p:nvSpPr>
+                  <p:cNvPr id="94" name="矩形 93"/>
+                  <p:cNvSpPr/>
+                  <p:nvPr/>
+                </p:nvSpPr>
+                <p:spPr>
+                  <a:xfrm>
+                    <a:off x="5144588" y="3433431"/>
+                    <a:ext cx="366061" cy="369332"/>
+                  </a:xfrm>
+                  <a:prstGeom prst="rect">
+                    <a:avLst/>
+                  </a:prstGeom>
+                </p:spPr>
+                <p:txBody>
+                  <a:bodyPr wrap="none">
+                    <a:spAutoFit/>
+                  </a:bodyPr>
+                  <a:lstStyle/>
+                  <a:p>
+                    <a14:m>
+                      <m:oMathPara xmlns:m="http://schemas.openxmlformats.org/officeDocument/2006/math">
+                        <m:oMathParaPr>
+                          <m:jc m:val="centerGroup"/>
+                        </m:oMathParaPr>
+                        <m:oMath xmlns:m="http://schemas.openxmlformats.org/officeDocument/2006/math">
+                          <m:r>
+                            <a:rPr lang="zh-CN" altLang="en-US" i="1">
+                              <a:latin typeface="Cambria Math" panose="02040503050406030204" pitchFamily="18" charset="0"/>
+                            </a:rPr>
+                            <m:t>𝑒</m:t>
+                          </m:r>
+                        </m:oMath>
+                      </m:oMathPara>
+                    </a14:m>
+                    <a:endParaRPr lang="zh-CN" altLang="en-US" dirty="0"/>
+                  </a:p>
+                </p:txBody>
+              </p:sp>
+            </mc:Choice>
+            <mc:Fallback>
+              <p:sp>
+                <p:nvSpPr>
+                  <p:cNvPr id="94" name="矩形 93"/>
+                  <p:cNvSpPr>
+                    <a:spLocks noRot="1" noChangeAspect="1" noMove="1" noResize="1" noEditPoints="1" noAdjustHandles="1" noChangeArrowheads="1" noChangeShapeType="1" noTextEdit="1"/>
+                  </p:cNvSpPr>
+                  <p:nvPr/>
+                </p:nvSpPr>
+                <p:spPr>
+                  <a:xfrm>
+                    <a:off x="5144588" y="3433431"/>
+                    <a:ext cx="366061" cy="369332"/>
+                  </a:xfrm>
+                  <a:prstGeom prst="rect">
+                    <a:avLst/>
+                  </a:prstGeom>
+                  <a:blipFill>
+                    <a:blip r:embed="rId10"/>
+                    <a:stretch>
+                      <a:fillRect/>
+                    </a:stretch>
+                  </a:blipFill>
+                </p:spPr>
+                <p:txBody>
+                  <a:bodyPr/>
+                  <a:lstStyle/>
+                  <a:p>
+                    <a:r>
+                      <a:rPr lang="zh-CN" altLang="en-US">
+                        <a:noFill/>
+                      </a:rPr>
+                      <a:t> </a:t>
+                    </a:r>
+                  </a:p>
+                </p:txBody>
+              </p:sp>
+            </mc:Fallback>
+          </mc:AlternateContent>
+          <p:sp>
+            <p:nvSpPr>
+              <p:cNvPr id="96" name="椭圆形标注 95"/>
+              <p:cNvSpPr/>
+              <p:nvPr/>
+            </p:nvSpPr>
+            <p:spPr>
+              <a:xfrm>
+                <a:off x="5044709" y="3147182"/>
+                <a:ext cx="694103" cy="703009"/>
+              </a:xfrm>
+              <a:prstGeom prst="wedgeEllipseCallout">
+                <a:avLst/>
+              </a:prstGeom>
+              <a:noFill/>
+              <a:ln>
+                <a:solidFill>
+                  <a:schemeClr val="tx1"/>
+                </a:solidFill>
+                <a:prstDash val="dash"/>
+              </a:ln>
+            </p:spPr>
+            <p:style>
+              <a:lnRef idx="2">
+                <a:schemeClr val="accent1">
+                  <a:shade val="50000"/>
+                </a:schemeClr>
+              </a:lnRef>
+              <a:fillRef idx="1">
+                <a:schemeClr val="accent1"/>
+              </a:fillRef>
+              <a:effectRef idx="0">
+                <a:schemeClr val="accent1"/>
+              </a:effectRef>
+              <a:fontRef idx="minor">
+                <a:schemeClr val="lt1"/>
+              </a:fontRef>
+            </p:style>
+            <p:txBody>
+              <a:bodyPr rtlCol="0" anchor="ctr"/>
+              <a:lstStyle/>
+              <a:p>
+                <a:pPr algn="ctr"/>
+                <a:endParaRPr lang="zh-CN" altLang="en-US"/>
+              </a:p>
+            </p:txBody>
+          </p:sp>
+        </p:grpSp>
+        <mc:AlternateContent xmlns:mc="http://schemas.openxmlformats.org/markup-compatibility/2006">
+          <mc:Choice xmlns:a14="http://schemas.microsoft.com/office/drawing/2010/main" Requires="a14">
+            <p:sp>
+              <p:nvSpPr>
+                <p:cNvPr id="98" name="矩形 97"/>
+                <p:cNvSpPr/>
+                <p:nvPr/>
+              </p:nvSpPr>
+              <p:spPr>
+                <a:xfrm>
+                  <a:off x="4739418" y="4254795"/>
+                  <a:ext cx="380553" cy="369332"/>
+                </a:xfrm>
+                <a:prstGeom prst="rect">
+                  <a:avLst/>
+                </a:prstGeom>
+              </p:spPr>
+              <p:txBody>
+                <a:bodyPr wrap="none">
+                  <a:spAutoFit/>
+                </a:bodyPr>
+                <a:lstStyle/>
+                <a:p>
+                  <a14:m>
+                    <m:oMathPara xmlns:m="http://schemas.openxmlformats.org/officeDocument/2006/math">
+                      <m:oMathParaPr>
+                        <m:jc m:val="centerGroup"/>
+                      </m:oMathParaPr>
+                      <m:oMath xmlns:m="http://schemas.openxmlformats.org/officeDocument/2006/math">
+                        <m:r>
+                          <a:rPr lang="zh-CN" altLang="en-US" i="1">
+                            <a:latin typeface="Cambria Math" panose="02040503050406030204" pitchFamily="18" charset="0"/>
+                          </a:rPr>
+                          <m:t>𝑓</m:t>
+                        </m:r>
+                      </m:oMath>
+                    </m:oMathPara>
+                  </a14:m>
+                  <a:endParaRPr lang="zh-CN" altLang="en-US" dirty="0"/>
+                </a:p>
+              </p:txBody>
+            </p:sp>
+          </mc:Choice>
+          <mc:Fallback>
+            <p:sp>
+              <p:nvSpPr>
+                <p:cNvPr id="98" name="矩形 97"/>
+                <p:cNvSpPr>
+                  <a:spLocks noRot="1" noChangeAspect="1" noMove="1" noResize="1" noEditPoints="1" noAdjustHandles="1" noChangeArrowheads="1" noChangeShapeType="1" noTextEdit="1"/>
+                </p:cNvSpPr>
+                <p:nvPr/>
+              </p:nvSpPr>
+              <p:spPr>
+                <a:xfrm>
+                  <a:off x="4739418" y="4254795"/>
+                  <a:ext cx="380553" cy="369332"/>
+                </a:xfrm>
+                <a:prstGeom prst="rect">
+                  <a:avLst/>
+                </a:prstGeom>
+                <a:blipFill>
+                  <a:blip r:embed="rId11"/>
+                  <a:stretch>
+                    <a:fillRect b="-11475"/>
+                  </a:stretch>
+                </a:blipFill>
+              </p:spPr>
+              <p:txBody>
+                <a:bodyPr/>
+                <a:lstStyle/>
+                <a:p>
+                  <a:r>
+                    <a:rPr lang="zh-CN" altLang="en-US">
+                      <a:noFill/>
+                    </a:rPr>
+                    <a:t> </a:t>
+                  </a:r>
+                </a:p>
+              </p:txBody>
+            </p:sp>
+          </mc:Fallback>
+        </mc:AlternateContent>
+        <mc:AlternateContent xmlns:mc="http://schemas.openxmlformats.org/markup-compatibility/2006">
+          <mc:Choice xmlns:a14="http://schemas.microsoft.com/office/drawing/2010/main" Requires="a14">
+            <p:graphicFrame>
+              <p:nvGraphicFramePr>
+                <p:cNvPr id="102" name="对象 101"/>
+                <p:cNvGraphicFramePr>
+                  <a:graphicFrameLocks noChangeAspect="1"/>
+                </p:cNvGraphicFramePr>
+                <p:nvPr>
+                  <p:extLst>
+                    <p:ext uri="{D42A27DB-BD31-4B8C-83A1-F6EECF244321}">
+                      <p14:modId xmlns:p14="http://schemas.microsoft.com/office/powerpoint/2010/main" val="1780178607"/>
+                    </p:ext>
+                  </p:extLst>
+                </p:nvPr>
+              </p:nvGraphicFramePr>
+              <p:xfrm>
+                <a:off x="2651864" y="2505074"/>
+                <a:ext cx="215160" cy="248261"/>
+              </p:xfrm>
+              <a:graphic>
+                <a:graphicData uri="http://schemas.openxmlformats.org/presentationml/2006/ole">
+                  <mc:AlternateContent>
+                    <mc:Choice xmlns:v="urn:schemas-microsoft-com:vml" Requires="v">
+                      <p:oleObj spid="_x0000_s2055" name="Equation" r:id="rId12" imgW="164880" imgH="190440" progId="Equation.DSMT4">
+                        <p:embed/>
+                      </p:oleObj>
+                    </mc:Choice>
+                    <mc:Fallback>
+                      <p:oleObj name="Equation" r:id="rId12" imgW="164880" imgH="190440" progId="Equation.DSMT4">
+                        <p:embed/>
+                        <p:pic>
+                          <p:nvPicPr>
+                            <p:cNvPr id="0" name=""/>
+                            <p:cNvPicPr/>
+                            <p:nvPr/>
+                          </p:nvPicPr>
+                          <p:blipFill>
+                            <a:blip r:embed="rId13"/>
+                            <a:stretch>
+                              <a:fillRect/>
+                            </a:stretch>
+                          </p:blipFill>
+                          <p:spPr>
+                            <a:xfrm>
+                              <a:off x="2651864" y="2505074"/>
+                              <a:ext cx="215160" cy="248261"/>
+                            </a:xfrm>
+                            <a:prstGeom prst="rect">
+                              <a:avLst/>
+                            </a:prstGeom>
+                          </p:spPr>
+                        </p:pic>
+                      </p:oleObj>
+                    </mc:Fallback>
+                  </mc:AlternateContent>
+                </a:graphicData>
+              </a:graphic>
+            </p:graphicFrame>
+          </mc:Choice>
+          <mc:Fallback>
+            <p:graphicFrame>
+              <p:nvGraphicFramePr>
+                <p:cNvPr id="102" name="对象 101"/>
+                <p:cNvGraphicFramePr>
+                  <a:graphicFrameLocks noChangeAspect="1"/>
+                </p:cNvGraphicFramePr>
+                <p:nvPr>
+                  <p:extLst>
+                    <p:ext uri="{D42A27DB-BD31-4B8C-83A1-F6EECF244321}">
+                      <p14:modId xmlns:p14="http://schemas.microsoft.com/office/powerpoint/2010/main" val="1780178607"/>
+                    </p:ext>
+                  </p:extLst>
+                </p:nvPr>
+              </p:nvGraphicFramePr>
+              <p:xfrm>
+                <a:off x="2651864" y="2505074"/>
+                <a:ext cx="215160" cy="248261"/>
+              </p:xfrm>
+              <a:graphic>
+                <a:graphicData uri="http://schemas.openxmlformats.org/presentationml/2006/ole">
+                  <mc:AlternateContent>
+                    <mc:Choice xmlns:v="urn:schemas-microsoft-com:vml" Requires="v">
+                      <p:oleObj spid="_x0000_s2055" name="Equation" r:id="rId12" imgW="164880" imgH="190440" progId="Equation.DSMT4">
+                        <p:embed/>
+                      </p:oleObj>
+                    </mc:Choice>
+                    <mc:Fallback>
+                      <p:oleObj name="Equation" r:id="rId12" imgW="164880" imgH="190440" progId="Equation.DSMT4">
+                        <p:embed/>
+                        <p:pic>
+                          <p:nvPicPr>
+                            <p:cNvPr id="0" name=""/>
+                            <p:cNvPicPr/>
+                            <p:nvPr/>
+                          </p:nvPicPr>
+                          <p:blipFill>
+                            <a:blip r:embed="rId13"/>
+                            <a:stretch>
+                              <a:fillRect/>
+                            </a:stretch>
+                          </p:blipFill>
+                          <p:spPr>
+                            <a:xfrm>
+                              <a:off x="2651864" y="2505074"/>
+                              <a:ext cx="215160" cy="248261"/>
+                            </a:xfrm>
+                            <a:prstGeom prst="rect">
+                              <a:avLst/>
+                            </a:prstGeom>
+                          </p:spPr>
+                        </p:pic>
+                      </p:oleObj>
+                    </mc:Fallback>
+                  </mc:AlternateContent>
+                </a:graphicData>
+              </a:graphic>
+            </p:graphicFrame>
+          </mc:Fallback>
+        </mc:AlternateContent>
+        <mc:AlternateContent xmlns:mc="http://schemas.openxmlformats.org/markup-compatibility/2006">
+          <mc:Choice xmlns:a14="http://schemas.microsoft.com/office/drawing/2010/main" Requires="a14">
+            <p:graphicFrame>
+              <p:nvGraphicFramePr>
+                <p:cNvPr id="105" name="对象 104"/>
+                <p:cNvGraphicFramePr>
+                  <a:graphicFrameLocks noChangeAspect="1"/>
+                </p:cNvGraphicFramePr>
+                <p:nvPr>
+                  <p:extLst>
+                    <p:ext uri="{D42A27DB-BD31-4B8C-83A1-F6EECF244321}">
+                      <p14:modId xmlns:p14="http://schemas.microsoft.com/office/powerpoint/2010/main" val="2205046868"/>
+                    </p:ext>
+                  </p:extLst>
+                </p:nvPr>
+              </p:nvGraphicFramePr>
+              <p:xfrm>
+                <a:off x="3381375" y="4645026"/>
+                <a:ext cx="152400" cy="165100"/>
+              </p:xfrm>
+              <a:graphic>
+                <a:graphicData uri="http://schemas.openxmlformats.org/presentationml/2006/ole">
+                  <mc:AlternateContent>
+                    <mc:Choice xmlns:v="urn:schemas-microsoft-com:vml" Requires="v">
+                      <p:oleObj spid="_x0000_s2056" name="Equation" r:id="rId14" imgW="152280" imgH="164880" progId="Equation.DSMT4">
+                        <p:embed/>
+                      </p:oleObj>
+                    </mc:Choice>
+                    <mc:Fallback>
+                      <p:oleObj name="Equation" r:id="rId14" imgW="152280" imgH="164880" progId="Equation.DSMT4">
+                        <p:embed/>
+                        <p:pic>
+                          <p:nvPicPr>
+                            <p:cNvPr id="0" name=""/>
+                            <p:cNvPicPr/>
+                            <p:nvPr/>
+                          </p:nvPicPr>
+                          <p:blipFill>
+                            <a:blip r:embed="rId15"/>
+                            <a:stretch>
+                              <a:fillRect/>
+                            </a:stretch>
+                          </p:blipFill>
+                          <p:spPr>
+                            <a:xfrm>
+                              <a:off x="3381375" y="4645026"/>
+                              <a:ext cx="152400" cy="165100"/>
+                            </a:xfrm>
+                            <a:prstGeom prst="rect">
+                              <a:avLst/>
+                            </a:prstGeom>
+                          </p:spPr>
+                        </p:pic>
+                      </p:oleObj>
+                    </mc:Fallback>
+                  </mc:AlternateContent>
+                </a:graphicData>
+              </a:graphic>
+            </p:graphicFrame>
+          </mc:Choice>
+          <mc:Fallback>
+            <p:graphicFrame>
+              <p:nvGraphicFramePr>
+                <p:cNvPr id="105" name="对象 104"/>
+                <p:cNvGraphicFramePr>
+                  <a:graphicFrameLocks noChangeAspect="1"/>
+                </p:cNvGraphicFramePr>
+                <p:nvPr>
+                  <p:extLst>
+                    <p:ext uri="{D42A27DB-BD31-4B8C-83A1-F6EECF244321}">
+                      <p14:modId xmlns:p14="http://schemas.microsoft.com/office/powerpoint/2010/main" val="2205046868"/>
+                    </p:ext>
+                  </p:extLst>
+                </p:nvPr>
+              </p:nvGraphicFramePr>
+              <p:xfrm>
+                <a:off x="3381375" y="4645026"/>
+                <a:ext cx="152400" cy="165100"/>
+              </p:xfrm>
+              <a:graphic>
+                <a:graphicData uri="http://schemas.openxmlformats.org/presentationml/2006/ole">
+                  <mc:AlternateContent>
+                    <mc:Choice xmlns:v="urn:schemas-microsoft-com:vml" Requires="v">
+                      <p:oleObj spid="_x0000_s2056" name="Equation" r:id="rId14" imgW="152280" imgH="164880" progId="Equation.DSMT4">
+                        <p:embed/>
+                      </p:oleObj>
+                    </mc:Choice>
+                    <mc:Fallback>
+                      <p:oleObj name="Equation" r:id="rId14" imgW="152280" imgH="164880" progId="Equation.DSMT4">
+                        <p:embed/>
+                        <p:pic>
+                          <p:nvPicPr>
+                            <p:cNvPr id="0" name=""/>
+                            <p:cNvPicPr/>
+                            <p:nvPr/>
+                          </p:nvPicPr>
+                          <p:blipFill>
+                            <a:blip r:embed="rId15"/>
+                            <a:stretch>
+                              <a:fillRect/>
+                            </a:stretch>
+                          </p:blipFill>
+                          <p:spPr>
+                            <a:xfrm>
+                              <a:off x="3381375" y="4645026"/>
+                              <a:ext cx="152400" cy="165100"/>
+                            </a:xfrm>
+                            <a:prstGeom prst="rect">
+                              <a:avLst/>
+                            </a:prstGeom>
+                          </p:spPr>
+                        </p:pic>
+                      </p:oleObj>
+                    </mc:Fallback>
+                  </mc:AlternateContent>
+                </a:graphicData>
+              </a:graphic>
+            </p:graphicFrame>
+          </mc:Fallback>
+        </mc:AlternateContent>
+      </p:grpSp>
     </p:spTree>
     <p:extLst>
       <p:ext uri="{BB962C8B-B14F-4D97-AF65-F5344CB8AC3E}">
         <p14:creationId xmlns:p14="http://schemas.microsoft.com/office/powerpoint/2010/main" val="2896826929"/>
+      </p:ext>
+    </p:extLst>
+  </p:cSld>
+  <p:clrMapOvr>
+    <a:masterClrMapping/>
+  </p:clrMapOvr>
+</p:sld>
+</file>
+
+<file path=ppt/slides/slide3.xml><?xml version="1.0" encoding="utf-8"?>
+<p:sld xmlns:a="http://schemas.openxmlformats.org/drawingml/2006/main" xmlns:r="http://schemas.openxmlformats.org/officeDocument/2006/relationships" xmlns:p="http://schemas.openxmlformats.org/presentationml/2006/main">
+  <p:cSld>
+    <p:spTree>
+      <p:nvGrpSpPr>
+        <p:cNvPr id="1" name=""/>
+        <p:cNvGrpSpPr/>
+        <p:nvPr/>
+      </p:nvGrpSpPr>
+      <p:grpSpPr>
+        <a:xfrm>
+          <a:off x="0" y="0"/>
+          <a:ext cx="0" cy="0"/>
+          <a:chOff x="0" y="0"/>
+          <a:chExt cx="0" cy="0"/>
+        </a:xfrm>
+      </p:grpSpPr>
+    </p:spTree>
+    <p:extLst>
+      <p:ext uri="{BB962C8B-B14F-4D97-AF65-F5344CB8AC3E}">
+        <p14:creationId xmlns:p14="http://schemas.microsoft.com/office/powerpoint/2010/main" val="4122415534"/>
       </p:ext>
     </p:extLst>
   </p:cSld>
@@ -6188,4 +7885,265 @@
     </a:ext>
   </a:extLst>
 </a:theme>
+</file>
+
+<file path=ppt/theme/theme2.xml><?xml version="1.0" encoding="utf-8"?>
+<a:theme xmlns:a="http://schemas.openxmlformats.org/drawingml/2006/main" name="Office 主题​​">
+  <a:themeElements>
+    <a:clrScheme name="Office">
+      <a:dk1>
+        <a:sysClr val="windowText" lastClr="000000"/>
+      </a:dk1>
+      <a:lt1>
+        <a:sysClr val="window" lastClr="FFFFFF"/>
+      </a:lt1>
+      <a:dk2>
+        <a:srgbClr val="44546A"/>
+      </a:dk2>
+      <a:lt2>
+        <a:srgbClr val="E7E6E6"/>
+      </a:lt2>
+      <a:accent1>
+        <a:srgbClr val="5B9BD5"/>
+      </a:accent1>
+      <a:accent2>
+        <a:srgbClr val="ED7D31"/>
+      </a:accent2>
+      <a:accent3>
+        <a:srgbClr val="A5A5A5"/>
+      </a:accent3>
+      <a:accent4>
+        <a:srgbClr val="FFC000"/>
+      </a:accent4>
+      <a:accent5>
+        <a:srgbClr val="4472C4"/>
+      </a:accent5>
+      <a:accent6>
+        <a:srgbClr val="70AD47"/>
+      </a:accent6>
+      <a:hlink>
+        <a:srgbClr val="0563C1"/>
+      </a:hlink>
+      <a:folHlink>
+        <a:srgbClr val="954F72"/>
+      </a:folHlink>
+    </a:clrScheme>
+    <a:fontScheme name="Office">
+      <a:majorFont>
+        <a:latin typeface="等线 Light" panose="020F0302020204030204"/>
+        <a:ea typeface=""/>
+        <a:cs typeface=""/>
+        <a:font script="Jpan" typeface="游ゴシック Light"/>
+        <a:font script="Hang" typeface="맑은 고딕"/>
+        <a:font script="Hans" typeface="等线 Light"/>
+        <a:font script="Hant" typeface="新細明體"/>
+        <a:font script="Arab" typeface="Times New Roman"/>
+        <a:font script="Hebr" typeface="Times New Roman"/>
+        <a:font script="Thai" typeface="Angsana New"/>
+        <a:font script="Ethi" typeface="Nyala"/>
+        <a:font script="Beng" typeface="Vrinda"/>
+        <a:font script="Gujr" typeface="Shruti"/>
+        <a:font script="Khmr" typeface="MoolBoran"/>
+        <a:font script="Knda" typeface="Tunga"/>
+        <a:font script="Guru" typeface="Raavi"/>
+        <a:font script="Cans" typeface="Euphemia"/>
+        <a:font script="Cher" typeface="Plantagenet Cherokee"/>
+        <a:font script="Yiii" typeface="Microsoft Yi Baiti"/>
+        <a:font script="Tibt" typeface="Microsoft Himalaya"/>
+        <a:font script="Thaa" typeface="MV Boli"/>
+        <a:font script="Deva" typeface="Mangal"/>
+        <a:font script="Telu" typeface="Gautami"/>
+        <a:font script="Taml" typeface="Latha"/>
+        <a:font script="Syrc" typeface="Estrangelo Edessa"/>
+        <a:font script="Orya" typeface="Kalinga"/>
+        <a:font script="Mlym" typeface="Kartika"/>
+        <a:font script="Laoo" typeface="DokChampa"/>
+        <a:font script="Sinh" typeface="Iskoola Pota"/>
+        <a:font script="Mong" typeface="Mongolian Baiti"/>
+        <a:font script="Viet" typeface="Times New Roman"/>
+        <a:font script="Uigh" typeface="Microsoft Uighur"/>
+        <a:font script="Geor" typeface="Sylfaen"/>
+      </a:majorFont>
+      <a:minorFont>
+        <a:latin typeface="等线" panose="020F0502020204030204"/>
+        <a:ea typeface=""/>
+        <a:cs typeface=""/>
+        <a:font script="Jpan" typeface="游ゴシック"/>
+        <a:font script="Hang" typeface="맑은 고딕"/>
+        <a:font script="Hans" typeface="等线"/>
+        <a:font script="Hant" typeface="新細明體"/>
+        <a:font script="Arab" typeface="Arial"/>
+        <a:font script="Hebr" typeface="Arial"/>
+        <a:font script="Thai" typeface="Cordia New"/>
+        <a:font script="Ethi" typeface="Nyala"/>
+        <a:font script="Beng" typeface="Vrinda"/>
+        <a:font script="Gujr" typeface="Shruti"/>
+        <a:font script="Khmr" typeface="DaunPenh"/>
+        <a:font script="Knda" typeface="Tunga"/>
+        <a:font script="Guru" typeface="Raavi"/>
+        <a:font script="Cans" typeface="Euphemia"/>
+        <a:font script="Cher" typeface="Plantagenet Cherokee"/>
+        <a:font script="Yiii" typeface="Microsoft Yi Baiti"/>
+        <a:font script="Tibt" typeface="Microsoft Himalaya"/>
+        <a:font script="Thaa" typeface="MV Boli"/>
+        <a:font script="Deva" typeface="Mangal"/>
+        <a:font script="Telu" typeface="Gautami"/>
+        <a:font script="Taml" typeface="Latha"/>
+        <a:font script="Syrc" typeface="Estrangelo Edessa"/>
+        <a:font script="Orya" typeface="Kalinga"/>
+        <a:font script="Mlym" typeface="Kartika"/>
+        <a:font script="Laoo" typeface="DokChampa"/>
+        <a:font script="Sinh" typeface="Iskoola Pota"/>
+        <a:font script="Mong" typeface="Mongolian Baiti"/>
+        <a:font script="Viet" typeface="Arial"/>
+        <a:font script="Uigh" typeface="Microsoft Uighur"/>
+        <a:font script="Geor" typeface="Sylfaen"/>
+      </a:minorFont>
+    </a:fontScheme>
+    <a:fmtScheme name="Office">
+      <a:fillStyleLst>
+        <a:solidFill>
+          <a:schemeClr val="phClr"/>
+        </a:solidFill>
+        <a:gradFill rotWithShape="1">
+          <a:gsLst>
+            <a:gs pos="0">
+              <a:schemeClr val="phClr">
+                <a:lumMod val="110000"/>
+                <a:satMod val="105000"/>
+                <a:tint val="67000"/>
+              </a:schemeClr>
+            </a:gs>
+            <a:gs pos="50000">
+              <a:schemeClr val="phClr">
+                <a:lumMod val="105000"/>
+                <a:satMod val="103000"/>
+                <a:tint val="73000"/>
+              </a:schemeClr>
+            </a:gs>
+            <a:gs pos="100000">
+              <a:schemeClr val="phClr">
+                <a:lumMod val="105000"/>
+                <a:satMod val="109000"/>
+                <a:tint val="81000"/>
+              </a:schemeClr>
+            </a:gs>
+          </a:gsLst>
+          <a:lin ang="5400000" scaled="0"/>
+        </a:gradFill>
+        <a:gradFill rotWithShape="1">
+          <a:gsLst>
+            <a:gs pos="0">
+              <a:schemeClr val="phClr">
+                <a:satMod val="103000"/>
+                <a:lumMod val="102000"/>
+                <a:tint val="94000"/>
+              </a:schemeClr>
+            </a:gs>
+            <a:gs pos="50000">
+              <a:schemeClr val="phClr">
+                <a:satMod val="110000"/>
+                <a:lumMod val="100000"/>
+                <a:shade val="100000"/>
+              </a:schemeClr>
+            </a:gs>
+            <a:gs pos="100000">
+              <a:schemeClr val="phClr">
+                <a:lumMod val="99000"/>
+                <a:satMod val="120000"/>
+                <a:shade val="78000"/>
+              </a:schemeClr>
+            </a:gs>
+          </a:gsLst>
+          <a:lin ang="5400000" scaled="0"/>
+        </a:gradFill>
+      </a:fillStyleLst>
+      <a:lnStyleLst>
+        <a:ln w="6350" cap="flat" cmpd="sng" algn="ctr">
+          <a:solidFill>
+            <a:schemeClr val="phClr"/>
+          </a:solidFill>
+          <a:prstDash val="solid"/>
+          <a:miter lim="800000"/>
+        </a:ln>
+        <a:ln w="12700" cap="flat" cmpd="sng" algn="ctr">
+          <a:solidFill>
+            <a:schemeClr val="phClr"/>
+          </a:solidFill>
+          <a:prstDash val="solid"/>
+          <a:miter lim="800000"/>
+        </a:ln>
+        <a:ln w="19050" cap="flat" cmpd="sng" algn="ctr">
+          <a:solidFill>
+            <a:schemeClr val="phClr"/>
+          </a:solidFill>
+          <a:prstDash val="solid"/>
+          <a:miter lim="800000"/>
+        </a:ln>
+      </a:lnStyleLst>
+      <a:effectStyleLst>
+        <a:effectStyle>
+          <a:effectLst/>
+        </a:effectStyle>
+        <a:effectStyle>
+          <a:effectLst/>
+        </a:effectStyle>
+        <a:effectStyle>
+          <a:effectLst>
+            <a:outerShdw blurRad="57150" dist="19050" dir="5400000" algn="ctr" rotWithShape="0">
+              <a:srgbClr val="000000">
+                <a:alpha val="63000"/>
+              </a:srgbClr>
+            </a:outerShdw>
+          </a:effectLst>
+        </a:effectStyle>
+      </a:effectStyleLst>
+      <a:bgFillStyleLst>
+        <a:solidFill>
+          <a:schemeClr val="phClr"/>
+        </a:solidFill>
+        <a:solidFill>
+          <a:schemeClr val="phClr">
+            <a:tint val="95000"/>
+            <a:satMod val="170000"/>
+          </a:schemeClr>
+        </a:solidFill>
+        <a:gradFill rotWithShape="1">
+          <a:gsLst>
+            <a:gs pos="0">
+              <a:schemeClr val="phClr">
+                <a:tint val="93000"/>
+                <a:satMod val="150000"/>
+                <a:shade val="98000"/>
+                <a:lumMod val="102000"/>
+              </a:schemeClr>
+            </a:gs>
+            <a:gs pos="50000">
+              <a:schemeClr val="phClr">
+                <a:tint val="98000"/>
+                <a:satMod val="130000"/>
+                <a:shade val="90000"/>
+                <a:lumMod val="103000"/>
+              </a:schemeClr>
+            </a:gs>
+            <a:gs pos="100000">
+              <a:schemeClr val="phClr">
+                <a:shade val="63000"/>
+                <a:satMod val="120000"/>
+              </a:schemeClr>
+            </a:gs>
+          </a:gsLst>
+          <a:lin ang="5400000" scaled="0"/>
+        </a:gradFill>
+      </a:bgFillStyleLst>
+    </a:fmtScheme>
+  </a:themeElements>
+  <a:objectDefaults/>
+  <a:extraClrSchemeLst/>
+  <a:extLst>
+    <a:ext uri="{05A4C25C-085E-4340-85A3-A5531E510DB2}">
+      <thm15:themeFamily xmlns:thm15="http://schemas.microsoft.com/office/thememl/2012/main" name="Office Theme" id="{62F939B6-93AF-4DB8-9C6B-D6C7DFDC589F}" vid="{4A3C46E8-61CC-4603-A589-7422A47A8E4A}"/>
+    </a:ext>
+  </a:extLst>
+</a:theme>
 </file>
--- a/image_of_paper.pptx
+++ b/image_of_paper.pptx
@@ -3326,1006 +3326,1103 @@
       </p:grpSpPr>
       <p:grpSp>
         <p:nvGrpSpPr>
-          <p:cNvPr id="85" name="组合 84"/>
+          <p:cNvPr id="89" name="组合 88"/>
           <p:cNvGrpSpPr/>
           <p:nvPr/>
         </p:nvGrpSpPr>
         <p:grpSpPr>
           <a:xfrm>
-            <a:off x="3585185" y="2420443"/>
-            <a:ext cx="3794785" cy="2233473"/>
-            <a:chOff x="2422632" y="2052559"/>
-            <a:chExt cx="3977142" cy="2232105"/>
+            <a:off x="3585185" y="2407343"/>
+            <a:ext cx="3794785" cy="2246573"/>
+            <a:chOff x="3585185" y="2407343"/>
+            <a:chExt cx="3794785" cy="2246573"/>
           </a:xfrm>
         </p:grpSpPr>
-        <p:sp>
-          <p:nvSpPr>
-            <p:cNvPr id="4" name="平行四边形 3"/>
-            <p:cNvSpPr/>
-            <p:nvPr/>
-          </p:nvSpPr>
-          <p:spPr>
-            <a:xfrm rot="5400000">
-              <a:off x="2567151" y="2714295"/>
-              <a:ext cx="1366344" cy="1655381"/>
-            </a:xfrm>
-            <a:prstGeom prst="parallelogram">
-              <a:avLst/>
-            </a:prstGeom>
-            <a:noFill/>
-            <a:ln w="19050">
-              <a:solidFill>
-                <a:schemeClr val="tx1"/>
-              </a:solidFill>
-            </a:ln>
-          </p:spPr>
-          <p:style>
-            <a:lnRef idx="2">
-              <a:schemeClr val="accent1">
-                <a:shade val="50000"/>
-              </a:schemeClr>
-            </a:lnRef>
-            <a:fillRef idx="1">
-              <a:schemeClr val="accent1"/>
-            </a:fillRef>
-            <a:effectRef idx="0">
-              <a:schemeClr val="accent1"/>
-            </a:effectRef>
-            <a:fontRef idx="minor">
-              <a:schemeClr val="lt1"/>
-            </a:fontRef>
-          </p:style>
-          <p:txBody>
-            <a:bodyPr rtlCol="0" anchor="ctr"/>
-            <a:lstStyle/>
-            <a:p>
-              <a:pPr algn="ctr"/>
-              <a:endParaRPr lang="zh-CN" altLang="en-US"/>
-            </a:p>
-          </p:txBody>
-        </p:sp>
-        <p:sp>
-          <p:nvSpPr>
-            <p:cNvPr id="7" name="平行四边形 6"/>
-            <p:cNvSpPr/>
-            <p:nvPr/>
-          </p:nvSpPr>
-          <p:spPr>
-            <a:xfrm rot="15927846" flipH="1">
-              <a:off x="4810435" y="2570531"/>
-              <a:ext cx="1469392" cy="1709287"/>
-            </a:xfrm>
-            <a:prstGeom prst="parallelogram">
-              <a:avLst/>
-            </a:prstGeom>
-            <a:noFill/>
-            <a:ln w="19050">
-              <a:solidFill>
-                <a:schemeClr val="tx1"/>
-              </a:solidFill>
-            </a:ln>
-          </p:spPr>
-          <p:style>
-            <a:lnRef idx="2">
-              <a:schemeClr val="accent1">
-                <a:shade val="50000"/>
-              </a:schemeClr>
-            </a:lnRef>
-            <a:fillRef idx="1">
-              <a:schemeClr val="accent1"/>
-            </a:fillRef>
-            <a:effectRef idx="0">
-              <a:schemeClr val="accent1"/>
-            </a:effectRef>
-            <a:fontRef idx="minor">
-              <a:schemeClr val="lt1"/>
-            </a:fontRef>
-          </p:style>
-          <p:txBody>
-            <a:bodyPr rtlCol="0" anchor="ctr"/>
-            <a:lstStyle/>
-            <a:p>
-              <a:pPr algn="ctr"/>
-              <a:endParaRPr lang="zh-CN" altLang="en-US"/>
-            </a:p>
-          </p:txBody>
-        </p:sp>
-        <p:sp>
-          <p:nvSpPr>
-            <p:cNvPr id="9" name="平行四边形 8"/>
-            <p:cNvSpPr/>
-            <p:nvPr/>
-          </p:nvSpPr>
-          <p:spPr>
-            <a:xfrm rot="5400000">
-              <a:off x="3040773" y="3450575"/>
-              <a:ext cx="152400" cy="152400"/>
-            </a:xfrm>
-            <a:prstGeom prst="parallelogram">
-              <a:avLst/>
-            </a:prstGeom>
-            <a:noFill/>
-            <a:ln w="12700">
-              <a:solidFill>
-                <a:schemeClr val="tx1"/>
-              </a:solidFill>
-            </a:ln>
-          </p:spPr>
-          <p:style>
-            <a:lnRef idx="2">
-              <a:schemeClr val="accent1">
-                <a:shade val="50000"/>
-              </a:schemeClr>
-            </a:lnRef>
-            <a:fillRef idx="1">
-              <a:schemeClr val="accent1"/>
-            </a:fillRef>
-            <a:effectRef idx="0">
-              <a:schemeClr val="accent1"/>
-            </a:effectRef>
-            <a:fontRef idx="minor">
-              <a:schemeClr val="lt1"/>
-            </a:fontRef>
-          </p:style>
-          <p:txBody>
-            <a:bodyPr rtlCol="0" anchor="ctr"/>
-            <a:lstStyle/>
-            <a:p>
-              <a:pPr algn="ctr"/>
-              <a:endParaRPr lang="zh-CN" altLang="en-US"/>
-            </a:p>
-          </p:txBody>
-        </p:sp>
-        <p:sp>
-          <p:nvSpPr>
-            <p:cNvPr id="11" name="椭圆 10"/>
-            <p:cNvSpPr/>
-            <p:nvPr/>
-          </p:nvSpPr>
-          <p:spPr>
-            <a:xfrm>
-              <a:off x="3816350" y="2556714"/>
-              <a:ext cx="45830" cy="48887"/>
-            </a:xfrm>
-            <a:prstGeom prst="ellipse">
-              <a:avLst/>
-            </a:prstGeom>
-            <a:noFill/>
-            <a:ln>
-              <a:solidFill>
-                <a:schemeClr val="tx1"/>
-              </a:solidFill>
-            </a:ln>
-          </p:spPr>
-          <p:style>
-            <a:lnRef idx="2">
-              <a:schemeClr val="accent1">
-                <a:shade val="50000"/>
-              </a:schemeClr>
-            </a:lnRef>
-            <a:fillRef idx="1">
-              <a:schemeClr val="accent1"/>
-            </a:fillRef>
-            <a:effectRef idx="0">
-              <a:schemeClr val="accent1"/>
-            </a:effectRef>
-            <a:fontRef idx="minor">
-              <a:schemeClr val="lt1"/>
-            </a:fontRef>
-          </p:style>
-          <p:txBody>
-            <a:bodyPr rtlCol="0" anchor="ctr"/>
-            <a:lstStyle/>
-            <a:p>
-              <a:pPr algn="ctr"/>
-              <a:endParaRPr lang="zh-CN" altLang="en-US"/>
-            </a:p>
-          </p:txBody>
-        </p:sp>
-        <p:cxnSp>
-          <p:nvCxnSpPr>
-            <p:cNvPr id="13" name="直接连接符 12"/>
-            <p:cNvCxnSpPr>
-              <a:stCxn id="11" idx="3"/>
-            </p:cNvCxnSpPr>
-            <p:nvPr/>
-          </p:nvCxnSpPr>
-          <p:spPr>
-            <a:xfrm flipH="1">
-              <a:off x="3111021" y="2598442"/>
-              <a:ext cx="712041" cy="929922"/>
-            </a:xfrm>
-            <a:prstGeom prst="line">
-              <a:avLst/>
-            </a:prstGeom>
-          </p:spPr>
-          <p:style>
-            <a:lnRef idx="1">
-              <a:schemeClr val="dk1"/>
-            </a:lnRef>
-            <a:fillRef idx="0">
-              <a:schemeClr val="dk1"/>
-            </a:fillRef>
-            <a:effectRef idx="0">
-              <a:schemeClr val="dk1"/>
-            </a:effectRef>
-            <a:fontRef idx="minor">
-              <a:schemeClr val="tx1"/>
-            </a:fontRef>
-          </p:style>
-        </p:cxnSp>
-        <p:sp>
-          <p:nvSpPr>
-            <p:cNvPr id="22" name="文本框 21"/>
-            <p:cNvSpPr txBox="1"/>
-            <p:nvPr/>
-          </p:nvSpPr>
-          <p:spPr>
-            <a:xfrm>
-              <a:off x="2507907" y="2654481"/>
-              <a:ext cx="504856" cy="158375"/>
-            </a:xfrm>
-            <a:prstGeom prst="rect">
-              <a:avLst/>
-            </a:prstGeom>
-            <a:noFill/>
-          </p:spPr>
-          <p:txBody>
-            <a:bodyPr wrap="none" rtlCol="0">
-              <a:spAutoFit/>
-            </a:bodyPr>
-            <a:lstStyle/>
-            <a:p>
-              <a:r>
-                <a:rPr lang="en-US" altLang="zh-CN" sz="1200" dirty="0" smtClean="0">
-                  <a:latin typeface="Times New Roman" panose="02020603050405020304" pitchFamily="18" charset="0"/>
-                  <a:cs typeface="Times New Roman" panose="02020603050405020304" pitchFamily="18" charset="0"/>
-                </a:rPr>
-                <a:t>last frame</a:t>
-              </a:r>
-              <a:endParaRPr lang="zh-CN" altLang="en-US" sz="1200" dirty="0">
-                <a:latin typeface="Times New Roman" panose="02020603050405020304" pitchFamily="18" charset="0"/>
-                <a:cs typeface="Times New Roman" panose="02020603050405020304" pitchFamily="18" charset="0"/>
-              </a:endParaRPr>
-            </a:p>
-          </p:txBody>
-        </p:sp>
-        <p:sp>
-          <p:nvSpPr>
-            <p:cNvPr id="23" name="文本框 22"/>
-            <p:cNvSpPr txBox="1"/>
-            <p:nvPr/>
-          </p:nvSpPr>
-          <p:spPr>
-            <a:xfrm>
-              <a:off x="5271738" y="2469985"/>
-              <a:ext cx="1063797" cy="276829"/>
-            </a:xfrm>
-            <a:prstGeom prst="rect">
-              <a:avLst/>
-            </a:prstGeom>
-            <a:noFill/>
-          </p:spPr>
-          <p:txBody>
-            <a:bodyPr wrap="none" rtlCol="0">
-              <a:spAutoFit/>
-            </a:bodyPr>
-            <a:lstStyle/>
-            <a:p>
-              <a:r>
-                <a:rPr lang="en-US" altLang="zh-CN" sz="1200" dirty="0" smtClean="0">
-                  <a:latin typeface="Times New Roman" panose="02020603050405020304" pitchFamily="18" charset="0"/>
-                  <a:cs typeface="Times New Roman" panose="02020603050405020304" pitchFamily="18" charset="0"/>
-                </a:rPr>
-                <a:t>current</a:t>
-              </a:r>
-              <a:r>
-                <a:rPr lang="en-US" altLang="zh-CN" sz="1000" dirty="0" smtClean="0">
-                  <a:latin typeface="Times New Roman" panose="02020603050405020304" pitchFamily="18" charset="0"/>
-                  <a:cs typeface="Times New Roman" panose="02020603050405020304" pitchFamily="18" charset="0"/>
-                </a:rPr>
-                <a:t> </a:t>
-              </a:r>
-              <a:r>
-                <a:rPr lang="en-US" altLang="zh-CN" sz="1200" dirty="0" smtClean="0">
-                  <a:latin typeface="Times New Roman" panose="02020603050405020304" pitchFamily="18" charset="0"/>
-                  <a:cs typeface="Times New Roman" panose="02020603050405020304" pitchFamily="18" charset="0"/>
-                </a:rPr>
-                <a:t>frame</a:t>
-              </a:r>
-              <a:endParaRPr lang="zh-CN" altLang="en-US" sz="1000" dirty="0">
-                <a:latin typeface="Times New Roman" panose="02020603050405020304" pitchFamily="18" charset="0"/>
-                <a:cs typeface="Times New Roman" panose="02020603050405020304" pitchFamily="18" charset="0"/>
-              </a:endParaRPr>
-            </a:p>
-          </p:txBody>
-        </p:sp>
-        <mc:AlternateContent xmlns:mc="http://schemas.openxmlformats.org/markup-compatibility/2006">
-          <mc:Choice xmlns:a14="http://schemas.microsoft.com/office/drawing/2010/main" Requires="a14">
-            <p:sp>
-              <p:nvSpPr>
-                <p:cNvPr id="2" name="矩形 1"/>
-                <p:cNvSpPr/>
-                <p:nvPr/>
-              </p:nvSpPr>
-              <p:spPr>
-                <a:xfrm>
-                  <a:off x="2445402" y="2929417"/>
-                  <a:ext cx="462898" cy="276829"/>
-                </a:xfrm>
-                <a:prstGeom prst="rect">
-                  <a:avLst/>
-                </a:prstGeom>
-              </p:spPr>
-              <p:txBody>
-                <a:bodyPr wrap="square">
-                  <a:spAutoFit/>
-                </a:bodyPr>
-                <a:lstStyle/>
-                <a:p>
-                  <a:pPr/>
-                  <a14:m>
-                    <m:oMathPara xmlns:m="http://schemas.openxmlformats.org/officeDocument/2006/math">
-                      <m:oMathParaPr>
-                        <m:jc m:val="centerGroup"/>
-                      </m:oMathParaPr>
-                      <m:oMath xmlns:m="http://schemas.openxmlformats.org/officeDocument/2006/math">
-                        <m:sSub>
-                          <m:sSubPr>
-                            <m:ctrlPr>
-                              <a:rPr lang="zh-CN" altLang="en-US" sz="1200" i="1">
-                                <a:latin typeface="Cambria Math" panose="02040503050406030204" pitchFamily="18" charset="0"/>
-                              </a:rPr>
-                            </m:ctrlPr>
-                          </m:sSubPr>
-                          <m:e>
-                            <m:r>
-                              <a:rPr lang="zh-CN" altLang="en-US" sz="1200" i="1">
-                                <a:latin typeface="Cambria Math" panose="02040503050406030204" pitchFamily="18" charset="0"/>
-                              </a:rPr>
-                              <m:t>𝐼</m:t>
-                            </m:r>
-                          </m:e>
-                          <m:sub>
-                            <m:r>
-                              <a:rPr lang="zh-CN" altLang="en-US" sz="1200" i="1">
-                                <a:latin typeface="Cambria Math" panose="02040503050406030204" pitchFamily="18" charset="0"/>
-                              </a:rPr>
-                              <m:t>𝑘</m:t>
-                            </m:r>
-                            <m:r>
-                              <a:rPr lang="zh-CN" altLang="en-US" sz="1200" i="0">
-                                <a:latin typeface="Cambria Math" panose="02040503050406030204" pitchFamily="18" charset="0"/>
-                              </a:rPr>
-                              <m:t>−1</m:t>
-                            </m:r>
-                          </m:sub>
-                        </m:sSub>
-                      </m:oMath>
-                    </m:oMathPara>
-                  </a14:m>
-                  <a:endParaRPr lang="zh-CN" altLang="en-US" sz="1000" dirty="0"/>
-                </a:p>
-              </p:txBody>
-            </p:sp>
-          </mc:Choice>
-          <mc:Fallback>
-            <p:sp>
-              <p:nvSpPr>
-                <p:cNvPr id="2" name="矩形 1"/>
-                <p:cNvSpPr>
-                  <a:spLocks noRot="1" noChangeAspect="1" noMove="1" noResize="1" noEditPoints="1" noAdjustHandles="1" noChangeArrowheads="1" noChangeShapeType="1" noTextEdit="1"/>
-                </p:cNvSpPr>
-                <p:nvPr/>
-              </p:nvSpPr>
-              <p:spPr>
-                <a:xfrm>
-                  <a:off x="2445402" y="2929417"/>
-                  <a:ext cx="462898" cy="276829"/>
-                </a:xfrm>
-                <a:prstGeom prst="rect">
-                  <a:avLst/>
-                </a:prstGeom>
-                <a:blipFill>
-                  <a:blip r:embed="rId3"/>
-                  <a:stretch>
-                    <a:fillRect/>
-                  </a:stretch>
-                </a:blipFill>
-              </p:spPr>
-              <p:txBody>
-                <a:bodyPr/>
-                <a:lstStyle/>
-                <a:p>
-                  <a:r>
-                    <a:rPr lang="zh-CN" altLang="en-US">
-                      <a:noFill/>
-                    </a:rPr>
-                    <a:t> </a:t>
-                  </a:r>
-                </a:p>
-              </p:txBody>
-            </p:sp>
-          </mc:Fallback>
-        </mc:AlternateContent>
-        <mc:AlternateContent xmlns:mc="http://schemas.openxmlformats.org/markup-compatibility/2006">
-          <mc:Choice xmlns:a14="http://schemas.microsoft.com/office/drawing/2010/main" Requires="a14">
-            <p:sp>
-              <p:nvSpPr>
-                <p:cNvPr id="3" name="矩形 2"/>
-                <p:cNvSpPr/>
-                <p:nvPr/>
-              </p:nvSpPr>
-              <p:spPr>
-                <a:xfrm>
-                  <a:off x="4729611" y="3126750"/>
-                  <a:ext cx="368935" cy="276829"/>
-                </a:xfrm>
-                <a:prstGeom prst="rect">
-                  <a:avLst/>
-                </a:prstGeom>
-              </p:spPr>
-              <p:txBody>
-                <a:bodyPr wrap="none">
-                  <a:spAutoFit/>
-                </a:bodyPr>
-                <a:lstStyle/>
-                <a:p>
-                  <a:pPr/>
-                  <a14:m>
-                    <m:oMathPara xmlns:m="http://schemas.openxmlformats.org/officeDocument/2006/math">
-                      <m:oMathParaPr>
-                        <m:jc m:val="centerGroup"/>
-                      </m:oMathParaPr>
-                      <m:oMath xmlns:m="http://schemas.openxmlformats.org/officeDocument/2006/math">
-                        <m:sSub>
-                          <m:sSubPr>
-                            <m:ctrlPr>
-                              <a:rPr lang="zh-CN" altLang="en-US" sz="1200" i="1">
-                                <a:latin typeface="Cambria Math" panose="02040503050406030204" pitchFamily="18" charset="0"/>
-                              </a:rPr>
-                            </m:ctrlPr>
-                          </m:sSubPr>
-                          <m:e>
-                            <m:r>
-                              <a:rPr lang="zh-CN" altLang="en-US" sz="1200" i="1">
-                                <a:latin typeface="Cambria Math" panose="02040503050406030204" pitchFamily="18" charset="0"/>
-                              </a:rPr>
-                              <m:t>𝐼</m:t>
-                            </m:r>
-                          </m:e>
-                          <m:sub>
-                            <m:r>
-                              <a:rPr lang="zh-CN" altLang="en-US" sz="1200" i="1">
-                                <a:latin typeface="Cambria Math" panose="02040503050406030204" pitchFamily="18" charset="0"/>
-                              </a:rPr>
-                              <m:t>𝑘</m:t>
-                            </m:r>
-                          </m:sub>
-                        </m:sSub>
-                      </m:oMath>
-                    </m:oMathPara>
-                  </a14:m>
-                  <a:endParaRPr lang="zh-CN" altLang="en-US" sz="1000" dirty="0"/>
-                </a:p>
-              </p:txBody>
-            </p:sp>
-          </mc:Choice>
-          <mc:Fallback>
-            <p:sp>
-              <p:nvSpPr>
-                <p:cNvPr id="3" name="矩形 2"/>
-                <p:cNvSpPr>
-                  <a:spLocks noRot="1" noChangeAspect="1" noMove="1" noResize="1" noEditPoints="1" noAdjustHandles="1" noChangeArrowheads="1" noChangeShapeType="1" noTextEdit="1"/>
-                </p:cNvSpPr>
-                <p:nvPr/>
-              </p:nvSpPr>
-              <p:spPr>
-                <a:xfrm>
-                  <a:off x="4729611" y="3126750"/>
-                  <a:ext cx="368935" cy="276829"/>
-                </a:xfrm>
-                <a:prstGeom prst="rect">
-                  <a:avLst/>
-                </a:prstGeom>
-                <a:blipFill>
-                  <a:blip r:embed="rId4"/>
-                  <a:stretch>
-                    <a:fillRect/>
-                  </a:stretch>
-                </a:blipFill>
-              </p:spPr>
-              <p:txBody>
-                <a:bodyPr/>
-                <a:lstStyle/>
-                <a:p>
-                  <a:r>
-                    <a:rPr lang="zh-CN" altLang="en-US">
-                      <a:noFill/>
-                    </a:rPr>
-                    <a:t> </a:t>
-                  </a:r>
-                </a:p>
-              </p:txBody>
-            </p:sp>
-          </mc:Fallback>
-        </mc:AlternateContent>
-        <p:sp>
-          <p:nvSpPr>
-            <p:cNvPr id="10" name="平行四边形 9"/>
-            <p:cNvSpPr/>
-            <p:nvPr/>
-          </p:nvSpPr>
-          <p:spPr>
-            <a:xfrm rot="15927846" flipH="1">
-              <a:off x="5415743" y="3302263"/>
-              <a:ext cx="144473" cy="141417"/>
-            </a:xfrm>
-            <a:prstGeom prst="parallelogram">
-              <a:avLst/>
-            </a:prstGeom>
-            <a:noFill/>
-            <a:ln w="12700">
-              <a:solidFill>
-                <a:srgbClr val="0070C0"/>
-              </a:solidFill>
-            </a:ln>
-          </p:spPr>
-          <p:style>
-            <a:lnRef idx="2">
-              <a:schemeClr val="accent1">
-                <a:shade val="50000"/>
-              </a:schemeClr>
-            </a:lnRef>
-            <a:fillRef idx="1">
-              <a:schemeClr val="accent1"/>
-            </a:fillRef>
-            <a:effectRef idx="0">
-              <a:schemeClr val="accent1"/>
-            </a:effectRef>
-            <a:fontRef idx="minor">
-              <a:schemeClr val="lt1"/>
-            </a:fontRef>
-          </p:style>
-          <p:txBody>
-            <a:bodyPr rtlCol="0" anchor="ctr"/>
-            <a:lstStyle/>
-            <a:p>
-              <a:pPr algn="ctr"/>
-              <a:endParaRPr lang="zh-CN" altLang="en-US"/>
-            </a:p>
-          </p:txBody>
-        </p:sp>
-        <p:sp>
-          <p:nvSpPr>
-            <p:cNvPr id="17" name="下弧形箭头 16"/>
-            <p:cNvSpPr/>
-            <p:nvPr/>
-          </p:nvSpPr>
-          <p:spPr>
-            <a:xfrm>
-              <a:off x="3605537" y="3811649"/>
-              <a:ext cx="1551417" cy="266700"/>
-            </a:xfrm>
-            <a:prstGeom prst="curvedUpArrow">
-              <a:avLst/>
-            </a:prstGeom>
-            <a:noFill/>
-            <a:ln>
-              <a:solidFill>
-                <a:schemeClr val="tx1"/>
-              </a:solidFill>
-            </a:ln>
-          </p:spPr>
-          <p:style>
-            <a:lnRef idx="2">
-              <a:schemeClr val="accent1">
-                <a:shade val="50000"/>
-              </a:schemeClr>
-            </a:lnRef>
-            <a:fillRef idx="1">
-              <a:schemeClr val="accent1"/>
-            </a:fillRef>
-            <a:effectRef idx="0">
-              <a:schemeClr val="accent1"/>
-            </a:effectRef>
-            <a:fontRef idx="minor">
-              <a:schemeClr val="lt1"/>
-            </a:fontRef>
-          </p:style>
-          <p:txBody>
-            <a:bodyPr rtlCol="0" anchor="ctr"/>
-            <a:lstStyle/>
-            <a:p>
-              <a:pPr algn="ctr"/>
-              <a:endParaRPr lang="zh-CN" altLang="en-US">
-                <a:solidFill>
-                  <a:schemeClr val="tx1"/>
-                </a:solidFill>
-              </a:endParaRPr>
-            </a:p>
-          </p:txBody>
-        </p:sp>
-        <mc:AlternateContent xmlns:mc="http://schemas.openxmlformats.org/markup-compatibility/2006">
-          <mc:Choice xmlns:a14="http://schemas.microsoft.com/office/drawing/2010/main" Requires="a14">
-            <p:graphicFrame>
-              <p:nvGraphicFramePr>
-                <p:cNvPr id="35" name="对象 34"/>
-                <p:cNvGraphicFramePr>
-                  <a:graphicFrameLocks noChangeAspect="1"/>
-                </p:cNvGraphicFramePr>
-                <p:nvPr>
-                  <p:extLst>
-                    <p:ext uri="{D42A27DB-BD31-4B8C-83A1-F6EECF244321}">
-                      <p14:modId xmlns:p14="http://schemas.microsoft.com/office/powerpoint/2010/main" val="2639161570"/>
-                    </p:ext>
-                  </p:extLst>
-                </p:nvPr>
-              </p:nvGraphicFramePr>
-              <p:xfrm>
-                <a:off x="4244174" y="3810312"/>
-                <a:ext cx="283375" cy="226700"/>
-              </p:xfrm>
-              <a:graphic>
-                <a:graphicData uri="http://schemas.openxmlformats.org/presentationml/2006/ole">
-                  <mc:AlternateContent>
-                    <mc:Choice xmlns:v="urn:schemas-microsoft-com:vml" Requires="v">
-                      <p:oleObj spid="_x0000_s1058" name="Equation" r:id="rId5" imgW="253800" imgH="203040" progId="Equation.DSMT4">
-                        <p:embed/>
-                      </p:oleObj>
-                    </mc:Choice>
-                    <mc:Fallback>
-                      <p:oleObj name="Equation" r:id="rId5" imgW="253800" imgH="203040" progId="Equation.DSMT4">
-                        <p:embed/>
-                        <p:pic>
-                          <p:nvPicPr>
-                            <p:cNvPr id="0" name=""/>
-                            <p:cNvPicPr/>
-                            <p:nvPr/>
-                          </p:nvPicPr>
-                          <p:blipFill>
-                            <a:blip r:embed="rId6"/>
-                            <a:stretch>
-                              <a:fillRect/>
-                            </a:stretch>
-                          </p:blipFill>
-                          <p:spPr>
-                            <a:xfrm>
-                              <a:off x="4244174" y="3810312"/>
-                              <a:ext cx="283375" cy="226700"/>
-                            </a:xfrm>
-                            <a:prstGeom prst="rect">
-                              <a:avLst/>
-                            </a:prstGeom>
-                          </p:spPr>
-                        </p:pic>
-                      </p:oleObj>
-                    </mc:Fallback>
-                  </mc:AlternateContent>
-                </a:graphicData>
-              </a:graphic>
-            </p:graphicFrame>
-          </mc:Choice>
-          <mc:Fallback>
-            <p:graphicFrame>
-              <p:nvGraphicFramePr>
-                <p:cNvPr id="35" name="对象 34"/>
-                <p:cNvGraphicFramePr>
-                  <a:graphicFrameLocks noChangeAspect="1"/>
-                </p:cNvGraphicFramePr>
-                <p:nvPr>
-                  <p:extLst>
-                    <p:ext uri="{D42A27DB-BD31-4B8C-83A1-F6EECF244321}">
-                      <p14:modId xmlns:p14="http://schemas.microsoft.com/office/powerpoint/2010/main" val="2639161570"/>
-                    </p:ext>
-                  </p:extLst>
-                </p:nvPr>
-              </p:nvGraphicFramePr>
-              <p:xfrm>
-                <a:off x="4244174" y="3810312"/>
-                <a:ext cx="283375" cy="226700"/>
-              </p:xfrm>
-              <a:graphic>
-                <a:graphicData uri="http://schemas.openxmlformats.org/presentationml/2006/ole">
-                  <mc:AlternateContent>
-                    <mc:Choice xmlns:v="urn:schemas-microsoft-com:vml" Requires="v">
-                      <p:oleObj spid="_x0000_s1058" name="Equation" r:id="rId5" imgW="253800" imgH="203040" progId="Equation.DSMT4">
-                        <p:embed/>
-                      </p:oleObj>
-                    </mc:Choice>
-                    <mc:Fallback>
-                      <p:oleObj name="Equation" r:id="rId5" imgW="253800" imgH="203040" progId="Equation.DSMT4">
-                        <p:embed/>
-                        <p:pic>
-                          <p:nvPicPr>
-                            <p:cNvPr id="0" name=""/>
-                            <p:cNvPicPr/>
-                            <p:nvPr/>
-                          </p:nvPicPr>
-                          <p:blipFill>
-                            <a:blip r:embed="rId6"/>
-                            <a:stretch>
-                              <a:fillRect/>
-                            </a:stretch>
-                          </p:blipFill>
-                          <p:spPr>
-                            <a:xfrm>
-                              <a:off x="4244174" y="3810312"/>
-                              <a:ext cx="283375" cy="226700"/>
-                            </a:xfrm>
-                            <a:prstGeom prst="rect">
-                              <a:avLst/>
-                            </a:prstGeom>
-                          </p:spPr>
-                        </p:pic>
-                      </p:oleObj>
-                    </mc:Fallback>
-                  </mc:AlternateContent>
-                </a:graphicData>
-              </a:graphic>
-            </p:graphicFrame>
-          </mc:Fallback>
-        </mc:AlternateContent>
-        <mc:AlternateContent xmlns:mc="http://schemas.openxmlformats.org/markup-compatibility/2006">
-          <mc:Choice xmlns:a14="http://schemas.microsoft.com/office/drawing/2010/main" Requires="a14">
-            <p:graphicFrame>
-              <p:nvGraphicFramePr>
-                <p:cNvPr id="37" name="对象 36"/>
-                <p:cNvGraphicFramePr>
-                  <a:graphicFrameLocks noChangeAspect="1"/>
-                </p:cNvGraphicFramePr>
-                <p:nvPr>
-                  <p:extLst>
-                    <p:ext uri="{D42A27DB-BD31-4B8C-83A1-F6EECF244321}">
-                      <p14:modId xmlns:p14="http://schemas.microsoft.com/office/powerpoint/2010/main" val="4240027195"/>
-                    </p:ext>
-                  </p:extLst>
-                </p:nvPr>
-              </p:nvGraphicFramePr>
-              <p:xfrm>
-                <a:off x="4148956" y="4062696"/>
-                <a:ext cx="505594" cy="221968"/>
-              </p:xfrm>
-              <a:graphic>
-                <a:graphicData uri="http://schemas.openxmlformats.org/presentationml/2006/ole">
-                  <mc:AlternateContent>
-                    <mc:Choice xmlns:v="urn:schemas-microsoft-com:vml" Requires="v">
-                      <p:oleObj spid="_x0000_s1059" name="Equation" r:id="rId7" imgW="520560" imgH="228600" progId="Equation.DSMT4">
-                        <p:embed/>
-                      </p:oleObj>
-                    </mc:Choice>
-                    <mc:Fallback>
-                      <p:oleObj name="Equation" r:id="rId7" imgW="520560" imgH="228600" progId="Equation.DSMT4">
-                        <p:embed/>
-                        <p:pic>
-                          <p:nvPicPr>
-                            <p:cNvPr id="0" name=""/>
-                            <p:cNvPicPr/>
-                            <p:nvPr/>
-                          </p:nvPicPr>
-                          <p:blipFill>
-                            <a:blip r:embed="rId8"/>
-                            <a:stretch>
-                              <a:fillRect/>
-                            </a:stretch>
-                          </p:blipFill>
-                          <p:spPr>
-                            <a:xfrm>
-                              <a:off x="4148956" y="4062696"/>
-                              <a:ext cx="505594" cy="221968"/>
-                            </a:xfrm>
-                            <a:prstGeom prst="rect">
-                              <a:avLst/>
-                            </a:prstGeom>
-                          </p:spPr>
-                        </p:pic>
-                      </p:oleObj>
-                    </mc:Fallback>
-                  </mc:AlternateContent>
-                </a:graphicData>
-              </a:graphic>
-            </p:graphicFrame>
-          </mc:Choice>
-          <mc:Fallback>
-            <p:graphicFrame>
-              <p:nvGraphicFramePr>
-                <p:cNvPr id="37" name="对象 36"/>
-                <p:cNvGraphicFramePr>
-                  <a:graphicFrameLocks noChangeAspect="1"/>
-                </p:cNvGraphicFramePr>
-                <p:nvPr>
-                  <p:extLst>
-                    <p:ext uri="{D42A27DB-BD31-4B8C-83A1-F6EECF244321}">
-                      <p14:modId xmlns:p14="http://schemas.microsoft.com/office/powerpoint/2010/main" val="4240027195"/>
-                    </p:ext>
-                  </p:extLst>
-                </p:nvPr>
-              </p:nvGraphicFramePr>
-              <p:xfrm>
-                <a:off x="4148956" y="4062696"/>
-                <a:ext cx="505594" cy="221968"/>
-              </p:xfrm>
-              <a:graphic>
-                <a:graphicData uri="http://schemas.openxmlformats.org/presentationml/2006/ole">
-                  <mc:AlternateContent>
-                    <mc:Choice xmlns:v="urn:schemas-microsoft-com:vml" Requires="v">
-                      <p:oleObj spid="_x0000_s1059" name="Equation" r:id="rId7" imgW="520560" imgH="228600" progId="Equation.DSMT4">
-                        <p:embed/>
-                      </p:oleObj>
-                    </mc:Choice>
-                    <mc:Fallback>
-                      <p:oleObj name="Equation" r:id="rId7" imgW="520560" imgH="228600" progId="Equation.DSMT4">
-                        <p:embed/>
-                        <p:pic>
-                          <p:nvPicPr>
-                            <p:cNvPr id="0" name=""/>
-                            <p:cNvPicPr/>
-                            <p:nvPr/>
-                          </p:nvPicPr>
-                          <p:blipFill>
-                            <a:blip r:embed="rId8"/>
-                            <a:stretch>
-                              <a:fillRect/>
-                            </a:stretch>
-                          </p:blipFill>
-                          <p:spPr>
-                            <a:xfrm>
-                              <a:off x="4148956" y="4062696"/>
-                              <a:ext cx="505594" cy="221968"/>
-                            </a:xfrm>
-                            <a:prstGeom prst="rect">
-                              <a:avLst/>
-                            </a:prstGeom>
-                          </p:spPr>
-                        </p:pic>
-                      </p:oleObj>
-                    </mc:Fallback>
-                  </mc:AlternateContent>
-                </a:graphicData>
-              </a:graphic>
-            </p:graphicFrame>
-          </mc:Fallback>
-        </mc:AlternateContent>
         <p:grpSp>
           <p:nvGrpSpPr>
-            <p:cNvPr id="14" name="组合 13"/>
+            <p:cNvPr id="85" name="组合 84"/>
             <p:cNvGrpSpPr/>
             <p:nvPr/>
           </p:nvGrpSpPr>
           <p:grpSpPr>
             <a:xfrm>
-              <a:off x="2959022" y="2052559"/>
-              <a:ext cx="711573" cy="572632"/>
-              <a:chOff x="3140408" y="1817141"/>
-              <a:chExt cx="711573" cy="572632"/>
+              <a:off x="3585185" y="2420443"/>
+              <a:ext cx="3794785" cy="2233473"/>
+              <a:chOff x="2422632" y="2052559"/>
+              <a:chExt cx="3977142" cy="2232105"/>
             </a:xfrm>
           </p:grpSpPr>
+          <p:sp>
+            <p:nvSpPr>
+              <p:cNvPr id="4" name="平行四边形 3"/>
+              <p:cNvSpPr/>
+              <p:nvPr/>
+            </p:nvSpPr>
+            <p:spPr>
+              <a:xfrm rot="5400000">
+                <a:off x="2567151" y="2714295"/>
+                <a:ext cx="1366344" cy="1655381"/>
+              </a:xfrm>
+              <a:prstGeom prst="parallelogram">
+                <a:avLst/>
+              </a:prstGeom>
+              <a:noFill/>
+              <a:ln w="19050">
+                <a:solidFill>
+                  <a:schemeClr val="tx1"/>
+                </a:solidFill>
+              </a:ln>
+            </p:spPr>
+            <p:style>
+              <a:lnRef idx="2">
+                <a:schemeClr val="accent1">
+                  <a:shade val="50000"/>
+                </a:schemeClr>
+              </a:lnRef>
+              <a:fillRef idx="1">
+                <a:schemeClr val="accent1"/>
+              </a:fillRef>
+              <a:effectRef idx="0">
+                <a:schemeClr val="accent1"/>
+              </a:effectRef>
+              <a:fontRef idx="minor">
+                <a:schemeClr val="lt1"/>
+              </a:fontRef>
+            </p:style>
+            <p:txBody>
+              <a:bodyPr rtlCol="0" anchor="ctr"/>
+              <a:lstStyle/>
+              <a:p>
+                <a:pPr algn="ctr"/>
+                <a:endParaRPr lang="zh-CN" altLang="en-US"/>
+              </a:p>
+            </p:txBody>
+          </p:sp>
+          <p:sp>
+            <p:nvSpPr>
+              <p:cNvPr id="7" name="平行四边形 6"/>
+              <p:cNvSpPr/>
+              <p:nvPr/>
+            </p:nvSpPr>
+            <p:spPr>
+              <a:xfrm rot="15927846" flipH="1">
+                <a:off x="4810435" y="2570531"/>
+                <a:ext cx="1469392" cy="1709287"/>
+              </a:xfrm>
+              <a:prstGeom prst="parallelogram">
+                <a:avLst/>
+              </a:prstGeom>
+              <a:noFill/>
+              <a:ln w="19050">
+                <a:solidFill>
+                  <a:schemeClr val="tx1"/>
+                </a:solidFill>
+              </a:ln>
+            </p:spPr>
+            <p:style>
+              <a:lnRef idx="2">
+                <a:schemeClr val="accent1">
+                  <a:shade val="50000"/>
+                </a:schemeClr>
+              </a:lnRef>
+              <a:fillRef idx="1">
+                <a:schemeClr val="accent1"/>
+              </a:fillRef>
+              <a:effectRef idx="0">
+                <a:schemeClr val="accent1"/>
+              </a:effectRef>
+              <a:fontRef idx="minor">
+                <a:schemeClr val="lt1"/>
+              </a:fontRef>
+            </p:style>
+            <p:txBody>
+              <a:bodyPr rtlCol="0" anchor="ctr"/>
+              <a:lstStyle/>
+              <a:p>
+                <a:pPr algn="ctr"/>
+                <a:endParaRPr lang="zh-CN" altLang="en-US"/>
+              </a:p>
+            </p:txBody>
+          </p:sp>
+          <p:sp>
+            <p:nvSpPr>
+              <p:cNvPr id="9" name="平行四边形 8"/>
+              <p:cNvSpPr/>
+              <p:nvPr/>
+            </p:nvSpPr>
+            <p:spPr>
+              <a:xfrm rot="5400000">
+                <a:off x="3040773" y="3450575"/>
+                <a:ext cx="152400" cy="152400"/>
+              </a:xfrm>
+              <a:prstGeom prst="parallelogram">
+                <a:avLst/>
+              </a:prstGeom>
+              <a:noFill/>
+              <a:ln w="12700">
+                <a:solidFill>
+                  <a:schemeClr val="tx1"/>
+                </a:solidFill>
+              </a:ln>
+            </p:spPr>
+            <p:style>
+              <a:lnRef idx="2">
+                <a:schemeClr val="accent1">
+                  <a:shade val="50000"/>
+                </a:schemeClr>
+              </a:lnRef>
+              <a:fillRef idx="1">
+                <a:schemeClr val="accent1"/>
+              </a:fillRef>
+              <a:effectRef idx="0">
+                <a:schemeClr val="accent1"/>
+              </a:effectRef>
+              <a:fontRef idx="minor">
+                <a:schemeClr val="lt1"/>
+              </a:fontRef>
+            </p:style>
+            <p:txBody>
+              <a:bodyPr rtlCol="0" anchor="ctr"/>
+              <a:lstStyle/>
+              <a:p>
+                <a:pPr algn="ctr"/>
+                <a:endParaRPr lang="zh-CN" altLang="en-US"/>
+              </a:p>
+            </p:txBody>
+          </p:sp>
+          <p:sp>
+            <p:nvSpPr>
+              <p:cNvPr id="11" name="椭圆 10"/>
+              <p:cNvSpPr/>
+              <p:nvPr/>
+            </p:nvSpPr>
+            <p:spPr>
+              <a:xfrm>
+                <a:off x="3816350" y="2556714"/>
+                <a:ext cx="45830" cy="48887"/>
+              </a:xfrm>
+              <a:prstGeom prst="ellipse">
+                <a:avLst/>
+              </a:prstGeom>
+              <a:noFill/>
+              <a:ln>
+                <a:solidFill>
+                  <a:schemeClr val="tx1"/>
+                </a:solidFill>
+              </a:ln>
+            </p:spPr>
+            <p:style>
+              <a:lnRef idx="2">
+                <a:schemeClr val="accent1">
+                  <a:shade val="50000"/>
+                </a:schemeClr>
+              </a:lnRef>
+              <a:fillRef idx="1">
+                <a:schemeClr val="accent1"/>
+              </a:fillRef>
+              <a:effectRef idx="0">
+                <a:schemeClr val="accent1"/>
+              </a:effectRef>
+              <a:fontRef idx="minor">
+                <a:schemeClr val="lt1"/>
+              </a:fontRef>
+            </p:style>
+            <p:txBody>
+              <a:bodyPr rtlCol="0" anchor="ctr"/>
+              <a:lstStyle/>
+              <a:p>
+                <a:pPr algn="ctr"/>
+                <a:endParaRPr lang="zh-CN" altLang="en-US"/>
+              </a:p>
+            </p:txBody>
+          </p:sp>
+          <p:cxnSp>
+            <p:nvCxnSpPr>
+              <p:cNvPr id="13" name="直接连接符 12"/>
+              <p:cNvCxnSpPr>
+                <a:stCxn id="11" idx="3"/>
+              </p:cNvCxnSpPr>
+              <p:nvPr/>
+            </p:nvCxnSpPr>
+            <p:spPr>
+              <a:xfrm flipH="1">
+                <a:off x="3111021" y="2598442"/>
+                <a:ext cx="712041" cy="929922"/>
+              </a:xfrm>
+              <a:prstGeom prst="line">
+                <a:avLst/>
+              </a:prstGeom>
+            </p:spPr>
+            <p:style>
+              <a:lnRef idx="1">
+                <a:schemeClr val="dk1"/>
+              </a:lnRef>
+              <a:fillRef idx="0">
+                <a:schemeClr val="dk1"/>
+              </a:fillRef>
+              <a:effectRef idx="0">
+                <a:schemeClr val="dk1"/>
+              </a:effectRef>
+              <a:fontRef idx="minor">
+                <a:schemeClr val="tx1"/>
+              </a:fontRef>
+            </p:style>
+          </p:cxnSp>
+          <p:sp>
+            <p:nvSpPr>
+              <p:cNvPr id="22" name="文本框 21"/>
+              <p:cNvSpPr txBox="1"/>
+              <p:nvPr/>
+            </p:nvSpPr>
+            <p:spPr>
+              <a:xfrm>
+                <a:off x="2507907" y="2654481"/>
+                <a:ext cx="504856" cy="158375"/>
+              </a:xfrm>
+              <a:prstGeom prst="rect">
+                <a:avLst/>
+              </a:prstGeom>
+              <a:noFill/>
+            </p:spPr>
+            <p:txBody>
+              <a:bodyPr wrap="none" rtlCol="0">
+                <a:spAutoFit/>
+              </a:bodyPr>
+              <a:lstStyle/>
+              <a:p>
+                <a:r>
+                  <a:rPr lang="en-US" altLang="zh-CN" sz="1200" dirty="0" smtClean="0">
+                    <a:latin typeface="Times New Roman" panose="02020603050405020304" pitchFamily="18" charset="0"/>
+                    <a:cs typeface="Times New Roman" panose="02020603050405020304" pitchFamily="18" charset="0"/>
+                  </a:rPr>
+                  <a:t>last frame</a:t>
+                </a:r>
+                <a:endParaRPr lang="zh-CN" altLang="en-US" sz="1200" dirty="0">
+                  <a:latin typeface="Times New Roman" panose="02020603050405020304" pitchFamily="18" charset="0"/>
+                  <a:cs typeface="Times New Roman" panose="02020603050405020304" pitchFamily="18" charset="0"/>
+                </a:endParaRPr>
+              </a:p>
+            </p:txBody>
+          </p:sp>
+          <p:sp>
+            <p:nvSpPr>
+              <p:cNvPr id="23" name="文本框 22"/>
+              <p:cNvSpPr txBox="1"/>
+              <p:nvPr/>
+            </p:nvSpPr>
+            <p:spPr>
+              <a:xfrm>
+                <a:off x="5271738" y="2469985"/>
+                <a:ext cx="1063797" cy="276829"/>
+              </a:xfrm>
+              <a:prstGeom prst="rect">
+                <a:avLst/>
+              </a:prstGeom>
+              <a:noFill/>
+            </p:spPr>
+            <p:txBody>
+              <a:bodyPr wrap="none" rtlCol="0">
+                <a:spAutoFit/>
+              </a:bodyPr>
+              <a:lstStyle/>
+              <a:p>
+                <a:r>
+                  <a:rPr lang="en-US" altLang="zh-CN" sz="1200" dirty="0" smtClean="0">
+                    <a:latin typeface="Times New Roman" panose="02020603050405020304" pitchFamily="18" charset="0"/>
+                    <a:cs typeface="Times New Roman" panose="02020603050405020304" pitchFamily="18" charset="0"/>
+                  </a:rPr>
+                  <a:t>current</a:t>
+                </a:r>
+                <a:r>
+                  <a:rPr lang="en-US" altLang="zh-CN" sz="1000" dirty="0" smtClean="0">
+                    <a:latin typeface="Times New Roman" panose="02020603050405020304" pitchFamily="18" charset="0"/>
+                    <a:cs typeface="Times New Roman" panose="02020603050405020304" pitchFamily="18" charset="0"/>
+                  </a:rPr>
+                  <a:t> </a:t>
+                </a:r>
+                <a:r>
+                  <a:rPr lang="en-US" altLang="zh-CN" sz="1200" dirty="0" smtClean="0">
+                    <a:latin typeface="Times New Roman" panose="02020603050405020304" pitchFamily="18" charset="0"/>
+                    <a:cs typeface="Times New Roman" panose="02020603050405020304" pitchFamily="18" charset="0"/>
+                  </a:rPr>
+                  <a:t>frame</a:t>
+                </a:r>
+                <a:endParaRPr lang="zh-CN" altLang="en-US" sz="1000" dirty="0">
+                  <a:latin typeface="Times New Roman" panose="02020603050405020304" pitchFamily="18" charset="0"/>
+                  <a:cs typeface="Times New Roman" panose="02020603050405020304" pitchFamily="18" charset="0"/>
+                </a:endParaRPr>
+              </a:p>
+            </p:txBody>
+          </p:sp>
+          <mc:AlternateContent xmlns:mc="http://schemas.openxmlformats.org/markup-compatibility/2006">
+            <mc:Choice xmlns:a14="http://schemas.microsoft.com/office/drawing/2010/main" Requires="a14">
+              <p:sp>
+                <p:nvSpPr>
+                  <p:cNvPr id="2" name="矩形 1"/>
+                  <p:cNvSpPr/>
+                  <p:nvPr/>
+                </p:nvSpPr>
+                <p:spPr>
+                  <a:xfrm>
+                    <a:off x="2445402" y="2929417"/>
+                    <a:ext cx="462898" cy="276829"/>
+                  </a:xfrm>
+                  <a:prstGeom prst="rect">
+                    <a:avLst/>
+                  </a:prstGeom>
+                </p:spPr>
+                <p:txBody>
+                  <a:bodyPr wrap="square">
+                    <a:spAutoFit/>
+                  </a:bodyPr>
+                  <a:lstStyle/>
+                  <a:p>
+                    <a:pPr/>
+                    <a14:m>
+                      <m:oMathPara xmlns:m="http://schemas.openxmlformats.org/officeDocument/2006/math">
+                        <m:oMathParaPr>
+                          <m:jc m:val="centerGroup"/>
+                        </m:oMathParaPr>
+                        <m:oMath xmlns:m="http://schemas.openxmlformats.org/officeDocument/2006/math">
+                          <m:sSub>
+                            <m:sSubPr>
+                              <m:ctrlPr>
+                                <a:rPr lang="zh-CN" altLang="en-US" sz="1200" i="1">
+                                  <a:latin typeface="Cambria Math" panose="02040503050406030204" pitchFamily="18" charset="0"/>
+                                </a:rPr>
+                              </m:ctrlPr>
+                            </m:sSubPr>
+                            <m:e>
+                              <m:r>
+                                <a:rPr lang="zh-CN" altLang="en-US" sz="1200" i="1">
+                                  <a:latin typeface="Cambria Math" panose="02040503050406030204" pitchFamily="18" charset="0"/>
+                                </a:rPr>
+                                <m:t>𝐼</m:t>
+                              </m:r>
+                            </m:e>
+                            <m:sub>
+                              <m:r>
+                                <a:rPr lang="zh-CN" altLang="en-US" sz="1200" i="1">
+                                  <a:latin typeface="Cambria Math" panose="02040503050406030204" pitchFamily="18" charset="0"/>
+                                </a:rPr>
+                                <m:t>𝑘</m:t>
+                              </m:r>
+                              <m:r>
+                                <a:rPr lang="zh-CN" altLang="en-US" sz="1200" i="0">
+                                  <a:latin typeface="Cambria Math" panose="02040503050406030204" pitchFamily="18" charset="0"/>
+                                </a:rPr>
+                                <m:t>−1</m:t>
+                              </m:r>
+                            </m:sub>
+                          </m:sSub>
+                        </m:oMath>
+                      </m:oMathPara>
+                    </a14:m>
+                    <a:endParaRPr lang="zh-CN" altLang="en-US" sz="1000" dirty="0"/>
+                  </a:p>
+                </p:txBody>
+              </p:sp>
+            </mc:Choice>
+            <mc:Fallback>
+              <p:sp>
+                <p:nvSpPr>
+                  <p:cNvPr id="2" name="矩形 1"/>
+                  <p:cNvSpPr>
+                    <a:spLocks noRot="1" noChangeAspect="1" noMove="1" noResize="1" noEditPoints="1" noAdjustHandles="1" noChangeArrowheads="1" noChangeShapeType="1" noTextEdit="1"/>
+                  </p:cNvSpPr>
+                  <p:nvPr/>
+                </p:nvSpPr>
+                <p:spPr>
+                  <a:xfrm>
+                    <a:off x="2445402" y="2929417"/>
+                    <a:ext cx="462898" cy="276829"/>
+                  </a:xfrm>
+                  <a:prstGeom prst="rect">
+                    <a:avLst/>
+                  </a:prstGeom>
+                  <a:blipFill>
+                    <a:blip r:embed="rId3"/>
+                    <a:stretch>
+                      <a:fillRect/>
+                    </a:stretch>
+                  </a:blipFill>
+                </p:spPr>
+                <p:txBody>
+                  <a:bodyPr/>
+                  <a:lstStyle/>
+                  <a:p>
+                    <a:r>
+                      <a:rPr lang="zh-CN" altLang="en-US">
+                        <a:noFill/>
+                      </a:rPr>
+                      <a:t> </a:t>
+                    </a:r>
+                  </a:p>
+                </p:txBody>
+              </p:sp>
+            </mc:Fallback>
+          </mc:AlternateContent>
+          <mc:AlternateContent xmlns:mc="http://schemas.openxmlformats.org/markup-compatibility/2006">
+            <mc:Choice xmlns:a14="http://schemas.microsoft.com/office/drawing/2010/main" Requires="a14">
+              <p:sp>
+                <p:nvSpPr>
+                  <p:cNvPr id="3" name="矩形 2"/>
+                  <p:cNvSpPr/>
+                  <p:nvPr/>
+                </p:nvSpPr>
+                <p:spPr>
+                  <a:xfrm>
+                    <a:off x="4729611" y="3126750"/>
+                    <a:ext cx="368935" cy="276829"/>
+                  </a:xfrm>
+                  <a:prstGeom prst="rect">
+                    <a:avLst/>
+                  </a:prstGeom>
+                </p:spPr>
+                <p:txBody>
+                  <a:bodyPr wrap="none">
+                    <a:spAutoFit/>
+                  </a:bodyPr>
+                  <a:lstStyle/>
+                  <a:p>
+                    <a:pPr/>
+                    <a14:m>
+                      <m:oMathPara xmlns:m="http://schemas.openxmlformats.org/officeDocument/2006/math">
+                        <m:oMathParaPr>
+                          <m:jc m:val="centerGroup"/>
+                        </m:oMathParaPr>
+                        <m:oMath xmlns:m="http://schemas.openxmlformats.org/officeDocument/2006/math">
+                          <m:sSub>
+                            <m:sSubPr>
+                              <m:ctrlPr>
+                                <a:rPr lang="zh-CN" altLang="en-US" sz="1200" i="1">
+                                  <a:latin typeface="Cambria Math" panose="02040503050406030204" pitchFamily="18" charset="0"/>
+                                </a:rPr>
+                              </m:ctrlPr>
+                            </m:sSubPr>
+                            <m:e>
+                              <m:r>
+                                <a:rPr lang="zh-CN" altLang="en-US" sz="1200" i="1">
+                                  <a:latin typeface="Cambria Math" panose="02040503050406030204" pitchFamily="18" charset="0"/>
+                                </a:rPr>
+                                <m:t>𝐼</m:t>
+                              </m:r>
+                            </m:e>
+                            <m:sub>
+                              <m:r>
+                                <a:rPr lang="zh-CN" altLang="en-US" sz="1200" i="1">
+                                  <a:latin typeface="Cambria Math" panose="02040503050406030204" pitchFamily="18" charset="0"/>
+                                </a:rPr>
+                                <m:t>𝑘</m:t>
+                              </m:r>
+                            </m:sub>
+                          </m:sSub>
+                        </m:oMath>
+                      </m:oMathPara>
+                    </a14:m>
+                    <a:endParaRPr lang="zh-CN" altLang="en-US" sz="1000" dirty="0"/>
+                  </a:p>
+                </p:txBody>
+              </p:sp>
+            </mc:Choice>
+            <mc:Fallback>
+              <p:sp>
+                <p:nvSpPr>
+                  <p:cNvPr id="3" name="矩形 2"/>
+                  <p:cNvSpPr>
+                    <a:spLocks noRot="1" noChangeAspect="1" noMove="1" noResize="1" noEditPoints="1" noAdjustHandles="1" noChangeArrowheads="1" noChangeShapeType="1" noTextEdit="1"/>
+                  </p:cNvSpPr>
+                  <p:nvPr/>
+                </p:nvSpPr>
+                <p:spPr>
+                  <a:xfrm>
+                    <a:off x="4729611" y="3126750"/>
+                    <a:ext cx="368935" cy="276829"/>
+                  </a:xfrm>
+                  <a:prstGeom prst="rect">
+                    <a:avLst/>
+                  </a:prstGeom>
+                  <a:blipFill>
+                    <a:blip r:embed="rId4"/>
+                    <a:stretch>
+                      <a:fillRect/>
+                    </a:stretch>
+                  </a:blipFill>
+                </p:spPr>
+                <p:txBody>
+                  <a:bodyPr/>
+                  <a:lstStyle/>
+                  <a:p>
+                    <a:r>
+                      <a:rPr lang="zh-CN" altLang="en-US">
+                        <a:noFill/>
+                      </a:rPr>
+                      <a:t> </a:t>
+                    </a:r>
+                  </a:p>
+                </p:txBody>
+              </p:sp>
+            </mc:Fallback>
+          </mc:AlternateContent>
+          <p:sp>
+            <p:nvSpPr>
+              <p:cNvPr id="10" name="平行四边形 9"/>
+              <p:cNvSpPr/>
+              <p:nvPr/>
+            </p:nvSpPr>
+            <p:spPr>
+              <a:xfrm rot="15927846" flipH="1">
+                <a:off x="5415743" y="3302263"/>
+                <a:ext cx="144473" cy="141417"/>
+              </a:xfrm>
+              <a:prstGeom prst="parallelogram">
+                <a:avLst/>
+              </a:prstGeom>
+              <a:noFill/>
+              <a:ln w="12700">
+                <a:solidFill>
+                  <a:srgbClr val="0070C0"/>
+                </a:solidFill>
+              </a:ln>
+            </p:spPr>
+            <p:style>
+              <a:lnRef idx="2">
+                <a:schemeClr val="accent1">
+                  <a:shade val="50000"/>
+                </a:schemeClr>
+              </a:lnRef>
+              <a:fillRef idx="1">
+                <a:schemeClr val="accent1"/>
+              </a:fillRef>
+              <a:effectRef idx="0">
+                <a:schemeClr val="accent1"/>
+              </a:effectRef>
+              <a:fontRef idx="minor">
+                <a:schemeClr val="lt1"/>
+              </a:fontRef>
+            </p:style>
+            <p:txBody>
+              <a:bodyPr rtlCol="0" anchor="ctr"/>
+              <a:lstStyle/>
+              <a:p>
+                <a:pPr algn="ctr"/>
+                <a:endParaRPr lang="zh-CN" altLang="en-US"/>
+              </a:p>
+            </p:txBody>
+          </p:sp>
+          <p:sp>
+            <p:nvSpPr>
+              <p:cNvPr id="17" name="下弧形箭头 16"/>
+              <p:cNvSpPr/>
+              <p:nvPr/>
+            </p:nvSpPr>
+            <p:spPr>
+              <a:xfrm>
+                <a:off x="3605537" y="3811649"/>
+                <a:ext cx="1551417" cy="266700"/>
+              </a:xfrm>
+              <a:prstGeom prst="curvedUpArrow">
+                <a:avLst/>
+              </a:prstGeom>
+              <a:noFill/>
+              <a:ln>
+                <a:solidFill>
+                  <a:schemeClr val="tx1"/>
+                </a:solidFill>
+              </a:ln>
+            </p:spPr>
+            <p:style>
+              <a:lnRef idx="2">
+                <a:schemeClr val="accent1">
+                  <a:shade val="50000"/>
+                </a:schemeClr>
+              </a:lnRef>
+              <a:fillRef idx="1">
+                <a:schemeClr val="accent1"/>
+              </a:fillRef>
+              <a:effectRef idx="0">
+                <a:schemeClr val="accent1"/>
+              </a:effectRef>
+              <a:fontRef idx="minor">
+                <a:schemeClr val="lt1"/>
+              </a:fontRef>
+            </p:style>
+            <p:txBody>
+              <a:bodyPr rtlCol="0" anchor="ctr"/>
+              <a:lstStyle/>
+              <a:p>
+                <a:pPr algn="ctr"/>
+                <a:endParaRPr lang="zh-CN" altLang="en-US">
+                  <a:solidFill>
+                    <a:schemeClr val="tx1"/>
+                  </a:solidFill>
+                </a:endParaRPr>
+              </a:p>
+            </p:txBody>
+          </p:sp>
+          <mc:AlternateContent xmlns:mc="http://schemas.openxmlformats.org/markup-compatibility/2006">
+            <mc:Choice xmlns:a14="http://schemas.microsoft.com/office/drawing/2010/main" Requires="a14">
+              <p:graphicFrame>
+                <p:nvGraphicFramePr>
+                  <p:cNvPr id="35" name="对象 34"/>
+                  <p:cNvGraphicFramePr>
+                    <a:graphicFrameLocks noChangeAspect="1"/>
+                  </p:cNvGraphicFramePr>
+                  <p:nvPr>
+                    <p:extLst>
+                      <p:ext uri="{D42A27DB-BD31-4B8C-83A1-F6EECF244321}">
+                        <p14:modId xmlns:p14="http://schemas.microsoft.com/office/powerpoint/2010/main" val="2639161570"/>
+                      </p:ext>
+                    </p:extLst>
+                  </p:nvPr>
+                </p:nvGraphicFramePr>
+                <p:xfrm>
+                  <a:off x="4244174" y="3810312"/>
+                  <a:ext cx="283375" cy="226700"/>
+                </p:xfrm>
+                <a:graphic>
+                  <a:graphicData uri="http://schemas.openxmlformats.org/presentationml/2006/ole">
+                    <mc:AlternateContent>
+                      <mc:Choice xmlns:v="urn:schemas-microsoft-com:vml" Requires="v">
+                        <p:oleObj spid="_x0000_s1116" name="Equation" r:id="rId5" imgW="253800" imgH="203040" progId="Equation.DSMT4">
+                          <p:embed/>
+                        </p:oleObj>
+                      </mc:Choice>
+                      <mc:Fallback>
+                        <p:oleObj name="Equation" r:id="rId5" imgW="253800" imgH="203040" progId="Equation.DSMT4">
+                          <p:embed/>
+                          <p:pic>
+                            <p:nvPicPr>
+                              <p:cNvPr id="0" name=""/>
+                              <p:cNvPicPr/>
+                              <p:nvPr/>
+                            </p:nvPicPr>
+                            <p:blipFill>
+                              <a:blip r:embed="rId6"/>
+                              <a:stretch>
+                                <a:fillRect/>
+                              </a:stretch>
+                            </p:blipFill>
+                            <p:spPr>
+                              <a:xfrm>
+                                <a:off x="4244174" y="3810312"/>
+                                <a:ext cx="283375" cy="226700"/>
+                              </a:xfrm>
+                              <a:prstGeom prst="rect">
+                                <a:avLst/>
+                              </a:prstGeom>
+                            </p:spPr>
+                          </p:pic>
+                        </p:oleObj>
+                      </mc:Fallback>
+                    </mc:AlternateContent>
+                  </a:graphicData>
+                </a:graphic>
+              </p:graphicFrame>
+            </mc:Choice>
+            <mc:Fallback>
+              <p:graphicFrame>
+                <p:nvGraphicFramePr>
+                  <p:cNvPr id="35" name="对象 34"/>
+                  <p:cNvGraphicFramePr>
+                    <a:graphicFrameLocks noChangeAspect="1"/>
+                  </p:cNvGraphicFramePr>
+                  <p:nvPr>
+                    <p:extLst>
+                      <p:ext uri="{D42A27DB-BD31-4B8C-83A1-F6EECF244321}">
+                        <p14:modId xmlns:p14="http://schemas.microsoft.com/office/powerpoint/2010/main" val="2639161570"/>
+                      </p:ext>
+                    </p:extLst>
+                  </p:nvPr>
+                </p:nvGraphicFramePr>
+                <p:xfrm>
+                  <a:off x="4244174" y="3810312"/>
+                  <a:ext cx="283375" cy="226700"/>
+                </p:xfrm>
+                <a:graphic>
+                  <a:graphicData uri="http://schemas.openxmlformats.org/presentationml/2006/ole">
+                    <mc:AlternateContent>
+                      <mc:Choice xmlns:v="urn:schemas-microsoft-com:vml" Requires="v">
+                        <p:oleObj spid="_x0000_s1116" name="Equation" r:id="rId5" imgW="253800" imgH="203040" progId="Equation.DSMT4">
+                          <p:embed/>
+                        </p:oleObj>
+                      </mc:Choice>
+                      <mc:Fallback>
+                        <p:oleObj name="Equation" r:id="rId5" imgW="253800" imgH="203040" progId="Equation.DSMT4">
+                          <p:embed/>
+                          <p:pic>
+                            <p:nvPicPr>
+                              <p:cNvPr id="0" name=""/>
+                              <p:cNvPicPr/>
+                              <p:nvPr/>
+                            </p:nvPicPr>
+                            <p:blipFill>
+                              <a:blip r:embed="rId6"/>
+                              <a:stretch>
+                                <a:fillRect/>
+                              </a:stretch>
+                            </p:blipFill>
+                            <p:spPr>
+                              <a:xfrm>
+                                <a:off x="4244174" y="3810312"/>
+                                <a:ext cx="283375" cy="226700"/>
+                              </a:xfrm>
+                              <a:prstGeom prst="rect">
+                                <a:avLst/>
+                              </a:prstGeom>
+                            </p:spPr>
+                          </p:pic>
+                        </p:oleObj>
+                      </mc:Fallback>
+                    </mc:AlternateContent>
+                  </a:graphicData>
+                </a:graphic>
+              </p:graphicFrame>
+            </mc:Fallback>
+          </mc:AlternateContent>
+          <mc:AlternateContent xmlns:mc="http://schemas.openxmlformats.org/markup-compatibility/2006">
+            <mc:Choice xmlns:a14="http://schemas.microsoft.com/office/drawing/2010/main" Requires="a14">
+              <p:graphicFrame>
+                <p:nvGraphicFramePr>
+                  <p:cNvPr id="37" name="对象 36"/>
+                  <p:cNvGraphicFramePr>
+                    <a:graphicFrameLocks noChangeAspect="1"/>
+                  </p:cNvGraphicFramePr>
+                  <p:nvPr>
+                    <p:extLst>
+                      <p:ext uri="{D42A27DB-BD31-4B8C-83A1-F6EECF244321}">
+                        <p14:modId xmlns:p14="http://schemas.microsoft.com/office/powerpoint/2010/main" val="4240027195"/>
+                      </p:ext>
+                    </p:extLst>
+                  </p:nvPr>
+                </p:nvGraphicFramePr>
+                <p:xfrm>
+                  <a:off x="4148956" y="4062696"/>
+                  <a:ext cx="505594" cy="221968"/>
+                </p:xfrm>
+                <a:graphic>
+                  <a:graphicData uri="http://schemas.openxmlformats.org/presentationml/2006/ole">
+                    <mc:AlternateContent>
+                      <mc:Choice xmlns:v="urn:schemas-microsoft-com:vml" Requires="v">
+                        <p:oleObj spid="_x0000_s1117" name="Equation" r:id="rId7" imgW="520560" imgH="228600" progId="Equation.DSMT4">
+                          <p:embed/>
+                        </p:oleObj>
+                      </mc:Choice>
+                      <mc:Fallback>
+                        <p:oleObj name="Equation" r:id="rId7" imgW="520560" imgH="228600" progId="Equation.DSMT4">
+                          <p:embed/>
+                          <p:pic>
+                            <p:nvPicPr>
+                              <p:cNvPr id="0" name=""/>
+                              <p:cNvPicPr/>
+                              <p:nvPr/>
+                            </p:nvPicPr>
+                            <p:blipFill>
+                              <a:blip r:embed="rId8"/>
+                              <a:stretch>
+                                <a:fillRect/>
+                              </a:stretch>
+                            </p:blipFill>
+                            <p:spPr>
+                              <a:xfrm>
+                                <a:off x="4148956" y="4062696"/>
+                                <a:ext cx="505594" cy="221968"/>
+                              </a:xfrm>
+                              <a:prstGeom prst="rect">
+                                <a:avLst/>
+                              </a:prstGeom>
+                            </p:spPr>
+                          </p:pic>
+                        </p:oleObj>
+                      </mc:Fallback>
+                    </mc:AlternateContent>
+                  </a:graphicData>
+                </a:graphic>
+              </p:graphicFrame>
+            </mc:Choice>
+            <mc:Fallback>
+              <p:graphicFrame>
+                <p:nvGraphicFramePr>
+                  <p:cNvPr id="37" name="对象 36"/>
+                  <p:cNvGraphicFramePr>
+                    <a:graphicFrameLocks noChangeAspect="1"/>
+                  </p:cNvGraphicFramePr>
+                  <p:nvPr>
+                    <p:extLst>
+                      <p:ext uri="{D42A27DB-BD31-4B8C-83A1-F6EECF244321}">
+                        <p14:modId xmlns:p14="http://schemas.microsoft.com/office/powerpoint/2010/main" val="4240027195"/>
+                      </p:ext>
+                    </p:extLst>
+                  </p:nvPr>
+                </p:nvGraphicFramePr>
+                <p:xfrm>
+                  <a:off x="4148956" y="4062696"/>
+                  <a:ext cx="505594" cy="221968"/>
+                </p:xfrm>
+                <a:graphic>
+                  <a:graphicData uri="http://schemas.openxmlformats.org/presentationml/2006/ole">
+                    <mc:AlternateContent>
+                      <mc:Choice xmlns:v="urn:schemas-microsoft-com:vml" Requires="v">
+                        <p:oleObj spid="_x0000_s1117" name="Equation" r:id="rId7" imgW="520560" imgH="228600" progId="Equation.DSMT4">
+                          <p:embed/>
+                        </p:oleObj>
+                      </mc:Choice>
+                      <mc:Fallback>
+                        <p:oleObj name="Equation" r:id="rId7" imgW="520560" imgH="228600" progId="Equation.DSMT4">
+                          <p:embed/>
+                          <p:pic>
+                            <p:nvPicPr>
+                              <p:cNvPr id="0" name=""/>
+                              <p:cNvPicPr/>
+                              <p:nvPr/>
+                            </p:nvPicPr>
+                            <p:blipFill>
+                              <a:blip r:embed="rId8"/>
+                              <a:stretch>
+                                <a:fillRect/>
+                              </a:stretch>
+                            </p:blipFill>
+                            <p:spPr>
+                              <a:xfrm>
+                                <a:off x="4148956" y="4062696"/>
+                                <a:ext cx="505594" cy="221968"/>
+                              </a:xfrm>
+                              <a:prstGeom prst="rect">
+                                <a:avLst/>
+                              </a:prstGeom>
+                            </p:spPr>
+                          </p:pic>
+                        </p:oleObj>
+                      </mc:Fallback>
+                    </mc:AlternateContent>
+                  </a:graphicData>
+                </a:graphic>
+              </p:graphicFrame>
+            </mc:Fallback>
+          </mc:AlternateContent>
           <p:grpSp>
             <p:nvGrpSpPr>
-              <p:cNvPr id="33" name="组合 32"/>
+              <p:cNvPr id="14" name="组合 13"/>
               <p:cNvGrpSpPr/>
               <p:nvPr/>
             </p:nvGrpSpPr>
             <p:grpSpPr>
               <a:xfrm>
-                <a:off x="3451930" y="1817141"/>
-                <a:ext cx="400051" cy="412750"/>
-                <a:chOff x="8191499" y="4165600"/>
-                <a:chExt cx="400051" cy="412750"/>
+                <a:off x="2959022" y="2052559"/>
+                <a:ext cx="711573" cy="572632"/>
+                <a:chOff x="3140408" y="1817141"/>
+                <a:chExt cx="711573" cy="572632"/>
               </a:xfrm>
             </p:grpSpPr>
-            <p:cxnSp>
-              <p:nvCxnSpPr>
-                <p:cNvPr id="24" name="直接箭头连接符 23"/>
-                <p:cNvCxnSpPr/>
+            <p:grpSp>
+              <p:nvGrpSpPr>
+                <p:cNvPr id="33" name="组合 32"/>
+                <p:cNvGrpSpPr/>
                 <p:nvPr/>
-              </p:nvCxnSpPr>
-              <p:spPr>
-                <a:xfrm flipV="1">
-                  <a:off x="8191500" y="4165600"/>
-                  <a:ext cx="0" cy="368300"/>
+              </p:nvGrpSpPr>
+              <p:grpSpPr>
+                <a:xfrm>
+                  <a:off x="3451930" y="1817141"/>
+                  <a:ext cx="400051" cy="412750"/>
+                  <a:chOff x="8191499" y="4165600"/>
+                  <a:chExt cx="400051" cy="412750"/>
                 </a:xfrm>
-                <a:prstGeom prst="straightConnector1">
-                  <a:avLst/>
-                </a:prstGeom>
-                <a:ln>
-                  <a:tailEnd type="triangle"/>
-                </a:ln>
-              </p:spPr>
-              <p:style>
-                <a:lnRef idx="1">
-                  <a:schemeClr val="dk1"/>
-                </a:lnRef>
-                <a:fillRef idx="0">
-                  <a:schemeClr val="dk1"/>
-                </a:fillRef>
-                <a:effectRef idx="0">
-                  <a:schemeClr val="dk1"/>
-                </a:effectRef>
-                <a:fontRef idx="minor">
-                  <a:schemeClr val="tx1"/>
-                </a:fontRef>
-              </p:style>
-            </p:cxnSp>
-            <p:cxnSp>
-              <p:nvCxnSpPr>
-                <p:cNvPr id="25" name="直接箭头连接符 24"/>
-                <p:cNvCxnSpPr/>
-                <p:nvPr/>
-              </p:nvCxnSpPr>
-              <p:spPr>
-                <a:xfrm flipV="1">
-                  <a:off x="8191500" y="4286250"/>
-                  <a:ext cx="269876" cy="247650"/>
-                </a:xfrm>
-                <a:prstGeom prst="straightConnector1">
-                  <a:avLst/>
-                </a:prstGeom>
-                <a:ln>
-                  <a:tailEnd type="triangle"/>
-                </a:ln>
-              </p:spPr>
-              <p:style>
-                <a:lnRef idx="1">
-                  <a:schemeClr val="dk1"/>
-                </a:lnRef>
-                <a:fillRef idx="0">
-                  <a:schemeClr val="dk1"/>
-                </a:fillRef>
-                <a:effectRef idx="0">
-                  <a:schemeClr val="dk1"/>
-                </a:effectRef>
-                <a:fontRef idx="minor">
-                  <a:schemeClr val="tx1"/>
-                </a:fontRef>
-              </p:style>
-            </p:cxnSp>
-            <p:cxnSp>
-              <p:nvCxnSpPr>
-                <p:cNvPr id="29" name="直接箭头连接符 28"/>
-                <p:cNvCxnSpPr/>
-                <p:nvPr/>
-              </p:nvCxnSpPr>
-              <p:spPr>
-                <a:xfrm>
-                  <a:off x="8191499" y="4533900"/>
-                  <a:ext cx="400051" cy="44450"/>
-                </a:xfrm>
-                <a:prstGeom prst="straightConnector1">
-                  <a:avLst/>
-                </a:prstGeom>
-                <a:ln>
-                  <a:tailEnd type="triangle"/>
-                </a:ln>
-              </p:spPr>
-              <p:style>
-                <a:lnRef idx="1">
-                  <a:schemeClr val="dk1"/>
-                </a:lnRef>
-                <a:fillRef idx="0">
-                  <a:schemeClr val="dk1"/>
-                </a:fillRef>
-                <a:effectRef idx="0">
-                  <a:schemeClr val="dk1"/>
-                </a:effectRef>
-                <a:fontRef idx="minor">
-                  <a:schemeClr val="tx1"/>
-                </a:fontRef>
-              </p:style>
-            </p:cxnSp>
+              </p:grpSpPr>
+              <p:cxnSp>
+                <p:nvCxnSpPr>
+                  <p:cNvPr id="24" name="直接箭头连接符 23"/>
+                  <p:cNvCxnSpPr/>
+                  <p:nvPr/>
+                </p:nvCxnSpPr>
+                <p:spPr>
+                  <a:xfrm flipV="1">
+                    <a:off x="8191500" y="4165600"/>
+                    <a:ext cx="0" cy="368300"/>
+                  </a:xfrm>
+                  <a:prstGeom prst="straightConnector1">
+                    <a:avLst/>
+                  </a:prstGeom>
+                  <a:ln>
+                    <a:tailEnd type="triangle"/>
+                  </a:ln>
+                </p:spPr>
+                <p:style>
+                  <a:lnRef idx="1">
+                    <a:schemeClr val="dk1"/>
+                  </a:lnRef>
+                  <a:fillRef idx="0">
+                    <a:schemeClr val="dk1"/>
+                  </a:fillRef>
+                  <a:effectRef idx="0">
+                    <a:schemeClr val="dk1"/>
+                  </a:effectRef>
+                  <a:fontRef idx="minor">
+                    <a:schemeClr val="tx1"/>
+                  </a:fontRef>
+                </p:style>
+              </p:cxnSp>
+              <p:cxnSp>
+                <p:nvCxnSpPr>
+                  <p:cNvPr id="25" name="直接箭头连接符 24"/>
+                  <p:cNvCxnSpPr/>
+                  <p:nvPr/>
+                </p:nvCxnSpPr>
+                <p:spPr>
+                  <a:xfrm flipV="1">
+                    <a:off x="8191500" y="4286250"/>
+                    <a:ext cx="269876" cy="247650"/>
+                  </a:xfrm>
+                  <a:prstGeom prst="straightConnector1">
+                    <a:avLst/>
+                  </a:prstGeom>
+                  <a:ln>
+                    <a:tailEnd type="triangle"/>
+                  </a:ln>
+                </p:spPr>
+                <p:style>
+                  <a:lnRef idx="1">
+                    <a:schemeClr val="dk1"/>
+                  </a:lnRef>
+                  <a:fillRef idx="0">
+                    <a:schemeClr val="dk1"/>
+                  </a:fillRef>
+                  <a:effectRef idx="0">
+                    <a:schemeClr val="dk1"/>
+                  </a:effectRef>
+                  <a:fontRef idx="minor">
+                    <a:schemeClr val="tx1"/>
+                  </a:fontRef>
+                </p:style>
+              </p:cxnSp>
+              <p:cxnSp>
+                <p:nvCxnSpPr>
+                  <p:cNvPr id="29" name="直接箭头连接符 28"/>
+                  <p:cNvCxnSpPr/>
+                  <p:nvPr/>
+                </p:nvCxnSpPr>
+                <p:spPr>
+                  <a:xfrm>
+                    <a:off x="8191499" y="4533900"/>
+                    <a:ext cx="400051" cy="44450"/>
+                  </a:xfrm>
+                  <a:prstGeom prst="straightConnector1">
+                    <a:avLst/>
+                  </a:prstGeom>
+                  <a:ln>
+                    <a:tailEnd type="triangle"/>
+                  </a:ln>
+                </p:spPr>
+                <p:style>
+                  <a:lnRef idx="1">
+                    <a:schemeClr val="dk1"/>
+                  </a:lnRef>
+                  <a:fillRef idx="0">
+                    <a:schemeClr val="dk1"/>
+                  </a:fillRef>
+                  <a:effectRef idx="0">
+                    <a:schemeClr val="dk1"/>
+                  </a:effectRef>
+                  <a:fontRef idx="minor">
+                    <a:schemeClr val="tx1"/>
+                  </a:fontRef>
+                </p:style>
+              </p:cxnSp>
+            </p:grpSp>
+            <mc:AlternateContent xmlns:mc="http://schemas.openxmlformats.org/markup-compatibility/2006">
+              <mc:Choice xmlns:a14="http://schemas.microsoft.com/office/drawing/2010/main" Requires="a14">
+                <p:sp>
+                  <p:nvSpPr>
+                    <p:cNvPr id="5" name="矩形 4"/>
+                    <p:cNvSpPr/>
+                    <p:nvPr/>
+                  </p:nvSpPr>
+                  <p:spPr>
+                    <a:xfrm>
+                      <a:off x="3140408" y="2081996"/>
+                      <a:ext cx="411266" cy="307777"/>
+                    </a:xfrm>
+                    <a:prstGeom prst="rect">
+                      <a:avLst/>
+                    </a:prstGeom>
+                  </p:spPr>
+                  <p:txBody>
+                    <a:bodyPr wrap="none">
+                      <a:spAutoFit/>
+                    </a:bodyPr>
+                    <a:lstStyle/>
+                    <a:p>
+                      <a14:m>
+                        <m:oMathPara xmlns:m="http://schemas.openxmlformats.org/officeDocument/2006/math">
+                          <m:oMathParaPr>
+                            <m:jc m:val="centerGroup"/>
+                          </m:oMathParaPr>
+                          <m:oMath xmlns:m="http://schemas.openxmlformats.org/officeDocument/2006/math">
+                            <m:r>
+                              <a:rPr lang="zh-CN" altLang="en-US" sz="1400" i="1">
+                                <a:latin typeface="Cambria Math" panose="02040503050406030204" pitchFamily="18" charset="0"/>
+                              </a:rPr>
+                              <m:t>𝑊</m:t>
+                            </m:r>
+                          </m:oMath>
+                        </m:oMathPara>
+                      </a14:m>
+                      <a:endParaRPr lang="zh-CN" altLang="en-US" sz="1400" dirty="0"/>
+                    </a:p>
+                  </p:txBody>
+                </p:sp>
+              </mc:Choice>
+              <mc:Fallback>
+                <p:sp>
+                  <p:nvSpPr>
+                    <p:cNvPr id="5" name="矩形 4"/>
+                    <p:cNvSpPr>
+                      <a:spLocks noRot="1" noChangeAspect="1" noMove="1" noResize="1" noEditPoints="1" noAdjustHandles="1" noChangeArrowheads="1" noChangeShapeType="1" noTextEdit="1"/>
+                    </p:cNvSpPr>
+                    <p:nvPr/>
+                  </p:nvSpPr>
+                  <p:spPr>
+                    <a:xfrm>
+                      <a:off x="3140408" y="2081996"/>
+                      <a:ext cx="411266" cy="307777"/>
+                    </a:xfrm>
+                    <a:prstGeom prst="rect">
+                      <a:avLst/>
+                    </a:prstGeom>
+                    <a:blipFill>
+                      <a:blip r:embed="rId9"/>
+                      <a:stretch>
+                        <a:fillRect/>
+                      </a:stretch>
+                    </a:blipFill>
+                  </p:spPr>
+                  <p:txBody>
+                    <a:bodyPr/>
+                    <a:lstStyle/>
+                    <a:p>
+                      <a:r>
+                        <a:rPr lang="zh-CN" altLang="en-US">
+                          <a:noFill/>
+                        </a:rPr>
+                        <a:t> </a:t>
+                      </a:r>
+                    </a:p>
+                  </p:txBody>
+                </p:sp>
+              </mc:Fallback>
+            </mc:AlternateContent>
           </p:grpSp>
           <mc:AlternateContent xmlns:mc="http://schemas.openxmlformats.org/markup-compatibility/2006">
             <mc:Choice xmlns:a14="http://schemas.microsoft.com/office/drawing/2010/main" Requires="a14">
               <p:sp>
                 <p:nvSpPr>
-                  <p:cNvPr id="5" name="矩形 4"/>
+                  <p:cNvPr id="6" name="矩形 5"/>
                   <p:cNvSpPr/>
                   <p:nvPr/>
                 </p:nvSpPr>
                 <p:spPr>
                   <a:xfrm>
-                    <a:off x="3140408" y="2081996"/>
-                    <a:ext cx="411266" cy="307777"/>
+                    <a:off x="5188575" y="3383799"/>
+                    <a:ext cx="373372" cy="276999"/>
                   </a:xfrm>
                   <a:prstGeom prst="rect">
                     <a:avLst/>
@@ -4343,16 +4440,46 @@
                           <m:jc m:val="centerGroup"/>
                         </m:oMathParaPr>
                         <m:oMath xmlns:m="http://schemas.openxmlformats.org/officeDocument/2006/math">
-                          <m:r>
-                            <a:rPr lang="zh-CN" altLang="en-US" sz="1400" i="1">
-                              <a:latin typeface="Cambria Math" panose="02040503050406030204" pitchFamily="18" charset="0"/>
-                            </a:rPr>
-                            <m:t>𝑊</m:t>
-                          </m:r>
+                          <m:sSubSup>
+                            <m:sSubSupPr>
+                              <m:ctrlPr>
+                                <a:rPr lang="zh-CN" altLang="en-US" sz="1200">
+                                  <a:latin typeface="Cambria Math" panose="02040503050406030204" pitchFamily="18" charset="0"/>
+                                </a:rPr>
+                              </m:ctrlPr>
+                            </m:sSubSupPr>
+                            <m:e>
+                              <m:r>
+                                <a:rPr lang="zh-CN" altLang="en-US" sz="1200" i="1">
+                                  <a:latin typeface="Cambria Math" panose="02040503050406030204" pitchFamily="18" charset="0"/>
+                                </a:rPr>
+                                <m:t>𝑝</m:t>
+                              </m:r>
+                            </m:e>
+                            <m:sub>
+                              <m:r>
+                                <a:rPr lang="zh-CN" altLang="en-US" sz="1200" i="0">
+                                  <a:latin typeface="Cambria Math" panose="02040503050406030204" pitchFamily="18" charset="0"/>
+                                </a:rPr>
+                                <m:t>1</m:t>
+                              </m:r>
+                            </m:sub>
+                            <m:sup>
+                              <m:r>
+                                <a:rPr lang="zh-CN" altLang="en-US" sz="1200" i="0">
+                                  <a:latin typeface="Cambria Math" panose="02040503050406030204" pitchFamily="18" charset="0"/>
+                                </a:rPr>
+                                <m:t>′</m:t>
+                              </m:r>
+                            </m:sup>
+                          </m:sSubSup>
                         </m:oMath>
                       </m:oMathPara>
                     </a14:m>
-                    <a:endParaRPr lang="zh-CN" altLang="en-US" sz="1400" dirty="0"/>
+                    <a:endParaRPr lang="zh-CN" altLang="en-US" sz="1200" dirty="0">
+                      <a:latin typeface="Times New Roman" panose="02020603050405020304" pitchFamily="18" charset="0"/>
+                      <a:cs typeface="Times New Roman" panose="02020603050405020304" pitchFamily="18" charset="0"/>
+                    </a:endParaRPr>
                   </a:p>
                 </p:txBody>
               </p:sp>
@@ -4360,7 +4487,7 @@
             <mc:Fallback>
               <p:sp>
                 <p:nvSpPr>
-                  <p:cNvPr id="5" name="矩形 4"/>
+                  <p:cNvPr id="6" name="矩形 5"/>
                   <p:cNvSpPr>
                     <a:spLocks noRot="1" noChangeAspect="1" noMove="1" noResize="1" noEditPoints="1" noAdjustHandles="1" noChangeArrowheads="1" noChangeShapeType="1" noTextEdit="1"/>
                   </p:cNvSpPr>
@@ -4368,14 +4495,995 @@
                 </p:nvSpPr>
                 <p:spPr>
                   <a:xfrm>
-                    <a:off x="3140408" y="2081996"/>
-                    <a:ext cx="411266" cy="307777"/>
+                    <a:off x="5188575" y="3383799"/>
+                    <a:ext cx="373372" cy="276999"/>
                   </a:xfrm>
                   <a:prstGeom prst="rect">
                     <a:avLst/>
                   </a:prstGeom>
                   <a:blipFill>
-                    <a:blip r:embed="rId9"/>
+                    <a:blip r:embed="rId10"/>
+                    <a:stretch>
+                      <a:fillRect/>
+                    </a:stretch>
+                  </a:blipFill>
+                </p:spPr>
+                <p:txBody>
+                  <a:bodyPr/>
+                  <a:lstStyle/>
+                  <a:p>
+                    <a:r>
+                      <a:rPr lang="zh-CN" altLang="en-US">
+                        <a:noFill/>
+                      </a:rPr>
+                      <a:t> </a:t>
+                    </a:r>
+                  </a:p>
+                </p:txBody>
+              </p:sp>
+            </mc:Fallback>
+          </mc:AlternateContent>
+          <mc:AlternateContent xmlns:mc="http://schemas.openxmlformats.org/markup-compatibility/2006">
+            <mc:Choice xmlns:a14="http://schemas.microsoft.com/office/drawing/2010/main" Requires="a14">
+              <p:sp>
+                <p:nvSpPr>
+                  <p:cNvPr id="8" name="矩形 7"/>
+                  <p:cNvSpPr/>
+                  <p:nvPr/>
+                </p:nvSpPr>
+                <p:spPr>
+                  <a:xfrm>
+                    <a:off x="2770733" y="3424988"/>
+                    <a:ext cx="376578" cy="276999"/>
+                  </a:xfrm>
+                  <a:prstGeom prst="rect">
+                    <a:avLst/>
+                  </a:prstGeom>
+                </p:spPr>
+                <p:txBody>
+                  <a:bodyPr wrap="none">
+                    <a:spAutoFit/>
+                  </a:bodyPr>
+                  <a:lstStyle/>
+                  <a:p>
+                    <a14:m>
+                      <m:oMathPara xmlns:m="http://schemas.openxmlformats.org/officeDocument/2006/math">
+                        <m:oMathParaPr>
+                          <m:jc m:val="centerGroup"/>
+                        </m:oMathParaPr>
+                        <m:oMath xmlns:m="http://schemas.openxmlformats.org/officeDocument/2006/math">
+                          <m:sSub>
+                            <m:sSubPr>
+                              <m:ctrlPr>
+                                <a:rPr lang="zh-CN" altLang="en-US" sz="1200">
+                                  <a:latin typeface="Cambria Math" panose="02040503050406030204" pitchFamily="18" charset="0"/>
+                                </a:rPr>
+                              </m:ctrlPr>
+                            </m:sSubPr>
+                            <m:e>
+                              <m:r>
+                                <a:rPr lang="zh-CN" altLang="en-US" sz="1200" i="1">
+                                  <a:latin typeface="Cambria Math" panose="02040503050406030204" pitchFamily="18" charset="0"/>
+                                </a:rPr>
+                                <m:t>𝑝</m:t>
+                              </m:r>
+                            </m:e>
+                            <m:sub>
+                              <m:r>
+                                <a:rPr lang="zh-CN" altLang="en-US" sz="1200" i="0">
+                                  <a:latin typeface="Cambria Math" panose="02040503050406030204" pitchFamily="18" charset="0"/>
+                                </a:rPr>
+                                <m:t>1</m:t>
+                              </m:r>
+                            </m:sub>
+                          </m:sSub>
+                        </m:oMath>
+                      </m:oMathPara>
+                    </a14:m>
+                    <a:endParaRPr lang="zh-CN" altLang="en-US" sz="1200" dirty="0"/>
+                  </a:p>
+                </p:txBody>
+              </p:sp>
+            </mc:Choice>
+            <mc:Fallback>
+              <p:sp>
+                <p:nvSpPr>
+                  <p:cNvPr id="8" name="矩形 7"/>
+                  <p:cNvSpPr>
+                    <a:spLocks noRot="1" noChangeAspect="1" noMove="1" noResize="1" noEditPoints="1" noAdjustHandles="1" noChangeArrowheads="1" noChangeShapeType="1" noTextEdit="1"/>
+                  </p:cNvSpPr>
+                  <p:nvPr/>
+                </p:nvSpPr>
+                <p:spPr>
+                  <a:xfrm>
+                    <a:off x="2770733" y="3424988"/>
+                    <a:ext cx="376578" cy="276999"/>
+                  </a:xfrm>
+                  <a:prstGeom prst="rect">
+                    <a:avLst/>
+                  </a:prstGeom>
+                  <a:blipFill>
+                    <a:blip r:embed="rId11"/>
+                    <a:stretch>
+                      <a:fillRect/>
+                    </a:stretch>
+                  </a:blipFill>
+                </p:spPr>
+                <p:txBody>
+                  <a:bodyPr/>
+                  <a:lstStyle/>
+                  <a:p>
+                    <a:r>
+                      <a:rPr lang="zh-CN" altLang="en-US">
+                        <a:noFill/>
+                      </a:rPr>
+                      <a:t> </a:t>
+                    </a:r>
+                  </a:p>
+                </p:txBody>
+              </p:sp>
+            </mc:Fallback>
+          </mc:AlternateContent>
+          <p:sp>
+            <p:nvSpPr>
+              <p:cNvPr id="26" name="平行四边形 25"/>
+              <p:cNvSpPr/>
+              <p:nvPr/>
+            </p:nvSpPr>
+            <p:spPr>
+              <a:xfrm rot="15927846" flipH="1">
+                <a:off x="5641287" y="3059421"/>
+                <a:ext cx="144473" cy="141417"/>
+              </a:xfrm>
+              <a:prstGeom prst="parallelogram">
+                <a:avLst/>
+              </a:prstGeom>
+              <a:noFill/>
+              <a:ln w="12700">
+                <a:solidFill>
+                  <a:srgbClr val="0070C0"/>
+                </a:solidFill>
+              </a:ln>
+            </p:spPr>
+            <p:style>
+              <a:lnRef idx="2">
+                <a:schemeClr val="accent1">
+                  <a:shade val="50000"/>
+                </a:schemeClr>
+              </a:lnRef>
+              <a:fillRef idx="1">
+                <a:schemeClr val="accent1"/>
+              </a:fillRef>
+              <a:effectRef idx="0">
+                <a:schemeClr val="accent1"/>
+              </a:effectRef>
+              <a:fontRef idx="minor">
+                <a:schemeClr val="lt1"/>
+              </a:fontRef>
+            </p:style>
+            <p:txBody>
+              <a:bodyPr rtlCol="0" anchor="ctr"/>
+              <a:lstStyle/>
+              <a:p>
+                <a:pPr algn="ctr"/>
+                <a:endParaRPr lang="zh-CN" altLang="en-US"/>
+              </a:p>
+            </p:txBody>
+          </p:sp>
+          <p:sp>
+            <p:nvSpPr>
+              <p:cNvPr id="27" name="平行四边形 26"/>
+              <p:cNvSpPr/>
+              <p:nvPr/>
+            </p:nvSpPr>
+            <p:spPr>
+              <a:xfrm rot="15927846" flipH="1">
+                <a:off x="5844871" y="3350875"/>
+                <a:ext cx="144473" cy="141417"/>
+              </a:xfrm>
+              <a:prstGeom prst="parallelogram">
+                <a:avLst/>
+              </a:prstGeom>
+              <a:noFill/>
+              <a:ln w="12700">
+                <a:solidFill>
+                  <a:srgbClr val="0070C0"/>
+                </a:solidFill>
+              </a:ln>
+            </p:spPr>
+            <p:style>
+              <a:lnRef idx="2">
+                <a:schemeClr val="accent1">
+                  <a:shade val="50000"/>
+                </a:schemeClr>
+              </a:lnRef>
+              <a:fillRef idx="1">
+                <a:schemeClr val="accent1"/>
+              </a:fillRef>
+              <a:effectRef idx="0">
+                <a:schemeClr val="accent1"/>
+              </a:effectRef>
+              <a:fontRef idx="minor">
+                <a:schemeClr val="lt1"/>
+              </a:fontRef>
+            </p:style>
+            <p:txBody>
+              <a:bodyPr rtlCol="0" anchor="ctr"/>
+              <a:lstStyle/>
+              <a:p>
+                <a:pPr algn="ctr"/>
+                <a:endParaRPr lang="zh-CN" altLang="en-US"/>
+              </a:p>
+            </p:txBody>
+          </p:sp>
+          <p:sp>
+            <p:nvSpPr>
+              <p:cNvPr id="28" name="平行四边形 27"/>
+              <p:cNvSpPr/>
+              <p:nvPr/>
+            </p:nvSpPr>
+            <p:spPr>
+              <a:xfrm rot="5400000">
+                <a:off x="3325350" y="3310303"/>
+                <a:ext cx="152400" cy="152400"/>
+              </a:xfrm>
+              <a:prstGeom prst="parallelogram">
+                <a:avLst/>
+              </a:prstGeom>
+              <a:noFill/>
+              <a:ln w="12700">
+                <a:solidFill>
+                  <a:schemeClr val="tx1"/>
+                </a:solidFill>
+              </a:ln>
+            </p:spPr>
+            <p:style>
+              <a:lnRef idx="2">
+                <a:schemeClr val="accent1">
+                  <a:shade val="50000"/>
+                </a:schemeClr>
+              </a:lnRef>
+              <a:fillRef idx="1">
+                <a:schemeClr val="accent1"/>
+              </a:fillRef>
+              <a:effectRef idx="0">
+                <a:schemeClr val="accent1"/>
+              </a:effectRef>
+              <a:fontRef idx="minor">
+                <a:schemeClr val="lt1"/>
+              </a:fontRef>
+            </p:style>
+            <p:txBody>
+              <a:bodyPr rtlCol="0" anchor="ctr"/>
+              <a:lstStyle/>
+              <a:p>
+                <a:pPr algn="ctr"/>
+                <a:endParaRPr lang="zh-CN" altLang="en-US"/>
+              </a:p>
+            </p:txBody>
+          </p:sp>
+          <p:sp>
+            <p:nvSpPr>
+              <p:cNvPr id="30" name="平行四边形 29"/>
+              <p:cNvSpPr/>
+              <p:nvPr/>
+            </p:nvSpPr>
+            <p:spPr>
+              <a:xfrm rot="5400000">
+                <a:off x="3491086" y="3607958"/>
+                <a:ext cx="152400" cy="152400"/>
+              </a:xfrm>
+              <a:prstGeom prst="parallelogram">
+                <a:avLst/>
+              </a:prstGeom>
+              <a:noFill/>
+              <a:ln w="12700">
+                <a:solidFill>
+                  <a:schemeClr val="tx1"/>
+                </a:solidFill>
+              </a:ln>
+            </p:spPr>
+            <p:style>
+              <a:lnRef idx="2">
+                <a:schemeClr val="accent1">
+                  <a:shade val="50000"/>
+                </a:schemeClr>
+              </a:lnRef>
+              <a:fillRef idx="1">
+                <a:schemeClr val="accent1"/>
+              </a:fillRef>
+              <a:effectRef idx="0">
+                <a:schemeClr val="accent1"/>
+              </a:effectRef>
+              <a:fontRef idx="minor">
+                <a:schemeClr val="lt1"/>
+              </a:fontRef>
+            </p:style>
+            <p:txBody>
+              <a:bodyPr rtlCol="0" anchor="ctr"/>
+              <a:lstStyle/>
+              <a:p>
+                <a:pPr algn="ctr"/>
+                <a:endParaRPr lang="zh-CN" altLang="en-US"/>
+              </a:p>
+            </p:txBody>
+          </p:sp>
+          <p:cxnSp>
+            <p:nvCxnSpPr>
+              <p:cNvPr id="36" name="直接连接符 35"/>
+              <p:cNvCxnSpPr>
+                <a:stCxn id="43" idx="3"/>
+              </p:cNvCxnSpPr>
+              <p:nvPr/>
+            </p:nvCxnSpPr>
+            <p:spPr>
+              <a:xfrm flipH="1">
+                <a:off x="3400929" y="2290339"/>
+                <a:ext cx="755014" cy="1093460"/>
+              </a:xfrm>
+              <a:prstGeom prst="line">
+                <a:avLst/>
+              </a:prstGeom>
+            </p:spPr>
+            <p:style>
+              <a:lnRef idx="1">
+                <a:schemeClr val="dk1"/>
+              </a:lnRef>
+              <a:fillRef idx="0">
+                <a:schemeClr val="dk1"/>
+              </a:fillRef>
+              <a:effectRef idx="0">
+                <a:schemeClr val="dk1"/>
+              </a:effectRef>
+              <a:fontRef idx="minor">
+                <a:schemeClr val="tx1"/>
+              </a:fontRef>
+            </p:style>
+          </p:cxnSp>
+          <p:sp>
+            <p:nvSpPr>
+              <p:cNvPr id="43" name="椭圆 42"/>
+              <p:cNvSpPr/>
+              <p:nvPr/>
+            </p:nvSpPr>
+            <p:spPr>
+              <a:xfrm>
+                <a:off x="4148956" y="2251315"/>
+                <a:ext cx="47707" cy="45719"/>
+              </a:xfrm>
+              <a:prstGeom prst="ellipse">
+                <a:avLst/>
+              </a:prstGeom>
+              <a:noFill/>
+              <a:ln>
+                <a:solidFill>
+                  <a:schemeClr val="tx1"/>
+                </a:solidFill>
+              </a:ln>
+            </p:spPr>
+            <p:style>
+              <a:lnRef idx="2">
+                <a:schemeClr val="accent1">
+                  <a:shade val="50000"/>
+                </a:schemeClr>
+              </a:lnRef>
+              <a:fillRef idx="1">
+                <a:schemeClr val="accent1"/>
+              </a:fillRef>
+              <a:effectRef idx="0">
+                <a:schemeClr val="accent1"/>
+              </a:effectRef>
+              <a:fontRef idx="minor">
+                <a:schemeClr val="lt1"/>
+              </a:fontRef>
+            </p:style>
+            <p:txBody>
+              <a:bodyPr rtlCol="0" anchor="ctr"/>
+              <a:lstStyle/>
+              <a:p>
+                <a:pPr algn="ctr"/>
+                <a:endParaRPr lang="zh-CN" altLang="en-US"/>
+              </a:p>
+            </p:txBody>
+          </p:sp>
+          <p:cxnSp>
+            <p:nvCxnSpPr>
+              <p:cNvPr id="45" name="直接箭头连接符 44"/>
+              <p:cNvCxnSpPr>
+                <a:stCxn id="43" idx="5"/>
+              </p:cNvCxnSpPr>
+              <p:nvPr/>
+            </p:nvCxnSpPr>
+            <p:spPr>
+              <a:xfrm>
+                <a:off x="4189676" y="2290339"/>
+                <a:ext cx="1522985" cy="857650"/>
+              </a:xfrm>
+              <a:prstGeom prst="straightConnector1">
+                <a:avLst/>
+              </a:prstGeom>
+              <a:ln>
+                <a:prstDash val="dash"/>
+                <a:tailEnd type="triangle"/>
+              </a:ln>
+            </p:spPr>
+            <p:style>
+              <a:lnRef idx="1">
+                <a:schemeClr val="dk1"/>
+              </a:lnRef>
+              <a:fillRef idx="0">
+                <a:schemeClr val="dk1"/>
+              </a:fillRef>
+              <a:effectRef idx="0">
+                <a:schemeClr val="dk1"/>
+              </a:effectRef>
+              <a:fontRef idx="minor">
+                <a:schemeClr val="tx1"/>
+              </a:fontRef>
+            </p:style>
+          </p:cxnSp>
+          <p:cxnSp>
+            <p:nvCxnSpPr>
+              <p:cNvPr id="56" name="直接连接符 55"/>
+              <p:cNvCxnSpPr>
+                <a:stCxn id="63" idx="3"/>
+              </p:cNvCxnSpPr>
+              <p:nvPr/>
+            </p:nvCxnSpPr>
+            <p:spPr>
+              <a:xfrm flipH="1">
+                <a:off x="3572300" y="2550020"/>
+                <a:ext cx="860040" cy="1151967"/>
+              </a:xfrm>
+              <a:prstGeom prst="line">
+                <a:avLst/>
+              </a:prstGeom>
+            </p:spPr>
+            <p:style>
+              <a:lnRef idx="1">
+                <a:schemeClr val="dk1"/>
+              </a:lnRef>
+              <a:fillRef idx="0">
+                <a:schemeClr val="dk1"/>
+              </a:fillRef>
+              <a:effectRef idx="0">
+                <a:schemeClr val="dk1"/>
+              </a:effectRef>
+              <a:fontRef idx="minor">
+                <a:schemeClr val="tx1"/>
+              </a:fontRef>
+            </p:style>
+          </p:cxnSp>
+          <p:sp>
+            <p:nvSpPr>
+              <p:cNvPr id="63" name="椭圆 62"/>
+              <p:cNvSpPr/>
+              <p:nvPr/>
+            </p:nvSpPr>
+            <p:spPr>
+              <a:xfrm>
+                <a:off x="4425353" y="2510996"/>
+                <a:ext cx="47707" cy="45719"/>
+              </a:xfrm>
+              <a:prstGeom prst="ellipse">
+                <a:avLst/>
+              </a:prstGeom>
+              <a:noFill/>
+              <a:ln>
+                <a:solidFill>
+                  <a:schemeClr val="tx1"/>
+                </a:solidFill>
+              </a:ln>
+            </p:spPr>
+            <p:style>
+              <a:lnRef idx="2">
+                <a:schemeClr val="accent1">
+                  <a:shade val="50000"/>
+                </a:schemeClr>
+              </a:lnRef>
+              <a:fillRef idx="1">
+                <a:schemeClr val="accent1"/>
+              </a:fillRef>
+              <a:effectRef idx="0">
+                <a:schemeClr val="accent1"/>
+              </a:effectRef>
+              <a:fontRef idx="minor">
+                <a:schemeClr val="lt1"/>
+              </a:fontRef>
+            </p:style>
+            <p:txBody>
+              <a:bodyPr rtlCol="0" anchor="ctr"/>
+              <a:lstStyle/>
+              <a:p>
+                <a:pPr algn="ctr"/>
+                <a:endParaRPr lang="zh-CN" altLang="en-US"/>
+              </a:p>
+            </p:txBody>
+          </p:sp>
+          <p:cxnSp>
+            <p:nvCxnSpPr>
+              <p:cNvPr id="65" name="直接箭头连接符 64"/>
+              <p:cNvCxnSpPr>
+                <a:stCxn id="63" idx="5"/>
+              </p:cNvCxnSpPr>
+              <p:nvPr/>
+            </p:nvCxnSpPr>
+            <p:spPr>
+              <a:xfrm>
+                <a:off x="4466073" y="2550020"/>
+                <a:ext cx="1454487" cy="874968"/>
+              </a:xfrm>
+              <a:prstGeom prst="straightConnector1">
+                <a:avLst/>
+              </a:prstGeom>
+              <a:ln>
+                <a:prstDash val="dash"/>
+                <a:tailEnd type="triangle"/>
+              </a:ln>
+            </p:spPr>
+            <p:style>
+              <a:lnRef idx="1">
+                <a:schemeClr val="dk1"/>
+              </a:lnRef>
+              <a:fillRef idx="0">
+                <a:schemeClr val="dk1"/>
+              </a:fillRef>
+              <a:effectRef idx="0">
+                <a:schemeClr val="dk1"/>
+              </a:effectRef>
+              <a:fontRef idx="minor">
+                <a:schemeClr val="tx1"/>
+              </a:fontRef>
+            </p:style>
+          </p:cxnSp>
+          <p:cxnSp>
+            <p:nvCxnSpPr>
+              <p:cNvPr id="21" name="直接箭头连接符 20"/>
+              <p:cNvCxnSpPr>
+                <a:stCxn id="11" idx="5"/>
+              </p:cNvCxnSpPr>
+              <p:nvPr/>
+            </p:nvCxnSpPr>
+            <p:spPr>
+              <a:xfrm>
+                <a:off x="3855468" y="2598442"/>
+                <a:ext cx="1654472" cy="792051"/>
+              </a:xfrm>
+              <a:prstGeom prst="straightConnector1">
+                <a:avLst/>
+              </a:prstGeom>
+              <a:ln>
+                <a:prstDash val="dash"/>
+                <a:tailEnd type="triangle"/>
+              </a:ln>
+            </p:spPr>
+            <p:style>
+              <a:lnRef idx="1">
+                <a:schemeClr val="dk1"/>
+              </a:lnRef>
+              <a:fillRef idx="0">
+                <a:schemeClr val="dk1"/>
+              </a:fillRef>
+              <a:effectRef idx="0">
+                <a:schemeClr val="dk1"/>
+              </a:effectRef>
+              <a:fontRef idx="minor">
+                <a:schemeClr val="tx1"/>
+              </a:fontRef>
+            </p:style>
+          </p:cxnSp>
+          <mc:AlternateContent xmlns:mc="http://schemas.openxmlformats.org/markup-compatibility/2006">
+            <mc:Choice xmlns:a14="http://schemas.microsoft.com/office/drawing/2010/main" Requires="a14">
+              <p:sp>
+                <p:nvSpPr>
+                  <p:cNvPr id="80" name="矩形 79"/>
+                  <p:cNvSpPr/>
+                  <p:nvPr/>
+                </p:nvSpPr>
+                <p:spPr>
+                  <a:xfrm>
+                    <a:off x="3394062" y="3166814"/>
+                    <a:ext cx="376963" cy="276999"/>
+                  </a:xfrm>
+                  <a:prstGeom prst="rect">
+                    <a:avLst/>
+                  </a:prstGeom>
+                </p:spPr>
+                <p:txBody>
+                  <a:bodyPr wrap="none">
+                    <a:spAutoFit/>
+                  </a:bodyPr>
+                  <a:lstStyle/>
+                  <a:p>
+                    <a14:m>
+                      <m:oMathPara xmlns:m="http://schemas.openxmlformats.org/officeDocument/2006/math">
+                        <m:oMathParaPr>
+                          <m:jc m:val="centerGroup"/>
+                        </m:oMathParaPr>
+                        <m:oMath xmlns:m="http://schemas.openxmlformats.org/officeDocument/2006/math">
+                          <m:sSub>
+                            <m:sSubPr>
+                              <m:ctrlPr>
+                                <a:rPr lang="zh-CN" altLang="en-US" sz="1200">
+                                  <a:latin typeface="Cambria Math" panose="02040503050406030204" pitchFamily="18" charset="0"/>
+                                </a:rPr>
+                              </m:ctrlPr>
+                            </m:sSubPr>
+                            <m:e>
+                              <m:r>
+                                <a:rPr lang="zh-CN" altLang="en-US" sz="1200" i="1">
+                                  <a:latin typeface="Cambria Math" panose="02040503050406030204" pitchFamily="18" charset="0"/>
+                                </a:rPr>
+                                <m:t>𝑝</m:t>
+                              </m:r>
+                            </m:e>
+                            <m:sub>
+                              <m:r>
+                                <a:rPr lang="zh-CN" altLang="en-US" sz="1200" i="0">
+                                  <a:latin typeface="Cambria Math" panose="02040503050406030204" pitchFamily="18" charset="0"/>
+                                </a:rPr>
+                                <m:t>2</m:t>
+                              </m:r>
+                            </m:sub>
+                          </m:sSub>
+                        </m:oMath>
+                      </m:oMathPara>
+                    </a14:m>
+                    <a:endParaRPr lang="zh-CN" altLang="en-US" sz="1200" dirty="0">
+                      <a:latin typeface="Times New Roman" panose="02020603050405020304" pitchFamily="18" charset="0"/>
+                      <a:cs typeface="Times New Roman" panose="02020603050405020304" pitchFamily="18" charset="0"/>
+                    </a:endParaRPr>
+                  </a:p>
+                </p:txBody>
+              </p:sp>
+            </mc:Choice>
+            <mc:Fallback>
+              <p:sp>
+                <p:nvSpPr>
+                  <p:cNvPr id="80" name="矩形 79"/>
+                  <p:cNvSpPr>
+                    <a:spLocks noRot="1" noChangeAspect="1" noMove="1" noResize="1" noEditPoints="1" noAdjustHandles="1" noChangeArrowheads="1" noChangeShapeType="1" noTextEdit="1"/>
+                  </p:cNvSpPr>
+                  <p:nvPr/>
+                </p:nvSpPr>
+                <p:spPr>
+                  <a:xfrm>
+                    <a:off x="3394062" y="3166814"/>
+                    <a:ext cx="376963" cy="276999"/>
+                  </a:xfrm>
+                  <a:prstGeom prst="rect">
+                    <a:avLst/>
+                  </a:prstGeom>
+                  <a:blipFill>
+                    <a:blip r:embed="rId12"/>
+                    <a:stretch>
+                      <a:fillRect/>
+                    </a:stretch>
+                  </a:blipFill>
+                </p:spPr>
+                <p:txBody>
+                  <a:bodyPr/>
+                  <a:lstStyle/>
+                  <a:p>
+                    <a:r>
+                      <a:rPr lang="zh-CN" altLang="en-US">
+                        <a:noFill/>
+                      </a:rPr>
+                      <a:t> </a:t>
+                    </a:r>
+                  </a:p>
+                </p:txBody>
+              </p:sp>
+            </mc:Fallback>
+          </mc:AlternateContent>
+          <mc:AlternateContent xmlns:mc="http://schemas.openxmlformats.org/markup-compatibility/2006">
+            <mc:Choice xmlns:a14="http://schemas.microsoft.com/office/drawing/2010/main" Requires="a14">
+              <p:sp>
+                <p:nvSpPr>
+                  <p:cNvPr id="81" name="矩形 80"/>
+                  <p:cNvSpPr/>
+                  <p:nvPr/>
+                </p:nvSpPr>
+                <p:spPr>
+                  <a:xfrm>
+                    <a:off x="5712576" y="2882350"/>
+                    <a:ext cx="376963" cy="276999"/>
+                  </a:xfrm>
+                  <a:prstGeom prst="rect">
+                    <a:avLst/>
+                  </a:prstGeom>
+                </p:spPr>
+                <p:txBody>
+                  <a:bodyPr wrap="none">
+                    <a:spAutoFit/>
+                  </a:bodyPr>
+                  <a:lstStyle/>
+                  <a:p>
+                    <a14:m>
+                      <m:oMathPara xmlns:m="http://schemas.openxmlformats.org/officeDocument/2006/math">
+                        <m:oMathParaPr>
+                          <m:jc m:val="centerGroup"/>
+                        </m:oMathParaPr>
+                        <m:oMath xmlns:m="http://schemas.openxmlformats.org/officeDocument/2006/math">
+                          <m:sSubSup>
+                            <m:sSubSupPr>
+                              <m:ctrlPr>
+                                <a:rPr lang="zh-CN" altLang="en-US" sz="1200">
+                                  <a:latin typeface="Cambria Math" panose="02040503050406030204" pitchFamily="18" charset="0"/>
+                                </a:rPr>
+                              </m:ctrlPr>
+                            </m:sSubSupPr>
+                            <m:e>
+                              <m:r>
+                                <a:rPr lang="zh-CN" altLang="en-US" sz="1200" i="1">
+                                  <a:latin typeface="Cambria Math" panose="02040503050406030204" pitchFamily="18" charset="0"/>
+                                </a:rPr>
+                                <m:t>𝑝</m:t>
+                              </m:r>
+                            </m:e>
+                            <m:sub>
+                              <m:r>
+                                <a:rPr lang="zh-CN" altLang="en-US" sz="1200" i="0">
+                                  <a:latin typeface="Cambria Math" panose="02040503050406030204" pitchFamily="18" charset="0"/>
+                                </a:rPr>
+                                <m:t>2</m:t>
+                              </m:r>
+                            </m:sub>
+                            <m:sup>
+                              <m:r>
+                                <a:rPr lang="zh-CN" altLang="en-US" sz="1200" i="0">
+                                  <a:latin typeface="Cambria Math" panose="02040503050406030204" pitchFamily="18" charset="0"/>
+                                </a:rPr>
+                                <m:t>′</m:t>
+                              </m:r>
+                            </m:sup>
+                          </m:sSubSup>
+                        </m:oMath>
+                      </m:oMathPara>
+                    </a14:m>
+                    <a:endParaRPr lang="zh-CN" altLang="en-US" sz="1200" dirty="0">
+                      <a:latin typeface="Times New Roman" panose="02020603050405020304" pitchFamily="18" charset="0"/>
+                      <a:cs typeface="Times New Roman" panose="02020603050405020304" pitchFamily="18" charset="0"/>
+                    </a:endParaRPr>
+                  </a:p>
+                </p:txBody>
+              </p:sp>
+            </mc:Choice>
+            <mc:Fallback>
+              <p:sp>
+                <p:nvSpPr>
+                  <p:cNvPr id="81" name="矩形 80"/>
+                  <p:cNvSpPr>
+                    <a:spLocks noRot="1" noChangeAspect="1" noMove="1" noResize="1" noEditPoints="1" noAdjustHandles="1" noChangeArrowheads="1" noChangeShapeType="1" noTextEdit="1"/>
+                  </p:cNvSpPr>
+                  <p:nvPr/>
+                </p:nvSpPr>
+                <p:spPr>
+                  <a:xfrm>
+                    <a:off x="5712576" y="2882350"/>
+                    <a:ext cx="376963" cy="276999"/>
+                  </a:xfrm>
+                  <a:prstGeom prst="rect">
+                    <a:avLst/>
+                  </a:prstGeom>
+                  <a:blipFill>
+                    <a:blip r:embed="rId13"/>
+                    <a:stretch>
+                      <a:fillRect/>
+                    </a:stretch>
+                  </a:blipFill>
+                </p:spPr>
+                <p:txBody>
+                  <a:bodyPr/>
+                  <a:lstStyle/>
+                  <a:p>
+                    <a:r>
+                      <a:rPr lang="zh-CN" altLang="en-US">
+                        <a:noFill/>
+                      </a:rPr>
+                      <a:t> </a:t>
+                    </a:r>
+                  </a:p>
+                </p:txBody>
+              </p:sp>
+            </mc:Fallback>
+          </mc:AlternateContent>
+          <mc:AlternateContent xmlns:mc="http://schemas.openxmlformats.org/markup-compatibility/2006">
+            <mc:Choice xmlns:a14="http://schemas.microsoft.com/office/drawing/2010/main" Requires="a14">
+              <p:sp>
+                <p:nvSpPr>
+                  <p:cNvPr id="82" name="矩形 81"/>
+                  <p:cNvSpPr/>
+                  <p:nvPr/>
+                </p:nvSpPr>
+                <p:spPr>
+                  <a:xfrm>
+                    <a:off x="3597281" y="3514319"/>
+                    <a:ext cx="376963" cy="276999"/>
+                  </a:xfrm>
+                  <a:prstGeom prst="rect">
+                    <a:avLst/>
+                  </a:prstGeom>
+                </p:spPr>
+                <p:txBody>
+                  <a:bodyPr wrap="none">
+                    <a:spAutoFit/>
+                  </a:bodyPr>
+                  <a:lstStyle/>
+                  <a:p>
+                    <a14:m>
+                      <m:oMathPara xmlns:m="http://schemas.openxmlformats.org/officeDocument/2006/math">
+                        <m:oMathParaPr>
+                          <m:jc m:val="centerGroup"/>
+                        </m:oMathParaPr>
+                        <m:oMath xmlns:m="http://schemas.openxmlformats.org/officeDocument/2006/math">
+                          <m:sSub>
+                            <m:sSubPr>
+                              <m:ctrlPr>
+                                <a:rPr lang="zh-CN" altLang="en-US" sz="1200">
+                                  <a:latin typeface="Cambria Math" panose="02040503050406030204" pitchFamily="18" charset="0"/>
+                                </a:rPr>
+                              </m:ctrlPr>
+                            </m:sSubPr>
+                            <m:e>
+                              <m:r>
+                                <a:rPr lang="zh-CN" altLang="en-US" sz="1200" i="1">
+                                  <a:latin typeface="Cambria Math" panose="02040503050406030204" pitchFamily="18" charset="0"/>
+                                </a:rPr>
+                                <m:t>𝑝</m:t>
+                              </m:r>
+                            </m:e>
+                            <m:sub>
+                              <m:r>
+                                <a:rPr lang="zh-CN" altLang="en-US" sz="1200" i="0">
+                                  <a:latin typeface="Cambria Math" panose="02040503050406030204" pitchFamily="18" charset="0"/>
+                                </a:rPr>
+                                <m:t>3</m:t>
+                              </m:r>
+                            </m:sub>
+                          </m:sSub>
+                        </m:oMath>
+                      </m:oMathPara>
+                    </a14:m>
+                    <a:endParaRPr lang="zh-CN" altLang="en-US" sz="1200" dirty="0">
+                      <a:latin typeface="Times New Roman" panose="02020603050405020304" pitchFamily="18" charset="0"/>
+                      <a:cs typeface="Times New Roman" panose="02020603050405020304" pitchFamily="18" charset="0"/>
+                    </a:endParaRPr>
+                  </a:p>
+                </p:txBody>
+              </p:sp>
+            </mc:Choice>
+            <mc:Fallback>
+              <p:sp>
+                <p:nvSpPr>
+                  <p:cNvPr id="82" name="矩形 81"/>
+                  <p:cNvSpPr>
+                    <a:spLocks noRot="1" noChangeAspect="1" noMove="1" noResize="1" noEditPoints="1" noAdjustHandles="1" noChangeArrowheads="1" noChangeShapeType="1" noTextEdit="1"/>
+                  </p:cNvSpPr>
+                  <p:nvPr/>
+                </p:nvSpPr>
+                <p:spPr>
+                  <a:xfrm>
+                    <a:off x="3597281" y="3514319"/>
+                    <a:ext cx="376963" cy="276999"/>
+                  </a:xfrm>
+                  <a:prstGeom prst="rect">
+                    <a:avLst/>
+                  </a:prstGeom>
+                  <a:blipFill>
+                    <a:blip r:embed="rId14"/>
+                    <a:stretch>
+                      <a:fillRect/>
+                    </a:stretch>
+                  </a:blipFill>
+                </p:spPr>
+                <p:txBody>
+                  <a:bodyPr/>
+                  <a:lstStyle/>
+                  <a:p>
+                    <a:r>
+                      <a:rPr lang="zh-CN" altLang="en-US">
+                        <a:noFill/>
+                      </a:rPr>
+                      <a:t> </a:t>
+                    </a:r>
+                  </a:p>
+                </p:txBody>
+              </p:sp>
+            </mc:Fallback>
+          </mc:AlternateContent>
+          <mc:AlternateContent xmlns:mc="http://schemas.openxmlformats.org/markup-compatibility/2006">
+            <mc:Choice xmlns:a14="http://schemas.microsoft.com/office/drawing/2010/main" Requires="a14">
+              <p:sp>
+                <p:nvSpPr>
+                  <p:cNvPr id="84" name="矩形 83"/>
+                  <p:cNvSpPr/>
+                  <p:nvPr/>
+                </p:nvSpPr>
+                <p:spPr>
+                  <a:xfrm>
+                    <a:off x="5934799" y="3276755"/>
+                    <a:ext cx="376963" cy="276999"/>
+                  </a:xfrm>
+                  <a:prstGeom prst="rect">
+                    <a:avLst/>
+                  </a:prstGeom>
+                </p:spPr>
+                <p:txBody>
+                  <a:bodyPr wrap="none">
+                    <a:spAutoFit/>
+                  </a:bodyPr>
+                  <a:lstStyle/>
+                  <a:p>
+                    <a14:m>
+                      <m:oMathPara xmlns:m="http://schemas.openxmlformats.org/officeDocument/2006/math">
+                        <m:oMathParaPr>
+                          <m:jc m:val="centerGroup"/>
+                        </m:oMathParaPr>
+                        <m:oMath xmlns:m="http://schemas.openxmlformats.org/officeDocument/2006/math">
+                          <m:sSubSup>
+                            <m:sSubSupPr>
+                              <m:ctrlPr>
+                                <a:rPr lang="zh-CN" altLang="en-US" sz="1200">
+                                  <a:latin typeface="Cambria Math" panose="02040503050406030204" pitchFamily="18" charset="0"/>
+                                </a:rPr>
+                              </m:ctrlPr>
+                            </m:sSubSupPr>
+                            <m:e>
+                              <m:r>
+                                <a:rPr lang="zh-CN" altLang="en-US" sz="1200" i="1">
+                                  <a:latin typeface="Cambria Math" panose="02040503050406030204" pitchFamily="18" charset="0"/>
+                                </a:rPr>
+                                <m:t>𝑝</m:t>
+                              </m:r>
+                            </m:e>
+                            <m:sub>
+                              <m:r>
+                                <a:rPr lang="zh-CN" altLang="en-US" sz="1200" i="0">
+                                  <a:latin typeface="Cambria Math" panose="02040503050406030204" pitchFamily="18" charset="0"/>
+                                </a:rPr>
+                                <m:t>3</m:t>
+                              </m:r>
+                            </m:sub>
+                            <m:sup>
+                              <m:r>
+                                <a:rPr lang="zh-CN" altLang="en-US" sz="1200" i="0">
+                                  <a:latin typeface="Cambria Math" panose="02040503050406030204" pitchFamily="18" charset="0"/>
+                                </a:rPr>
+                                <m:t>′</m:t>
+                              </m:r>
+                            </m:sup>
+                          </m:sSubSup>
+                        </m:oMath>
+                      </m:oMathPara>
+                    </a14:m>
+                    <a:endParaRPr lang="zh-CN" altLang="en-US" sz="1200" dirty="0">
+                      <a:latin typeface="Times New Roman" panose="02020603050405020304" pitchFamily="18" charset="0"/>
+                      <a:cs typeface="Times New Roman" panose="02020603050405020304" pitchFamily="18" charset="0"/>
+                    </a:endParaRPr>
+                  </a:p>
+                </p:txBody>
+              </p:sp>
+            </mc:Choice>
+            <mc:Fallback>
+              <p:sp>
+                <p:nvSpPr>
+                  <p:cNvPr id="84" name="矩形 83"/>
+                  <p:cNvSpPr>
+                    <a:spLocks noRot="1" noChangeAspect="1" noMove="1" noResize="1" noEditPoints="1" noAdjustHandles="1" noChangeArrowheads="1" noChangeShapeType="1" noTextEdit="1"/>
+                  </p:cNvSpPr>
+                  <p:nvPr/>
+                </p:nvSpPr>
+                <p:spPr>
+                  <a:xfrm>
+                    <a:off x="5934799" y="3276755"/>
+                    <a:ext cx="376963" cy="276999"/>
+                  </a:xfrm>
+                  <a:prstGeom prst="rect">
+                    <a:avLst/>
+                  </a:prstGeom>
+                  <a:blipFill>
+                    <a:blip r:embed="rId15"/>
                     <a:stretch>
                       <a:fillRect/>
                     </a:stretch>
@@ -4401,126 +5509,14 @@
           <mc:Choice xmlns:a14="http://schemas.microsoft.com/office/drawing/2010/main" Requires="a14">
             <p:sp>
               <p:nvSpPr>
-                <p:cNvPr id="6" name="矩形 5"/>
+                <p:cNvPr id="86" name="矩形 85"/>
                 <p:cNvSpPr/>
                 <p:nvPr/>
               </p:nvSpPr>
               <p:spPr>
                 <a:xfrm>
-                  <a:off x="5188575" y="3383799"/>
-                  <a:ext cx="373372" cy="276999"/>
-                </a:xfrm>
-                <a:prstGeom prst="rect">
-                  <a:avLst/>
-                </a:prstGeom>
-              </p:spPr>
-              <p:txBody>
-                <a:bodyPr wrap="none">
-                  <a:spAutoFit/>
-                </a:bodyPr>
-                <a:lstStyle/>
-                <a:p>
-                  <a14:m>
-                    <m:oMathPara xmlns:m="http://schemas.openxmlformats.org/officeDocument/2006/math">
-                      <m:oMathParaPr>
-                        <m:jc m:val="centerGroup"/>
-                      </m:oMathParaPr>
-                      <m:oMath xmlns:m="http://schemas.openxmlformats.org/officeDocument/2006/math">
-                        <m:sSubSup>
-                          <m:sSubSupPr>
-                            <m:ctrlPr>
-                              <a:rPr lang="zh-CN" altLang="en-US" sz="1200">
-                                <a:latin typeface="Cambria Math" panose="02040503050406030204" pitchFamily="18" charset="0"/>
-                              </a:rPr>
-                            </m:ctrlPr>
-                          </m:sSubSupPr>
-                          <m:e>
-                            <m:r>
-                              <a:rPr lang="zh-CN" altLang="en-US" sz="1200" i="1">
-                                <a:latin typeface="Cambria Math" panose="02040503050406030204" pitchFamily="18" charset="0"/>
-                              </a:rPr>
-                              <m:t>𝑝</m:t>
-                            </m:r>
-                          </m:e>
-                          <m:sub>
-                            <m:r>
-                              <a:rPr lang="zh-CN" altLang="en-US" sz="1200" i="0">
-                                <a:latin typeface="Cambria Math" panose="02040503050406030204" pitchFamily="18" charset="0"/>
-                              </a:rPr>
-                              <m:t>1</m:t>
-                            </m:r>
-                          </m:sub>
-                          <m:sup>
-                            <m:r>
-                              <a:rPr lang="zh-CN" altLang="en-US" sz="1200" i="0">
-                                <a:latin typeface="Cambria Math" panose="02040503050406030204" pitchFamily="18" charset="0"/>
-                              </a:rPr>
-                              <m:t>′</m:t>
-                            </m:r>
-                          </m:sup>
-                        </m:sSubSup>
-                      </m:oMath>
-                    </m:oMathPara>
-                  </a14:m>
-                  <a:endParaRPr lang="zh-CN" altLang="en-US" sz="1200" dirty="0">
-                    <a:latin typeface="Times New Roman" panose="02020603050405020304" pitchFamily="18" charset="0"/>
-                    <a:cs typeface="Times New Roman" panose="02020603050405020304" pitchFamily="18" charset="0"/>
-                  </a:endParaRPr>
-                </a:p>
-              </p:txBody>
-            </p:sp>
-          </mc:Choice>
-          <mc:Fallback>
-            <p:sp>
-              <p:nvSpPr>
-                <p:cNvPr id="6" name="矩形 5"/>
-                <p:cNvSpPr>
-                  <a:spLocks noRot="1" noChangeAspect="1" noMove="1" noResize="1" noEditPoints="1" noAdjustHandles="1" noChangeArrowheads="1" noChangeShapeType="1" noTextEdit="1"/>
-                </p:cNvSpPr>
-                <p:nvPr/>
-              </p:nvSpPr>
-              <p:spPr>
-                <a:xfrm>
-                  <a:off x="5188575" y="3383799"/>
-                  <a:ext cx="373372" cy="276999"/>
-                </a:xfrm>
-                <a:prstGeom prst="rect">
-                  <a:avLst/>
-                </a:prstGeom>
-                <a:blipFill>
-                  <a:blip r:embed="rId10"/>
-                  <a:stretch>
-                    <a:fillRect/>
-                  </a:stretch>
-                </a:blipFill>
-              </p:spPr>
-              <p:txBody>
-                <a:bodyPr/>
-                <a:lstStyle/>
-                <a:p>
-                  <a:r>
-                    <a:rPr lang="zh-CN" altLang="en-US">
-                      <a:noFill/>
-                    </a:rPr>
-                    <a:t> </a:t>
-                  </a:r>
-                </a:p>
-              </p:txBody>
-            </p:sp>
-          </mc:Fallback>
-        </mc:AlternateContent>
-        <mc:AlternateContent xmlns:mc="http://schemas.openxmlformats.org/markup-compatibility/2006">
-          <mc:Choice xmlns:a14="http://schemas.microsoft.com/office/drawing/2010/main" Requires="a14">
-            <p:sp>
-              <p:nvSpPr>
-                <p:cNvPr id="8" name="矩形 7"/>
-                <p:cNvSpPr/>
-                <p:nvPr/>
-              </p:nvSpPr>
-              <p:spPr>
-                <a:xfrm>
-                  <a:off x="2770733" y="3424988"/>
-                  <a:ext cx="376578" cy="276999"/>
+                  <a:off x="4780456" y="2687691"/>
+                  <a:ext cx="371320" cy="276999"/>
                 </a:xfrm>
                 <a:prstGeom prst="rect">
                   <a:avLst/>
@@ -4551,7 +5547,7 @@
                               <a:rPr lang="zh-CN" altLang="en-US" sz="1200" i="1">
                                 <a:latin typeface="Cambria Math" panose="02040503050406030204" pitchFamily="18" charset="0"/>
                               </a:rPr>
-                              <m:t>𝑝</m:t>
+                              <m:t>𝑃</m:t>
                             </m:r>
                           </m:e>
                           <m:sub>
@@ -4566,7 +5562,10 @@
                       </m:oMath>
                     </m:oMathPara>
                   </a14:m>
-                  <a:endParaRPr lang="zh-CN" altLang="en-US" sz="1200" dirty="0"/>
+                  <a:endParaRPr lang="zh-CN" altLang="en-US" dirty="0">
+                    <a:latin typeface="Times New Roman" panose="02020603050405020304" pitchFamily="18" charset="0"/>
+                    <a:cs typeface="Times New Roman" panose="02020603050405020304" pitchFamily="18" charset="0"/>
+                  </a:endParaRPr>
                 </a:p>
               </p:txBody>
             </p:sp>
@@ -4574,7 +5573,7 @@
           <mc:Fallback>
             <p:sp>
               <p:nvSpPr>
-                <p:cNvPr id="8" name="矩形 7"/>
+                <p:cNvPr id="86" name="矩形 85"/>
                 <p:cNvSpPr>
                   <a:spLocks noRot="1" noChangeAspect="1" noMove="1" noResize="1" noEditPoints="1" noAdjustHandles="1" noChangeArrowheads="1" noChangeShapeType="1" noTextEdit="1"/>
                 </p:cNvSpPr>
@@ -4582,14 +5581,14 @@
               </p:nvSpPr>
               <p:spPr>
                 <a:xfrm>
-                  <a:off x="2770733" y="3424988"/>
-                  <a:ext cx="376578" cy="276999"/>
+                  <a:off x="4780456" y="2687691"/>
+                  <a:ext cx="371320" cy="276999"/>
                 </a:xfrm>
                 <a:prstGeom prst="rect">
                   <a:avLst/>
                 </a:prstGeom>
                 <a:blipFill>
-                  <a:blip r:embed="rId11"/>
+                  <a:blip r:embed="rId16"/>
                   <a:stretch>
                     <a:fillRect/>
                   </a:stretch>
@@ -4610,466 +5609,18 @@
             </p:sp>
           </mc:Fallback>
         </mc:AlternateContent>
-        <p:sp>
-          <p:nvSpPr>
-            <p:cNvPr id="26" name="平行四边形 25"/>
-            <p:cNvSpPr/>
-            <p:nvPr/>
-          </p:nvSpPr>
-          <p:spPr>
-            <a:xfrm rot="15927846" flipH="1">
-              <a:off x="5641287" y="3059421"/>
-              <a:ext cx="144473" cy="141417"/>
-            </a:xfrm>
-            <a:prstGeom prst="parallelogram">
-              <a:avLst/>
-            </a:prstGeom>
-            <a:noFill/>
-            <a:ln w="12700">
-              <a:solidFill>
-                <a:srgbClr val="0070C0"/>
-              </a:solidFill>
-            </a:ln>
-          </p:spPr>
-          <p:style>
-            <a:lnRef idx="2">
-              <a:schemeClr val="accent1">
-                <a:shade val="50000"/>
-              </a:schemeClr>
-            </a:lnRef>
-            <a:fillRef idx="1">
-              <a:schemeClr val="accent1"/>
-            </a:fillRef>
-            <a:effectRef idx="0">
-              <a:schemeClr val="accent1"/>
-            </a:effectRef>
-            <a:fontRef idx="minor">
-              <a:schemeClr val="lt1"/>
-            </a:fontRef>
-          </p:style>
-          <p:txBody>
-            <a:bodyPr rtlCol="0" anchor="ctr"/>
-            <a:lstStyle/>
-            <a:p>
-              <a:pPr algn="ctr"/>
-              <a:endParaRPr lang="zh-CN" altLang="en-US"/>
-            </a:p>
-          </p:txBody>
-        </p:sp>
-        <p:sp>
-          <p:nvSpPr>
-            <p:cNvPr id="27" name="平行四边形 26"/>
-            <p:cNvSpPr/>
-            <p:nvPr/>
-          </p:nvSpPr>
-          <p:spPr>
-            <a:xfrm rot="15927846" flipH="1">
-              <a:off x="5844871" y="3350875"/>
-              <a:ext cx="144473" cy="141417"/>
-            </a:xfrm>
-            <a:prstGeom prst="parallelogram">
-              <a:avLst/>
-            </a:prstGeom>
-            <a:noFill/>
-            <a:ln w="12700">
-              <a:solidFill>
-                <a:srgbClr val="0070C0"/>
-              </a:solidFill>
-            </a:ln>
-          </p:spPr>
-          <p:style>
-            <a:lnRef idx="2">
-              <a:schemeClr val="accent1">
-                <a:shade val="50000"/>
-              </a:schemeClr>
-            </a:lnRef>
-            <a:fillRef idx="1">
-              <a:schemeClr val="accent1"/>
-            </a:fillRef>
-            <a:effectRef idx="0">
-              <a:schemeClr val="accent1"/>
-            </a:effectRef>
-            <a:fontRef idx="minor">
-              <a:schemeClr val="lt1"/>
-            </a:fontRef>
-          </p:style>
-          <p:txBody>
-            <a:bodyPr rtlCol="0" anchor="ctr"/>
-            <a:lstStyle/>
-            <a:p>
-              <a:pPr algn="ctr"/>
-              <a:endParaRPr lang="zh-CN" altLang="en-US"/>
-            </a:p>
-          </p:txBody>
-        </p:sp>
-        <p:sp>
-          <p:nvSpPr>
-            <p:cNvPr id="28" name="平行四边形 27"/>
-            <p:cNvSpPr/>
-            <p:nvPr/>
-          </p:nvSpPr>
-          <p:spPr>
-            <a:xfrm rot="5400000">
-              <a:off x="3325350" y="3310303"/>
-              <a:ext cx="152400" cy="152400"/>
-            </a:xfrm>
-            <a:prstGeom prst="parallelogram">
-              <a:avLst/>
-            </a:prstGeom>
-            <a:noFill/>
-            <a:ln w="12700">
-              <a:solidFill>
-                <a:schemeClr val="tx1"/>
-              </a:solidFill>
-            </a:ln>
-          </p:spPr>
-          <p:style>
-            <a:lnRef idx="2">
-              <a:schemeClr val="accent1">
-                <a:shade val="50000"/>
-              </a:schemeClr>
-            </a:lnRef>
-            <a:fillRef idx="1">
-              <a:schemeClr val="accent1"/>
-            </a:fillRef>
-            <a:effectRef idx="0">
-              <a:schemeClr val="accent1"/>
-            </a:effectRef>
-            <a:fontRef idx="minor">
-              <a:schemeClr val="lt1"/>
-            </a:fontRef>
-          </p:style>
-          <p:txBody>
-            <a:bodyPr rtlCol="0" anchor="ctr"/>
-            <a:lstStyle/>
-            <a:p>
-              <a:pPr algn="ctr"/>
-              <a:endParaRPr lang="zh-CN" altLang="en-US"/>
-            </a:p>
-          </p:txBody>
-        </p:sp>
-        <p:sp>
-          <p:nvSpPr>
-            <p:cNvPr id="30" name="平行四边形 29"/>
-            <p:cNvSpPr/>
-            <p:nvPr/>
-          </p:nvSpPr>
-          <p:spPr>
-            <a:xfrm rot="5400000">
-              <a:off x="3491086" y="3607958"/>
-              <a:ext cx="152400" cy="152400"/>
-            </a:xfrm>
-            <a:prstGeom prst="parallelogram">
-              <a:avLst/>
-            </a:prstGeom>
-            <a:noFill/>
-            <a:ln w="12700">
-              <a:solidFill>
-                <a:schemeClr val="tx1"/>
-              </a:solidFill>
-            </a:ln>
-          </p:spPr>
-          <p:style>
-            <a:lnRef idx="2">
-              <a:schemeClr val="accent1">
-                <a:shade val="50000"/>
-              </a:schemeClr>
-            </a:lnRef>
-            <a:fillRef idx="1">
-              <a:schemeClr val="accent1"/>
-            </a:fillRef>
-            <a:effectRef idx="0">
-              <a:schemeClr val="accent1"/>
-            </a:effectRef>
-            <a:fontRef idx="minor">
-              <a:schemeClr val="lt1"/>
-            </a:fontRef>
-          </p:style>
-          <p:txBody>
-            <a:bodyPr rtlCol="0" anchor="ctr"/>
-            <a:lstStyle/>
-            <a:p>
-              <a:pPr algn="ctr"/>
-              <a:endParaRPr lang="zh-CN" altLang="en-US"/>
-            </a:p>
-          </p:txBody>
-        </p:sp>
-        <p:cxnSp>
-          <p:nvCxnSpPr>
-            <p:cNvPr id="36" name="直接连接符 35"/>
-            <p:cNvCxnSpPr>
-              <a:stCxn id="43" idx="3"/>
-            </p:cNvCxnSpPr>
-            <p:nvPr/>
-          </p:nvCxnSpPr>
-          <p:spPr>
-            <a:xfrm flipH="1">
-              <a:off x="3400929" y="2290339"/>
-              <a:ext cx="755014" cy="1093460"/>
-            </a:xfrm>
-            <a:prstGeom prst="line">
-              <a:avLst/>
-            </a:prstGeom>
-          </p:spPr>
-          <p:style>
-            <a:lnRef idx="1">
-              <a:schemeClr val="dk1"/>
-            </a:lnRef>
-            <a:fillRef idx="0">
-              <a:schemeClr val="dk1"/>
-            </a:fillRef>
-            <a:effectRef idx="0">
-              <a:schemeClr val="dk1"/>
-            </a:effectRef>
-            <a:fontRef idx="minor">
-              <a:schemeClr val="tx1"/>
-            </a:fontRef>
-          </p:style>
-        </p:cxnSp>
-        <p:sp>
-          <p:nvSpPr>
-            <p:cNvPr id="43" name="椭圆 42"/>
-            <p:cNvSpPr/>
-            <p:nvPr/>
-          </p:nvSpPr>
-          <p:spPr>
-            <a:xfrm>
-              <a:off x="4148956" y="2251315"/>
-              <a:ext cx="47707" cy="45719"/>
-            </a:xfrm>
-            <a:prstGeom prst="ellipse">
-              <a:avLst/>
-            </a:prstGeom>
-            <a:noFill/>
-            <a:ln>
-              <a:solidFill>
-                <a:schemeClr val="tx1"/>
-              </a:solidFill>
-            </a:ln>
-          </p:spPr>
-          <p:style>
-            <a:lnRef idx="2">
-              <a:schemeClr val="accent1">
-                <a:shade val="50000"/>
-              </a:schemeClr>
-            </a:lnRef>
-            <a:fillRef idx="1">
-              <a:schemeClr val="accent1"/>
-            </a:fillRef>
-            <a:effectRef idx="0">
-              <a:schemeClr val="accent1"/>
-            </a:effectRef>
-            <a:fontRef idx="minor">
-              <a:schemeClr val="lt1"/>
-            </a:fontRef>
-          </p:style>
-          <p:txBody>
-            <a:bodyPr rtlCol="0" anchor="ctr"/>
-            <a:lstStyle/>
-            <a:p>
-              <a:pPr algn="ctr"/>
-              <a:endParaRPr lang="zh-CN" altLang="en-US"/>
-            </a:p>
-          </p:txBody>
-        </p:sp>
-        <p:cxnSp>
-          <p:nvCxnSpPr>
-            <p:cNvPr id="45" name="直接箭头连接符 44"/>
-            <p:cNvCxnSpPr>
-              <a:stCxn id="43" idx="5"/>
-            </p:cNvCxnSpPr>
-            <p:nvPr/>
-          </p:nvCxnSpPr>
-          <p:spPr>
-            <a:xfrm>
-              <a:off x="4189676" y="2290339"/>
-              <a:ext cx="1522985" cy="857650"/>
-            </a:xfrm>
-            <a:prstGeom prst="straightConnector1">
-              <a:avLst/>
-            </a:prstGeom>
-            <a:ln>
-              <a:prstDash val="dash"/>
-              <a:tailEnd type="triangle"/>
-            </a:ln>
-          </p:spPr>
-          <p:style>
-            <a:lnRef idx="1">
-              <a:schemeClr val="dk1"/>
-            </a:lnRef>
-            <a:fillRef idx="0">
-              <a:schemeClr val="dk1"/>
-            </a:fillRef>
-            <a:effectRef idx="0">
-              <a:schemeClr val="dk1"/>
-            </a:effectRef>
-            <a:fontRef idx="minor">
-              <a:schemeClr val="tx1"/>
-            </a:fontRef>
-          </p:style>
-        </p:cxnSp>
-        <p:cxnSp>
-          <p:nvCxnSpPr>
-            <p:cNvPr id="56" name="直接连接符 55"/>
-            <p:cNvCxnSpPr>
-              <a:stCxn id="63" idx="3"/>
-            </p:cNvCxnSpPr>
-            <p:nvPr/>
-          </p:nvCxnSpPr>
-          <p:spPr>
-            <a:xfrm flipH="1">
-              <a:off x="3572300" y="2550020"/>
-              <a:ext cx="860040" cy="1151967"/>
-            </a:xfrm>
-            <a:prstGeom prst="line">
-              <a:avLst/>
-            </a:prstGeom>
-          </p:spPr>
-          <p:style>
-            <a:lnRef idx="1">
-              <a:schemeClr val="dk1"/>
-            </a:lnRef>
-            <a:fillRef idx="0">
-              <a:schemeClr val="dk1"/>
-            </a:fillRef>
-            <a:effectRef idx="0">
-              <a:schemeClr val="dk1"/>
-            </a:effectRef>
-            <a:fontRef idx="minor">
-              <a:schemeClr val="tx1"/>
-            </a:fontRef>
-          </p:style>
-        </p:cxnSp>
-        <p:sp>
-          <p:nvSpPr>
-            <p:cNvPr id="63" name="椭圆 62"/>
-            <p:cNvSpPr/>
-            <p:nvPr/>
-          </p:nvSpPr>
-          <p:spPr>
-            <a:xfrm>
-              <a:off x="4425353" y="2510996"/>
-              <a:ext cx="47707" cy="45719"/>
-            </a:xfrm>
-            <a:prstGeom prst="ellipse">
-              <a:avLst/>
-            </a:prstGeom>
-            <a:noFill/>
-            <a:ln>
-              <a:solidFill>
-                <a:schemeClr val="tx1"/>
-              </a:solidFill>
-            </a:ln>
-          </p:spPr>
-          <p:style>
-            <a:lnRef idx="2">
-              <a:schemeClr val="accent1">
-                <a:shade val="50000"/>
-              </a:schemeClr>
-            </a:lnRef>
-            <a:fillRef idx="1">
-              <a:schemeClr val="accent1"/>
-            </a:fillRef>
-            <a:effectRef idx="0">
-              <a:schemeClr val="accent1"/>
-            </a:effectRef>
-            <a:fontRef idx="minor">
-              <a:schemeClr val="lt1"/>
-            </a:fontRef>
-          </p:style>
-          <p:txBody>
-            <a:bodyPr rtlCol="0" anchor="ctr"/>
-            <a:lstStyle/>
-            <a:p>
-              <a:pPr algn="ctr"/>
-              <a:endParaRPr lang="zh-CN" altLang="en-US"/>
-            </a:p>
-          </p:txBody>
-        </p:sp>
-        <p:cxnSp>
-          <p:nvCxnSpPr>
-            <p:cNvPr id="65" name="直接箭头连接符 64"/>
-            <p:cNvCxnSpPr>
-              <a:stCxn id="63" idx="5"/>
-            </p:cNvCxnSpPr>
-            <p:nvPr/>
-          </p:nvCxnSpPr>
-          <p:spPr>
-            <a:xfrm>
-              <a:off x="4466073" y="2550020"/>
-              <a:ext cx="1454487" cy="874968"/>
-            </a:xfrm>
-            <a:prstGeom prst="straightConnector1">
-              <a:avLst/>
-            </a:prstGeom>
-            <a:ln>
-              <a:prstDash val="dash"/>
-              <a:tailEnd type="triangle"/>
-            </a:ln>
-          </p:spPr>
-          <p:style>
-            <a:lnRef idx="1">
-              <a:schemeClr val="dk1"/>
-            </a:lnRef>
-            <a:fillRef idx="0">
-              <a:schemeClr val="dk1"/>
-            </a:fillRef>
-            <a:effectRef idx="0">
-              <a:schemeClr val="dk1"/>
-            </a:effectRef>
-            <a:fontRef idx="minor">
-              <a:schemeClr val="tx1"/>
-            </a:fontRef>
-          </p:style>
-        </p:cxnSp>
-        <p:cxnSp>
-          <p:nvCxnSpPr>
-            <p:cNvPr id="21" name="直接箭头连接符 20"/>
-            <p:cNvCxnSpPr>
-              <a:stCxn id="11" idx="5"/>
-            </p:cNvCxnSpPr>
-            <p:nvPr/>
-          </p:nvCxnSpPr>
-          <p:spPr>
-            <a:xfrm>
-              <a:off x="3855468" y="2598442"/>
-              <a:ext cx="1654472" cy="792051"/>
-            </a:xfrm>
-            <a:prstGeom prst="straightConnector1">
-              <a:avLst/>
-            </a:prstGeom>
-            <a:ln>
-              <a:prstDash val="dash"/>
-              <a:tailEnd type="triangle"/>
-            </a:ln>
-          </p:spPr>
-          <p:style>
-            <a:lnRef idx="1">
-              <a:schemeClr val="dk1"/>
-            </a:lnRef>
-            <a:fillRef idx="0">
-              <a:schemeClr val="dk1"/>
-            </a:fillRef>
-            <a:effectRef idx="0">
-              <a:schemeClr val="dk1"/>
-            </a:effectRef>
-            <a:fontRef idx="minor">
-              <a:schemeClr val="tx1"/>
-            </a:fontRef>
-          </p:style>
-        </p:cxnSp>
         <mc:AlternateContent xmlns:mc="http://schemas.openxmlformats.org/markup-compatibility/2006">
           <mc:Choice xmlns:a14="http://schemas.microsoft.com/office/drawing/2010/main" Requires="a14">
             <p:sp>
               <p:nvSpPr>
-                <p:cNvPr id="80" name="矩形 79"/>
+                <p:cNvPr id="87" name="矩形 86"/>
                 <p:cNvSpPr/>
                 <p:nvPr/>
               </p:nvSpPr>
               <p:spPr>
                 <a:xfrm>
-                  <a:off x="3394062" y="3166814"/>
-                  <a:ext cx="376963" cy="276999"/>
+                  <a:off x="4952324" y="2407343"/>
+                  <a:ext cx="378116" cy="276999"/>
                 </a:xfrm>
                 <a:prstGeom prst="rect">
                   <a:avLst/>
@@ -5100,7 +5651,7 @@
                               <a:rPr lang="zh-CN" altLang="en-US" sz="1200" i="1">
                                 <a:latin typeface="Cambria Math" panose="02040503050406030204" pitchFamily="18" charset="0"/>
                               </a:rPr>
-                              <m:t>𝑝</m:t>
+                              <m:t>𝑃</m:t>
                             </m:r>
                           </m:e>
                           <m:sub>
@@ -5115,7 +5666,7 @@
                       </m:oMath>
                     </m:oMathPara>
                   </a14:m>
-                  <a:endParaRPr lang="zh-CN" altLang="en-US" sz="1200" dirty="0">
+                  <a:endParaRPr lang="zh-CN" altLang="en-US" dirty="0">
                     <a:latin typeface="Times New Roman" panose="02020603050405020304" pitchFamily="18" charset="0"/>
                     <a:cs typeface="Times New Roman" panose="02020603050405020304" pitchFamily="18" charset="0"/>
                   </a:endParaRPr>
@@ -5126,7 +5677,7 @@
           <mc:Fallback>
             <p:sp>
               <p:nvSpPr>
-                <p:cNvPr id="80" name="矩形 79"/>
+                <p:cNvPr id="87" name="矩形 86"/>
                 <p:cNvSpPr>
                   <a:spLocks noRot="1" noChangeAspect="1" noMove="1" noResize="1" noEditPoints="1" noAdjustHandles="1" noChangeArrowheads="1" noChangeShapeType="1" noTextEdit="1"/>
                 </p:cNvSpPr>
@@ -5134,14 +5685,14 @@
               </p:nvSpPr>
               <p:spPr>
                 <a:xfrm>
-                  <a:off x="3394062" y="3166814"/>
-                  <a:ext cx="376963" cy="276999"/>
+                  <a:off x="4952324" y="2407343"/>
+                  <a:ext cx="378116" cy="276999"/>
                 </a:xfrm>
                 <a:prstGeom prst="rect">
                   <a:avLst/>
                 </a:prstGeom>
                 <a:blipFill>
-                  <a:blip r:embed="rId12"/>
+                  <a:blip r:embed="rId17"/>
                   <a:stretch>
                     <a:fillRect/>
                   </a:stretch>
@@ -5166,126 +5717,14 @@
           <mc:Choice xmlns:a14="http://schemas.microsoft.com/office/drawing/2010/main" Requires="a14">
             <p:sp>
               <p:nvSpPr>
-                <p:cNvPr id="81" name="矩形 80"/>
+                <p:cNvPr id="88" name="矩形 87"/>
                 <p:cNvSpPr/>
                 <p:nvPr/>
               </p:nvSpPr>
               <p:spPr>
                 <a:xfrm>
-                  <a:off x="5712576" y="2882350"/>
-                  <a:ext cx="376963" cy="276999"/>
-                </a:xfrm>
-                <a:prstGeom prst="rect">
-                  <a:avLst/>
-                </a:prstGeom>
-              </p:spPr>
-              <p:txBody>
-                <a:bodyPr wrap="none">
-                  <a:spAutoFit/>
-                </a:bodyPr>
-                <a:lstStyle/>
-                <a:p>
-                  <a14:m>
-                    <m:oMathPara xmlns:m="http://schemas.openxmlformats.org/officeDocument/2006/math">
-                      <m:oMathParaPr>
-                        <m:jc m:val="centerGroup"/>
-                      </m:oMathParaPr>
-                      <m:oMath xmlns:m="http://schemas.openxmlformats.org/officeDocument/2006/math">
-                        <m:sSubSup>
-                          <m:sSubSupPr>
-                            <m:ctrlPr>
-                              <a:rPr lang="zh-CN" altLang="en-US" sz="1200">
-                                <a:latin typeface="Cambria Math" panose="02040503050406030204" pitchFamily="18" charset="0"/>
-                              </a:rPr>
-                            </m:ctrlPr>
-                          </m:sSubSupPr>
-                          <m:e>
-                            <m:r>
-                              <a:rPr lang="zh-CN" altLang="en-US" sz="1200" i="1">
-                                <a:latin typeface="Cambria Math" panose="02040503050406030204" pitchFamily="18" charset="0"/>
-                              </a:rPr>
-                              <m:t>𝑝</m:t>
-                            </m:r>
-                          </m:e>
-                          <m:sub>
-                            <m:r>
-                              <a:rPr lang="zh-CN" altLang="en-US" sz="1200" i="0">
-                                <a:latin typeface="Cambria Math" panose="02040503050406030204" pitchFamily="18" charset="0"/>
-                              </a:rPr>
-                              <m:t>2</m:t>
-                            </m:r>
-                          </m:sub>
-                          <m:sup>
-                            <m:r>
-                              <a:rPr lang="zh-CN" altLang="en-US" sz="1200" i="0">
-                                <a:latin typeface="Cambria Math" panose="02040503050406030204" pitchFamily="18" charset="0"/>
-                              </a:rPr>
-                              <m:t>′</m:t>
-                            </m:r>
-                          </m:sup>
-                        </m:sSubSup>
-                      </m:oMath>
-                    </m:oMathPara>
-                  </a14:m>
-                  <a:endParaRPr lang="zh-CN" altLang="en-US" sz="1200" dirty="0">
-                    <a:latin typeface="Times New Roman" panose="02020603050405020304" pitchFamily="18" charset="0"/>
-                    <a:cs typeface="Times New Roman" panose="02020603050405020304" pitchFamily="18" charset="0"/>
-                  </a:endParaRPr>
-                </a:p>
-              </p:txBody>
-            </p:sp>
-          </mc:Choice>
-          <mc:Fallback>
-            <p:sp>
-              <p:nvSpPr>
-                <p:cNvPr id="81" name="矩形 80"/>
-                <p:cNvSpPr>
-                  <a:spLocks noRot="1" noChangeAspect="1" noMove="1" noResize="1" noEditPoints="1" noAdjustHandles="1" noChangeArrowheads="1" noChangeShapeType="1" noTextEdit="1"/>
-                </p:cNvSpPr>
-                <p:nvPr/>
-              </p:nvSpPr>
-              <p:spPr>
-                <a:xfrm>
-                  <a:off x="5712576" y="2882350"/>
-                  <a:ext cx="376963" cy="276999"/>
-                </a:xfrm>
-                <a:prstGeom prst="rect">
-                  <a:avLst/>
-                </a:prstGeom>
-                <a:blipFill>
-                  <a:blip r:embed="rId13"/>
-                  <a:stretch>
-                    <a:fillRect/>
-                  </a:stretch>
-                </a:blipFill>
-              </p:spPr>
-              <p:txBody>
-                <a:bodyPr/>
-                <a:lstStyle/>
-                <a:p>
-                  <a:r>
-                    <a:rPr lang="zh-CN" altLang="en-US">
-                      <a:noFill/>
-                    </a:rPr>
-                    <a:t> </a:t>
-                  </a:r>
-                </a:p>
-              </p:txBody>
-            </p:sp>
-          </mc:Fallback>
-        </mc:AlternateContent>
-        <mc:AlternateContent xmlns:mc="http://schemas.openxmlformats.org/markup-compatibility/2006">
-          <mc:Choice xmlns:a14="http://schemas.microsoft.com/office/drawing/2010/main" Requires="a14">
-            <p:sp>
-              <p:nvSpPr>
-                <p:cNvPr id="82" name="矩形 81"/>
-                <p:cNvSpPr/>
-                <p:nvPr/>
-              </p:nvSpPr>
-              <p:spPr>
-                <a:xfrm>
-                  <a:off x="3597281" y="3514319"/>
-                  <a:ext cx="376963" cy="276999"/>
+                  <a:off x="5490859" y="2606524"/>
+                  <a:ext cx="378116" cy="276999"/>
                 </a:xfrm>
                 <a:prstGeom prst="rect">
                   <a:avLst/>
@@ -5316,7 +5755,7 @@
                               <a:rPr lang="zh-CN" altLang="en-US" sz="1200" i="1">
                                 <a:latin typeface="Cambria Math" panose="02040503050406030204" pitchFamily="18" charset="0"/>
                               </a:rPr>
-                              <m:t>𝑝</m:t>
+                              <m:t>𝑃</m:t>
                             </m:r>
                           </m:e>
                           <m:sub>
@@ -5342,7 +5781,7 @@
           <mc:Fallback>
             <p:sp>
               <p:nvSpPr>
-                <p:cNvPr id="82" name="矩形 81"/>
+                <p:cNvPr id="88" name="矩形 87"/>
                 <p:cNvSpPr>
                   <a:spLocks noRot="1" noChangeAspect="1" noMove="1" noResize="1" noEditPoints="1" noAdjustHandles="1" noChangeArrowheads="1" noChangeShapeType="1" noTextEdit="1"/>
                 </p:cNvSpPr>
@@ -5350,126 +5789,14 @@
               </p:nvSpPr>
               <p:spPr>
                 <a:xfrm>
-                  <a:off x="3597281" y="3514319"/>
-                  <a:ext cx="376963" cy="276999"/>
+                  <a:off x="5490859" y="2606524"/>
+                  <a:ext cx="378116" cy="276999"/>
                 </a:xfrm>
                 <a:prstGeom prst="rect">
                   <a:avLst/>
                 </a:prstGeom>
                 <a:blipFill>
-                  <a:blip r:embed="rId14"/>
-                  <a:stretch>
-                    <a:fillRect/>
-                  </a:stretch>
-                </a:blipFill>
-              </p:spPr>
-              <p:txBody>
-                <a:bodyPr/>
-                <a:lstStyle/>
-                <a:p>
-                  <a:r>
-                    <a:rPr lang="zh-CN" altLang="en-US">
-                      <a:noFill/>
-                    </a:rPr>
-                    <a:t> </a:t>
-                  </a:r>
-                </a:p>
-              </p:txBody>
-            </p:sp>
-          </mc:Fallback>
-        </mc:AlternateContent>
-        <mc:AlternateContent xmlns:mc="http://schemas.openxmlformats.org/markup-compatibility/2006">
-          <mc:Choice xmlns:a14="http://schemas.microsoft.com/office/drawing/2010/main" Requires="a14">
-            <p:sp>
-              <p:nvSpPr>
-                <p:cNvPr id="84" name="矩形 83"/>
-                <p:cNvSpPr/>
-                <p:nvPr/>
-              </p:nvSpPr>
-              <p:spPr>
-                <a:xfrm>
-                  <a:off x="5934799" y="3276755"/>
-                  <a:ext cx="376963" cy="276999"/>
-                </a:xfrm>
-                <a:prstGeom prst="rect">
-                  <a:avLst/>
-                </a:prstGeom>
-              </p:spPr>
-              <p:txBody>
-                <a:bodyPr wrap="none">
-                  <a:spAutoFit/>
-                </a:bodyPr>
-                <a:lstStyle/>
-                <a:p>
-                  <a14:m>
-                    <m:oMathPara xmlns:m="http://schemas.openxmlformats.org/officeDocument/2006/math">
-                      <m:oMathParaPr>
-                        <m:jc m:val="centerGroup"/>
-                      </m:oMathParaPr>
-                      <m:oMath xmlns:m="http://schemas.openxmlformats.org/officeDocument/2006/math">
-                        <m:sSubSup>
-                          <m:sSubSupPr>
-                            <m:ctrlPr>
-                              <a:rPr lang="zh-CN" altLang="en-US" sz="1200">
-                                <a:latin typeface="Cambria Math" panose="02040503050406030204" pitchFamily="18" charset="0"/>
-                              </a:rPr>
-                            </m:ctrlPr>
-                          </m:sSubSupPr>
-                          <m:e>
-                            <m:r>
-                              <a:rPr lang="zh-CN" altLang="en-US" sz="1200" i="1">
-                                <a:latin typeface="Cambria Math" panose="02040503050406030204" pitchFamily="18" charset="0"/>
-                              </a:rPr>
-                              <m:t>𝑝</m:t>
-                            </m:r>
-                          </m:e>
-                          <m:sub>
-                            <m:r>
-                              <a:rPr lang="zh-CN" altLang="en-US" sz="1200" i="0">
-                                <a:latin typeface="Cambria Math" panose="02040503050406030204" pitchFamily="18" charset="0"/>
-                              </a:rPr>
-                              <m:t>3</m:t>
-                            </m:r>
-                          </m:sub>
-                          <m:sup>
-                            <m:r>
-                              <a:rPr lang="zh-CN" altLang="en-US" sz="1200" i="0">
-                                <a:latin typeface="Cambria Math" panose="02040503050406030204" pitchFamily="18" charset="0"/>
-                              </a:rPr>
-                              <m:t>′</m:t>
-                            </m:r>
-                          </m:sup>
-                        </m:sSubSup>
-                      </m:oMath>
-                    </m:oMathPara>
-                  </a14:m>
-                  <a:endParaRPr lang="zh-CN" altLang="en-US" sz="1200" dirty="0">
-                    <a:latin typeface="Times New Roman" panose="02020603050405020304" pitchFamily="18" charset="0"/>
-                    <a:cs typeface="Times New Roman" panose="02020603050405020304" pitchFamily="18" charset="0"/>
-                  </a:endParaRPr>
-                </a:p>
-              </p:txBody>
-            </p:sp>
-          </mc:Choice>
-          <mc:Fallback>
-            <p:sp>
-              <p:nvSpPr>
-                <p:cNvPr id="84" name="矩形 83"/>
-                <p:cNvSpPr>
-                  <a:spLocks noRot="1" noChangeAspect="1" noMove="1" noResize="1" noEditPoints="1" noAdjustHandles="1" noChangeArrowheads="1" noChangeShapeType="1" noTextEdit="1"/>
-                </p:cNvSpPr>
-                <p:nvPr/>
-              </p:nvSpPr>
-              <p:spPr>
-                <a:xfrm>
-                  <a:off x="5934799" y="3276755"/>
-                  <a:ext cx="376963" cy="276999"/>
-                </a:xfrm>
-                <a:prstGeom prst="rect">
-                  <a:avLst/>
-                </a:prstGeom>
-                <a:blipFill>
-                  <a:blip r:embed="rId15"/>
+                  <a:blip r:embed="rId18"/>
                   <a:stretch>
                     <a:fillRect/>
                   </a:stretch>
@@ -5491,214 +5818,6 @@
           </mc:Fallback>
         </mc:AlternateContent>
       </p:grpSp>
-      <mc:AlternateContent xmlns:mc="http://schemas.openxmlformats.org/markup-compatibility/2006">
-        <mc:Choice xmlns:a14="http://schemas.microsoft.com/office/drawing/2010/main" Requires="a14">
-          <p:sp>
-            <p:nvSpPr>
-              <p:cNvPr id="86" name="矩形 85"/>
-              <p:cNvSpPr/>
-              <p:nvPr/>
-            </p:nvSpPr>
-            <p:spPr>
-              <a:xfrm>
-                <a:off x="4780456" y="2687691"/>
-                <a:ext cx="371320" cy="276999"/>
-              </a:xfrm>
-              <a:prstGeom prst="rect">
-                <a:avLst/>
-              </a:prstGeom>
-            </p:spPr>
-            <p:txBody>
-              <a:bodyPr wrap="none">
-                <a:spAutoFit/>
-              </a:bodyPr>
-              <a:lstStyle/>
-              <a:p>
-                <a14:m>
-                  <m:oMathPara xmlns:m="http://schemas.openxmlformats.org/officeDocument/2006/math">
-                    <m:oMathParaPr>
-                      <m:jc m:val="centerGroup"/>
-                    </m:oMathParaPr>
-                    <m:oMath xmlns:m="http://schemas.openxmlformats.org/officeDocument/2006/math">
-                      <m:sSub>
-                        <m:sSubPr>
-                          <m:ctrlPr>
-                            <a:rPr lang="zh-CN" altLang="en-US" sz="1200">
-                              <a:latin typeface="Cambria Math" panose="02040503050406030204" pitchFamily="18" charset="0"/>
-                            </a:rPr>
-                          </m:ctrlPr>
-                        </m:sSubPr>
-                        <m:e>
-                          <m:r>
-                            <a:rPr lang="zh-CN" altLang="en-US" sz="1200" i="1">
-                              <a:latin typeface="Cambria Math" panose="02040503050406030204" pitchFamily="18" charset="0"/>
-                            </a:rPr>
-                            <m:t>𝑃</m:t>
-                          </m:r>
-                        </m:e>
-                        <m:sub>
-                          <m:r>
-                            <a:rPr lang="zh-CN" altLang="en-US" sz="1200" i="0">
-                              <a:latin typeface="Cambria Math" panose="02040503050406030204" pitchFamily="18" charset="0"/>
-                            </a:rPr>
-                            <m:t>1</m:t>
-                          </m:r>
-                        </m:sub>
-                      </m:sSub>
-                    </m:oMath>
-                  </m:oMathPara>
-                </a14:m>
-                <a:endParaRPr lang="zh-CN" altLang="en-US" dirty="0">
-                  <a:latin typeface="Times New Roman" panose="02020603050405020304" pitchFamily="18" charset="0"/>
-                  <a:cs typeface="Times New Roman" panose="02020603050405020304" pitchFamily="18" charset="0"/>
-                </a:endParaRPr>
-              </a:p>
-            </p:txBody>
-          </p:sp>
-        </mc:Choice>
-        <mc:Fallback>
-          <p:sp>
-            <p:nvSpPr>
-              <p:cNvPr id="86" name="矩形 85"/>
-              <p:cNvSpPr>
-                <a:spLocks noRot="1" noChangeAspect="1" noMove="1" noResize="1" noEditPoints="1" noAdjustHandles="1" noChangeArrowheads="1" noChangeShapeType="1" noTextEdit="1"/>
-              </p:cNvSpPr>
-              <p:nvPr/>
-            </p:nvSpPr>
-            <p:spPr>
-              <a:xfrm>
-                <a:off x="4780456" y="2687691"/>
-                <a:ext cx="371320" cy="276999"/>
-              </a:xfrm>
-              <a:prstGeom prst="rect">
-                <a:avLst/>
-              </a:prstGeom>
-              <a:blipFill>
-                <a:blip r:embed="rId16"/>
-                <a:stretch>
-                  <a:fillRect/>
-                </a:stretch>
-              </a:blipFill>
-            </p:spPr>
-            <p:txBody>
-              <a:bodyPr/>
-              <a:lstStyle/>
-              <a:p>
-                <a:r>
-                  <a:rPr lang="zh-CN" altLang="en-US">
-                    <a:noFill/>
-                  </a:rPr>
-                  <a:t> </a:t>
-                </a:r>
-              </a:p>
-            </p:txBody>
-          </p:sp>
-        </mc:Fallback>
-      </mc:AlternateContent>
-      <mc:AlternateContent xmlns:mc="http://schemas.openxmlformats.org/markup-compatibility/2006">
-        <mc:Choice xmlns:a14="http://schemas.microsoft.com/office/drawing/2010/main" Requires="a14">
-          <p:sp>
-            <p:nvSpPr>
-              <p:cNvPr id="87" name="矩形 86"/>
-              <p:cNvSpPr/>
-              <p:nvPr/>
-            </p:nvSpPr>
-            <p:spPr>
-              <a:xfrm>
-                <a:off x="4952324" y="2407343"/>
-                <a:ext cx="378116" cy="276999"/>
-              </a:xfrm>
-              <a:prstGeom prst="rect">
-                <a:avLst/>
-              </a:prstGeom>
-            </p:spPr>
-            <p:txBody>
-              <a:bodyPr wrap="none">
-                <a:spAutoFit/>
-              </a:bodyPr>
-              <a:lstStyle/>
-              <a:p>
-                <a14:m>
-                  <m:oMathPara xmlns:m="http://schemas.openxmlformats.org/officeDocument/2006/math">
-                    <m:oMathParaPr>
-                      <m:jc m:val="centerGroup"/>
-                    </m:oMathParaPr>
-                    <m:oMath xmlns:m="http://schemas.openxmlformats.org/officeDocument/2006/math">
-                      <m:sSub>
-                        <m:sSubPr>
-                          <m:ctrlPr>
-                            <a:rPr lang="zh-CN" altLang="en-US" sz="1200">
-                              <a:latin typeface="Cambria Math" panose="02040503050406030204" pitchFamily="18" charset="0"/>
-                            </a:rPr>
-                          </m:ctrlPr>
-                        </m:sSubPr>
-                        <m:e>
-                          <m:r>
-                            <a:rPr lang="zh-CN" altLang="en-US" sz="1200" i="1">
-                              <a:latin typeface="Cambria Math" panose="02040503050406030204" pitchFamily="18" charset="0"/>
-                            </a:rPr>
-                            <m:t>𝑃</m:t>
-                          </m:r>
-                        </m:e>
-                        <m:sub>
-                          <m:r>
-                            <a:rPr lang="zh-CN" altLang="en-US" sz="1200" i="0">
-                              <a:latin typeface="Cambria Math" panose="02040503050406030204" pitchFamily="18" charset="0"/>
-                            </a:rPr>
-                            <m:t>2</m:t>
-                          </m:r>
-                        </m:sub>
-                      </m:sSub>
-                    </m:oMath>
-                  </m:oMathPara>
-                </a14:m>
-                <a:endParaRPr lang="zh-CN" altLang="en-US" dirty="0">
-                  <a:latin typeface="Times New Roman" panose="02020603050405020304" pitchFamily="18" charset="0"/>
-                  <a:cs typeface="Times New Roman" panose="02020603050405020304" pitchFamily="18" charset="0"/>
-                </a:endParaRPr>
-              </a:p>
-            </p:txBody>
-          </p:sp>
-        </mc:Choice>
-        <mc:Fallback>
-          <p:sp>
-            <p:nvSpPr>
-              <p:cNvPr id="87" name="矩形 86"/>
-              <p:cNvSpPr>
-                <a:spLocks noRot="1" noChangeAspect="1" noMove="1" noResize="1" noEditPoints="1" noAdjustHandles="1" noChangeArrowheads="1" noChangeShapeType="1" noTextEdit="1"/>
-              </p:cNvSpPr>
-              <p:nvPr/>
-            </p:nvSpPr>
-            <p:spPr>
-              <a:xfrm>
-                <a:off x="4952324" y="2407343"/>
-                <a:ext cx="378116" cy="276999"/>
-              </a:xfrm>
-              <a:prstGeom prst="rect">
-                <a:avLst/>
-              </a:prstGeom>
-              <a:blipFill>
-                <a:blip r:embed="rId17"/>
-                <a:stretch>
-                  <a:fillRect/>
-                </a:stretch>
-              </a:blipFill>
-            </p:spPr>
-            <p:txBody>
-              <a:bodyPr/>
-              <a:lstStyle/>
-              <a:p>
-                <a:r>
-                  <a:rPr lang="zh-CN" altLang="en-US">
-                    <a:noFill/>
-                  </a:rPr>
-                  <a:t> </a:t>
-                </a:r>
-              </a:p>
-            </p:txBody>
-          </p:sp>
-        </mc:Fallback>
-      </mc:AlternateContent>
     </p:spTree>
     <p:extLst>
       <p:ext uri="{BB962C8B-B14F-4D97-AF65-F5344CB8AC3E}">
@@ -7366,7 +7485,7 @@
                 <a:graphicData uri="http://schemas.openxmlformats.org/presentationml/2006/ole">
                   <mc:AlternateContent>
                     <mc:Choice xmlns:v="urn:schemas-microsoft-com:vml" Requires="v">
-                      <p:oleObj spid="_x0000_s2055" name="Equation" r:id="rId12" imgW="164880" imgH="190440" progId="Equation.DSMT4">
+                      <p:oleObj spid="_x0000_s2111" name="Equation" r:id="rId12" imgW="164880" imgH="190440" progId="Equation.DSMT4">
                         <p:embed/>
                       </p:oleObj>
                     </mc:Choice>
@@ -7425,7 +7544,7 @@
                 <a:graphicData uri="http://schemas.openxmlformats.org/presentationml/2006/ole">
                   <mc:AlternateContent>
                     <mc:Choice xmlns:v="urn:schemas-microsoft-com:vml" Requires="v">
-                      <p:oleObj spid="_x0000_s2055" name="Equation" r:id="rId12" imgW="164880" imgH="190440" progId="Equation.DSMT4">
+                      <p:oleObj spid="_x0000_s2111" name="Equation" r:id="rId12" imgW="164880" imgH="190440" progId="Equation.DSMT4">
                         <p:embed/>
                       </p:oleObj>
                     </mc:Choice>
@@ -7486,7 +7605,7 @@
                 <a:graphicData uri="http://schemas.openxmlformats.org/presentationml/2006/ole">
                   <mc:AlternateContent>
                     <mc:Choice xmlns:v="urn:schemas-microsoft-com:vml" Requires="v">
-                      <p:oleObj spid="_x0000_s2056" name="Equation" r:id="rId14" imgW="152280" imgH="164880" progId="Equation.DSMT4">
+                      <p:oleObj spid="_x0000_s2112" name="Equation" r:id="rId14" imgW="152280" imgH="164880" progId="Equation.DSMT4">
                         <p:embed/>
                       </p:oleObj>
                     </mc:Choice>
@@ -7545,7 +7664,7 @@
                 <a:graphicData uri="http://schemas.openxmlformats.org/presentationml/2006/ole">
                   <mc:AlternateContent>
                     <mc:Choice xmlns:v="urn:schemas-microsoft-com:vml" Requires="v">
-                      <p:oleObj spid="_x0000_s2056" name="Equation" r:id="rId14" imgW="152280" imgH="164880" progId="Equation.DSMT4">
+                      <p:oleObj spid="_x0000_s2112" name="Equation" r:id="rId14" imgW="152280" imgH="164880" progId="Equation.DSMT4">
                         <p:embed/>
                       </p:oleObj>
                     </mc:Choice>
@@ -7613,6 +7732,1509 @@
           <a:chExt cx="0" cy="0"/>
         </a:xfrm>
       </p:grpSpPr>
+      <p:pic>
+        <p:nvPicPr>
+          <p:cNvPr id="5" name="图片 4"/>
+          <p:cNvPicPr>
+            <a:picLocks noChangeAspect="1"/>
+          </p:cNvPicPr>
+          <p:nvPr/>
+        </p:nvPicPr>
+        <p:blipFill>
+          <a:blip r:embed="rId2">
+            <a:extLst>
+              <a:ext uri="{28A0092B-C50C-407E-A947-70E740481C1C}">
+                <a14:useLocalDpi xmlns:a14="http://schemas.microsoft.com/office/drawing/2010/main" val="0"/>
+              </a:ext>
+            </a:extLst>
+          </a:blip>
+          <a:stretch>
+            <a:fillRect/>
+          </a:stretch>
+        </p:blipFill>
+        <p:spPr>
+          <a:xfrm>
+            <a:off x="1217613" y="1496256"/>
+            <a:ext cx="1555828" cy="466986"/>
+          </a:xfrm>
+          <a:prstGeom prst="rect">
+            <a:avLst/>
+          </a:prstGeom>
+        </p:spPr>
+      </p:pic>
+      <p:sp>
+        <p:nvSpPr>
+          <p:cNvPr id="7" name="流程图: 终止 6"/>
+          <p:cNvSpPr/>
+          <p:nvPr/>
+        </p:nvSpPr>
+        <p:spPr>
+          <a:xfrm>
+            <a:off x="1433513" y="2914650"/>
+            <a:ext cx="1123950" cy="390525"/>
+          </a:xfrm>
+          <a:prstGeom prst="flowChartTerminator">
+            <a:avLst/>
+          </a:prstGeom>
+          <a:noFill/>
+          <a:ln w="12700">
+            <a:solidFill>
+              <a:schemeClr val="tx1"/>
+            </a:solidFill>
+          </a:ln>
+        </p:spPr>
+        <p:style>
+          <a:lnRef idx="2">
+            <a:schemeClr val="accent1">
+              <a:shade val="50000"/>
+            </a:schemeClr>
+          </a:lnRef>
+          <a:fillRef idx="1">
+            <a:schemeClr val="accent1"/>
+          </a:fillRef>
+          <a:effectRef idx="0">
+            <a:schemeClr val="accent1"/>
+          </a:effectRef>
+          <a:fontRef idx="minor">
+            <a:schemeClr val="lt1"/>
+          </a:fontRef>
+        </p:style>
+        <p:txBody>
+          <a:bodyPr rtlCol="0" anchor="ctr"/>
+          <a:lstStyle/>
+          <a:p>
+            <a:pPr algn="ctr"/>
+            <a:r>
+              <a:rPr lang="en-US" altLang="zh-CN" sz="1200" dirty="0" smtClean="0">
+                <a:solidFill>
+                  <a:schemeClr val="tx1"/>
+                </a:solidFill>
+                <a:latin typeface="Times New Roman" panose="02020603050405020304" pitchFamily="18" charset="0"/>
+                <a:cs typeface="Times New Roman" panose="02020603050405020304" pitchFamily="18" charset="0"/>
+              </a:rPr>
+              <a:t>Last Frame</a:t>
+            </a:r>
+            <a:endParaRPr lang="zh-CN" altLang="en-US" sz="1200" dirty="0">
+              <a:solidFill>
+                <a:schemeClr val="tx1"/>
+              </a:solidFill>
+              <a:latin typeface="Times New Roman" panose="02020603050405020304" pitchFamily="18" charset="0"/>
+              <a:cs typeface="Times New Roman" panose="02020603050405020304" pitchFamily="18" charset="0"/>
+            </a:endParaRPr>
+          </a:p>
+        </p:txBody>
+      </p:sp>
+      <p:sp>
+        <p:nvSpPr>
+          <p:cNvPr id="8" name="流程图: 终止 7"/>
+          <p:cNvSpPr/>
+          <p:nvPr/>
+        </p:nvSpPr>
+        <p:spPr>
+          <a:xfrm>
+            <a:off x="1433513" y="2295525"/>
+            <a:ext cx="1123950" cy="390525"/>
+          </a:xfrm>
+          <a:prstGeom prst="flowChartTerminator">
+            <a:avLst/>
+          </a:prstGeom>
+          <a:noFill/>
+          <a:ln w="12700">
+            <a:solidFill>
+              <a:schemeClr val="tx1"/>
+            </a:solidFill>
+          </a:ln>
+        </p:spPr>
+        <p:style>
+          <a:lnRef idx="2">
+            <a:schemeClr val="accent1">
+              <a:shade val="50000"/>
+            </a:schemeClr>
+          </a:lnRef>
+          <a:fillRef idx="1">
+            <a:schemeClr val="accent1"/>
+          </a:fillRef>
+          <a:effectRef idx="0">
+            <a:schemeClr val="accent1"/>
+          </a:effectRef>
+          <a:fontRef idx="minor">
+            <a:schemeClr val="lt1"/>
+          </a:fontRef>
+        </p:style>
+        <p:txBody>
+          <a:bodyPr rtlCol="0" anchor="ctr"/>
+          <a:lstStyle/>
+          <a:p>
+            <a:pPr algn="ctr"/>
+            <a:r>
+              <a:rPr lang="en-US" altLang="zh-CN" sz="1200" dirty="0" smtClean="0">
+                <a:solidFill>
+                  <a:schemeClr val="tx1"/>
+                </a:solidFill>
+                <a:latin typeface="Times New Roman" panose="02020603050405020304" pitchFamily="18" charset="0"/>
+                <a:cs typeface="Times New Roman" panose="02020603050405020304" pitchFamily="18" charset="0"/>
+              </a:rPr>
+              <a:t>New Frame</a:t>
+            </a:r>
+            <a:endParaRPr lang="zh-CN" altLang="en-US" sz="1200" dirty="0">
+              <a:solidFill>
+                <a:schemeClr val="tx1"/>
+              </a:solidFill>
+              <a:latin typeface="Times New Roman" panose="02020603050405020304" pitchFamily="18" charset="0"/>
+              <a:cs typeface="Times New Roman" panose="02020603050405020304" pitchFamily="18" charset="0"/>
+            </a:endParaRPr>
+          </a:p>
+        </p:txBody>
+      </p:sp>
+      <p:sp>
+        <p:nvSpPr>
+          <p:cNvPr id="9" name="矩形 8"/>
+          <p:cNvSpPr/>
+          <p:nvPr/>
+        </p:nvSpPr>
+        <p:spPr>
+          <a:xfrm>
+            <a:off x="3000374" y="2590800"/>
+            <a:ext cx="1781175" cy="514350"/>
+          </a:xfrm>
+          <a:prstGeom prst="rect">
+            <a:avLst/>
+          </a:prstGeom>
+          <a:noFill/>
+          <a:ln>
+            <a:solidFill>
+              <a:schemeClr val="tx1"/>
+            </a:solidFill>
+          </a:ln>
+        </p:spPr>
+        <p:style>
+          <a:lnRef idx="2">
+            <a:schemeClr val="accent1">
+              <a:shade val="50000"/>
+            </a:schemeClr>
+          </a:lnRef>
+          <a:fillRef idx="1">
+            <a:schemeClr val="accent1"/>
+          </a:fillRef>
+          <a:effectRef idx="0">
+            <a:schemeClr val="accent1"/>
+          </a:effectRef>
+          <a:fontRef idx="minor">
+            <a:schemeClr val="lt1"/>
+          </a:fontRef>
+        </p:style>
+        <p:txBody>
+          <a:bodyPr rtlCol="0" anchor="ctr"/>
+          <a:lstStyle/>
+          <a:p>
+            <a:pPr algn="ctr"/>
+            <a:r>
+              <a:rPr lang="en-US" altLang="zh-CN" sz="1200" dirty="0" smtClean="0">
+                <a:solidFill>
+                  <a:schemeClr val="tx1"/>
+                </a:solidFill>
+                <a:latin typeface="Times New Roman" panose="02020603050405020304" pitchFamily="18" charset="0"/>
+                <a:cs typeface="Times New Roman" panose="02020603050405020304" pitchFamily="18" charset="0"/>
+              </a:rPr>
+              <a:t>Photometric and depth error function</a:t>
+            </a:r>
+            <a:endParaRPr lang="zh-CN" altLang="en-US" sz="1200" dirty="0">
+              <a:solidFill>
+                <a:schemeClr val="tx1"/>
+              </a:solidFill>
+              <a:latin typeface="Times New Roman" panose="02020603050405020304" pitchFamily="18" charset="0"/>
+              <a:cs typeface="Times New Roman" panose="02020603050405020304" pitchFamily="18" charset="0"/>
+            </a:endParaRPr>
+          </a:p>
+        </p:txBody>
+      </p:sp>
+      <p:sp>
+        <p:nvSpPr>
+          <p:cNvPr id="10" name="矩形 9"/>
+          <p:cNvSpPr/>
+          <p:nvPr/>
+        </p:nvSpPr>
+        <p:spPr>
+          <a:xfrm>
+            <a:off x="3000374" y="3371850"/>
+            <a:ext cx="1781175" cy="514350"/>
+          </a:xfrm>
+          <a:prstGeom prst="rect">
+            <a:avLst/>
+          </a:prstGeom>
+          <a:noFill/>
+          <a:ln>
+            <a:solidFill>
+              <a:schemeClr val="tx1"/>
+            </a:solidFill>
+          </a:ln>
+        </p:spPr>
+        <p:style>
+          <a:lnRef idx="2">
+            <a:schemeClr val="accent1">
+              <a:shade val="50000"/>
+            </a:schemeClr>
+          </a:lnRef>
+          <a:fillRef idx="1">
+            <a:schemeClr val="accent1"/>
+          </a:fillRef>
+          <a:effectRef idx="0">
+            <a:schemeClr val="accent1"/>
+          </a:effectRef>
+          <a:fontRef idx="minor">
+            <a:schemeClr val="lt1"/>
+          </a:fontRef>
+        </p:style>
+        <p:txBody>
+          <a:bodyPr rtlCol="0" anchor="ctr"/>
+          <a:lstStyle/>
+          <a:p>
+            <a:pPr algn="ctr"/>
+            <a:r>
+              <a:rPr lang="en-US" altLang="zh-CN" sz="1200" dirty="0" smtClean="0">
+                <a:solidFill>
+                  <a:schemeClr val="tx1"/>
+                </a:solidFill>
+                <a:latin typeface="Times New Roman" panose="02020603050405020304" pitchFamily="18" charset="0"/>
+                <a:cs typeface="Times New Roman" panose="02020603050405020304" pitchFamily="18" charset="0"/>
+              </a:rPr>
+              <a:t>Weighting Function</a:t>
+            </a:r>
+            <a:endParaRPr lang="zh-CN" altLang="en-US" sz="1200" dirty="0">
+              <a:solidFill>
+                <a:schemeClr val="tx1"/>
+              </a:solidFill>
+              <a:latin typeface="Times New Roman" panose="02020603050405020304" pitchFamily="18" charset="0"/>
+              <a:cs typeface="Times New Roman" panose="02020603050405020304" pitchFamily="18" charset="0"/>
+            </a:endParaRPr>
+          </a:p>
+        </p:txBody>
+      </p:sp>
+      <p:cxnSp>
+        <p:nvCxnSpPr>
+          <p:cNvPr id="12" name="直接箭头连接符 11"/>
+          <p:cNvCxnSpPr>
+            <a:stCxn id="9" idx="2"/>
+            <a:endCxn id="10" idx="0"/>
+          </p:cNvCxnSpPr>
+          <p:nvPr/>
+        </p:nvCxnSpPr>
+        <p:spPr>
+          <a:xfrm>
+            <a:off x="3890962" y="3105150"/>
+            <a:ext cx="0" cy="266700"/>
+          </a:xfrm>
+          <a:prstGeom prst="straightConnector1">
+            <a:avLst/>
+          </a:prstGeom>
+          <a:ln w="12700">
+            <a:tailEnd type="triangle"/>
+          </a:ln>
+        </p:spPr>
+        <p:style>
+          <a:lnRef idx="1">
+            <a:schemeClr val="dk1"/>
+          </a:lnRef>
+          <a:fillRef idx="0">
+            <a:schemeClr val="dk1"/>
+          </a:fillRef>
+          <a:effectRef idx="0">
+            <a:schemeClr val="dk1"/>
+          </a:effectRef>
+          <a:fontRef idx="minor">
+            <a:schemeClr val="tx1"/>
+          </a:fontRef>
+        </p:style>
+      </p:cxnSp>
+      <p:sp>
+        <p:nvSpPr>
+          <p:cNvPr id="13" name="矩形 12"/>
+          <p:cNvSpPr/>
+          <p:nvPr/>
+        </p:nvSpPr>
+        <p:spPr>
+          <a:xfrm>
+            <a:off x="3000374" y="4257675"/>
+            <a:ext cx="1781175" cy="514350"/>
+          </a:xfrm>
+          <a:prstGeom prst="rect">
+            <a:avLst/>
+          </a:prstGeom>
+          <a:noFill/>
+          <a:ln>
+            <a:solidFill>
+              <a:schemeClr val="tx1"/>
+            </a:solidFill>
+          </a:ln>
+        </p:spPr>
+        <p:style>
+          <a:lnRef idx="2">
+            <a:schemeClr val="accent1">
+              <a:shade val="50000"/>
+            </a:schemeClr>
+          </a:lnRef>
+          <a:fillRef idx="1">
+            <a:schemeClr val="accent1"/>
+          </a:fillRef>
+          <a:effectRef idx="0">
+            <a:schemeClr val="accent1"/>
+          </a:effectRef>
+          <a:fontRef idx="minor">
+            <a:schemeClr val="lt1"/>
+          </a:fontRef>
+        </p:style>
+        <p:txBody>
+          <a:bodyPr rtlCol="0" anchor="ctr"/>
+          <a:lstStyle/>
+          <a:p>
+            <a:pPr algn="ctr"/>
+            <a:r>
+              <a:rPr lang="en-US" altLang="zh-CN" sz="1200" dirty="0" smtClean="0">
+                <a:solidFill>
+                  <a:schemeClr val="tx1"/>
+                </a:solidFill>
+                <a:latin typeface="Times New Roman" panose="02020603050405020304" pitchFamily="18" charset="0"/>
+                <a:cs typeface="Times New Roman" panose="02020603050405020304" pitchFamily="18" charset="0"/>
+              </a:rPr>
+              <a:t>Transformation Estimation</a:t>
+            </a:r>
+            <a:endParaRPr lang="zh-CN" altLang="en-US" sz="1200" dirty="0">
+              <a:solidFill>
+                <a:schemeClr val="tx1"/>
+              </a:solidFill>
+              <a:latin typeface="Times New Roman" panose="02020603050405020304" pitchFamily="18" charset="0"/>
+              <a:cs typeface="Times New Roman" panose="02020603050405020304" pitchFamily="18" charset="0"/>
+            </a:endParaRPr>
+          </a:p>
+        </p:txBody>
+      </p:sp>
+      <p:cxnSp>
+        <p:nvCxnSpPr>
+          <p:cNvPr id="15" name="直接箭头连接符 14"/>
+          <p:cNvCxnSpPr>
+            <a:stCxn id="10" idx="2"/>
+            <a:endCxn id="13" idx="0"/>
+          </p:cNvCxnSpPr>
+          <p:nvPr/>
+        </p:nvCxnSpPr>
+        <p:spPr>
+          <a:xfrm>
+            <a:off x="3890962" y="3886200"/>
+            <a:ext cx="0" cy="371475"/>
+          </a:xfrm>
+          <a:prstGeom prst="straightConnector1">
+            <a:avLst/>
+          </a:prstGeom>
+          <a:ln w="12700">
+            <a:tailEnd type="triangle"/>
+          </a:ln>
+        </p:spPr>
+        <p:style>
+          <a:lnRef idx="1">
+            <a:schemeClr val="dk1"/>
+          </a:lnRef>
+          <a:fillRef idx="0">
+            <a:schemeClr val="dk1"/>
+          </a:fillRef>
+          <a:effectRef idx="0">
+            <a:schemeClr val="dk1"/>
+          </a:effectRef>
+          <a:fontRef idx="minor">
+            <a:schemeClr val="tx1"/>
+          </a:fontRef>
+        </p:style>
+      </p:cxnSp>
+      <p:cxnSp>
+        <p:nvCxnSpPr>
+          <p:cNvPr id="18" name="直接箭头连接符 17"/>
+          <p:cNvCxnSpPr>
+            <a:stCxn id="8" idx="3"/>
+            <a:endCxn id="9" idx="1"/>
+          </p:cNvCxnSpPr>
+          <p:nvPr/>
+        </p:nvCxnSpPr>
+        <p:spPr>
+          <a:xfrm>
+            <a:off x="2557463" y="2490788"/>
+            <a:ext cx="442911" cy="357187"/>
+          </a:xfrm>
+          <a:prstGeom prst="straightConnector1">
+            <a:avLst/>
+          </a:prstGeom>
+          <a:ln w="12700">
+            <a:tailEnd type="triangle"/>
+          </a:ln>
+        </p:spPr>
+        <p:style>
+          <a:lnRef idx="1">
+            <a:schemeClr val="dk1"/>
+          </a:lnRef>
+          <a:fillRef idx="0">
+            <a:schemeClr val="dk1"/>
+          </a:fillRef>
+          <a:effectRef idx="0">
+            <a:schemeClr val="dk1"/>
+          </a:effectRef>
+          <a:fontRef idx="minor">
+            <a:schemeClr val="tx1"/>
+          </a:fontRef>
+        </p:style>
+      </p:cxnSp>
+      <p:cxnSp>
+        <p:nvCxnSpPr>
+          <p:cNvPr id="21" name="直接箭头连接符 20"/>
+          <p:cNvCxnSpPr>
+            <a:stCxn id="7" idx="3"/>
+            <a:endCxn id="9" idx="1"/>
+          </p:cNvCxnSpPr>
+          <p:nvPr/>
+        </p:nvCxnSpPr>
+        <p:spPr>
+          <a:xfrm flipV="1">
+            <a:off x="2557463" y="2847975"/>
+            <a:ext cx="442911" cy="261938"/>
+          </a:xfrm>
+          <a:prstGeom prst="straightConnector1">
+            <a:avLst/>
+          </a:prstGeom>
+          <a:ln w="12700">
+            <a:tailEnd type="triangle"/>
+          </a:ln>
+        </p:spPr>
+        <p:style>
+          <a:lnRef idx="1">
+            <a:schemeClr val="dk1"/>
+          </a:lnRef>
+          <a:fillRef idx="0">
+            <a:schemeClr val="dk1"/>
+          </a:fillRef>
+          <a:effectRef idx="0">
+            <a:schemeClr val="dk1"/>
+          </a:effectRef>
+          <a:fontRef idx="minor">
+            <a:schemeClr val="tx1"/>
+          </a:fontRef>
+        </p:style>
+      </p:cxnSp>
+      <p:sp>
+        <p:nvSpPr>
+          <p:cNvPr id="28" name="菱形 27"/>
+          <p:cNvSpPr/>
+          <p:nvPr/>
+        </p:nvSpPr>
+        <p:spPr>
+          <a:xfrm>
+            <a:off x="5718175" y="2590800"/>
+            <a:ext cx="1962150" cy="442912"/>
+          </a:xfrm>
+          <a:prstGeom prst="diamond">
+            <a:avLst/>
+          </a:prstGeom>
+          <a:noFill/>
+          <a:ln w="12700">
+            <a:solidFill>
+              <a:schemeClr val="tx1"/>
+            </a:solidFill>
+          </a:ln>
+        </p:spPr>
+        <p:style>
+          <a:lnRef idx="2">
+            <a:schemeClr val="accent1">
+              <a:shade val="50000"/>
+            </a:schemeClr>
+          </a:lnRef>
+          <a:fillRef idx="1">
+            <a:schemeClr val="accent1"/>
+          </a:fillRef>
+          <a:effectRef idx="0">
+            <a:schemeClr val="accent1"/>
+          </a:effectRef>
+          <a:fontRef idx="minor">
+            <a:schemeClr val="lt1"/>
+          </a:fontRef>
+        </p:style>
+        <p:txBody>
+          <a:bodyPr rtlCol="0" anchor="ctr"/>
+          <a:lstStyle/>
+          <a:p>
+            <a:pPr algn="ctr"/>
+            <a:r>
+              <a:rPr lang="en-US" altLang="zh-CN" sz="1200" dirty="0" smtClean="0">
+                <a:solidFill>
+                  <a:schemeClr val="tx1"/>
+                </a:solidFill>
+                <a:latin typeface="Times New Roman" panose="02020603050405020304" pitchFamily="18" charset="0"/>
+                <a:cs typeface="Times New Roman" panose="02020603050405020304" pitchFamily="18" charset="0"/>
+              </a:rPr>
+              <a:t>Is Keyframe?</a:t>
+            </a:r>
+            <a:endParaRPr lang="zh-CN" altLang="en-US" sz="1200" dirty="0">
+              <a:solidFill>
+                <a:schemeClr val="tx1"/>
+              </a:solidFill>
+              <a:latin typeface="Times New Roman" panose="02020603050405020304" pitchFamily="18" charset="0"/>
+              <a:cs typeface="Times New Roman" panose="02020603050405020304" pitchFamily="18" charset="0"/>
+            </a:endParaRPr>
+          </a:p>
+        </p:txBody>
+      </p:sp>
+      <p:cxnSp>
+        <p:nvCxnSpPr>
+          <p:cNvPr id="30" name="肘形连接符 29"/>
+          <p:cNvCxnSpPr>
+            <a:stCxn id="13" idx="3"/>
+            <a:endCxn id="28" idx="0"/>
+          </p:cNvCxnSpPr>
+          <p:nvPr/>
+        </p:nvCxnSpPr>
+        <p:spPr>
+          <a:xfrm flipV="1">
+            <a:off x="4781549" y="2590800"/>
+            <a:ext cx="1917701" cy="1924050"/>
+          </a:xfrm>
+          <a:prstGeom prst="bentConnector4">
+            <a:avLst>
+              <a:gd name="adj1" fmla="val 24421"/>
+              <a:gd name="adj2" fmla="val 111881"/>
+            </a:avLst>
+          </a:prstGeom>
+          <a:ln>
+            <a:tailEnd type="triangle"/>
+          </a:ln>
+        </p:spPr>
+        <p:style>
+          <a:lnRef idx="1">
+            <a:schemeClr val="dk1"/>
+          </a:lnRef>
+          <a:fillRef idx="0">
+            <a:schemeClr val="dk1"/>
+          </a:fillRef>
+          <a:effectRef idx="0">
+            <a:schemeClr val="dk1"/>
+          </a:effectRef>
+          <a:fontRef idx="minor">
+            <a:schemeClr val="tx1"/>
+          </a:fontRef>
+        </p:style>
+      </p:cxnSp>
+      <p:sp>
+        <p:nvSpPr>
+          <p:cNvPr id="33" name="矩形 32"/>
+          <p:cNvSpPr/>
+          <p:nvPr/>
+        </p:nvSpPr>
+        <p:spPr>
+          <a:xfrm>
+            <a:off x="3038474" y="4229099"/>
+            <a:ext cx="1781175" cy="514350"/>
+          </a:xfrm>
+          <a:prstGeom prst="rect">
+            <a:avLst/>
+          </a:prstGeom>
+          <a:noFill/>
+          <a:ln>
+            <a:solidFill>
+              <a:schemeClr val="tx1"/>
+            </a:solidFill>
+          </a:ln>
+        </p:spPr>
+        <p:style>
+          <a:lnRef idx="2">
+            <a:schemeClr val="accent1">
+              <a:shade val="50000"/>
+            </a:schemeClr>
+          </a:lnRef>
+          <a:fillRef idx="1">
+            <a:schemeClr val="accent1"/>
+          </a:fillRef>
+          <a:effectRef idx="0">
+            <a:schemeClr val="accent1"/>
+          </a:effectRef>
+          <a:fontRef idx="minor">
+            <a:schemeClr val="lt1"/>
+          </a:fontRef>
+        </p:style>
+        <p:txBody>
+          <a:bodyPr rtlCol="0" anchor="ctr"/>
+          <a:lstStyle/>
+          <a:p>
+            <a:pPr algn="ctr"/>
+            <a:endParaRPr lang="zh-CN" altLang="en-US" sz="1200" dirty="0">
+              <a:solidFill>
+                <a:schemeClr val="tx1"/>
+              </a:solidFill>
+              <a:latin typeface="Times New Roman" panose="02020603050405020304" pitchFamily="18" charset="0"/>
+              <a:cs typeface="Times New Roman" panose="02020603050405020304" pitchFamily="18" charset="0"/>
+            </a:endParaRPr>
+          </a:p>
+        </p:txBody>
+      </p:sp>
+      <p:sp>
+        <p:nvSpPr>
+          <p:cNvPr id="34" name="矩形 33"/>
+          <p:cNvSpPr/>
+          <p:nvPr/>
+        </p:nvSpPr>
+        <p:spPr>
+          <a:xfrm>
+            <a:off x="3076574" y="4191001"/>
+            <a:ext cx="1781175" cy="514350"/>
+          </a:xfrm>
+          <a:prstGeom prst="rect">
+            <a:avLst/>
+          </a:prstGeom>
+          <a:noFill/>
+          <a:ln>
+            <a:solidFill>
+              <a:schemeClr val="tx1"/>
+            </a:solidFill>
+          </a:ln>
+        </p:spPr>
+        <p:style>
+          <a:lnRef idx="2">
+            <a:schemeClr val="accent1">
+              <a:shade val="50000"/>
+            </a:schemeClr>
+          </a:lnRef>
+          <a:fillRef idx="1">
+            <a:schemeClr val="accent1"/>
+          </a:fillRef>
+          <a:effectRef idx="0">
+            <a:schemeClr val="accent1"/>
+          </a:effectRef>
+          <a:fontRef idx="minor">
+            <a:schemeClr val="lt1"/>
+          </a:fontRef>
+        </p:style>
+        <p:txBody>
+          <a:bodyPr rtlCol="0" anchor="ctr"/>
+          <a:lstStyle/>
+          <a:p>
+            <a:pPr algn="ctr"/>
+            <a:endParaRPr lang="zh-CN" altLang="en-US" sz="1200" dirty="0">
+              <a:solidFill>
+                <a:schemeClr val="tx1"/>
+              </a:solidFill>
+              <a:latin typeface="Times New Roman" panose="02020603050405020304" pitchFamily="18" charset="0"/>
+              <a:cs typeface="Times New Roman" panose="02020603050405020304" pitchFamily="18" charset="0"/>
+            </a:endParaRPr>
+          </a:p>
+        </p:txBody>
+      </p:sp>
+      <p:cxnSp>
+        <p:nvCxnSpPr>
+          <p:cNvPr id="38" name="肘形连接符 37"/>
+          <p:cNvCxnSpPr>
+            <a:stCxn id="13" idx="1"/>
+            <a:endCxn id="7" idx="2"/>
+          </p:cNvCxnSpPr>
+          <p:nvPr/>
+        </p:nvCxnSpPr>
+        <p:spPr>
+          <a:xfrm rot="10800000">
+            <a:off x="1995488" y="3305176"/>
+            <a:ext cx="1004886" cy="1209675"/>
+          </a:xfrm>
+          <a:prstGeom prst="bentConnector2">
+            <a:avLst/>
+          </a:prstGeom>
+          <a:ln>
+            <a:tailEnd type="triangle"/>
+          </a:ln>
+        </p:spPr>
+        <p:style>
+          <a:lnRef idx="1">
+            <a:schemeClr val="dk1"/>
+          </a:lnRef>
+          <a:fillRef idx="0">
+            <a:schemeClr val="dk1"/>
+          </a:fillRef>
+          <a:effectRef idx="0">
+            <a:schemeClr val="dk1"/>
+          </a:effectRef>
+          <a:fontRef idx="minor">
+            <a:schemeClr val="tx1"/>
+          </a:fontRef>
+        </p:style>
+      </p:cxnSp>
+      <p:sp>
+        <p:nvSpPr>
+          <p:cNvPr id="39" name="矩形 38"/>
+          <p:cNvSpPr/>
+          <p:nvPr/>
+        </p:nvSpPr>
+        <p:spPr>
+          <a:xfrm>
+            <a:off x="5706268" y="3376612"/>
+            <a:ext cx="1985963" cy="514350"/>
+          </a:xfrm>
+          <a:prstGeom prst="rect">
+            <a:avLst/>
+          </a:prstGeom>
+          <a:noFill/>
+          <a:ln>
+            <a:solidFill>
+              <a:schemeClr val="tx1"/>
+            </a:solidFill>
+          </a:ln>
+        </p:spPr>
+        <p:style>
+          <a:lnRef idx="2">
+            <a:schemeClr val="accent1">
+              <a:shade val="50000"/>
+            </a:schemeClr>
+          </a:lnRef>
+          <a:fillRef idx="1">
+            <a:schemeClr val="accent1"/>
+          </a:fillRef>
+          <a:effectRef idx="0">
+            <a:schemeClr val="accent1"/>
+          </a:effectRef>
+          <a:fontRef idx="minor">
+            <a:schemeClr val="lt1"/>
+          </a:fontRef>
+        </p:style>
+        <p:txBody>
+          <a:bodyPr rtlCol="0" anchor="ctr"/>
+          <a:lstStyle/>
+          <a:p>
+            <a:pPr algn="ctr"/>
+            <a:r>
+              <a:rPr lang="en-US" altLang="zh-CN" sz="1200" dirty="0" smtClean="0">
+                <a:solidFill>
+                  <a:schemeClr val="tx1"/>
+                </a:solidFill>
+                <a:latin typeface="Times New Roman" panose="02020603050405020304" pitchFamily="18" charset="0"/>
+                <a:cs typeface="Times New Roman" panose="02020603050405020304" pitchFamily="18" charset="0"/>
+              </a:rPr>
+              <a:t>Compute </a:t>
+            </a:r>
+            <a:r>
+              <a:rPr lang="en-US" altLang="zh-CN" sz="1200" b="1" dirty="0" smtClean="0">
+                <a:solidFill>
+                  <a:schemeClr val="tx1"/>
+                </a:solidFill>
+                <a:latin typeface="Times New Roman" panose="02020603050405020304" pitchFamily="18" charset="0"/>
+                <a:cs typeface="Times New Roman" panose="02020603050405020304" pitchFamily="18" charset="0"/>
+              </a:rPr>
+              <a:t>Bow &amp;</a:t>
+            </a:r>
+          </a:p>
+          <a:p>
+            <a:pPr algn="ctr"/>
+            <a:r>
+              <a:rPr lang="en-US" altLang="zh-CN" sz="1200" dirty="0" smtClean="0">
+                <a:solidFill>
+                  <a:schemeClr val="tx1"/>
+                </a:solidFill>
+                <a:latin typeface="Times New Roman" panose="02020603050405020304" pitchFamily="18" charset="0"/>
+                <a:cs typeface="Times New Roman" panose="02020603050405020304" pitchFamily="18" charset="0"/>
+              </a:rPr>
+              <a:t>Spatial Location Constraints</a:t>
+            </a:r>
+            <a:endParaRPr lang="zh-CN" altLang="en-US" sz="1200" dirty="0">
+              <a:solidFill>
+                <a:schemeClr val="tx1"/>
+              </a:solidFill>
+              <a:latin typeface="Times New Roman" panose="02020603050405020304" pitchFamily="18" charset="0"/>
+              <a:cs typeface="Times New Roman" panose="02020603050405020304" pitchFamily="18" charset="0"/>
+            </a:endParaRPr>
+          </a:p>
+        </p:txBody>
+      </p:sp>
+      <p:cxnSp>
+        <p:nvCxnSpPr>
+          <p:cNvPr id="40" name="直接箭头连接符 39"/>
+          <p:cNvCxnSpPr>
+            <a:stCxn id="28" idx="2"/>
+            <a:endCxn id="39" idx="0"/>
+          </p:cNvCxnSpPr>
+          <p:nvPr/>
+        </p:nvCxnSpPr>
+        <p:spPr>
+          <a:xfrm>
+            <a:off x="6699250" y="3033712"/>
+            <a:ext cx="0" cy="342900"/>
+          </a:xfrm>
+          <a:prstGeom prst="straightConnector1">
+            <a:avLst/>
+          </a:prstGeom>
+          <a:ln w="12700">
+            <a:tailEnd type="triangle"/>
+          </a:ln>
+        </p:spPr>
+        <p:style>
+          <a:lnRef idx="1">
+            <a:schemeClr val="dk1"/>
+          </a:lnRef>
+          <a:fillRef idx="0">
+            <a:schemeClr val="dk1"/>
+          </a:fillRef>
+          <a:effectRef idx="0">
+            <a:schemeClr val="dk1"/>
+          </a:effectRef>
+          <a:fontRef idx="minor">
+            <a:schemeClr val="tx1"/>
+          </a:fontRef>
+        </p:style>
+      </p:cxnSp>
+      <p:sp>
+        <p:nvSpPr>
+          <p:cNvPr id="43" name="矩形 42"/>
+          <p:cNvSpPr/>
+          <p:nvPr/>
+        </p:nvSpPr>
+        <p:spPr>
+          <a:xfrm>
+            <a:off x="5718175" y="4198143"/>
+            <a:ext cx="1985963" cy="514350"/>
+          </a:xfrm>
+          <a:prstGeom prst="rect">
+            <a:avLst/>
+          </a:prstGeom>
+          <a:noFill/>
+          <a:ln>
+            <a:solidFill>
+              <a:schemeClr val="tx1"/>
+            </a:solidFill>
+          </a:ln>
+        </p:spPr>
+        <p:style>
+          <a:lnRef idx="2">
+            <a:schemeClr val="accent1">
+              <a:shade val="50000"/>
+            </a:schemeClr>
+          </a:lnRef>
+          <a:fillRef idx="1">
+            <a:schemeClr val="accent1"/>
+          </a:fillRef>
+          <a:effectRef idx="0">
+            <a:schemeClr val="accent1"/>
+          </a:effectRef>
+          <a:fontRef idx="minor">
+            <a:schemeClr val="lt1"/>
+          </a:fontRef>
+        </p:style>
+        <p:txBody>
+          <a:bodyPr rtlCol="0" anchor="ctr"/>
+          <a:lstStyle/>
+          <a:p>
+            <a:pPr algn="ctr"/>
+            <a:r>
+              <a:rPr lang="en-US" altLang="zh-CN" sz="1200" dirty="0" smtClean="0">
+                <a:solidFill>
+                  <a:schemeClr val="tx1"/>
+                </a:solidFill>
+                <a:latin typeface="Times New Roman" panose="02020603050405020304" pitchFamily="18" charset="0"/>
+                <a:cs typeface="Times New Roman" panose="02020603050405020304" pitchFamily="18" charset="0"/>
+              </a:rPr>
+              <a:t>Local Graph Optimization</a:t>
+            </a:r>
+            <a:endParaRPr lang="zh-CN" altLang="en-US" sz="1200" dirty="0">
+              <a:solidFill>
+                <a:schemeClr val="tx1"/>
+              </a:solidFill>
+              <a:latin typeface="Times New Roman" panose="02020603050405020304" pitchFamily="18" charset="0"/>
+              <a:cs typeface="Times New Roman" panose="02020603050405020304" pitchFamily="18" charset="0"/>
+            </a:endParaRPr>
+          </a:p>
+        </p:txBody>
+      </p:sp>
+      <p:cxnSp>
+        <p:nvCxnSpPr>
+          <p:cNvPr id="45" name="直接箭头连接符 44"/>
+          <p:cNvCxnSpPr>
+            <a:stCxn id="39" idx="2"/>
+            <a:endCxn id="43" idx="0"/>
+          </p:cNvCxnSpPr>
+          <p:nvPr/>
+        </p:nvCxnSpPr>
+        <p:spPr>
+          <a:xfrm>
+            <a:off x="6699250" y="3890962"/>
+            <a:ext cx="11907" cy="307181"/>
+          </a:xfrm>
+          <a:prstGeom prst="straightConnector1">
+            <a:avLst/>
+          </a:prstGeom>
+          <a:ln w="12700">
+            <a:tailEnd type="triangle"/>
+          </a:ln>
+        </p:spPr>
+        <p:style>
+          <a:lnRef idx="1">
+            <a:schemeClr val="dk1"/>
+          </a:lnRef>
+          <a:fillRef idx="0">
+            <a:schemeClr val="dk1"/>
+          </a:fillRef>
+          <a:effectRef idx="0">
+            <a:schemeClr val="dk1"/>
+          </a:effectRef>
+          <a:fontRef idx="minor">
+            <a:schemeClr val="tx1"/>
+          </a:fontRef>
+        </p:style>
+      </p:cxnSp>
+      <p:cxnSp>
+        <p:nvCxnSpPr>
+          <p:cNvPr id="49" name="肘形连接符 48"/>
+          <p:cNvCxnSpPr>
+            <a:stCxn id="43" idx="2"/>
+            <a:endCxn id="13" idx="2"/>
+          </p:cNvCxnSpPr>
+          <p:nvPr/>
+        </p:nvCxnSpPr>
+        <p:spPr>
+          <a:xfrm rot="5400000">
+            <a:off x="5271294" y="3332162"/>
+            <a:ext cx="59532" cy="2820195"/>
+          </a:xfrm>
+          <a:prstGeom prst="bentConnector3">
+            <a:avLst>
+              <a:gd name="adj1" fmla="val 910660"/>
+            </a:avLst>
+          </a:prstGeom>
+          <a:ln>
+            <a:tailEnd type="triangle"/>
+          </a:ln>
+        </p:spPr>
+        <p:style>
+          <a:lnRef idx="1">
+            <a:schemeClr val="dk1"/>
+          </a:lnRef>
+          <a:fillRef idx="0">
+            <a:schemeClr val="dk1"/>
+          </a:fillRef>
+          <a:effectRef idx="0">
+            <a:schemeClr val="dk1"/>
+          </a:effectRef>
+          <a:fontRef idx="minor">
+            <a:schemeClr val="tx1"/>
+          </a:fontRef>
+        </p:style>
+      </p:cxnSp>
+      <p:sp>
+        <p:nvSpPr>
+          <p:cNvPr id="52" name="矩形 51"/>
+          <p:cNvSpPr/>
+          <p:nvPr/>
+        </p:nvSpPr>
+        <p:spPr>
+          <a:xfrm>
+            <a:off x="2724943" y="1886211"/>
+            <a:ext cx="2342357" cy="3015990"/>
+          </a:xfrm>
+          <a:prstGeom prst="rect">
+            <a:avLst/>
+          </a:prstGeom>
+          <a:noFill/>
+          <a:ln w="19050">
+            <a:solidFill>
+              <a:srgbClr val="0070C0"/>
+            </a:solidFill>
+            <a:prstDash val="dash"/>
+          </a:ln>
+        </p:spPr>
+        <p:style>
+          <a:lnRef idx="2">
+            <a:schemeClr val="accent1">
+              <a:shade val="50000"/>
+            </a:schemeClr>
+          </a:lnRef>
+          <a:fillRef idx="1">
+            <a:schemeClr val="accent1"/>
+          </a:fillRef>
+          <a:effectRef idx="0">
+            <a:schemeClr val="accent1"/>
+          </a:effectRef>
+          <a:fontRef idx="minor">
+            <a:schemeClr val="lt1"/>
+          </a:fontRef>
+        </p:style>
+        <p:txBody>
+          <a:bodyPr rtlCol="0" anchor="ctr"/>
+          <a:lstStyle/>
+          <a:p>
+            <a:pPr algn="ctr"/>
+            <a:endParaRPr lang="zh-CN" altLang="en-US"/>
+          </a:p>
+        </p:txBody>
+      </p:sp>
+      <p:sp>
+        <p:nvSpPr>
+          <p:cNvPr id="54" name="矩形 53"/>
+          <p:cNvSpPr/>
+          <p:nvPr/>
+        </p:nvSpPr>
+        <p:spPr>
+          <a:xfrm>
+            <a:off x="5519737" y="1886211"/>
+            <a:ext cx="2342357" cy="3015990"/>
+          </a:xfrm>
+          <a:prstGeom prst="rect">
+            <a:avLst/>
+          </a:prstGeom>
+          <a:noFill/>
+          <a:ln w="19050">
+            <a:solidFill>
+              <a:srgbClr val="0070C0"/>
+            </a:solidFill>
+            <a:prstDash val="dash"/>
+          </a:ln>
+        </p:spPr>
+        <p:style>
+          <a:lnRef idx="2">
+            <a:schemeClr val="accent1">
+              <a:shade val="50000"/>
+            </a:schemeClr>
+          </a:lnRef>
+          <a:fillRef idx="1">
+            <a:schemeClr val="accent1"/>
+          </a:fillRef>
+          <a:effectRef idx="0">
+            <a:schemeClr val="accent1"/>
+          </a:effectRef>
+          <a:fontRef idx="minor">
+            <a:schemeClr val="lt1"/>
+          </a:fontRef>
+        </p:style>
+        <p:txBody>
+          <a:bodyPr rtlCol="0" anchor="ctr"/>
+          <a:lstStyle/>
+          <a:p>
+            <a:pPr algn="ctr"/>
+            <a:endParaRPr lang="zh-CN" altLang="en-US"/>
+          </a:p>
+        </p:txBody>
+      </p:sp>
+      <p:sp>
+        <p:nvSpPr>
+          <p:cNvPr id="57" name="矩形 56"/>
+          <p:cNvSpPr/>
+          <p:nvPr/>
+        </p:nvSpPr>
+        <p:spPr>
+          <a:xfrm>
+            <a:off x="8378031" y="2590800"/>
+            <a:ext cx="1985963" cy="514350"/>
+          </a:xfrm>
+          <a:prstGeom prst="rect">
+            <a:avLst/>
+          </a:prstGeom>
+          <a:noFill/>
+          <a:ln>
+            <a:solidFill>
+              <a:schemeClr val="tx1"/>
+            </a:solidFill>
+          </a:ln>
+        </p:spPr>
+        <p:style>
+          <a:lnRef idx="2">
+            <a:schemeClr val="accent1">
+              <a:shade val="50000"/>
+            </a:schemeClr>
+          </a:lnRef>
+          <a:fillRef idx="1">
+            <a:schemeClr val="accent1"/>
+          </a:fillRef>
+          <a:effectRef idx="0">
+            <a:schemeClr val="accent1"/>
+          </a:effectRef>
+          <a:fontRef idx="minor">
+            <a:schemeClr val="lt1"/>
+          </a:fontRef>
+        </p:style>
+        <p:txBody>
+          <a:bodyPr rtlCol="0" anchor="ctr"/>
+          <a:lstStyle/>
+          <a:p>
+            <a:pPr algn="ctr"/>
+            <a:r>
+              <a:rPr lang="en-US" altLang="zh-CN" sz="1200" dirty="0" smtClean="0">
+                <a:solidFill>
+                  <a:schemeClr val="tx1"/>
+                </a:solidFill>
+                <a:latin typeface="Times New Roman" panose="02020603050405020304" pitchFamily="18" charset="0"/>
+                <a:cs typeface="Times New Roman" panose="02020603050405020304" pitchFamily="18" charset="0"/>
+              </a:rPr>
+              <a:t>Global </a:t>
+            </a:r>
+            <a:r>
+              <a:rPr lang="en-US" altLang="zh-CN" sz="1200" dirty="0">
+                <a:solidFill>
+                  <a:schemeClr val="tx1"/>
+                </a:solidFill>
+                <a:latin typeface="Times New Roman" panose="02020603050405020304" pitchFamily="18" charset="0"/>
+                <a:cs typeface="Times New Roman" panose="02020603050405020304" pitchFamily="18" charset="0"/>
+              </a:rPr>
+              <a:t>Graph Optimization</a:t>
+            </a:r>
+            <a:endParaRPr lang="zh-CN" altLang="en-US" sz="1200" dirty="0">
+              <a:solidFill>
+                <a:schemeClr val="tx1"/>
+              </a:solidFill>
+              <a:latin typeface="Times New Roman" panose="02020603050405020304" pitchFamily="18" charset="0"/>
+              <a:cs typeface="Times New Roman" panose="02020603050405020304" pitchFamily="18" charset="0"/>
+            </a:endParaRPr>
+          </a:p>
+        </p:txBody>
+      </p:sp>
+      <p:sp>
+        <p:nvSpPr>
+          <p:cNvPr id="58" name="矩形 57"/>
+          <p:cNvSpPr/>
+          <p:nvPr/>
+        </p:nvSpPr>
+        <p:spPr>
+          <a:xfrm>
+            <a:off x="8378030" y="3743325"/>
+            <a:ext cx="1985963" cy="514350"/>
+          </a:xfrm>
+          <a:prstGeom prst="rect">
+            <a:avLst/>
+          </a:prstGeom>
+          <a:noFill/>
+          <a:ln>
+            <a:solidFill>
+              <a:schemeClr val="tx1"/>
+            </a:solidFill>
+          </a:ln>
+        </p:spPr>
+        <p:style>
+          <a:lnRef idx="2">
+            <a:schemeClr val="accent1">
+              <a:shade val="50000"/>
+            </a:schemeClr>
+          </a:lnRef>
+          <a:fillRef idx="1">
+            <a:schemeClr val="accent1"/>
+          </a:fillRef>
+          <a:effectRef idx="0">
+            <a:schemeClr val="accent1"/>
+          </a:effectRef>
+          <a:fontRef idx="minor">
+            <a:schemeClr val="lt1"/>
+          </a:fontRef>
+        </p:style>
+        <p:txBody>
+          <a:bodyPr rtlCol="0" anchor="ctr"/>
+          <a:lstStyle/>
+          <a:p>
+            <a:pPr algn="ctr"/>
+            <a:r>
+              <a:rPr lang="en-US" altLang="zh-CN" sz="1200" dirty="0" smtClean="0">
+                <a:solidFill>
+                  <a:schemeClr val="tx1"/>
+                </a:solidFill>
+                <a:latin typeface="Times New Roman" panose="02020603050405020304" pitchFamily="18" charset="0"/>
+                <a:cs typeface="Times New Roman" panose="02020603050405020304" pitchFamily="18" charset="0"/>
+              </a:rPr>
+              <a:t>Mapping</a:t>
+            </a:r>
+            <a:endParaRPr lang="zh-CN" altLang="en-US" sz="1200" dirty="0">
+              <a:solidFill>
+                <a:schemeClr val="tx1"/>
+              </a:solidFill>
+              <a:latin typeface="Times New Roman" panose="02020603050405020304" pitchFamily="18" charset="0"/>
+              <a:cs typeface="Times New Roman" panose="02020603050405020304" pitchFamily="18" charset="0"/>
+            </a:endParaRPr>
+          </a:p>
+        </p:txBody>
+      </p:sp>
+      <p:sp>
+        <p:nvSpPr>
+          <p:cNvPr id="59" name="矩形 58"/>
+          <p:cNvSpPr/>
+          <p:nvPr/>
+        </p:nvSpPr>
+        <p:spPr>
+          <a:xfrm>
+            <a:off x="8199832" y="1863855"/>
+            <a:ext cx="2342357" cy="3015990"/>
+          </a:xfrm>
+          <a:prstGeom prst="rect">
+            <a:avLst/>
+          </a:prstGeom>
+          <a:noFill/>
+          <a:ln w="19050">
+            <a:solidFill>
+              <a:srgbClr val="0070C0"/>
+            </a:solidFill>
+            <a:prstDash val="dash"/>
+          </a:ln>
+        </p:spPr>
+        <p:style>
+          <a:lnRef idx="2">
+            <a:schemeClr val="accent1">
+              <a:shade val="50000"/>
+            </a:schemeClr>
+          </a:lnRef>
+          <a:fillRef idx="1">
+            <a:schemeClr val="accent1"/>
+          </a:fillRef>
+          <a:effectRef idx="0">
+            <a:schemeClr val="accent1"/>
+          </a:effectRef>
+          <a:fontRef idx="minor">
+            <a:schemeClr val="lt1"/>
+          </a:fontRef>
+        </p:style>
+        <p:txBody>
+          <a:bodyPr rtlCol="0" anchor="ctr"/>
+          <a:lstStyle/>
+          <a:p>
+            <a:pPr algn="ctr"/>
+            <a:endParaRPr lang="zh-CN" altLang="en-US"/>
+          </a:p>
+        </p:txBody>
+      </p:sp>
+      <p:cxnSp>
+        <p:nvCxnSpPr>
+          <p:cNvPr id="61" name="直接箭头连接符 60"/>
+          <p:cNvCxnSpPr>
+            <a:stCxn id="57" idx="2"/>
+            <a:endCxn id="58" idx="0"/>
+          </p:cNvCxnSpPr>
+          <p:nvPr/>
+        </p:nvCxnSpPr>
+        <p:spPr>
+          <a:xfrm flipH="1">
+            <a:off x="9371012" y="3105150"/>
+            <a:ext cx="1" cy="638175"/>
+          </a:xfrm>
+          <a:prstGeom prst="straightConnector1">
+            <a:avLst/>
+          </a:prstGeom>
+          <a:ln>
+            <a:tailEnd type="triangle"/>
+          </a:ln>
+        </p:spPr>
+        <p:style>
+          <a:lnRef idx="1">
+            <a:schemeClr val="dk1"/>
+          </a:lnRef>
+          <a:fillRef idx="0">
+            <a:schemeClr val="dk1"/>
+          </a:fillRef>
+          <a:effectRef idx="0">
+            <a:schemeClr val="dk1"/>
+          </a:effectRef>
+          <a:fontRef idx="minor">
+            <a:schemeClr val="tx1"/>
+          </a:fontRef>
+        </p:style>
+      </p:cxnSp>
+      <p:sp>
+        <p:nvSpPr>
+          <p:cNvPr id="62" name="文本框 61"/>
+          <p:cNvSpPr txBox="1"/>
+          <p:nvPr/>
+        </p:nvSpPr>
+        <p:spPr>
+          <a:xfrm>
+            <a:off x="4949040" y="4945955"/>
+            <a:ext cx="704039" cy="307777"/>
+          </a:xfrm>
+          <a:prstGeom prst="rect">
+            <a:avLst/>
+          </a:prstGeom>
+          <a:noFill/>
+        </p:spPr>
+        <p:txBody>
+          <a:bodyPr wrap="none" rtlCol="0">
+            <a:spAutoFit/>
+          </a:bodyPr>
+          <a:lstStyle/>
+          <a:p>
+            <a:r>
+              <a:rPr lang="en-US" altLang="zh-CN" sz="1400" dirty="0" smtClean="0">
+                <a:latin typeface="Times New Roman" panose="02020603050405020304" pitchFamily="18" charset="0"/>
+                <a:cs typeface="Times New Roman" panose="02020603050405020304" pitchFamily="18" charset="0"/>
+              </a:rPr>
+              <a:t>Update</a:t>
+            </a:r>
+          </a:p>
+        </p:txBody>
+      </p:sp>
+      <p:sp>
+        <p:nvSpPr>
+          <p:cNvPr id="65" name="右箭头 64"/>
+          <p:cNvSpPr/>
+          <p:nvPr/>
+        </p:nvSpPr>
+        <p:spPr>
+          <a:xfrm>
+            <a:off x="7853760" y="3371187"/>
+            <a:ext cx="346072" cy="184814"/>
+          </a:xfrm>
+          <a:prstGeom prst="rightArrow">
+            <a:avLst/>
+          </a:prstGeom>
+          <a:noFill/>
+          <a:ln>
+            <a:solidFill>
+              <a:schemeClr val="tx1"/>
+            </a:solidFill>
+          </a:ln>
+        </p:spPr>
+        <p:style>
+          <a:lnRef idx="2">
+            <a:schemeClr val="accent1">
+              <a:shade val="50000"/>
+            </a:schemeClr>
+          </a:lnRef>
+          <a:fillRef idx="1">
+            <a:schemeClr val="accent1"/>
+          </a:fillRef>
+          <a:effectRef idx="0">
+            <a:schemeClr val="accent1"/>
+          </a:effectRef>
+          <a:fontRef idx="minor">
+            <a:schemeClr val="lt1"/>
+          </a:fontRef>
+        </p:style>
+        <p:txBody>
+          <a:bodyPr rtlCol="0" anchor="ctr"/>
+          <a:lstStyle/>
+          <a:p>
+            <a:pPr algn="ctr"/>
+            <a:endParaRPr lang="zh-CN" altLang="en-US"/>
+          </a:p>
+        </p:txBody>
+      </p:sp>
+      <p:sp>
+        <p:nvSpPr>
+          <p:cNvPr id="66" name="文本框 65"/>
+          <p:cNvSpPr txBox="1"/>
+          <p:nvPr/>
+        </p:nvSpPr>
+        <p:spPr>
+          <a:xfrm>
+            <a:off x="2813274" y="2002135"/>
+            <a:ext cx="2231573" cy="307777"/>
+          </a:xfrm>
+          <a:prstGeom prst="rect">
+            <a:avLst/>
+          </a:prstGeom>
+          <a:noFill/>
+        </p:spPr>
+        <p:txBody>
+          <a:bodyPr wrap="none" rtlCol="0">
+            <a:spAutoFit/>
+          </a:bodyPr>
+          <a:lstStyle/>
+          <a:p>
+            <a:r>
+              <a:rPr lang="en-US" altLang="zh-CN" sz="1400" b="1" dirty="0" smtClean="0">
+                <a:latin typeface="Times New Roman" panose="02020603050405020304" pitchFamily="18" charset="0"/>
+                <a:cs typeface="Times New Roman" panose="02020603050405020304" pitchFamily="18" charset="0"/>
+              </a:rPr>
+              <a:t>Motion Estimation Thread</a:t>
+            </a:r>
+          </a:p>
+        </p:txBody>
+      </p:sp>
+      <p:sp>
+        <p:nvSpPr>
+          <p:cNvPr id="67" name="文本框 66"/>
+          <p:cNvSpPr txBox="1"/>
+          <p:nvPr/>
+        </p:nvSpPr>
+        <p:spPr>
+          <a:xfrm>
+            <a:off x="5532662" y="1973014"/>
+            <a:ext cx="2359813" cy="307777"/>
+          </a:xfrm>
+          <a:prstGeom prst="rect">
+            <a:avLst/>
+          </a:prstGeom>
+          <a:noFill/>
+        </p:spPr>
+        <p:txBody>
+          <a:bodyPr wrap="none" rtlCol="0">
+            <a:spAutoFit/>
+          </a:bodyPr>
+          <a:lstStyle/>
+          <a:p>
+            <a:r>
+              <a:rPr lang="en-US" altLang="zh-CN" sz="1400" b="1" dirty="0" smtClean="0">
+                <a:latin typeface="Times New Roman" panose="02020603050405020304" pitchFamily="18" charset="0"/>
+                <a:cs typeface="Times New Roman" panose="02020603050405020304" pitchFamily="18" charset="0"/>
+              </a:rPr>
+              <a:t>Graph Optimization Thread</a:t>
+            </a:r>
+          </a:p>
+        </p:txBody>
+      </p:sp>
+      <p:sp>
+        <p:nvSpPr>
+          <p:cNvPr id="68" name="文本框 67"/>
+          <p:cNvSpPr txBox="1"/>
+          <p:nvPr/>
+        </p:nvSpPr>
+        <p:spPr>
+          <a:xfrm>
+            <a:off x="8682432" y="1989434"/>
+            <a:ext cx="1489382" cy="307777"/>
+          </a:xfrm>
+          <a:prstGeom prst="rect">
+            <a:avLst/>
+          </a:prstGeom>
+          <a:noFill/>
+        </p:spPr>
+        <p:txBody>
+          <a:bodyPr wrap="none" rtlCol="0">
+            <a:spAutoFit/>
+          </a:bodyPr>
+          <a:lstStyle/>
+          <a:p>
+            <a:r>
+              <a:rPr lang="en-US" altLang="zh-CN" sz="1400" b="1" dirty="0" smtClean="0">
+                <a:latin typeface="Times New Roman" panose="02020603050405020304" pitchFamily="18" charset="0"/>
+                <a:cs typeface="Times New Roman" panose="02020603050405020304" pitchFamily="18" charset="0"/>
+              </a:rPr>
+              <a:t>Mapping Thread</a:t>
+            </a:r>
+          </a:p>
+        </p:txBody>
+      </p:sp>
+      <p:cxnSp>
+        <p:nvCxnSpPr>
+          <p:cNvPr id="71" name="直接箭头连接符 70"/>
+          <p:cNvCxnSpPr>
+            <a:stCxn id="5" idx="2"/>
+            <a:endCxn id="8" idx="0"/>
+          </p:cNvCxnSpPr>
+          <p:nvPr/>
+        </p:nvCxnSpPr>
+        <p:spPr>
+          <a:xfrm flipH="1">
+            <a:off x="1995488" y="1963242"/>
+            <a:ext cx="39" cy="332283"/>
+          </a:xfrm>
+          <a:prstGeom prst="straightConnector1">
+            <a:avLst/>
+          </a:prstGeom>
+          <a:ln>
+            <a:tailEnd type="triangle"/>
+          </a:ln>
+        </p:spPr>
+        <p:style>
+          <a:lnRef idx="1">
+            <a:schemeClr val="dk1"/>
+          </a:lnRef>
+          <a:fillRef idx="0">
+            <a:schemeClr val="dk1"/>
+          </a:fillRef>
+          <a:effectRef idx="0">
+            <a:schemeClr val="dk1"/>
+          </a:effectRef>
+          <a:fontRef idx="minor">
+            <a:schemeClr val="tx1"/>
+          </a:fontRef>
+        </p:style>
+      </p:cxnSp>
     </p:spTree>
     <p:extLst>
       <p:ext uri="{BB962C8B-B14F-4D97-AF65-F5344CB8AC3E}">

--- a/image_of_paper.pptx
+++ b/image_of_paper.pptx
@@ -199,7 +199,7 @@
           <a:p>
             <a:fld id="{FE6C41BB-DDFC-4602-87C4-9D8FCF8D71DE}" type="datetimeFigureOut">
               <a:rPr lang="zh-CN" altLang="en-US" smtClean="0"/>
-              <a:t>2017/4/17</a:t>
+              <a:t>2017/6/10</a:t>
             </a:fld>
             <a:endParaRPr lang="zh-CN" altLang="en-US"/>
           </a:p>
@@ -598,7 +598,7 @@
           <a:p>
             <a:fld id="{37313E7E-9596-406A-ABF3-13ABD07ABD62}" type="datetimeFigureOut">
               <a:rPr lang="zh-CN" altLang="en-US" smtClean="0"/>
-              <a:t>2017/4/17</a:t>
+              <a:t>2017/6/10</a:t>
             </a:fld>
             <a:endParaRPr lang="zh-CN" altLang="en-US"/>
           </a:p>
@@ -768,7 +768,7 @@
           <a:p>
             <a:fld id="{37313E7E-9596-406A-ABF3-13ABD07ABD62}" type="datetimeFigureOut">
               <a:rPr lang="zh-CN" altLang="en-US" smtClean="0"/>
-              <a:t>2017/4/17</a:t>
+              <a:t>2017/6/10</a:t>
             </a:fld>
             <a:endParaRPr lang="zh-CN" altLang="en-US"/>
           </a:p>
@@ -948,7 +948,7 @@
           <a:p>
             <a:fld id="{37313E7E-9596-406A-ABF3-13ABD07ABD62}" type="datetimeFigureOut">
               <a:rPr lang="zh-CN" altLang="en-US" smtClean="0"/>
-              <a:t>2017/4/17</a:t>
+              <a:t>2017/6/10</a:t>
             </a:fld>
             <a:endParaRPr lang="zh-CN" altLang="en-US"/>
           </a:p>
@@ -1118,7 +1118,7 @@
           <a:p>
             <a:fld id="{37313E7E-9596-406A-ABF3-13ABD07ABD62}" type="datetimeFigureOut">
               <a:rPr lang="zh-CN" altLang="en-US" smtClean="0"/>
-              <a:t>2017/4/17</a:t>
+              <a:t>2017/6/10</a:t>
             </a:fld>
             <a:endParaRPr lang="zh-CN" altLang="en-US"/>
           </a:p>
@@ -1364,7 +1364,7 @@
           <a:p>
             <a:fld id="{37313E7E-9596-406A-ABF3-13ABD07ABD62}" type="datetimeFigureOut">
               <a:rPr lang="zh-CN" altLang="en-US" smtClean="0"/>
-              <a:t>2017/4/17</a:t>
+              <a:t>2017/6/10</a:t>
             </a:fld>
             <a:endParaRPr lang="zh-CN" altLang="en-US"/>
           </a:p>
@@ -1596,7 +1596,7 @@
           <a:p>
             <a:fld id="{37313E7E-9596-406A-ABF3-13ABD07ABD62}" type="datetimeFigureOut">
               <a:rPr lang="zh-CN" altLang="en-US" smtClean="0"/>
-              <a:t>2017/4/17</a:t>
+              <a:t>2017/6/10</a:t>
             </a:fld>
             <a:endParaRPr lang="zh-CN" altLang="en-US"/>
           </a:p>
@@ -1963,7 +1963,7 @@
           <a:p>
             <a:fld id="{37313E7E-9596-406A-ABF3-13ABD07ABD62}" type="datetimeFigureOut">
               <a:rPr lang="zh-CN" altLang="en-US" smtClean="0"/>
-              <a:t>2017/4/17</a:t>
+              <a:t>2017/6/10</a:t>
             </a:fld>
             <a:endParaRPr lang="zh-CN" altLang="en-US"/>
           </a:p>
@@ -2081,7 +2081,7 @@
           <a:p>
             <a:fld id="{37313E7E-9596-406A-ABF3-13ABD07ABD62}" type="datetimeFigureOut">
               <a:rPr lang="zh-CN" altLang="en-US" smtClean="0"/>
-              <a:t>2017/4/17</a:t>
+              <a:t>2017/6/10</a:t>
             </a:fld>
             <a:endParaRPr lang="zh-CN" altLang="en-US"/>
           </a:p>
@@ -2176,7 +2176,7 @@
           <a:p>
             <a:fld id="{37313E7E-9596-406A-ABF3-13ABD07ABD62}" type="datetimeFigureOut">
               <a:rPr lang="zh-CN" altLang="en-US" smtClean="0"/>
-              <a:t>2017/4/17</a:t>
+              <a:t>2017/6/10</a:t>
             </a:fld>
             <a:endParaRPr lang="zh-CN" altLang="en-US"/>
           </a:p>
@@ -2453,7 +2453,7 @@
           <a:p>
             <a:fld id="{37313E7E-9596-406A-ABF3-13ABD07ABD62}" type="datetimeFigureOut">
               <a:rPr lang="zh-CN" altLang="en-US" smtClean="0"/>
-              <a:t>2017/4/17</a:t>
+              <a:t>2017/6/10</a:t>
             </a:fld>
             <a:endParaRPr lang="zh-CN" altLang="en-US"/>
           </a:p>
@@ -2706,7 +2706,7 @@
           <a:p>
             <a:fld id="{37313E7E-9596-406A-ABF3-13ABD07ABD62}" type="datetimeFigureOut">
               <a:rPr lang="zh-CN" altLang="en-US" smtClean="0"/>
-              <a:t>2017/4/17</a:t>
+              <a:t>2017/6/10</a:t>
             </a:fld>
             <a:endParaRPr lang="zh-CN" altLang="en-US"/>
           </a:p>
@@ -2919,7 +2919,7 @@
           <a:p>
             <a:fld id="{37313E7E-9596-406A-ABF3-13ABD07ABD62}" type="datetimeFigureOut">
               <a:rPr lang="zh-CN" altLang="en-US" smtClean="0"/>
-              <a:t>2017/4/17</a:t>
+              <a:t>2017/6/10</a:t>
             </a:fld>
             <a:endParaRPr lang="zh-CN" altLang="en-US"/>
           </a:p>
@@ -3654,8 +3654,8 @@
               </a:p>
             </p:txBody>
           </p:sp>
-          <mc:AlternateContent xmlns:mc="http://schemas.openxmlformats.org/markup-compatibility/2006">
-            <mc:Choice xmlns:a14="http://schemas.microsoft.com/office/drawing/2010/main" Requires="a14">
+          <mc:AlternateContent xmlns:mc="http://schemas.openxmlformats.org/markup-compatibility/2006" xmlns:a14="http://schemas.microsoft.com/office/drawing/2010/main">
+            <mc:Choice Requires="a14">
               <p:sp>
                 <p:nvSpPr>
                   <p:cNvPr id="2" name="矩形 1"/>
@@ -3723,7 +3723,7 @@
                 </p:txBody>
               </p:sp>
             </mc:Choice>
-            <mc:Fallback>
+            <mc:Fallback xmlns="">
               <p:sp>
                 <p:nvSpPr>
                   <p:cNvPr id="2" name="矩形 1"/>
@@ -3762,8 +3762,8 @@
               </p:sp>
             </mc:Fallback>
           </mc:AlternateContent>
-          <mc:AlternateContent xmlns:mc="http://schemas.openxmlformats.org/markup-compatibility/2006">
-            <mc:Choice xmlns:a14="http://schemas.microsoft.com/office/drawing/2010/main" Requires="a14">
+          <mc:AlternateContent xmlns:mc="http://schemas.openxmlformats.org/markup-compatibility/2006" xmlns:a14="http://schemas.microsoft.com/office/drawing/2010/main">
+            <mc:Choice Requires="a14">
               <p:sp>
                 <p:nvSpPr>
                   <p:cNvPr id="3" name="矩形 2"/>
@@ -3825,7 +3825,7 @@
                 </p:txBody>
               </p:sp>
             </mc:Choice>
-            <mc:Fallback>
+            <mc:Fallback xmlns="">
               <p:sp>
                 <p:nvSpPr>
                   <p:cNvPr id="3" name="矩形 2"/>
@@ -3960,8 +3960,67 @@
               </a:p>
             </p:txBody>
           </p:sp>
-          <mc:AlternateContent xmlns:mc="http://schemas.openxmlformats.org/markup-compatibility/2006">
-            <mc:Choice xmlns:a14="http://schemas.microsoft.com/office/drawing/2010/main" Requires="a14">
+          <mc:AlternateContent xmlns:mc="http://schemas.openxmlformats.org/markup-compatibility/2006" xmlns:a14="http://schemas.microsoft.com/office/drawing/2010/main">
+            <mc:Choice Requires="a14">
+              <p:graphicFrame>
+                <p:nvGraphicFramePr>
+                  <p:cNvPr id="35" name="对象 34"/>
+                  <p:cNvGraphicFramePr>
+                    <a:graphicFrameLocks noChangeAspect="1"/>
+                  </p:cNvGraphicFramePr>
+                  <p:nvPr>
+                    <p:extLst>
+                      <p:ext uri="{D42A27DB-BD31-4B8C-83A1-F6EECF244321}">
+                        <p14:modId xmlns:p14="http://schemas.microsoft.com/office/powerpoint/2010/main" val="817306189"/>
+                      </p:ext>
+                    </p:extLst>
+                  </p:nvPr>
+                </p:nvGraphicFramePr>
+                <p:xfrm>
+                  <a:off x="4202244" y="3790301"/>
+                  <a:ext cx="369361" cy="269710"/>
+                </p:xfrm>
+                <a:graphic>
+                  <a:graphicData uri="http://schemas.openxmlformats.org/presentationml/2006/ole">
+                    <mc:AlternateContent>
+                      <mc:Choice xmlns:v="urn:schemas-microsoft-com:vml" Requires="v">
+                        <p:oleObj spid="_x0000_s1120" name="Equation" r:id="rId5" imgW="330120" imgH="241200" progId="Equation.DSMT4">
+                          <p:embed/>
+                        </p:oleObj>
+                      </mc:Choice>
+                      <mc:Fallback>
+                        <p:oleObj name="Equation" r:id="rId5" imgW="330120" imgH="241200" progId="Equation.DSMT4">
+                          <p:embed/>
+                          <p:pic>
+                            <p:nvPicPr>
+                              <p:cNvPr id="0" name=""/>
+                              <p:cNvPicPr/>
+                              <p:nvPr/>
+                            </p:nvPicPr>
+                            <p:blipFill>
+                              <a:blip r:embed="rId6"/>
+                              <a:stretch>
+                                <a:fillRect/>
+                              </a:stretch>
+                            </p:blipFill>
+                            <p:spPr>
+                              <a:xfrm>
+                                <a:off x="4202244" y="3790301"/>
+                                <a:ext cx="369361" cy="269710"/>
+                              </a:xfrm>
+                              <a:prstGeom prst="rect">
+                                <a:avLst/>
+                              </a:prstGeom>
+                            </p:spPr>
+                          </p:pic>
+                        </p:oleObj>
+                      </mc:Fallback>
+                    </mc:AlternateContent>
+                  </a:graphicData>
+                </a:graphic>
+              </p:graphicFrame>
+            </mc:Choice>
+            <mc:Fallback xmlns="">
               <p:graphicFrame>
                 <p:nvGraphicFramePr>
                   <p:cNvPr id="35" name="对象 34"/>
@@ -3984,12 +4043,12 @@
                   <a:graphicData uri="http://schemas.openxmlformats.org/presentationml/2006/ole">
                     <mc:AlternateContent>
                       <mc:Choice xmlns:v="urn:schemas-microsoft-com:vml" Requires="v">
-                        <p:oleObj spid="_x0000_s1116" name="Equation" r:id="rId5" imgW="253800" imgH="203040" progId="Equation.DSMT4">
+                        <p:oleObj spid="_x0000_s1116" name="Equation" r:id="rId7" imgW="253800" imgH="203040" progId="Equation.DSMT4">
                           <p:embed/>
                         </p:oleObj>
                       </mc:Choice>
                       <mc:Fallback>
-                        <p:oleObj name="Equation" r:id="rId5" imgW="253800" imgH="203040" progId="Equation.DSMT4">
+                        <p:oleObj name="Equation" r:id="rId7" imgW="253800" imgH="203040" progId="Equation.DSMT4">
                           <p:embed/>
                           <p:pic>
                             <p:nvPicPr>
@@ -3998,66 +4057,7 @@
                               <p:nvPr/>
                             </p:nvPicPr>
                             <p:blipFill>
-                              <a:blip r:embed="rId6"/>
-                              <a:stretch>
-                                <a:fillRect/>
-                              </a:stretch>
-                            </p:blipFill>
-                            <p:spPr>
-                              <a:xfrm>
-                                <a:off x="4244174" y="3810312"/>
-                                <a:ext cx="283375" cy="226700"/>
-                              </a:xfrm>
-                              <a:prstGeom prst="rect">
-                                <a:avLst/>
-                              </a:prstGeom>
-                            </p:spPr>
-                          </p:pic>
-                        </p:oleObj>
-                      </mc:Fallback>
-                    </mc:AlternateContent>
-                  </a:graphicData>
-                </a:graphic>
-              </p:graphicFrame>
-            </mc:Choice>
-            <mc:Fallback>
-              <p:graphicFrame>
-                <p:nvGraphicFramePr>
-                  <p:cNvPr id="35" name="对象 34"/>
-                  <p:cNvGraphicFramePr>
-                    <a:graphicFrameLocks noChangeAspect="1"/>
-                  </p:cNvGraphicFramePr>
-                  <p:nvPr>
-                    <p:extLst>
-                      <p:ext uri="{D42A27DB-BD31-4B8C-83A1-F6EECF244321}">
-                        <p14:modId xmlns:p14="http://schemas.microsoft.com/office/powerpoint/2010/main" val="2639161570"/>
-                      </p:ext>
-                    </p:extLst>
-                  </p:nvPr>
-                </p:nvGraphicFramePr>
-                <p:xfrm>
-                  <a:off x="4244174" y="3810312"/>
-                  <a:ext cx="283375" cy="226700"/>
-                </p:xfrm>
-                <a:graphic>
-                  <a:graphicData uri="http://schemas.openxmlformats.org/presentationml/2006/ole">
-                    <mc:AlternateContent>
-                      <mc:Choice xmlns:v="urn:schemas-microsoft-com:vml" Requires="v">
-                        <p:oleObj spid="_x0000_s1116" name="Equation" r:id="rId5" imgW="253800" imgH="203040" progId="Equation.DSMT4">
-                          <p:embed/>
-                        </p:oleObj>
-                      </mc:Choice>
-                      <mc:Fallback>
-                        <p:oleObj name="Equation" r:id="rId5" imgW="253800" imgH="203040" progId="Equation.DSMT4">
-                          <p:embed/>
-                          <p:pic>
-                            <p:nvPicPr>
-                              <p:cNvPr id="0" name=""/>
-                              <p:cNvPicPr/>
-                              <p:nvPr/>
-                            </p:nvPicPr>
-                            <p:blipFill>
-                              <a:blip r:embed="rId6"/>
+                              <a:blip r:embed="rId8"/>
                               <a:stretch>
                                 <a:fillRect/>
                               </a:stretch>
@@ -4080,8 +4080,8 @@
               </p:graphicFrame>
             </mc:Fallback>
           </mc:AlternateContent>
-          <mc:AlternateContent xmlns:mc="http://schemas.openxmlformats.org/markup-compatibility/2006">
-            <mc:Choice xmlns:a14="http://schemas.microsoft.com/office/drawing/2010/main" Requires="a14">
+          <mc:AlternateContent xmlns:mc="http://schemas.openxmlformats.org/markup-compatibility/2006" xmlns:a14="http://schemas.microsoft.com/office/drawing/2010/main">
+            <mc:Choice Requires="a14">
               <p:graphicFrame>
                 <p:nvGraphicFramePr>
                   <p:cNvPr id="37" name="对象 36"/>
@@ -4104,12 +4104,12 @@
                   <a:graphicData uri="http://schemas.openxmlformats.org/presentationml/2006/ole">
                     <mc:AlternateContent>
                       <mc:Choice xmlns:v="urn:schemas-microsoft-com:vml" Requires="v">
-                        <p:oleObj spid="_x0000_s1117" name="Equation" r:id="rId7" imgW="520560" imgH="228600" progId="Equation.DSMT4">
+                        <p:oleObj spid="_x0000_s1121" name="Equation" r:id="rId9" imgW="520560" imgH="228600" progId="Equation.DSMT4">
                           <p:embed/>
                         </p:oleObj>
                       </mc:Choice>
                       <mc:Fallback>
-                        <p:oleObj name="Equation" r:id="rId7" imgW="520560" imgH="228600" progId="Equation.DSMT4">
+                        <p:oleObj name="Equation" r:id="rId9" imgW="520560" imgH="228600" progId="Equation.DSMT4">
                           <p:embed/>
                           <p:pic>
                             <p:nvPicPr>
@@ -4118,7 +4118,7 @@
                               <p:nvPr/>
                             </p:nvPicPr>
                             <p:blipFill>
-                              <a:blip r:embed="rId8"/>
+                              <a:blip r:embed="rId10"/>
                               <a:stretch>
                                 <a:fillRect/>
                               </a:stretch>
@@ -4140,7 +4140,7 @@
                 </a:graphic>
               </p:graphicFrame>
             </mc:Choice>
-            <mc:Fallback>
+            <mc:Fallback xmlns="">
               <p:graphicFrame>
                 <p:nvGraphicFramePr>
                   <p:cNvPr id="37" name="对象 36"/>
@@ -4163,12 +4163,12 @@
                   <a:graphicData uri="http://schemas.openxmlformats.org/presentationml/2006/ole">
                     <mc:AlternateContent>
                       <mc:Choice xmlns:v="urn:schemas-microsoft-com:vml" Requires="v">
-                        <p:oleObj spid="_x0000_s1117" name="Equation" r:id="rId7" imgW="520560" imgH="228600" progId="Equation.DSMT4">
+                        <p:oleObj spid="_x0000_s1117" name="Equation" r:id="rId11" imgW="520560" imgH="228600" progId="Equation.DSMT4">
                           <p:embed/>
                         </p:oleObj>
                       </mc:Choice>
                       <mc:Fallback>
-                        <p:oleObj name="Equation" r:id="rId7" imgW="520560" imgH="228600" progId="Equation.DSMT4">
+                        <p:oleObj name="Equation" r:id="rId11" imgW="520560" imgH="228600" progId="Equation.DSMT4">
                           <p:embed/>
                           <p:pic>
                             <p:nvPicPr>
@@ -4177,7 +4177,7 @@
                               <p:nvPr/>
                             </p:nvPicPr>
                             <p:blipFill>
-                              <a:blip r:embed="rId8"/>
+                              <a:blip r:embed="rId12"/>
                               <a:stretch>
                                 <a:fillRect/>
                               </a:stretch>
@@ -4328,8 +4328,8 @@
                 </p:style>
               </p:cxnSp>
             </p:grpSp>
-            <mc:AlternateContent xmlns:mc="http://schemas.openxmlformats.org/markup-compatibility/2006">
-              <mc:Choice xmlns:a14="http://schemas.microsoft.com/office/drawing/2010/main" Requires="a14">
+            <mc:AlternateContent xmlns:mc="http://schemas.openxmlformats.org/markup-compatibility/2006" xmlns:a14="http://schemas.microsoft.com/office/drawing/2010/main">
+              <mc:Choice Requires="a14">
                 <p:sp>
                   <p:nvSpPr>
                     <p:cNvPr id="5" name="矩形 4"/>
@@ -4351,6 +4351,7 @@
                     </a:bodyPr>
                     <a:lstStyle/>
                     <a:p>
+                      <a:pPr/>
                       <a14:m>
                         <m:oMathPara xmlns:m="http://schemas.openxmlformats.org/officeDocument/2006/math">
                           <m:oMathParaPr>
@@ -4371,7 +4372,7 @@
                   </p:txBody>
                 </p:sp>
               </mc:Choice>
-              <mc:Fallback>
+              <mc:Fallback xmlns="">
                 <p:sp>
                   <p:nvSpPr>
                     <p:cNvPr id="5" name="矩形 4"/>
@@ -4389,7 +4390,7 @@
                       <a:avLst/>
                     </a:prstGeom>
                     <a:blipFill>
-                      <a:blip r:embed="rId9"/>
+                      <a:blip r:embed="rId13"/>
                       <a:stretch>
                         <a:fillRect/>
                       </a:stretch>
@@ -4411,8 +4412,8 @@
               </mc:Fallback>
             </mc:AlternateContent>
           </p:grpSp>
-          <mc:AlternateContent xmlns:mc="http://schemas.openxmlformats.org/markup-compatibility/2006">
-            <mc:Choice xmlns:a14="http://schemas.microsoft.com/office/drawing/2010/main" Requires="a14">
+          <mc:AlternateContent xmlns:mc="http://schemas.openxmlformats.org/markup-compatibility/2006" xmlns:a14="http://schemas.microsoft.com/office/drawing/2010/main">
+            <mc:Choice Requires="a14">
               <p:sp>
                 <p:nvSpPr>
                   <p:cNvPr id="6" name="矩形 5"/>
@@ -4434,6 +4435,7 @@
                   </a:bodyPr>
                   <a:lstStyle/>
                   <a:p>
+                    <a:pPr/>
                     <a14:m>
                       <m:oMathPara xmlns:m="http://schemas.openxmlformats.org/officeDocument/2006/math">
                         <m:oMathParaPr>
@@ -4443,7 +4445,7 @@
                           <m:sSubSup>
                             <m:sSubSupPr>
                               <m:ctrlPr>
-                                <a:rPr lang="zh-CN" altLang="en-US" sz="1200">
+                                <a:rPr lang="zh-CN" altLang="en-US" sz="1200" i="1">
                                   <a:latin typeface="Cambria Math" panose="02040503050406030204" pitchFamily="18" charset="0"/>
                                 </a:rPr>
                               </m:ctrlPr>
@@ -4484,7 +4486,7 @@
                 </p:txBody>
               </p:sp>
             </mc:Choice>
-            <mc:Fallback>
+            <mc:Fallback xmlns="">
               <p:sp>
                 <p:nvSpPr>
                   <p:cNvPr id="6" name="矩形 5"/>
@@ -4502,7 +4504,7 @@
                     <a:avLst/>
                   </a:prstGeom>
                   <a:blipFill>
-                    <a:blip r:embed="rId10"/>
+                    <a:blip r:embed="rId14"/>
                     <a:stretch>
                       <a:fillRect/>
                     </a:stretch>
@@ -4523,8 +4525,8 @@
               </p:sp>
             </mc:Fallback>
           </mc:AlternateContent>
-          <mc:AlternateContent xmlns:mc="http://schemas.openxmlformats.org/markup-compatibility/2006">
-            <mc:Choice xmlns:a14="http://schemas.microsoft.com/office/drawing/2010/main" Requires="a14">
+          <mc:AlternateContent xmlns:mc="http://schemas.openxmlformats.org/markup-compatibility/2006" xmlns:a14="http://schemas.microsoft.com/office/drawing/2010/main">
+            <mc:Choice Requires="a14">
               <p:sp>
                 <p:nvSpPr>
                   <p:cNvPr id="8" name="矩形 7"/>
@@ -4546,6 +4548,7 @@
                   </a:bodyPr>
                   <a:lstStyle/>
                   <a:p>
+                    <a:pPr/>
                     <a14:m>
                       <m:oMathPara xmlns:m="http://schemas.openxmlformats.org/officeDocument/2006/math">
                         <m:oMathParaPr>
@@ -4555,7 +4558,7 @@
                           <m:sSub>
                             <m:sSubPr>
                               <m:ctrlPr>
-                                <a:rPr lang="zh-CN" altLang="en-US" sz="1200">
+                                <a:rPr lang="zh-CN" altLang="en-US" sz="1200" i="1">
                                   <a:latin typeface="Cambria Math" panose="02040503050406030204" pitchFamily="18" charset="0"/>
                                 </a:rPr>
                               </m:ctrlPr>
@@ -4585,7 +4588,7 @@
                 </p:txBody>
               </p:sp>
             </mc:Choice>
-            <mc:Fallback>
+            <mc:Fallback xmlns="">
               <p:sp>
                 <p:nvSpPr>
                   <p:cNvPr id="8" name="矩形 7"/>
@@ -4603,7 +4606,7 @@
                     <a:avLst/>
                   </a:prstGeom>
                   <a:blipFill>
-                    <a:blip r:embed="rId11"/>
+                    <a:blip r:embed="rId15"/>
                     <a:stretch>
                       <a:fillRect/>
                     </a:stretch>
@@ -5072,8 +5075,8 @@
               </a:fontRef>
             </p:style>
           </p:cxnSp>
-          <mc:AlternateContent xmlns:mc="http://schemas.openxmlformats.org/markup-compatibility/2006">
-            <mc:Choice xmlns:a14="http://schemas.microsoft.com/office/drawing/2010/main" Requires="a14">
+          <mc:AlternateContent xmlns:mc="http://schemas.openxmlformats.org/markup-compatibility/2006" xmlns:a14="http://schemas.microsoft.com/office/drawing/2010/main">
+            <mc:Choice Requires="a14">
               <p:sp>
                 <p:nvSpPr>
                   <p:cNvPr id="80" name="矩形 79"/>
@@ -5095,6 +5098,7 @@
                   </a:bodyPr>
                   <a:lstStyle/>
                   <a:p>
+                    <a:pPr/>
                     <a14:m>
                       <m:oMathPara xmlns:m="http://schemas.openxmlformats.org/officeDocument/2006/math">
                         <m:oMathParaPr>
@@ -5104,7 +5108,7 @@
                           <m:sSub>
                             <m:sSubPr>
                               <m:ctrlPr>
-                                <a:rPr lang="zh-CN" altLang="en-US" sz="1200">
+                                <a:rPr lang="zh-CN" altLang="en-US" sz="1200" i="1">
                                   <a:latin typeface="Cambria Math" panose="02040503050406030204" pitchFamily="18" charset="0"/>
                                 </a:rPr>
                               </m:ctrlPr>
@@ -5137,7 +5141,7 @@
                 </p:txBody>
               </p:sp>
             </mc:Choice>
-            <mc:Fallback>
+            <mc:Fallback xmlns="">
               <p:sp>
                 <p:nvSpPr>
                   <p:cNvPr id="80" name="矩形 79"/>
@@ -5155,7 +5159,7 @@
                     <a:avLst/>
                   </a:prstGeom>
                   <a:blipFill>
-                    <a:blip r:embed="rId12"/>
+                    <a:blip r:embed="rId16"/>
                     <a:stretch>
                       <a:fillRect/>
                     </a:stretch>
@@ -5176,8 +5180,8 @@
               </p:sp>
             </mc:Fallback>
           </mc:AlternateContent>
-          <mc:AlternateContent xmlns:mc="http://schemas.openxmlformats.org/markup-compatibility/2006">
-            <mc:Choice xmlns:a14="http://schemas.microsoft.com/office/drawing/2010/main" Requires="a14">
+          <mc:AlternateContent xmlns:mc="http://schemas.openxmlformats.org/markup-compatibility/2006" xmlns:a14="http://schemas.microsoft.com/office/drawing/2010/main">
+            <mc:Choice Requires="a14">
               <p:sp>
                 <p:nvSpPr>
                   <p:cNvPr id="81" name="矩形 80"/>
@@ -5199,6 +5203,7 @@
                   </a:bodyPr>
                   <a:lstStyle/>
                   <a:p>
+                    <a:pPr/>
                     <a14:m>
                       <m:oMathPara xmlns:m="http://schemas.openxmlformats.org/officeDocument/2006/math">
                         <m:oMathParaPr>
@@ -5208,7 +5213,7 @@
                           <m:sSubSup>
                             <m:sSubSupPr>
                               <m:ctrlPr>
-                                <a:rPr lang="zh-CN" altLang="en-US" sz="1200">
+                                <a:rPr lang="zh-CN" altLang="en-US" sz="1200" i="1">
                                   <a:latin typeface="Cambria Math" panose="02040503050406030204" pitchFamily="18" charset="0"/>
                                 </a:rPr>
                               </m:ctrlPr>
@@ -5249,7 +5254,7 @@
                 </p:txBody>
               </p:sp>
             </mc:Choice>
-            <mc:Fallback>
+            <mc:Fallback xmlns="">
               <p:sp>
                 <p:nvSpPr>
                   <p:cNvPr id="81" name="矩形 80"/>
@@ -5267,7 +5272,7 @@
                     <a:avLst/>
                   </a:prstGeom>
                   <a:blipFill>
-                    <a:blip r:embed="rId13"/>
+                    <a:blip r:embed="rId17"/>
                     <a:stretch>
                       <a:fillRect/>
                     </a:stretch>
@@ -5288,8 +5293,8 @@
               </p:sp>
             </mc:Fallback>
           </mc:AlternateContent>
-          <mc:AlternateContent xmlns:mc="http://schemas.openxmlformats.org/markup-compatibility/2006">
-            <mc:Choice xmlns:a14="http://schemas.microsoft.com/office/drawing/2010/main" Requires="a14">
+          <mc:AlternateContent xmlns:mc="http://schemas.openxmlformats.org/markup-compatibility/2006" xmlns:a14="http://schemas.microsoft.com/office/drawing/2010/main">
+            <mc:Choice Requires="a14">
               <p:sp>
                 <p:nvSpPr>
                   <p:cNvPr id="82" name="矩形 81"/>
@@ -5311,6 +5316,7 @@
                   </a:bodyPr>
                   <a:lstStyle/>
                   <a:p>
+                    <a:pPr/>
                     <a14:m>
                       <m:oMathPara xmlns:m="http://schemas.openxmlformats.org/officeDocument/2006/math">
                         <m:oMathParaPr>
@@ -5320,7 +5326,7 @@
                           <m:sSub>
                             <m:sSubPr>
                               <m:ctrlPr>
-                                <a:rPr lang="zh-CN" altLang="en-US" sz="1200">
+                                <a:rPr lang="zh-CN" altLang="en-US" sz="1200" i="1">
                                   <a:latin typeface="Cambria Math" panose="02040503050406030204" pitchFamily="18" charset="0"/>
                                 </a:rPr>
                               </m:ctrlPr>
@@ -5353,7 +5359,7 @@
                 </p:txBody>
               </p:sp>
             </mc:Choice>
-            <mc:Fallback>
+            <mc:Fallback xmlns="">
               <p:sp>
                 <p:nvSpPr>
                   <p:cNvPr id="82" name="矩形 81"/>
@@ -5371,7 +5377,7 @@
                     <a:avLst/>
                   </a:prstGeom>
                   <a:blipFill>
-                    <a:blip r:embed="rId14"/>
+                    <a:blip r:embed="rId18"/>
                     <a:stretch>
                       <a:fillRect/>
                     </a:stretch>
@@ -5392,8 +5398,8 @@
               </p:sp>
             </mc:Fallback>
           </mc:AlternateContent>
-          <mc:AlternateContent xmlns:mc="http://schemas.openxmlformats.org/markup-compatibility/2006">
-            <mc:Choice xmlns:a14="http://schemas.microsoft.com/office/drawing/2010/main" Requires="a14">
+          <mc:AlternateContent xmlns:mc="http://schemas.openxmlformats.org/markup-compatibility/2006" xmlns:a14="http://schemas.microsoft.com/office/drawing/2010/main">
+            <mc:Choice Requires="a14">
               <p:sp>
                 <p:nvSpPr>
                   <p:cNvPr id="84" name="矩形 83"/>
@@ -5415,6 +5421,7 @@
                   </a:bodyPr>
                   <a:lstStyle/>
                   <a:p>
+                    <a:pPr/>
                     <a14:m>
                       <m:oMathPara xmlns:m="http://schemas.openxmlformats.org/officeDocument/2006/math">
                         <m:oMathParaPr>
@@ -5424,7 +5431,7 @@
                           <m:sSubSup>
                             <m:sSubSupPr>
                               <m:ctrlPr>
-                                <a:rPr lang="zh-CN" altLang="en-US" sz="1200">
+                                <a:rPr lang="zh-CN" altLang="en-US" sz="1200" i="1">
                                   <a:latin typeface="Cambria Math" panose="02040503050406030204" pitchFamily="18" charset="0"/>
                                 </a:rPr>
                               </m:ctrlPr>
@@ -5465,7 +5472,7 @@
                 </p:txBody>
               </p:sp>
             </mc:Choice>
-            <mc:Fallback>
+            <mc:Fallback xmlns="">
               <p:sp>
                 <p:nvSpPr>
                   <p:cNvPr id="84" name="矩形 83"/>
@@ -5483,7 +5490,7 @@
                     <a:avLst/>
                   </a:prstGeom>
                   <a:blipFill>
-                    <a:blip r:embed="rId15"/>
+                    <a:blip r:embed="rId19"/>
                     <a:stretch>
                       <a:fillRect/>
                     </a:stretch>
@@ -5505,8 +5512,8 @@
             </mc:Fallback>
           </mc:AlternateContent>
         </p:grpSp>
-        <mc:AlternateContent xmlns:mc="http://schemas.openxmlformats.org/markup-compatibility/2006">
-          <mc:Choice xmlns:a14="http://schemas.microsoft.com/office/drawing/2010/main" Requires="a14">
+        <mc:AlternateContent xmlns:mc="http://schemas.openxmlformats.org/markup-compatibility/2006" xmlns:a14="http://schemas.microsoft.com/office/drawing/2010/main">
+          <mc:Choice Requires="a14">
             <p:sp>
               <p:nvSpPr>
                 <p:cNvPr id="86" name="矩形 85"/>
@@ -5528,6 +5535,7 @@
                 </a:bodyPr>
                 <a:lstStyle/>
                 <a:p>
+                  <a:pPr/>
                   <a14:m>
                     <m:oMathPara xmlns:m="http://schemas.openxmlformats.org/officeDocument/2006/math">
                       <m:oMathParaPr>
@@ -5537,7 +5545,7 @@
                         <m:sSub>
                           <m:sSubPr>
                             <m:ctrlPr>
-                              <a:rPr lang="zh-CN" altLang="en-US" sz="1200">
+                              <a:rPr lang="zh-CN" altLang="en-US" sz="1200" i="1">
                                 <a:latin typeface="Cambria Math" panose="02040503050406030204" pitchFamily="18" charset="0"/>
                               </a:rPr>
                             </m:ctrlPr>
@@ -5570,7 +5578,7 @@
               </p:txBody>
             </p:sp>
           </mc:Choice>
-          <mc:Fallback>
+          <mc:Fallback xmlns="">
             <p:sp>
               <p:nvSpPr>
                 <p:cNvPr id="86" name="矩形 85"/>
@@ -5588,7 +5596,7 @@
                   <a:avLst/>
                 </a:prstGeom>
                 <a:blipFill>
-                  <a:blip r:embed="rId16"/>
+                  <a:blip r:embed="rId20"/>
                   <a:stretch>
                     <a:fillRect/>
                   </a:stretch>
@@ -5609,8 +5617,8 @@
             </p:sp>
           </mc:Fallback>
         </mc:AlternateContent>
-        <mc:AlternateContent xmlns:mc="http://schemas.openxmlformats.org/markup-compatibility/2006">
-          <mc:Choice xmlns:a14="http://schemas.microsoft.com/office/drawing/2010/main" Requires="a14">
+        <mc:AlternateContent xmlns:mc="http://schemas.openxmlformats.org/markup-compatibility/2006" xmlns:a14="http://schemas.microsoft.com/office/drawing/2010/main">
+          <mc:Choice Requires="a14">
             <p:sp>
               <p:nvSpPr>
                 <p:cNvPr id="87" name="矩形 86"/>
@@ -5632,6 +5640,7 @@
                 </a:bodyPr>
                 <a:lstStyle/>
                 <a:p>
+                  <a:pPr/>
                   <a14:m>
                     <m:oMathPara xmlns:m="http://schemas.openxmlformats.org/officeDocument/2006/math">
                       <m:oMathParaPr>
@@ -5641,7 +5650,7 @@
                         <m:sSub>
                           <m:sSubPr>
                             <m:ctrlPr>
-                              <a:rPr lang="zh-CN" altLang="en-US" sz="1200">
+                              <a:rPr lang="zh-CN" altLang="en-US" sz="1200" i="1">
                                 <a:latin typeface="Cambria Math" panose="02040503050406030204" pitchFamily="18" charset="0"/>
                               </a:rPr>
                             </m:ctrlPr>
@@ -5674,7 +5683,7 @@
               </p:txBody>
             </p:sp>
           </mc:Choice>
-          <mc:Fallback>
+          <mc:Fallback xmlns="">
             <p:sp>
               <p:nvSpPr>
                 <p:cNvPr id="87" name="矩形 86"/>
@@ -5692,7 +5701,7 @@
                   <a:avLst/>
                 </a:prstGeom>
                 <a:blipFill>
-                  <a:blip r:embed="rId17"/>
+                  <a:blip r:embed="rId21"/>
                   <a:stretch>
                     <a:fillRect/>
                   </a:stretch>
@@ -5713,8 +5722,8 @@
             </p:sp>
           </mc:Fallback>
         </mc:AlternateContent>
-        <mc:AlternateContent xmlns:mc="http://schemas.openxmlformats.org/markup-compatibility/2006">
-          <mc:Choice xmlns:a14="http://schemas.microsoft.com/office/drawing/2010/main" Requires="a14">
+        <mc:AlternateContent xmlns:mc="http://schemas.openxmlformats.org/markup-compatibility/2006" xmlns:a14="http://schemas.microsoft.com/office/drawing/2010/main">
+          <mc:Choice Requires="a14">
             <p:sp>
               <p:nvSpPr>
                 <p:cNvPr id="88" name="矩形 87"/>
@@ -5736,6 +5745,7 @@
                 </a:bodyPr>
                 <a:lstStyle/>
                 <a:p>
+                  <a:pPr/>
                   <a14:m>
                     <m:oMathPara xmlns:m="http://schemas.openxmlformats.org/officeDocument/2006/math">
                       <m:oMathParaPr>
@@ -5745,7 +5755,7 @@
                         <m:sSub>
                           <m:sSubPr>
                             <m:ctrlPr>
-                              <a:rPr lang="zh-CN" altLang="en-US" sz="1200">
+                              <a:rPr lang="zh-CN" altLang="en-US" sz="1200" i="1">
                                 <a:latin typeface="Cambria Math" panose="02040503050406030204" pitchFamily="18" charset="0"/>
                               </a:rPr>
                             </m:ctrlPr>
@@ -5778,7 +5788,7 @@
               </p:txBody>
             </p:sp>
           </mc:Choice>
-          <mc:Fallback>
+          <mc:Fallback xmlns="">
             <p:sp>
               <p:nvSpPr>
                 <p:cNvPr id="88" name="矩形 87"/>
@@ -5796,7 +5806,7 @@
                   <a:avLst/>
                 </a:prstGeom>
                 <a:blipFill>
-                  <a:blip r:embed="rId18"/>
+                  <a:blip r:embed="rId22"/>
                   <a:stretch>
                     <a:fillRect/>
                   </a:stretch>
@@ -5850,16 +5860,16 @@
       </p:grpSpPr>
       <p:grpSp>
         <p:nvGrpSpPr>
-          <p:cNvPr id="106" name="组合 105"/>
+          <p:cNvPr id="2" name="组合 1"/>
           <p:cNvGrpSpPr/>
           <p:nvPr/>
         </p:nvGrpSpPr>
         <p:grpSpPr>
           <a:xfrm>
-            <a:off x="1789808" y="1597210"/>
-            <a:ext cx="3330163" cy="3359256"/>
-            <a:chOff x="1789808" y="1597210"/>
-            <a:chExt cx="3330163" cy="3359256"/>
+            <a:off x="1831704" y="1643727"/>
+            <a:ext cx="3235574" cy="3254140"/>
+            <a:chOff x="1831704" y="1643727"/>
+            <a:chExt cx="3235574" cy="3254140"/>
           </a:xfrm>
         </p:grpSpPr>
         <p:sp>
@@ -6032,7 +6042,7 @@
             <a:lstStyle/>
             <a:p>
               <a:pPr algn="ctr"/>
-              <a:endParaRPr lang="zh-CN" altLang="en-US"/>
+              <a:endParaRPr lang="zh-CN" altLang="en-US" sz="1200"/>
             </a:p>
           </p:txBody>
         </p:sp>
@@ -6621,8 +6631,8 @@
               </p:nvSpPr>
               <p:spPr>
                 <a:xfrm>
-                  <a:off x="2190549" y="4587134"/>
-                  <a:ext cx="381835" cy="369332"/>
+                  <a:off x="2196581" y="4587369"/>
+                  <a:ext cx="311496" cy="276999"/>
                 </a:xfrm>
                 <a:prstGeom prst="rect">
                   <a:avLst/>
@@ -6634,6 +6644,7 @@
                 </a:bodyPr>
                 <a:lstStyle/>
                 <a:p>
+                  <a:pPr/>
                   <a14:m>
                     <m:oMathPara xmlns:m="http://schemas.openxmlformats.org/officeDocument/2006/math">
                       <m:oMathParaPr>
@@ -6641,15 +6652,18 @@
                       </m:oMathParaPr>
                       <m:oMath xmlns:m="http://schemas.openxmlformats.org/officeDocument/2006/math">
                         <m:r>
-                          <a:rPr lang="zh-CN" altLang="en-US" b="1" i="1">
+                          <a:rPr lang="zh-CN" altLang="en-US" sz="1200" b="0" i="1">
                             <a:latin typeface="Cambria Math" panose="02040503050406030204" pitchFamily="18" charset="0"/>
                           </a:rPr>
-                          <m:t>𝒐</m:t>
+                          <m:t>𝑜</m:t>
                         </m:r>
                       </m:oMath>
                     </m:oMathPara>
                   </a14:m>
-                  <a:endParaRPr lang="zh-CN" altLang="en-US" dirty="0"/>
+                  <a:endParaRPr lang="zh-CN" altLang="en-US" sz="1200" dirty="0">
+                    <a:latin typeface="Times New Roman" panose="02020603050405020304" pitchFamily="18" charset="0"/>
+                    <a:cs typeface="Times New Roman" panose="02020603050405020304" pitchFamily="18" charset="0"/>
+                  </a:endParaRPr>
                 </a:p>
               </p:txBody>
             </p:sp>
@@ -6665,8 +6679,8 @@
               </p:nvSpPr>
               <p:spPr>
                 <a:xfrm>
-                  <a:off x="2190549" y="4587134"/>
-                  <a:ext cx="381835" cy="369332"/>
+                  <a:off x="2196581" y="4587369"/>
+                  <a:ext cx="311496" cy="276999"/>
                 </a:xfrm>
                 <a:prstGeom prst="rect">
                   <a:avLst/>
@@ -6703,8 +6717,8 @@
               </p:nvSpPr>
               <p:spPr>
                 <a:xfrm>
-                  <a:off x="4304698" y="4575519"/>
-                  <a:ext cx="446789" cy="369332"/>
+                  <a:off x="4363796" y="4620868"/>
+                  <a:ext cx="359457" cy="276999"/>
                 </a:xfrm>
                 <a:prstGeom prst="rect">
                   <a:avLst/>
@@ -6716,6 +6730,7 @@
                 </a:bodyPr>
                 <a:lstStyle/>
                 <a:p>
+                  <a:pPr/>
                   <a14:m>
                     <m:oMathPara xmlns:m="http://schemas.openxmlformats.org/officeDocument/2006/math">
                       <m:oMathParaPr>
@@ -6725,22 +6740,22 @@
                         <m:sSup>
                           <m:sSupPr>
                             <m:ctrlPr>
-                              <a:rPr lang="zh-CN" altLang="en-US" b="1">
+                              <a:rPr lang="zh-CN" altLang="en-US" sz="1200" i="1">
                                 <a:latin typeface="Cambria Math" panose="02040503050406030204" pitchFamily="18" charset="0"/>
                               </a:rPr>
                             </m:ctrlPr>
                           </m:sSupPr>
                           <m:e>
                             <m:r>
-                              <a:rPr lang="zh-CN" altLang="en-US" b="1" i="1">
+                              <a:rPr lang="zh-CN" altLang="en-US" sz="1200" b="0" i="1">
                                 <a:latin typeface="Cambria Math" panose="02040503050406030204" pitchFamily="18" charset="0"/>
                               </a:rPr>
-                              <m:t>𝒐</m:t>
+                              <m:t>𝑜</m:t>
                             </m:r>
                           </m:e>
                           <m:sup>
                             <m:r>
-                              <a:rPr lang="zh-CN" altLang="en-US" b="1">
+                              <a:rPr lang="zh-CN" altLang="en-US" sz="1200" b="0">
                                 <a:latin typeface="Cambria Math" panose="02040503050406030204" pitchFamily="18" charset="0"/>
                               </a:rPr>
                               <m:t>′</m:t>
@@ -6766,8 +6781,8 @@
               </p:nvSpPr>
               <p:spPr>
                 <a:xfrm>
-                  <a:off x="4304698" y="4575519"/>
-                  <a:ext cx="446789" cy="369332"/>
+                  <a:off x="4363796" y="4620868"/>
+                  <a:ext cx="359457" cy="276999"/>
                 </a:xfrm>
                 <a:prstGeom prst="rect">
                   <a:avLst/>
@@ -6804,8 +6819,8 @@
               </p:nvSpPr>
               <p:spPr>
                 <a:xfrm>
-                  <a:off x="2151219" y="1597210"/>
-                  <a:ext cx="405880" cy="369332"/>
+                  <a:off x="2199956" y="1643727"/>
+                  <a:ext cx="326308" cy="276999"/>
                 </a:xfrm>
                 <a:prstGeom prst="rect">
                   <a:avLst/>
@@ -6817,6 +6832,7 @@
                 </a:bodyPr>
                 <a:lstStyle/>
                 <a:p>
+                  <a:pPr/>
                   <a14:m>
                     <m:oMathPara xmlns:m="http://schemas.openxmlformats.org/officeDocument/2006/math">
                       <m:oMathParaPr>
@@ -6824,15 +6840,15 @@
                       </m:oMathParaPr>
                       <m:oMath xmlns:m="http://schemas.openxmlformats.org/officeDocument/2006/math">
                         <m:r>
-                          <a:rPr lang="zh-CN" altLang="en-US" b="1" i="1">
+                          <a:rPr lang="zh-CN" altLang="en-US" sz="1200" b="0" i="1">
                             <a:latin typeface="Cambria Math" panose="02040503050406030204" pitchFamily="18" charset="0"/>
                           </a:rPr>
-                          <m:t>𝑷</m:t>
+                          <m:t>𝑃</m:t>
                         </m:r>
                       </m:oMath>
                     </m:oMathPara>
                   </a14:m>
-                  <a:endParaRPr lang="zh-CN" altLang="en-US" dirty="0"/>
+                  <a:endParaRPr lang="zh-CN" altLang="en-US" sz="1200" dirty="0"/>
                 </a:p>
               </p:txBody>
             </p:sp>
@@ -6848,8 +6864,8 @@
               </p:nvSpPr>
               <p:spPr>
                 <a:xfrm>
-                  <a:off x="2151219" y="1597210"/>
-                  <a:ext cx="405880" cy="369332"/>
+                  <a:off x="2199956" y="1643727"/>
+                  <a:ext cx="326308" cy="276999"/>
                 </a:xfrm>
                 <a:prstGeom prst="rect">
                   <a:avLst/>
@@ -6886,8 +6902,8 @@
               </p:nvSpPr>
               <p:spPr>
                 <a:xfrm>
-                  <a:off x="2111920" y="2418288"/>
-                  <a:ext cx="476349" cy="369332"/>
+                  <a:off x="2118672" y="2520208"/>
+                  <a:ext cx="372794" cy="276999"/>
                 </a:xfrm>
                 <a:prstGeom prst="rect">
                   <a:avLst/>
@@ -6899,6 +6915,7 @@
                 </a:bodyPr>
                 <a:lstStyle/>
                 <a:p>
+                  <a:pPr/>
                   <a14:m>
                     <m:oMathPara xmlns:m="http://schemas.openxmlformats.org/officeDocument/2006/math">
                       <m:oMathParaPr>
@@ -6908,22 +6925,22 @@
                         <m:sSup>
                           <m:sSupPr>
                             <m:ctrlPr>
-                              <a:rPr lang="zh-CN" altLang="en-US" b="1">
+                              <a:rPr lang="zh-CN" altLang="en-US" sz="1200" i="1">
                                 <a:latin typeface="Cambria Math" panose="02040503050406030204" pitchFamily="18" charset="0"/>
                               </a:rPr>
                             </m:ctrlPr>
                           </m:sSupPr>
                           <m:e>
                             <m:r>
-                              <a:rPr lang="zh-CN" altLang="en-US" b="1" i="1">
+                              <a:rPr lang="zh-CN" altLang="en-US" sz="1200" b="0" i="1">
                                 <a:latin typeface="Cambria Math" panose="02040503050406030204" pitchFamily="18" charset="0"/>
                               </a:rPr>
-                              <m:t>𝑷</m:t>
+                              <m:t>𝑃</m:t>
                             </m:r>
                           </m:e>
                           <m:sup>
                             <m:r>
-                              <a:rPr lang="zh-CN" altLang="en-US" b="1">
+                              <a:rPr lang="zh-CN" altLang="en-US" sz="1200" b="0">
                                 <a:latin typeface="Cambria Math" panose="02040503050406030204" pitchFamily="18" charset="0"/>
                               </a:rPr>
                               <m:t>′</m:t>
@@ -6949,8 +6966,8 @@
               </p:nvSpPr>
               <p:spPr>
                 <a:xfrm>
-                  <a:off x="2111920" y="2418288"/>
-                  <a:ext cx="476349" cy="369332"/>
+                  <a:off x="2118672" y="2520208"/>
+                  <a:ext cx="372794" cy="276999"/>
                 </a:xfrm>
                 <a:prstGeom prst="rect">
                   <a:avLst/>
@@ -6987,8 +7004,8 @@
               </p:nvSpPr>
               <p:spPr>
                 <a:xfrm>
-                  <a:off x="1789808" y="2806670"/>
-                  <a:ext cx="367408" cy="369332"/>
+                  <a:off x="1831704" y="2903672"/>
+                  <a:ext cx="302712" cy="276999"/>
                 </a:xfrm>
                 <a:prstGeom prst="rect">
                   <a:avLst/>
@@ -7000,6 +7017,7 @@
                 </a:bodyPr>
                 <a:lstStyle/>
                 <a:p>
+                  <a:pPr/>
                   <a14:m>
                     <m:oMathPara xmlns:m="http://schemas.openxmlformats.org/officeDocument/2006/math">
                       <m:oMathParaPr>
@@ -7007,7 +7025,7 @@
                       </m:oMathParaPr>
                       <m:oMath xmlns:m="http://schemas.openxmlformats.org/officeDocument/2006/math">
                         <m:r>
-                          <a:rPr lang="zh-CN" altLang="en-US" i="1">
+                          <a:rPr lang="zh-CN" altLang="en-US" sz="1200" i="1">
                             <a:latin typeface="Cambria Math" panose="02040503050406030204" pitchFamily="18" charset="0"/>
                           </a:rPr>
                           <m:t>𝑧</m:t>
@@ -7015,7 +7033,7 @@
                       </m:oMath>
                     </m:oMathPara>
                   </a14:m>
-                  <a:endParaRPr lang="zh-CN" altLang="en-US" dirty="0"/>
+                  <a:endParaRPr lang="zh-CN" altLang="en-US" sz="1200" dirty="0"/>
                 </a:p>
               </p:txBody>
             </p:sp>
@@ -7031,8 +7049,8 @@
               </p:nvSpPr>
               <p:spPr>
                 <a:xfrm>
-                  <a:off x="1789808" y="2806670"/>
-                  <a:ext cx="367408" cy="369332"/>
+                  <a:off x="1831704" y="2903672"/>
+                  <a:ext cx="302712" cy="276999"/>
                 </a:xfrm>
                 <a:prstGeom prst="rect">
                   <a:avLst/>
@@ -7070,7 +7088,7 @@
               <p:spPr>
                 <a:xfrm>
                   <a:off x="2049722" y="3388220"/>
-                  <a:ext cx="439544" cy="369332"/>
+                  <a:ext cx="354071" cy="276999"/>
                 </a:xfrm>
                 <a:prstGeom prst="rect">
                   <a:avLst/>
@@ -7082,6 +7100,7 @@
                 </a:bodyPr>
                 <a:lstStyle/>
                 <a:p>
+                  <a:pPr/>
                   <a14:m>
                     <m:oMathPara xmlns:m="http://schemas.openxmlformats.org/officeDocument/2006/math">
                       <m:oMathParaPr>
@@ -7091,14 +7110,14 @@
                         <m:sSup>
                           <m:sSupPr>
                             <m:ctrlPr>
-                              <a:rPr lang="zh-CN" altLang="en-US">
+                              <a:rPr lang="zh-CN" altLang="en-US" sz="1200" i="1">
                                 <a:latin typeface="Cambria Math" panose="02040503050406030204" pitchFamily="18" charset="0"/>
                               </a:rPr>
                             </m:ctrlPr>
                           </m:sSupPr>
                           <m:e>
                             <m:r>
-                              <a:rPr lang="zh-CN" altLang="en-US" i="1">
+                              <a:rPr lang="zh-CN" altLang="en-US" sz="1200" i="1">
                                 <a:latin typeface="Cambria Math" panose="02040503050406030204" pitchFamily="18" charset="0"/>
                               </a:rPr>
                               <m:t>𝑧</m:t>
@@ -7106,7 +7125,7 @@
                           </m:e>
                           <m:sup>
                             <m:r>
-                              <a:rPr lang="zh-CN" altLang="en-US">
+                              <a:rPr lang="zh-CN" altLang="en-US" sz="1200">
                                 <a:latin typeface="Cambria Math" panose="02040503050406030204" pitchFamily="18" charset="0"/>
                               </a:rPr>
                               <m:t>′</m:t>
@@ -7133,7 +7152,7 @@
               <p:spPr>
                 <a:xfrm>
                   <a:off x="2049722" y="3388220"/>
-                  <a:ext cx="439544" cy="369332"/>
+                  <a:ext cx="354071" cy="276999"/>
                 </a:xfrm>
                 <a:prstGeom prst="rect">
                   <a:avLst/>
@@ -7259,8 +7278,8 @@
                 </p:nvSpPr>
                 <p:spPr>
                   <a:xfrm>
-                    <a:off x="5144588" y="3433431"/>
-                    <a:ext cx="366061" cy="369332"/>
+                    <a:off x="5197778" y="3483888"/>
+                    <a:ext cx="306686" cy="276999"/>
                   </a:xfrm>
                   <a:prstGeom prst="rect">
                     <a:avLst/>
@@ -7272,6 +7291,7 @@
                   </a:bodyPr>
                   <a:lstStyle/>
                   <a:p>
+                    <a:pPr/>
                     <a14:m>
                       <m:oMathPara xmlns:m="http://schemas.openxmlformats.org/officeDocument/2006/math">
                         <m:oMathParaPr>
@@ -7279,7 +7299,7 @@
                         </m:oMathParaPr>
                         <m:oMath xmlns:m="http://schemas.openxmlformats.org/officeDocument/2006/math">
                           <m:r>
-                            <a:rPr lang="zh-CN" altLang="en-US" i="1">
+                            <a:rPr lang="zh-CN" altLang="en-US" sz="1200" i="1">
                               <a:latin typeface="Cambria Math" panose="02040503050406030204" pitchFamily="18" charset="0"/>
                             </a:rPr>
                             <m:t>𝑒</m:t>
@@ -7287,7 +7307,7 @@
                         </m:oMath>
                       </m:oMathPara>
                     </a14:m>
-                    <a:endParaRPr lang="zh-CN" altLang="en-US" dirty="0"/>
+                    <a:endParaRPr lang="zh-CN" altLang="en-US" sz="1200" dirty="0"/>
                   </a:p>
                 </p:txBody>
               </p:sp>
@@ -7303,8 +7323,8 @@
                 </p:nvSpPr>
                 <p:spPr>
                   <a:xfrm>
-                    <a:off x="5144588" y="3433431"/>
-                    <a:ext cx="366061" cy="369332"/>
+                    <a:off x="5197778" y="3483888"/>
+                    <a:ext cx="306686" cy="276999"/>
                   </a:xfrm>
                   <a:prstGeom prst="rect">
                     <a:avLst/>
@@ -7389,8 +7409,8 @@
               </p:nvSpPr>
               <p:spPr>
                 <a:xfrm>
-                  <a:off x="4739418" y="4254795"/>
-                  <a:ext cx="380553" cy="369332"/>
+                  <a:off x="4751487" y="4297908"/>
+                  <a:ext cx="315791" cy="276999"/>
                 </a:xfrm>
                 <a:prstGeom prst="rect">
                   <a:avLst/>
@@ -7402,6 +7422,7 @@
                 </a:bodyPr>
                 <a:lstStyle/>
                 <a:p>
+                  <a:pPr/>
                   <a14:m>
                     <m:oMathPara xmlns:m="http://schemas.openxmlformats.org/officeDocument/2006/math">
                       <m:oMathParaPr>
@@ -7409,7 +7430,7 @@
                       </m:oMathParaPr>
                       <m:oMath xmlns:m="http://schemas.openxmlformats.org/officeDocument/2006/math">
                         <m:r>
-                          <a:rPr lang="zh-CN" altLang="en-US" i="1">
+                          <a:rPr lang="zh-CN" altLang="en-US" sz="1200" i="1">
                             <a:latin typeface="Cambria Math" panose="02040503050406030204" pitchFamily="18" charset="0"/>
                           </a:rPr>
                           <m:t>𝑓</m:t>
@@ -7417,7 +7438,7 @@
                       </m:oMath>
                     </m:oMathPara>
                   </a14:m>
-                  <a:endParaRPr lang="zh-CN" altLang="en-US" dirty="0"/>
+                  <a:endParaRPr lang="zh-CN" altLang="en-US" sz="1200" dirty="0"/>
                 </a:p>
               </p:txBody>
             </p:sp>
@@ -7433,8 +7454,8 @@
               </p:nvSpPr>
               <p:spPr>
                 <a:xfrm>
-                  <a:off x="4739418" y="4254795"/>
-                  <a:ext cx="380553" cy="369332"/>
+                  <a:off x="4751487" y="4297908"/>
+                  <a:ext cx="315791" cy="276999"/>
                 </a:xfrm>
                 <a:prstGeom prst="rect">
                   <a:avLst/>
@@ -7442,7 +7463,7 @@
                 <a:blipFill>
                   <a:blip r:embed="rId11"/>
                   <a:stretch>
-                    <a:fillRect b="-11475"/>
+                    <a:fillRect b="-6667"/>
                   </a:stretch>
                 </a:blipFill>
               </p:spPr>
@@ -7472,20 +7493,20 @@
                 <p:nvPr>
                   <p:extLst>
                     <p:ext uri="{D42A27DB-BD31-4B8C-83A1-F6EECF244321}">
-                      <p14:modId xmlns:p14="http://schemas.microsoft.com/office/powerpoint/2010/main" val="1780178607"/>
+                      <p14:modId xmlns:p14="http://schemas.microsoft.com/office/powerpoint/2010/main" val="3625104641"/>
                     </p:ext>
                   </p:extLst>
                 </p:nvPr>
               </p:nvGraphicFramePr>
               <p:xfrm>
-                <a:off x="2651864" y="2505074"/>
-                <a:ext cx="215160" cy="248261"/>
+                <a:off x="2715152" y="2559050"/>
+                <a:ext cx="151871" cy="175235"/>
               </p:xfrm>
               <a:graphic>
                 <a:graphicData uri="http://schemas.openxmlformats.org/presentationml/2006/ole">
                   <mc:AlternateContent>
                     <mc:Choice xmlns:v="urn:schemas-microsoft-com:vml" Requires="v">
-                      <p:oleObj spid="_x0000_s2111" name="Equation" r:id="rId12" imgW="164880" imgH="190440" progId="Equation.DSMT4">
+                      <p:oleObj spid="_x0000_s2115" name="Equation" r:id="rId12" imgW="164880" imgH="190440" progId="Equation.DSMT4">
                         <p:embed/>
                       </p:oleObj>
                     </mc:Choice>
@@ -7506,8 +7527,8 @@
                           </p:blipFill>
                           <p:spPr>
                             <a:xfrm>
-                              <a:off x="2651864" y="2505074"/>
-                              <a:ext cx="215160" cy="248261"/>
+                              <a:off x="2715152" y="2559050"/>
+                              <a:ext cx="151871" cy="175235"/>
                             </a:xfrm>
                             <a:prstGeom prst="rect">
                               <a:avLst/>
@@ -7531,20 +7552,20 @@
                 <p:nvPr>
                   <p:extLst>
                     <p:ext uri="{D42A27DB-BD31-4B8C-83A1-F6EECF244321}">
-                      <p14:modId xmlns:p14="http://schemas.microsoft.com/office/powerpoint/2010/main" val="1780178607"/>
+                      <p14:modId xmlns:p14="http://schemas.microsoft.com/office/powerpoint/2010/main" val="3625104641"/>
                     </p:ext>
                   </p:extLst>
                 </p:nvPr>
               </p:nvGraphicFramePr>
               <p:xfrm>
-                <a:off x="2651864" y="2505074"/>
-                <a:ext cx="215160" cy="248261"/>
+                <a:off x="2715152" y="2559050"/>
+                <a:ext cx="151871" cy="175235"/>
               </p:xfrm>
               <a:graphic>
                 <a:graphicData uri="http://schemas.openxmlformats.org/presentationml/2006/ole">
                   <mc:AlternateContent>
                     <mc:Choice xmlns:v="urn:schemas-microsoft-com:vml" Requires="v">
-                      <p:oleObj spid="_x0000_s2111" name="Equation" r:id="rId12" imgW="164880" imgH="190440" progId="Equation.DSMT4">
+                      <p:oleObj spid="_x0000_s2115" name="Equation" r:id="rId12" imgW="164880" imgH="190440" progId="Equation.DSMT4">
                         <p:embed/>
                       </p:oleObj>
                     </mc:Choice>
@@ -7565,8 +7586,8 @@
                           </p:blipFill>
                           <p:spPr>
                             <a:xfrm>
-                              <a:off x="2651864" y="2505074"/>
-                              <a:ext cx="215160" cy="248261"/>
+                              <a:off x="2715152" y="2559050"/>
+                              <a:ext cx="151871" cy="175235"/>
                             </a:xfrm>
                             <a:prstGeom prst="rect">
                               <a:avLst/>
@@ -7592,20 +7613,20 @@
                 <p:nvPr>
                   <p:extLst>
                     <p:ext uri="{D42A27DB-BD31-4B8C-83A1-F6EECF244321}">
-                      <p14:modId xmlns:p14="http://schemas.microsoft.com/office/powerpoint/2010/main" val="2205046868"/>
+                      <p14:modId xmlns:p14="http://schemas.microsoft.com/office/powerpoint/2010/main" val="4101418157"/>
                     </p:ext>
                   </p:extLst>
                 </p:nvPr>
               </p:nvGraphicFramePr>
               <p:xfrm>
-                <a:off x="3381375" y="4645026"/>
-                <a:ext cx="152400" cy="165100"/>
+                <a:off x="3396380" y="4654906"/>
+                <a:ext cx="131007" cy="141924"/>
               </p:xfrm>
               <a:graphic>
                 <a:graphicData uri="http://schemas.openxmlformats.org/presentationml/2006/ole">
                   <mc:AlternateContent>
                     <mc:Choice xmlns:v="urn:schemas-microsoft-com:vml" Requires="v">
-                      <p:oleObj spid="_x0000_s2112" name="Equation" r:id="rId14" imgW="152280" imgH="164880" progId="Equation.DSMT4">
+                      <p:oleObj spid="_x0000_s2116" name="Equation" r:id="rId14" imgW="152280" imgH="164880" progId="Equation.DSMT4">
                         <p:embed/>
                       </p:oleObj>
                     </mc:Choice>
@@ -7626,8 +7647,8 @@
                           </p:blipFill>
                           <p:spPr>
                             <a:xfrm>
-                              <a:off x="3381375" y="4645026"/>
-                              <a:ext cx="152400" cy="165100"/>
+                              <a:off x="3396380" y="4654906"/>
+                              <a:ext cx="131007" cy="141924"/>
                             </a:xfrm>
                             <a:prstGeom prst="rect">
                               <a:avLst/>
@@ -7651,20 +7672,20 @@
                 <p:nvPr>
                   <p:extLst>
                     <p:ext uri="{D42A27DB-BD31-4B8C-83A1-F6EECF244321}">
-                      <p14:modId xmlns:p14="http://schemas.microsoft.com/office/powerpoint/2010/main" val="2205046868"/>
+                      <p14:modId xmlns:p14="http://schemas.microsoft.com/office/powerpoint/2010/main" val="4101418157"/>
                     </p:ext>
                   </p:extLst>
                 </p:nvPr>
               </p:nvGraphicFramePr>
               <p:xfrm>
-                <a:off x="3381375" y="4645026"/>
-                <a:ext cx="152400" cy="165100"/>
+                <a:off x="3396380" y="4654906"/>
+                <a:ext cx="131007" cy="141924"/>
               </p:xfrm>
               <a:graphic>
                 <a:graphicData uri="http://schemas.openxmlformats.org/presentationml/2006/ole">
                   <mc:AlternateContent>
                     <mc:Choice xmlns:v="urn:schemas-microsoft-com:vml" Requires="v">
-                      <p:oleObj spid="_x0000_s2112" name="Equation" r:id="rId14" imgW="152280" imgH="164880" progId="Equation.DSMT4">
+                      <p:oleObj spid="_x0000_s2116" name="Equation" r:id="rId14" imgW="152280" imgH="164880" progId="Equation.DSMT4">
                         <p:embed/>
                       </p:oleObj>
                     </mc:Choice>
@@ -7685,8 +7706,8 @@
                           </p:blipFill>
                           <p:spPr>
                             <a:xfrm>
-                              <a:off x="3381375" y="4645026"/>
-                              <a:ext cx="152400" cy="165100"/>
+                              <a:off x="3396380" y="4654906"/>
+                              <a:ext cx="131007" cy="141924"/>
                             </a:xfrm>
                             <a:prstGeom prst="rect">
                               <a:avLst/>
@@ -7699,6 +7720,92 @@
                 </a:graphicData>
               </a:graphic>
             </p:graphicFrame>
+          </mc:Fallback>
+        </mc:AlternateContent>
+        <mc:AlternateContent xmlns:mc="http://schemas.openxmlformats.org/markup-compatibility/2006">
+          <mc:Choice xmlns:a14="http://schemas.microsoft.com/office/drawing/2010/main" Requires="a14">
+            <p:sp>
+              <p:nvSpPr>
+                <p:cNvPr id="37" name="矩形 36"/>
+                <p:cNvSpPr/>
+                <p:nvPr/>
+              </p:nvSpPr>
+              <p:spPr>
+                <a:xfrm>
+                  <a:off x="3061352" y="2491672"/>
+                  <a:ext cx="335028" cy="276999"/>
+                </a:xfrm>
+                <a:prstGeom prst="rect">
+                  <a:avLst/>
+                </a:prstGeom>
+              </p:spPr>
+              <p:txBody>
+                <a:bodyPr wrap="none">
+                  <a:spAutoFit/>
+                </a:bodyPr>
+                <a:lstStyle/>
+                <a:p>
+                  <a:pPr/>
+                  <a14:m>
+                    <m:oMathPara xmlns:m="http://schemas.openxmlformats.org/officeDocument/2006/math">
+                      <m:oMathParaPr>
+                        <m:jc m:val="centerGroup"/>
+                      </m:oMathParaPr>
+                      <m:oMath xmlns:m="http://schemas.openxmlformats.org/officeDocument/2006/math">
+                        <m:r>
+                          <a:rPr lang="en-US" altLang="zh-CN" sz="1200" b="0" i="1" smtClean="0">
+                            <a:latin typeface="Cambria Math" panose="02040503050406030204" pitchFamily="18" charset="0"/>
+                          </a:rPr>
+                          <m:t>𝑄</m:t>
+                        </m:r>
+                      </m:oMath>
+                    </m:oMathPara>
+                  </a14:m>
+                  <a:endParaRPr lang="zh-CN" altLang="en-US" sz="1200" dirty="0">
+                    <a:latin typeface="Times New Roman" panose="02020603050405020304" pitchFamily="18" charset="0"/>
+                    <a:cs typeface="Times New Roman" panose="02020603050405020304" pitchFamily="18" charset="0"/>
+                  </a:endParaRPr>
+                </a:p>
+              </p:txBody>
+            </p:sp>
+          </mc:Choice>
+          <mc:Fallback>
+            <p:sp>
+              <p:nvSpPr>
+                <p:cNvPr id="37" name="矩形 36"/>
+                <p:cNvSpPr>
+                  <a:spLocks noRot="1" noChangeAspect="1" noMove="1" noResize="1" noEditPoints="1" noAdjustHandles="1" noChangeArrowheads="1" noChangeShapeType="1" noTextEdit="1"/>
+                </p:cNvSpPr>
+                <p:nvPr/>
+              </p:nvSpPr>
+              <p:spPr>
+                <a:xfrm>
+                  <a:off x="3061352" y="2491672"/>
+                  <a:ext cx="335028" cy="276999"/>
+                </a:xfrm>
+                <a:prstGeom prst="rect">
+                  <a:avLst/>
+                </a:prstGeom>
+                <a:blipFill>
+                  <a:blip r:embed="rId16"/>
+                  <a:stretch>
+                    <a:fillRect b="-2222"/>
+                  </a:stretch>
+                </a:blipFill>
+              </p:spPr>
+              <p:txBody>
+                <a:bodyPr/>
+                <a:lstStyle/>
+                <a:p>
+                  <a:r>
+                    <a:rPr lang="zh-CN" altLang="en-US">
+                      <a:noFill/>
+                    </a:rPr>
+                    <a:t> </a:t>
+                  </a:r>
+                </a:p>
+              </p:txBody>
+            </p:sp>
           </mc:Fallback>
         </mc:AlternateContent>
       </p:grpSp>

--- a/image_of_paper.pptx
+++ b/image_of_paper.pptx
@@ -5,12 +5,13 @@
     <p:sldMasterId id="2147483648" r:id="rId1"/>
   </p:sldMasterIdLst>
   <p:notesMasterIdLst>
-    <p:notesMasterId r:id="rId5"/>
+    <p:notesMasterId r:id="rId6"/>
   </p:notesMasterIdLst>
   <p:sldIdLst>
     <p:sldId id="256" r:id="rId2"/>
     <p:sldId id="257" r:id="rId3"/>
     <p:sldId id="258" r:id="rId4"/>
+    <p:sldId id="259" r:id="rId5"/>
   </p:sldIdLst>
   <p:sldSz cx="12192000" cy="6858000"/>
   <p:notesSz cx="6858000" cy="9144000"/>
@@ -199,7 +200,7 @@
           <a:p>
             <a:fld id="{FE6C41BB-DDFC-4602-87C4-9D8FCF8D71DE}" type="datetimeFigureOut">
               <a:rPr lang="zh-CN" altLang="en-US" smtClean="0"/>
-              <a:t>2017/6/10</a:t>
+              <a:t>2017/6/14</a:t>
             </a:fld>
             <a:endParaRPr lang="zh-CN" altLang="en-US"/>
           </a:p>
@@ -598,7 +599,7 @@
           <a:p>
             <a:fld id="{37313E7E-9596-406A-ABF3-13ABD07ABD62}" type="datetimeFigureOut">
               <a:rPr lang="zh-CN" altLang="en-US" smtClean="0"/>
-              <a:t>2017/6/10</a:t>
+              <a:t>2017/6/14</a:t>
             </a:fld>
             <a:endParaRPr lang="zh-CN" altLang="en-US"/>
           </a:p>
@@ -768,7 +769,7 @@
           <a:p>
             <a:fld id="{37313E7E-9596-406A-ABF3-13ABD07ABD62}" type="datetimeFigureOut">
               <a:rPr lang="zh-CN" altLang="en-US" smtClean="0"/>
-              <a:t>2017/6/10</a:t>
+              <a:t>2017/6/14</a:t>
             </a:fld>
             <a:endParaRPr lang="zh-CN" altLang="en-US"/>
           </a:p>
@@ -948,7 +949,7 @@
           <a:p>
             <a:fld id="{37313E7E-9596-406A-ABF3-13ABD07ABD62}" type="datetimeFigureOut">
               <a:rPr lang="zh-CN" altLang="en-US" smtClean="0"/>
-              <a:t>2017/6/10</a:t>
+              <a:t>2017/6/14</a:t>
             </a:fld>
             <a:endParaRPr lang="zh-CN" altLang="en-US"/>
           </a:p>
@@ -1118,7 +1119,7 @@
           <a:p>
             <a:fld id="{37313E7E-9596-406A-ABF3-13ABD07ABD62}" type="datetimeFigureOut">
               <a:rPr lang="zh-CN" altLang="en-US" smtClean="0"/>
-              <a:t>2017/6/10</a:t>
+              <a:t>2017/6/14</a:t>
             </a:fld>
             <a:endParaRPr lang="zh-CN" altLang="en-US"/>
           </a:p>
@@ -1364,7 +1365,7 @@
           <a:p>
             <a:fld id="{37313E7E-9596-406A-ABF3-13ABD07ABD62}" type="datetimeFigureOut">
               <a:rPr lang="zh-CN" altLang="en-US" smtClean="0"/>
-              <a:t>2017/6/10</a:t>
+              <a:t>2017/6/14</a:t>
             </a:fld>
             <a:endParaRPr lang="zh-CN" altLang="en-US"/>
           </a:p>
@@ -1596,7 +1597,7 @@
           <a:p>
             <a:fld id="{37313E7E-9596-406A-ABF3-13ABD07ABD62}" type="datetimeFigureOut">
               <a:rPr lang="zh-CN" altLang="en-US" smtClean="0"/>
-              <a:t>2017/6/10</a:t>
+              <a:t>2017/6/14</a:t>
             </a:fld>
             <a:endParaRPr lang="zh-CN" altLang="en-US"/>
           </a:p>
@@ -1963,7 +1964,7 @@
           <a:p>
             <a:fld id="{37313E7E-9596-406A-ABF3-13ABD07ABD62}" type="datetimeFigureOut">
               <a:rPr lang="zh-CN" altLang="en-US" smtClean="0"/>
-              <a:t>2017/6/10</a:t>
+              <a:t>2017/6/14</a:t>
             </a:fld>
             <a:endParaRPr lang="zh-CN" altLang="en-US"/>
           </a:p>
@@ -2081,7 +2082,7 @@
           <a:p>
             <a:fld id="{37313E7E-9596-406A-ABF3-13ABD07ABD62}" type="datetimeFigureOut">
               <a:rPr lang="zh-CN" altLang="en-US" smtClean="0"/>
-              <a:t>2017/6/10</a:t>
+              <a:t>2017/6/14</a:t>
             </a:fld>
             <a:endParaRPr lang="zh-CN" altLang="en-US"/>
           </a:p>
@@ -2176,7 +2177,7 @@
           <a:p>
             <a:fld id="{37313E7E-9596-406A-ABF3-13ABD07ABD62}" type="datetimeFigureOut">
               <a:rPr lang="zh-CN" altLang="en-US" smtClean="0"/>
-              <a:t>2017/6/10</a:t>
+              <a:t>2017/6/14</a:t>
             </a:fld>
             <a:endParaRPr lang="zh-CN" altLang="en-US"/>
           </a:p>
@@ -2453,7 +2454,7 @@
           <a:p>
             <a:fld id="{37313E7E-9596-406A-ABF3-13ABD07ABD62}" type="datetimeFigureOut">
               <a:rPr lang="zh-CN" altLang="en-US" smtClean="0"/>
-              <a:t>2017/6/10</a:t>
+              <a:t>2017/6/14</a:t>
             </a:fld>
             <a:endParaRPr lang="zh-CN" altLang="en-US"/>
           </a:p>
@@ -2706,7 +2707,7 @@
           <a:p>
             <a:fld id="{37313E7E-9596-406A-ABF3-13ABD07ABD62}" type="datetimeFigureOut">
               <a:rPr lang="zh-CN" altLang="en-US" smtClean="0"/>
-              <a:t>2017/6/10</a:t>
+              <a:t>2017/6/14</a:t>
             </a:fld>
             <a:endParaRPr lang="zh-CN" altLang="en-US"/>
           </a:p>
@@ -2919,7 +2920,7 @@
           <a:p>
             <a:fld id="{37313E7E-9596-406A-ABF3-13ABD07ABD62}" type="datetimeFigureOut">
               <a:rPr lang="zh-CN" altLang="en-US" smtClean="0"/>
-              <a:t>2017/6/10</a:t>
+              <a:t>2017/6/14</a:t>
             </a:fld>
             <a:endParaRPr lang="zh-CN" altLang="en-US"/>
           </a:p>
@@ -3984,7 +3985,7 @@
                   <a:graphicData uri="http://schemas.openxmlformats.org/presentationml/2006/ole">
                     <mc:AlternateContent>
                       <mc:Choice xmlns:v="urn:schemas-microsoft-com:vml" Requires="v">
-                        <p:oleObj spid="_x0000_s1120" name="Equation" r:id="rId5" imgW="330120" imgH="241200" progId="Equation.DSMT4">
+                        <p:oleObj spid="_x0000_s1144" name="Equation" r:id="rId5" imgW="330120" imgH="241200" progId="Equation.DSMT4">
                           <p:embed/>
                         </p:oleObj>
                       </mc:Choice>
@@ -4104,7 +4105,7 @@
                   <a:graphicData uri="http://schemas.openxmlformats.org/presentationml/2006/ole">
                     <mc:AlternateContent>
                       <mc:Choice xmlns:v="urn:schemas-microsoft-com:vml" Requires="v">
-                        <p:oleObj spid="_x0000_s1121" name="Equation" r:id="rId9" imgW="520560" imgH="228600" progId="Equation.DSMT4">
+                        <p:oleObj spid="_x0000_s1145" name="Equation" r:id="rId9" imgW="520560" imgH="228600" progId="Equation.DSMT4">
                           <p:embed/>
                         </p:oleObj>
                       </mc:Choice>
@@ -6621,8 +6622,8 @@
             </a:fontRef>
           </p:style>
         </p:cxnSp>
-        <mc:AlternateContent xmlns:mc="http://schemas.openxmlformats.org/markup-compatibility/2006">
-          <mc:Choice xmlns:a14="http://schemas.microsoft.com/office/drawing/2010/main" Requires="a14">
+        <mc:AlternateContent xmlns:mc="http://schemas.openxmlformats.org/markup-compatibility/2006" xmlns:a14="http://schemas.microsoft.com/office/drawing/2010/main">
+          <mc:Choice Requires="a14">
             <p:sp>
               <p:nvSpPr>
                 <p:cNvPr id="82" name="矩形 81"/>
@@ -6668,7 +6669,7 @@
               </p:txBody>
             </p:sp>
           </mc:Choice>
-          <mc:Fallback>
+          <mc:Fallback xmlns="">
             <p:sp>
               <p:nvSpPr>
                 <p:cNvPr id="82" name="矩形 81"/>
@@ -6707,8 +6708,8 @@
             </p:sp>
           </mc:Fallback>
         </mc:AlternateContent>
-        <mc:AlternateContent xmlns:mc="http://schemas.openxmlformats.org/markup-compatibility/2006">
-          <mc:Choice xmlns:a14="http://schemas.microsoft.com/office/drawing/2010/main" Requires="a14">
+        <mc:AlternateContent xmlns:mc="http://schemas.openxmlformats.org/markup-compatibility/2006" xmlns:a14="http://schemas.microsoft.com/office/drawing/2010/main">
+          <mc:Choice Requires="a14">
             <p:sp>
               <p:nvSpPr>
                 <p:cNvPr id="84" name="矩形 83"/>
@@ -6770,7 +6771,7 @@
               </p:txBody>
             </p:sp>
           </mc:Choice>
-          <mc:Fallback>
+          <mc:Fallback xmlns="">
             <p:sp>
               <p:nvSpPr>
                 <p:cNvPr id="84" name="矩形 83"/>
@@ -6809,8 +6810,8 @@
             </p:sp>
           </mc:Fallback>
         </mc:AlternateContent>
-        <mc:AlternateContent xmlns:mc="http://schemas.openxmlformats.org/markup-compatibility/2006">
-          <mc:Choice xmlns:a14="http://schemas.microsoft.com/office/drawing/2010/main" Requires="a14">
+        <mc:AlternateContent xmlns:mc="http://schemas.openxmlformats.org/markup-compatibility/2006" xmlns:a14="http://schemas.microsoft.com/office/drawing/2010/main">
+          <mc:Choice Requires="a14">
             <p:sp>
               <p:nvSpPr>
                 <p:cNvPr id="85" name="矩形 84"/>
@@ -6853,7 +6854,7 @@
               </p:txBody>
             </p:sp>
           </mc:Choice>
-          <mc:Fallback>
+          <mc:Fallback xmlns="">
             <p:sp>
               <p:nvSpPr>
                 <p:cNvPr id="85" name="矩形 84"/>
@@ -6892,8 +6893,8 @@
             </p:sp>
           </mc:Fallback>
         </mc:AlternateContent>
-        <mc:AlternateContent xmlns:mc="http://schemas.openxmlformats.org/markup-compatibility/2006">
-          <mc:Choice xmlns:a14="http://schemas.microsoft.com/office/drawing/2010/main" Requires="a14">
+        <mc:AlternateContent xmlns:mc="http://schemas.openxmlformats.org/markup-compatibility/2006" xmlns:a14="http://schemas.microsoft.com/office/drawing/2010/main">
+          <mc:Choice Requires="a14">
             <p:sp>
               <p:nvSpPr>
                 <p:cNvPr id="87" name="矩形 86"/>
@@ -6955,7 +6956,7 @@
               </p:txBody>
             </p:sp>
           </mc:Choice>
-          <mc:Fallback>
+          <mc:Fallback xmlns="">
             <p:sp>
               <p:nvSpPr>
                 <p:cNvPr id="87" name="矩形 86"/>
@@ -6994,8 +6995,8 @@
             </p:sp>
           </mc:Fallback>
         </mc:AlternateContent>
-        <mc:AlternateContent xmlns:mc="http://schemas.openxmlformats.org/markup-compatibility/2006">
-          <mc:Choice xmlns:a14="http://schemas.microsoft.com/office/drawing/2010/main" Requires="a14">
+        <mc:AlternateContent xmlns:mc="http://schemas.openxmlformats.org/markup-compatibility/2006" xmlns:a14="http://schemas.microsoft.com/office/drawing/2010/main">
+          <mc:Choice Requires="a14">
             <p:sp>
               <p:nvSpPr>
                 <p:cNvPr id="88" name="矩形 87"/>
@@ -7038,7 +7039,7 @@
               </p:txBody>
             </p:sp>
           </mc:Choice>
-          <mc:Fallback>
+          <mc:Fallback xmlns="">
             <p:sp>
               <p:nvSpPr>
                 <p:cNvPr id="88" name="矩形 87"/>
@@ -7077,8 +7078,8 @@
             </p:sp>
           </mc:Fallback>
         </mc:AlternateContent>
-        <mc:AlternateContent xmlns:mc="http://schemas.openxmlformats.org/markup-compatibility/2006">
-          <mc:Choice xmlns:a14="http://schemas.microsoft.com/office/drawing/2010/main" Requires="a14">
+        <mc:AlternateContent xmlns:mc="http://schemas.openxmlformats.org/markup-compatibility/2006" xmlns:a14="http://schemas.microsoft.com/office/drawing/2010/main">
+          <mc:Choice Requires="a14">
             <p:sp>
               <p:nvSpPr>
                 <p:cNvPr id="89" name="矩形 88"/>
@@ -7140,7 +7141,7 @@
               </p:txBody>
             </p:sp>
           </mc:Choice>
-          <mc:Fallback>
+          <mc:Fallback xmlns="">
             <p:sp>
               <p:nvSpPr>
                 <p:cNvPr id="89" name="矩形 88"/>
@@ -7268,8 +7269,8 @@
               </a:prstGeom>
             </p:spPr>
           </p:pic>
-          <mc:AlternateContent xmlns:mc="http://schemas.openxmlformats.org/markup-compatibility/2006">
-            <mc:Choice xmlns:a14="http://schemas.microsoft.com/office/drawing/2010/main" Requires="a14">
+          <mc:AlternateContent xmlns:mc="http://schemas.openxmlformats.org/markup-compatibility/2006" xmlns:a14="http://schemas.microsoft.com/office/drawing/2010/main">
+            <mc:Choice Requires="a14">
               <p:sp>
                 <p:nvSpPr>
                   <p:cNvPr id="94" name="矩形 93"/>
@@ -7312,7 +7313,7 @@
                 </p:txBody>
               </p:sp>
             </mc:Choice>
-            <mc:Fallback>
+            <mc:Fallback xmlns="">
               <p:sp>
                 <p:nvSpPr>
                   <p:cNvPr id="94" name="矩形 93"/>
@@ -7399,8 +7400,8 @@
             </p:txBody>
           </p:sp>
         </p:grpSp>
-        <mc:AlternateContent xmlns:mc="http://schemas.openxmlformats.org/markup-compatibility/2006">
-          <mc:Choice xmlns:a14="http://schemas.microsoft.com/office/drawing/2010/main" Requires="a14">
+        <mc:AlternateContent xmlns:mc="http://schemas.openxmlformats.org/markup-compatibility/2006" xmlns:a14="http://schemas.microsoft.com/office/drawing/2010/main">
+          <mc:Choice Requires="a14">
             <p:sp>
               <p:nvSpPr>
                 <p:cNvPr id="98" name="矩形 97"/>
@@ -7443,7 +7444,7 @@
               </p:txBody>
             </p:sp>
           </mc:Choice>
-          <mc:Fallback>
+          <mc:Fallback xmlns="">
             <p:sp>
               <p:nvSpPr>
                 <p:cNvPr id="98" name="矩形 97"/>
@@ -7482,8 +7483,8 @@
             </p:sp>
           </mc:Fallback>
         </mc:AlternateContent>
-        <mc:AlternateContent xmlns:mc="http://schemas.openxmlformats.org/markup-compatibility/2006">
-          <mc:Choice xmlns:a14="http://schemas.microsoft.com/office/drawing/2010/main" Requires="a14">
+        <mc:AlternateContent xmlns:mc="http://schemas.openxmlformats.org/markup-compatibility/2006" xmlns:a14="http://schemas.microsoft.com/office/drawing/2010/main">
+          <mc:Choice Requires="a14">
             <p:graphicFrame>
               <p:nvGraphicFramePr>
                 <p:cNvPr id="102" name="对象 101"/>
@@ -7506,7 +7507,7 @@
                 <a:graphicData uri="http://schemas.openxmlformats.org/presentationml/2006/ole">
                   <mc:AlternateContent>
                     <mc:Choice xmlns:v="urn:schemas-microsoft-com:vml" Requires="v">
-                      <p:oleObj spid="_x0000_s2115" name="Equation" r:id="rId12" imgW="164880" imgH="190440" progId="Equation.DSMT4">
+                      <p:oleObj spid="_x0000_s2139" name="Equation" r:id="rId12" imgW="164880" imgH="190440" progId="Equation.DSMT4">
                         <p:embed/>
                       </p:oleObj>
                     </mc:Choice>
@@ -7542,7 +7543,7 @@
               </a:graphic>
             </p:graphicFrame>
           </mc:Choice>
-          <mc:Fallback>
+          <mc:Fallback xmlns="">
             <p:graphicFrame>
               <p:nvGraphicFramePr>
                 <p:cNvPr id="102" name="对象 101"/>
@@ -7565,12 +7566,12 @@
                 <a:graphicData uri="http://schemas.openxmlformats.org/presentationml/2006/ole">
                   <mc:AlternateContent>
                     <mc:Choice xmlns:v="urn:schemas-microsoft-com:vml" Requires="v">
-                      <p:oleObj spid="_x0000_s2115" name="Equation" r:id="rId12" imgW="164880" imgH="190440" progId="Equation.DSMT4">
+                      <p:oleObj spid="_x0000_s2115" name="Equation" r:id="rId14" imgW="164880" imgH="190440" progId="Equation.DSMT4">
                         <p:embed/>
                       </p:oleObj>
                     </mc:Choice>
                     <mc:Fallback>
-                      <p:oleObj name="Equation" r:id="rId12" imgW="164880" imgH="190440" progId="Equation.DSMT4">
+                      <p:oleObj name="Equation" r:id="rId14" imgW="164880" imgH="190440" progId="Equation.DSMT4">
                         <p:embed/>
                         <p:pic>
                           <p:nvPicPr>
@@ -7579,7 +7580,7 @@
                             <p:nvPr/>
                           </p:nvPicPr>
                           <p:blipFill>
-                            <a:blip r:embed="rId13"/>
+                            <a:blip r:embed="rId15"/>
                             <a:stretch>
                               <a:fillRect/>
                             </a:stretch>
@@ -7602,8 +7603,8 @@
             </p:graphicFrame>
           </mc:Fallback>
         </mc:AlternateContent>
-        <mc:AlternateContent xmlns:mc="http://schemas.openxmlformats.org/markup-compatibility/2006">
-          <mc:Choice xmlns:a14="http://schemas.microsoft.com/office/drawing/2010/main" Requires="a14">
+        <mc:AlternateContent xmlns:mc="http://schemas.openxmlformats.org/markup-compatibility/2006" xmlns:a14="http://schemas.microsoft.com/office/drawing/2010/main">
+          <mc:Choice Requires="a14">
             <p:graphicFrame>
               <p:nvGraphicFramePr>
                 <p:cNvPr id="105" name="对象 104"/>
@@ -7626,12 +7627,12 @@
                 <a:graphicData uri="http://schemas.openxmlformats.org/presentationml/2006/ole">
                   <mc:AlternateContent>
                     <mc:Choice xmlns:v="urn:schemas-microsoft-com:vml" Requires="v">
-                      <p:oleObj spid="_x0000_s2116" name="Equation" r:id="rId14" imgW="152280" imgH="164880" progId="Equation.DSMT4">
+                      <p:oleObj spid="_x0000_s2140" name="Equation" r:id="rId16" imgW="152280" imgH="164880" progId="Equation.DSMT4">
                         <p:embed/>
                       </p:oleObj>
                     </mc:Choice>
                     <mc:Fallback>
-                      <p:oleObj name="Equation" r:id="rId14" imgW="152280" imgH="164880" progId="Equation.DSMT4">
+                      <p:oleObj name="Equation" r:id="rId16" imgW="152280" imgH="164880" progId="Equation.DSMT4">
                         <p:embed/>
                         <p:pic>
                           <p:nvPicPr>
@@ -7640,7 +7641,7 @@
                             <p:nvPr/>
                           </p:nvPicPr>
                           <p:blipFill>
-                            <a:blip r:embed="rId15"/>
+                            <a:blip r:embed="rId17"/>
                             <a:stretch>
                               <a:fillRect/>
                             </a:stretch>
@@ -7662,7 +7663,7 @@
               </a:graphic>
             </p:graphicFrame>
           </mc:Choice>
-          <mc:Fallback>
+          <mc:Fallback xmlns="">
             <p:graphicFrame>
               <p:nvGraphicFramePr>
                 <p:cNvPr id="105" name="对象 104"/>
@@ -7685,12 +7686,12 @@
                 <a:graphicData uri="http://schemas.openxmlformats.org/presentationml/2006/ole">
                   <mc:AlternateContent>
                     <mc:Choice xmlns:v="urn:schemas-microsoft-com:vml" Requires="v">
-                      <p:oleObj spid="_x0000_s2116" name="Equation" r:id="rId14" imgW="152280" imgH="164880" progId="Equation.DSMT4">
+                      <p:oleObj spid="_x0000_s2116" name="Equation" r:id="rId18" imgW="152280" imgH="164880" progId="Equation.DSMT4">
                         <p:embed/>
                       </p:oleObj>
                     </mc:Choice>
                     <mc:Fallback>
-                      <p:oleObj name="Equation" r:id="rId14" imgW="152280" imgH="164880" progId="Equation.DSMT4">
+                      <p:oleObj name="Equation" r:id="rId18" imgW="152280" imgH="164880" progId="Equation.DSMT4">
                         <p:embed/>
                         <p:pic>
                           <p:nvPicPr>
@@ -7699,7 +7700,7 @@
                             <p:nvPr/>
                           </p:nvPicPr>
                           <p:blipFill>
-                            <a:blip r:embed="rId15"/>
+                            <a:blip r:embed="rId19"/>
                             <a:stretch>
                               <a:fillRect/>
                             </a:stretch>
@@ -7722,8 +7723,8 @@
             </p:graphicFrame>
           </mc:Fallback>
         </mc:AlternateContent>
-        <mc:AlternateContent xmlns:mc="http://schemas.openxmlformats.org/markup-compatibility/2006">
-          <mc:Choice xmlns:a14="http://schemas.microsoft.com/office/drawing/2010/main" Requires="a14">
+        <mc:AlternateContent xmlns:mc="http://schemas.openxmlformats.org/markup-compatibility/2006" xmlns:a14="http://schemas.microsoft.com/office/drawing/2010/main">
+          <mc:Choice Requires="a14">
             <p:sp>
               <p:nvSpPr>
                 <p:cNvPr id="37" name="矩形 36"/>
@@ -7769,7 +7770,7 @@
               </p:txBody>
             </p:sp>
           </mc:Choice>
-          <mc:Fallback>
+          <mc:Fallback xmlns="">
             <p:sp>
               <p:nvSpPr>
                 <p:cNvPr id="37" name="矩形 36"/>
@@ -7787,7 +7788,7 @@
                   <a:avLst/>
                 </a:prstGeom>
                 <a:blipFill>
-                  <a:blip r:embed="rId16"/>
+                  <a:blip r:embed="rId20"/>
                   <a:stretch>
                     <a:fillRect b="-2222"/>
                   </a:stretch>
@@ -9346,6 +9347,2510 @@
     <p:extLst>
       <p:ext uri="{BB962C8B-B14F-4D97-AF65-F5344CB8AC3E}">
         <p14:creationId xmlns:p14="http://schemas.microsoft.com/office/powerpoint/2010/main" val="4122415534"/>
+      </p:ext>
+    </p:extLst>
+  </p:cSld>
+  <p:clrMapOvr>
+    <a:masterClrMapping/>
+  </p:clrMapOvr>
+</p:sld>
+</file>
+
+<file path=ppt/slides/slide4.xml><?xml version="1.0" encoding="utf-8"?>
+<p:sld xmlns:a="http://schemas.openxmlformats.org/drawingml/2006/main" xmlns:r="http://schemas.openxmlformats.org/officeDocument/2006/relationships" xmlns:p="http://schemas.openxmlformats.org/presentationml/2006/main">
+  <p:cSld>
+    <p:spTree>
+      <p:nvGrpSpPr>
+        <p:cNvPr id="1" name=""/>
+        <p:cNvGrpSpPr/>
+        <p:nvPr/>
+      </p:nvGrpSpPr>
+      <p:grpSpPr>
+        <a:xfrm>
+          <a:off x="0" y="0"/>
+          <a:ext cx="0" cy="0"/>
+          <a:chOff x="0" y="0"/>
+          <a:chExt cx="0" cy="0"/>
+        </a:xfrm>
+      </p:grpSpPr>
+      <p:grpSp>
+        <p:nvGrpSpPr>
+          <p:cNvPr id="54" name="组合 53"/>
+          <p:cNvGrpSpPr/>
+          <p:nvPr/>
+        </p:nvGrpSpPr>
+        <p:grpSpPr>
+          <a:xfrm>
+            <a:off x="4018622" y="2407343"/>
+            <a:ext cx="3361349" cy="2246573"/>
+            <a:chOff x="4018622" y="2407343"/>
+            <a:chExt cx="3361349" cy="2246573"/>
+          </a:xfrm>
+        </p:grpSpPr>
+        <p:grpSp>
+          <p:nvGrpSpPr>
+            <p:cNvPr id="53" name="组合 52"/>
+            <p:cNvGrpSpPr/>
+            <p:nvPr/>
+          </p:nvGrpSpPr>
+          <p:grpSpPr>
+            <a:xfrm>
+              <a:off x="4018622" y="2407343"/>
+              <a:ext cx="3361349" cy="2246573"/>
+              <a:chOff x="4018622" y="2407343"/>
+              <a:chExt cx="3361349" cy="2246573"/>
+            </a:xfrm>
+          </p:grpSpPr>
+          <p:sp>
+            <p:nvSpPr>
+              <p:cNvPr id="7" name="平行四边形 6"/>
+              <p:cNvSpPr/>
+              <p:nvPr/>
+            </p:nvSpPr>
+            <p:spPr>
+              <a:xfrm rot="15927846" flipH="1">
+                <a:off x="5829367" y="2978443"/>
+                <a:ext cx="1470293" cy="1630914"/>
+              </a:xfrm>
+              <a:prstGeom prst="parallelogram">
+                <a:avLst/>
+              </a:prstGeom>
+              <a:noFill/>
+              <a:ln w="19050">
+                <a:solidFill>
+                  <a:schemeClr val="tx1"/>
+                </a:solidFill>
+              </a:ln>
+            </p:spPr>
+            <p:style>
+              <a:lnRef idx="2">
+                <a:schemeClr val="accent1">
+                  <a:shade val="50000"/>
+                </a:schemeClr>
+              </a:lnRef>
+              <a:fillRef idx="1">
+                <a:schemeClr val="accent1"/>
+              </a:fillRef>
+              <a:effectRef idx="0">
+                <a:schemeClr val="accent1"/>
+              </a:effectRef>
+              <a:fontRef idx="minor">
+                <a:schemeClr val="lt1"/>
+              </a:fontRef>
+            </p:style>
+            <p:txBody>
+              <a:bodyPr rtlCol="0" anchor="ctr"/>
+              <a:lstStyle/>
+              <a:p>
+                <a:pPr algn="ctr"/>
+                <a:endParaRPr lang="zh-CN" altLang="en-US"/>
+              </a:p>
+            </p:txBody>
+          </p:sp>
+          <p:sp>
+            <p:nvSpPr>
+              <p:cNvPr id="11" name="椭圆 10"/>
+              <p:cNvSpPr/>
+              <p:nvPr/>
+            </p:nvSpPr>
+            <p:spPr>
+              <a:xfrm>
+                <a:off x="4914999" y="2924907"/>
+                <a:ext cx="43729" cy="48917"/>
+              </a:xfrm>
+              <a:prstGeom prst="ellipse">
+                <a:avLst/>
+              </a:prstGeom>
+              <a:solidFill>
+                <a:srgbClr val="0070C0"/>
+              </a:solidFill>
+              <a:ln>
+                <a:solidFill>
+                  <a:srgbClr val="0070C0"/>
+                </a:solidFill>
+              </a:ln>
+            </p:spPr>
+            <p:style>
+              <a:lnRef idx="2">
+                <a:schemeClr val="accent1">
+                  <a:shade val="50000"/>
+                </a:schemeClr>
+              </a:lnRef>
+              <a:fillRef idx="1">
+                <a:schemeClr val="accent1"/>
+              </a:fillRef>
+              <a:effectRef idx="0">
+                <a:schemeClr val="accent1"/>
+              </a:effectRef>
+              <a:fontRef idx="minor">
+                <a:schemeClr val="lt1"/>
+              </a:fontRef>
+            </p:style>
+            <p:txBody>
+              <a:bodyPr rtlCol="0" anchor="ctr"/>
+              <a:lstStyle/>
+              <a:p>
+                <a:pPr algn="ctr"/>
+                <a:endParaRPr lang="zh-CN" altLang="en-US"/>
+              </a:p>
+            </p:txBody>
+          </p:sp>
+          <p:sp>
+            <p:nvSpPr>
+              <p:cNvPr id="23" name="文本框 22"/>
+              <p:cNvSpPr txBox="1"/>
+              <p:nvPr/>
+            </p:nvSpPr>
+            <p:spPr>
+              <a:xfrm>
+                <a:off x="6300722" y="2824879"/>
+                <a:ext cx="1015021" cy="276999"/>
+              </a:xfrm>
+              <a:prstGeom prst="rect">
+                <a:avLst/>
+              </a:prstGeom>
+              <a:noFill/>
+            </p:spPr>
+            <p:txBody>
+              <a:bodyPr wrap="none" rtlCol="0">
+                <a:spAutoFit/>
+              </a:bodyPr>
+              <a:lstStyle/>
+              <a:p>
+                <a:r>
+                  <a:rPr lang="en-US" altLang="zh-CN" sz="1200" dirty="0" smtClean="0">
+                    <a:latin typeface="Times New Roman" panose="02020603050405020304" pitchFamily="18" charset="0"/>
+                    <a:cs typeface="Times New Roman" panose="02020603050405020304" pitchFamily="18" charset="0"/>
+                  </a:rPr>
+                  <a:t>current</a:t>
+                </a:r>
+                <a:r>
+                  <a:rPr lang="en-US" altLang="zh-CN" sz="1000" dirty="0" smtClean="0">
+                    <a:latin typeface="Times New Roman" panose="02020603050405020304" pitchFamily="18" charset="0"/>
+                    <a:cs typeface="Times New Roman" panose="02020603050405020304" pitchFamily="18" charset="0"/>
+                  </a:rPr>
+                  <a:t> </a:t>
+                </a:r>
+                <a:r>
+                  <a:rPr lang="en-US" altLang="zh-CN" sz="1200" dirty="0" smtClean="0">
+                    <a:latin typeface="Times New Roman" panose="02020603050405020304" pitchFamily="18" charset="0"/>
+                    <a:cs typeface="Times New Roman" panose="02020603050405020304" pitchFamily="18" charset="0"/>
+                  </a:rPr>
+                  <a:t>frame</a:t>
+                </a:r>
+                <a:endParaRPr lang="zh-CN" altLang="en-US" sz="1000" dirty="0">
+                  <a:latin typeface="Times New Roman" panose="02020603050405020304" pitchFamily="18" charset="0"/>
+                  <a:cs typeface="Times New Roman" panose="02020603050405020304" pitchFamily="18" charset="0"/>
+                </a:endParaRPr>
+              </a:p>
+            </p:txBody>
+          </p:sp>
+          <mc:AlternateContent xmlns:mc="http://schemas.openxmlformats.org/markup-compatibility/2006">
+            <mc:Choice xmlns:a14="http://schemas.microsoft.com/office/drawing/2010/main" Requires="a14">
+              <p:sp>
+                <p:nvSpPr>
+                  <p:cNvPr id="3" name="矩形 2"/>
+                  <p:cNvSpPr/>
+                  <p:nvPr/>
+                </p:nvSpPr>
+                <p:spPr>
+                  <a:xfrm>
+                    <a:off x="5762460" y="3438718"/>
+                    <a:ext cx="341119" cy="276999"/>
+                  </a:xfrm>
+                  <a:prstGeom prst="rect">
+                    <a:avLst/>
+                  </a:prstGeom>
+                </p:spPr>
+                <p:txBody>
+                  <a:bodyPr wrap="none">
+                    <a:spAutoFit/>
+                  </a:bodyPr>
+                  <a:lstStyle/>
+                  <a:p>
+                    <a:pPr/>
+                    <a14:m>
+                      <m:oMathPara xmlns:m="http://schemas.openxmlformats.org/officeDocument/2006/math">
+                        <m:oMathParaPr>
+                          <m:jc m:val="centerGroup"/>
+                        </m:oMathParaPr>
+                        <m:oMath xmlns:m="http://schemas.openxmlformats.org/officeDocument/2006/math">
+                          <m:sSub>
+                            <m:sSubPr>
+                              <m:ctrlPr>
+                                <a:rPr lang="zh-CN" altLang="en-US" sz="1200" i="1" smtClean="0">
+                                  <a:latin typeface="Cambria Math" panose="02040503050406030204" pitchFamily="18" charset="0"/>
+                                </a:rPr>
+                              </m:ctrlPr>
+                            </m:sSubPr>
+                            <m:e>
+                              <m:r>
+                                <a:rPr lang="zh-CN" altLang="en-US" sz="1200" i="1">
+                                  <a:latin typeface="Cambria Math" panose="02040503050406030204" pitchFamily="18" charset="0"/>
+                                </a:rPr>
+                                <m:t>𝐼</m:t>
+                              </m:r>
+                            </m:e>
+                            <m:sub>
+                              <m:r>
+                                <a:rPr lang="en-US" altLang="zh-CN" sz="1200" b="0" i="1" smtClean="0">
+                                  <a:latin typeface="Cambria Math" panose="02040503050406030204" pitchFamily="18" charset="0"/>
+                                </a:rPr>
+                                <m:t>𝑐</m:t>
+                              </m:r>
+                            </m:sub>
+                          </m:sSub>
+                        </m:oMath>
+                      </m:oMathPara>
+                    </a14:m>
+                    <a:endParaRPr lang="zh-CN" altLang="en-US" sz="1000" dirty="0"/>
+                  </a:p>
+                </p:txBody>
+              </p:sp>
+            </mc:Choice>
+            <mc:Fallback>
+              <p:sp>
+                <p:nvSpPr>
+                  <p:cNvPr id="3" name="矩形 2"/>
+                  <p:cNvSpPr>
+                    <a:spLocks noRot="1" noChangeAspect="1" noMove="1" noResize="1" noEditPoints="1" noAdjustHandles="1" noChangeArrowheads="1" noChangeShapeType="1" noTextEdit="1"/>
+                  </p:cNvSpPr>
+                  <p:nvPr/>
+                </p:nvSpPr>
+                <p:spPr>
+                  <a:xfrm>
+                    <a:off x="5762460" y="3438718"/>
+                    <a:ext cx="341119" cy="276999"/>
+                  </a:xfrm>
+                  <a:prstGeom prst="rect">
+                    <a:avLst/>
+                  </a:prstGeom>
+                  <a:blipFill>
+                    <a:blip r:embed="rId3"/>
+                    <a:stretch>
+                      <a:fillRect/>
+                    </a:stretch>
+                  </a:blipFill>
+                </p:spPr>
+                <p:txBody>
+                  <a:bodyPr/>
+                  <a:lstStyle/>
+                  <a:p>
+                    <a:r>
+                      <a:rPr lang="zh-CN" altLang="en-US">
+                        <a:noFill/>
+                      </a:rPr>
+                      <a:t> </a:t>
+                    </a:r>
+                  </a:p>
+                </p:txBody>
+              </p:sp>
+            </mc:Fallback>
+          </mc:AlternateContent>
+          <p:sp>
+            <p:nvSpPr>
+              <p:cNvPr id="10" name="平行四边形 9"/>
+              <p:cNvSpPr/>
+              <p:nvPr/>
+            </p:nvSpPr>
+            <p:spPr>
+              <a:xfrm rot="15927846" flipH="1">
+                <a:off x="6327875" y="4004234"/>
+                <a:ext cx="144562" cy="134933"/>
+              </a:xfrm>
+              <a:prstGeom prst="parallelogram">
+                <a:avLst/>
+              </a:prstGeom>
+              <a:noFill/>
+              <a:ln w="12700">
+                <a:solidFill>
+                  <a:srgbClr val="0070C0"/>
+                </a:solidFill>
+              </a:ln>
+            </p:spPr>
+            <p:style>
+              <a:lnRef idx="2">
+                <a:schemeClr val="accent1">
+                  <a:shade val="50000"/>
+                </a:schemeClr>
+              </a:lnRef>
+              <a:fillRef idx="1">
+                <a:schemeClr val="accent1"/>
+              </a:fillRef>
+              <a:effectRef idx="0">
+                <a:schemeClr val="accent1"/>
+              </a:effectRef>
+              <a:fontRef idx="minor">
+                <a:schemeClr val="lt1"/>
+              </a:fontRef>
+            </p:style>
+            <p:txBody>
+              <a:bodyPr rtlCol="0" anchor="ctr"/>
+              <a:lstStyle/>
+              <a:p>
+                <a:pPr algn="ctr"/>
+                <a:endParaRPr lang="zh-CN" altLang="en-US"/>
+              </a:p>
+            </p:txBody>
+          </p:sp>
+          <p:sp>
+            <p:nvSpPr>
+              <p:cNvPr id="17" name="下弧形箭头 16"/>
+              <p:cNvSpPr/>
+              <p:nvPr/>
+            </p:nvSpPr>
+            <p:spPr>
+              <a:xfrm>
+                <a:off x="4713852" y="4180611"/>
+                <a:ext cx="1480283" cy="266863"/>
+              </a:xfrm>
+              <a:prstGeom prst="curvedUpArrow">
+                <a:avLst/>
+              </a:prstGeom>
+              <a:noFill/>
+              <a:ln>
+                <a:solidFill>
+                  <a:schemeClr val="tx1"/>
+                </a:solidFill>
+              </a:ln>
+            </p:spPr>
+            <p:style>
+              <a:lnRef idx="2">
+                <a:schemeClr val="accent1">
+                  <a:shade val="50000"/>
+                </a:schemeClr>
+              </a:lnRef>
+              <a:fillRef idx="1">
+                <a:schemeClr val="accent1"/>
+              </a:fillRef>
+              <a:effectRef idx="0">
+                <a:schemeClr val="accent1"/>
+              </a:effectRef>
+              <a:fontRef idx="minor">
+                <a:schemeClr val="lt1"/>
+              </a:fontRef>
+            </p:style>
+            <p:txBody>
+              <a:bodyPr rtlCol="0" anchor="ctr"/>
+              <a:lstStyle/>
+              <a:p>
+                <a:pPr algn="ctr"/>
+                <a:endParaRPr lang="zh-CN" altLang="en-US">
+                  <a:solidFill>
+                    <a:schemeClr val="tx1"/>
+                  </a:solidFill>
+                </a:endParaRPr>
+              </a:p>
+            </p:txBody>
+          </p:sp>
+          <mc:AlternateContent xmlns:mc="http://schemas.openxmlformats.org/markup-compatibility/2006">
+            <mc:Choice xmlns:a14="http://schemas.microsoft.com/office/drawing/2010/main" Requires="a14">
+              <p:graphicFrame>
+                <p:nvGraphicFramePr>
+                  <p:cNvPr id="35" name="对象 34"/>
+                  <p:cNvGraphicFramePr>
+                    <a:graphicFrameLocks noChangeAspect="1"/>
+                  </p:cNvGraphicFramePr>
+                  <p:nvPr>
+                    <p:extLst>
+                      <p:ext uri="{D42A27DB-BD31-4B8C-83A1-F6EECF244321}">
+                        <p14:modId xmlns:p14="http://schemas.microsoft.com/office/powerpoint/2010/main" val="1237132569"/>
+                      </p:ext>
+                    </p:extLst>
+                  </p:nvPr>
+                </p:nvGraphicFramePr>
+                <p:xfrm>
+                  <a:off x="5330825" y="4159250"/>
+                  <a:ext cx="257175" cy="269875"/>
+                </p:xfrm>
+                <a:graphic>
+                  <a:graphicData uri="http://schemas.openxmlformats.org/presentationml/2006/ole">
+                    <mc:AlternateContent>
+                      <mc:Choice xmlns:v="urn:schemas-microsoft-com:vml" Requires="v">
+                        <p:oleObj spid="_x0000_s3096" name="Equation" r:id="rId4" imgW="241200" imgH="241200" progId="Equation.DSMT4">
+                          <p:embed/>
+                        </p:oleObj>
+                      </mc:Choice>
+                      <mc:Fallback>
+                        <p:oleObj name="Equation" r:id="rId4" imgW="241200" imgH="241200" progId="Equation.DSMT4">
+                          <p:embed/>
+                          <p:pic>
+                            <p:nvPicPr>
+                              <p:cNvPr id="35" name="对象 34"/>
+                              <p:cNvPicPr/>
+                              <p:nvPr/>
+                            </p:nvPicPr>
+                            <p:blipFill>
+                              <a:blip r:embed="rId5"/>
+                              <a:stretch>
+                                <a:fillRect/>
+                              </a:stretch>
+                            </p:blipFill>
+                            <p:spPr>
+                              <a:xfrm>
+                                <a:off x="5330825" y="4159250"/>
+                                <a:ext cx="257175" cy="269875"/>
+                              </a:xfrm>
+                              <a:prstGeom prst="rect">
+                                <a:avLst/>
+                              </a:prstGeom>
+                            </p:spPr>
+                          </p:pic>
+                        </p:oleObj>
+                      </mc:Fallback>
+                    </mc:AlternateContent>
+                  </a:graphicData>
+                </a:graphic>
+              </p:graphicFrame>
+            </mc:Choice>
+            <mc:Fallback>
+              <p:graphicFrame>
+                <p:nvGraphicFramePr>
+                  <p:cNvPr id="35" name="对象 34"/>
+                  <p:cNvGraphicFramePr>
+                    <a:graphicFrameLocks noChangeAspect="1"/>
+                  </p:cNvGraphicFramePr>
+                  <p:nvPr>
+                    <p:extLst>
+                      <p:ext uri="{D42A27DB-BD31-4B8C-83A1-F6EECF244321}">
+                        <p14:modId xmlns:p14="http://schemas.microsoft.com/office/powerpoint/2010/main" val="1237132569"/>
+                      </p:ext>
+                    </p:extLst>
+                  </p:nvPr>
+                </p:nvGraphicFramePr>
+                <p:xfrm>
+                  <a:off x="5330825" y="4159250"/>
+                  <a:ext cx="257175" cy="269875"/>
+                </p:xfrm>
+                <a:graphic>
+                  <a:graphicData uri="http://schemas.openxmlformats.org/presentationml/2006/ole">
+                    <mc:AlternateContent>
+                      <mc:Choice xmlns:v="urn:schemas-microsoft-com:vml" Requires="v">
+                        <p:oleObj spid="_x0000_s3096" name="Equation" r:id="rId4" imgW="241200" imgH="241200" progId="Equation.DSMT4">
+                          <p:embed/>
+                        </p:oleObj>
+                      </mc:Choice>
+                      <mc:Fallback>
+                        <p:oleObj name="Equation" r:id="rId4" imgW="241200" imgH="241200" progId="Equation.DSMT4">
+                          <p:embed/>
+                          <p:pic>
+                            <p:nvPicPr>
+                              <p:cNvPr id="35" name="对象 34"/>
+                              <p:cNvPicPr/>
+                              <p:nvPr/>
+                            </p:nvPicPr>
+                            <p:blipFill>
+                              <a:blip r:embed="rId5"/>
+                              <a:stretch>
+                                <a:fillRect/>
+                              </a:stretch>
+                            </p:blipFill>
+                            <p:spPr>
+                              <a:xfrm>
+                                <a:off x="5330825" y="4159250"/>
+                                <a:ext cx="257175" cy="269875"/>
+                              </a:xfrm>
+                              <a:prstGeom prst="rect">
+                                <a:avLst/>
+                              </a:prstGeom>
+                            </p:spPr>
+                          </p:pic>
+                        </p:oleObj>
+                      </mc:Fallback>
+                    </mc:AlternateContent>
+                  </a:graphicData>
+                </a:graphic>
+              </p:graphicFrame>
+            </mc:Fallback>
+          </mc:AlternateContent>
+          <mc:AlternateContent xmlns:mc="http://schemas.openxmlformats.org/markup-compatibility/2006">
+            <mc:Choice xmlns:a14="http://schemas.microsoft.com/office/drawing/2010/main" Requires="a14">
+              <p:graphicFrame>
+                <p:nvGraphicFramePr>
+                  <p:cNvPr id="37" name="对象 36"/>
+                  <p:cNvGraphicFramePr>
+                    <a:graphicFrameLocks noChangeAspect="1"/>
+                  </p:cNvGraphicFramePr>
+                  <p:nvPr>
+                    <p:extLst>
+                      <p:ext uri="{D42A27DB-BD31-4B8C-83A1-F6EECF244321}">
+                        <p14:modId xmlns:p14="http://schemas.microsoft.com/office/powerpoint/2010/main" val="1172110459"/>
+                      </p:ext>
+                    </p:extLst>
+                  </p:nvPr>
+                </p:nvGraphicFramePr>
+                <p:xfrm>
+                  <a:off x="5232355" y="4431812"/>
+                  <a:ext cx="482412" cy="222104"/>
+                </p:xfrm>
+                <a:graphic>
+                  <a:graphicData uri="http://schemas.openxmlformats.org/presentationml/2006/ole">
+                    <mc:AlternateContent>
+                      <mc:Choice xmlns:v="urn:schemas-microsoft-com:vml" Requires="v">
+                        <p:oleObj spid="_x0000_s3097" name="Equation" r:id="rId6" imgW="520560" imgH="228600" progId="Equation.DSMT4">
+                          <p:embed/>
+                        </p:oleObj>
+                      </mc:Choice>
+                      <mc:Fallback>
+                        <p:oleObj name="Equation" r:id="rId6" imgW="520560" imgH="228600" progId="Equation.DSMT4">
+                          <p:embed/>
+                          <p:pic>
+                            <p:nvPicPr>
+                              <p:cNvPr id="37" name="对象 36"/>
+                              <p:cNvPicPr/>
+                              <p:nvPr/>
+                            </p:nvPicPr>
+                            <p:blipFill>
+                              <a:blip r:embed="rId7"/>
+                              <a:stretch>
+                                <a:fillRect/>
+                              </a:stretch>
+                            </p:blipFill>
+                            <p:spPr>
+                              <a:xfrm>
+                                <a:off x="5232355" y="4431812"/>
+                                <a:ext cx="482412" cy="222104"/>
+                              </a:xfrm>
+                              <a:prstGeom prst="rect">
+                                <a:avLst/>
+                              </a:prstGeom>
+                            </p:spPr>
+                          </p:pic>
+                        </p:oleObj>
+                      </mc:Fallback>
+                    </mc:AlternateContent>
+                  </a:graphicData>
+                </a:graphic>
+              </p:graphicFrame>
+            </mc:Choice>
+            <mc:Fallback>
+              <p:graphicFrame>
+                <p:nvGraphicFramePr>
+                  <p:cNvPr id="37" name="对象 36"/>
+                  <p:cNvGraphicFramePr>
+                    <a:graphicFrameLocks noChangeAspect="1"/>
+                  </p:cNvGraphicFramePr>
+                  <p:nvPr>
+                    <p:extLst>
+                      <p:ext uri="{D42A27DB-BD31-4B8C-83A1-F6EECF244321}">
+                        <p14:modId xmlns:p14="http://schemas.microsoft.com/office/powerpoint/2010/main" val="1172110459"/>
+                      </p:ext>
+                    </p:extLst>
+                  </p:nvPr>
+                </p:nvGraphicFramePr>
+                <p:xfrm>
+                  <a:off x="5232355" y="4431812"/>
+                  <a:ext cx="482412" cy="222104"/>
+                </p:xfrm>
+                <a:graphic>
+                  <a:graphicData uri="http://schemas.openxmlformats.org/presentationml/2006/ole">
+                    <mc:AlternateContent>
+                      <mc:Choice xmlns:v="urn:schemas-microsoft-com:vml" Requires="v">
+                        <p:oleObj spid="_x0000_s3097" name="Equation" r:id="rId6" imgW="520560" imgH="228600" progId="Equation.DSMT4">
+                          <p:embed/>
+                        </p:oleObj>
+                      </mc:Choice>
+                      <mc:Fallback>
+                        <p:oleObj name="Equation" r:id="rId6" imgW="520560" imgH="228600" progId="Equation.DSMT4">
+                          <p:embed/>
+                          <p:pic>
+                            <p:nvPicPr>
+                              <p:cNvPr id="37" name="对象 36"/>
+                              <p:cNvPicPr/>
+                              <p:nvPr/>
+                            </p:nvPicPr>
+                            <p:blipFill>
+                              <a:blip r:embed="rId7"/>
+                              <a:stretch>
+                                <a:fillRect/>
+                              </a:stretch>
+                            </p:blipFill>
+                            <p:spPr>
+                              <a:xfrm>
+                                <a:off x="5232355" y="4431812"/>
+                                <a:ext cx="482412" cy="222104"/>
+                              </a:xfrm>
+                              <a:prstGeom prst="rect">
+                                <a:avLst/>
+                              </a:prstGeom>
+                            </p:spPr>
+                          </p:pic>
+                        </p:oleObj>
+                      </mc:Fallback>
+                    </mc:AlternateContent>
+                  </a:graphicData>
+                </a:graphic>
+              </p:graphicFrame>
+            </mc:Fallback>
+          </mc:AlternateContent>
+          <p:grpSp>
+            <p:nvGrpSpPr>
+              <p:cNvPr id="14" name="组合 13"/>
+              <p:cNvGrpSpPr/>
+              <p:nvPr/>
+            </p:nvGrpSpPr>
+            <p:grpSpPr>
+              <a:xfrm>
+                <a:off x="4018622" y="3989594"/>
+                <a:ext cx="678946" cy="572983"/>
+                <a:chOff x="3140408" y="1817141"/>
+                <a:chExt cx="711573" cy="572632"/>
+              </a:xfrm>
+            </p:grpSpPr>
+            <p:grpSp>
+              <p:nvGrpSpPr>
+                <p:cNvPr id="33" name="组合 32"/>
+                <p:cNvGrpSpPr/>
+                <p:nvPr/>
+              </p:nvGrpSpPr>
+              <p:grpSpPr>
+                <a:xfrm>
+                  <a:off x="3451930" y="1817141"/>
+                  <a:ext cx="400051" cy="412750"/>
+                  <a:chOff x="8191499" y="4165600"/>
+                  <a:chExt cx="400051" cy="412750"/>
+                </a:xfrm>
+              </p:grpSpPr>
+              <p:cxnSp>
+                <p:nvCxnSpPr>
+                  <p:cNvPr id="24" name="直接箭头连接符 23"/>
+                  <p:cNvCxnSpPr/>
+                  <p:nvPr/>
+                </p:nvCxnSpPr>
+                <p:spPr>
+                  <a:xfrm flipV="1">
+                    <a:off x="8191500" y="4165600"/>
+                    <a:ext cx="0" cy="368300"/>
+                  </a:xfrm>
+                  <a:prstGeom prst="straightConnector1">
+                    <a:avLst/>
+                  </a:prstGeom>
+                  <a:ln>
+                    <a:tailEnd type="triangle"/>
+                  </a:ln>
+                </p:spPr>
+                <p:style>
+                  <a:lnRef idx="1">
+                    <a:schemeClr val="dk1"/>
+                  </a:lnRef>
+                  <a:fillRef idx="0">
+                    <a:schemeClr val="dk1"/>
+                  </a:fillRef>
+                  <a:effectRef idx="0">
+                    <a:schemeClr val="dk1"/>
+                  </a:effectRef>
+                  <a:fontRef idx="minor">
+                    <a:schemeClr val="tx1"/>
+                  </a:fontRef>
+                </p:style>
+              </p:cxnSp>
+              <p:cxnSp>
+                <p:nvCxnSpPr>
+                  <p:cNvPr id="25" name="直接箭头连接符 24"/>
+                  <p:cNvCxnSpPr/>
+                  <p:nvPr/>
+                </p:nvCxnSpPr>
+                <p:spPr>
+                  <a:xfrm flipV="1">
+                    <a:off x="8191500" y="4286250"/>
+                    <a:ext cx="269876" cy="247650"/>
+                  </a:xfrm>
+                  <a:prstGeom prst="straightConnector1">
+                    <a:avLst/>
+                  </a:prstGeom>
+                  <a:ln>
+                    <a:tailEnd type="triangle"/>
+                  </a:ln>
+                </p:spPr>
+                <p:style>
+                  <a:lnRef idx="1">
+                    <a:schemeClr val="dk1"/>
+                  </a:lnRef>
+                  <a:fillRef idx="0">
+                    <a:schemeClr val="dk1"/>
+                  </a:fillRef>
+                  <a:effectRef idx="0">
+                    <a:schemeClr val="dk1"/>
+                  </a:effectRef>
+                  <a:fontRef idx="minor">
+                    <a:schemeClr val="tx1"/>
+                  </a:fontRef>
+                </p:style>
+              </p:cxnSp>
+              <p:cxnSp>
+                <p:nvCxnSpPr>
+                  <p:cNvPr id="29" name="直接箭头连接符 28"/>
+                  <p:cNvCxnSpPr/>
+                  <p:nvPr/>
+                </p:nvCxnSpPr>
+                <p:spPr>
+                  <a:xfrm>
+                    <a:off x="8191499" y="4533900"/>
+                    <a:ext cx="400051" cy="44450"/>
+                  </a:xfrm>
+                  <a:prstGeom prst="straightConnector1">
+                    <a:avLst/>
+                  </a:prstGeom>
+                  <a:ln>
+                    <a:tailEnd type="triangle"/>
+                  </a:ln>
+                </p:spPr>
+                <p:style>
+                  <a:lnRef idx="1">
+                    <a:schemeClr val="dk1"/>
+                  </a:lnRef>
+                  <a:fillRef idx="0">
+                    <a:schemeClr val="dk1"/>
+                  </a:fillRef>
+                  <a:effectRef idx="0">
+                    <a:schemeClr val="dk1"/>
+                  </a:effectRef>
+                  <a:fontRef idx="minor">
+                    <a:schemeClr val="tx1"/>
+                  </a:fontRef>
+                </p:style>
+              </p:cxnSp>
+            </p:grpSp>
+            <mc:AlternateContent xmlns:mc="http://schemas.openxmlformats.org/markup-compatibility/2006" xmlns:a14="http://schemas.microsoft.com/office/drawing/2010/main">
+              <mc:Choice Requires="a14">
+                <p:sp>
+                  <p:nvSpPr>
+                    <p:cNvPr id="5" name="矩形 4"/>
+                    <p:cNvSpPr/>
+                    <p:nvPr/>
+                  </p:nvSpPr>
+                  <p:spPr>
+                    <a:xfrm>
+                      <a:off x="3140408" y="2081996"/>
+                      <a:ext cx="411266" cy="307777"/>
+                    </a:xfrm>
+                    <a:prstGeom prst="rect">
+                      <a:avLst/>
+                    </a:prstGeom>
+                  </p:spPr>
+                  <p:txBody>
+                    <a:bodyPr wrap="none">
+                      <a:spAutoFit/>
+                    </a:bodyPr>
+                    <a:lstStyle/>
+                    <a:p>
+                      <a:pPr/>
+                      <a14:m>
+                        <m:oMathPara xmlns:m="http://schemas.openxmlformats.org/officeDocument/2006/math">
+                          <m:oMathParaPr>
+                            <m:jc m:val="centerGroup"/>
+                          </m:oMathParaPr>
+                          <m:oMath xmlns:m="http://schemas.openxmlformats.org/officeDocument/2006/math">
+                            <m:r>
+                              <a:rPr lang="zh-CN" altLang="en-US" sz="1400" i="1">
+                                <a:latin typeface="Cambria Math" panose="02040503050406030204" pitchFamily="18" charset="0"/>
+                              </a:rPr>
+                              <m:t>𝑊</m:t>
+                            </m:r>
+                          </m:oMath>
+                        </m:oMathPara>
+                      </a14:m>
+                      <a:endParaRPr lang="zh-CN" altLang="en-US" sz="1400" dirty="0"/>
+                    </a:p>
+                  </p:txBody>
+                </p:sp>
+              </mc:Choice>
+              <mc:Fallback xmlns="">
+                <p:sp>
+                  <p:nvSpPr>
+                    <p:cNvPr id="5" name="矩形 4"/>
+                    <p:cNvSpPr>
+                      <a:spLocks noRot="1" noChangeAspect="1" noMove="1" noResize="1" noEditPoints="1" noAdjustHandles="1" noChangeArrowheads="1" noChangeShapeType="1" noTextEdit="1"/>
+                    </p:cNvSpPr>
+                    <p:nvPr/>
+                  </p:nvSpPr>
+                  <p:spPr>
+                    <a:xfrm>
+                      <a:off x="3140408" y="2081996"/>
+                      <a:ext cx="411266" cy="307777"/>
+                    </a:xfrm>
+                    <a:prstGeom prst="rect">
+                      <a:avLst/>
+                    </a:prstGeom>
+                    <a:blipFill>
+                      <a:blip r:embed="rId13"/>
+                      <a:stretch>
+                        <a:fillRect/>
+                      </a:stretch>
+                    </a:blipFill>
+                  </p:spPr>
+                  <p:txBody>
+                    <a:bodyPr/>
+                    <a:lstStyle/>
+                    <a:p>
+                      <a:r>
+                        <a:rPr lang="zh-CN" altLang="en-US">
+                          <a:noFill/>
+                        </a:rPr>
+                        <a:t> </a:t>
+                      </a:r>
+                    </a:p>
+                  </p:txBody>
+                </p:sp>
+              </mc:Fallback>
+            </mc:AlternateContent>
+          </p:grpSp>
+          <mc:AlternateContent xmlns:mc="http://schemas.openxmlformats.org/markup-compatibility/2006">
+            <mc:Choice xmlns:a14="http://schemas.microsoft.com/office/drawing/2010/main" Requires="a14">
+              <p:sp>
+                <p:nvSpPr>
+                  <p:cNvPr id="6" name="矩形 5"/>
+                  <p:cNvSpPr/>
+                  <p:nvPr/>
+                </p:nvSpPr>
+                <p:spPr>
+                  <a:xfrm>
+                    <a:off x="6114479" y="4082535"/>
+                    <a:ext cx="356252" cy="277169"/>
+                  </a:xfrm>
+                  <a:prstGeom prst="rect">
+                    <a:avLst/>
+                  </a:prstGeom>
+                </p:spPr>
+                <p:txBody>
+                  <a:bodyPr wrap="none">
+                    <a:spAutoFit/>
+                  </a:bodyPr>
+                  <a:lstStyle/>
+                  <a:p>
+                    <a:pPr/>
+                    <a14:m>
+                      <m:oMathPara xmlns:m="http://schemas.openxmlformats.org/officeDocument/2006/math">
+                        <m:oMathParaPr>
+                          <m:jc m:val="centerGroup"/>
+                        </m:oMathParaPr>
+                        <m:oMath xmlns:m="http://schemas.openxmlformats.org/officeDocument/2006/math">
+                          <m:sSubSup>
+                            <m:sSubSupPr>
+                              <m:ctrlPr>
+                                <a:rPr lang="zh-CN" altLang="en-US" sz="1200" i="1">
+                                  <a:latin typeface="Cambria Math" panose="02040503050406030204" pitchFamily="18" charset="0"/>
+                                </a:rPr>
+                              </m:ctrlPr>
+                            </m:sSubSupPr>
+                            <m:e>
+                              <m:r>
+                                <a:rPr lang="zh-CN" altLang="en-US" sz="1200" i="1">
+                                  <a:latin typeface="Cambria Math" panose="02040503050406030204" pitchFamily="18" charset="0"/>
+                                </a:rPr>
+                                <m:t>𝑝</m:t>
+                              </m:r>
+                            </m:e>
+                            <m:sub>
+                              <m:r>
+                                <a:rPr lang="zh-CN" altLang="en-US" sz="1200" i="0">
+                                  <a:latin typeface="Cambria Math" panose="02040503050406030204" pitchFamily="18" charset="0"/>
+                                </a:rPr>
+                                <m:t>1</m:t>
+                              </m:r>
+                            </m:sub>
+                            <m:sup>
+                              <m:r>
+                                <a:rPr lang="zh-CN" altLang="en-US" sz="1200" i="0">
+                                  <a:latin typeface="Cambria Math" panose="02040503050406030204" pitchFamily="18" charset="0"/>
+                                </a:rPr>
+                                <m:t>′</m:t>
+                              </m:r>
+                            </m:sup>
+                          </m:sSubSup>
+                        </m:oMath>
+                      </m:oMathPara>
+                    </a14:m>
+                    <a:endParaRPr lang="zh-CN" altLang="en-US" sz="1200" dirty="0">
+                      <a:latin typeface="Times New Roman" panose="02020603050405020304" pitchFamily="18" charset="0"/>
+                      <a:cs typeface="Times New Roman" panose="02020603050405020304" pitchFamily="18" charset="0"/>
+                    </a:endParaRPr>
+                  </a:p>
+                </p:txBody>
+              </p:sp>
+            </mc:Choice>
+            <mc:Fallback>
+              <p:sp>
+                <p:nvSpPr>
+                  <p:cNvPr id="6" name="矩形 5"/>
+                  <p:cNvSpPr>
+                    <a:spLocks noRot="1" noChangeAspect="1" noMove="1" noResize="1" noEditPoints="1" noAdjustHandles="1" noChangeArrowheads="1" noChangeShapeType="1" noTextEdit="1"/>
+                  </p:cNvSpPr>
+                  <p:nvPr/>
+                </p:nvSpPr>
+                <p:spPr>
+                  <a:xfrm>
+                    <a:off x="6114479" y="4082535"/>
+                    <a:ext cx="356252" cy="277169"/>
+                  </a:xfrm>
+                  <a:prstGeom prst="rect">
+                    <a:avLst/>
+                  </a:prstGeom>
+                  <a:blipFill>
+                    <a:blip r:embed="rId14"/>
+                    <a:stretch>
+                      <a:fillRect/>
+                    </a:stretch>
+                  </a:blipFill>
+                </p:spPr>
+                <p:txBody>
+                  <a:bodyPr/>
+                  <a:lstStyle/>
+                  <a:p>
+                    <a:r>
+                      <a:rPr lang="zh-CN" altLang="en-US">
+                        <a:noFill/>
+                      </a:rPr>
+                      <a:t> </a:t>
+                    </a:r>
+                  </a:p>
+                </p:txBody>
+              </p:sp>
+            </mc:Fallback>
+          </mc:AlternateContent>
+          <p:sp>
+            <p:nvSpPr>
+              <p:cNvPr id="26" name="平行四边形 25"/>
+              <p:cNvSpPr/>
+              <p:nvPr/>
+            </p:nvSpPr>
+            <p:spPr>
+              <a:xfrm rot="15927846" flipH="1">
+                <a:off x="6652904" y="3431207"/>
+                <a:ext cx="144562" cy="134933"/>
+              </a:xfrm>
+              <a:prstGeom prst="parallelogram">
+                <a:avLst/>
+              </a:prstGeom>
+              <a:noFill/>
+              <a:ln w="12700">
+                <a:solidFill>
+                  <a:srgbClr val="0070C0"/>
+                </a:solidFill>
+              </a:ln>
+            </p:spPr>
+            <p:style>
+              <a:lnRef idx="2">
+                <a:schemeClr val="accent1">
+                  <a:shade val="50000"/>
+                </a:schemeClr>
+              </a:lnRef>
+              <a:fillRef idx="1">
+                <a:schemeClr val="accent1"/>
+              </a:fillRef>
+              <a:effectRef idx="0">
+                <a:schemeClr val="accent1"/>
+              </a:effectRef>
+              <a:fontRef idx="minor">
+                <a:schemeClr val="lt1"/>
+              </a:fontRef>
+            </p:style>
+            <p:txBody>
+              <a:bodyPr rtlCol="0" anchor="ctr"/>
+              <a:lstStyle/>
+              <a:p>
+                <a:pPr algn="ctr"/>
+                <a:endParaRPr lang="zh-CN" altLang="en-US"/>
+              </a:p>
+            </p:txBody>
+          </p:sp>
+          <p:sp>
+            <p:nvSpPr>
+              <p:cNvPr id="27" name="平行四边形 26"/>
+              <p:cNvSpPr/>
+              <p:nvPr/>
+            </p:nvSpPr>
+            <p:spPr>
+              <a:xfrm rot="15927846" flipH="1">
+                <a:off x="6847154" y="3722840"/>
+                <a:ext cx="144562" cy="134933"/>
+              </a:xfrm>
+              <a:prstGeom prst="parallelogram">
+                <a:avLst/>
+              </a:prstGeom>
+              <a:noFill/>
+              <a:ln w="12700">
+                <a:solidFill>
+                  <a:srgbClr val="0070C0"/>
+                </a:solidFill>
+              </a:ln>
+            </p:spPr>
+            <p:style>
+              <a:lnRef idx="2">
+                <a:schemeClr val="accent1">
+                  <a:shade val="50000"/>
+                </a:schemeClr>
+              </a:lnRef>
+              <a:fillRef idx="1">
+                <a:schemeClr val="accent1"/>
+              </a:fillRef>
+              <a:effectRef idx="0">
+                <a:schemeClr val="accent1"/>
+              </a:effectRef>
+              <a:fontRef idx="minor">
+                <a:schemeClr val="lt1"/>
+              </a:fontRef>
+            </p:style>
+            <p:txBody>
+              <a:bodyPr rtlCol="0" anchor="ctr"/>
+              <a:lstStyle/>
+              <a:p>
+                <a:pPr algn="ctr"/>
+                <a:endParaRPr lang="zh-CN" altLang="en-US"/>
+              </a:p>
+            </p:txBody>
+          </p:sp>
+          <p:sp>
+            <p:nvSpPr>
+              <p:cNvPr id="43" name="椭圆 42"/>
+              <p:cNvSpPr/>
+              <p:nvPr/>
+            </p:nvSpPr>
+            <p:spPr>
+              <a:xfrm>
+                <a:off x="5232355" y="2619321"/>
+                <a:ext cx="45520" cy="45747"/>
+              </a:xfrm>
+              <a:prstGeom prst="ellipse">
+                <a:avLst/>
+              </a:prstGeom>
+              <a:solidFill>
+                <a:srgbClr val="0070C0"/>
+              </a:solidFill>
+              <a:ln>
+                <a:solidFill>
+                  <a:srgbClr val="0070C0"/>
+                </a:solidFill>
+              </a:ln>
+            </p:spPr>
+            <p:style>
+              <a:lnRef idx="2">
+                <a:schemeClr val="accent1">
+                  <a:shade val="50000"/>
+                </a:schemeClr>
+              </a:lnRef>
+              <a:fillRef idx="1">
+                <a:schemeClr val="accent1"/>
+              </a:fillRef>
+              <a:effectRef idx="0">
+                <a:schemeClr val="accent1"/>
+              </a:effectRef>
+              <a:fontRef idx="minor">
+                <a:schemeClr val="lt1"/>
+              </a:fontRef>
+            </p:style>
+            <p:txBody>
+              <a:bodyPr rtlCol="0" anchor="ctr"/>
+              <a:lstStyle/>
+              <a:p>
+                <a:pPr algn="ctr"/>
+                <a:endParaRPr lang="zh-CN" altLang="en-US"/>
+              </a:p>
+            </p:txBody>
+          </p:sp>
+          <p:cxnSp>
+            <p:nvCxnSpPr>
+              <p:cNvPr id="45" name="直接箭头连接符 44"/>
+              <p:cNvCxnSpPr>
+                <a:stCxn id="43" idx="5"/>
+              </p:cNvCxnSpPr>
+              <p:nvPr/>
+            </p:nvCxnSpPr>
+            <p:spPr>
+              <a:xfrm>
+                <a:off x="5271208" y="2658369"/>
+                <a:ext cx="1453154" cy="858176"/>
+              </a:xfrm>
+              <a:prstGeom prst="straightConnector1">
+                <a:avLst/>
+              </a:prstGeom>
+              <a:ln>
+                <a:tailEnd type="triangle"/>
+              </a:ln>
+            </p:spPr>
+            <p:style>
+              <a:lnRef idx="1">
+                <a:schemeClr val="dk1"/>
+              </a:lnRef>
+              <a:fillRef idx="0">
+                <a:schemeClr val="dk1"/>
+              </a:fillRef>
+              <a:effectRef idx="0">
+                <a:schemeClr val="dk1"/>
+              </a:effectRef>
+              <a:fontRef idx="minor">
+                <a:schemeClr val="tx1"/>
+              </a:fontRef>
+            </p:style>
+          </p:cxnSp>
+          <p:sp>
+            <p:nvSpPr>
+              <p:cNvPr id="63" name="椭圆 62"/>
+              <p:cNvSpPr/>
+              <p:nvPr/>
+            </p:nvSpPr>
+            <p:spPr>
+              <a:xfrm>
+                <a:off x="5496079" y="2879161"/>
+                <a:ext cx="45520" cy="45747"/>
+              </a:xfrm>
+              <a:prstGeom prst="ellipse">
+                <a:avLst/>
+              </a:prstGeom>
+              <a:solidFill>
+                <a:srgbClr val="0070C0"/>
+              </a:solidFill>
+              <a:ln>
+                <a:solidFill>
+                  <a:srgbClr val="0070C0"/>
+                </a:solidFill>
+              </a:ln>
+            </p:spPr>
+            <p:style>
+              <a:lnRef idx="2">
+                <a:schemeClr val="accent1">
+                  <a:shade val="50000"/>
+                </a:schemeClr>
+              </a:lnRef>
+              <a:fillRef idx="1">
+                <a:schemeClr val="accent1"/>
+              </a:fillRef>
+              <a:effectRef idx="0">
+                <a:schemeClr val="accent1"/>
+              </a:effectRef>
+              <a:fontRef idx="minor">
+                <a:schemeClr val="lt1"/>
+              </a:fontRef>
+            </p:style>
+            <p:txBody>
+              <a:bodyPr rtlCol="0" anchor="ctr"/>
+              <a:lstStyle/>
+              <a:p>
+                <a:pPr algn="ctr"/>
+                <a:endParaRPr lang="zh-CN" altLang="en-US"/>
+              </a:p>
+            </p:txBody>
+          </p:sp>
+          <p:cxnSp>
+            <p:nvCxnSpPr>
+              <p:cNvPr id="65" name="直接箭头连接符 64"/>
+              <p:cNvCxnSpPr>
+                <a:stCxn id="63" idx="5"/>
+              </p:cNvCxnSpPr>
+              <p:nvPr/>
+            </p:nvCxnSpPr>
+            <p:spPr>
+              <a:xfrm>
+                <a:off x="5534932" y="2918209"/>
+                <a:ext cx="1387797" cy="875504"/>
+              </a:xfrm>
+              <a:prstGeom prst="straightConnector1">
+                <a:avLst/>
+              </a:prstGeom>
+              <a:ln>
+                <a:tailEnd type="triangle"/>
+              </a:ln>
+            </p:spPr>
+            <p:style>
+              <a:lnRef idx="1">
+                <a:schemeClr val="dk1"/>
+              </a:lnRef>
+              <a:fillRef idx="0">
+                <a:schemeClr val="dk1"/>
+              </a:fillRef>
+              <a:effectRef idx="0">
+                <a:schemeClr val="dk1"/>
+              </a:effectRef>
+              <a:fontRef idx="minor">
+                <a:schemeClr val="tx1"/>
+              </a:fontRef>
+            </p:style>
+          </p:cxnSp>
+          <p:cxnSp>
+            <p:nvCxnSpPr>
+              <p:cNvPr id="21" name="直接箭头连接符 20"/>
+              <p:cNvCxnSpPr>
+                <a:stCxn id="11" idx="5"/>
+              </p:cNvCxnSpPr>
+              <p:nvPr/>
+            </p:nvCxnSpPr>
+            <p:spPr>
+              <a:xfrm>
+                <a:off x="4952324" y="2966660"/>
+                <a:ext cx="1468370" cy="1104222"/>
+              </a:xfrm>
+              <a:prstGeom prst="straightConnector1">
+                <a:avLst/>
+              </a:prstGeom>
+              <a:ln>
+                <a:tailEnd type="triangle"/>
+              </a:ln>
+            </p:spPr>
+            <p:style>
+              <a:lnRef idx="1">
+                <a:schemeClr val="dk1"/>
+              </a:lnRef>
+              <a:fillRef idx="0">
+                <a:schemeClr val="dk1"/>
+              </a:fillRef>
+              <a:effectRef idx="0">
+                <a:schemeClr val="dk1"/>
+              </a:effectRef>
+              <a:fontRef idx="minor">
+                <a:schemeClr val="tx1"/>
+              </a:fontRef>
+            </p:style>
+          </p:cxnSp>
+          <mc:AlternateContent xmlns:mc="http://schemas.openxmlformats.org/markup-compatibility/2006">
+            <mc:Choice xmlns:a14="http://schemas.microsoft.com/office/drawing/2010/main" Requires="a14">
+              <p:sp>
+                <p:nvSpPr>
+                  <p:cNvPr id="81" name="矩形 80"/>
+                  <p:cNvSpPr/>
+                  <p:nvPr/>
+                </p:nvSpPr>
+                <p:spPr>
+                  <a:xfrm>
+                    <a:off x="6724281" y="3250743"/>
+                    <a:ext cx="359679" cy="277169"/>
+                  </a:xfrm>
+                  <a:prstGeom prst="rect">
+                    <a:avLst/>
+                  </a:prstGeom>
+                </p:spPr>
+                <p:txBody>
+                  <a:bodyPr wrap="none">
+                    <a:spAutoFit/>
+                  </a:bodyPr>
+                  <a:lstStyle/>
+                  <a:p>
+                    <a:pPr/>
+                    <a14:m>
+                      <m:oMathPara xmlns:m="http://schemas.openxmlformats.org/officeDocument/2006/math">
+                        <m:oMathParaPr>
+                          <m:jc m:val="centerGroup"/>
+                        </m:oMathParaPr>
+                        <m:oMath xmlns:m="http://schemas.openxmlformats.org/officeDocument/2006/math">
+                          <m:sSubSup>
+                            <m:sSubSupPr>
+                              <m:ctrlPr>
+                                <a:rPr lang="zh-CN" altLang="en-US" sz="1200" i="1">
+                                  <a:latin typeface="Cambria Math" panose="02040503050406030204" pitchFamily="18" charset="0"/>
+                                </a:rPr>
+                              </m:ctrlPr>
+                            </m:sSubSupPr>
+                            <m:e>
+                              <m:r>
+                                <a:rPr lang="zh-CN" altLang="en-US" sz="1200" i="1">
+                                  <a:latin typeface="Cambria Math" panose="02040503050406030204" pitchFamily="18" charset="0"/>
+                                </a:rPr>
+                                <m:t>𝑝</m:t>
+                              </m:r>
+                            </m:e>
+                            <m:sub>
+                              <m:r>
+                                <a:rPr lang="zh-CN" altLang="en-US" sz="1200" i="0">
+                                  <a:latin typeface="Cambria Math" panose="02040503050406030204" pitchFamily="18" charset="0"/>
+                                </a:rPr>
+                                <m:t>2</m:t>
+                              </m:r>
+                            </m:sub>
+                            <m:sup>
+                              <m:r>
+                                <a:rPr lang="zh-CN" altLang="en-US" sz="1200" i="0">
+                                  <a:latin typeface="Cambria Math" panose="02040503050406030204" pitchFamily="18" charset="0"/>
+                                </a:rPr>
+                                <m:t>′</m:t>
+                              </m:r>
+                            </m:sup>
+                          </m:sSubSup>
+                        </m:oMath>
+                      </m:oMathPara>
+                    </a14:m>
+                    <a:endParaRPr lang="zh-CN" altLang="en-US" sz="1200" dirty="0">
+                      <a:latin typeface="Times New Roman" panose="02020603050405020304" pitchFamily="18" charset="0"/>
+                      <a:cs typeface="Times New Roman" panose="02020603050405020304" pitchFamily="18" charset="0"/>
+                    </a:endParaRPr>
+                  </a:p>
+                </p:txBody>
+              </p:sp>
+            </mc:Choice>
+            <mc:Fallback>
+              <p:sp>
+                <p:nvSpPr>
+                  <p:cNvPr id="81" name="矩形 80"/>
+                  <p:cNvSpPr>
+                    <a:spLocks noRot="1" noChangeAspect="1" noMove="1" noResize="1" noEditPoints="1" noAdjustHandles="1" noChangeArrowheads="1" noChangeShapeType="1" noTextEdit="1"/>
+                  </p:cNvSpPr>
+                  <p:nvPr/>
+                </p:nvSpPr>
+                <p:spPr>
+                  <a:xfrm>
+                    <a:off x="6724281" y="3250743"/>
+                    <a:ext cx="359679" cy="277169"/>
+                  </a:xfrm>
+                  <a:prstGeom prst="rect">
+                    <a:avLst/>
+                  </a:prstGeom>
+                  <a:blipFill>
+                    <a:blip r:embed="rId15"/>
+                    <a:stretch>
+                      <a:fillRect/>
+                    </a:stretch>
+                  </a:blipFill>
+                </p:spPr>
+                <p:txBody>
+                  <a:bodyPr/>
+                  <a:lstStyle/>
+                  <a:p>
+                    <a:r>
+                      <a:rPr lang="zh-CN" altLang="en-US">
+                        <a:noFill/>
+                      </a:rPr>
+                      <a:t> </a:t>
+                    </a:r>
+                  </a:p>
+                </p:txBody>
+              </p:sp>
+            </mc:Fallback>
+          </mc:AlternateContent>
+          <mc:AlternateContent xmlns:mc="http://schemas.openxmlformats.org/markup-compatibility/2006">
+            <mc:Choice xmlns:a14="http://schemas.microsoft.com/office/drawing/2010/main" Requires="a14">
+              <p:sp>
+                <p:nvSpPr>
+                  <p:cNvPr id="84" name="矩形 83"/>
+                  <p:cNvSpPr/>
+                  <p:nvPr/>
+                </p:nvSpPr>
+                <p:spPr>
+                  <a:xfrm>
+                    <a:off x="6936315" y="3645389"/>
+                    <a:ext cx="359679" cy="277169"/>
+                  </a:xfrm>
+                  <a:prstGeom prst="rect">
+                    <a:avLst/>
+                  </a:prstGeom>
+                </p:spPr>
+                <p:txBody>
+                  <a:bodyPr wrap="none">
+                    <a:spAutoFit/>
+                  </a:bodyPr>
+                  <a:lstStyle/>
+                  <a:p>
+                    <a:pPr/>
+                    <a14:m>
+                      <m:oMathPara xmlns:m="http://schemas.openxmlformats.org/officeDocument/2006/math">
+                        <m:oMathParaPr>
+                          <m:jc m:val="centerGroup"/>
+                        </m:oMathParaPr>
+                        <m:oMath xmlns:m="http://schemas.openxmlformats.org/officeDocument/2006/math">
+                          <m:sSubSup>
+                            <m:sSubSupPr>
+                              <m:ctrlPr>
+                                <a:rPr lang="zh-CN" altLang="en-US" sz="1200" i="1">
+                                  <a:latin typeface="Cambria Math" panose="02040503050406030204" pitchFamily="18" charset="0"/>
+                                </a:rPr>
+                              </m:ctrlPr>
+                            </m:sSubSupPr>
+                            <m:e>
+                              <m:r>
+                                <a:rPr lang="zh-CN" altLang="en-US" sz="1200" i="1">
+                                  <a:latin typeface="Cambria Math" panose="02040503050406030204" pitchFamily="18" charset="0"/>
+                                </a:rPr>
+                                <m:t>𝑝</m:t>
+                              </m:r>
+                            </m:e>
+                            <m:sub>
+                              <m:r>
+                                <a:rPr lang="zh-CN" altLang="en-US" sz="1200" i="0">
+                                  <a:latin typeface="Cambria Math" panose="02040503050406030204" pitchFamily="18" charset="0"/>
+                                </a:rPr>
+                                <m:t>3</m:t>
+                              </m:r>
+                            </m:sub>
+                            <m:sup>
+                              <m:r>
+                                <a:rPr lang="zh-CN" altLang="en-US" sz="1200" i="0">
+                                  <a:latin typeface="Cambria Math" panose="02040503050406030204" pitchFamily="18" charset="0"/>
+                                </a:rPr>
+                                <m:t>′</m:t>
+                              </m:r>
+                            </m:sup>
+                          </m:sSubSup>
+                        </m:oMath>
+                      </m:oMathPara>
+                    </a14:m>
+                    <a:endParaRPr lang="zh-CN" altLang="en-US" sz="1200" dirty="0">
+                      <a:latin typeface="Times New Roman" panose="02020603050405020304" pitchFamily="18" charset="0"/>
+                      <a:cs typeface="Times New Roman" panose="02020603050405020304" pitchFamily="18" charset="0"/>
+                    </a:endParaRPr>
+                  </a:p>
+                </p:txBody>
+              </p:sp>
+            </mc:Choice>
+            <mc:Fallback>
+              <p:sp>
+                <p:nvSpPr>
+                  <p:cNvPr id="84" name="矩形 83"/>
+                  <p:cNvSpPr>
+                    <a:spLocks noRot="1" noChangeAspect="1" noMove="1" noResize="1" noEditPoints="1" noAdjustHandles="1" noChangeArrowheads="1" noChangeShapeType="1" noTextEdit="1"/>
+                  </p:cNvSpPr>
+                  <p:nvPr/>
+                </p:nvSpPr>
+                <p:spPr>
+                  <a:xfrm>
+                    <a:off x="6936315" y="3645389"/>
+                    <a:ext cx="359679" cy="277169"/>
+                  </a:xfrm>
+                  <a:prstGeom prst="rect">
+                    <a:avLst/>
+                  </a:prstGeom>
+                  <a:blipFill>
+                    <a:blip r:embed="rId16"/>
+                    <a:stretch>
+                      <a:fillRect/>
+                    </a:stretch>
+                  </a:blipFill>
+                </p:spPr>
+                <p:txBody>
+                  <a:bodyPr/>
+                  <a:lstStyle/>
+                  <a:p>
+                    <a:r>
+                      <a:rPr lang="zh-CN" altLang="en-US">
+                        <a:noFill/>
+                      </a:rPr>
+                      <a:t> </a:t>
+                    </a:r>
+                  </a:p>
+                </p:txBody>
+              </p:sp>
+            </mc:Fallback>
+          </mc:AlternateContent>
+          <mc:AlternateContent xmlns:mc="http://schemas.openxmlformats.org/markup-compatibility/2006">
+            <mc:Choice xmlns:a14="http://schemas.microsoft.com/office/drawing/2010/main" Requires="a14">
+              <p:sp>
+                <p:nvSpPr>
+                  <p:cNvPr id="86" name="矩形 85"/>
+                  <p:cNvSpPr/>
+                  <p:nvPr/>
+                </p:nvSpPr>
+                <p:spPr>
+                  <a:xfrm>
+                    <a:off x="4780456" y="2687691"/>
+                    <a:ext cx="371320" cy="276999"/>
+                  </a:xfrm>
+                  <a:prstGeom prst="rect">
+                    <a:avLst/>
+                  </a:prstGeom>
+                </p:spPr>
+                <p:txBody>
+                  <a:bodyPr wrap="none">
+                    <a:spAutoFit/>
+                  </a:bodyPr>
+                  <a:lstStyle/>
+                  <a:p>
+                    <a:pPr/>
+                    <a14:m>
+                      <m:oMathPara xmlns:m="http://schemas.openxmlformats.org/officeDocument/2006/math">
+                        <m:oMathParaPr>
+                          <m:jc m:val="centerGroup"/>
+                        </m:oMathParaPr>
+                        <m:oMath xmlns:m="http://schemas.openxmlformats.org/officeDocument/2006/math">
+                          <m:sSub>
+                            <m:sSubPr>
+                              <m:ctrlPr>
+                                <a:rPr lang="zh-CN" altLang="en-US" sz="1200" i="1">
+                                  <a:latin typeface="Cambria Math" panose="02040503050406030204" pitchFamily="18" charset="0"/>
+                                </a:rPr>
+                              </m:ctrlPr>
+                            </m:sSubPr>
+                            <m:e>
+                              <m:r>
+                                <a:rPr lang="zh-CN" altLang="en-US" sz="1200" i="1">
+                                  <a:latin typeface="Cambria Math" panose="02040503050406030204" pitchFamily="18" charset="0"/>
+                                </a:rPr>
+                                <m:t>𝑃</m:t>
+                              </m:r>
+                            </m:e>
+                            <m:sub>
+                              <m:r>
+                                <a:rPr lang="zh-CN" altLang="en-US" sz="1200" i="0">
+                                  <a:latin typeface="Cambria Math" panose="02040503050406030204" pitchFamily="18" charset="0"/>
+                                </a:rPr>
+                                <m:t>1</m:t>
+                              </m:r>
+                            </m:sub>
+                          </m:sSub>
+                        </m:oMath>
+                      </m:oMathPara>
+                    </a14:m>
+                    <a:endParaRPr lang="zh-CN" altLang="en-US" dirty="0">
+                      <a:latin typeface="Times New Roman" panose="02020603050405020304" pitchFamily="18" charset="0"/>
+                      <a:cs typeface="Times New Roman" panose="02020603050405020304" pitchFamily="18" charset="0"/>
+                    </a:endParaRPr>
+                  </a:p>
+                </p:txBody>
+              </p:sp>
+            </mc:Choice>
+            <mc:Fallback>
+              <p:sp>
+                <p:nvSpPr>
+                  <p:cNvPr id="86" name="矩形 85"/>
+                  <p:cNvSpPr>
+                    <a:spLocks noRot="1" noChangeAspect="1" noMove="1" noResize="1" noEditPoints="1" noAdjustHandles="1" noChangeArrowheads="1" noChangeShapeType="1" noTextEdit="1"/>
+                  </p:cNvSpPr>
+                  <p:nvPr/>
+                </p:nvSpPr>
+                <p:spPr>
+                  <a:xfrm>
+                    <a:off x="4780456" y="2687691"/>
+                    <a:ext cx="371320" cy="276999"/>
+                  </a:xfrm>
+                  <a:prstGeom prst="rect">
+                    <a:avLst/>
+                  </a:prstGeom>
+                  <a:blipFill>
+                    <a:blip r:embed="rId17"/>
+                    <a:stretch>
+                      <a:fillRect/>
+                    </a:stretch>
+                  </a:blipFill>
+                </p:spPr>
+                <p:txBody>
+                  <a:bodyPr/>
+                  <a:lstStyle/>
+                  <a:p>
+                    <a:r>
+                      <a:rPr lang="zh-CN" altLang="en-US">
+                        <a:noFill/>
+                      </a:rPr>
+                      <a:t> </a:t>
+                    </a:r>
+                  </a:p>
+                </p:txBody>
+              </p:sp>
+            </mc:Fallback>
+          </mc:AlternateContent>
+          <mc:AlternateContent xmlns:mc="http://schemas.openxmlformats.org/markup-compatibility/2006">
+            <mc:Choice xmlns:a14="http://schemas.microsoft.com/office/drawing/2010/main" Requires="a14">
+              <p:sp>
+                <p:nvSpPr>
+                  <p:cNvPr id="87" name="矩形 86"/>
+                  <p:cNvSpPr/>
+                  <p:nvPr/>
+                </p:nvSpPr>
+                <p:spPr>
+                  <a:xfrm>
+                    <a:off x="4952324" y="2407343"/>
+                    <a:ext cx="378116" cy="276999"/>
+                  </a:xfrm>
+                  <a:prstGeom prst="rect">
+                    <a:avLst/>
+                  </a:prstGeom>
+                </p:spPr>
+                <p:txBody>
+                  <a:bodyPr wrap="none">
+                    <a:spAutoFit/>
+                  </a:bodyPr>
+                  <a:lstStyle/>
+                  <a:p>
+                    <a:pPr/>
+                    <a14:m>
+                      <m:oMathPara xmlns:m="http://schemas.openxmlformats.org/officeDocument/2006/math">
+                        <m:oMathParaPr>
+                          <m:jc m:val="centerGroup"/>
+                        </m:oMathParaPr>
+                        <m:oMath xmlns:m="http://schemas.openxmlformats.org/officeDocument/2006/math">
+                          <m:sSub>
+                            <m:sSubPr>
+                              <m:ctrlPr>
+                                <a:rPr lang="zh-CN" altLang="en-US" sz="1200" i="1">
+                                  <a:latin typeface="Cambria Math" panose="02040503050406030204" pitchFamily="18" charset="0"/>
+                                </a:rPr>
+                              </m:ctrlPr>
+                            </m:sSubPr>
+                            <m:e>
+                              <m:r>
+                                <a:rPr lang="zh-CN" altLang="en-US" sz="1200" i="1">
+                                  <a:latin typeface="Cambria Math" panose="02040503050406030204" pitchFamily="18" charset="0"/>
+                                </a:rPr>
+                                <m:t>𝑃</m:t>
+                              </m:r>
+                            </m:e>
+                            <m:sub>
+                              <m:r>
+                                <a:rPr lang="zh-CN" altLang="en-US" sz="1200" i="0">
+                                  <a:latin typeface="Cambria Math" panose="02040503050406030204" pitchFamily="18" charset="0"/>
+                                </a:rPr>
+                                <m:t>2</m:t>
+                              </m:r>
+                            </m:sub>
+                          </m:sSub>
+                        </m:oMath>
+                      </m:oMathPara>
+                    </a14:m>
+                    <a:endParaRPr lang="zh-CN" altLang="en-US" dirty="0">
+                      <a:latin typeface="Times New Roman" panose="02020603050405020304" pitchFamily="18" charset="0"/>
+                      <a:cs typeface="Times New Roman" panose="02020603050405020304" pitchFamily="18" charset="0"/>
+                    </a:endParaRPr>
+                  </a:p>
+                </p:txBody>
+              </p:sp>
+            </mc:Choice>
+            <mc:Fallback>
+              <p:sp>
+                <p:nvSpPr>
+                  <p:cNvPr id="87" name="矩形 86"/>
+                  <p:cNvSpPr>
+                    <a:spLocks noRot="1" noChangeAspect="1" noMove="1" noResize="1" noEditPoints="1" noAdjustHandles="1" noChangeArrowheads="1" noChangeShapeType="1" noTextEdit="1"/>
+                  </p:cNvSpPr>
+                  <p:nvPr/>
+                </p:nvSpPr>
+                <p:spPr>
+                  <a:xfrm>
+                    <a:off x="4952324" y="2407343"/>
+                    <a:ext cx="378116" cy="276999"/>
+                  </a:xfrm>
+                  <a:prstGeom prst="rect">
+                    <a:avLst/>
+                  </a:prstGeom>
+                  <a:blipFill>
+                    <a:blip r:embed="rId18"/>
+                    <a:stretch>
+                      <a:fillRect/>
+                    </a:stretch>
+                  </a:blipFill>
+                </p:spPr>
+                <p:txBody>
+                  <a:bodyPr/>
+                  <a:lstStyle/>
+                  <a:p>
+                    <a:r>
+                      <a:rPr lang="zh-CN" altLang="en-US">
+                        <a:noFill/>
+                      </a:rPr>
+                      <a:t> </a:t>
+                    </a:r>
+                  </a:p>
+                </p:txBody>
+              </p:sp>
+            </mc:Fallback>
+          </mc:AlternateContent>
+          <mc:AlternateContent xmlns:mc="http://schemas.openxmlformats.org/markup-compatibility/2006">
+            <mc:Choice xmlns:a14="http://schemas.microsoft.com/office/drawing/2010/main" Requires="a14">
+              <p:sp>
+                <p:nvSpPr>
+                  <p:cNvPr id="88" name="矩形 87"/>
+                  <p:cNvSpPr/>
+                  <p:nvPr/>
+                </p:nvSpPr>
+                <p:spPr>
+                  <a:xfrm>
+                    <a:off x="5490859" y="2606524"/>
+                    <a:ext cx="378116" cy="276999"/>
+                  </a:xfrm>
+                  <a:prstGeom prst="rect">
+                    <a:avLst/>
+                  </a:prstGeom>
+                </p:spPr>
+                <p:txBody>
+                  <a:bodyPr wrap="none">
+                    <a:spAutoFit/>
+                  </a:bodyPr>
+                  <a:lstStyle/>
+                  <a:p>
+                    <a:pPr/>
+                    <a14:m>
+                      <m:oMathPara xmlns:m="http://schemas.openxmlformats.org/officeDocument/2006/math">
+                        <m:oMathParaPr>
+                          <m:jc m:val="centerGroup"/>
+                        </m:oMathParaPr>
+                        <m:oMath xmlns:m="http://schemas.openxmlformats.org/officeDocument/2006/math">
+                          <m:sSub>
+                            <m:sSubPr>
+                              <m:ctrlPr>
+                                <a:rPr lang="zh-CN" altLang="en-US" sz="1200" i="1">
+                                  <a:latin typeface="Cambria Math" panose="02040503050406030204" pitchFamily="18" charset="0"/>
+                                </a:rPr>
+                              </m:ctrlPr>
+                            </m:sSubPr>
+                            <m:e>
+                              <m:r>
+                                <a:rPr lang="zh-CN" altLang="en-US" sz="1200" i="1">
+                                  <a:latin typeface="Cambria Math" panose="02040503050406030204" pitchFamily="18" charset="0"/>
+                                </a:rPr>
+                                <m:t>𝑃</m:t>
+                              </m:r>
+                            </m:e>
+                            <m:sub>
+                              <m:r>
+                                <a:rPr lang="zh-CN" altLang="en-US" sz="1200" i="0">
+                                  <a:latin typeface="Cambria Math" panose="02040503050406030204" pitchFamily="18" charset="0"/>
+                                </a:rPr>
+                                <m:t>3</m:t>
+                              </m:r>
+                            </m:sub>
+                          </m:sSub>
+                        </m:oMath>
+                      </m:oMathPara>
+                    </a14:m>
+                    <a:endParaRPr lang="zh-CN" altLang="en-US" sz="1200" dirty="0">
+                      <a:latin typeface="Times New Roman" panose="02020603050405020304" pitchFamily="18" charset="0"/>
+                      <a:cs typeface="Times New Roman" panose="02020603050405020304" pitchFamily="18" charset="0"/>
+                    </a:endParaRPr>
+                  </a:p>
+                </p:txBody>
+              </p:sp>
+            </mc:Choice>
+            <mc:Fallback>
+              <p:sp>
+                <p:nvSpPr>
+                  <p:cNvPr id="88" name="矩形 87"/>
+                  <p:cNvSpPr>
+                    <a:spLocks noRot="1" noChangeAspect="1" noMove="1" noResize="1" noEditPoints="1" noAdjustHandles="1" noChangeArrowheads="1" noChangeShapeType="1" noTextEdit="1"/>
+                  </p:cNvSpPr>
+                  <p:nvPr/>
+                </p:nvSpPr>
+                <p:spPr>
+                  <a:xfrm>
+                    <a:off x="5490859" y="2606524"/>
+                    <a:ext cx="378116" cy="276999"/>
+                  </a:xfrm>
+                  <a:prstGeom prst="rect">
+                    <a:avLst/>
+                  </a:prstGeom>
+                  <a:blipFill>
+                    <a:blip r:embed="rId19"/>
+                    <a:stretch>
+                      <a:fillRect/>
+                    </a:stretch>
+                  </a:blipFill>
+                </p:spPr>
+                <p:txBody>
+                  <a:bodyPr/>
+                  <a:lstStyle/>
+                  <a:p>
+                    <a:r>
+                      <a:rPr lang="zh-CN" altLang="en-US">
+                        <a:noFill/>
+                      </a:rPr>
+                      <a:t> </a:t>
+                    </a:r>
+                  </a:p>
+                </p:txBody>
+              </p:sp>
+            </mc:Fallback>
+          </mc:AlternateContent>
+          <p:sp>
+            <p:nvSpPr>
+              <p:cNvPr id="44" name="椭圆 43"/>
+              <p:cNvSpPr/>
+              <p:nvPr/>
+            </p:nvSpPr>
+            <p:spPr>
+              <a:xfrm>
+                <a:off x="6096385" y="2794724"/>
+                <a:ext cx="45520" cy="45747"/>
+              </a:xfrm>
+              <a:prstGeom prst="ellipse">
+                <a:avLst/>
+              </a:prstGeom>
+              <a:solidFill>
+                <a:srgbClr val="FF0000"/>
+              </a:solidFill>
+              <a:ln>
+                <a:solidFill>
+                  <a:srgbClr val="FF0000"/>
+                </a:solidFill>
+              </a:ln>
+            </p:spPr>
+            <p:style>
+              <a:lnRef idx="2">
+                <a:schemeClr val="accent1">
+                  <a:shade val="50000"/>
+                </a:schemeClr>
+              </a:lnRef>
+              <a:fillRef idx="1">
+                <a:schemeClr val="accent1"/>
+              </a:fillRef>
+              <a:effectRef idx="0">
+                <a:schemeClr val="accent1"/>
+              </a:effectRef>
+              <a:fontRef idx="minor">
+                <a:schemeClr val="lt1"/>
+              </a:fontRef>
+            </p:style>
+            <p:txBody>
+              <a:bodyPr rtlCol="0" anchor="ctr"/>
+              <a:lstStyle/>
+              <a:p>
+                <a:pPr algn="ctr"/>
+                <a:endParaRPr lang="zh-CN" altLang="en-US"/>
+              </a:p>
+            </p:txBody>
+          </p:sp>
+          <p:sp>
+            <p:nvSpPr>
+              <p:cNvPr id="46" name="椭圆 45"/>
+              <p:cNvSpPr/>
+              <p:nvPr/>
+            </p:nvSpPr>
+            <p:spPr>
+              <a:xfrm>
+                <a:off x="6327184" y="2701707"/>
+                <a:ext cx="45520" cy="45747"/>
+              </a:xfrm>
+              <a:prstGeom prst="ellipse">
+                <a:avLst/>
+              </a:prstGeom>
+              <a:solidFill>
+                <a:srgbClr val="FF0000"/>
+              </a:solidFill>
+              <a:ln>
+                <a:solidFill>
+                  <a:srgbClr val="FF0000"/>
+                </a:solidFill>
+              </a:ln>
+            </p:spPr>
+            <p:style>
+              <a:lnRef idx="2">
+                <a:schemeClr val="accent1">
+                  <a:shade val="50000"/>
+                </a:schemeClr>
+              </a:lnRef>
+              <a:fillRef idx="1">
+                <a:schemeClr val="accent1"/>
+              </a:fillRef>
+              <a:effectRef idx="0">
+                <a:schemeClr val="accent1"/>
+              </a:effectRef>
+              <a:fontRef idx="minor">
+                <a:schemeClr val="lt1"/>
+              </a:fontRef>
+            </p:style>
+            <p:txBody>
+              <a:bodyPr rtlCol="0" anchor="ctr"/>
+              <a:lstStyle/>
+              <a:p>
+                <a:pPr algn="ctr"/>
+                <a:endParaRPr lang="zh-CN" altLang="en-US"/>
+              </a:p>
+            </p:txBody>
+          </p:sp>
+          <p:sp>
+            <p:nvSpPr>
+              <p:cNvPr id="47" name="椭圆 46"/>
+              <p:cNvSpPr/>
+              <p:nvPr/>
+            </p:nvSpPr>
+            <p:spPr>
+              <a:xfrm>
+                <a:off x="5132331" y="3530626"/>
+                <a:ext cx="45520" cy="45747"/>
+              </a:xfrm>
+              <a:prstGeom prst="ellipse">
+                <a:avLst/>
+              </a:prstGeom>
+              <a:solidFill>
+                <a:srgbClr val="FF0000"/>
+              </a:solidFill>
+              <a:ln>
+                <a:solidFill>
+                  <a:srgbClr val="FF0000"/>
+                </a:solidFill>
+              </a:ln>
+            </p:spPr>
+            <p:style>
+              <a:lnRef idx="2">
+                <a:schemeClr val="accent1">
+                  <a:shade val="50000"/>
+                </a:schemeClr>
+              </a:lnRef>
+              <a:fillRef idx="1">
+                <a:schemeClr val="accent1"/>
+              </a:fillRef>
+              <a:effectRef idx="0">
+                <a:schemeClr val="accent1"/>
+              </a:effectRef>
+              <a:fontRef idx="minor">
+                <a:schemeClr val="lt1"/>
+              </a:fontRef>
+            </p:style>
+            <p:txBody>
+              <a:bodyPr rtlCol="0" anchor="ctr"/>
+              <a:lstStyle/>
+              <a:p>
+                <a:pPr algn="ctr"/>
+                <a:endParaRPr lang="zh-CN" altLang="en-US"/>
+              </a:p>
+            </p:txBody>
+          </p:sp>
+          <p:sp>
+            <p:nvSpPr>
+              <p:cNvPr id="48" name="椭圆 47"/>
+              <p:cNvSpPr/>
+              <p:nvPr/>
+            </p:nvSpPr>
+            <p:spPr>
+              <a:xfrm>
+                <a:off x="4909182" y="3687164"/>
+                <a:ext cx="45520" cy="45747"/>
+              </a:xfrm>
+              <a:prstGeom prst="ellipse">
+                <a:avLst/>
+              </a:prstGeom>
+              <a:solidFill>
+                <a:srgbClr val="FF0000"/>
+              </a:solidFill>
+              <a:ln>
+                <a:solidFill>
+                  <a:srgbClr val="FF0000"/>
+                </a:solidFill>
+              </a:ln>
+            </p:spPr>
+            <p:style>
+              <a:lnRef idx="2">
+                <a:schemeClr val="accent1">
+                  <a:shade val="50000"/>
+                </a:schemeClr>
+              </a:lnRef>
+              <a:fillRef idx="1">
+                <a:schemeClr val="accent1"/>
+              </a:fillRef>
+              <a:effectRef idx="0">
+                <a:schemeClr val="accent1"/>
+              </a:effectRef>
+              <a:fontRef idx="minor">
+                <a:schemeClr val="lt1"/>
+              </a:fontRef>
+            </p:style>
+            <p:txBody>
+              <a:bodyPr rtlCol="0" anchor="ctr"/>
+              <a:lstStyle/>
+              <a:p>
+                <a:pPr algn="ctr"/>
+                <a:endParaRPr lang="zh-CN" altLang="en-US"/>
+              </a:p>
+            </p:txBody>
+          </p:sp>
+          <p:sp>
+            <p:nvSpPr>
+              <p:cNvPr id="49" name="椭圆 48"/>
+              <p:cNvSpPr/>
+              <p:nvPr/>
+            </p:nvSpPr>
+            <p:spPr>
+              <a:xfrm>
+                <a:off x="5230235" y="2923304"/>
+                <a:ext cx="45520" cy="45747"/>
+              </a:xfrm>
+              <a:prstGeom prst="ellipse">
+                <a:avLst/>
+              </a:prstGeom>
+              <a:solidFill>
+                <a:srgbClr val="0070C0"/>
+              </a:solidFill>
+              <a:ln>
+                <a:solidFill>
+                  <a:srgbClr val="0070C0"/>
+                </a:solidFill>
+              </a:ln>
+            </p:spPr>
+            <p:style>
+              <a:lnRef idx="2">
+                <a:schemeClr val="accent1">
+                  <a:shade val="50000"/>
+                </a:schemeClr>
+              </a:lnRef>
+              <a:fillRef idx="1">
+                <a:schemeClr val="accent1"/>
+              </a:fillRef>
+              <a:effectRef idx="0">
+                <a:schemeClr val="accent1"/>
+              </a:effectRef>
+              <a:fontRef idx="minor">
+                <a:schemeClr val="lt1"/>
+              </a:fontRef>
+            </p:style>
+            <p:txBody>
+              <a:bodyPr rtlCol="0" anchor="ctr"/>
+              <a:lstStyle/>
+              <a:p>
+                <a:pPr algn="ctr"/>
+                <a:endParaRPr lang="zh-CN" altLang="en-US"/>
+              </a:p>
+            </p:txBody>
+          </p:sp>
+          <mc:AlternateContent xmlns:mc="http://schemas.openxmlformats.org/markup-compatibility/2006">
+            <mc:Choice xmlns:a14="http://schemas.microsoft.com/office/drawing/2010/main" Requires="a14">
+              <p:sp>
+                <p:nvSpPr>
+                  <p:cNvPr id="15" name="矩形 14"/>
+                  <p:cNvSpPr/>
+                  <p:nvPr/>
+                </p:nvSpPr>
+                <p:spPr>
+                  <a:xfrm>
+                    <a:off x="4999693" y="2702560"/>
+                    <a:ext cx="356315" cy="276999"/>
+                  </a:xfrm>
+                  <a:prstGeom prst="rect">
+                    <a:avLst/>
+                  </a:prstGeom>
+                </p:spPr>
+                <p:txBody>
+                  <a:bodyPr wrap="none">
+                    <a:spAutoFit/>
+                  </a:bodyPr>
+                  <a:lstStyle/>
+                  <a:p>
+                    <a14:m>
+                      <m:oMathPara xmlns:m="http://schemas.openxmlformats.org/officeDocument/2006/math">
+                        <m:oMathParaPr>
+                          <m:jc m:val="centerGroup"/>
+                        </m:oMathParaPr>
+                        <m:oMath xmlns:m="http://schemas.openxmlformats.org/officeDocument/2006/math">
+                          <m:sSub>
+                            <m:sSubPr>
+                              <m:ctrlPr>
+                                <a:rPr lang="zh-CN" altLang="en-US" sz="1200">
+                                  <a:latin typeface="Cambria Math" panose="02040503050406030204" pitchFamily="18" charset="0"/>
+                                </a:rPr>
+                              </m:ctrlPr>
+                            </m:sSubPr>
+                            <m:e>
+                              <m:r>
+                                <a:rPr lang="zh-CN" altLang="en-US" sz="1200" i="1">
+                                  <a:latin typeface="Cambria Math" panose="02040503050406030204" pitchFamily="18" charset="0"/>
+                                </a:rPr>
+                                <m:t>𝑃</m:t>
+                              </m:r>
+                            </m:e>
+                            <m:sub>
+                              <m:r>
+                                <a:rPr lang="zh-CN" altLang="en-US" sz="1200" i="1">
+                                  <a:latin typeface="Cambria Math" panose="02040503050406030204" pitchFamily="18" charset="0"/>
+                                </a:rPr>
+                                <m:t>𝑖</m:t>
+                              </m:r>
+                            </m:sub>
+                          </m:sSub>
+                        </m:oMath>
+                      </m:oMathPara>
+                    </a14:m>
+                    <a:endParaRPr lang="zh-CN" altLang="en-US" dirty="0"/>
+                  </a:p>
+                </p:txBody>
+              </p:sp>
+            </mc:Choice>
+            <mc:Fallback>
+              <p:sp>
+                <p:nvSpPr>
+                  <p:cNvPr id="15" name="矩形 14"/>
+                  <p:cNvSpPr>
+                    <a:spLocks noRot="1" noChangeAspect="1" noMove="1" noResize="1" noEditPoints="1" noAdjustHandles="1" noChangeArrowheads="1" noChangeShapeType="1" noTextEdit="1"/>
+                  </p:cNvSpPr>
+                  <p:nvPr/>
+                </p:nvSpPr>
+                <p:spPr>
+                  <a:xfrm>
+                    <a:off x="4999693" y="2702560"/>
+                    <a:ext cx="356315" cy="276999"/>
+                  </a:xfrm>
+                  <a:prstGeom prst="rect">
+                    <a:avLst/>
+                  </a:prstGeom>
+                  <a:blipFill>
+                    <a:blip r:embed="rId20"/>
+                    <a:stretch>
+                      <a:fillRect/>
+                    </a:stretch>
+                  </a:blipFill>
+                </p:spPr>
+                <p:txBody>
+                  <a:bodyPr/>
+                  <a:lstStyle/>
+                  <a:p>
+                    <a:r>
+                      <a:rPr lang="zh-CN" altLang="en-US">
+                        <a:noFill/>
+                      </a:rPr>
+                      <a:t> </a:t>
+                    </a:r>
+                  </a:p>
+                </p:txBody>
+              </p:sp>
+            </mc:Fallback>
+          </mc:AlternateContent>
+          <p:sp>
+            <p:nvSpPr>
+              <p:cNvPr id="50" name="平行四边形 49"/>
+              <p:cNvSpPr/>
+              <p:nvPr/>
+            </p:nvSpPr>
+            <p:spPr>
+              <a:xfrm rot="15927846" flipH="1">
+                <a:off x="6394996" y="3687431"/>
+                <a:ext cx="144562" cy="134933"/>
+              </a:xfrm>
+              <a:prstGeom prst="parallelogram">
+                <a:avLst/>
+              </a:prstGeom>
+              <a:noFill/>
+              <a:ln w="12700">
+                <a:solidFill>
+                  <a:srgbClr val="0070C0"/>
+                </a:solidFill>
+              </a:ln>
+            </p:spPr>
+            <p:style>
+              <a:lnRef idx="2">
+                <a:schemeClr val="accent1">
+                  <a:shade val="50000"/>
+                </a:schemeClr>
+              </a:lnRef>
+              <a:fillRef idx="1">
+                <a:schemeClr val="accent1"/>
+              </a:fillRef>
+              <a:effectRef idx="0">
+                <a:schemeClr val="accent1"/>
+              </a:effectRef>
+              <a:fontRef idx="minor">
+                <a:schemeClr val="lt1"/>
+              </a:fontRef>
+            </p:style>
+            <p:txBody>
+              <a:bodyPr rtlCol="0" anchor="ctr"/>
+              <a:lstStyle/>
+              <a:p>
+                <a:pPr algn="ctr"/>
+                <a:endParaRPr lang="zh-CN" altLang="en-US"/>
+              </a:p>
+            </p:txBody>
+          </p:sp>
+          <p:cxnSp>
+            <p:nvCxnSpPr>
+              <p:cNvPr id="51" name="直接箭头连接符 50"/>
+              <p:cNvCxnSpPr>
+                <a:stCxn id="49" idx="5"/>
+              </p:cNvCxnSpPr>
+              <p:nvPr/>
+            </p:nvCxnSpPr>
+            <p:spPr>
+              <a:xfrm>
+                <a:off x="5269089" y="2962352"/>
+                <a:ext cx="1201642" cy="798903"/>
+              </a:xfrm>
+              <a:prstGeom prst="straightConnector1">
+                <a:avLst/>
+              </a:prstGeom>
+              <a:ln>
+                <a:tailEnd type="triangle"/>
+              </a:ln>
+            </p:spPr>
+            <p:style>
+              <a:lnRef idx="1">
+                <a:schemeClr val="dk1"/>
+              </a:lnRef>
+              <a:fillRef idx="0">
+                <a:schemeClr val="dk1"/>
+              </a:fillRef>
+              <a:effectRef idx="0">
+                <a:schemeClr val="dk1"/>
+              </a:effectRef>
+              <a:fontRef idx="minor">
+                <a:schemeClr val="tx1"/>
+              </a:fontRef>
+            </p:style>
+          </p:cxnSp>
+          <p:cxnSp>
+            <p:nvCxnSpPr>
+              <p:cNvPr id="57" name="直接箭头连接符 56"/>
+              <p:cNvCxnSpPr/>
+              <p:nvPr/>
+            </p:nvCxnSpPr>
+            <p:spPr>
+              <a:xfrm>
+                <a:off x="5166750" y="3566001"/>
+                <a:ext cx="206951" cy="345720"/>
+              </a:xfrm>
+              <a:prstGeom prst="straightConnector1">
+                <a:avLst/>
+              </a:prstGeom>
+              <a:ln>
+                <a:prstDash val="dash"/>
+                <a:tailEnd type="triangle"/>
+              </a:ln>
+            </p:spPr>
+            <p:style>
+              <a:lnRef idx="1">
+                <a:schemeClr val="dk1"/>
+              </a:lnRef>
+              <a:fillRef idx="0">
+                <a:schemeClr val="dk1"/>
+              </a:fillRef>
+              <a:effectRef idx="0">
+                <a:schemeClr val="dk1"/>
+              </a:effectRef>
+              <a:fontRef idx="minor">
+                <a:schemeClr val="tx1"/>
+              </a:fontRef>
+            </p:style>
+          </p:cxnSp>
+          <p:cxnSp>
+            <p:nvCxnSpPr>
+              <p:cNvPr id="59" name="直接箭头连接符 58"/>
+              <p:cNvCxnSpPr/>
+              <p:nvPr/>
+            </p:nvCxnSpPr>
+            <p:spPr>
+              <a:xfrm>
+                <a:off x="4942229" y="3731434"/>
+                <a:ext cx="269565" cy="275538"/>
+              </a:xfrm>
+              <a:prstGeom prst="straightConnector1">
+                <a:avLst/>
+              </a:prstGeom>
+              <a:ln>
+                <a:prstDash val="dash"/>
+                <a:tailEnd type="triangle"/>
+              </a:ln>
+            </p:spPr>
+            <p:style>
+              <a:lnRef idx="1">
+                <a:schemeClr val="dk1"/>
+              </a:lnRef>
+              <a:fillRef idx="0">
+                <a:schemeClr val="dk1"/>
+              </a:fillRef>
+              <a:effectRef idx="0">
+                <a:schemeClr val="dk1"/>
+              </a:effectRef>
+              <a:fontRef idx="minor">
+                <a:schemeClr val="tx1"/>
+              </a:fontRef>
+            </p:style>
+          </p:cxnSp>
+          <p:cxnSp>
+            <p:nvCxnSpPr>
+              <p:cNvPr id="62" name="直接箭头连接符 61"/>
+              <p:cNvCxnSpPr/>
+              <p:nvPr/>
+            </p:nvCxnSpPr>
+            <p:spPr>
+              <a:xfrm>
+                <a:off x="6131396" y="2840592"/>
+                <a:ext cx="268760" cy="259671"/>
+              </a:xfrm>
+              <a:prstGeom prst="straightConnector1">
+                <a:avLst/>
+              </a:prstGeom>
+              <a:ln>
+                <a:prstDash val="dash"/>
+                <a:tailEnd type="triangle"/>
+              </a:ln>
+            </p:spPr>
+            <p:style>
+              <a:lnRef idx="1">
+                <a:schemeClr val="dk1"/>
+              </a:lnRef>
+              <a:fillRef idx="0">
+                <a:schemeClr val="dk1"/>
+              </a:fillRef>
+              <a:effectRef idx="0">
+                <a:schemeClr val="dk1"/>
+              </a:effectRef>
+              <a:fontRef idx="minor">
+                <a:schemeClr val="tx1"/>
+              </a:fontRef>
+            </p:style>
+          </p:cxnSp>
+          <p:cxnSp>
+            <p:nvCxnSpPr>
+              <p:cNvPr id="64" name="直接箭头连接符 63"/>
+              <p:cNvCxnSpPr/>
+              <p:nvPr/>
+            </p:nvCxnSpPr>
+            <p:spPr>
+              <a:xfrm>
+                <a:off x="6360145" y="2744148"/>
+                <a:ext cx="356047" cy="151916"/>
+              </a:xfrm>
+              <a:prstGeom prst="straightConnector1">
+                <a:avLst/>
+              </a:prstGeom>
+              <a:ln>
+                <a:prstDash val="dash"/>
+                <a:tailEnd type="triangle"/>
+              </a:ln>
+            </p:spPr>
+            <p:style>
+              <a:lnRef idx="1">
+                <a:schemeClr val="dk1"/>
+              </a:lnRef>
+              <a:fillRef idx="0">
+                <a:schemeClr val="dk1"/>
+              </a:fillRef>
+              <a:effectRef idx="0">
+                <a:schemeClr val="dk1"/>
+              </a:effectRef>
+              <a:fontRef idx="minor">
+                <a:schemeClr val="tx1"/>
+              </a:fontRef>
+            </p:style>
+          </p:cxnSp>
+          <mc:AlternateContent xmlns:mc="http://schemas.openxmlformats.org/markup-compatibility/2006">
+            <mc:Choice xmlns:a14="http://schemas.microsoft.com/office/drawing/2010/main" Requires="a14">
+              <p:sp>
+                <p:nvSpPr>
+                  <p:cNvPr id="42" name="矩形 41"/>
+                  <p:cNvSpPr/>
+                  <p:nvPr/>
+                </p:nvSpPr>
+                <p:spPr>
+                  <a:xfrm>
+                    <a:off x="6416142" y="3697354"/>
+                    <a:ext cx="362728" cy="277192"/>
+                  </a:xfrm>
+                  <a:prstGeom prst="rect">
+                    <a:avLst/>
+                  </a:prstGeom>
+                </p:spPr>
+                <p:txBody>
+                  <a:bodyPr wrap="none">
+                    <a:spAutoFit/>
+                  </a:bodyPr>
+                  <a:lstStyle/>
+                  <a:p>
+                    <a14:m>
+                      <m:oMathPara xmlns:m="http://schemas.openxmlformats.org/officeDocument/2006/math">
+                        <m:oMathParaPr>
+                          <m:jc m:val="centerGroup"/>
+                        </m:oMathParaPr>
+                        <m:oMath xmlns:m="http://schemas.openxmlformats.org/officeDocument/2006/math">
+                          <m:sSubSup>
+                            <m:sSubSupPr>
+                              <m:ctrlPr>
+                                <a:rPr lang="zh-CN" altLang="en-US" sz="1200">
+                                  <a:latin typeface="Cambria Math" panose="02040503050406030204" pitchFamily="18" charset="0"/>
+                                </a:rPr>
+                              </m:ctrlPr>
+                            </m:sSubSupPr>
+                            <m:e>
+                              <m:r>
+                                <a:rPr lang="zh-CN" altLang="en-US" sz="1200" i="1">
+                                  <a:latin typeface="Cambria Math" panose="02040503050406030204" pitchFamily="18" charset="0"/>
+                                </a:rPr>
+                                <m:t>𝑝</m:t>
+                              </m:r>
+                            </m:e>
+                            <m:sub>
+                              <m:r>
+                                <a:rPr lang="zh-CN" altLang="en-US" sz="1200" i="1">
+                                  <a:latin typeface="Cambria Math" panose="02040503050406030204" pitchFamily="18" charset="0"/>
+                                </a:rPr>
+                                <m:t>𝑖</m:t>
+                              </m:r>
+                            </m:sub>
+                            <m:sup>
+                              <m:r>
+                                <a:rPr lang="zh-CN" altLang="en-US" sz="1200" i="0">
+                                  <a:latin typeface="Cambria Math" panose="02040503050406030204" pitchFamily="18" charset="0"/>
+                                </a:rPr>
+                                <m:t>′</m:t>
+                              </m:r>
+                            </m:sup>
+                          </m:sSubSup>
+                        </m:oMath>
+                      </m:oMathPara>
+                    </a14:m>
+                    <a:endParaRPr lang="zh-CN" altLang="en-US" dirty="0"/>
+                  </a:p>
+                </p:txBody>
+              </p:sp>
+            </mc:Choice>
+            <mc:Fallback>
+              <p:sp>
+                <p:nvSpPr>
+                  <p:cNvPr id="42" name="矩形 41"/>
+                  <p:cNvSpPr>
+                    <a:spLocks noRot="1" noChangeAspect="1" noMove="1" noResize="1" noEditPoints="1" noAdjustHandles="1" noChangeArrowheads="1" noChangeShapeType="1" noTextEdit="1"/>
+                  </p:cNvSpPr>
+                  <p:nvPr/>
+                </p:nvSpPr>
+                <p:spPr>
+                  <a:xfrm>
+                    <a:off x="6416142" y="3697354"/>
+                    <a:ext cx="362728" cy="277192"/>
+                  </a:xfrm>
+                  <a:prstGeom prst="rect">
+                    <a:avLst/>
+                  </a:prstGeom>
+                  <a:blipFill>
+                    <a:blip r:embed="rId21"/>
+                    <a:stretch>
+                      <a:fillRect/>
+                    </a:stretch>
+                  </a:blipFill>
+                </p:spPr>
+                <p:txBody>
+                  <a:bodyPr/>
+                  <a:lstStyle/>
+                  <a:p>
+                    <a:r>
+                      <a:rPr lang="zh-CN" altLang="en-US">
+                        <a:noFill/>
+                      </a:rPr>
+                      <a:t> </a:t>
+                    </a:r>
+                  </a:p>
+                </p:txBody>
+              </p:sp>
+            </mc:Fallback>
+          </mc:AlternateContent>
+        </p:grpSp>
+        <p:sp>
+          <p:nvSpPr>
+            <p:cNvPr id="70" name="文本框 69"/>
+            <p:cNvSpPr txBox="1"/>
+            <p:nvPr/>
+          </p:nvSpPr>
+          <p:spPr>
+            <a:xfrm>
+              <a:off x="4107715" y="2481310"/>
+              <a:ext cx="865943" cy="276999"/>
+            </a:xfrm>
+            <a:prstGeom prst="rect">
+              <a:avLst/>
+            </a:prstGeom>
+            <a:noFill/>
+          </p:spPr>
+          <p:txBody>
+            <a:bodyPr wrap="none" rtlCol="0">
+              <a:spAutoFit/>
+            </a:bodyPr>
+            <a:lstStyle/>
+            <a:p>
+              <a:r>
+                <a:rPr lang="en-US" altLang="zh-CN" sz="1200" dirty="0" smtClean="0">
+                  <a:latin typeface="Times New Roman" panose="02020603050405020304" pitchFamily="18" charset="0"/>
+                  <a:cs typeface="Times New Roman" panose="02020603050405020304" pitchFamily="18" charset="0"/>
+                </a:rPr>
+                <a:t>map points</a:t>
+              </a:r>
+              <a:endParaRPr lang="zh-CN" altLang="en-US" sz="1000" dirty="0">
+                <a:latin typeface="Times New Roman" panose="02020603050405020304" pitchFamily="18" charset="0"/>
+                <a:cs typeface="Times New Roman" panose="02020603050405020304" pitchFamily="18" charset="0"/>
+              </a:endParaRPr>
+            </a:p>
+          </p:txBody>
+        </p:sp>
+      </p:grpSp>
+    </p:spTree>
+    <p:extLst>
+      <p:ext uri="{BB962C8B-B14F-4D97-AF65-F5344CB8AC3E}">
+        <p14:creationId xmlns:p14="http://schemas.microsoft.com/office/powerpoint/2010/main" val="1229209681"/>
       </p:ext>
     </p:extLst>
   </p:cSld>

--- a/image_of_paper.pptx
+++ b/image_of_paper.pptx
@@ -5,13 +5,15 @@
     <p:sldMasterId id="2147483648" r:id="rId1"/>
   </p:sldMasterIdLst>
   <p:notesMasterIdLst>
-    <p:notesMasterId r:id="rId6"/>
+    <p:notesMasterId r:id="rId8"/>
   </p:notesMasterIdLst>
   <p:sldIdLst>
     <p:sldId id="256" r:id="rId2"/>
     <p:sldId id="257" r:id="rId3"/>
     <p:sldId id="258" r:id="rId4"/>
     <p:sldId id="259" r:id="rId5"/>
+    <p:sldId id="260" r:id="rId6"/>
+    <p:sldId id="261" r:id="rId7"/>
   </p:sldIdLst>
   <p:sldSz cx="12192000" cy="6858000"/>
   <p:notesSz cx="6858000" cy="9144000"/>
@@ -3985,7 +3987,7 @@
                   <a:graphicData uri="http://schemas.openxmlformats.org/presentationml/2006/ole">
                     <mc:AlternateContent>
                       <mc:Choice xmlns:v="urn:schemas-microsoft-com:vml" Requires="v">
-                        <p:oleObj spid="_x0000_s1144" name="Equation" r:id="rId5" imgW="330120" imgH="241200" progId="Equation.DSMT4">
+                        <p:oleObj spid="_x0000_s1160" name="Equation" r:id="rId5" imgW="330120" imgH="241200" progId="Equation.DSMT4">
                           <p:embed/>
                         </p:oleObj>
                       </mc:Choice>
@@ -4105,7 +4107,7 @@
                   <a:graphicData uri="http://schemas.openxmlformats.org/presentationml/2006/ole">
                     <mc:AlternateContent>
                       <mc:Choice xmlns:v="urn:schemas-microsoft-com:vml" Requires="v">
-                        <p:oleObj spid="_x0000_s1145" name="Equation" r:id="rId9" imgW="520560" imgH="228600" progId="Equation.DSMT4">
+                        <p:oleObj spid="_x0000_s1161" name="Equation" r:id="rId9" imgW="520560" imgH="228600" progId="Equation.DSMT4">
                           <p:embed/>
                         </p:oleObj>
                       </mc:Choice>
@@ -7507,7 +7509,7 @@
                 <a:graphicData uri="http://schemas.openxmlformats.org/presentationml/2006/ole">
                   <mc:AlternateContent>
                     <mc:Choice xmlns:v="urn:schemas-microsoft-com:vml" Requires="v">
-                      <p:oleObj spid="_x0000_s2139" name="Equation" r:id="rId12" imgW="164880" imgH="190440" progId="Equation.DSMT4">
+                      <p:oleObj spid="_x0000_s2155" name="Equation" r:id="rId12" imgW="164880" imgH="190440" progId="Equation.DSMT4">
                         <p:embed/>
                       </p:oleObj>
                     </mc:Choice>
@@ -7627,7 +7629,7 @@
                 <a:graphicData uri="http://schemas.openxmlformats.org/presentationml/2006/ole">
                   <mc:AlternateContent>
                     <mc:Choice xmlns:v="urn:schemas-microsoft-com:vml" Requires="v">
-                      <p:oleObj spid="_x0000_s2140" name="Equation" r:id="rId16" imgW="152280" imgH="164880" progId="Equation.DSMT4">
+                      <p:oleObj spid="_x0000_s2156" name="Equation" r:id="rId16" imgW="152280" imgH="164880" progId="Equation.DSMT4">
                         <p:embed/>
                       </p:oleObj>
                     </mc:Choice>
@@ -9754,7 +9756,7 @@
                   <p:nvPr>
                     <p:extLst>
                       <p:ext uri="{D42A27DB-BD31-4B8C-83A1-F6EECF244321}">
-                        <p14:modId xmlns:p14="http://schemas.microsoft.com/office/powerpoint/2010/main" val="1237132569"/>
+                        <p14:modId xmlns:p14="http://schemas.microsoft.com/office/powerpoint/2010/main" val="3413072972"/>
                       </p:ext>
                     </p:extLst>
                   </p:nvPr>
@@ -9767,7 +9769,7 @@
                   <a:graphicData uri="http://schemas.openxmlformats.org/presentationml/2006/ole">
                     <mc:AlternateContent>
                       <mc:Choice xmlns:v="urn:schemas-microsoft-com:vml" Requires="v">
-                        <p:oleObj spid="_x0000_s3096" name="Equation" r:id="rId4" imgW="241200" imgH="241200" progId="Equation.DSMT4">
+                        <p:oleObj spid="_x0000_s3112" name="Equation" r:id="rId4" imgW="241200" imgH="241200" progId="Equation.DSMT4">
                           <p:embed/>
                         </p:oleObj>
                       </mc:Choice>
@@ -9813,7 +9815,7 @@
                   <p:nvPr>
                     <p:extLst>
                       <p:ext uri="{D42A27DB-BD31-4B8C-83A1-F6EECF244321}">
-                        <p14:modId xmlns:p14="http://schemas.microsoft.com/office/powerpoint/2010/main" val="1237132569"/>
+                        <p14:modId xmlns:p14="http://schemas.microsoft.com/office/powerpoint/2010/main" val="3413072972"/>
                       </p:ext>
                     </p:extLst>
                   </p:nvPr>
@@ -9826,7 +9828,7 @@
                   <a:graphicData uri="http://schemas.openxmlformats.org/presentationml/2006/ole">
                     <mc:AlternateContent>
                       <mc:Choice xmlns:v="urn:schemas-microsoft-com:vml" Requires="v">
-                        <p:oleObj spid="_x0000_s3096" name="Equation" r:id="rId4" imgW="241200" imgH="241200" progId="Equation.DSMT4">
+                        <p:oleObj spid="_x0000_s3112" name="Equation" r:id="rId4" imgW="241200" imgH="241200" progId="Equation.DSMT4">
                           <p:embed/>
                         </p:oleObj>
                       </mc:Choice>
@@ -9887,7 +9889,7 @@
                   <a:graphicData uri="http://schemas.openxmlformats.org/presentationml/2006/ole">
                     <mc:AlternateContent>
                       <mc:Choice xmlns:v="urn:schemas-microsoft-com:vml" Requires="v">
-                        <p:oleObj spid="_x0000_s3097" name="Equation" r:id="rId6" imgW="520560" imgH="228600" progId="Equation.DSMT4">
+                        <p:oleObj spid="_x0000_s3113" name="Equation" r:id="rId6" imgW="520560" imgH="228600" progId="Equation.DSMT4">
                           <p:embed/>
                         </p:oleObj>
                       </mc:Choice>
@@ -9946,7 +9948,7 @@
                   <a:graphicData uri="http://schemas.openxmlformats.org/presentationml/2006/ole">
                     <mc:AlternateContent>
                       <mc:Choice xmlns:v="urn:schemas-microsoft-com:vml" Requires="v">
-                        <p:oleObj spid="_x0000_s3097" name="Equation" r:id="rId6" imgW="520560" imgH="228600" progId="Equation.DSMT4">
+                        <p:oleObj spid="_x0000_s3113" name="Equation" r:id="rId6" imgW="520560" imgH="228600" progId="Equation.DSMT4">
                           <p:embed/>
                         </p:oleObj>
                       </mc:Choice>
@@ -11860,6 +11862,3280 @@
 </p:sld>
 </file>
 
+<file path=ppt/slides/slide5.xml><?xml version="1.0" encoding="utf-8"?>
+<p:sld xmlns:a="http://schemas.openxmlformats.org/drawingml/2006/main" xmlns:r="http://schemas.openxmlformats.org/officeDocument/2006/relationships" xmlns:p="http://schemas.openxmlformats.org/presentationml/2006/main">
+  <p:cSld>
+    <p:spTree>
+      <p:nvGrpSpPr>
+        <p:cNvPr id="1" name=""/>
+        <p:cNvGrpSpPr/>
+        <p:nvPr/>
+      </p:nvGrpSpPr>
+      <p:grpSpPr>
+        <a:xfrm>
+          <a:off x="0" y="0"/>
+          <a:ext cx="0" cy="0"/>
+          <a:chOff x="0" y="0"/>
+          <a:chExt cx="0" cy="0"/>
+        </a:xfrm>
+      </p:grpSpPr>
+      <p:grpSp>
+        <p:nvGrpSpPr>
+          <p:cNvPr id="71" name="组合 70"/>
+          <p:cNvGrpSpPr/>
+          <p:nvPr/>
+        </p:nvGrpSpPr>
+        <p:grpSpPr>
+          <a:xfrm>
+            <a:off x="3488963" y="2674946"/>
+            <a:ext cx="3448869" cy="1910502"/>
+            <a:chOff x="3488963" y="2674946"/>
+            <a:chExt cx="3448869" cy="1910502"/>
+          </a:xfrm>
+        </p:grpSpPr>
+        <p:grpSp>
+          <p:nvGrpSpPr>
+            <p:cNvPr id="6" name="组合 5"/>
+            <p:cNvGrpSpPr/>
+            <p:nvPr/>
+          </p:nvGrpSpPr>
+          <p:grpSpPr>
+            <a:xfrm>
+              <a:off x="3667228" y="3326996"/>
+              <a:ext cx="420500" cy="343828"/>
+              <a:chOff x="3615559" y="3126092"/>
+              <a:chExt cx="420500" cy="343828"/>
+            </a:xfrm>
+          </p:grpSpPr>
+          <p:sp>
+            <p:nvSpPr>
+              <p:cNvPr id="4" name="椭圆 3"/>
+              <p:cNvSpPr/>
+              <p:nvPr/>
+            </p:nvSpPr>
+            <p:spPr>
+              <a:xfrm>
+                <a:off x="3641878" y="3126092"/>
+                <a:ext cx="346841" cy="343828"/>
+              </a:xfrm>
+              <a:prstGeom prst="ellipse">
+                <a:avLst/>
+              </a:prstGeom>
+              <a:noFill/>
+              <a:ln w="19050">
+                <a:solidFill>
+                  <a:schemeClr val="tx1"/>
+                </a:solidFill>
+              </a:ln>
+            </p:spPr>
+            <p:style>
+              <a:lnRef idx="2">
+                <a:schemeClr val="accent1">
+                  <a:shade val="50000"/>
+                </a:schemeClr>
+              </a:lnRef>
+              <a:fillRef idx="1">
+                <a:schemeClr val="accent1"/>
+              </a:fillRef>
+              <a:effectRef idx="0">
+                <a:schemeClr val="accent1"/>
+              </a:effectRef>
+              <a:fontRef idx="minor">
+                <a:schemeClr val="lt1"/>
+              </a:fontRef>
+            </p:style>
+            <p:txBody>
+              <a:bodyPr rtlCol="0" anchor="ctr"/>
+              <a:lstStyle/>
+              <a:p>
+                <a:pPr algn="ctr"/>
+                <a:endParaRPr lang="zh-CN" altLang="en-US"/>
+              </a:p>
+            </p:txBody>
+          </p:sp>
+          <mc:AlternateContent xmlns:mc="http://schemas.openxmlformats.org/markup-compatibility/2006">
+            <mc:Choice xmlns:a14="http://schemas.microsoft.com/office/drawing/2010/main" Requires="a14">
+              <p:sp>
+                <p:nvSpPr>
+                  <p:cNvPr id="5" name="矩形 4"/>
+                  <p:cNvSpPr/>
+                  <p:nvPr/>
+                </p:nvSpPr>
+                <p:spPr>
+                  <a:xfrm>
+                    <a:off x="3615559" y="3126092"/>
+                    <a:ext cx="420500" cy="307777"/>
+                  </a:xfrm>
+                  <a:prstGeom prst="rect">
+                    <a:avLst/>
+                  </a:prstGeom>
+                </p:spPr>
+                <p:txBody>
+                  <a:bodyPr wrap="none">
+                    <a:spAutoFit/>
+                  </a:bodyPr>
+                  <a:lstStyle/>
+                  <a:p>
+                    <a14:m>
+                      <m:oMathPara xmlns:m="http://schemas.openxmlformats.org/officeDocument/2006/math">
+                        <m:oMathParaPr>
+                          <m:jc m:val="centerGroup"/>
+                        </m:oMathParaPr>
+                        <m:oMath xmlns:m="http://schemas.openxmlformats.org/officeDocument/2006/math">
+                          <m:sSub>
+                            <m:sSubPr>
+                              <m:ctrlPr>
+                                <a:rPr lang="zh-CN" altLang="en-US" sz="1400">
+                                  <a:latin typeface="Cambria Math" panose="02040503050406030204" pitchFamily="18" charset="0"/>
+                                </a:rPr>
+                              </m:ctrlPr>
+                            </m:sSubPr>
+                            <m:e>
+                              <m:r>
+                                <a:rPr lang="zh-CN" altLang="en-US" sz="1400" i="1">
+                                  <a:latin typeface="Cambria Math" panose="02040503050406030204" pitchFamily="18" charset="0"/>
+                                </a:rPr>
+                                <m:t>𝑋</m:t>
+                              </m:r>
+                            </m:e>
+                            <m:sub>
+                              <m:r>
+                                <a:rPr lang="zh-CN" altLang="en-US" sz="1400" i="0">
+                                  <a:latin typeface="Cambria Math" panose="02040503050406030204" pitchFamily="18" charset="0"/>
+                                </a:rPr>
+                                <m:t>1</m:t>
+                              </m:r>
+                            </m:sub>
+                          </m:sSub>
+                        </m:oMath>
+                      </m:oMathPara>
+                    </a14:m>
+                    <a:endParaRPr lang="zh-CN" altLang="en-US" dirty="0"/>
+                  </a:p>
+                </p:txBody>
+              </p:sp>
+            </mc:Choice>
+            <mc:Fallback>
+              <p:sp>
+                <p:nvSpPr>
+                  <p:cNvPr id="5" name="矩形 4"/>
+                  <p:cNvSpPr>
+                    <a:spLocks noRot="1" noChangeAspect="1" noMove="1" noResize="1" noEditPoints="1" noAdjustHandles="1" noChangeArrowheads="1" noChangeShapeType="1" noTextEdit="1"/>
+                  </p:cNvSpPr>
+                  <p:nvPr/>
+                </p:nvSpPr>
+                <p:spPr>
+                  <a:xfrm>
+                    <a:off x="3615559" y="3126092"/>
+                    <a:ext cx="420500" cy="307777"/>
+                  </a:xfrm>
+                  <a:prstGeom prst="rect">
+                    <a:avLst/>
+                  </a:prstGeom>
+                  <a:blipFill>
+                    <a:blip r:embed="rId2"/>
+                    <a:stretch>
+                      <a:fillRect/>
+                    </a:stretch>
+                  </a:blipFill>
+                </p:spPr>
+                <p:txBody>
+                  <a:bodyPr/>
+                  <a:lstStyle/>
+                  <a:p>
+                    <a:r>
+                      <a:rPr lang="zh-CN" altLang="en-US">
+                        <a:noFill/>
+                      </a:rPr>
+                      <a:t> </a:t>
+                    </a:r>
+                  </a:p>
+                </p:txBody>
+              </p:sp>
+            </mc:Fallback>
+          </mc:AlternateContent>
+        </p:grpSp>
+        <p:grpSp>
+          <p:nvGrpSpPr>
+            <p:cNvPr id="7" name="组合 6"/>
+            <p:cNvGrpSpPr/>
+            <p:nvPr/>
+          </p:nvGrpSpPr>
+          <p:grpSpPr>
+            <a:xfrm>
+              <a:off x="4398581" y="2782264"/>
+              <a:ext cx="424668" cy="343828"/>
+              <a:chOff x="3615559" y="3126092"/>
+              <a:chExt cx="424668" cy="343828"/>
+            </a:xfrm>
+          </p:grpSpPr>
+          <p:sp>
+            <p:nvSpPr>
+              <p:cNvPr id="8" name="椭圆 7"/>
+              <p:cNvSpPr/>
+              <p:nvPr/>
+            </p:nvSpPr>
+            <p:spPr>
+              <a:xfrm>
+                <a:off x="3641878" y="3126092"/>
+                <a:ext cx="346841" cy="343828"/>
+              </a:xfrm>
+              <a:prstGeom prst="ellipse">
+                <a:avLst/>
+              </a:prstGeom>
+              <a:noFill/>
+              <a:ln w="19050">
+                <a:solidFill>
+                  <a:schemeClr val="tx1"/>
+                </a:solidFill>
+              </a:ln>
+            </p:spPr>
+            <p:style>
+              <a:lnRef idx="2">
+                <a:schemeClr val="accent1">
+                  <a:shade val="50000"/>
+                </a:schemeClr>
+              </a:lnRef>
+              <a:fillRef idx="1">
+                <a:schemeClr val="accent1"/>
+              </a:fillRef>
+              <a:effectRef idx="0">
+                <a:schemeClr val="accent1"/>
+              </a:effectRef>
+              <a:fontRef idx="minor">
+                <a:schemeClr val="lt1"/>
+              </a:fontRef>
+            </p:style>
+            <p:txBody>
+              <a:bodyPr rtlCol="0" anchor="ctr"/>
+              <a:lstStyle/>
+              <a:p>
+                <a:pPr algn="ctr"/>
+                <a:endParaRPr lang="zh-CN" altLang="en-US"/>
+              </a:p>
+            </p:txBody>
+          </p:sp>
+          <mc:AlternateContent xmlns:mc="http://schemas.openxmlformats.org/markup-compatibility/2006">
+            <mc:Choice xmlns:a14="http://schemas.microsoft.com/office/drawing/2010/main" Requires="a14">
+              <p:sp>
+                <p:nvSpPr>
+                  <p:cNvPr id="9" name="矩形 8"/>
+                  <p:cNvSpPr/>
+                  <p:nvPr/>
+                </p:nvSpPr>
+                <p:spPr>
+                  <a:xfrm>
+                    <a:off x="3615559" y="3126092"/>
+                    <a:ext cx="424668" cy="307777"/>
+                  </a:xfrm>
+                  <a:prstGeom prst="rect">
+                    <a:avLst/>
+                  </a:prstGeom>
+                </p:spPr>
+                <p:txBody>
+                  <a:bodyPr wrap="none">
+                    <a:spAutoFit/>
+                  </a:bodyPr>
+                  <a:lstStyle/>
+                  <a:p>
+                    <a14:m>
+                      <m:oMathPara xmlns:m="http://schemas.openxmlformats.org/officeDocument/2006/math">
+                        <m:oMathParaPr>
+                          <m:jc m:val="centerGroup"/>
+                        </m:oMathParaPr>
+                        <m:oMath xmlns:m="http://schemas.openxmlformats.org/officeDocument/2006/math">
+                          <m:sSub>
+                            <m:sSubPr>
+                              <m:ctrlPr>
+                                <a:rPr lang="zh-CN" altLang="en-US" sz="1400" smtClean="0">
+                                  <a:latin typeface="Cambria Math" panose="02040503050406030204" pitchFamily="18" charset="0"/>
+                                </a:rPr>
+                              </m:ctrlPr>
+                            </m:sSubPr>
+                            <m:e>
+                              <m:r>
+                                <a:rPr lang="zh-CN" altLang="en-US" sz="1400" i="1">
+                                  <a:latin typeface="Cambria Math" panose="02040503050406030204" pitchFamily="18" charset="0"/>
+                                </a:rPr>
+                                <m:t>𝑋</m:t>
+                              </m:r>
+                            </m:e>
+                            <m:sub>
+                              <m:r>
+                                <a:rPr lang="en-US" altLang="zh-CN" sz="1400" b="0" i="0" smtClean="0">
+                                  <a:latin typeface="Cambria Math" panose="02040503050406030204" pitchFamily="18" charset="0"/>
+                                </a:rPr>
+                                <m:t>2</m:t>
+                              </m:r>
+                            </m:sub>
+                          </m:sSub>
+                        </m:oMath>
+                      </m:oMathPara>
+                    </a14:m>
+                    <a:endParaRPr lang="zh-CN" altLang="en-US" dirty="0"/>
+                  </a:p>
+                </p:txBody>
+              </p:sp>
+            </mc:Choice>
+            <mc:Fallback>
+              <p:sp>
+                <p:nvSpPr>
+                  <p:cNvPr id="9" name="矩形 8"/>
+                  <p:cNvSpPr>
+                    <a:spLocks noRot="1" noChangeAspect="1" noMove="1" noResize="1" noEditPoints="1" noAdjustHandles="1" noChangeArrowheads="1" noChangeShapeType="1" noTextEdit="1"/>
+                  </p:cNvSpPr>
+                  <p:nvPr/>
+                </p:nvSpPr>
+                <p:spPr>
+                  <a:xfrm>
+                    <a:off x="3615559" y="3126092"/>
+                    <a:ext cx="424668" cy="307777"/>
+                  </a:xfrm>
+                  <a:prstGeom prst="rect">
+                    <a:avLst/>
+                  </a:prstGeom>
+                  <a:blipFill>
+                    <a:blip r:embed="rId3"/>
+                    <a:stretch>
+                      <a:fillRect/>
+                    </a:stretch>
+                  </a:blipFill>
+                </p:spPr>
+                <p:txBody>
+                  <a:bodyPr/>
+                  <a:lstStyle/>
+                  <a:p>
+                    <a:r>
+                      <a:rPr lang="zh-CN" altLang="en-US">
+                        <a:noFill/>
+                      </a:rPr>
+                      <a:t> </a:t>
+                    </a:r>
+                  </a:p>
+                </p:txBody>
+              </p:sp>
+            </mc:Fallback>
+          </mc:AlternateContent>
+        </p:grpSp>
+        <p:grpSp>
+          <p:nvGrpSpPr>
+            <p:cNvPr id="10" name="组合 9"/>
+            <p:cNvGrpSpPr/>
+            <p:nvPr/>
+          </p:nvGrpSpPr>
+          <p:grpSpPr>
+            <a:xfrm>
+              <a:off x="5370788" y="2737245"/>
+              <a:ext cx="424668" cy="343828"/>
+              <a:chOff x="3615559" y="3126092"/>
+              <a:chExt cx="424668" cy="343828"/>
+            </a:xfrm>
+          </p:grpSpPr>
+          <p:sp>
+            <p:nvSpPr>
+              <p:cNvPr id="11" name="椭圆 10"/>
+              <p:cNvSpPr/>
+              <p:nvPr/>
+            </p:nvSpPr>
+            <p:spPr>
+              <a:xfrm>
+                <a:off x="3641878" y="3126092"/>
+                <a:ext cx="346841" cy="343828"/>
+              </a:xfrm>
+              <a:prstGeom prst="ellipse">
+                <a:avLst/>
+              </a:prstGeom>
+              <a:noFill/>
+              <a:ln w="19050">
+                <a:solidFill>
+                  <a:schemeClr val="tx1"/>
+                </a:solidFill>
+              </a:ln>
+            </p:spPr>
+            <p:style>
+              <a:lnRef idx="2">
+                <a:schemeClr val="accent1">
+                  <a:shade val="50000"/>
+                </a:schemeClr>
+              </a:lnRef>
+              <a:fillRef idx="1">
+                <a:schemeClr val="accent1"/>
+              </a:fillRef>
+              <a:effectRef idx="0">
+                <a:schemeClr val="accent1"/>
+              </a:effectRef>
+              <a:fontRef idx="minor">
+                <a:schemeClr val="lt1"/>
+              </a:fontRef>
+            </p:style>
+            <p:txBody>
+              <a:bodyPr rtlCol="0" anchor="ctr"/>
+              <a:lstStyle/>
+              <a:p>
+                <a:pPr algn="ctr"/>
+                <a:endParaRPr lang="zh-CN" altLang="en-US"/>
+              </a:p>
+            </p:txBody>
+          </p:sp>
+          <mc:AlternateContent xmlns:mc="http://schemas.openxmlformats.org/markup-compatibility/2006">
+            <mc:Choice xmlns:a14="http://schemas.microsoft.com/office/drawing/2010/main" Requires="a14">
+              <p:sp>
+                <p:nvSpPr>
+                  <p:cNvPr id="12" name="矩形 11"/>
+                  <p:cNvSpPr/>
+                  <p:nvPr/>
+                </p:nvSpPr>
+                <p:spPr>
+                  <a:xfrm>
+                    <a:off x="3615559" y="3126092"/>
+                    <a:ext cx="424668" cy="307777"/>
+                  </a:xfrm>
+                  <a:prstGeom prst="rect">
+                    <a:avLst/>
+                  </a:prstGeom>
+                </p:spPr>
+                <p:txBody>
+                  <a:bodyPr wrap="none">
+                    <a:spAutoFit/>
+                  </a:bodyPr>
+                  <a:lstStyle/>
+                  <a:p>
+                    <a14:m>
+                      <m:oMathPara xmlns:m="http://schemas.openxmlformats.org/officeDocument/2006/math">
+                        <m:oMathParaPr>
+                          <m:jc m:val="centerGroup"/>
+                        </m:oMathParaPr>
+                        <m:oMath xmlns:m="http://schemas.openxmlformats.org/officeDocument/2006/math">
+                          <m:sSub>
+                            <m:sSubPr>
+                              <m:ctrlPr>
+                                <a:rPr lang="zh-CN" altLang="en-US" sz="1400" smtClean="0">
+                                  <a:latin typeface="Cambria Math" panose="02040503050406030204" pitchFamily="18" charset="0"/>
+                                </a:rPr>
+                              </m:ctrlPr>
+                            </m:sSubPr>
+                            <m:e>
+                              <m:r>
+                                <a:rPr lang="zh-CN" altLang="en-US" sz="1400" i="1">
+                                  <a:latin typeface="Cambria Math" panose="02040503050406030204" pitchFamily="18" charset="0"/>
+                                </a:rPr>
+                                <m:t>𝑋</m:t>
+                              </m:r>
+                            </m:e>
+                            <m:sub>
+                              <m:r>
+                                <a:rPr lang="en-US" altLang="zh-CN" sz="1400" b="0" i="0" smtClean="0">
+                                  <a:latin typeface="Cambria Math" panose="02040503050406030204" pitchFamily="18" charset="0"/>
+                                </a:rPr>
+                                <m:t>3</m:t>
+                              </m:r>
+                            </m:sub>
+                          </m:sSub>
+                        </m:oMath>
+                      </m:oMathPara>
+                    </a14:m>
+                    <a:endParaRPr lang="zh-CN" altLang="en-US" dirty="0"/>
+                  </a:p>
+                </p:txBody>
+              </p:sp>
+            </mc:Choice>
+            <mc:Fallback>
+              <p:sp>
+                <p:nvSpPr>
+                  <p:cNvPr id="12" name="矩形 11"/>
+                  <p:cNvSpPr>
+                    <a:spLocks noRot="1" noChangeAspect="1" noMove="1" noResize="1" noEditPoints="1" noAdjustHandles="1" noChangeArrowheads="1" noChangeShapeType="1" noTextEdit="1"/>
+                  </p:cNvSpPr>
+                  <p:nvPr/>
+                </p:nvSpPr>
+                <p:spPr>
+                  <a:xfrm>
+                    <a:off x="3615559" y="3126092"/>
+                    <a:ext cx="424668" cy="307777"/>
+                  </a:xfrm>
+                  <a:prstGeom prst="rect">
+                    <a:avLst/>
+                  </a:prstGeom>
+                  <a:blipFill>
+                    <a:blip r:embed="rId4"/>
+                    <a:stretch>
+                      <a:fillRect/>
+                    </a:stretch>
+                  </a:blipFill>
+                </p:spPr>
+                <p:txBody>
+                  <a:bodyPr/>
+                  <a:lstStyle/>
+                  <a:p>
+                    <a:r>
+                      <a:rPr lang="zh-CN" altLang="en-US">
+                        <a:noFill/>
+                      </a:rPr>
+                      <a:t> </a:t>
+                    </a:r>
+                  </a:p>
+                </p:txBody>
+              </p:sp>
+            </mc:Fallback>
+          </mc:AlternateContent>
+        </p:grpSp>
+        <p:grpSp>
+          <p:nvGrpSpPr>
+            <p:cNvPr id="13" name="组合 12"/>
+            <p:cNvGrpSpPr/>
+            <p:nvPr/>
+          </p:nvGrpSpPr>
+          <p:grpSpPr>
+            <a:xfrm>
+              <a:off x="6182169" y="2873108"/>
+              <a:ext cx="424668" cy="343828"/>
+              <a:chOff x="3615559" y="3126092"/>
+              <a:chExt cx="424668" cy="343828"/>
+            </a:xfrm>
+          </p:grpSpPr>
+          <p:sp>
+            <p:nvSpPr>
+              <p:cNvPr id="14" name="椭圆 13"/>
+              <p:cNvSpPr/>
+              <p:nvPr/>
+            </p:nvSpPr>
+            <p:spPr>
+              <a:xfrm>
+                <a:off x="3641878" y="3126092"/>
+                <a:ext cx="346841" cy="343828"/>
+              </a:xfrm>
+              <a:prstGeom prst="ellipse">
+                <a:avLst/>
+              </a:prstGeom>
+              <a:noFill/>
+              <a:ln w="19050">
+                <a:solidFill>
+                  <a:schemeClr val="tx1"/>
+                </a:solidFill>
+              </a:ln>
+            </p:spPr>
+            <p:style>
+              <a:lnRef idx="2">
+                <a:schemeClr val="accent1">
+                  <a:shade val="50000"/>
+                </a:schemeClr>
+              </a:lnRef>
+              <a:fillRef idx="1">
+                <a:schemeClr val="accent1"/>
+              </a:fillRef>
+              <a:effectRef idx="0">
+                <a:schemeClr val="accent1"/>
+              </a:effectRef>
+              <a:fontRef idx="minor">
+                <a:schemeClr val="lt1"/>
+              </a:fontRef>
+            </p:style>
+            <p:txBody>
+              <a:bodyPr rtlCol="0" anchor="ctr"/>
+              <a:lstStyle/>
+              <a:p>
+                <a:pPr algn="ctr"/>
+                <a:endParaRPr lang="zh-CN" altLang="en-US"/>
+              </a:p>
+            </p:txBody>
+          </p:sp>
+          <mc:AlternateContent xmlns:mc="http://schemas.openxmlformats.org/markup-compatibility/2006">
+            <mc:Choice xmlns:a14="http://schemas.microsoft.com/office/drawing/2010/main" Requires="a14">
+              <p:sp>
+                <p:nvSpPr>
+                  <p:cNvPr id="15" name="矩形 14"/>
+                  <p:cNvSpPr/>
+                  <p:nvPr/>
+                </p:nvSpPr>
+                <p:spPr>
+                  <a:xfrm>
+                    <a:off x="3615559" y="3126092"/>
+                    <a:ext cx="424668" cy="307777"/>
+                  </a:xfrm>
+                  <a:prstGeom prst="rect">
+                    <a:avLst/>
+                  </a:prstGeom>
+                </p:spPr>
+                <p:txBody>
+                  <a:bodyPr wrap="none">
+                    <a:spAutoFit/>
+                  </a:bodyPr>
+                  <a:lstStyle/>
+                  <a:p>
+                    <a14:m>
+                      <m:oMathPara xmlns:m="http://schemas.openxmlformats.org/officeDocument/2006/math">
+                        <m:oMathParaPr>
+                          <m:jc m:val="centerGroup"/>
+                        </m:oMathParaPr>
+                        <m:oMath xmlns:m="http://schemas.openxmlformats.org/officeDocument/2006/math">
+                          <m:sSub>
+                            <m:sSubPr>
+                              <m:ctrlPr>
+                                <a:rPr lang="zh-CN" altLang="en-US" sz="1400" smtClean="0">
+                                  <a:latin typeface="Cambria Math" panose="02040503050406030204" pitchFamily="18" charset="0"/>
+                                </a:rPr>
+                              </m:ctrlPr>
+                            </m:sSubPr>
+                            <m:e>
+                              <m:r>
+                                <a:rPr lang="zh-CN" altLang="en-US" sz="1400" i="1">
+                                  <a:latin typeface="Cambria Math" panose="02040503050406030204" pitchFamily="18" charset="0"/>
+                                </a:rPr>
+                                <m:t>𝑋</m:t>
+                              </m:r>
+                            </m:e>
+                            <m:sub>
+                              <m:r>
+                                <a:rPr lang="en-US" altLang="zh-CN" sz="1400" b="0" i="0" smtClean="0">
+                                  <a:latin typeface="Cambria Math" panose="02040503050406030204" pitchFamily="18" charset="0"/>
+                                </a:rPr>
+                                <m:t>4</m:t>
+                              </m:r>
+                            </m:sub>
+                          </m:sSub>
+                        </m:oMath>
+                      </m:oMathPara>
+                    </a14:m>
+                    <a:endParaRPr lang="zh-CN" altLang="en-US" dirty="0"/>
+                  </a:p>
+                </p:txBody>
+              </p:sp>
+            </mc:Choice>
+            <mc:Fallback>
+              <p:sp>
+                <p:nvSpPr>
+                  <p:cNvPr id="15" name="矩形 14"/>
+                  <p:cNvSpPr>
+                    <a:spLocks noRot="1" noChangeAspect="1" noMove="1" noResize="1" noEditPoints="1" noAdjustHandles="1" noChangeArrowheads="1" noChangeShapeType="1" noTextEdit="1"/>
+                  </p:cNvSpPr>
+                  <p:nvPr/>
+                </p:nvSpPr>
+                <p:spPr>
+                  <a:xfrm>
+                    <a:off x="3615559" y="3126092"/>
+                    <a:ext cx="424668" cy="307777"/>
+                  </a:xfrm>
+                  <a:prstGeom prst="rect">
+                    <a:avLst/>
+                  </a:prstGeom>
+                  <a:blipFill>
+                    <a:blip r:embed="rId5"/>
+                    <a:stretch>
+                      <a:fillRect/>
+                    </a:stretch>
+                  </a:blipFill>
+                </p:spPr>
+                <p:txBody>
+                  <a:bodyPr/>
+                  <a:lstStyle/>
+                  <a:p>
+                    <a:r>
+                      <a:rPr lang="zh-CN" altLang="en-US">
+                        <a:noFill/>
+                      </a:rPr>
+                      <a:t> </a:t>
+                    </a:r>
+                  </a:p>
+                </p:txBody>
+              </p:sp>
+            </mc:Fallback>
+          </mc:AlternateContent>
+        </p:grpSp>
+        <p:grpSp>
+          <p:nvGrpSpPr>
+            <p:cNvPr id="16" name="组合 15"/>
+            <p:cNvGrpSpPr/>
+            <p:nvPr/>
+          </p:nvGrpSpPr>
+          <p:grpSpPr>
+            <a:xfrm>
+              <a:off x="6394503" y="3561536"/>
+              <a:ext cx="424668" cy="343828"/>
+              <a:chOff x="3615559" y="3126092"/>
+              <a:chExt cx="424668" cy="343828"/>
+            </a:xfrm>
+          </p:grpSpPr>
+          <p:sp>
+            <p:nvSpPr>
+              <p:cNvPr id="17" name="椭圆 16"/>
+              <p:cNvSpPr/>
+              <p:nvPr/>
+            </p:nvSpPr>
+            <p:spPr>
+              <a:xfrm>
+                <a:off x="3641878" y="3126092"/>
+                <a:ext cx="346841" cy="343828"/>
+              </a:xfrm>
+              <a:prstGeom prst="ellipse">
+                <a:avLst/>
+              </a:prstGeom>
+              <a:noFill/>
+              <a:ln w="19050">
+                <a:solidFill>
+                  <a:schemeClr val="tx1"/>
+                </a:solidFill>
+              </a:ln>
+            </p:spPr>
+            <p:style>
+              <a:lnRef idx="2">
+                <a:schemeClr val="accent1">
+                  <a:shade val="50000"/>
+                </a:schemeClr>
+              </a:lnRef>
+              <a:fillRef idx="1">
+                <a:schemeClr val="accent1"/>
+              </a:fillRef>
+              <a:effectRef idx="0">
+                <a:schemeClr val="accent1"/>
+              </a:effectRef>
+              <a:fontRef idx="minor">
+                <a:schemeClr val="lt1"/>
+              </a:fontRef>
+            </p:style>
+            <p:txBody>
+              <a:bodyPr rtlCol="0" anchor="ctr"/>
+              <a:lstStyle/>
+              <a:p>
+                <a:pPr algn="ctr"/>
+                <a:endParaRPr lang="zh-CN" altLang="en-US"/>
+              </a:p>
+            </p:txBody>
+          </p:sp>
+          <mc:AlternateContent xmlns:mc="http://schemas.openxmlformats.org/markup-compatibility/2006">
+            <mc:Choice xmlns:a14="http://schemas.microsoft.com/office/drawing/2010/main" Requires="a14">
+              <p:sp>
+                <p:nvSpPr>
+                  <p:cNvPr id="18" name="矩形 17"/>
+                  <p:cNvSpPr/>
+                  <p:nvPr/>
+                </p:nvSpPr>
+                <p:spPr>
+                  <a:xfrm>
+                    <a:off x="3615559" y="3126092"/>
+                    <a:ext cx="424668" cy="307777"/>
+                  </a:xfrm>
+                  <a:prstGeom prst="rect">
+                    <a:avLst/>
+                  </a:prstGeom>
+                </p:spPr>
+                <p:txBody>
+                  <a:bodyPr wrap="none">
+                    <a:spAutoFit/>
+                  </a:bodyPr>
+                  <a:lstStyle/>
+                  <a:p>
+                    <a14:m>
+                      <m:oMathPara xmlns:m="http://schemas.openxmlformats.org/officeDocument/2006/math">
+                        <m:oMathParaPr>
+                          <m:jc m:val="centerGroup"/>
+                        </m:oMathParaPr>
+                        <m:oMath xmlns:m="http://schemas.openxmlformats.org/officeDocument/2006/math">
+                          <m:sSub>
+                            <m:sSubPr>
+                              <m:ctrlPr>
+                                <a:rPr lang="zh-CN" altLang="en-US" sz="1400" smtClean="0">
+                                  <a:latin typeface="Cambria Math" panose="02040503050406030204" pitchFamily="18" charset="0"/>
+                                </a:rPr>
+                              </m:ctrlPr>
+                            </m:sSubPr>
+                            <m:e>
+                              <m:r>
+                                <a:rPr lang="zh-CN" altLang="en-US" sz="1400" i="1">
+                                  <a:latin typeface="Cambria Math" panose="02040503050406030204" pitchFamily="18" charset="0"/>
+                                </a:rPr>
+                                <m:t>𝑋</m:t>
+                              </m:r>
+                            </m:e>
+                            <m:sub>
+                              <m:r>
+                                <a:rPr lang="en-US" altLang="zh-CN" sz="1400" b="0" i="0" smtClean="0">
+                                  <a:latin typeface="Cambria Math" panose="02040503050406030204" pitchFamily="18" charset="0"/>
+                                </a:rPr>
+                                <m:t>5</m:t>
+                              </m:r>
+                            </m:sub>
+                          </m:sSub>
+                        </m:oMath>
+                      </m:oMathPara>
+                    </a14:m>
+                    <a:endParaRPr lang="zh-CN" altLang="en-US" dirty="0"/>
+                  </a:p>
+                </p:txBody>
+              </p:sp>
+            </mc:Choice>
+            <mc:Fallback>
+              <p:sp>
+                <p:nvSpPr>
+                  <p:cNvPr id="18" name="矩形 17"/>
+                  <p:cNvSpPr>
+                    <a:spLocks noRot="1" noChangeAspect="1" noMove="1" noResize="1" noEditPoints="1" noAdjustHandles="1" noChangeArrowheads="1" noChangeShapeType="1" noTextEdit="1"/>
+                  </p:cNvSpPr>
+                  <p:nvPr/>
+                </p:nvSpPr>
+                <p:spPr>
+                  <a:xfrm>
+                    <a:off x="3615559" y="3126092"/>
+                    <a:ext cx="424668" cy="307777"/>
+                  </a:xfrm>
+                  <a:prstGeom prst="rect">
+                    <a:avLst/>
+                  </a:prstGeom>
+                  <a:blipFill>
+                    <a:blip r:embed="rId6"/>
+                    <a:stretch>
+                      <a:fillRect/>
+                    </a:stretch>
+                  </a:blipFill>
+                </p:spPr>
+                <p:txBody>
+                  <a:bodyPr/>
+                  <a:lstStyle/>
+                  <a:p>
+                    <a:r>
+                      <a:rPr lang="zh-CN" altLang="en-US">
+                        <a:noFill/>
+                      </a:rPr>
+                      <a:t> </a:t>
+                    </a:r>
+                  </a:p>
+                </p:txBody>
+              </p:sp>
+            </mc:Fallback>
+          </mc:AlternateContent>
+        </p:grpSp>
+        <p:grpSp>
+          <p:nvGrpSpPr>
+            <p:cNvPr id="19" name="组合 18"/>
+            <p:cNvGrpSpPr/>
+            <p:nvPr/>
+          </p:nvGrpSpPr>
+          <p:grpSpPr>
+            <a:xfrm>
+              <a:off x="5795456" y="4039756"/>
+              <a:ext cx="392608" cy="343828"/>
+              <a:chOff x="3615559" y="3126092"/>
+              <a:chExt cx="392608" cy="343828"/>
+            </a:xfrm>
+          </p:grpSpPr>
+          <p:sp>
+            <p:nvSpPr>
+              <p:cNvPr id="20" name="椭圆 19"/>
+              <p:cNvSpPr/>
+              <p:nvPr/>
+            </p:nvSpPr>
+            <p:spPr>
+              <a:xfrm>
+                <a:off x="3641878" y="3126092"/>
+                <a:ext cx="346841" cy="343828"/>
+              </a:xfrm>
+              <a:prstGeom prst="ellipse">
+                <a:avLst/>
+              </a:prstGeom>
+              <a:noFill/>
+              <a:ln w="19050">
+                <a:solidFill>
+                  <a:schemeClr val="tx1"/>
+                </a:solidFill>
+              </a:ln>
+            </p:spPr>
+            <p:style>
+              <a:lnRef idx="2">
+                <a:schemeClr val="accent1">
+                  <a:shade val="50000"/>
+                </a:schemeClr>
+              </a:lnRef>
+              <a:fillRef idx="1">
+                <a:schemeClr val="accent1"/>
+              </a:fillRef>
+              <a:effectRef idx="0">
+                <a:schemeClr val="accent1"/>
+              </a:effectRef>
+              <a:fontRef idx="minor">
+                <a:schemeClr val="lt1"/>
+              </a:fontRef>
+            </p:style>
+            <p:txBody>
+              <a:bodyPr rtlCol="0" anchor="ctr"/>
+              <a:lstStyle/>
+              <a:p>
+                <a:pPr algn="ctr"/>
+                <a:endParaRPr lang="zh-CN" altLang="en-US"/>
+              </a:p>
+            </p:txBody>
+          </p:sp>
+          <mc:AlternateContent xmlns:mc="http://schemas.openxmlformats.org/markup-compatibility/2006">
+            <mc:Choice xmlns:a14="http://schemas.microsoft.com/office/drawing/2010/main" Requires="a14">
+              <p:sp>
+                <p:nvSpPr>
+                  <p:cNvPr id="21" name="矩形 20"/>
+                  <p:cNvSpPr/>
+                  <p:nvPr/>
+                </p:nvSpPr>
+                <p:spPr>
+                  <a:xfrm>
+                    <a:off x="3615559" y="3126092"/>
+                    <a:ext cx="392608" cy="307777"/>
+                  </a:xfrm>
+                  <a:prstGeom prst="rect">
+                    <a:avLst/>
+                  </a:prstGeom>
+                </p:spPr>
+                <p:txBody>
+                  <a:bodyPr wrap="none">
+                    <a:spAutoFit/>
+                  </a:bodyPr>
+                  <a:lstStyle/>
+                  <a:p>
+                    <a14:m>
+                      <m:oMathPara xmlns:m="http://schemas.openxmlformats.org/officeDocument/2006/math">
+                        <m:oMathParaPr>
+                          <m:jc m:val="centerGroup"/>
+                        </m:oMathParaPr>
+                        <m:oMath xmlns:m="http://schemas.openxmlformats.org/officeDocument/2006/math">
+                          <m:sSub>
+                            <m:sSubPr>
+                              <m:ctrlPr>
+                                <a:rPr lang="zh-CN" altLang="en-US" sz="1400" smtClean="0">
+                                  <a:latin typeface="Cambria Math" panose="02040503050406030204" pitchFamily="18" charset="0"/>
+                                </a:rPr>
+                              </m:ctrlPr>
+                            </m:sSubPr>
+                            <m:e>
+                              <m:r>
+                                <a:rPr lang="zh-CN" altLang="en-US" sz="1400" i="1">
+                                  <a:latin typeface="Cambria Math" panose="02040503050406030204" pitchFamily="18" charset="0"/>
+                                </a:rPr>
+                                <m:t>𝑋</m:t>
+                              </m:r>
+                            </m:e>
+                            <m:sub>
+                              <m:r>
+                                <m:rPr>
+                                  <m:sty m:val="p"/>
+                                </m:rPr>
+                                <a:rPr lang="en-US" altLang="zh-CN" sz="1400" b="0" i="0" smtClean="0">
+                                  <a:latin typeface="Cambria Math" panose="02040503050406030204" pitchFamily="18" charset="0"/>
+                                </a:rPr>
+                                <m:t>i</m:t>
+                              </m:r>
+                            </m:sub>
+                          </m:sSub>
+                        </m:oMath>
+                      </m:oMathPara>
+                    </a14:m>
+                    <a:endParaRPr lang="zh-CN" altLang="en-US" dirty="0"/>
+                  </a:p>
+                </p:txBody>
+              </p:sp>
+            </mc:Choice>
+            <mc:Fallback>
+              <p:sp>
+                <p:nvSpPr>
+                  <p:cNvPr id="21" name="矩形 20"/>
+                  <p:cNvSpPr>
+                    <a:spLocks noRot="1" noChangeAspect="1" noMove="1" noResize="1" noEditPoints="1" noAdjustHandles="1" noChangeArrowheads="1" noChangeShapeType="1" noTextEdit="1"/>
+                  </p:cNvSpPr>
+                  <p:nvPr/>
+                </p:nvSpPr>
+                <p:spPr>
+                  <a:xfrm>
+                    <a:off x="3615559" y="3126092"/>
+                    <a:ext cx="392608" cy="307777"/>
+                  </a:xfrm>
+                  <a:prstGeom prst="rect">
+                    <a:avLst/>
+                  </a:prstGeom>
+                  <a:blipFill>
+                    <a:blip r:embed="rId7"/>
+                    <a:stretch>
+                      <a:fillRect/>
+                    </a:stretch>
+                  </a:blipFill>
+                </p:spPr>
+                <p:txBody>
+                  <a:bodyPr/>
+                  <a:lstStyle/>
+                  <a:p>
+                    <a:r>
+                      <a:rPr lang="zh-CN" altLang="en-US">
+                        <a:noFill/>
+                      </a:rPr>
+                      <a:t> </a:t>
+                    </a:r>
+                  </a:p>
+                </p:txBody>
+              </p:sp>
+            </mc:Fallback>
+          </mc:AlternateContent>
+        </p:grpSp>
+        <p:grpSp>
+          <p:nvGrpSpPr>
+            <p:cNvPr id="22" name="组合 21"/>
+            <p:cNvGrpSpPr/>
+            <p:nvPr/>
+          </p:nvGrpSpPr>
+          <p:grpSpPr>
+            <a:xfrm>
+              <a:off x="4702465" y="4175619"/>
+              <a:ext cx="391004" cy="343828"/>
+              <a:chOff x="3615559" y="3126092"/>
+              <a:chExt cx="391004" cy="343828"/>
+            </a:xfrm>
+          </p:grpSpPr>
+          <p:sp>
+            <p:nvSpPr>
+              <p:cNvPr id="23" name="椭圆 22"/>
+              <p:cNvSpPr/>
+              <p:nvPr/>
+            </p:nvSpPr>
+            <p:spPr>
+              <a:xfrm>
+                <a:off x="3641878" y="3126092"/>
+                <a:ext cx="346841" cy="343828"/>
+              </a:xfrm>
+              <a:prstGeom prst="ellipse">
+                <a:avLst/>
+              </a:prstGeom>
+              <a:noFill/>
+              <a:ln w="19050">
+                <a:solidFill>
+                  <a:schemeClr val="tx1"/>
+                </a:solidFill>
+              </a:ln>
+            </p:spPr>
+            <p:style>
+              <a:lnRef idx="2">
+                <a:schemeClr val="accent1">
+                  <a:shade val="50000"/>
+                </a:schemeClr>
+              </a:lnRef>
+              <a:fillRef idx="1">
+                <a:schemeClr val="accent1"/>
+              </a:fillRef>
+              <a:effectRef idx="0">
+                <a:schemeClr val="accent1"/>
+              </a:effectRef>
+              <a:fontRef idx="minor">
+                <a:schemeClr val="lt1"/>
+              </a:fontRef>
+            </p:style>
+            <p:txBody>
+              <a:bodyPr rtlCol="0" anchor="ctr"/>
+              <a:lstStyle/>
+              <a:p>
+                <a:pPr algn="ctr"/>
+                <a:endParaRPr lang="zh-CN" altLang="en-US"/>
+              </a:p>
+            </p:txBody>
+          </p:sp>
+          <mc:AlternateContent xmlns:mc="http://schemas.openxmlformats.org/markup-compatibility/2006">
+            <mc:Choice xmlns:a14="http://schemas.microsoft.com/office/drawing/2010/main" Requires="a14">
+              <p:sp>
+                <p:nvSpPr>
+                  <p:cNvPr id="24" name="矩形 23"/>
+                  <p:cNvSpPr/>
+                  <p:nvPr/>
+                </p:nvSpPr>
+                <p:spPr>
+                  <a:xfrm>
+                    <a:off x="3615559" y="3126092"/>
+                    <a:ext cx="391004" cy="327718"/>
+                  </a:xfrm>
+                  <a:prstGeom prst="rect">
+                    <a:avLst/>
+                  </a:prstGeom>
+                </p:spPr>
+                <p:txBody>
+                  <a:bodyPr wrap="none">
+                    <a:spAutoFit/>
+                  </a:bodyPr>
+                  <a:lstStyle/>
+                  <a:p>
+                    <a14:m>
+                      <m:oMathPara xmlns:m="http://schemas.openxmlformats.org/officeDocument/2006/math">
+                        <m:oMathParaPr>
+                          <m:jc m:val="centerGroup"/>
+                        </m:oMathParaPr>
+                        <m:oMath xmlns:m="http://schemas.openxmlformats.org/officeDocument/2006/math">
+                          <m:sSub>
+                            <m:sSubPr>
+                              <m:ctrlPr>
+                                <a:rPr lang="zh-CN" altLang="en-US" sz="1400" smtClean="0">
+                                  <a:latin typeface="Cambria Math" panose="02040503050406030204" pitchFamily="18" charset="0"/>
+                                </a:rPr>
+                              </m:ctrlPr>
+                            </m:sSubPr>
+                            <m:e>
+                              <m:r>
+                                <a:rPr lang="zh-CN" altLang="en-US" sz="1400" i="1">
+                                  <a:latin typeface="Cambria Math" panose="02040503050406030204" pitchFamily="18" charset="0"/>
+                                </a:rPr>
+                                <m:t>𝑋</m:t>
+                              </m:r>
+                            </m:e>
+                            <m:sub>
+                              <m:r>
+                                <m:rPr>
+                                  <m:sty m:val="p"/>
+                                </m:rPr>
+                                <a:rPr lang="en-US" altLang="zh-CN" sz="1400" b="0" i="0" smtClean="0">
+                                  <a:latin typeface="Cambria Math" panose="02040503050406030204" pitchFamily="18" charset="0"/>
+                                </a:rPr>
+                                <m:t>j</m:t>
+                              </m:r>
+                            </m:sub>
+                          </m:sSub>
+                        </m:oMath>
+                      </m:oMathPara>
+                    </a14:m>
+                    <a:endParaRPr lang="zh-CN" altLang="en-US" dirty="0"/>
+                  </a:p>
+                </p:txBody>
+              </p:sp>
+            </mc:Choice>
+            <mc:Fallback>
+              <p:sp>
+                <p:nvSpPr>
+                  <p:cNvPr id="24" name="矩形 23"/>
+                  <p:cNvSpPr>
+                    <a:spLocks noRot="1" noChangeAspect="1" noMove="1" noResize="1" noEditPoints="1" noAdjustHandles="1" noChangeArrowheads="1" noChangeShapeType="1" noTextEdit="1"/>
+                  </p:cNvSpPr>
+                  <p:nvPr/>
+                </p:nvSpPr>
+                <p:spPr>
+                  <a:xfrm>
+                    <a:off x="3615559" y="3126092"/>
+                    <a:ext cx="391004" cy="327718"/>
+                  </a:xfrm>
+                  <a:prstGeom prst="rect">
+                    <a:avLst/>
+                  </a:prstGeom>
+                  <a:blipFill>
+                    <a:blip r:embed="rId8"/>
+                    <a:stretch>
+                      <a:fillRect b="-3704"/>
+                    </a:stretch>
+                  </a:blipFill>
+                </p:spPr>
+                <p:txBody>
+                  <a:bodyPr/>
+                  <a:lstStyle/>
+                  <a:p>
+                    <a:r>
+                      <a:rPr lang="zh-CN" altLang="en-US">
+                        <a:noFill/>
+                      </a:rPr>
+                      <a:t> </a:t>
+                    </a:r>
+                  </a:p>
+                </p:txBody>
+              </p:sp>
+            </mc:Fallback>
+          </mc:AlternateContent>
+        </p:grpSp>
+        <p:grpSp>
+          <p:nvGrpSpPr>
+            <p:cNvPr id="25" name="组合 24"/>
+            <p:cNvGrpSpPr/>
+            <p:nvPr/>
+          </p:nvGrpSpPr>
+          <p:grpSpPr>
+            <a:xfrm>
+              <a:off x="3883594" y="3695928"/>
+              <a:ext cx="431080" cy="343828"/>
+              <a:chOff x="3615559" y="3126092"/>
+              <a:chExt cx="431080" cy="343828"/>
+            </a:xfrm>
+          </p:grpSpPr>
+          <p:sp>
+            <p:nvSpPr>
+              <p:cNvPr id="26" name="椭圆 25"/>
+              <p:cNvSpPr/>
+              <p:nvPr/>
+            </p:nvSpPr>
+            <p:spPr>
+              <a:xfrm>
+                <a:off x="3641878" y="3126092"/>
+                <a:ext cx="346841" cy="343828"/>
+              </a:xfrm>
+              <a:prstGeom prst="ellipse">
+                <a:avLst/>
+              </a:prstGeom>
+              <a:noFill/>
+              <a:ln w="19050">
+                <a:solidFill>
+                  <a:schemeClr val="tx1"/>
+                </a:solidFill>
+              </a:ln>
+            </p:spPr>
+            <p:style>
+              <a:lnRef idx="2">
+                <a:schemeClr val="accent1">
+                  <a:shade val="50000"/>
+                </a:schemeClr>
+              </a:lnRef>
+              <a:fillRef idx="1">
+                <a:schemeClr val="accent1"/>
+              </a:fillRef>
+              <a:effectRef idx="0">
+                <a:schemeClr val="accent1"/>
+              </a:effectRef>
+              <a:fontRef idx="minor">
+                <a:schemeClr val="lt1"/>
+              </a:fontRef>
+            </p:style>
+            <p:txBody>
+              <a:bodyPr rtlCol="0" anchor="ctr"/>
+              <a:lstStyle/>
+              <a:p>
+                <a:pPr algn="ctr"/>
+                <a:endParaRPr lang="zh-CN" altLang="en-US"/>
+              </a:p>
+            </p:txBody>
+          </p:sp>
+          <mc:AlternateContent xmlns:mc="http://schemas.openxmlformats.org/markup-compatibility/2006">
+            <mc:Choice xmlns:a14="http://schemas.microsoft.com/office/drawing/2010/main" Requires="a14">
+              <p:sp>
+                <p:nvSpPr>
+                  <p:cNvPr id="27" name="矩形 26"/>
+                  <p:cNvSpPr/>
+                  <p:nvPr/>
+                </p:nvSpPr>
+                <p:spPr>
+                  <a:xfrm>
+                    <a:off x="3615559" y="3126092"/>
+                    <a:ext cx="431080" cy="307777"/>
+                  </a:xfrm>
+                  <a:prstGeom prst="rect">
+                    <a:avLst/>
+                  </a:prstGeom>
+                </p:spPr>
+                <p:txBody>
+                  <a:bodyPr wrap="none">
+                    <a:spAutoFit/>
+                  </a:bodyPr>
+                  <a:lstStyle/>
+                  <a:p>
+                    <a14:m>
+                      <m:oMathPara xmlns:m="http://schemas.openxmlformats.org/officeDocument/2006/math">
+                        <m:oMathParaPr>
+                          <m:jc m:val="centerGroup"/>
+                        </m:oMathParaPr>
+                        <m:oMath xmlns:m="http://schemas.openxmlformats.org/officeDocument/2006/math">
+                          <m:sSub>
+                            <m:sSubPr>
+                              <m:ctrlPr>
+                                <a:rPr lang="zh-CN" altLang="en-US" sz="1400" smtClean="0">
+                                  <a:latin typeface="Cambria Math" panose="02040503050406030204" pitchFamily="18" charset="0"/>
+                                </a:rPr>
+                              </m:ctrlPr>
+                            </m:sSubPr>
+                            <m:e>
+                              <m:r>
+                                <a:rPr lang="zh-CN" altLang="en-US" sz="1400" i="1">
+                                  <a:latin typeface="Cambria Math" panose="02040503050406030204" pitchFamily="18" charset="0"/>
+                                </a:rPr>
+                                <m:t>𝑋</m:t>
+                              </m:r>
+                            </m:e>
+                            <m:sub>
+                              <m:r>
+                                <m:rPr>
+                                  <m:sty m:val="p"/>
+                                </m:rPr>
+                                <a:rPr lang="en-US" altLang="zh-CN" sz="1400" b="0" i="0" smtClean="0">
+                                  <a:latin typeface="Cambria Math" panose="02040503050406030204" pitchFamily="18" charset="0"/>
+                                </a:rPr>
+                                <m:t>n</m:t>
+                              </m:r>
+                            </m:sub>
+                          </m:sSub>
+                        </m:oMath>
+                      </m:oMathPara>
+                    </a14:m>
+                    <a:endParaRPr lang="zh-CN" altLang="en-US" dirty="0"/>
+                  </a:p>
+                </p:txBody>
+              </p:sp>
+            </mc:Choice>
+            <mc:Fallback>
+              <p:sp>
+                <p:nvSpPr>
+                  <p:cNvPr id="27" name="矩形 26"/>
+                  <p:cNvSpPr>
+                    <a:spLocks noRot="1" noChangeAspect="1" noMove="1" noResize="1" noEditPoints="1" noAdjustHandles="1" noChangeArrowheads="1" noChangeShapeType="1" noTextEdit="1"/>
+                  </p:cNvSpPr>
+                  <p:nvPr/>
+                </p:nvSpPr>
+                <p:spPr>
+                  <a:xfrm>
+                    <a:off x="3615559" y="3126092"/>
+                    <a:ext cx="431080" cy="307777"/>
+                  </a:xfrm>
+                  <a:prstGeom prst="rect">
+                    <a:avLst/>
+                  </a:prstGeom>
+                  <a:blipFill>
+                    <a:blip r:embed="rId9"/>
+                    <a:stretch>
+                      <a:fillRect/>
+                    </a:stretch>
+                  </a:blipFill>
+                </p:spPr>
+                <p:txBody>
+                  <a:bodyPr/>
+                  <a:lstStyle/>
+                  <a:p>
+                    <a:r>
+                      <a:rPr lang="zh-CN" altLang="en-US">
+                        <a:noFill/>
+                      </a:rPr>
+                      <a:t> </a:t>
+                    </a:r>
+                  </a:p>
+                </p:txBody>
+              </p:sp>
+            </mc:Fallback>
+          </mc:AlternateContent>
+        </p:grpSp>
+        <p:cxnSp>
+          <p:nvCxnSpPr>
+            <p:cNvPr id="35" name="直接箭头连接符 34"/>
+            <p:cNvCxnSpPr>
+              <a:stCxn id="4" idx="7"/>
+              <a:endCxn id="8" idx="2"/>
+            </p:cNvCxnSpPr>
+            <p:nvPr/>
+          </p:nvCxnSpPr>
+          <p:spPr>
+            <a:xfrm flipV="1">
+              <a:off x="3989594" y="2954178"/>
+              <a:ext cx="435306" cy="423170"/>
+            </a:xfrm>
+            <a:prstGeom prst="straightConnector1">
+              <a:avLst/>
+            </a:prstGeom>
+            <a:ln>
+              <a:tailEnd type="triangle"/>
+            </a:ln>
+          </p:spPr>
+          <p:style>
+            <a:lnRef idx="1">
+              <a:schemeClr val="dk1"/>
+            </a:lnRef>
+            <a:fillRef idx="0">
+              <a:schemeClr val="dk1"/>
+            </a:fillRef>
+            <a:effectRef idx="0">
+              <a:schemeClr val="dk1"/>
+            </a:effectRef>
+            <a:fontRef idx="minor">
+              <a:schemeClr val="tx1"/>
+            </a:fontRef>
+          </p:style>
+        </p:cxnSp>
+        <p:cxnSp>
+          <p:nvCxnSpPr>
+            <p:cNvPr id="37" name="直接箭头连接符 36"/>
+            <p:cNvCxnSpPr>
+              <a:stCxn id="8" idx="6"/>
+              <a:endCxn id="11" idx="2"/>
+            </p:cNvCxnSpPr>
+            <p:nvPr/>
+          </p:nvCxnSpPr>
+          <p:spPr>
+            <a:xfrm flipV="1">
+              <a:off x="4771741" y="2909159"/>
+              <a:ext cx="625366" cy="45019"/>
+            </a:xfrm>
+            <a:prstGeom prst="straightConnector1">
+              <a:avLst/>
+            </a:prstGeom>
+            <a:ln>
+              <a:tailEnd type="triangle"/>
+            </a:ln>
+          </p:spPr>
+          <p:style>
+            <a:lnRef idx="1">
+              <a:schemeClr val="dk1"/>
+            </a:lnRef>
+            <a:fillRef idx="0">
+              <a:schemeClr val="dk1"/>
+            </a:fillRef>
+            <a:effectRef idx="0">
+              <a:schemeClr val="dk1"/>
+            </a:effectRef>
+            <a:fontRef idx="minor">
+              <a:schemeClr val="tx1"/>
+            </a:fontRef>
+          </p:style>
+        </p:cxnSp>
+        <p:cxnSp>
+          <p:nvCxnSpPr>
+            <p:cNvPr id="40" name="直接箭头连接符 39"/>
+            <p:cNvCxnSpPr>
+              <a:stCxn id="11" idx="6"/>
+              <a:endCxn id="14" idx="2"/>
+            </p:cNvCxnSpPr>
+            <p:nvPr/>
+          </p:nvCxnSpPr>
+          <p:spPr>
+            <a:xfrm>
+              <a:off x="5743948" y="2909159"/>
+              <a:ext cx="464540" cy="135863"/>
+            </a:xfrm>
+            <a:prstGeom prst="straightConnector1">
+              <a:avLst/>
+            </a:prstGeom>
+            <a:ln>
+              <a:tailEnd type="triangle"/>
+            </a:ln>
+          </p:spPr>
+          <p:style>
+            <a:lnRef idx="1">
+              <a:schemeClr val="dk1"/>
+            </a:lnRef>
+            <a:fillRef idx="0">
+              <a:schemeClr val="dk1"/>
+            </a:fillRef>
+            <a:effectRef idx="0">
+              <a:schemeClr val="dk1"/>
+            </a:effectRef>
+            <a:fontRef idx="minor">
+              <a:schemeClr val="tx1"/>
+            </a:fontRef>
+          </p:style>
+        </p:cxnSp>
+        <p:cxnSp>
+          <p:nvCxnSpPr>
+            <p:cNvPr id="45" name="直接箭头连接符 44"/>
+            <p:cNvCxnSpPr>
+              <a:stCxn id="14" idx="5"/>
+              <a:endCxn id="18" idx="0"/>
+            </p:cNvCxnSpPr>
+            <p:nvPr/>
+          </p:nvCxnSpPr>
+          <p:spPr>
+            <a:xfrm>
+              <a:off x="6504535" y="3166584"/>
+              <a:ext cx="102302" cy="394952"/>
+            </a:xfrm>
+            <a:prstGeom prst="straightConnector1">
+              <a:avLst/>
+            </a:prstGeom>
+            <a:ln>
+              <a:tailEnd type="triangle"/>
+            </a:ln>
+          </p:spPr>
+          <p:style>
+            <a:lnRef idx="1">
+              <a:schemeClr val="dk1"/>
+            </a:lnRef>
+            <a:fillRef idx="0">
+              <a:schemeClr val="dk1"/>
+            </a:fillRef>
+            <a:effectRef idx="0">
+              <a:schemeClr val="dk1"/>
+            </a:effectRef>
+            <a:fontRef idx="minor">
+              <a:schemeClr val="tx1"/>
+            </a:fontRef>
+          </p:style>
+        </p:cxnSp>
+        <p:cxnSp>
+          <p:nvCxnSpPr>
+            <p:cNvPr id="48" name="直接箭头连接符 47"/>
+            <p:cNvCxnSpPr>
+              <a:stCxn id="17" idx="3"/>
+              <a:endCxn id="20" idx="7"/>
+            </p:cNvCxnSpPr>
+            <p:nvPr/>
+          </p:nvCxnSpPr>
+          <p:spPr>
+            <a:xfrm flipH="1">
+              <a:off x="6117822" y="3855012"/>
+              <a:ext cx="353794" cy="235096"/>
+            </a:xfrm>
+            <a:prstGeom prst="straightConnector1">
+              <a:avLst/>
+            </a:prstGeom>
+            <a:ln>
+              <a:prstDash val="dash"/>
+              <a:tailEnd type="triangle"/>
+            </a:ln>
+          </p:spPr>
+          <p:style>
+            <a:lnRef idx="1">
+              <a:schemeClr val="dk1"/>
+            </a:lnRef>
+            <a:fillRef idx="0">
+              <a:schemeClr val="dk1"/>
+            </a:fillRef>
+            <a:effectRef idx="0">
+              <a:schemeClr val="dk1"/>
+            </a:effectRef>
+            <a:fontRef idx="minor">
+              <a:schemeClr val="tx1"/>
+            </a:fontRef>
+          </p:style>
+        </p:cxnSp>
+        <p:cxnSp>
+          <p:nvCxnSpPr>
+            <p:cNvPr id="51" name="直接箭头连接符 50"/>
+            <p:cNvCxnSpPr>
+              <a:stCxn id="20" idx="3"/>
+              <a:endCxn id="23" idx="6"/>
+            </p:cNvCxnSpPr>
+            <p:nvPr/>
+          </p:nvCxnSpPr>
+          <p:spPr>
+            <a:xfrm flipH="1">
+              <a:off x="5075625" y="4333232"/>
+              <a:ext cx="796944" cy="14301"/>
+            </a:xfrm>
+            <a:prstGeom prst="straightConnector1">
+              <a:avLst/>
+            </a:prstGeom>
+            <a:ln>
+              <a:tailEnd type="triangle"/>
+            </a:ln>
+          </p:spPr>
+          <p:style>
+            <a:lnRef idx="1">
+              <a:schemeClr val="dk1"/>
+            </a:lnRef>
+            <a:fillRef idx="0">
+              <a:schemeClr val="dk1"/>
+            </a:fillRef>
+            <a:effectRef idx="0">
+              <a:schemeClr val="dk1"/>
+            </a:effectRef>
+            <a:fontRef idx="minor">
+              <a:schemeClr val="tx1"/>
+            </a:fontRef>
+          </p:style>
+        </p:cxnSp>
+        <p:cxnSp>
+          <p:nvCxnSpPr>
+            <p:cNvPr id="56" name="直接箭头连接符 55"/>
+            <p:cNvCxnSpPr>
+              <a:stCxn id="23" idx="2"/>
+              <a:endCxn id="26" idx="5"/>
+            </p:cNvCxnSpPr>
+            <p:nvPr/>
+          </p:nvCxnSpPr>
+          <p:spPr>
+            <a:xfrm flipH="1" flipV="1">
+              <a:off x="4205960" y="3989404"/>
+              <a:ext cx="522824" cy="358129"/>
+            </a:xfrm>
+            <a:prstGeom prst="straightConnector1">
+              <a:avLst/>
+            </a:prstGeom>
+            <a:ln>
+              <a:prstDash val="dash"/>
+              <a:tailEnd type="triangle"/>
+            </a:ln>
+          </p:spPr>
+          <p:style>
+            <a:lnRef idx="1">
+              <a:schemeClr val="dk1"/>
+            </a:lnRef>
+            <a:fillRef idx="0">
+              <a:schemeClr val="dk1"/>
+            </a:fillRef>
+            <a:effectRef idx="0">
+              <a:schemeClr val="dk1"/>
+            </a:effectRef>
+            <a:fontRef idx="minor">
+              <a:schemeClr val="tx1"/>
+            </a:fontRef>
+          </p:style>
+        </p:cxnSp>
+        <mc:AlternateContent xmlns:mc="http://schemas.openxmlformats.org/markup-compatibility/2006">
+          <mc:Choice xmlns:a14="http://schemas.microsoft.com/office/drawing/2010/main" Requires="a14">
+            <p:sp>
+              <p:nvSpPr>
+                <p:cNvPr id="60" name="矩形 59"/>
+                <p:cNvSpPr/>
+                <p:nvPr/>
+              </p:nvSpPr>
+              <p:spPr>
+                <a:xfrm>
+                  <a:off x="3875644" y="2931668"/>
+                  <a:ext cx="439030" cy="276999"/>
+                </a:xfrm>
+                <a:prstGeom prst="rect">
+                  <a:avLst/>
+                </a:prstGeom>
+              </p:spPr>
+              <p:txBody>
+                <a:bodyPr wrap="none">
+                  <a:spAutoFit/>
+                </a:bodyPr>
+                <a:lstStyle/>
+                <a:p>
+                  <a14:m>
+                    <m:oMathPara xmlns:m="http://schemas.openxmlformats.org/officeDocument/2006/math">
+                      <m:oMathParaPr>
+                        <m:jc m:val="centerGroup"/>
+                      </m:oMathParaPr>
+                      <m:oMath xmlns:m="http://schemas.openxmlformats.org/officeDocument/2006/math">
+                        <m:sSub>
+                          <m:sSubPr>
+                            <m:ctrlPr>
+                              <a:rPr lang="zh-CN" altLang="en-US" sz="1200">
+                                <a:latin typeface="Cambria Math" panose="02040503050406030204" pitchFamily="18" charset="0"/>
+                              </a:rPr>
+                            </m:ctrlPr>
+                          </m:sSubPr>
+                          <m:e>
+                            <m:r>
+                              <a:rPr lang="zh-CN" altLang="en-US" sz="1200" i="1">
+                                <a:latin typeface="Cambria Math" panose="02040503050406030204" pitchFamily="18" charset="0"/>
+                              </a:rPr>
+                              <m:t>𝑇</m:t>
+                            </m:r>
+                          </m:e>
+                          <m:sub>
+                            <m:r>
+                              <a:rPr lang="zh-CN" altLang="en-US" sz="1200" i="0">
+                                <a:latin typeface="Cambria Math" panose="02040503050406030204" pitchFamily="18" charset="0"/>
+                              </a:rPr>
+                              <m:t>21</m:t>
+                            </m:r>
+                          </m:sub>
+                        </m:sSub>
+                      </m:oMath>
+                    </m:oMathPara>
+                  </a14:m>
+                  <a:endParaRPr lang="zh-CN" altLang="en-US" dirty="0">
+                    <a:latin typeface="Times New Roman" panose="02020603050405020304" pitchFamily="18" charset="0"/>
+                    <a:cs typeface="Times New Roman" panose="02020603050405020304" pitchFamily="18" charset="0"/>
+                  </a:endParaRPr>
+                </a:p>
+              </p:txBody>
+            </p:sp>
+          </mc:Choice>
+          <mc:Fallback>
+            <p:sp>
+              <p:nvSpPr>
+                <p:cNvPr id="60" name="矩形 59"/>
+                <p:cNvSpPr>
+                  <a:spLocks noRot="1" noChangeAspect="1" noMove="1" noResize="1" noEditPoints="1" noAdjustHandles="1" noChangeArrowheads="1" noChangeShapeType="1" noTextEdit="1"/>
+                </p:cNvSpPr>
+                <p:nvPr/>
+              </p:nvSpPr>
+              <p:spPr>
+                <a:xfrm>
+                  <a:off x="3875644" y="2931668"/>
+                  <a:ext cx="439030" cy="276999"/>
+                </a:xfrm>
+                <a:prstGeom prst="rect">
+                  <a:avLst/>
+                </a:prstGeom>
+                <a:blipFill>
+                  <a:blip r:embed="rId10"/>
+                  <a:stretch>
+                    <a:fillRect/>
+                  </a:stretch>
+                </a:blipFill>
+              </p:spPr>
+              <p:txBody>
+                <a:bodyPr/>
+                <a:lstStyle/>
+                <a:p>
+                  <a:r>
+                    <a:rPr lang="zh-CN" altLang="en-US">
+                      <a:noFill/>
+                    </a:rPr>
+                    <a:t> </a:t>
+                  </a:r>
+                </a:p>
+              </p:txBody>
+            </p:sp>
+          </mc:Fallback>
+        </mc:AlternateContent>
+        <mc:AlternateContent xmlns:mc="http://schemas.openxmlformats.org/markup-compatibility/2006">
+          <mc:Choice xmlns:a14="http://schemas.microsoft.com/office/drawing/2010/main" Requires="a14">
+            <p:sp>
+              <p:nvSpPr>
+                <p:cNvPr id="61" name="矩形 60"/>
+                <p:cNvSpPr/>
+                <p:nvPr/>
+              </p:nvSpPr>
+              <p:spPr>
+                <a:xfrm>
+                  <a:off x="4876938" y="2674946"/>
+                  <a:ext cx="435825" cy="276999"/>
+                </a:xfrm>
+                <a:prstGeom prst="rect">
+                  <a:avLst/>
+                </a:prstGeom>
+              </p:spPr>
+              <p:txBody>
+                <a:bodyPr wrap="none">
+                  <a:spAutoFit/>
+                </a:bodyPr>
+                <a:lstStyle/>
+                <a:p>
+                  <a14:m>
+                    <m:oMathPara xmlns:m="http://schemas.openxmlformats.org/officeDocument/2006/math">
+                      <m:oMathParaPr>
+                        <m:jc m:val="centerGroup"/>
+                      </m:oMathParaPr>
+                      <m:oMath xmlns:m="http://schemas.openxmlformats.org/officeDocument/2006/math">
+                        <m:sSub>
+                          <m:sSubPr>
+                            <m:ctrlPr>
+                              <a:rPr lang="zh-CN" altLang="en-US" sz="1200" smtClean="0">
+                                <a:latin typeface="Cambria Math" panose="02040503050406030204" pitchFamily="18" charset="0"/>
+                              </a:rPr>
+                            </m:ctrlPr>
+                          </m:sSubPr>
+                          <m:e>
+                            <m:r>
+                              <a:rPr lang="zh-CN" altLang="en-US" sz="1200" i="1">
+                                <a:latin typeface="Cambria Math" panose="02040503050406030204" pitchFamily="18" charset="0"/>
+                              </a:rPr>
+                              <m:t>𝑇</m:t>
+                            </m:r>
+                          </m:e>
+                          <m:sub>
+                            <m:r>
+                              <a:rPr lang="en-US" altLang="zh-CN" sz="1200" b="0" i="0" smtClean="0">
+                                <a:latin typeface="Cambria Math" panose="02040503050406030204" pitchFamily="18" charset="0"/>
+                              </a:rPr>
+                              <m:t>32</m:t>
+                            </m:r>
+                          </m:sub>
+                        </m:sSub>
+                      </m:oMath>
+                    </m:oMathPara>
+                  </a14:m>
+                  <a:endParaRPr lang="zh-CN" altLang="en-US" dirty="0">
+                    <a:latin typeface="Times New Roman" panose="02020603050405020304" pitchFamily="18" charset="0"/>
+                    <a:cs typeface="Times New Roman" panose="02020603050405020304" pitchFamily="18" charset="0"/>
+                  </a:endParaRPr>
+                </a:p>
+              </p:txBody>
+            </p:sp>
+          </mc:Choice>
+          <mc:Fallback>
+            <p:sp>
+              <p:nvSpPr>
+                <p:cNvPr id="61" name="矩形 60"/>
+                <p:cNvSpPr>
+                  <a:spLocks noRot="1" noChangeAspect="1" noMove="1" noResize="1" noEditPoints="1" noAdjustHandles="1" noChangeArrowheads="1" noChangeShapeType="1" noTextEdit="1"/>
+                </p:cNvSpPr>
+                <p:nvPr/>
+              </p:nvSpPr>
+              <p:spPr>
+                <a:xfrm>
+                  <a:off x="4876938" y="2674946"/>
+                  <a:ext cx="435825" cy="276999"/>
+                </a:xfrm>
+                <a:prstGeom prst="rect">
+                  <a:avLst/>
+                </a:prstGeom>
+                <a:blipFill>
+                  <a:blip r:embed="rId11"/>
+                  <a:stretch>
+                    <a:fillRect/>
+                  </a:stretch>
+                </a:blipFill>
+              </p:spPr>
+              <p:txBody>
+                <a:bodyPr/>
+                <a:lstStyle/>
+                <a:p>
+                  <a:r>
+                    <a:rPr lang="zh-CN" altLang="en-US">
+                      <a:noFill/>
+                    </a:rPr>
+                    <a:t> </a:t>
+                  </a:r>
+                </a:p>
+              </p:txBody>
+            </p:sp>
+          </mc:Fallback>
+        </mc:AlternateContent>
+        <mc:AlternateContent xmlns:mc="http://schemas.openxmlformats.org/markup-compatibility/2006">
+          <mc:Choice xmlns:a14="http://schemas.microsoft.com/office/drawing/2010/main" Requires="a14">
+            <p:sp>
+              <p:nvSpPr>
+                <p:cNvPr id="62" name="矩形 61"/>
+                <p:cNvSpPr/>
+                <p:nvPr/>
+              </p:nvSpPr>
+              <p:spPr>
+                <a:xfrm>
+                  <a:off x="5782937" y="2729406"/>
+                  <a:ext cx="431337" cy="276999"/>
+                </a:xfrm>
+                <a:prstGeom prst="rect">
+                  <a:avLst/>
+                </a:prstGeom>
+              </p:spPr>
+              <p:txBody>
+                <a:bodyPr wrap="none">
+                  <a:spAutoFit/>
+                </a:bodyPr>
+                <a:lstStyle/>
+                <a:p>
+                  <a14:m>
+                    <m:oMathPara xmlns:m="http://schemas.openxmlformats.org/officeDocument/2006/math">
+                      <m:oMathParaPr>
+                        <m:jc m:val="centerGroup"/>
+                      </m:oMathParaPr>
+                      <m:oMath xmlns:m="http://schemas.openxmlformats.org/officeDocument/2006/math">
+                        <m:sSub>
+                          <m:sSubPr>
+                            <m:ctrlPr>
+                              <a:rPr lang="zh-CN" altLang="en-US" sz="1200" smtClean="0">
+                                <a:latin typeface="Cambria Math" panose="02040503050406030204" pitchFamily="18" charset="0"/>
+                              </a:rPr>
+                            </m:ctrlPr>
+                          </m:sSubPr>
+                          <m:e>
+                            <m:r>
+                              <a:rPr lang="zh-CN" altLang="en-US" sz="1200" i="1">
+                                <a:latin typeface="Cambria Math" panose="02040503050406030204" pitchFamily="18" charset="0"/>
+                              </a:rPr>
+                              <m:t>𝑇</m:t>
+                            </m:r>
+                          </m:e>
+                          <m:sub>
+                            <m:r>
+                              <a:rPr lang="en-US" altLang="zh-CN" sz="1200" b="0" i="0" smtClean="0">
+                                <a:latin typeface="Cambria Math" panose="02040503050406030204" pitchFamily="18" charset="0"/>
+                              </a:rPr>
+                              <m:t>43</m:t>
+                            </m:r>
+                          </m:sub>
+                        </m:sSub>
+                      </m:oMath>
+                    </m:oMathPara>
+                  </a14:m>
+                  <a:endParaRPr lang="zh-CN" altLang="en-US" dirty="0">
+                    <a:latin typeface="Times New Roman" panose="02020603050405020304" pitchFamily="18" charset="0"/>
+                    <a:cs typeface="Times New Roman" panose="02020603050405020304" pitchFamily="18" charset="0"/>
+                  </a:endParaRPr>
+                </a:p>
+              </p:txBody>
+            </p:sp>
+          </mc:Choice>
+          <mc:Fallback>
+            <p:sp>
+              <p:nvSpPr>
+                <p:cNvPr id="62" name="矩形 61"/>
+                <p:cNvSpPr>
+                  <a:spLocks noRot="1" noChangeAspect="1" noMove="1" noResize="1" noEditPoints="1" noAdjustHandles="1" noChangeArrowheads="1" noChangeShapeType="1" noTextEdit="1"/>
+                </p:cNvSpPr>
+                <p:nvPr/>
+              </p:nvSpPr>
+              <p:spPr>
+                <a:xfrm>
+                  <a:off x="5782937" y="2729406"/>
+                  <a:ext cx="431337" cy="276999"/>
+                </a:xfrm>
+                <a:prstGeom prst="rect">
+                  <a:avLst/>
+                </a:prstGeom>
+                <a:blipFill>
+                  <a:blip r:embed="rId12"/>
+                  <a:stretch>
+                    <a:fillRect/>
+                  </a:stretch>
+                </a:blipFill>
+              </p:spPr>
+              <p:txBody>
+                <a:bodyPr/>
+                <a:lstStyle/>
+                <a:p>
+                  <a:r>
+                    <a:rPr lang="zh-CN" altLang="en-US">
+                      <a:noFill/>
+                    </a:rPr>
+                    <a:t> </a:t>
+                  </a:r>
+                </a:p>
+              </p:txBody>
+            </p:sp>
+          </mc:Fallback>
+        </mc:AlternateContent>
+        <mc:AlternateContent xmlns:mc="http://schemas.openxmlformats.org/markup-compatibility/2006">
+          <mc:Choice xmlns:a14="http://schemas.microsoft.com/office/drawing/2010/main" Requires="a14">
+            <p:sp>
+              <p:nvSpPr>
+                <p:cNvPr id="63" name="矩形 62"/>
+                <p:cNvSpPr/>
+                <p:nvPr/>
+              </p:nvSpPr>
+              <p:spPr>
+                <a:xfrm>
+                  <a:off x="6502007" y="3199305"/>
+                  <a:ext cx="435825" cy="276999"/>
+                </a:xfrm>
+                <a:prstGeom prst="rect">
+                  <a:avLst/>
+                </a:prstGeom>
+              </p:spPr>
+              <p:txBody>
+                <a:bodyPr wrap="none">
+                  <a:spAutoFit/>
+                </a:bodyPr>
+                <a:lstStyle/>
+                <a:p>
+                  <a14:m>
+                    <m:oMathPara xmlns:m="http://schemas.openxmlformats.org/officeDocument/2006/math">
+                      <m:oMathParaPr>
+                        <m:jc m:val="centerGroup"/>
+                      </m:oMathParaPr>
+                      <m:oMath xmlns:m="http://schemas.openxmlformats.org/officeDocument/2006/math">
+                        <m:sSub>
+                          <m:sSubPr>
+                            <m:ctrlPr>
+                              <a:rPr lang="zh-CN" altLang="en-US" sz="1200" smtClean="0">
+                                <a:latin typeface="Cambria Math" panose="02040503050406030204" pitchFamily="18" charset="0"/>
+                              </a:rPr>
+                            </m:ctrlPr>
+                          </m:sSubPr>
+                          <m:e>
+                            <m:r>
+                              <a:rPr lang="zh-CN" altLang="en-US" sz="1200" i="1">
+                                <a:latin typeface="Cambria Math" panose="02040503050406030204" pitchFamily="18" charset="0"/>
+                              </a:rPr>
+                              <m:t>𝑇</m:t>
+                            </m:r>
+                          </m:e>
+                          <m:sub>
+                            <m:r>
+                              <a:rPr lang="en-US" altLang="zh-CN" sz="1200" b="0" i="0" smtClean="0">
+                                <a:latin typeface="Cambria Math" panose="02040503050406030204" pitchFamily="18" charset="0"/>
+                              </a:rPr>
+                              <m:t>54</m:t>
+                            </m:r>
+                          </m:sub>
+                        </m:sSub>
+                      </m:oMath>
+                    </m:oMathPara>
+                  </a14:m>
+                  <a:endParaRPr lang="zh-CN" altLang="en-US" dirty="0">
+                    <a:latin typeface="Times New Roman" panose="02020603050405020304" pitchFamily="18" charset="0"/>
+                    <a:cs typeface="Times New Roman" panose="02020603050405020304" pitchFamily="18" charset="0"/>
+                  </a:endParaRPr>
+                </a:p>
+              </p:txBody>
+            </p:sp>
+          </mc:Choice>
+          <mc:Fallback>
+            <p:sp>
+              <p:nvSpPr>
+                <p:cNvPr id="63" name="矩形 62"/>
+                <p:cNvSpPr>
+                  <a:spLocks noRot="1" noChangeAspect="1" noMove="1" noResize="1" noEditPoints="1" noAdjustHandles="1" noChangeArrowheads="1" noChangeShapeType="1" noTextEdit="1"/>
+                </p:cNvSpPr>
+                <p:nvPr/>
+              </p:nvSpPr>
+              <p:spPr>
+                <a:xfrm>
+                  <a:off x="6502007" y="3199305"/>
+                  <a:ext cx="435825" cy="276999"/>
+                </a:xfrm>
+                <a:prstGeom prst="rect">
+                  <a:avLst/>
+                </a:prstGeom>
+                <a:blipFill>
+                  <a:blip r:embed="rId13"/>
+                  <a:stretch>
+                    <a:fillRect/>
+                  </a:stretch>
+                </a:blipFill>
+              </p:spPr>
+              <p:txBody>
+                <a:bodyPr/>
+                <a:lstStyle/>
+                <a:p>
+                  <a:r>
+                    <a:rPr lang="zh-CN" altLang="en-US">
+                      <a:noFill/>
+                    </a:rPr>
+                    <a:t> </a:t>
+                  </a:r>
+                </a:p>
+              </p:txBody>
+            </p:sp>
+          </mc:Fallback>
+        </mc:AlternateContent>
+        <mc:AlternateContent xmlns:mc="http://schemas.openxmlformats.org/markup-compatibility/2006">
+          <mc:Choice xmlns:a14="http://schemas.microsoft.com/office/drawing/2010/main" Requires="a14">
+            <p:sp>
+              <p:nvSpPr>
+                <p:cNvPr id="64" name="矩形 63"/>
+                <p:cNvSpPr/>
+                <p:nvPr/>
+              </p:nvSpPr>
+              <p:spPr>
+                <a:xfrm>
+                  <a:off x="5388283" y="4291329"/>
+                  <a:ext cx="376513" cy="294119"/>
+                </a:xfrm>
+                <a:prstGeom prst="rect">
+                  <a:avLst/>
+                </a:prstGeom>
+              </p:spPr>
+              <p:txBody>
+                <a:bodyPr wrap="none">
+                  <a:spAutoFit/>
+                </a:bodyPr>
+                <a:lstStyle/>
+                <a:p>
+                  <a14:m>
+                    <m:oMathPara xmlns:m="http://schemas.openxmlformats.org/officeDocument/2006/math">
+                      <m:oMathParaPr>
+                        <m:jc m:val="centerGroup"/>
+                      </m:oMathParaPr>
+                      <m:oMath xmlns:m="http://schemas.openxmlformats.org/officeDocument/2006/math">
+                        <m:sSub>
+                          <m:sSubPr>
+                            <m:ctrlPr>
+                              <a:rPr lang="zh-CN" altLang="en-US" sz="1200" smtClean="0">
+                                <a:latin typeface="Cambria Math" panose="02040503050406030204" pitchFamily="18" charset="0"/>
+                              </a:rPr>
+                            </m:ctrlPr>
+                          </m:sSubPr>
+                          <m:e>
+                            <m:r>
+                              <a:rPr lang="zh-CN" altLang="en-US" sz="1200" i="1">
+                                <a:latin typeface="Cambria Math" panose="02040503050406030204" pitchFamily="18" charset="0"/>
+                              </a:rPr>
+                              <m:t>𝑇</m:t>
+                            </m:r>
+                          </m:e>
+                          <m:sub>
+                            <m:r>
+                              <m:rPr>
+                                <m:sty m:val="p"/>
+                              </m:rPr>
+                              <a:rPr lang="en-US" altLang="zh-CN" sz="1200" b="0" i="0" smtClean="0">
+                                <a:latin typeface="Cambria Math" panose="02040503050406030204" pitchFamily="18" charset="0"/>
+                              </a:rPr>
+                              <m:t>ji</m:t>
+                            </m:r>
+                          </m:sub>
+                        </m:sSub>
+                      </m:oMath>
+                    </m:oMathPara>
+                  </a14:m>
+                  <a:endParaRPr lang="zh-CN" altLang="en-US" dirty="0">
+                    <a:latin typeface="Times New Roman" panose="02020603050405020304" pitchFamily="18" charset="0"/>
+                    <a:cs typeface="Times New Roman" panose="02020603050405020304" pitchFamily="18" charset="0"/>
+                  </a:endParaRPr>
+                </a:p>
+              </p:txBody>
+            </p:sp>
+          </mc:Choice>
+          <mc:Fallback>
+            <p:sp>
+              <p:nvSpPr>
+                <p:cNvPr id="64" name="矩形 63"/>
+                <p:cNvSpPr>
+                  <a:spLocks noRot="1" noChangeAspect="1" noMove="1" noResize="1" noEditPoints="1" noAdjustHandles="1" noChangeArrowheads="1" noChangeShapeType="1" noTextEdit="1"/>
+                </p:cNvSpPr>
+                <p:nvPr/>
+              </p:nvSpPr>
+              <p:spPr>
+                <a:xfrm>
+                  <a:off x="5388283" y="4291329"/>
+                  <a:ext cx="376513" cy="294119"/>
+                </a:xfrm>
+                <a:prstGeom prst="rect">
+                  <a:avLst/>
+                </a:prstGeom>
+                <a:blipFill>
+                  <a:blip r:embed="rId14"/>
+                  <a:stretch>
+                    <a:fillRect b="-2083"/>
+                  </a:stretch>
+                </a:blipFill>
+              </p:spPr>
+              <p:txBody>
+                <a:bodyPr/>
+                <a:lstStyle/>
+                <a:p>
+                  <a:r>
+                    <a:rPr lang="zh-CN" altLang="en-US">
+                      <a:noFill/>
+                    </a:rPr>
+                    <a:t> </a:t>
+                  </a:r>
+                </a:p>
+              </p:txBody>
+            </p:sp>
+          </mc:Fallback>
+        </mc:AlternateContent>
+        <p:sp>
+          <p:nvSpPr>
+            <p:cNvPr id="66" name="椭圆 65"/>
+            <p:cNvSpPr/>
+            <p:nvPr/>
+          </p:nvSpPr>
+          <p:spPr>
+            <a:xfrm>
+              <a:off x="3488963" y="3250069"/>
+              <a:ext cx="1226661" cy="1237405"/>
+            </a:xfrm>
+            <a:prstGeom prst="ellipse">
+              <a:avLst/>
+            </a:prstGeom>
+            <a:noFill/>
+            <a:ln w="19050">
+              <a:solidFill>
+                <a:srgbClr val="0070C0"/>
+              </a:solidFill>
+              <a:prstDash val="dash"/>
+            </a:ln>
+          </p:spPr>
+          <p:style>
+            <a:lnRef idx="2">
+              <a:schemeClr val="accent1">
+                <a:shade val="50000"/>
+              </a:schemeClr>
+            </a:lnRef>
+            <a:fillRef idx="1">
+              <a:schemeClr val="accent1"/>
+            </a:fillRef>
+            <a:effectRef idx="0">
+              <a:schemeClr val="accent1"/>
+            </a:effectRef>
+            <a:fontRef idx="minor">
+              <a:schemeClr val="lt1"/>
+            </a:fontRef>
+          </p:style>
+          <p:txBody>
+            <a:bodyPr rtlCol="0" anchor="ctr"/>
+            <a:lstStyle/>
+            <a:p>
+              <a:pPr algn="ctr"/>
+              <a:endParaRPr lang="zh-CN" altLang="en-US"/>
+            </a:p>
+          </p:txBody>
+        </p:sp>
+        <p:cxnSp>
+          <p:nvCxnSpPr>
+            <p:cNvPr id="68" name="直接箭头连接符 67"/>
+            <p:cNvCxnSpPr>
+              <a:endCxn id="66" idx="3"/>
+            </p:cNvCxnSpPr>
+            <p:nvPr/>
+          </p:nvCxnSpPr>
+          <p:spPr>
+            <a:xfrm flipH="1">
+              <a:off x="3668603" y="3865427"/>
+              <a:ext cx="430531" cy="440833"/>
+            </a:xfrm>
+            <a:prstGeom prst="straightConnector1">
+              <a:avLst/>
+            </a:prstGeom>
+            <a:ln>
+              <a:tailEnd type="triangle"/>
+            </a:ln>
+          </p:spPr>
+          <p:style>
+            <a:lnRef idx="1">
+              <a:schemeClr val="dk1"/>
+            </a:lnRef>
+            <a:fillRef idx="0">
+              <a:schemeClr val="dk1"/>
+            </a:fillRef>
+            <a:effectRef idx="0">
+              <a:schemeClr val="dk1"/>
+            </a:effectRef>
+            <a:fontRef idx="minor">
+              <a:schemeClr val="tx1"/>
+            </a:fontRef>
+          </p:style>
+        </p:cxnSp>
+        <mc:AlternateContent xmlns:mc="http://schemas.openxmlformats.org/markup-compatibility/2006">
+          <mc:Choice xmlns:a14="http://schemas.microsoft.com/office/drawing/2010/main" Requires="a14">
+            <p:sp>
+              <p:nvSpPr>
+                <p:cNvPr id="70" name="矩形 69"/>
+                <p:cNvSpPr/>
+                <p:nvPr/>
+              </p:nvSpPr>
+              <p:spPr>
+                <a:xfrm>
+                  <a:off x="3761453" y="4019120"/>
+                  <a:ext cx="344261" cy="307777"/>
+                </a:xfrm>
+                <a:prstGeom prst="rect">
+                  <a:avLst/>
+                </a:prstGeom>
+              </p:spPr>
+              <p:txBody>
+                <a:bodyPr wrap="none">
+                  <a:spAutoFit/>
+                </a:bodyPr>
+                <a:lstStyle/>
+                <a:p>
+                  <a14:m>
+                    <m:oMathPara xmlns:m="http://schemas.openxmlformats.org/officeDocument/2006/math">
+                      <m:oMathParaPr>
+                        <m:jc m:val="centerGroup"/>
+                      </m:oMathParaPr>
+                      <m:oMath xmlns:m="http://schemas.openxmlformats.org/officeDocument/2006/math">
+                        <m:r>
+                          <a:rPr lang="zh-CN" altLang="en-US" sz="1400" i="1">
+                            <a:latin typeface="Cambria Math" panose="02040503050406030204" pitchFamily="18" charset="0"/>
+                          </a:rPr>
+                          <m:t>𝑑</m:t>
+                        </m:r>
+                      </m:oMath>
+                    </m:oMathPara>
+                  </a14:m>
+                  <a:endParaRPr lang="zh-CN" altLang="en-US" sz="1400" dirty="0"/>
+                </a:p>
+              </p:txBody>
+            </p:sp>
+          </mc:Choice>
+          <mc:Fallback>
+            <p:sp>
+              <p:nvSpPr>
+                <p:cNvPr id="70" name="矩形 69"/>
+                <p:cNvSpPr>
+                  <a:spLocks noRot="1" noChangeAspect="1" noMove="1" noResize="1" noEditPoints="1" noAdjustHandles="1" noChangeArrowheads="1" noChangeShapeType="1" noTextEdit="1"/>
+                </p:cNvSpPr>
+                <p:nvPr/>
+              </p:nvSpPr>
+              <p:spPr>
+                <a:xfrm>
+                  <a:off x="3761453" y="4019120"/>
+                  <a:ext cx="344261" cy="307777"/>
+                </a:xfrm>
+                <a:prstGeom prst="rect">
+                  <a:avLst/>
+                </a:prstGeom>
+                <a:blipFill>
+                  <a:blip r:embed="rId15"/>
+                  <a:stretch>
+                    <a:fillRect/>
+                  </a:stretch>
+                </a:blipFill>
+              </p:spPr>
+              <p:txBody>
+                <a:bodyPr/>
+                <a:lstStyle/>
+                <a:p>
+                  <a:r>
+                    <a:rPr lang="zh-CN" altLang="en-US">
+                      <a:noFill/>
+                    </a:rPr>
+                    <a:t> </a:t>
+                  </a:r>
+                </a:p>
+              </p:txBody>
+            </p:sp>
+          </mc:Fallback>
+        </mc:AlternateContent>
+      </p:grpSp>
+    </p:spTree>
+    <p:extLst>
+      <p:ext uri="{BB962C8B-B14F-4D97-AF65-F5344CB8AC3E}">
+        <p14:creationId xmlns:p14="http://schemas.microsoft.com/office/powerpoint/2010/main" val="1090893680"/>
+      </p:ext>
+    </p:extLst>
+  </p:cSld>
+  <p:clrMapOvr>
+    <a:masterClrMapping/>
+  </p:clrMapOvr>
+</p:sld>
+</file>
+
+<file path=ppt/slides/slide6.xml><?xml version="1.0" encoding="utf-8"?>
+<p:sld xmlns:a="http://schemas.openxmlformats.org/drawingml/2006/main" xmlns:r="http://schemas.openxmlformats.org/officeDocument/2006/relationships" xmlns:p="http://schemas.openxmlformats.org/presentationml/2006/main">
+  <p:cSld>
+    <p:spTree>
+      <p:nvGrpSpPr>
+        <p:cNvPr id="1" name=""/>
+        <p:cNvGrpSpPr/>
+        <p:nvPr/>
+      </p:nvGrpSpPr>
+      <p:grpSpPr>
+        <a:xfrm>
+          <a:off x="0" y="0"/>
+          <a:ext cx="0" cy="0"/>
+          <a:chOff x="0" y="0"/>
+          <a:chExt cx="0" cy="0"/>
+        </a:xfrm>
+      </p:grpSpPr>
+      <p:sp>
+        <p:nvSpPr>
+          <p:cNvPr id="42" name="矩形 41"/>
+          <p:cNvSpPr/>
+          <p:nvPr/>
+        </p:nvSpPr>
+        <p:spPr>
+          <a:xfrm>
+            <a:off x="5753100" y="2767966"/>
+            <a:ext cx="1231572" cy="514350"/>
+          </a:xfrm>
+          <a:prstGeom prst="rect">
+            <a:avLst/>
+          </a:prstGeom>
+          <a:noFill/>
+          <a:ln>
+            <a:solidFill>
+              <a:schemeClr val="tx1"/>
+            </a:solidFill>
+          </a:ln>
+        </p:spPr>
+        <p:style>
+          <a:lnRef idx="2">
+            <a:schemeClr val="accent1">
+              <a:shade val="50000"/>
+            </a:schemeClr>
+          </a:lnRef>
+          <a:fillRef idx="1">
+            <a:schemeClr val="accent1"/>
+          </a:fillRef>
+          <a:effectRef idx="0">
+            <a:schemeClr val="accent1"/>
+          </a:effectRef>
+          <a:fontRef idx="minor">
+            <a:schemeClr val="lt1"/>
+          </a:fontRef>
+        </p:style>
+        <p:txBody>
+          <a:bodyPr rtlCol="0" anchor="ctr"/>
+          <a:lstStyle/>
+          <a:p>
+            <a:pPr algn="ctr"/>
+            <a:r>
+              <a:rPr lang="en-US" altLang="zh-CN" sz="1200" dirty="0" smtClean="0">
+                <a:solidFill>
+                  <a:schemeClr val="tx1"/>
+                </a:solidFill>
+                <a:latin typeface="Times New Roman" panose="02020603050405020304" pitchFamily="18" charset="0"/>
+                <a:cs typeface="Times New Roman" panose="02020603050405020304" pitchFamily="18" charset="0"/>
+              </a:rPr>
+              <a:t>Previous Keyframes</a:t>
+            </a:r>
+            <a:endParaRPr lang="zh-CN" altLang="en-US" sz="1200" dirty="0">
+              <a:solidFill>
+                <a:schemeClr val="tx1"/>
+              </a:solidFill>
+              <a:latin typeface="Times New Roman" panose="02020603050405020304" pitchFamily="18" charset="0"/>
+              <a:cs typeface="Times New Roman" panose="02020603050405020304" pitchFamily="18" charset="0"/>
+            </a:endParaRPr>
+          </a:p>
+        </p:txBody>
+      </p:sp>
+      <p:sp>
+        <p:nvSpPr>
+          <p:cNvPr id="43" name="矩形 42"/>
+          <p:cNvSpPr/>
+          <p:nvPr/>
+        </p:nvSpPr>
+        <p:spPr>
+          <a:xfrm>
+            <a:off x="5794104" y="2724030"/>
+            <a:ext cx="1238250" cy="514350"/>
+          </a:xfrm>
+          <a:prstGeom prst="rect">
+            <a:avLst/>
+          </a:prstGeom>
+          <a:noFill/>
+          <a:ln>
+            <a:solidFill>
+              <a:schemeClr val="tx1"/>
+            </a:solidFill>
+          </a:ln>
+        </p:spPr>
+        <p:style>
+          <a:lnRef idx="2">
+            <a:schemeClr val="accent1">
+              <a:shade val="50000"/>
+            </a:schemeClr>
+          </a:lnRef>
+          <a:fillRef idx="1">
+            <a:schemeClr val="accent1"/>
+          </a:fillRef>
+          <a:effectRef idx="0">
+            <a:schemeClr val="accent1"/>
+          </a:effectRef>
+          <a:fontRef idx="minor">
+            <a:schemeClr val="lt1"/>
+          </a:fontRef>
+        </p:style>
+        <p:txBody>
+          <a:bodyPr rtlCol="0" anchor="ctr"/>
+          <a:lstStyle/>
+          <a:p>
+            <a:pPr algn="ctr"/>
+            <a:endParaRPr lang="zh-CN" altLang="en-US" sz="1200" dirty="0">
+              <a:solidFill>
+                <a:schemeClr val="tx1"/>
+              </a:solidFill>
+              <a:latin typeface="Times New Roman" panose="02020603050405020304" pitchFamily="18" charset="0"/>
+              <a:cs typeface="Times New Roman" panose="02020603050405020304" pitchFamily="18" charset="0"/>
+            </a:endParaRPr>
+          </a:p>
+        </p:txBody>
+      </p:sp>
+      <p:sp>
+        <p:nvSpPr>
+          <p:cNvPr id="44" name="矩形 43"/>
+          <p:cNvSpPr/>
+          <p:nvPr/>
+        </p:nvSpPr>
+        <p:spPr>
+          <a:xfrm>
+            <a:off x="5705418" y="2811902"/>
+            <a:ext cx="1241154" cy="514350"/>
+          </a:xfrm>
+          <a:prstGeom prst="rect">
+            <a:avLst/>
+          </a:prstGeom>
+          <a:noFill/>
+          <a:ln>
+            <a:solidFill>
+              <a:schemeClr val="tx1"/>
+            </a:solidFill>
+          </a:ln>
+        </p:spPr>
+        <p:style>
+          <a:lnRef idx="2">
+            <a:schemeClr val="accent1">
+              <a:shade val="50000"/>
+            </a:schemeClr>
+          </a:lnRef>
+          <a:fillRef idx="1">
+            <a:schemeClr val="accent1"/>
+          </a:fillRef>
+          <a:effectRef idx="0">
+            <a:schemeClr val="accent1"/>
+          </a:effectRef>
+          <a:fontRef idx="minor">
+            <a:schemeClr val="lt1"/>
+          </a:fontRef>
+        </p:style>
+        <p:txBody>
+          <a:bodyPr rtlCol="0" anchor="ctr"/>
+          <a:lstStyle/>
+          <a:p>
+            <a:pPr algn="ctr"/>
+            <a:endParaRPr lang="zh-CN" altLang="en-US" sz="1200" dirty="0">
+              <a:solidFill>
+                <a:schemeClr val="tx1"/>
+              </a:solidFill>
+              <a:latin typeface="Times New Roman" panose="02020603050405020304" pitchFamily="18" charset="0"/>
+              <a:cs typeface="Times New Roman" panose="02020603050405020304" pitchFamily="18" charset="0"/>
+            </a:endParaRPr>
+          </a:p>
+        </p:txBody>
+      </p:sp>
+      <p:sp>
+        <p:nvSpPr>
+          <p:cNvPr id="46" name="矩形 45"/>
+          <p:cNvSpPr/>
+          <p:nvPr/>
+        </p:nvSpPr>
+        <p:spPr>
+          <a:xfrm>
+            <a:off x="2724149" y="2771777"/>
+            <a:ext cx="933452" cy="514350"/>
+          </a:xfrm>
+          <a:prstGeom prst="rect">
+            <a:avLst/>
+          </a:prstGeom>
+          <a:noFill/>
+          <a:ln>
+            <a:solidFill>
+              <a:schemeClr val="tx1"/>
+            </a:solidFill>
+          </a:ln>
+        </p:spPr>
+        <p:style>
+          <a:lnRef idx="2">
+            <a:schemeClr val="accent1">
+              <a:shade val="50000"/>
+            </a:schemeClr>
+          </a:lnRef>
+          <a:fillRef idx="1">
+            <a:schemeClr val="accent1"/>
+          </a:fillRef>
+          <a:effectRef idx="0">
+            <a:schemeClr val="accent1"/>
+          </a:effectRef>
+          <a:fontRef idx="minor">
+            <a:schemeClr val="lt1"/>
+          </a:fontRef>
+        </p:style>
+        <p:txBody>
+          <a:bodyPr rtlCol="0" anchor="ctr"/>
+          <a:lstStyle/>
+          <a:p>
+            <a:pPr algn="ctr"/>
+            <a:r>
+              <a:rPr lang="en-US" altLang="zh-CN" sz="1200" dirty="0" smtClean="0">
+                <a:solidFill>
+                  <a:schemeClr val="tx1"/>
+                </a:solidFill>
+                <a:latin typeface="Times New Roman" panose="02020603050405020304" pitchFamily="18" charset="0"/>
+                <a:cs typeface="Times New Roman" panose="02020603050405020304" pitchFamily="18" charset="0"/>
+              </a:rPr>
+              <a:t>Current Frame</a:t>
+            </a:r>
+            <a:endParaRPr lang="zh-CN" altLang="en-US" sz="1200" dirty="0">
+              <a:solidFill>
+                <a:schemeClr val="tx1"/>
+              </a:solidFill>
+              <a:latin typeface="Times New Roman" panose="02020603050405020304" pitchFamily="18" charset="0"/>
+              <a:cs typeface="Times New Roman" panose="02020603050405020304" pitchFamily="18" charset="0"/>
+            </a:endParaRPr>
+          </a:p>
+        </p:txBody>
+      </p:sp>
+      <p:sp>
+        <p:nvSpPr>
+          <p:cNvPr id="2" name="矩形 1"/>
+          <p:cNvSpPr/>
+          <p:nvPr/>
+        </p:nvSpPr>
+        <p:spPr>
+          <a:xfrm>
+            <a:off x="6489429" y="1882259"/>
+            <a:ext cx="2813591" cy="369332"/>
+          </a:xfrm>
+          <a:prstGeom prst="rect">
+            <a:avLst/>
+          </a:prstGeom>
+        </p:spPr>
+        <p:txBody>
+          <a:bodyPr wrap="none">
+            <a:spAutoFit/>
+          </a:bodyPr>
+          <a:lstStyle/>
+          <a:p>
+            <a:pPr algn="ctr"/>
+            <a:r>
+              <a:rPr lang="en-US" altLang="zh-CN" dirty="0">
+                <a:latin typeface="Times New Roman" panose="02020603050405020304" pitchFamily="18" charset="0"/>
+                <a:cs typeface="Times New Roman" panose="02020603050405020304" pitchFamily="18" charset="0"/>
+              </a:rPr>
+              <a:t>Spatial Location Constraints</a:t>
+            </a:r>
+            <a:endParaRPr lang="zh-CN" altLang="en-US" dirty="0">
+              <a:latin typeface="Times New Roman" panose="02020603050405020304" pitchFamily="18" charset="0"/>
+              <a:cs typeface="Times New Roman" panose="02020603050405020304" pitchFamily="18" charset="0"/>
+            </a:endParaRPr>
+          </a:p>
+        </p:txBody>
+      </p:sp>
+      <p:sp>
+        <p:nvSpPr>
+          <p:cNvPr id="47" name="矩形 46"/>
+          <p:cNvSpPr/>
+          <p:nvPr/>
+        </p:nvSpPr>
+        <p:spPr>
+          <a:xfrm>
+            <a:off x="4039587" y="2771777"/>
+            <a:ext cx="1193472" cy="514350"/>
+          </a:xfrm>
+          <a:prstGeom prst="rect">
+            <a:avLst/>
+          </a:prstGeom>
+          <a:ln/>
+        </p:spPr>
+        <p:style>
+          <a:lnRef idx="2">
+            <a:schemeClr val="dk1"/>
+          </a:lnRef>
+          <a:fillRef idx="1">
+            <a:schemeClr val="lt1"/>
+          </a:fillRef>
+          <a:effectRef idx="0">
+            <a:schemeClr val="dk1"/>
+          </a:effectRef>
+          <a:fontRef idx="minor">
+            <a:schemeClr val="dk1"/>
+          </a:fontRef>
+        </p:style>
+        <p:txBody>
+          <a:bodyPr rtlCol="0" anchor="ctr"/>
+          <a:lstStyle/>
+          <a:p>
+            <a:pPr algn="ctr"/>
+            <a:r>
+              <a:rPr lang="en-US" altLang="zh-CN" sz="1200" dirty="0">
+                <a:solidFill>
+                  <a:schemeClr val="tx1"/>
+                </a:solidFill>
+                <a:latin typeface="Times New Roman" panose="02020603050405020304" pitchFamily="18" charset="0"/>
+                <a:cs typeface="Times New Roman" panose="02020603050405020304" pitchFamily="18" charset="0"/>
+              </a:rPr>
+              <a:t>Spatial Location Constraints</a:t>
+            </a:r>
+            <a:endParaRPr lang="zh-CN" altLang="en-US" sz="1200" dirty="0">
+              <a:solidFill>
+                <a:schemeClr val="tx1"/>
+              </a:solidFill>
+              <a:latin typeface="Times New Roman" panose="02020603050405020304" pitchFamily="18" charset="0"/>
+              <a:cs typeface="Times New Roman" panose="02020603050405020304" pitchFamily="18" charset="0"/>
+            </a:endParaRPr>
+          </a:p>
+        </p:txBody>
+      </p:sp>
+      <p:sp>
+        <p:nvSpPr>
+          <p:cNvPr id="49" name="矩形 48"/>
+          <p:cNvSpPr/>
+          <p:nvPr/>
+        </p:nvSpPr>
+        <p:spPr>
+          <a:xfrm>
+            <a:off x="4039588" y="3733801"/>
+            <a:ext cx="1193472" cy="514350"/>
+          </a:xfrm>
+          <a:prstGeom prst="rect">
+            <a:avLst/>
+          </a:prstGeom>
+          <a:noFill/>
+          <a:ln>
+            <a:solidFill>
+              <a:schemeClr val="tx1"/>
+            </a:solidFill>
+          </a:ln>
+        </p:spPr>
+        <p:style>
+          <a:lnRef idx="2">
+            <a:schemeClr val="accent1">
+              <a:shade val="50000"/>
+            </a:schemeClr>
+          </a:lnRef>
+          <a:fillRef idx="1">
+            <a:schemeClr val="accent1"/>
+          </a:fillRef>
+          <a:effectRef idx="0">
+            <a:schemeClr val="accent1"/>
+          </a:effectRef>
+          <a:fontRef idx="minor">
+            <a:schemeClr val="lt1"/>
+          </a:fontRef>
+        </p:style>
+        <p:txBody>
+          <a:bodyPr rtlCol="0" anchor="ctr"/>
+          <a:lstStyle/>
+          <a:p>
+            <a:pPr algn="ctr"/>
+            <a:r>
+              <a:rPr lang="en-US" altLang="zh-CN" sz="1200" dirty="0" smtClean="0">
+                <a:solidFill>
+                  <a:schemeClr val="tx1"/>
+                </a:solidFill>
+                <a:latin typeface="Times New Roman" panose="02020603050405020304" pitchFamily="18" charset="0"/>
+                <a:cs typeface="Times New Roman" panose="02020603050405020304" pitchFamily="18" charset="0"/>
+              </a:rPr>
+              <a:t>Candidates</a:t>
+            </a:r>
+            <a:endParaRPr lang="zh-CN" altLang="en-US" sz="1200" dirty="0">
+              <a:solidFill>
+                <a:schemeClr val="tx1"/>
+              </a:solidFill>
+              <a:latin typeface="Times New Roman" panose="02020603050405020304" pitchFamily="18" charset="0"/>
+              <a:cs typeface="Times New Roman" panose="02020603050405020304" pitchFamily="18" charset="0"/>
+            </a:endParaRPr>
+          </a:p>
+        </p:txBody>
+      </p:sp>
+      <p:sp>
+        <p:nvSpPr>
+          <p:cNvPr id="50" name="矩形 49"/>
+          <p:cNvSpPr/>
+          <p:nvPr/>
+        </p:nvSpPr>
+        <p:spPr>
+          <a:xfrm>
+            <a:off x="2724149" y="3733801"/>
+            <a:ext cx="933452" cy="514350"/>
+          </a:xfrm>
+          <a:prstGeom prst="rect">
+            <a:avLst/>
+          </a:prstGeom>
+          <a:noFill/>
+          <a:ln>
+            <a:solidFill>
+              <a:schemeClr val="tx1"/>
+            </a:solidFill>
+          </a:ln>
+        </p:spPr>
+        <p:style>
+          <a:lnRef idx="2">
+            <a:schemeClr val="accent1">
+              <a:shade val="50000"/>
+            </a:schemeClr>
+          </a:lnRef>
+          <a:fillRef idx="1">
+            <a:schemeClr val="accent1"/>
+          </a:fillRef>
+          <a:effectRef idx="0">
+            <a:schemeClr val="accent1"/>
+          </a:effectRef>
+          <a:fontRef idx="minor">
+            <a:schemeClr val="lt1"/>
+          </a:fontRef>
+        </p:style>
+        <p:txBody>
+          <a:bodyPr rtlCol="0" anchor="ctr"/>
+          <a:lstStyle/>
+          <a:p>
+            <a:pPr algn="ctr"/>
+            <a:r>
+              <a:rPr lang="en-US" altLang="zh-CN" sz="1200" dirty="0" smtClean="0">
+                <a:solidFill>
+                  <a:schemeClr val="tx1"/>
+                </a:solidFill>
+                <a:latin typeface="Times New Roman" panose="02020603050405020304" pitchFamily="18" charset="0"/>
+                <a:cs typeface="Times New Roman" panose="02020603050405020304" pitchFamily="18" charset="0"/>
+              </a:rPr>
+              <a:t>DBoW2</a:t>
+            </a:r>
+            <a:endParaRPr lang="zh-CN" altLang="en-US" sz="1200" dirty="0">
+              <a:solidFill>
+                <a:schemeClr val="tx1"/>
+              </a:solidFill>
+              <a:latin typeface="Times New Roman" panose="02020603050405020304" pitchFamily="18" charset="0"/>
+              <a:cs typeface="Times New Roman" panose="02020603050405020304" pitchFamily="18" charset="0"/>
+            </a:endParaRPr>
+          </a:p>
+        </p:txBody>
+      </p:sp>
+      <p:sp>
+        <p:nvSpPr>
+          <p:cNvPr id="52" name="矩形 51"/>
+          <p:cNvSpPr/>
+          <p:nvPr/>
+        </p:nvSpPr>
+        <p:spPr>
+          <a:xfrm>
+            <a:off x="2724149" y="4695825"/>
+            <a:ext cx="933452" cy="514350"/>
+          </a:xfrm>
+          <a:prstGeom prst="rect">
+            <a:avLst/>
+          </a:prstGeom>
+          <a:noFill/>
+          <a:ln>
+            <a:solidFill>
+              <a:schemeClr val="tx1"/>
+            </a:solidFill>
+          </a:ln>
+        </p:spPr>
+        <p:style>
+          <a:lnRef idx="2">
+            <a:schemeClr val="accent1">
+              <a:shade val="50000"/>
+            </a:schemeClr>
+          </a:lnRef>
+          <a:fillRef idx="1">
+            <a:schemeClr val="accent1"/>
+          </a:fillRef>
+          <a:effectRef idx="0">
+            <a:schemeClr val="accent1"/>
+          </a:effectRef>
+          <a:fontRef idx="minor">
+            <a:schemeClr val="lt1"/>
+          </a:fontRef>
+        </p:style>
+        <p:txBody>
+          <a:bodyPr rtlCol="0" anchor="ctr"/>
+          <a:lstStyle/>
+          <a:p>
+            <a:pPr algn="ctr"/>
+            <a:r>
+              <a:rPr lang="en-US" altLang="zh-CN" sz="1200" dirty="0" smtClean="0">
+                <a:solidFill>
+                  <a:schemeClr val="tx1"/>
+                </a:solidFill>
+                <a:latin typeface="Times New Roman" panose="02020603050405020304" pitchFamily="18" charset="0"/>
+                <a:cs typeface="Times New Roman" panose="02020603050405020304" pitchFamily="18" charset="0"/>
+              </a:rPr>
+              <a:t>Candidate</a:t>
+            </a:r>
+            <a:endParaRPr lang="zh-CN" altLang="en-US" sz="1200" dirty="0">
+              <a:solidFill>
+                <a:schemeClr val="tx1"/>
+              </a:solidFill>
+              <a:latin typeface="Times New Roman" panose="02020603050405020304" pitchFamily="18" charset="0"/>
+              <a:cs typeface="Times New Roman" panose="02020603050405020304" pitchFamily="18" charset="0"/>
+            </a:endParaRPr>
+          </a:p>
+        </p:txBody>
+      </p:sp>
+      <p:sp>
+        <p:nvSpPr>
+          <p:cNvPr id="53" name="矩形 52"/>
+          <p:cNvSpPr/>
+          <p:nvPr/>
+        </p:nvSpPr>
+        <p:spPr>
+          <a:xfrm>
+            <a:off x="4039587" y="4695825"/>
+            <a:ext cx="1193472" cy="514350"/>
+          </a:xfrm>
+          <a:prstGeom prst="rect">
+            <a:avLst/>
+          </a:prstGeom>
+          <a:noFill/>
+          <a:ln>
+            <a:solidFill>
+              <a:schemeClr val="tx1"/>
+            </a:solidFill>
+          </a:ln>
+        </p:spPr>
+        <p:style>
+          <a:lnRef idx="2">
+            <a:schemeClr val="accent1">
+              <a:shade val="50000"/>
+            </a:schemeClr>
+          </a:lnRef>
+          <a:fillRef idx="1">
+            <a:schemeClr val="accent1"/>
+          </a:fillRef>
+          <a:effectRef idx="0">
+            <a:schemeClr val="accent1"/>
+          </a:effectRef>
+          <a:fontRef idx="minor">
+            <a:schemeClr val="lt1"/>
+          </a:fontRef>
+        </p:style>
+        <p:txBody>
+          <a:bodyPr rtlCol="0" anchor="ctr"/>
+          <a:lstStyle/>
+          <a:p>
+            <a:pPr algn="ctr"/>
+            <a:r>
+              <a:rPr lang="en-US" altLang="zh-CN" sz="1200" dirty="0" smtClean="0">
+                <a:solidFill>
+                  <a:schemeClr val="tx1"/>
+                </a:solidFill>
+                <a:latin typeface="Times New Roman" panose="02020603050405020304" pitchFamily="18" charset="0"/>
+                <a:cs typeface="Times New Roman" panose="02020603050405020304" pitchFamily="18" charset="0"/>
+              </a:rPr>
+              <a:t>Candidates</a:t>
+            </a:r>
+            <a:endParaRPr lang="zh-CN" altLang="en-US" sz="1200" dirty="0">
+              <a:solidFill>
+                <a:schemeClr val="tx1"/>
+              </a:solidFill>
+              <a:latin typeface="Times New Roman" panose="02020603050405020304" pitchFamily="18" charset="0"/>
+              <a:cs typeface="Times New Roman" panose="02020603050405020304" pitchFamily="18" charset="0"/>
+            </a:endParaRPr>
+          </a:p>
+        </p:txBody>
+      </p:sp>
+      <p:sp>
+        <p:nvSpPr>
+          <p:cNvPr id="54" name="矩形 53"/>
+          <p:cNvSpPr/>
+          <p:nvPr/>
+        </p:nvSpPr>
+        <p:spPr>
+          <a:xfrm>
+            <a:off x="5794104" y="4695825"/>
+            <a:ext cx="1193472" cy="514350"/>
+          </a:xfrm>
+          <a:prstGeom prst="rect">
+            <a:avLst/>
+          </a:prstGeom>
+          <a:noFill/>
+          <a:ln>
+            <a:solidFill>
+              <a:schemeClr val="tx1"/>
+            </a:solidFill>
+          </a:ln>
+        </p:spPr>
+        <p:style>
+          <a:lnRef idx="2">
+            <a:schemeClr val="accent1">
+              <a:shade val="50000"/>
+            </a:schemeClr>
+          </a:lnRef>
+          <a:fillRef idx="1">
+            <a:schemeClr val="accent1"/>
+          </a:fillRef>
+          <a:effectRef idx="0">
+            <a:schemeClr val="accent1"/>
+          </a:effectRef>
+          <a:fontRef idx="minor">
+            <a:schemeClr val="lt1"/>
+          </a:fontRef>
+        </p:style>
+        <p:txBody>
+          <a:bodyPr rtlCol="0" anchor="ctr"/>
+          <a:lstStyle/>
+          <a:p>
+            <a:pPr algn="ctr"/>
+            <a:r>
+              <a:rPr lang="en-US" altLang="zh-CN" sz="1200" dirty="0" smtClean="0">
+                <a:solidFill>
+                  <a:schemeClr val="tx1"/>
+                </a:solidFill>
+                <a:latin typeface="Times New Roman" panose="02020603050405020304" pitchFamily="18" charset="0"/>
+                <a:cs typeface="Times New Roman" panose="02020603050405020304" pitchFamily="18" charset="0"/>
+              </a:rPr>
+              <a:t>Candidates</a:t>
+            </a:r>
+            <a:endParaRPr lang="zh-CN" altLang="en-US" sz="1200" dirty="0">
+              <a:solidFill>
+                <a:schemeClr val="tx1"/>
+              </a:solidFill>
+              <a:latin typeface="Times New Roman" panose="02020603050405020304" pitchFamily="18" charset="0"/>
+              <a:cs typeface="Times New Roman" panose="02020603050405020304" pitchFamily="18" charset="0"/>
+            </a:endParaRPr>
+          </a:p>
+        </p:txBody>
+      </p:sp>
+      <p:cxnSp>
+        <p:nvCxnSpPr>
+          <p:cNvPr id="28" name="直接箭头连接符 27"/>
+          <p:cNvCxnSpPr>
+            <a:stCxn id="46" idx="3"/>
+            <a:endCxn id="47" idx="1"/>
+          </p:cNvCxnSpPr>
+          <p:nvPr/>
+        </p:nvCxnSpPr>
+        <p:spPr>
+          <a:xfrm>
+            <a:off x="3657601" y="3028952"/>
+            <a:ext cx="381986" cy="0"/>
+          </a:xfrm>
+          <a:prstGeom prst="straightConnector1">
+            <a:avLst/>
+          </a:prstGeom>
+          <a:ln>
+            <a:tailEnd type="triangle"/>
+          </a:ln>
+        </p:spPr>
+        <p:style>
+          <a:lnRef idx="1">
+            <a:schemeClr val="dk1"/>
+          </a:lnRef>
+          <a:fillRef idx="0">
+            <a:schemeClr val="dk1"/>
+          </a:fillRef>
+          <a:effectRef idx="0">
+            <a:schemeClr val="dk1"/>
+          </a:effectRef>
+          <a:fontRef idx="minor">
+            <a:schemeClr val="tx1"/>
+          </a:fontRef>
+        </p:style>
+      </p:cxnSp>
+      <p:cxnSp>
+        <p:nvCxnSpPr>
+          <p:cNvPr id="55" name="直接箭头连接符 54"/>
+          <p:cNvCxnSpPr>
+            <a:stCxn id="42" idx="1"/>
+            <a:endCxn id="47" idx="3"/>
+          </p:cNvCxnSpPr>
+          <p:nvPr/>
+        </p:nvCxnSpPr>
+        <p:spPr>
+          <a:xfrm flipH="1">
+            <a:off x="5233059" y="3025141"/>
+            <a:ext cx="520041" cy="3811"/>
+          </a:xfrm>
+          <a:prstGeom prst="straightConnector1">
+            <a:avLst/>
+          </a:prstGeom>
+          <a:ln>
+            <a:tailEnd type="triangle"/>
+          </a:ln>
+        </p:spPr>
+        <p:style>
+          <a:lnRef idx="1">
+            <a:schemeClr val="dk1"/>
+          </a:lnRef>
+          <a:fillRef idx="0">
+            <a:schemeClr val="dk1"/>
+          </a:fillRef>
+          <a:effectRef idx="0">
+            <a:schemeClr val="dk1"/>
+          </a:effectRef>
+          <a:fontRef idx="minor">
+            <a:schemeClr val="tx1"/>
+          </a:fontRef>
+        </p:style>
+      </p:cxnSp>
+      <p:cxnSp>
+        <p:nvCxnSpPr>
+          <p:cNvPr id="59" name="直接箭头连接符 58"/>
+          <p:cNvCxnSpPr>
+            <a:stCxn id="47" idx="2"/>
+            <a:endCxn id="49" idx="0"/>
+          </p:cNvCxnSpPr>
+          <p:nvPr/>
+        </p:nvCxnSpPr>
+        <p:spPr>
+          <a:xfrm>
+            <a:off x="4636323" y="3286127"/>
+            <a:ext cx="1" cy="447674"/>
+          </a:xfrm>
+          <a:prstGeom prst="straightConnector1">
+            <a:avLst/>
+          </a:prstGeom>
+          <a:ln>
+            <a:tailEnd type="triangle"/>
+          </a:ln>
+        </p:spPr>
+        <p:style>
+          <a:lnRef idx="1">
+            <a:schemeClr val="dk1"/>
+          </a:lnRef>
+          <a:fillRef idx="0">
+            <a:schemeClr val="dk1"/>
+          </a:fillRef>
+          <a:effectRef idx="0">
+            <a:schemeClr val="dk1"/>
+          </a:effectRef>
+          <a:fontRef idx="minor">
+            <a:schemeClr val="tx1"/>
+          </a:fontRef>
+        </p:style>
+      </p:cxnSp>
+      <p:cxnSp>
+        <p:nvCxnSpPr>
+          <p:cNvPr id="65" name="直接箭头连接符 64"/>
+          <p:cNvCxnSpPr>
+            <a:stCxn id="49" idx="1"/>
+            <a:endCxn id="50" idx="3"/>
+          </p:cNvCxnSpPr>
+          <p:nvPr/>
+        </p:nvCxnSpPr>
+        <p:spPr>
+          <a:xfrm flipH="1">
+            <a:off x="3657601" y="3990976"/>
+            <a:ext cx="381987" cy="0"/>
+          </a:xfrm>
+          <a:prstGeom prst="straightConnector1">
+            <a:avLst/>
+          </a:prstGeom>
+          <a:ln>
+            <a:tailEnd type="triangle"/>
+          </a:ln>
+        </p:spPr>
+        <p:style>
+          <a:lnRef idx="1">
+            <a:schemeClr val="dk1"/>
+          </a:lnRef>
+          <a:fillRef idx="0">
+            <a:schemeClr val="dk1"/>
+          </a:fillRef>
+          <a:effectRef idx="0">
+            <a:schemeClr val="dk1"/>
+          </a:effectRef>
+          <a:fontRef idx="minor">
+            <a:schemeClr val="tx1"/>
+          </a:fontRef>
+        </p:style>
+      </p:cxnSp>
+      <p:cxnSp>
+        <p:nvCxnSpPr>
+          <p:cNvPr id="67" name="直接箭头连接符 66"/>
+          <p:cNvCxnSpPr>
+            <a:stCxn id="46" idx="2"/>
+            <a:endCxn id="50" idx="0"/>
+          </p:cNvCxnSpPr>
+          <p:nvPr/>
+        </p:nvCxnSpPr>
+        <p:spPr>
+          <a:xfrm>
+            <a:off x="3190875" y="3286127"/>
+            <a:ext cx="0" cy="447674"/>
+          </a:xfrm>
+          <a:prstGeom prst="straightConnector1">
+            <a:avLst/>
+          </a:prstGeom>
+          <a:ln>
+            <a:tailEnd type="triangle"/>
+          </a:ln>
+        </p:spPr>
+        <p:style>
+          <a:lnRef idx="1">
+            <a:schemeClr val="dk1"/>
+          </a:lnRef>
+          <a:fillRef idx="0">
+            <a:schemeClr val="dk1"/>
+          </a:fillRef>
+          <a:effectRef idx="0">
+            <a:schemeClr val="dk1"/>
+          </a:effectRef>
+          <a:fontRef idx="minor">
+            <a:schemeClr val="tx1"/>
+          </a:fontRef>
+        </p:style>
+      </p:cxnSp>
+      <p:cxnSp>
+        <p:nvCxnSpPr>
+          <p:cNvPr id="69" name="直接箭头连接符 68"/>
+          <p:cNvCxnSpPr>
+            <a:stCxn id="50" idx="2"/>
+            <a:endCxn id="52" idx="0"/>
+          </p:cNvCxnSpPr>
+          <p:nvPr/>
+        </p:nvCxnSpPr>
+        <p:spPr>
+          <a:xfrm>
+            <a:off x="3190875" y="4248151"/>
+            <a:ext cx="0" cy="447674"/>
+          </a:xfrm>
+          <a:prstGeom prst="straightConnector1">
+            <a:avLst/>
+          </a:prstGeom>
+          <a:ln>
+            <a:tailEnd type="triangle"/>
+          </a:ln>
+        </p:spPr>
+        <p:style>
+          <a:lnRef idx="1">
+            <a:schemeClr val="dk1"/>
+          </a:lnRef>
+          <a:fillRef idx="0">
+            <a:schemeClr val="dk1"/>
+          </a:fillRef>
+          <a:effectRef idx="0">
+            <a:schemeClr val="dk1"/>
+          </a:effectRef>
+          <a:fontRef idx="minor">
+            <a:schemeClr val="tx1"/>
+          </a:fontRef>
+        </p:style>
+      </p:cxnSp>
+      <p:cxnSp>
+        <p:nvCxnSpPr>
+          <p:cNvPr id="72" name="直接箭头连接符 71"/>
+          <p:cNvCxnSpPr>
+            <a:stCxn id="52" idx="3"/>
+            <a:endCxn id="53" idx="1"/>
+          </p:cNvCxnSpPr>
+          <p:nvPr/>
+        </p:nvCxnSpPr>
+        <p:spPr>
+          <a:xfrm>
+            <a:off x="3657601" y="4953000"/>
+            <a:ext cx="381986" cy="0"/>
+          </a:xfrm>
+          <a:prstGeom prst="straightConnector1">
+            <a:avLst/>
+          </a:prstGeom>
+          <a:ln>
+            <a:tailEnd type="triangle"/>
+          </a:ln>
+        </p:spPr>
+        <p:style>
+          <a:lnRef idx="1">
+            <a:schemeClr val="dk1"/>
+          </a:lnRef>
+          <a:fillRef idx="0">
+            <a:schemeClr val="dk1"/>
+          </a:fillRef>
+          <a:effectRef idx="0">
+            <a:schemeClr val="dk1"/>
+          </a:effectRef>
+          <a:fontRef idx="minor">
+            <a:schemeClr val="tx1"/>
+          </a:fontRef>
+        </p:style>
+      </p:cxnSp>
+      <p:cxnSp>
+        <p:nvCxnSpPr>
+          <p:cNvPr id="74" name="直接箭头连接符 73"/>
+          <p:cNvCxnSpPr>
+            <a:stCxn id="53" idx="3"/>
+            <a:endCxn id="54" idx="1"/>
+          </p:cNvCxnSpPr>
+          <p:nvPr/>
+        </p:nvCxnSpPr>
+        <p:spPr>
+          <a:xfrm>
+            <a:off x="5233059" y="4953000"/>
+            <a:ext cx="561045" cy="0"/>
+          </a:xfrm>
+          <a:prstGeom prst="straightConnector1">
+            <a:avLst/>
+          </a:prstGeom>
+          <a:ln>
+            <a:tailEnd type="triangle"/>
+          </a:ln>
+        </p:spPr>
+        <p:style>
+          <a:lnRef idx="1">
+            <a:schemeClr val="dk1"/>
+          </a:lnRef>
+          <a:fillRef idx="0">
+            <a:schemeClr val="dk1"/>
+          </a:fillRef>
+          <a:effectRef idx="0">
+            <a:schemeClr val="dk1"/>
+          </a:effectRef>
+          <a:fontRef idx="minor">
+            <a:schemeClr val="tx1"/>
+          </a:fontRef>
+        </p:style>
+      </p:cxnSp>
+      <p:cxnSp>
+        <p:nvCxnSpPr>
+          <p:cNvPr id="77" name="直接箭头连接符 76"/>
+          <p:cNvCxnSpPr>
+            <a:stCxn id="54" idx="0"/>
+            <a:endCxn id="42" idx="2"/>
+          </p:cNvCxnSpPr>
+          <p:nvPr/>
+        </p:nvCxnSpPr>
+        <p:spPr>
+          <a:xfrm flipH="1" flipV="1">
+            <a:off x="6368886" y="3282316"/>
+            <a:ext cx="21954" cy="1413509"/>
+          </a:xfrm>
+          <a:prstGeom prst="straightConnector1">
+            <a:avLst/>
+          </a:prstGeom>
+          <a:ln>
+            <a:tailEnd type="triangle"/>
+          </a:ln>
+        </p:spPr>
+        <p:style>
+          <a:lnRef idx="1">
+            <a:schemeClr val="dk1"/>
+          </a:lnRef>
+          <a:fillRef idx="0">
+            <a:schemeClr val="dk1"/>
+          </a:fillRef>
+          <a:effectRef idx="0">
+            <a:schemeClr val="dk1"/>
+          </a:effectRef>
+          <a:fontRef idx="minor">
+            <a:schemeClr val="tx1"/>
+          </a:fontRef>
+        </p:style>
+      </p:cxnSp>
+    </p:spTree>
+    <p:extLst>
+      <p:ext uri="{BB962C8B-B14F-4D97-AF65-F5344CB8AC3E}">
+        <p14:creationId xmlns:p14="http://schemas.microsoft.com/office/powerpoint/2010/main" val="3484092366"/>
+      </p:ext>
+    </p:extLst>
+  </p:cSld>
+  <p:clrMapOvr>
+    <a:masterClrMapping/>
+  </p:clrMapOvr>
+</p:sld>
+</file>
+
 <file path=ppt/theme/theme1.xml><?xml version="1.0" encoding="utf-8"?>
 <a:theme xmlns:a="http://schemas.openxmlformats.org/drawingml/2006/main" name="Office 主题​​">
   <a:themeElements>
